--- a/Shmoocon.pptx
+++ b/Shmoocon.pptx
@@ -5,7 +5,7 @@
     <p:sldMasterId id="2147483708" r:id="rId1"/>
   </p:sldMasterIdLst>
   <p:notesMasterIdLst>
-    <p:notesMasterId r:id="rId56"/>
+    <p:notesMasterId r:id="rId74"/>
   </p:notesMasterIdLst>
   <p:sldIdLst>
     <p:sldId id="256" r:id="rId2"/>
@@ -57,11 +57,29 @@
     <p:sldId id="309" r:id="rId48"/>
     <p:sldId id="311" r:id="rId49"/>
     <p:sldId id="317" r:id="rId50"/>
-    <p:sldId id="310" r:id="rId51"/>
-    <p:sldId id="312" r:id="rId52"/>
-    <p:sldId id="313" r:id="rId53"/>
-    <p:sldId id="315" r:id="rId54"/>
-    <p:sldId id="316" r:id="rId55"/>
+    <p:sldId id="318" r:id="rId51"/>
+    <p:sldId id="319" r:id="rId52"/>
+    <p:sldId id="320" r:id="rId53"/>
+    <p:sldId id="321" r:id="rId54"/>
+    <p:sldId id="322" r:id="rId55"/>
+    <p:sldId id="323" r:id="rId56"/>
+    <p:sldId id="324" r:id="rId57"/>
+    <p:sldId id="325" r:id="rId58"/>
+    <p:sldId id="326" r:id="rId59"/>
+    <p:sldId id="327" r:id="rId60"/>
+    <p:sldId id="328" r:id="rId61"/>
+    <p:sldId id="329" r:id="rId62"/>
+    <p:sldId id="330" r:id="rId63"/>
+    <p:sldId id="331" r:id="rId64"/>
+    <p:sldId id="332" r:id="rId65"/>
+    <p:sldId id="333" r:id="rId66"/>
+    <p:sldId id="334" r:id="rId67"/>
+    <p:sldId id="335" r:id="rId68"/>
+    <p:sldId id="310" r:id="rId69"/>
+    <p:sldId id="312" r:id="rId70"/>
+    <p:sldId id="313" r:id="rId71"/>
+    <p:sldId id="315" r:id="rId72"/>
+    <p:sldId id="316" r:id="rId73"/>
   </p:sldIdLst>
   <p:sldSz cx="9144000" cy="6858000" type="screen4x3"/>
   <p:notesSz cx="6858000" cy="9144000"/>
@@ -245,7 +263,7 @@
           <a:p>
             <a:fld id="{B518C13D-2B3F-42C3-B83D-5B01E1232990}" type="datetimeFigureOut">
               <a:rPr lang="en-US" smtClean="0"/>
-              <a:t>1/31/2013</a:t>
+              <a:t>2/1/2013</a:t>
             </a:fld>
             <a:endParaRPr lang="en-US"/>
           </a:p>
@@ -930,7 +948,7 @@
           <a:p>
             <a:fld id="{C7363F1F-ADBF-4FAE-A422-131859708330}" type="datetimeFigureOut">
               <a:rPr lang="en-US" smtClean="0"/>
-              <a:t>1/31/2013</a:t>
+              <a:t>2/1/2013</a:t>
             </a:fld>
             <a:endParaRPr lang="en-US"/>
           </a:p>
@@ -1100,7 +1118,7 @@
           <a:p>
             <a:fld id="{C7363F1F-ADBF-4FAE-A422-131859708330}" type="datetimeFigureOut">
               <a:rPr lang="en-US" smtClean="0"/>
-              <a:t>1/31/2013</a:t>
+              <a:t>2/1/2013</a:t>
             </a:fld>
             <a:endParaRPr lang="en-US"/>
           </a:p>
@@ -1280,7 +1298,7 @@
           <a:p>
             <a:fld id="{C7363F1F-ADBF-4FAE-A422-131859708330}" type="datetimeFigureOut">
               <a:rPr lang="en-US" smtClean="0"/>
-              <a:t>1/31/2013</a:t>
+              <a:t>2/1/2013</a:t>
             </a:fld>
             <a:endParaRPr lang="en-US"/>
           </a:p>
@@ -1450,7 +1468,7 @@
           <a:p>
             <a:fld id="{C7363F1F-ADBF-4FAE-A422-131859708330}" type="datetimeFigureOut">
               <a:rPr lang="en-US" smtClean="0"/>
-              <a:t>1/31/2013</a:t>
+              <a:t>2/1/2013</a:t>
             </a:fld>
             <a:endParaRPr lang="en-US"/>
           </a:p>
@@ -1696,7 +1714,7 @@
           <a:p>
             <a:fld id="{C7363F1F-ADBF-4FAE-A422-131859708330}" type="datetimeFigureOut">
               <a:rPr lang="en-US" smtClean="0"/>
-              <a:t>1/31/2013</a:t>
+              <a:t>2/1/2013</a:t>
             </a:fld>
             <a:endParaRPr lang="en-US"/>
           </a:p>
@@ -1984,7 +2002,7 @@
           <a:p>
             <a:fld id="{C7363F1F-ADBF-4FAE-A422-131859708330}" type="datetimeFigureOut">
               <a:rPr lang="en-US" smtClean="0"/>
-              <a:t>1/31/2013</a:t>
+              <a:t>2/1/2013</a:t>
             </a:fld>
             <a:endParaRPr lang="en-US"/>
           </a:p>
@@ -2406,7 +2424,7 @@
           <a:p>
             <a:fld id="{C7363F1F-ADBF-4FAE-A422-131859708330}" type="datetimeFigureOut">
               <a:rPr lang="en-US" smtClean="0"/>
-              <a:t>1/31/2013</a:t>
+              <a:t>2/1/2013</a:t>
             </a:fld>
             <a:endParaRPr lang="en-US"/>
           </a:p>
@@ -2524,7 +2542,7 @@
           <a:p>
             <a:fld id="{C7363F1F-ADBF-4FAE-A422-131859708330}" type="datetimeFigureOut">
               <a:rPr lang="en-US" smtClean="0"/>
-              <a:t>1/31/2013</a:t>
+              <a:t>2/1/2013</a:t>
             </a:fld>
             <a:endParaRPr lang="en-US"/>
           </a:p>
@@ -2619,7 +2637,7 @@
           <a:p>
             <a:fld id="{C7363F1F-ADBF-4FAE-A422-131859708330}" type="datetimeFigureOut">
               <a:rPr lang="en-US" smtClean="0"/>
-              <a:t>1/31/2013</a:t>
+              <a:t>2/1/2013</a:t>
             </a:fld>
             <a:endParaRPr lang="en-US"/>
           </a:p>
@@ -2896,7 +2914,7 @@
           <a:p>
             <a:fld id="{C7363F1F-ADBF-4FAE-A422-131859708330}" type="datetimeFigureOut">
               <a:rPr lang="en-US" smtClean="0"/>
-              <a:t>1/31/2013</a:t>
+              <a:t>2/1/2013</a:t>
             </a:fld>
             <a:endParaRPr lang="en-US"/>
           </a:p>
@@ -3149,7 +3167,7 @@
           <a:p>
             <a:fld id="{C7363F1F-ADBF-4FAE-A422-131859708330}" type="datetimeFigureOut">
               <a:rPr lang="en-US" smtClean="0"/>
-              <a:t>1/31/2013</a:t>
+              <a:t>2/1/2013</a:t>
             </a:fld>
             <a:endParaRPr lang="en-US"/>
           </a:p>
@@ -3362,7 +3380,7 @@
           <a:p>
             <a:fld id="{C7363F1F-ADBF-4FAE-A422-131859708330}" type="datetimeFigureOut">
               <a:rPr lang="en-US" smtClean="0"/>
-              <a:t>1/31/2013</a:t>
+              <a:t>2/1/2013</a:t>
             </a:fld>
             <a:endParaRPr lang="en-US"/>
           </a:p>
@@ -4532,11 +4550,7 @@
           <a:p>
             <a:r>
               <a:rPr lang="en-US" dirty="0" smtClean="0"/>
-              <a:t>Now both parties have to exchange keys with “Eve” (or each other) befor</a:t>
-            </a:r>
-            <a:r>
-              <a:rPr lang="en-US" dirty="0" smtClean="0"/>
-              <a:t>e they can communicate</a:t>
+              <a:t>Now both parties have to exchange keys with “Eve” (or each other) before they can communicate</a:t>
             </a:r>
             <a:endParaRPr lang="en-US" dirty="0"/>
           </a:p>
@@ -5578,7 +5592,7 @@
           <a:p>
             <a:r>
               <a:rPr lang="en-US" dirty="0" smtClean="0"/>
-              <a:t>1990s – WEP</a:t>
+              <a:t>1990s: WEP</a:t>
             </a:r>
             <a:endParaRPr lang="en-US" dirty="0"/>
           </a:p>
@@ -6290,7 +6304,7 @@
           <a:p>
             <a:r>
               <a:rPr lang="en-US" dirty="0" smtClean="0"/>
-              <a:t>Encryption – Stream </a:t>
+              <a:t>Encryption: Stream </a:t>
             </a:r>
             <a:r>
               <a:rPr lang="en-US" dirty="0" smtClean="0"/>
@@ -7829,7 +7843,11 @@
           <a:p>
             <a:r>
               <a:rPr lang="en-US" dirty="0" smtClean="0"/>
-              <a:t>Encryption – Block cipher</a:t>
+              <a:t>Encryption: Block </a:t>
+            </a:r>
+            <a:r>
+              <a:rPr lang="en-US" dirty="0" smtClean="0"/>
+              <a:t>cipher</a:t>
             </a:r>
             <a:endParaRPr lang="en-US" dirty="0"/>
           </a:p>
@@ -7988,7 +8006,7 @@
           <a:p>
             <a:r>
               <a:rPr lang="en-US" dirty="0" smtClean="0"/>
-              <a:t>Encryption – Block </a:t>
+              <a:t>Encryption: Block </a:t>
             </a:r>
             <a:r>
               <a:rPr lang="en-US" dirty="0" smtClean="0"/>
@@ -8143,7 +8161,7 @@
           <a:p>
             <a:r>
               <a:rPr lang="en-US" dirty="0" smtClean="0"/>
-              <a:t>Encryption – Block </a:t>
+              <a:t>Encryption: Block </a:t>
             </a:r>
             <a:r>
               <a:rPr lang="en-US" dirty="0" smtClean="0"/>
@@ -9032,7 +9050,6 @@
               <a:rPr lang="en-US" dirty="0" smtClean="0"/>
               <a:t>Now the attack…</a:t>
             </a:r>
-            <a:endParaRPr lang="en-US" dirty="0" smtClean="0"/>
           </a:p>
         </p:txBody>
       </p:sp>
@@ -32637,7 +32654,15 @@
           <a:p>
             <a:r>
               <a:rPr lang="en-US" dirty="0" smtClean="0"/>
-              <a:t>Hash length extension: a setup</a:t>
+              <a:t>Hash length extension: </a:t>
+            </a:r>
+            <a:r>
+              <a:rPr lang="en-US" dirty="0" smtClean="0"/>
+              <a:t>the </a:t>
+            </a:r>
+            <a:r>
+              <a:rPr lang="en-US" dirty="0" smtClean="0"/>
+              <a:t>setup</a:t>
             </a:r>
             <a:endParaRPr lang="en-US" dirty="0"/>
           </a:p>
@@ -32881,7 +32906,7 @@
               <a:t>H(secret </a:t>
             </a:r>
             <a:r>
-              <a:rPr lang="en-US" sz="2000" b="1" dirty="0">
+              <a:rPr lang="en-US" sz="2000" b="1" dirty="0" smtClean="0">
                 <a:solidFill>
                   <a:srgbClr val="C00000"/>
                 </a:solidFill>
@@ -32920,6 +32945,143 @@
           </a:p>
         </p:txBody>
       </p:sp>
+      <p:sp>
+        <p:nvSpPr>
+          <p:cNvPr id="6" name="TextBox 5"/>
+          <p:cNvSpPr txBox="1"/>
+          <p:nvPr/>
+        </p:nvSpPr>
+        <p:spPr>
+          <a:xfrm>
+            <a:off x="6858000" y="2209800"/>
+            <a:ext cx="2209800" cy="646331"/>
+          </a:xfrm>
+          <a:prstGeom prst="rect">
+            <a:avLst/>
+          </a:prstGeom>
+          <a:noFill/>
+        </p:spPr>
+        <p:txBody>
+          <a:bodyPr wrap="square" rtlCol="0">
+            <a:spAutoFit/>
+          </a:bodyPr>
+          <a:lstStyle/>
+          <a:p>
+            <a:r>
+              <a:rPr lang="en-US" dirty="0" smtClean="0"/>
+              <a:t>The “Bad” operations are in red</a:t>
+            </a:r>
+            <a:endParaRPr lang="en-US" dirty="0"/>
+          </a:p>
+        </p:txBody>
+      </p:sp>
+      <p:sp>
+        <p:nvSpPr>
+          <p:cNvPr id="7" name="Rectangle 6"/>
+          <p:cNvSpPr/>
+          <p:nvPr/>
+        </p:nvSpPr>
+        <p:spPr>
+          <a:xfrm>
+            <a:off x="6858000" y="2220243"/>
+            <a:ext cx="2209800" cy="646331"/>
+          </a:xfrm>
+          <a:prstGeom prst="rect">
+            <a:avLst/>
+          </a:prstGeom>
+          <a:noFill/>
+        </p:spPr>
+        <p:style>
+          <a:lnRef idx="2">
+            <a:schemeClr val="dk1"/>
+          </a:lnRef>
+          <a:fillRef idx="1">
+            <a:schemeClr val="lt1"/>
+          </a:fillRef>
+          <a:effectRef idx="0">
+            <a:schemeClr val="dk1"/>
+          </a:effectRef>
+          <a:fontRef idx="minor">
+            <a:schemeClr val="dk1"/>
+          </a:fontRef>
+        </p:style>
+        <p:txBody>
+          <a:bodyPr rtlCol="0" anchor="ctr"/>
+          <a:lstStyle/>
+          <a:p>
+            <a:pPr algn="ctr"/>
+            <a:endParaRPr lang="en-US"/>
+          </a:p>
+        </p:txBody>
+      </p:sp>
+      <p:cxnSp>
+        <p:nvCxnSpPr>
+          <p:cNvPr id="9" name="Straight Arrow Connector 8"/>
+          <p:cNvCxnSpPr>
+            <a:stCxn id="7" idx="1"/>
+          </p:cNvCxnSpPr>
+          <p:nvPr/>
+        </p:nvCxnSpPr>
+        <p:spPr>
+          <a:xfrm flipH="1">
+            <a:off x="6172200" y="2543409"/>
+            <a:ext cx="685800" cy="243340"/>
+          </a:xfrm>
+          <a:prstGeom prst="straightConnector1">
+            <a:avLst/>
+          </a:prstGeom>
+          <a:ln w="34925">
+            <a:tailEnd type="arrow"/>
+          </a:ln>
+        </p:spPr>
+        <p:style>
+          <a:lnRef idx="1">
+            <a:schemeClr val="accent1"/>
+          </a:lnRef>
+          <a:fillRef idx="0">
+            <a:schemeClr val="accent1"/>
+          </a:fillRef>
+          <a:effectRef idx="0">
+            <a:schemeClr val="accent1"/>
+          </a:effectRef>
+          <a:fontRef idx="minor">
+            <a:schemeClr val="tx1"/>
+          </a:fontRef>
+        </p:style>
+      </p:cxnSp>
+      <p:cxnSp>
+        <p:nvCxnSpPr>
+          <p:cNvPr id="12" name="Straight Arrow Connector 11"/>
+          <p:cNvCxnSpPr/>
+          <p:nvPr/>
+        </p:nvCxnSpPr>
+        <p:spPr>
+          <a:xfrm flipH="1">
+            <a:off x="5791200" y="2866574"/>
+            <a:ext cx="1219200" cy="1476826"/>
+          </a:xfrm>
+          <a:prstGeom prst="straightConnector1">
+            <a:avLst/>
+          </a:prstGeom>
+          <a:ln w="34925">
+            <a:tailEnd type="arrow"/>
+          </a:ln>
+        </p:spPr>
+        <p:style>
+          <a:lnRef idx="1">
+            <a:schemeClr val="accent1"/>
+          </a:lnRef>
+          <a:fillRef idx="0">
+            <a:schemeClr val="accent1"/>
+          </a:fillRef>
+          <a:effectRef idx="0">
+            <a:schemeClr val="accent1"/>
+          </a:effectRef>
+          <a:fontRef idx="minor">
+            <a:schemeClr val="tx1"/>
+          </a:fontRef>
+        </p:style>
+      </p:cxnSp>
     </p:spTree>
     <p:extLst>
       <p:ext uri="{BB962C8B-B14F-4D97-AF65-F5344CB8AC3E}">
@@ -35005,7 +35167,7 @@
           <a:p>
             <a:r>
               <a:rPr lang="en-US" dirty="0" smtClean="0"/>
-              <a:t>Padding oracle attacks</a:t>
+              <a:t>How hashing works…</a:t>
             </a:r>
             <a:endParaRPr lang="en-US" dirty="0"/>
           </a:p>
@@ -35023,21 +35185,74 @@
         </p:nvSpPr>
         <p:spPr/>
         <p:txBody>
-          <a:bodyPr/>
+          <a:bodyPr>
+            <a:normAutofit/>
+          </a:bodyPr>
           <a:lstStyle/>
           <a:p>
             <a:r>
               <a:rPr lang="en-US" dirty="0" smtClean="0"/>
-              <a:t>TODO</a:t>
-            </a:r>
-            <a:endParaRPr lang="en-US" dirty="0"/>
+              <a:t>Example hash:</a:t>
+            </a:r>
+          </a:p>
+          <a:p>
+            <a:pPr lvl="1"/>
+            <a:r>
+              <a:rPr lang="en-US" sz="1600" dirty="0" smtClean="0">
+                <a:latin typeface="Courier New" pitchFamily="49" charset="0"/>
+                <a:cs typeface="Courier New" pitchFamily="49" charset="0"/>
+              </a:rPr>
+              <a:t>SHA1(“</a:t>
+            </a:r>
+            <a:r>
+              <a:rPr lang="en-US" sz="1600" b="1" dirty="0">
+                <a:solidFill>
+                  <a:schemeClr val="accent3">
+                    <a:lumMod val="50000"/>
+                  </a:schemeClr>
+                </a:solidFill>
+                <a:latin typeface="Courier New" pitchFamily="49" charset="0"/>
+                <a:cs typeface="Courier New" pitchFamily="49" charset="0"/>
+              </a:rPr>
+              <a:t>The most merciful thing in the world, I think, is the inability of the human mind to correlate all its contents. We live on a placid island of ignorance in the midst of black seas of infinity, and it was not meant that we should voyage far. The sciences, each straining in its own direction, have hitherto harmed us little; but some day the piecing together of dissociated knowledge will open up such terrifying vistas of reality, and of our frightful position therein, that we shall either go mad from the revelation or flee from the deadly light into the peace and safety of a new dark age</a:t>
+            </a:r>
+            <a:r>
+              <a:rPr lang="en-US" sz="1600" b="1" dirty="0" smtClean="0">
+                <a:solidFill>
+                  <a:schemeClr val="accent3">
+                    <a:lumMod val="50000"/>
+                  </a:schemeClr>
+                </a:solidFill>
+                <a:latin typeface="Courier New" pitchFamily="49" charset="0"/>
+                <a:cs typeface="Courier New" pitchFamily="49" charset="0"/>
+              </a:rPr>
+              <a:t>.</a:t>
+            </a:r>
+            <a:r>
+              <a:rPr lang="en-US" sz="1600" dirty="0" smtClean="0">
+                <a:latin typeface="Courier New" pitchFamily="49" charset="0"/>
+                <a:cs typeface="Courier New" pitchFamily="49" charset="0"/>
+              </a:rPr>
+              <a:t>”) = </a:t>
+            </a:r>
+            <a:r>
+              <a:rPr lang="en-US" sz="1600" dirty="0">
+                <a:latin typeface="Courier New" pitchFamily="49" charset="0"/>
+                <a:cs typeface="Courier New" pitchFamily="49" charset="0"/>
+              </a:rPr>
+              <a:t>ed8873c107d882b7b6fcbbc19a272d614cf9e7ee</a:t>
+            </a:r>
+            <a:endParaRPr lang="en-US" sz="1600" dirty="0">
+              <a:latin typeface="Courier New" pitchFamily="49" charset="0"/>
+              <a:cs typeface="Courier New" pitchFamily="49" charset="0"/>
+            </a:endParaRPr>
           </a:p>
         </p:txBody>
       </p:sp>
     </p:spTree>
     <p:extLst>
       <p:ext uri="{BB962C8B-B14F-4D97-AF65-F5344CB8AC3E}">
-        <p14:creationId xmlns:p14="http://schemas.microsoft.com/office/powerpoint/2010/main" val="3326822644"/>
+        <p14:creationId xmlns:p14="http://schemas.microsoft.com/office/powerpoint/2010/main" val="3179861844"/>
       </p:ext>
     </p:extLst>
   </p:cSld>
@@ -35088,6 +35303,6684 @@
           <a:p>
             <a:r>
               <a:rPr lang="en-US" dirty="0" smtClean="0"/>
+              <a:t>How hashing works</a:t>
+            </a:r>
+            <a:endParaRPr lang="en-US" dirty="0"/>
+          </a:p>
+        </p:txBody>
+      </p:sp>
+      <p:sp>
+        <p:nvSpPr>
+          <p:cNvPr id="3" name="Content Placeholder 2"/>
+          <p:cNvSpPr>
+            <a:spLocks noGrp="1"/>
+          </p:cNvSpPr>
+          <p:nvPr>
+            <p:ph idx="1"/>
+          </p:nvPr>
+        </p:nvSpPr>
+        <p:spPr/>
+        <p:txBody>
+          <a:bodyPr>
+            <a:normAutofit/>
+          </a:bodyPr>
+          <a:lstStyle/>
+          <a:p>
+            <a:r>
+              <a:rPr lang="en-US" dirty="0" smtClean="0"/>
+              <a:t>First, it’s broken up into blocks…</a:t>
+            </a:r>
+          </a:p>
+          <a:p>
+            <a:pPr marL="742950" lvl="2" indent="-342900"/>
+            <a:r>
+              <a:rPr lang="en-US" sz="1400" b="1" dirty="0" smtClean="0">
+                <a:solidFill>
+                  <a:schemeClr val="accent3">
+                    <a:lumMod val="50000"/>
+                  </a:schemeClr>
+                </a:solidFill>
+                <a:latin typeface="Courier New" pitchFamily="49" charset="0"/>
+                <a:cs typeface="Courier New" pitchFamily="49" charset="0"/>
+              </a:rPr>
+              <a:t>“The </a:t>
+            </a:r>
+            <a:r>
+              <a:rPr lang="en-US" sz="1400" b="1" dirty="0">
+                <a:solidFill>
+                  <a:schemeClr val="accent3">
+                    <a:lumMod val="50000"/>
+                  </a:schemeClr>
+                </a:solidFill>
+                <a:latin typeface="Courier New" pitchFamily="49" charset="0"/>
+                <a:cs typeface="Courier New" pitchFamily="49" charset="0"/>
+              </a:rPr>
+              <a:t>most merciful thing in the world, I think, is the inability </a:t>
+            </a:r>
+            <a:r>
+              <a:rPr lang="en-US" sz="1400" b="1" dirty="0" smtClean="0">
+                <a:solidFill>
+                  <a:schemeClr val="accent3">
+                    <a:lumMod val="50000"/>
+                  </a:schemeClr>
+                </a:solidFill>
+                <a:latin typeface="Courier New" pitchFamily="49" charset="0"/>
+                <a:cs typeface="Courier New" pitchFamily="49" charset="0"/>
+              </a:rPr>
+              <a:t>“</a:t>
+            </a:r>
+          </a:p>
+          <a:p>
+            <a:pPr marL="742950" lvl="2" indent="-342900"/>
+            <a:r>
+              <a:rPr lang="en-US" sz="1400" b="1" dirty="0" smtClean="0">
+                <a:solidFill>
+                  <a:schemeClr val="accent2">
+                    <a:lumMod val="75000"/>
+                  </a:schemeClr>
+                </a:solidFill>
+                <a:latin typeface="Courier New" pitchFamily="49" charset="0"/>
+                <a:cs typeface="Courier New" pitchFamily="49" charset="0"/>
+              </a:rPr>
+              <a:t>“of </a:t>
+            </a:r>
+            <a:r>
+              <a:rPr lang="en-US" sz="1400" b="1" dirty="0">
+                <a:solidFill>
+                  <a:schemeClr val="accent2">
+                    <a:lumMod val="75000"/>
+                  </a:schemeClr>
+                </a:solidFill>
+                <a:latin typeface="Courier New" pitchFamily="49" charset="0"/>
+                <a:cs typeface="Courier New" pitchFamily="49" charset="0"/>
+              </a:rPr>
+              <a:t>the human mind to correlate all its contents. We live on a </a:t>
+            </a:r>
+            <a:r>
+              <a:rPr lang="en-US" sz="1400" b="1" dirty="0" err="1" smtClean="0">
+                <a:solidFill>
+                  <a:schemeClr val="accent2">
+                    <a:lumMod val="75000"/>
+                  </a:schemeClr>
+                </a:solidFill>
+                <a:latin typeface="Courier New" pitchFamily="49" charset="0"/>
+                <a:cs typeface="Courier New" pitchFamily="49" charset="0"/>
+              </a:rPr>
+              <a:t>pl</a:t>
+            </a:r>
+            <a:r>
+              <a:rPr lang="en-US" sz="1400" b="1" dirty="0" smtClean="0">
+                <a:solidFill>
+                  <a:schemeClr val="accent2">
+                    <a:lumMod val="75000"/>
+                  </a:schemeClr>
+                </a:solidFill>
+                <a:latin typeface="Courier New" pitchFamily="49" charset="0"/>
+                <a:cs typeface="Courier New" pitchFamily="49" charset="0"/>
+              </a:rPr>
+              <a:t>”</a:t>
+            </a:r>
+          </a:p>
+          <a:p>
+            <a:pPr marL="742950" lvl="2" indent="-342900"/>
+            <a:r>
+              <a:rPr lang="en-US" sz="1400" b="1" dirty="0" smtClean="0">
+                <a:solidFill>
+                  <a:schemeClr val="accent3">
+                    <a:lumMod val="50000"/>
+                  </a:schemeClr>
+                </a:solidFill>
+                <a:latin typeface="Courier New" pitchFamily="49" charset="0"/>
+                <a:cs typeface="Courier New" pitchFamily="49" charset="0"/>
+              </a:rPr>
+              <a:t>“acid </a:t>
+            </a:r>
+            <a:r>
+              <a:rPr lang="en-US" sz="1400" b="1" dirty="0">
+                <a:solidFill>
+                  <a:schemeClr val="accent3">
+                    <a:lumMod val="50000"/>
+                  </a:schemeClr>
+                </a:solidFill>
+                <a:latin typeface="Courier New" pitchFamily="49" charset="0"/>
+                <a:cs typeface="Courier New" pitchFamily="49" charset="0"/>
+              </a:rPr>
+              <a:t>island of ignorance in the midst of black seas of infinity</a:t>
+            </a:r>
+            <a:r>
+              <a:rPr lang="en-US" sz="1400" b="1" dirty="0" smtClean="0">
+                <a:solidFill>
+                  <a:schemeClr val="accent3">
+                    <a:lumMod val="50000"/>
+                  </a:schemeClr>
+                </a:solidFill>
+                <a:latin typeface="Courier New" pitchFamily="49" charset="0"/>
+                <a:cs typeface="Courier New" pitchFamily="49" charset="0"/>
+              </a:rPr>
+              <a:t>,”</a:t>
+            </a:r>
+          </a:p>
+          <a:p>
+            <a:pPr marL="742950" lvl="2" indent="-342900"/>
+            <a:r>
+              <a:rPr lang="en-US" sz="1400" b="1" dirty="0" smtClean="0">
+                <a:solidFill>
+                  <a:schemeClr val="accent2">
+                    <a:lumMod val="75000"/>
+                  </a:schemeClr>
+                </a:solidFill>
+                <a:latin typeface="Courier New" pitchFamily="49" charset="0"/>
+                <a:cs typeface="Courier New" pitchFamily="49" charset="0"/>
+              </a:rPr>
+              <a:t>“ </a:t>
+            </a:r>
+            <a:r>
+              <a:rPr lang="en-US" sz="1400" b="1" dirty="0">
+                <a:solidFill>
+                  <a:schemeClr val="accent2">
+                    <a:lumMod val="75000"/>
+                  </a:schemeClr>
+                </a:solidFill>
+                <a:latin typeface="Courier New" pitchFamily="49" charset="0"/>
+                <a:cs typeface="Courier New" pitchFamily="49" charset="0"/>
+              </a:rPr>
+              <a:t>and it was not meant that we should voyage far. The sciences, </a:t>
+            </a:r>
+            <a:r>
+              <a:rPr lang="en-US" sz="1400" b="1" dirty="0" smtClean="0">
+                <a:solidFill>
+                  <a:schemeClr val="accent2">
+                    <a:lumMod val="75000"/>
+                  </a:schemeClr>
+                </a:solidFill>
+                <a:latin typeface="Courier New" pitchFamily="49" charset="0"/>
+                <a:cs typeface="Courier New" pitchFamily="49" charset="0"/>
+              </a:rPr>
+              <a:t>e”</a:t>
+            </a:r>
+          </a:p>
+          <a:p>
+            <a:pPr marL="742950" lvl="2" indent="-342900"/>
+            <a:r>
+              <a:rPr lang="en-US" sz="1400" b="1" dirty="0" smtClean="0">
+                <a:solidFill>
+                  <a:schemeClr val="accent3">
+                    <a:lumMod val="50000"/>
+                  </a:schemeClr>
+                </a:solidFill>
+                <a:latin typeface="Courier New" pitchFamily="49" charset="0"/>
+                <a:cs typeface="Courier New" pitchFamily="49" charset="0"/>
+              </a:rPr>
+              <a:t>“ach </a:t>
+            </a:r>
+            <a:r>
+              <a:rPr lang="en-US" sz="1400" b="1" dirty="0">
+                <a:solidFill>
+                  <a:schemeClr val="accent3">
+                    <a:lumMod val="50000"/>
+                  </a:schemeClr>
+                </a:solidFill>
+                <a:latin typeface="Courier New" pitchFamily="49" charset="0"/>
+                <a:cs typeface="Courier New" pitchFamily="49" charset="0"/>
+              </a:rPr>
+              <a:t>straining in its own direction, have hitherto harmed us </a:t>
+            </a:r>
+            <a:r>
+              <a:rPr lang="en-US" sz="1400" b="1" dirty="0" err="1" smtClean="0">
+                <a:solidFill>
+                  <a:schemeClr val="accent3">
+                    <a:lumMod val="50000"/>
+                  </a:schemeClr>
+                </a:solidFill>
+                <a:latin typeface="Courier New" pitchFamily="49" charset="0"/>
+                <a:cs typeface="Courier New" pitchFamily="49" charset="0"/>
+              </a:rPr>
+              <a:t>litt</a:t>
+            </a:r>
+            <a:r>
+              <a:rPr lang="en-US" sz="1400" b="1" dirty="0" smtClean="0">
+                <a:solidFill>
+                  <a:schemeClr val="accent3">
+                    <a:lumMod val="50000"/>
+                  </a:schemeClr>
+                </a:solidFill>
+                <a:latin typeface="Courier New" pitchFamily="49" charset="0"/>
+                <a:cs typeface="Courier New" pitchFamily="49" charset="0"/>
+              </a:rPr>
+              <a:t>”</a:t>
+            </a:r>
+          </a:p>
+          <a:p>
+            <a:pPr marL="742950" lvl="2" indent="-342900"/>
+            <a:r>
+              <a:rPr lang="en-US" sz="1400" b="1" dirty="0" smtClean="0">
+                <a:solidFill>
+                  <a:schemeClr val="accent2">
+                    <a:lumMod val="75000"/>
+                  </a:schemeClr>
+                </a:solidFill>
+                <a:latin typeface="Courier New" pitchFamily="49" charset="0"/>
+                <a:cs typeface="Courier New" pitchFamily="49" charset="0"/>
+              </a:rPr>
+              <a:t>“le</a:t>
+            </a:r>
+            <a:r>
+              <a:rPr lang="en-US" sz="1400" b="1" dirty="0">
+                <a:solidFill>
+                  <a:schemeClr val="accent2">
+                    <a:lumMod val="75000"/>
+                  </a:schemeClr>
+                </a:solidFill>
+                <a:latin typeface="Courier New" pitchFamily="49" charset="0"/>
+                <a:cs typeface="Courier New" pitchFamily="49" charset="0"/>
+              </a:rPr>
+              <a:t>; but some day the piecing together of dissociated knowledge </a:t>
+            </a:r>
+            <a:r>
+              <a:rPr lang="en-US" sz="1400" b="1" dirty="0" smtClean="0">
+                <a:solidFill>
+                  <a:schemeClr val="accent2">
+                    <a:lumMod val="75000"/>
+                  </a:schemeClr>
+                </a:solidFill>
+                <a:latin typeface="Courier New" pitchFamily="49" charset="0"/>
+                <a:cs typeface="Courier New" pitchFamily="49" charset="0"/>
+              </a:rPr>
+              <a:t>w”</a:t>
+            </a:r>
+          </a:p>
+          <a:p>
+            <a:pPr marL="742950" lvl="2" indent="-342900"/>
+            <a:r>
+              <a:rPr lang="en-US" sz="1400" b="1" dirty="0" smtClean="0">
+                <a:solidFill>
+                  <a:schemeClr val="accent3">
+                    <a:lumMod val="50000"/>
+                  </a:schemeClr>
+                </a:solidFill>
+                <a:latin typeface="Courier New" pitchFamily="49" charset="0"/>
+                <a:cs typeface="Courier New" pitchFamily="49" charset="0"/>
+              </a:rPr>
+              <a:t>“ill </a:t>
+            </a:r>
+            <a:r>
+              <a:rPr lang="en-US" sz="1400" b="1" dirty="0">
+                <a:solidFill>
+                  <a:schemeClr val="accent3">
+                    <a:lumMod val="50000"/>
+                  </a:schemeClr>
+                </a:solidFill>
+                <a:latin typeface="Courier New" pitchFamily="49" charset="0"/>
+                <a:cs typeface="Courier New" pitchFamily="49" charset="0"/>
+              </a:rPr>
+              <a:t>open up such terrifying vistas of reality, and of our </a:t>
+            </a:r>
+            <a:r>
+              <a:rPr lang="en-US" sz="1400" b="1" dirty="0" smtClean="0">
+                <a:solidFill>
+                  <a:schemeClr val="accent3">
+                    <a:lumMod val="50000"/>
+                  </a:schemeClr>
+                </a:solidFill>
+                <a:latin typeface="Courier New" pitchFamily="49" charset="0"/>
+                <a:cs typeface="Courier New" pitchFamily="49" charset="0"/>
+              </a:rPr>
+              <a:t>fright”</a:t>
+            </a:r>
+          </a:p>
+          <a:p>
+            <a:pPr marL="742950" lvl="2" indent="-342900"/>
+            <a:r>
+              <a:rPr lang="en-US" sz="1400" b="1" dirty="0" smtClean="0">
+                <a:solidFill>
+                  <a:schemeClr val="accent2">
+                    <a:lumMod val="75000"/>
+                  </a:schemeClr>
+                </a:solidFill>
+                <a:latin typeface="Courier New" pitchFamily="49" charset="0"/>
+                <a:cs typeface="Courier New" pitchFamily="49" charset="0"/>
+              </a:rPr>
+              <a:t>“</a:t>
+            </a:r>
+            <a:r>
+              <a:rPr lang="en-US" sz="1400" b="1" dirty="0" err="1" smtClean="0">
+                <a:solidFill>
+                  <a:schemeClr val="accent2">
+                    <a:lumMod val="75000"/>
+                  </a:schemeClr>
+                </a:solidFill>
+                <a:latin typeface="Courier New" pitchFamily="49" charset="0"/>
+                <a:cs typeface="Courier New" pitchFamily="49" charset="0"/>
+              </a:rPr>
+              <a:t>ful</a:t>
+            </a:r>
+            <a:r>
+              <a:rPr lang="en-US" sz="1400" b="1" dirty="0" smtClean="0">
+                <a:solidFill>
+                  <a:schemeClr val="accent2">
+                    <a:lumMod val="75000"/>
+                  </a:schemeClr>
+                </a:solidFill>
+                <a:latin typeface="Courier New" pitchFamily="49" charset="0"/>
+                <a:cs typeface="Courier New" pitchFamily="49" charset="0"/>
+              </a:rPr>
+              <a:t> </a:t>
+            </a:r>
+            <a:r>
+              <a:rPr lang="en-US" sz="1400" b="1" dirty="0">
+                <a:solidFill>
+                  <a:schemeClr val="accent2">
+                    <a:lumMod val="75000"/>
+                  </a:schemeClr>
+                </a:solidFill>
+                <a:latin typeface="Courier New" pitchFamily="49" charset="0"/>
+                <a:cs typeface="Courier New" pitchFamily="49" charset="0"/>
+              </a:rPr>
+              <a:t>position therein, that we shall either go mad from the </a:t>
+            </a:r>
+            <a:r>
+              <a:rPr lang="en-US" sz="1400" b="1" dirty="0" smtClean="0">
+                <a:solidFill>
+                  <a:schemeClr val="accent2">
+                    <a:lumMod val="75000"/>
+                  </a:schemeClr>
+                </a:solidFill>
+                <a:latin typeface="Courier New" pitchFamily="49" charset="0"/>
+                <a:cs typeface="Courier New" pitchFamily="49" charset="0"/>
+              </a:rPr>
+              <a:t>revel”</a:t>
+            </a:r>
+          </a:p>
+          <a:p>
+            <a:pPr marL="742950" lvl="2" indent="-342900"/>
+            <a:r>
+              <a:rPr lang="en-US" sz="1400" b="1" dirty="0" smtClean="0">
+                <a:solidFill>
+                  <a:schemeClr val="accent3">
+                    <a:lumMod val="50000"/>
+                  </a:schemeClr>
+                </a:solidFill>
+                <a:latin typeface="Courier New" pitchFamily="49" charset="0"/>
+                <a:cs typeface="Courier New" pitchFamily="49" charset="0"/>
+              </a:rPr>
+              <a:t>“</a:t>
+            </a:r>
+            <a:r>
+              <a:rPr lang="en-US" sz="1400" b="1" dirty="0" err="1" smtClean="0">
+                <a:solidFill>
+                  <a:schemeClr val="accent3">
+                    <a:lumMod val="50000"/>
+                  </a:schemeClr>
+                </a:solidFill>
+                <a:latin typeface="Courier New" pitchFamily="49" charset="0"/>
+                <a:cs typeface="Courier New" pitchFamily="49" charset="0"/>
+              </a:rPr>
+              <a:t>ation</a:t>
+            </a:r>
+            <a:r>
+              <a:rPr lang="en-US" sz="1400" b="1" dirty="0" smtClean="0">
+                <a:solidFill>
+                  <a:schemeClr val="accent3">
+                    <a:lumMod val="50000"/>
+                  </a:schemeClr>
+                </a:solidFill>
+                <a:latin typeface="Courier New" pitchFamily="49" charset="0"/>
+                <a:cs typeface="Courier New" pitchFamily="49" charset="0"/>
+              </a:rPr>
+              <a:t> </a:t>
+            </a:r>
+            <a:r>
+              <a:rPr lang="en-US" sz="1400" b="1" dirty="0">
+                <a:solidFill>
+                  <a:schemeClr val="accent3">
+                    <a:lumMod val="50000"/>
+                  </a:schemeClr>
+                </a:solidFill>
+                <a:latin typeface="Courier New" pitchFamily="49" charset="0"/>
+                <a:cs typeface="Courier New" pitchFamily="49" charset="0"/>
+              </a:rPr>
+              <a:t>or flee from the deadly light into the peace and safety </a:t>
+            </a:r>
+            <a:r>
+              <a:rPr lang="en-US" sz="1400" b="1" dirty="0" smtClean="0">
+                <a:solidFill>
+                  <a:schemeClr val="accent3">
+                    <a:lumMod val="50000"/>
+                  </a:schemeClr>
+                </a:solidFill>
+                <a:latin typeface="Courier New" pitchFamily="49" charset="0"/>
+                <a:cs typeface="Courier New" pitchFamily="49" charset="0"/>
+              </a:rPr>
+              <a:t>of”</a:t>
+            </a:r>
+          </a:p>
+          <a:p>
+            <a:pPr marL="742950" lvl="2" indent="-342900"/>
+            <a:r>
+              <a:rPr lang="en-US" sz="1400" b="1" dirty="0" smtClean="0">
+                <a:solidFill>
+                  <a:schemeClr val="accent2">
+                    <a:lumMod val="75000"/>
+                  </a:schemeClr>
+                </a:solidFill>
+                <a:latin typeface="Courier New" pitchFamily="49" charset="0"/>
+                <a:cs typeface="Courier New" pitchFamily="49" charset="0"/>
+              </a:rPr>
+              <a:t>“ </a:t>
+            </a:r>
+            <a:r>
+              <a:rPr lang="en-US" sz="1400" b="1" dirty="0">
+                <a:solidFill>
+                  <a:schemeClr val="accent2">
+                    <a:lumMod val="75000"/>
+                  </a:schemeClr>
+                </a:solidFill>
+                <a:latin typeface="Courier New" pitchFamily="49" charset="0"/>
+                <a:cs typeface="Courier New" pitchFamily="49" charset="0"/>
+              </a:rPr>
+              <a:t>a new dark age</a:t>
+            </a:r>
+            <a:r>
+              <a:rPr lang="en-US" sz="1400" b="1" dirty="0" smtClean="0">
+                <a:solidFill>
+                  <a:schemeClr val="accent2">
+                    <a:lumMod val="75000"/>
+                  </a:schemeClr>
+                </a:solidFill>
+                <a:latin typeface="Courier New" pitchFamily="49" charset="0"/>
+                <a:cs typeface="Courier New" pitchFamily="49" charset="0"/>
+              </a:rPr>
+              <a:t>.”</a:t>
+            </a:r>
+            <a:endParaRPr lang="en-US" dirty="0">
+              <a:solidFill>
+                <a:schemeClr val="accent2">
+                  <a:lumMod val="75000"/>
+                </a:schemeClr>
+              </a:solidFill>
+            </a:endParaRPr>
+          </a:p>
+        </p:txBody>
+      </p:sp>
+    </p:spTree>
+    <p:extLst>
+      <p:ext uri="{BB962C8B-B14F-4D97-AF65-F5344CB8AC3E}">
+        <p14:creationId xmlns:p14="http://schemas.microsoft.com/office/powerpoint/2010/main" val="3494381143"/>
+      </p:ext>
+    </p:extLst>
+  </p:cSld>
+  <p:clrMapOvr>
+    <a:masterClrMapping/>
+  </p:clrMapOvr>
+  <p:timing>
+    <p:tnLst>
+      <p:par>
+        <p:cTn id="1" dur="indefinite" restart="never" nodeType="tmRoot"/>
+      </p:par>
+    </p:tnLst>
+  </p:timing>
+</p:sld>
+</file>
+
+<file path=ppt/slides/slide52.xml><?xml version="1.0" encoding="utf-8"?>
+<p:sld xmlns:a="http://schemas.openxmlformats.org/drawingml/2006/main" xmlns:r="http://schemas.openxmlformats.org/officeDocument/2006/relationships" xmlns:p="http://schemas.openxmlformats.org/presentationml/2006/main">
+  <p:cSld>
+    <p:spTree>
+      <p:nvGrpSpPr>
+        <p:cNvPr id="1" name=""/>
+        <p:cNvGrpSpPr/>
+        <p:nvPr/>
+      </p:nvGrpSpPr>
+      <p:grpSpPr>
+        <a:xfrm>
+          <a:off x="0" y="0"/>
+          <a:ext cx="0" cy="0"/>
+          <a:chOff x="0" y="0"/>
+          <a:chExt cx="0" cy="0"/>
+        </a:xfrm>
+      </p:grpSpPr>
+      <p:sp>
+        <p:nvSpPr>
+          <p:cNvPr id="2" name="Title 1"/>
+          <p:cNvSpPr>
+            <a:spLocks noGrp="1"/>
+          </p:cNvSpPr>
+          <p:nvPr>
+            <p:ph type="title"/>
+          </p:nvPr>
+        </p:nvSpPr>
+        <p:spPr/>
+        <p:txBody>
+          <a:bodyPr/>
+          <a:lstStyle/>
+          <a:p>
+            <a:r>
+              <a:rPr lang="en-US" dirty="0" smtClean="0"/>
+              <a:t>How hashing works</a:t>
+            </a:r>
+            <a:endParaRPr lang="en-US" dirty="0"/>
+          </a:p>
+        </p:txBody>
+      </p:sp>
+      <p:sp>
+        <p:nvSpPr>
+          <p:cNvPr id="3" name="Content Placeholder 2"/>
+          <p:cNvSpPr>
+            <a:spLocks noGrp="1"/>
+          </p:cNvSpPr>
+          <p:nvPr>
+            <p:ph idx="1"/>
+          </p:nvPr>
+        </p:nvSpPr>
+        <p:spPr/>
+        <p:txBody>
+          <a:bodyPr>
+            <a:normAutofit fontScale="92500" lnSpcReduction="10000"/>
+          </a:bodyPr>
+          <a:lstStyle/>
+          <a:p>
+            <a:r>
+              <a:rPr lang="en-US" dirty="0" smtClean="0"/>
+              <a:t>Padding is added to the last block</a:t>
+            </a:r>
+          </a:p>
+          <a:p>
+            <a:pPr marL="742950" lvl="2" indent="-342900"/>
+            <a:r>
+              <a:rPr lang="en-US" sz="1400" b="1" dirty="0" smtClean="0">
+                <a:solidFill>
+                  <a:schemeClr val="accent3">
+                    <a:lumMod val="50000"/>
+                  </a:schemeClr>
+                </a:solidFill>
+                <a:latin typeface="Courier New" pitchFamily="49" charset="0"/>
+                <a:cs typeface="Courier New" pitchFamily="49" charset="0"/>
+              </a:rPr>
+              <a:t>“The </a:t>
+            </a:r>
+            <a:r>
+              <a:rPr lang="en-US" sz="1400" b="1" dirty="0">
+                <a:solidFill>
+                  <a:schemeClr val="accent3">
+                    <a:lumMod val="50000"/>
+                  </a:schemeClr>
+                </a:solidFill>
+                <a:latin typeface="Courier New" pitchFamily="49" charset="0"/>
+                <a:cs typeface="Courier New" pitchFamily="49" charset="0"/>
+              </a:rPr>
+              <a:t>most merciful thing in the world, I think, is the inability </a:t>
+            </a:r>
+            <a:r>
+              <a:rPr lang="en-US" sz="1400" b="1" dirty="0" smtClean="0">
+                <a:solidFill>
+                  <a:schemeClr val="accent3">
+                    <a:lumMod val="50000"/>
+                  </a:schemeClr>
+                </a:solidFill>
+                <a:latin typeface="Courier New" pitchFamily="49" charset="0"/>
+                <a:cs typeface="Courier New" pitchFamily="49" charset="0"/>
+              </a:rPr>
+              <a:t>“</a:t>
+            </a:r>
+          </a:p>
+          <a:p>
+            <a:pPr marL="742950" lvl="2" indent="-342900"/>
+            <a:r>
+              <a:rPr lang="en-US" sz="1400" b="1" dirty="0" smtClean="0">
+                <a:solidFill>
+                  <a:schemeClr val="accent2">
+                    <a:lumMod val="75000"/>
+                  </a:schemeClr>
+                </a:solidFill>
+                <a:latin typeface="Courier New" pitchFamily="49" charset="0"/>
+                <a:cs typeface="Courier New" pitchFamily="49" charset="0"/>
+              </a:rPr>
+              <a:t>“of </a:t>
+            </a:r>
+            <a:r>
+              <a:rPr lang="en-US" sz="1400" b="1" dirty="0">
+                <a:solidFill>
+                  <a:schemeClr val="accent2">
+                    <a:lumMod val="75000"/>
+                  </a:schemeClr>
+                </a:solidFill>
+                <a:latin typeface="Courier New" pitchFamily="49" charset="0"/>
+                <a:cs typeface="Courier New" pitchFamily="49" charset="0"/>
+              </a:rPr>
+              <a:t>the human mind to correlate all its contents. We live on a </a:t>
+            </a:r>
+            <a:r>
+              <a:rPr lang="en-US" sz="1400" b="1" dirty="0" err="1" smtClean="0">
+                <a:solidFill>
+                  <a:schemeClr val="accent2">
+                    <a:lumMod val="75000"/>
+                  </a:schemeClr>
+                </a:solidFill>
+                <a:latin typeface="Courier New" pitchFamily="49" charset="0"/>
+                <a:cs typeface="Courier New" pitchFamily="49" charset="0"/>
+              </a:rPr>
+              <a:t>pl</a:t>
+            </a:r>
+            <a:r>
+              <a:rPr lang="en-US" sz="1400" b="1" dirty="0" smtClean="0">
+                <a:solidFill>
+                  <a:schemeClr val="accent2">
+                    <a:lumMod val="75000"/>
+                  </a:schemeClr>
+                </a:solidFill>
+                <a:latin typeface="Courier New" pitchFamily="49" charset="0"/>
+                <a:cs typeface="Courier New" pitchFamily="49" charset="0"/>
+              </a:rPr>
+              <a:t>”</a:t>
+            </a:r>
+          </a:p>
+          <a:p>
+            <a:pPr marL="742950" lvl="2" indent="-342900"/>
+            <a:r>
+              <a:rPr lang="en-US" sz="1400" b="1" dirty="0" smtClean="0">
+                <a:solidFill>
+                  <a:schemeClr val="accent3">
+                    <a:lumMod val="50000"/>
+                  </a:schemeClr>
+                </a:solidFill>
+                <a:latin typeface="Courier New" pitchFamily="49" charset="0"/>
+                <a:cs typeface="Courier New" pitchFamily="49" charset="0"/>
+              </a:rPr>
+              <a:t>“acid </a:t>
+            </a:r>
+            <a:r>
+              <a:rPr lang="en-US" sz="1400" b="1" dirty="0">
+                <a:solidFill>
+                  <a:schemeClr val="accent3">
+                    <a:lumMod val="50000"/>
+                  </a:schemeClr>
+                </a:solidFill>
+                <a:latin typeface="Courier New" pitchFamily="49" charset="0"/>
+                <a:cs typeface="Courier New" pitchFamily="49" charset="0"/>
+              </a:rPr>
+              <a:t>island of ignorance in the midst of black seas of infinity</a:t>
+            </a:r>
+            <a:r>
+              <a:rPr lang="en-US" sz="1400" b="1" dirty="0" smtClean="0">
+                <a:solidFill>
+                  <a:schemeClr val="accent3">
+                    <a:lumMod val="50000"/>
+                  </a:schemeClr>
+                </a:solidFill>
+                <a:latin typeface="Courier New" pitchFamily="49" charset="0"/>
+                <a:cs typeface="Courier New" pitchFamily="49" charset="0"/>
+              </a:rPr>
+              <a:t>,”</a:t>
+            </a:r>
+          </a:p>
+          <a:p>
+            <a:pPr marL="742950" lvl="2" indent="-342900"/>
+            <a:r>
+              <a:rPr lang="en-US" sz="1400" b="1" dirty="0" smtClean="0">
+                <a:solidFill>
+                  <a:schemeClr val="accent2">
+                    <a:lumMod val="75000"/>
+                  </a:schemeClr>
+                </a:solidFill>
+                <a:latin typeface="Courier New" pitchFamily="49" charset="0"/>
+                <a:cs typeface="Courier New" pitchFamily="49" charset="0"/>
+              </a:rPr>
+              <a:t>“ </a:t>
+            </a:r>
+            <a:r>
+              <a:rPr lang="en-US" sz="1400" b="1" dirty="0">
+                <a:solidFill>
+                  <a:schemeClr val="accent2">
+                    <a:lumMod val="75000"/>
+                  </a:schemeClr>
+                </a:solidFill>
+                <a:latin typeface="Courier New" pitchFamily="49" charset="0"/>
+                <a:cs typeface="Courier New" pitchFamily="49" charset="0"/>
+              </a:rPr>
+              <a:t>and it was not meant that we should voyage far. The sciences, </a:t>
+            </a:r>
+            <a:r>
+              <a:rPr lang="en-US" sz="1400" b="1" dirty="0" smtClean="0">
+                <a:solidFill>
+                  <a:schemeClr val="accent2">
+                    <a:lumMod val="75000"/>
+                  </a:schemeClr>
+                </a:solidFill>
+                <a:latin typeface="Courier New" pitchFamily="49" charset="0"/>
+                <a:cs typeface="Courier New" pitchFamily="49" charset="0"/>
+              </a:rPr>
+              <a:t>e”</a:t>
+            </a:r>
+          </a:p>
+          <a:p>
+            <a:pPr marL="742950" lvl="2" indent="-342900"/>
+            <a:r>
+              <a:rPr lang="en-US" sz="1400" b="1" dirty="0" smtClean="0">
+                <a:solidFill>
+                  <a:schemeClr val="accent3">
+                    <a:lumMod val="50000"/>
+                  </a:schemeClr>
+                </a:solidFill>
+                <a:latin typeface="Courier New" pitchFamily="49" charset="0"/>
+                <a:cs typeface="Courier New" pitchFamily="49" charset="0"/>
+              </a:rPr>
+              <a:t>“ach </a:t>
+            </a:r>
+            <a:r>
+              <a:rPr lang="en-US" sz="1400" b="1" dirty="0">
+                <a:solidFill>
+                  <a:schemeClr val="accent3">
+                    <a:lumMod val="50000"/>
+                  </a:schemeClr>
+                </a:solidFill>
+                <a:latin typeface="Courier New" pitchFamily="49" charset="0"/>
+                <a:cs typeface="Courier New" pitchFamily="49" charset="0"/>
+              </a:rPr>
+              <a:t>straining in its own direction, have hitherto harmed us </a:t>
+            </a:r>
+            <a:r>
+              <a:rPr lang="en-US" sz="1400" b="1" dirty="0" err="1" smtClean="0">
+                <a:solidFill>
+                  <a:schemeClr val="accent3">
+                    <a:lumMod val="50000"/>
+                  </a:schemeClr>
+                </a:solidFill>
+                <a:latin typeface="Courier New" pitchFamily="49" charset="0"/>
+                <a:cs typeface="Courier New" pitchFamily="49" charset="0"/>
+              </a:rPr>
+              <a:t>litt</a:t>
+            </a:r>
+            <a:r>
+              <a:rPr lang="en-US" sz="1400" b="1" dirty="0" smtClean="0">
+                <a:solidFill>
+                  <a:schemeClr val="accent3">
+                    <a:lumMod val="50000"/>
+                  </a:schemeClr>
+                </a:solidFill>
+                <a:latin typeface="Courier New" pitchFamily="49" charset="0"/>
+                <a:cs typeface="Courier New" pitchFamily="49" charset="0"/>
+              </a:rPr>
+              <a:t>”</a:t>
+            </a:r>
+          </a:p>
+          <a:p>
+            <a:pPr marL="742950" lvl="2" indent="-342900"/>
+            <a:r>
+              <a:rPr lang="en-US" sz="1400" b="1" dirty="0" smtClean="0">
+                <a:solidFill>
+                  <a:schemeClr val="accent2">
+                    <a:lumMod val="75000"/>
+                  </a:schemeClr>
+                </a:solidFill>
+                <a:latin typeface="Courier New" pitchFamily="49" charset="0"/>
+                <a:cs typeface="Courier New" pitchFamily="49" charset="0"/>
+              </a:rPr>
+              <a:t>“le</a:t>
+            </a:r>
+            <a:r>
+              <a:rPr lang="en-US" sz="1400" b="1" dirty="0">
+                <a:solidFill>
+                  <a:schemeClr val="accent2">
+                    <a:lumMod val="75000"/>
+                  </a:schemeClr>
+                </a:solidFill>
+                <a:latin typeface="Courier New" pitchFamily="49" charset="0"/>
+                <a:cs typeface="Courier New" pitchFamily="49" charset="0"/>
+              </a:rPr>
+              <a:t>; but some day the piecing together of dissociated knowledge </a:t>
+            </a:r>
+            <a:r>
+              <a:rPr lang="en-US" sz="1400" b="1" dirty="0" smtClean="0">
+                <a:solidFill>
+                  <a:schemeClr val="accent2">
+                    <a:lumMod val="75000"/>
+                  </a:schemeClr>
+                </a:solidFill>
+                <a:latin typeface="Courier New" pitchFamily="49" charset="0"/>
+                <a:cs typeface="Courier New" pitchFamily="49" charset="0"/>
+              </a:rPr>
+              <a:t>w”</a:t>
+            </a:r>
+          </a:p>
+          <a:p>
+            <a:pPr marL="742950" lvl="2" indent="-342900"/>
+            <a:r>
+              <a:rPr lang="en-US" sz="1400" b="1" dirty="0" smtClean="0">
+                <a:solidFill>
+                  <a:schemeClr val="accent3">
+                    <a:lumMod val="50000"/>
+                  </a:schemeClr>
+                </a:solidFill>
+                <a:latin typeface="Courier New" pitchFamily="49" charset="0"/>
+                <a:cs typeface="Courier New" pitchFamily="49" charset="0"/>
+              </a:rPr>
+              <a:t>“ill </a:t>
+            </a:r>
+            <a:r>
+              <a:rPr lang="en-US" sz="1400" b="1" dirty="0">
+                <a:solidFill>
+                  <a:schemeClr val="accent3">
+                    <a:lumMod val="50000"/>
+                  </a:schemeClr>
+                </a:solidFill>
+                <a:latin typeface="Courier New" pitchFamily="49" charset="0"/>
+                <a:cs typeface="Courier New" pitchFamily="49" charset="0"/>
+              </a:rPr>
+              <a:t>open up such terrifying vistas of reality, and of our </a:t>
+            </a:r>
+            <a:r>
+              <a:rPr lang="en-US" sz="1400" b="1" dirty="0" smtClean="0">
+                <a:solidFill>
+                  <a:schemeClr val="accent3">
+                    <a:lumMod val="50000"/>
+                  </a:schemeClr>
+                </a:solidFill>
+                <a:latin typeface="Courier New" pitchFamily="49" charset="0"/>
+                <a:cs typeface="Courier New" pitchFamily="49" charset="0"/>
+              </a:rPr>
+              <a:t>fright”</a:t>
+            </a:r>
+          </a:p>
+          <a:p>
+            <a:pPr marL="742950" lvl="2" indent="-342900"/>
+            <a:r>
+              <a:rPr lang="en-US" sz="1400" b="1" dirty="0" smtClean="0">
+                <a:solidFill>
+                  <a:schemeClr val="accent2">
+                    <a:lumMod val="75000"/>
+                  </a:schemeClr>
+                </a:solidFill>
+                <a:latin typeface="Courier New" pitchFamily="49" charset="0"/>
+                <a:cs typeface="Courier New" pitchFamily="49" charset="0"/>
+              </a:rPr>
+              <a:t>“</a:t>
+            </a:r>
+            <a:r>
+              <a:rPr lang="en-US" sz="1400" b="1" dirty="0" err="1" smtClean="0">
+                <a:solidFill>
+                  <a:schemeClr val="accent2">
+                    <a:lumMod val="75000"/>
+                  </a:schemeClr>
+                </a:solidFill>
+                <a:latin typeface="Courier New" pitchFamily="49" charset="0"/>
+                <a:cs typeface="Courier New" pitchFamily="49" charset="0"/>
+              </a:rPr>
+              <a:t>ful</a:t>
+            </a:r>
+            <a:r>
+              <a:rPr lang="en-US" sz="1400" b="1" dirty="0" smtClean="0">
+                <a:solidFill>
+                  <a:schemeClr val="accent2">
+                    <a:lumMod val="75000"/>
+                  </a:schemeClr>
+                </a:solidFill>
+                <a:latin typeface="Courier New" pitchFamily="49" charset="0"/>
+                <a:cs typeface="Courier New" pitchFamily="49" charset="0"/>
+              </a:rPr>
+              <a:t> </a:t>
+            </a:r>
+            <a:r>
+              <a:rPr lang="en-US" sz="1400" b="1" dirty="0">
+                <a:solidFill>
+                  <a:schemeClr val="accent2">
+                    <a:lumMod val="75000"/>
+                  </a:schemeClr>
+                </a:solidFill>
+                <a:latin typeface="Courier New" pitchFamily="49" charset="0"/>
+                <a:cs typeface="Courier New" pitchFamily="49" charset="0"/>
+              </a:rPr>
+              <a:t>position therein, that we shall either go mad from the </a:t>
+            </a:r>
+            <a:r>
+              <a:rPr lang="en-US" sz="1400" b="1" dirty="0" smtClean="0">
+                <a:solidFill>
+                  <a:schemeClr val="accent2">
+                    <a:lumMod val="75000"/>
+                  </a:schemeClr>
+                </a:solidFill>
+                <a:latin typeface="Courier New" pitchFamily="49" charset="0"/>
+                <a:cs typeface="Courier New" pitchFamily="49" charset="0"/>
+              </a:rPr>
+              <a:t>revel”</a:t>
+            </a:r>
+          </a:p>
+          <a:p>
+            <a:pPr marL="742950" lvl="2" indent="-342900"/>
+            <a:r>
+              <a:rPr lang="en-US" sz="1400" b="1" dirty="0" smtClean="0">
+                <a:solidFill>
+                  <a:schemeClr val="accent3">
+                    <a:lumMod val="50000"/>
+                  </a:schemeClr>
+                </a:solidFill>
+                <a:latin typeface="Courier New" pitchFamily="49" charset="0"/>
+                <a:cs typeface="Courier New" pitchFamily="49" charset="0"/>
+              </a:rPr>
+              <a:t>“</a:t>
+            </a:r>
+            <a:r>
+              <a:rPr lang="en-US" sz="1400" b="1" dirty="0" err="1" smtClean="0">
+                <a:solidFill>
+                  <a:schemeClr val="accent3">
+                    <a:lumMod val="50000"/>
+                  </a:schemeClr>
+                </a:solidFill>
+                <a:latin typeface="Courier New" pitchFamily="49" charset="0"/>
+                <a:cs typeface="Courier New" pitchFamily="49" charset="0"/>
+              </a:rPr>
+              <a:t>ation</a:t>
+            </a:r>
+            <a:r>
+              <a:rPr lang="en-US" sz="1400" b="1" dirty="0" smtClean="0">
+                <a:solidFill>
+                  <a:schemeClr val="accent3">
+                    <a:lumMod val="50000"/>
+                  </a:schemeClr>
+                </a:solidFill>
+                <a:latin typeface="Courier New" pitchFamily="49" charset="0"/>
+                <a:cs typeface="Courier New" pitchFamily="49" charset="0"/>
+              </a:rPr>
+              <a:t> </a:t>
+            </a:r>
+            <a:r>
+              <a:rPr lang="en-US" sz="1400" b="1" dirty="0">
+                <a:solidFill>
+                  <a:schemeClr val="accent3">
+                    <a:lumMod val="50000"/>
+                  </a:schemeClr>
+                </a:solidFill>
+                <a:latin typeface="Courier New" pitchFamily="49" charset="0"/>
+                <a:cs typeface="Courier New" pitchFamily="49" charset="0"/>
+              </a:rPr>
+              <a:t>or flee from the deadly light into the peace and safety </a:t>
+            </a:r>
+            <a:r>
+              <a:rPr lang="en-US" sz="1400" b="1" dirty="0" smtClean="0">
+                <a:solidFill>
+                  <a:schemeClr val="accent3">
+                    <a:lumMod val="50000"/>
+                  </a:schemeClr>
+                </a:solidFill>
+                <a:latin typeface="Courier New" pitchFamily="49" charset="0"/>
+                <a:cs typeface="Courier New" pitchFamily="49" charset="0"/>
+              </a:rPr>
+              <a:t>of”</a:t>
+            </a:r>
+          </a:p>
+          <a:p>
+            <a:pPr marL="742950" lvl="2" indent="-342900"/>
+            <a:r>
+              <a:rPr lang="en-US" sz="1400" b="1" dirty="0" smtClean="0">
+                <a:solidFill>
+                  <a:schemeClr val="accent2">
+                    <a:lumMod val="75000"/>
+                  </a:schemeClr>
+                </a:solidFill>
+                <a:latin typeface="Courier New" pitchFamily="49" charset="0"/>
+                <a:cs typeface="Courier New" pitchFamily="49" charset="0"/>
+              </a:rPr>
+              <a:t>“ </a:t>
+            </a:r>
+            <a:r>
+              <a:rPr lang="en-US" sz="1400" b="1" dirty="0">
+                <a:solidFill>
+                  <a:schemeClr val="accent2">
+                    <a:lumMod val="75000"/>
+                  </a:schemeClr>
+                </a:solidFill>
+                <a:latin typeface="Courier New" pitchFamily="49" charset="0"/>
+                <a:cs typeface="Courier New" pitchFamily="49" charset="0"/>
+              </a:rPr>
+              <a:t>a new dark age.\</a:t>
+            </a:r>
+            <a:r>
+              <a:rPr lang="en-US" sz="1400" b="1" dirty="0" smtClean="0">
+                <a:solidFill>
+                  <a:schemeClr val="accent2">
+                    <a:lumMod val="75000"/>
+                  </a:schemeClr>
+                </a:solidFill>
+                <a:latin typeface="Courier New" pitchFamily="49" charset="0"/>
+                <a:cs typeface="Courier New" pitchFamily="49" charset="0"/>
+              </a:rPr>
+              <a:t>x80\x00\x00\x00............\x00\x00\x00\x12\x80”</a:t>
+            </a:r>
+          </a:p>
+          <a:p>
+            <a:r>
+              <a:rPr lang="en-US" dirty="0" smtClean="0"/>
+              <a:t>The padding is equal to a 1-bit followed by a bunch of zero bits (“\x80\x00\x00…”)</a:t>
+            </a:r>
+          </a:p>
+          <a:p>
+            <a:r>
+              <a:rPr lang="en-US" dirty="0" smtClean="0"/>
+              <a:t>The last eight bytes are equal to the length of the string (0x250 bytes) in bits (0x1280 bits)</a:t>
+            </a:r>
+            <a:endParaRPr lang="en-US" dirty="0"/>
+          </a:p>
+        </p:txBody>
+      </p:sp>
+      <p:sp>
+        <p:nvSpPr>
+          <p:cNvPr id="4" name="TextBox 3"/>
+          <p:cNvSpPr txBox="1"/>
+          <p:nvPr/>
+        </p:nvSpPr>
+        <p:spPr>
+          <a:xfrm>
+            <a:off x="8153400" y="3962400"/>
+            <a:ext cx="990600" cy="1169551"/>
+          </a:xfrm>
+          <a:prstGeom prst="rect">
+            <a:avLst/>
+          </a:prstGeom>
+        </p:spPr>
+        <p:style>
+          <a:lnRef idx="2">
+            <a:schemeClr val="dk1"/>
+          </a:lnRef>
+          <a:fillRef idx="1">
+            <a:schemeClr val="lt1"/>
+          </a:fillRef>
+          <a:effectRef idx="0">
+            <a:schemeClr val="dk1"/>
+          </a:effectRef>
+          <a:fontRef idx="minor">
+            <a:schemeClr val="dk1"/>
+          </a:fontRef>
+        </p:style>
+        <p:txBody>
+          <a:bodyPr wrap="square" rtlCol="0">
+            <a:spAutoFit/>
+          </a:bodyPr>
+          <a:lstStyle/>
+          <a:p>
+            <a:r>
+              <a:rPr lang="en-US" sz="1400" dirty="0" smtClean="0"/>
+              <a:t>Dropped a bunch of “\x00” to conserve space</a:t>
+            </a:r>
+            <a:endParaRPr lang="en-US" sz="1400" dirty="0"/>
+          </a:p>
+        </p:txBody>
+      </p:sp>
+      <p:cxnSp>
+        <p:nvCxnSpPr>
+          <p:cNvPr id="6" name="Straight Arrow Connector 5"/>
+          <p:cNvCxnSpPr/>
+          <p:nvPr/>
+        </p:nvCxnSpPr>
+        <p:spPr>
+          <a:xfrm flipH="1" flipV="1">
+            <a:off x="5791200" y="4114800"/>
+            <a:ext cx="2362200" cy="432376"/>
+          </a:xfrm>
+          <a:prstGeom prst="straightConnector1">
+            <a:avLst/>
+          </a:prstGeom>
+          <a:ln w="38100">
+            <a:tailEnd type="arrow"/>
+          </a:ln>
+        </p:spPr>
+        <p:style>
+          <a:lnRef idx="1">
+            <a:schemeClr val="accent1"/>
+          </a:lnRef>
+          <a:fillRef idx="0">
+            <a:schemeClr val="accent1"/>
+          </a:fillRef>
+          <a:effectRef idx="0">
+            <a:schemeClr val="accent1"/>
+          </a:effectRef>
+          <a:fontRef idx="minor">
+            <a:schemeClr val="tx1"/>
+          </a:fontRef>
+        </p:style>
+      </p:cxnSp>
+    </p:spTree>
+    <p:extLst>
+      <p:ext uri="{BB962C8B-B14F-4D97-AF65-F5344CB8AC3E}">
+        <p14:creationId xmlns:p14="http://schemas.microsoft.com/office/powerpoint/2010/main" val="182903537"/>
+      </p:ext>
+    </p:extLst>
+  </p:cSld>
+  <p:clrMapOvr>
+    <a:masterClrMapping/>
+  </p:clrMapOvr>
+  <p:timing>
+    <p:tnLst>
+      <p:par>
+        <p:cTn id="1" dur="indefinite" restart="never" nodeType="tmRoot"/>
+      </p:par>
+    </p:tnLst>
+  </p:timing>
+</p:sld>
+</file>
+
+<file path=ppt/slides/slide53.xml><?xml version="1.0" encoding="utf-8"?>
+<p:sld xmlns:a="http://schemas.openxmlformats.org/drawingml/2006/main" xmlns:r="http://schemas.openxmlformats.org/officeDocument/2006/relationships" xmlns:p="http://schemas.openxmlformats.org/presentationml/2006/main">
+  <p:cSld>
+    <p:spTree>
+      <p:nvGrpSpPr>
+        <p:cNvPr id="1" name=""/>
+        <p:cNvGrpSpPr/>
+        <p:nvPr/>
+      </p:nvGrpSpPr>
+      <p:grpSpPr>
+        <a:xfrm>
+          <a:off x="0" y="0"/>
+          <a:ext cx="0" cy="0"/>
+          <a:chOff x="0" y="0"/>
+          <a:chExt cx="0" cy="0"/>
+        </a:xfrm>
+      </p:grpSpPr>
+      <p:sp>
+        <p:nvSpPr>
+          <p:cNvPr id="2" name="Title 1"/>
+          <p:cNvSpPr>
+            <a:spLocks noGrp="1"/>
+          </p:cNvSpPr>
+          <p:nvPr>
+            <p:ph type="title"/>
+          </p:nvPr>
+        </p:nvSpPr>
+        <p:spPr/>
+        <p:txBody>
+          <a:bodyPr/>
+          <a:lstStyle/>
+          <a:p>
+            <a:r>
+              <a:rPr lang="en-US" dirty="0" smtClean="0"/>
+              <a:t>How hashing works</a:t>
+            </a:r>
+            <a:endParaRPr lang="en-US" dirty="0"/>
+          </a:p>
+        </p:txBody>
+      </p:sp>
+      <p:sp>
+        <p:nvSpPr>
+          <p:cNvPr id="3" name="Content Placeholder 2"/>
+          <p:cNvSpPr>
+            <a:spLocks noGrp="1"/>
+          </p:cNvSpPr>
+          <p:nvPr>
+            <p:ph idx="1"/>
+          </p:nvPr>
+        </p:nvSpPr>
+        <p:spPr>
+          <a:xfrm>
+            <a:off x="392151" y="1272227"/>
+            <a:ext cx="8229600" cy="5433373"/>
+          </a:xfrm>
+        </p:spPr>
+        <p:txBody>
+          <a:bodyPr>
+            <a:normAutofit/>
+          </a:bodyPr>
+          <a:lstStyle/>
+          <a:p>
+            <a:r>
+              <a:rPr lang="en-US" sz="1800" dirty="0" smtClean="0"/>
+              <a:t>Each block is hashed individually, and its output is fed into the next block</a:t>
+            </a:r>
+          </a:p>
+          <a:p>
+            <a:endParaRPr lang="en-US" sz="1800" dirty="0"/>
+          </a:p>
+          <a:p>
+            <a:endParaRPr lang="en-US" sz="1800" dirty="0" smtClean="0"/>
+          </a:p>
+          <a:p>
+            <a:endParaRPr lang="en-US" sz="1800" dirty="0"/>
+          </a:p>
+          <a:p>
+            <a:endParaRPr lang="en-US" sz="1800" dirty="0" smtClean="0"/>
+          </a:p>
+          <a:p>
+            <a:endParaRPr lang="en-US" sz="1800" dirty="0"/>
+          </a:p>
+          <a:p>
+            <a:endParaRPr lang="en-US" sz="1800" dirty="0" smtClean="0"/>
+          </a:p>
+          <a:p>
+            <a:endParaRPr lang="en-US" sz="1800" dirty="0"/>
+          </a:p>
+          <a:p>
+            <a:endParaRPr lang="en-US" sz="1800" dirty="0" smtClean="0"/>
+          </a:p>
+          <a:p>
+            <a:endParaRPr lang="en-US" sz="1800" dirty="0"/>
+          </a:p>
+          <a:p>
+            <a:endParaRPr lang="en-US" sz="1800" dirty="0" smtClean="0"/>
+          </a:p>
+          <a:p>
+            <a:endParaRPr lang="en-US" sz="1800" dirty="0" smtClean="0"/>
+          </a:p>
+          <a:p>
+            <a:endParaRPr lang="en-US" sz="1800" dirty="0"/>
+          </a:p>
+          <a:p>
+            <a:endParaRPr lang="en-US" sz="1800" dirty="0" smtClean="0"/>
+          </a:p>
+          <a:p>
+            <a:endParaRPr lang="en-US" sz="1800" dirty="0"/>
+          </a:p>
+          <a:p>
+            <a:r>
+              <a:rPr lang="en-US" sz="1800" dirty="0" smtClean="0"/>
+              <a:t>The output of the last block is our hash! </a:t>
+            </a:r>
+            <a:endParaRPr lang="en-US" sz="1800" dirty="0"/>
+          </a:p>
+        </p:txBody>
+      </p:sp>
+      <p:sp>
+        <p:nvSpPr>
+          <p:cNvPr id="4" name="TextBox 3"/>
+          <p:cNvSpPr txBox="1"/>
+          <p:nvPr/>
+        </p:nvSpPr>
+        <p:spPr>
+          <a:xfrm>
+            <a:off x="1559312" y="1676400"/>
+            <a:ext cx="5943600" cy="261610"/>
+          </a:xfrm>
+          <a:prstGeom prst="rect">
+            <a:avLst/>
+          </a:prstGeom>
+        </p:spPr>
+        <p:style>
+          <a:lnRef idx="2">
+            <a:schemeClr val="dk1"/>
+          </a:lnRef>
+          <a:fillRef idx="1">
+            <a:schemeClr val="lt1"/>
+          </a:fillRef>
+          <a:effectRef idx="0">
+            <a:schemeClr val="dk1"/>
+          </a:effectRef>
+          <a:fontRef idx="minor">
+            <a:schemeClr val="dk1"/>
+          </a:fontRef>
+        </p:style>
+        <p:txBody>
+          <a:bodyPr wrap="square" rtlCol="0">
+            <a:spAutoFit/>
+          </a:bodyPr>
+          <a:lstStyle/>
+          <a:p>
+            <a:pPr algn="ctr"/>
+            <a:r>
+              <a:rPr lang="en-US" sz="1100" b="1" dirty="0" smtClean="0">
+                <a:latin typeface="Courier New" pitchFamily="49" charset="0"/>
+                <a:cs typeface="Courier New" pitchFamily="49" charset="0"/>
+              </a:rPr>
+              <a:t>“The </a:t>
+            </a:r>
+            <a:r>
+              <a:rPr lang="en-US" sz="1100" b="1" dirty="0">
+                <a:latin typeface="Courier New" pitchFamily="49" charset="0"/>
+                <a:cs typeface="Courier New" pitchFamily="49" charset="0"/>
+              </a:rPr>
+              <a:t>most merciful thing in the </a:t>
+            </a:r>
+            <a:r>
+              <a:rPr lang="en-US" sz="1100" b="1" dirty="0" smtClean="0">
+                <a:latin typeface="Courier New" pitchFamily="49" charset="0"/>
+                <a:cs typeface="Courier New" pitchFamily="49" charset="0"/>
+              </a:rPr>
+              <a:t>world</a:t>
+            </a:r>
+            <a:r>
+              <a:rPr lang="en-US" sz="1100" b="1" dirty="0">
+                <a:latin typeface="Courier New" pitchFamily="49" charset="0"/>
+                <a:cs typeface="Courier New" pitchFamily="49" charset="0"/>
+              </a:rPr>
+              <a:t>, I think, is the inability </a:t>
+            </a:r>
+            <a:r>
+              <a:rPr lang="en-US" sz="1100" b="1" dirty="0" smtClean="0">
+                <a:latin typeface="Courier New" pitchFamily="49" charset="0"/>
+                <a:cs typeface="Courier New" pitchFamily="49" charset="0"/>
+              </a:rPr>
+              <a:t>“</a:t>
+            </a:r>
+            <a:endParaRPr lang="en-US" sz="1100" b="1" dirty="0">
+              <a:latin typeface="Courier New" pitchFamily="49" charset="0"/>
+              <a:cs typeface="Courier New" pitchFamily="49" charset="0"/>
+            </a:endParaRPr>
+          </a:p>
+        </p:txBody>
+      </p:sp>
+      <p:sp>
+        <p:nvSpPr>
+          <p:cNvPr id="5" name="TextBox 4"/>
+          <p:cNvSpPr txBox="1"/>
+          <p:nvPr/>
+        </p:nvSpPr>
+        <p:spPr>
+          <a:xfrm>
+            <a:off x="1559312" y="2427761"/>
+            <a:ext cx="5943600" cy="261610"/>
+          </a:xfrm>
+          <a:prstGeom prst="rect">
+            <a:avLst/>
+          </a:prstGeom>
+        </p:spPr>
+        <p:style>
+          <a:lnRef idx="2">
+            <a:schemeClr val="dk1"/>
+          </a:lnRef>
+          <a:fillRef idx="1">
+            <a:schemeClr val="lt1"/>
+          </a:fillRef>
+          <a:effectRef idx="0">
+            <a:schemeClr val="dk1"/>
+          </a:effectRef>
+          <a:fontRef idx="minor">
+            <a:schemeClr val="dk1"/>
+          </a:fontRef>
+        </p:style>
+        <p:txBody>
+          <a:bodyPr wrap="square" rtlCol="0">
+            <a:spAutoFit/>
+          </a:bodyPr>
+          <a:lstStyle/>
+          <a:p>
+            <a:pPr algn="ctr"/>
+            <a:r>
+              <a:rPr lang="en-US" sz="1100" b="1" dirty="0" smtClean="0">
+                <a:latin typeface="Courier New" pitchFamily="49" charset="0"/>
+                <a:cs typeface="Courier New" pitchFamily="49" charset="0"/>
+              </a:rPr>
+              <a:t>“of </a:t>
+            </a:r>
+            <a:r>
+              <a:rPr lang="en-US" sz="1100" b="1" dirty="0">
+                <a:latin typeface="Courier New" pitchFamily="49" charset="0"/>
+                <a:cs typeface="Courier New" pitchFamily="49" charset="0"/>
+              </a:rPr>
+              <a:t>the human mind to correlate all its contents. We live on a </a:t>
+            </a:r>
+            <a:r>
+              <a:rPr lang="en-US" sz="1100" b="1" dirty="0" err="1" smtClean="0">
+                <a:latin typeface="Courier New" pitchFamily="49" charset="0"/>
+                <a:cs typeface="Courier New" pitchFamily="49" charset="0"/>
+              </a:rPr>
+              <a:t>pl</a:t>
+            </a:r>
+            <a:r>
+              <a:rPr lang="en-US" sz="1100" b="1" dirty="0" smtClean="0">
+                <a:latin typeface="Courier New" pitchFamily="49" charset="0"/>
+                <a:cs typeface="Courier New" pitchFamily="49" charset="0"/>
+              </a:rPr>
+              <a:t>”</a:t>
+            </a:r>
+            <a:endParaRPr lang="en-US" sz="1100" b="1" dirty="0">
+              <a:latin typeface="Courier New" pitchFamily="49" charset="0"/>
+              <a:cs typeface="Courier New" pitchFamily="49" charset="0"/>
+            </a:endParaRPr>
+          </a:p>
+        </p:txBody>
+      </p:sp>
+      <p:sp>
+        <p:nvSpPr>
+          <p:cNvPr id="6" name="TextBox 5"/>
+          <p:cNvSpPr txBox="1"/>
+          <p:nvPr/>
+        </p:nvSpPr>
+        <p:spPr>
+          <a:xfrm>
+            <a:off x="1548161" y="3189761"/>
+            <a:ext cx="5943600" cy="261610"/>
+          </a:xfrm>
+          <a:prstGeom prst="rect">
+            <a:avLst/>
+          </a:prstGeom>
+        </p:spPr>
+        <p:style>
+          <a:lnRef idx="2">
+            <a:schemeClr val="dk1"/>
+          </a:lnRef>
+          <a:fillRef idx="1">
+            <a:schemeClr val="lt1"/>
+          </a:fillRef>
+          <a:effectRef idx="0">
+            <a:schemeClr val="dk1"/>
+          </a:effectRef>
+          <a:fontRef idx="minor">
+            <a:schemeClr val="dk1"/>
+          </a:fontRef>
+        </p:style>
+        <p:txBody>
+          <a:bodyPr wrap="square" rtlCol="0">
+            <a:spAutoFit/>
+          </a:bodyPr>
+          <a:lstStyle/>
+          <a:p>
+            <a:pPr algn="ctr"/>
+            <a:r>
+              <a:rPr lang="en-US" sz="1100" b="1" dirty="0">
+                <a:latin typeface="Courier New" pitchFamily="49" charset="0"/>
+                <a:cs typeface="Courier New" pitchFamily="49" charset="0"/>
+              </a:rPr>
+              <a:t>“acid island of ignorance in the midst of black seas of infinity,“</a:t>
+            </a:r>
+          </a:p>
+        </p:txBody>
+      </p:sp>
+      <p:sp>
+        <p:nvSpPr>
+          <p:cNvPr id="8" name="TextBox 7"/>
+          <p:cNvSpPr txBox="1"/>
+          <p:nvPr/>
+        </p:nvSpPr>
+        <p:spPr>
+          <a:xfrm>
+            <a:off x="1570463" y="4692166"/>
+            <a:ext cx="5943600" cy="261610"/>
+          </a:xfrm>
+          <a:prstGeom prst="rect">
+            <a:avLst/>
+          </a:prstGeom>
+        </p:spPr>
+        <p:style>
+          <a:lnRef idx="2">
+            <a:schemeClr val="dk1"/>
+          </a:lnRef>
+          <a:fillRef idx="1">
+            <a:schemeClr val="lt1"/>
+          </a:fillRef>
+          <a:effectRef idx="0">
+            <a:schemeClr val="dk1"/>
+          </a:effectRef>
+          <a:fontRef idx="minor">
+            <a:schemeClr val="dk1"/>
+          </a:fontRef>
+        </p:style>
+        <p:txBody>
+          <a:bodyPr wrap="square" rtlCol="0">
+            <a:spAutoFit/>
+          </a:bodyPr>
+          <a:lstStyle/>
+          <a:p>
+            <a:pPr algn="ctr"/>
+            <a:r>
+              <a:rPr lang="en-US" sz="1100" b="1" dirty="0">
+                <a:latin typeface="Courier New" pitchFamily="49" charset="0"/>
+                <a:cs typeface="Courier New" pitchFamily="49" charset="0"/>
+              </a:rPr>
+              <a:t>“</a:t>
+            </a:r>
+            <a:r>
+              <a:rPr lang="en-US" sz="1100" b="1" dirty="0" err="1">
+                <a:latin typeface="Courier New" pitchFamily="49" charset="0"/>
+                <a:cs typeface="Courier New" pitchFamily="49" charset="0"/>
+              </a:rPr>
+              <a:t>ation</a:t>
+            </a:r>
+            <a:r>
+              <a:rPr lang="en-US" sz="1100" b="1" dirty="0">
+                <a:latin typeface="Courier New" pitchFamily="49" charset="0"/>
+                <a:cs typeface="Courier New" pitchFamily="49" charset="0"/>
+              </a:rPr>
+              <a:t> or flee from the deadly light into the peace and safety of“</a:t>
+            </a:r>
+          </a:p>
+        </p:txBody>
+      </p:sp>
+      <p:sp>
+        <p:nvSpPr>
+          <p:cNvPr id="9" name="TextBox 8"/>
+          <p:cNvSpPr txBox="1"/>
+          <p:nvPr/>
+        </p:nvSpPr>
+        <p:spPr>
+          <a:xfrm>
+            <a:off x="1570463" y="5432571"/>
+            <a:ext cx="5943600" cy="261610"/>
+          </a:xfrm>
+          <a:prstGeom prst="rect">
+            <a:avLst/>
+          </a:prstGeom>
+        </p:spPr>
+        <p:style>
+          <a:lnRef idx="2">
+            <a:schemeClr val="dk1"/>
+          </a:lnRef>
+          <a:fillRef idx="1">
+            <a:schemeClr val="lt1"/>
+          </a:fillRef>
+          <a:effectRef idx="0">
+            <a:schemeClr val="dk1"/>
+          </a:effectRef>
+          <a:fontRef idx="minor">
+            <a:schemeClr val="dk1"/>
+          </a:fontRef>
+        </p:style>
+        <p:txBody>
+          <a:bodyPr wrap="square" rtlCol="0">
+            <a:spAutoFit/>
+          </a:bodyPr>
+          <a:lstStyle/>
+          <a:p>
+            <a:pPr algn="ctr"/>
+            <a:r>
+              <a:rPr lang="en-US" sz="1100" b="1" dirty="0" smtClean="0">
+                <a:latin typeface="Courier New" pitchFamily="49" charset="0"/>
+                <a:cs typeface="Courier New" pitchFamily="49" charset="0"/>
+              </a:rPr>
+              <a:t>“a new dark age.\x80\0\0\0\0\0.........\0\0\0\0\0\0\0\0\0\x12\x80</a:t>
+            </a:r>
+            <a:r>
+              <a:rPr lang="en-US" sz="1100" b="1" dirty="0">
+                <a:latin typeface="Courier New" pitchFamily="49" charset="0"/>
+                <a:cs typeface="Courier New" pitchFamily="49" charset="0"/>
+              </a:rPr>
+              <a:t>“</a:t>
+            </a:r>
+          </a:p>
+        </p:txBody>
+      </p:sp>
+      <p:cxnSp>
+        <p:nvCxnSpPr>
+          <p:cNvPr id="11" name="Straight Arrow Connector 10"/>
+          <p:cNvCxnSpPr>
+            <a:stCxn id="4" idx="2"/>
+            <a:endCxn id="5" idx="0"/>
+          </p:cNvCxnSpPr>
+          <p:nvPr/>
+        </p:nvCxnSpPr>
+        <p:spPr>
+          <a:xfrm>
+            <a:off x="4531112" y="1938010"/>
+            <a:ext cx="0" cy="489751"/>
+          </a:xfrm>
+          <a:prstGeom prst="straightConnector1">
+            <a:avLst/>
+          </a:prstGeom>
+          <a:ln w="47625">
+            <a:tailEnd type="arrow"/>
+          </a:ln>
+        </p:spPr>
+        <p:style>
+          <a:lnRef idx="1">
+            <a:schemeClr val="accent1"/>
+          </a:lnRef>
+          <a:fillRef idx="0">
+            <a:schemeClr val="accent1"/>
+          </a:fillRef>
+          <a:effectRef idx="0">
+            <a:schemeClr val="accent1"/>
+          </a:effectRef>
+          <a:fontRef idx="minor">
+            <a:schemeClr val="tx1"/>
+          </a:fontRef>
+        </p:style>
+      </p:cxnSp>
+      <p:cxnSp>
+        <p:nvCxnSpPr>
+          <p:cNvPr id="12" name="Straight Arrow Connector 11"/>
+          <p:cNvCxnSpPr>
+            <a:stCxn id="5" idx="2"/>
+            <a:endCxn id="6" idx="0"/>
+          </p:cNvCxnSpPr>
+          <p:nvPr/>
+        </p:nvCxnSpPr>
+        <p:spPr>
+          <a:xfrm flipH="1">
+            <a:off x="4519961" y="2689371"/>
+            <a:ext cx="11151" cy="500390"/>
+          </a:xfrm>
+          <a:prstGeom prst="straightConnector1">
+            <a:avLst/>
+          </a:prstGeom>
+          <a:ln w="47625">
+            <a:tailEnd type="arrow"/>
+          </a:ln>
+        </p:spPr>
+        <p:style>
+          <a:lnRef idx="1">
+            <a:schemeClr val="accent1"/>
+          </a:lnRef>
+          <a:fillRef idx="0">
+            <a:schemeClr val="accent1"/>
+          </a:fillRef>
+          <a:effectRef idx="0">
+            <a:schemeClr val="accent1"/>
+          </a:effectRef>
+          <a:fontRef idx="minor">
+            <a:schemeClr val="tx1"/>
+          </a:fontRef>
+        </p:style>
+      </p:cxnSp>
+      <p:cxnSp>
+        <p:nvCxnSpPr>
+          <p:cNvPr id="15" name="Straight Arrow Connector 14"/>
+          <p:cNvCxnSpPr>
+            <a:stCxn id="6" idx="2"/>
+            <a:endCxn id="8" idx="0"/>
+          </p:cNvCxnSpPr>
+          <p:nvPr/>
+        </p:nvCxnSpPr>
+        <p:spPr>
+          <a:xfrm>
+            <a:off x="4519961" y="3451371"/>
+            <a:ext cx="22302" cy="1240795"/>
+          </a:xfrm>
+          <a:prstGeom prst="straightConnector1">
+            <a:avLst/>
+          </a:prstGeom>
+          <a:ln w="47625">
+            <a:prstDash val="sysDash"/>
+            <a:tailEnd type="arrow"/>
+          </a:ln>
+        </p:spPr>
+        <p:style>
+          <a:lnRef idx="1">
+            <a:schemeClr val="accent1"/>
+          </a:lnRef>
+          <a:fillRef idx="0">
+            <a:schemeClr val="accent1"/>
+          </a:fillRef>
+          <a:effectRef idx="0">
+            <a:schemeClr val="accent1"/>
+          </a:effectRef>
+          <a:fontRef idx="minor">
+            <a:schemeClr val="tx1"/>
+          </a:fontRef>
+        </p:style>
+      </p:cxnSp>
+      <p:cxnSp>
+        <p:nvCxnSpPr>
+          <p:cNvPr id="18" name="Straight Arrow Connector 17"/>
+          <p:cNvCxnSpPr>
+            <a:stCxn id="8" idx="2"/>
+            <a:endCxn id="9" idx="0"/>
+          </p:cNvCxnSpPr>
+          <p:nvPr/>
+        </p:nvCxnSpPr>
+        <p:spPr>
+          <a:xfrm>
+            <a:off x="4542263" y="4953776"/>
+            <a:ext cx="0" cy="478795"/>
+          </a:xfrm>
+          <a:prstGeom prst="straightConnector1">
+            <a:avLst/>
+          </a:prstGeom>
+          <a:ln w="47625">
+            <a:tailEnd type="arrow"/>
+          </a:ln>
+        </p:spPr>
+        <p:style>
+          <a:lnRef idx="1">
+            <a:schemeClr val="accent1"/>
+          </a:lnRef>
+          <a:fillRef idx="0">
+            <a:schemeClr val="accent1"/>
+          </a:fillRef>
+          <a:effectRef idx="0">
+            <a:schemeClr val="accent1"/>
+          </a:effectRef>
+          <a:fontRef idx="minor">
+            <a:schemeClr val="tx1"/>
+          </a:fontRef>
+        </p:style>
+      </p:cxnSp>
+      <p:sp>
+        <p:nvSpPr>
+          <p:cNvPr id="21" name="TextBox 20"/>
+          <p:cNvSpPr txBox="1"/>
+          <p:nvPr/>
+        </p:nvSpPr>
+        <p:spPr>
+          <a:xfrm>
+            <a:off x="4542263" y="1964024"/>
+            <a:ext cx="4296937" cy="276999"/>
+          </a:xfrm>
+          <a:prstGeom prst="rect">
+            <a:avLst/>
+          </a:prstGeom>
+          <a:noFill/>
+        </p:spPr>
+        <p:txBody>
+          <a:bodyPr wrap="square" rtlCol="0">
+            <a:spAutoFit/>
+          </a:bodyPr>
+          <a:lstStyle/>
+          <a:p>
+            <a:r>
+              <a:rPr lang="de-DE" sz="1200" b="1" dirty="0">
+                <a:solidFill>
+                  <a:schemeClr val="tx2">
+                    <a:lumMod val="60000"/>
+                    <a:lumOff val="40000"/>
+                  </a:schemeClr>
+                </a:solidFill>
+                <a:latin typeface="Courier New" pitchFamily="49" charset="0"/>
+                <a:cs typeface="Courier New" pitchFamily="49" charset="0"/>
+              </a:rPr>
+              <a:t>3be731c7 5880ab49 5d90c0cd df295189 b3c91449</a:t>
+            </a:r>
+            <a:endParaRPr lang="en-US" sz="1200" b="1" dirty="0">
+              <a:solidFill>
+                <a:schemeClr val="tx2">
+                  <a:lumMod val="60000"/>
+                  <a:lumOff val="40000"/>
+                </a:schemeClr>
+              </a:solidFill>
+              <a:latin typeface="Courier New" pitchFamily="49" charset="0"/>
+              <a:cs typeface="Courier New" pitchFamily="49" charset="0"/>
+            </a:endParaRPr>
+          </a:p>
+        </p:txBody>
+      </p:sp>
+      <p:sp>
+        <p:nvSpPr>
+          <p:cNvPr id="22" name="TextBox 21"/>
+          <p:cNvSpPr txBox="1"/>
+          <p:nvPr/>
+        </p:nvSpPr>
+        <p:spPr>
+          <a:xfrm>
+            <a:off x="4549697" y="2697767"/>
+            <a:ext cx="4296937" cy="276999"/>
+          </a:xfrm>
+          <a:prstGeom prst="rect">
+            <a:avLst/>
+          </a:prstGeom>
+          <a:noFill/>
+        </p:spPr>
+        <p:txBody>
+          <a:bodyPr wrap="square" rtlCol="0">
+            <a:spAutoFit/>
+          </a:bodyPr>
+          <a:lstStyle/>
+          <a:p>
+            <a:r>
+              <a:rPr lang="de-DE" sz="1200" b="1" dirty="0">
+                <a:solidFill>
+                  <a:schemeClr val="tx2">
+                    <a:lumMod val="60000"/>
+                    <a:lumOff val="40000"/>
+                  </a:schemeClr>
+                </a:solidFill>
+                <a:latin typeface="Courier New" pitchFamily="49" charset="0"/>
+                <a:cs typeface="Courier New" pitchFamily="49" charset="0"/>
+              </a:rPr>
+              <a:t>58ec922f bdee6eec 699db098 a378f875 2b29d697</a:t>
+            </a:r>
+            <a:endParaRPr lang="en-US" sz="1200" b="1" dirty="0">
+              <a:solidFill>
+                <a:schemeClr val="tx2">
+                  <a:lumMod val="60000"/>
+                  <a:lumOff val="40000"/>
+                </a:schemeClr>
+              </a:solidFill>
+              <a:latin typeface="Courier New" pitchFamily="49" charset="0"/>
+              <a:cs typeface="Courier New" pitchFamily="49" charset="0"/>
+            </a:endParaRPr>
+          </a:p>
+        </p:txBody>
+      </p:sp>
+      <p:sp>
+        <p:nvSpPr>
+          <p:cNvPr id="23" name="TextBox 22"/>
+          <p:cNvSpPr txBox="1"/>
+          <p:nvPr/>
+        </p:nvSpPr>
+        <p:spPr>
+          <a:xfrm>
+            <a:off x="4549696" y="3451371"/>
+            <a:ext cx="4296937" cy="276999"/>
+          </a:xfrm>
+          <a:prstGeom prst="rect">
+            <a:avLst/>
+          </a:prstGeom>
+          <a:noFill/>
+        </p:spPr>
+        <p:txBody>
+          <a:bodyPr wrap="square" rtlCol="0">
+            <a:spAutoFit/>
+          </a:bodyPr>
+          <a:lstStyle/>
+          <a:p>
+            <a:r>
+              <a:rPr lang="en-US" sz="1200" b="1" dirty="0">
+                <a:solidFill>
+                  <a:schemeClr val="tx2">
+                    <a:lumMod val="60000"/>
+                    <a:lumOff val="40000"/>
+                  </a:schemeClr>
+                </a:solidFill>
+                <a:latin typeface="Courier New" pitchFamily="49" charset="0"/>
+                <a:cs typeface="Courier New" pitchFamily="49" charset="0"/>
+              </a:rPr>
+              <a:t>c55bc6a3 b26d5dd0 96166093 5d73c256 7f357a83</a:t>
+            </a:r>
+          </a:p>
+        </p:txBody>
+      </p:sp>
+      <p:sp>
+        <p:nvSpPr>
+          <p:cNvPr id="24" name="TextBox 23"/>
+          <p:cNvSpPr txBox="1"/>
+          <p:nvPr/>
+        </p:nvSpPr>
+        <p:spPr>
+          <a:xfrm>
+            <a:off x="4549697" y="4968790"/>
+            <a:ext cx="4296937" cy="276999"/>
+          </a:xfrm>
+          <a:prstGeom prst="rect">
+            <a:avLst/>
+          </a:prstGeom>
+          <a:noFill/>
+        </p:spPr>
+        <p:txBody>
+          <a:bodyPr wrap="square" rtlCol="0">
+            <a:spAutoFit/>
+          </a:bodyPr>
+          <a:lstStyle/>
+          <a:p>
+            <a:r>
+              <a:rPr lang="es-ES" sz="1200" b="1" dirty="0">
+                <a:solidFill>
+                  <a:schemeClr val="tx2">
+                    <a:lumMod val="60000"/>
+                    <a:lumOff val="40000"/>
+                  </a:schemeClr>
+                </a:solidFill>
+                <a:latin typeface="Courier New" pitchFamily="49" charset="0"/>
+                <a:cs typeface="Courier New" pitchFamily="49" charset="0"/>
+              </a:rPr>
+              <a:t>845b75f7 403a1814 30ee1c70 8a229eab c88c00d9</a:t>
+            </a:r>
+            <a:endParaRPr lang="en-US" sz="1200" b="1" dirty="0">
+              <a:solidFill>
+                <a:schemeClr val="tx2">
+                  <a:lumMod val="60000"/>
+                  <a:lumOff val="40000"/>
+                </a:schemeClr>
+              </a:solidFill>
+              <a:latin typeface="Courier New" pitchFamily="49" charset="0"/>
+              <a:cs typeface="Courier New" pitchFamily="49" charset="0"/>
+            </a:endParaRPr>
+          </a:p>
+        </p:txBody>
+      </p:sp>
+      <p:sp>
+        <p:nvSpPr>
+          <p:cNvPr id="25" name="TextBox 24"/>
+          <p:cNvSpPr txBox="1"/>
+          <p:nvPr/>
+        </p:nvSpPr>
+        <p:spPr>
+          <a:xfrm>
+            <a:off x="4549697" y="5694181"/>
+            <a:ext cx="4296937" cy="276999"/>
+          </a:xfrm>
+          <a:prstGeom prst="rect">
+            <a:avLst/>
+          </a:prstGeom>
+          <a:noFill/>
+        </p:spPr>
+        <p:txBody>
+          <a:bodyPr wrap="square" rtlCol="0">
+            <a:spAutoFit/>
+          </a:bodyPr>
+          <a:lstStyle/>
+          <a:p>
+            <a:r>
+              <a:rPr lang="it-IT" sz="1200" b="1" dirty="0">
+                <a:solidFill>
+                  <a:schemeClr val="tx2">
+                    <a:lumMod val="60000"/>
+                    <a:lumOff val="40000"/>
+                  </a:schemeClr>
+                </a:solidFill>
+                <a:latin typeface="Courier New" pitchFamily="49" charset="0"/>
+                <a:cs typeface="Courier New" pitchFamily="49" charset="0"/>
+              </a:rPr>
+              <a:t>ed8873c1 07d882b7 b6fcbbc1 9a272d61 4cf9e7ee</a:t>
+            </a:r>
+            <a:endParaRPr lang="en-US" sz="1200" b="1" dirty="0">
+              <a:solidFill>
+                <a:schemeClr val="tx2">
+                  <a:lumMod val="60000"/>
+                  <a:lumOff val="40000"/>
+                </a:schemeClr>
+              </a:solidFill>
+              <a:latin typeface="Courier New" pitchFamily="49" charset="0"/>
+              <a:cs typeface="Courier New" pitchFamily="49" charset="0"/>
+            </a:endParaRPr>
+          </a:p>
+        </p:txBody>
+      </p:sp>
+    </p:spTree>
+    <p:extLst>
+      <p:ext uri="{BB962C8B-B14F-4D97-AF65-F5344CB8AC3E}">
+        <p14:creationId xmlns:p14="http://schemas.microsoft.com/office/powerpoint/2010/main" val="1757114465"/>
+      </p:ext>
+    </p:extLst>
+  </p:cSld>
+  <p:clrMapOvr>
+    <a:masterClrMapping/>
+  </p:clrMapOvr>
+  <p:timing>
+    <p:tnLst>
+      <p:par>
+        <p:cTn id="1" dur="indefinite" restart="never" nodeType="tmRoot"/>
+      </p:par>
+    </p:tnLst>
+  </p:timing>
+</p:sld>
+</file>
+
+<file path=ppt/slides/slide54.xml><?xml version="1.0" encoding="utf-8"?>
+<p:sld xmlns:a="http://schemas.openxmlformats.org/drawingml/2006/main" xmlns:r="http://schemas.openxmlformats.org/officeDocument/2006/relationships" xmlns:p="http://schemas.openxmlformats.org/presentationml/2006/main">
+  <p:cSld>
+    <p:spTree>
+      <p:nvGrpSpPr>
+        <p:cNvPr id="1" name=""/>
+        <p:cNvGrpSpPr/>
+        <p:nvPr/>
+      </p:nvGrpSpPr>
+      <p:grpSpPr>
+        <a:xfrm>
+          <a:off x="0" y="0"/>
+          <a:ext cx="0" cy="0"/>
+          <a:chOff x="0" y="0"/>
+          <a:chExt cx="0" cy="0"/>
+        </a:xfrm>
+      </p:grpSpPr>
+      <p:sp>
+        <p:nvSpPr>
+          <p:cNvPr id="2" name="Title 1"/>
+          <p:cNvSpPr>
+            <a:spLocks noGrp="1"/>
+          </p:cNvSpPr>
+          <p:nvPr>
+            <p:ph type="title"/>
+          </p:nvPr>
+        </p:nvSpPr>
+        <p:spPr/>
+        <p:txBody>
+          <a:bodyPr>
+            <a:normAutofit fontScale="90000"/>
+          </a:bodyPr>
+          <a:lstStyle/>
+          <a:p>
+            <a:r>
+              <a:rPr lang="en-US" dirty="0" smtClean="0"/>
+              <a:t>Hash extension: We’re almost there!</a:t>
+            </a:r>
+            <a:endParaRPr lang="en-US" dirty="0"/>
+          </a:p>
+        </p:txBody>
+      </p:sp>
+      <p:sp>
+        <p:nvSpPr>
+          <p:cNvPr id="3" name="Content Placeholder 2"/>
+          <p:cNvSpPr>
+            <a:spLocks noGrp="1"/>
+          </p:cNvSpPr>
+          <p:nvPr>
+            <p:ph idx="1"/>
+          </p:nvPr>
+        </p:nvSpPr>
+        <p:spPr>
+          <a:xfrm>
+            <a:off x="392151" y="1272227"/>
+            <a:ext cx="8229600" cy="5433373"/>
+          </a:xfrm>
+        </p:spPr>
+        <p:txBody>
+          <a:bodyPr>
+            <a:normAutofit/>
+          </a:bodyPr>
+          <a:lstStyle/>
+          <a:p>
+            <a:r>
+              <a:rPr lang="en-US" sz="1800" dirty="0" smtClean="0"/>
+              <a:t>What if we add another block, after the padding?</a:t>
+            </a:r>
+          </a:p>
+          <a:p>
+            <a:endParaRPr lang="en-US" sz="1800" dirty="0"/>
+          </a:p>
+          <a:p>
+            <a:endParaRPr lang="en-US" sz="1800" dirty="0" smtClean="0"/>
+          </a:p>
+          <a:p>
+            <a:endParaRPr lang="en-US" sz="1800" dirty="0"/>
+          </a:p>
+          <a:p>
+            <a:endParaRPr lang="en-US" sz="1800" dirty="0" smtClean="0"/>
+          </a:p>
+          <a:p>
+            <a:endParaRPr lang="en-US" sz="1800" dirty="0"/>
+          </a:p>
+          <a:p>
+            <a:endParaRPr lang="en-US" sz="1800" dirty="0" smtClean="0"/>
+          </a:p>
+          <a:p>
+            <a:endParaRPr lang="en-US" sz="1800" dirty="0"/>
+          </a:p>
+          <a:p>
+            <a:endParaRPr lang="en-US" sz="1800" dirty="0" smtClean="0"/>
+          </a:p>
+          <a:p>
+            <a:endParaRPr lang="en-US" sz="1800" dirty="0"/>
+          </a:p>
+          <a:p>
+            <a:pPr marL="0" indent="0">
+              <a:buNone/>
+            </a:pPr>
+            <a:endParaRPr lang="en-US" sz="1800" dirty="0"/>
+          </a:p>
+          <a:p>
+            <a:pPr marL="0" indent="0">
+              <a:buNone/>
+            </a:pPr>
+            <a:endParaRPr lang="en-US" sz="1800" dirty="0"/>
+          </a:p>
+          <a:p>
+            <a:r>
+              <a:rPr lang="en-US" sz="1800" dirty="0" smtClean="0"/>
+              <a:t>What good is that?</a:t>
+            </a:r>
+            <a:endParaRPr lang="en-US" sz="1800" dirty="0"/>
+          </a:p>
+        </p:txBody>
+      </p:sp>
+      <p:sp>
+        <p:nvSpPr>
+          <p:cNvPr id="8" name="TextBox 7"/>
+          <p:cNvSpPr txBox="1"/>
+          <p:nvPr/>
+        </p:nvSpPr>
+        <p:spPr>
+          <a:xfrm>
+            <a:off x="1548161" y="2823710"/>
+            <a:ext cx="5943600" cy="261610"/>
+          </a:xfrm>
+          <a:prstGeom prst="rect">
+            <a:avLst/>
+          </a:prstGeom>
+        </p:spPr>
+        <p:style>
+          <a:lnRef idx="2">
+            <a:schemeClr val="dk1"/>
+          </a:lnRef>
+          <a:fillRef idx="1">
+            <a:schemeClr val="lt1"/>
+          </a:fillRef>
+          <a:effectRef idx="0">
+            <a:schemeClr val="dk1"/>
+          </a:effectRef>
+          <a:fontRef idx="minor">
+            <a:schemeClr val="dk1"/>
+          </a:fontRef>
+        </p:style>
+        <p:txBody>
+          <a:bodyPr wrap="square" rtlCol="0">
+            <a:spAutoFit/>
+          </a:bodyPr>
+          <a:lstStyle/>
+          <a:p>
+            <a:pPr algn="ctr"/>
+            <a:r>
+              <a:rPr lang="en-US" sz="1100" b="1" dirty="0">
+                <a:latin typeface="Courier New" pitchFamily="49" charset="0"/>
+                <a:cs typeface="Courier New" pitchFamily="49" charset="0"/>
+              </a:rPr>
+              <a:t>“</a:t>
+            </a:r>
+            <a:r>
+              <a:rPr lang="en-US" sz="1100" b="1" dirty="0" err="1">
+                <a:latin typeface="Courier New" pitchFamily="49" charset="0"/>
+                <a:cs typeface="Courier New" pitchFamily="49" charset="0"/>
+              </a:rPr>
+              <a:t>ation</a:t>
+            </a:r>
+            <a:r>
+              <a:rPr lang="en-US" sz="1100" b="1" dirty="0">
+                <a:latin typeface="Courier New" pitchFamily="49" charset="0"/>
+                <a:cs typeface="Courier New" pitchFamily="49" charset="0"/>
+              </a:rPr>
+              <a:t> or flee from the deadly light into the peace and safety of“</a:t>
+            </a:r>
+          </a:p>
+        </p:txBody>
+      </p:sp>
+      <p:sp>
+        <p:nvSpPr>
+          <p:cNvPr id="9" name="TextBox 8"/>
+          <p:cNvSpPr txBox="1"/>
+          <p:nvPr/>
+        </p:nvSpPr>
+        <p:spPr>
+          <a:xfrm>
+            <a:off x="1548161" y="3564115"/>
+            <a:ext cx="5943600" cy="261610"/>
+          </a:xfrm>
+          <a:prstGeom prst="rect">
+            <a:avLst/>
+          </a:prstGeom>
+        </p:spPr>
+        <p:style>
+          <a:lnRef idx="2">
+            <a:schemeClr val="dk1"/>
+          </a:lnRef>
+          <a:fillRef idx="1">
+            <a:schemeClr val="lt1"/>
+          </a:fillRef>
+          <a:effectRef idx="0">
+            <a:schemeClr val="dk1"/>
+          </a:effectRef>
+          <a:fontRef idx="minor">
+            <a:schemeClr val="dk1"/>
+          </a:fontRef>
+        </p:style>
+        <p:txBody>
+          <a:bodyPr wrap="square" rtlCol="0">
+            <a:spAutoFit/>
+          </a:bodyPr>
+          <a:lstStyle/>
+          <a:p>
+            <a:pPr algn="ctr"/>
+            <a:r>
+              <a:rPr lang="en-US" sz="1100" b="1" dirty="0" smtClean="0">
+                <a:latin typeface="Courier New" pitchFamily="49" charset="0"/>
+                <a:cs typeface="Courier New" pitchFamily="49" charset="0"/>
+              </a:rPr>
+              <a:t>“a new dark age.\x80\0\0\0\0\0.........\0\0\0\0\0\0\0\0\0\x12\x80</a:t>
+            </a:r>
+            <a:r>
+              <a:rPr lang="en-US" sz="1100" b="1" dirty="0">
+                <a:latin typeface="Courier New" pitchFamily="49" charset="0"/>
+                <a:cs typeface="Courier New" pitchFamily="49" charset="0"/>
+              </a:rPr>
+              <a:t>“</a:t>
+            </a:r>
+          </a:p>
+        </p:txBody>
+      </p:sp>
+      <p:cxnSp>
+        <p:nvCxnSpPr>
+          <p:cNvPr id="18" name="Straight Arrow Connector 17"/>
+          <p:cNvCxnSpPr>
+            <a:stCxn id="8" idx="2"/>
+            <a:endCxn id="9" idx="0"/>
+          </p:cNvCxnSpPr>
+          <p:nvPr/>
+        </p:nvCxnSpPr>
+        <p:spPr>
+          <a:xfrm>
+            <a:off x="4519961" y="3085320"/>
+            <a:ext cx="0" cy="478795"/>
+          </a:xfrm>
+          <a:prstGeom prst="straightConnector1">
+            <a:avLst/>
+          </a:prstGeom>
+          <a:ln w="47625">
+            <a:tailEnd type="arrow"/>
+          </a:ln>
+        </p:spPr>
+        <p:style>
+          <a:lnRef idx="1">
+            <a:schemeClr val="accent1"/>
+          </a:lnRef>
+          <a:fillRef idx="0">
+            <a:schemeClr val="accent1"/>
+          </a:fillRef>
+          <a:effectRef idx="0">
+            <a:schemeClr val="accent1"/>
+          </a:effectRef>
+          <a:fontRef idx="minor">
+            <a:schemeClr val="tx1"/>
+          </a:fontRef>
+        </p:style>
+      </p:cxnSp>
+      <p:sp>
+        <p:nvSpPr>
+          <p:cNvPr id="24" name="TextBox 23"/>
+          <p:cNvSpPr txBox="1"/>
+          <p:nvPr/>
+        </p:nvSpPr>
+        <p:spPr>
+          <a:xfrm>
+            <a:off x="4527395" y="3100334"/>
+            <a:ext cx="4296937" cy="276999"/>
+          </a:xfrm>
+          <a:prstGeom prst="rect">
+            <a:avLst/>
+          </a:prstGeom>
+          <a:noFill/>
+        </p:spPr>
+        <p:txBody>
+          <a:bodyPr wrap="square" rtlCol="0">
+            <a:spAutoFit/>
+          </a:bodyPr>
+          <a:lstStyle/>
+          <a:p>
+            <a:r>
+              <a:rPr lang="es-ES" sz="1200" b="1" dirty="0">
+                <a:solidFill>
+                  <a:schemeClr val="tx2">
+                    <a:lumMod val="60000"/>
+                    <a:lumOff val="40000"/>
+                  </a:schemeClr>
+                </a:solidFill>
+                <a:latin typeface="Courier New" pitchFamily="49" charset="0"/>
+                <a:cs typeface="Courier New" pitchFamily="49" charset="0"/>
+              </a:rPr>
+              <a:t>845b75f7 403a1814 30ee1c70 8a229eab c88c00d9</a:t>
+            </a:r>
+            <a:endParaRPr lang="en-US" sz="1200" b="1" dirty="0">
+              <a:solidFill>
+                <a:schemeClr val="tx2">
+                  <a:lumMod val="60000"/>
+                  <a:lumOff val="40000"/>
+                </a:schemeClr>
+              </a:solidFill>
+              <a:latin typeface="Courier New" pitchFamily="49" charset="0"/>
+              <a:cs typeface="Courier New" pitchFamily="49" charset="0"/>
+            </a:endParaRPr>
+          </a:p>
+        </p:txBody>
+      </p:sp>
+      <p:sp>
+        <p:nvSpPr>
+          <p:cNvPr id="25" name="TextBox 24"/>
+          <p:cNvSpPr txBox="1"/>
+          <p:nvPr/>
+        </p:nvSpPr>
+        <p:spPr>
+          <a:xfrm>
+            <a:off x="4527395" y="3825725"/>
+            <a:ext cx="4296937" cy="276999"/>
+          </a:xfrm>
+          <a:prstGeom prst="rect">
+            <a:avLst/>
+          </a:prstGeom>
+          <a:noFill/>
+        </p:spPr>
+        <p:txBody>
+          <a:bodyPr wrap="square" rtlCol="0">
+            <a:spAutoFit/>
+          </a:bodyPr>
+          <a:lstStyle/>
+          <a:p>
+            <a:r>
+              <a:rPr lang="it-IT" sz="1200" b="1" dirty="0">
+                <a:solidFill>
+                  <a:schemeClr val="tx2">
+                    <a:lumMod val="60000"/>
+                    <a:lumOff val="40000"/>
+                  </a:schemeClr>
+                </a:solidFill>
+                <a:latin typeface="Courier New" pitchFamily="49" charset="0"/>
+                <a:cs typeface="Courier New" pitchFamily="49" charset="0"/>
+              </a:rPr>
+              <a:t>ed8873c1 07d882b7 b6fcbbc1 9a272d61 4cf9e7ee</a:t>
+            </a:r>
+            <a:endParaRPr lang="en-US" sz="1200" b="1" dirty="0">
+              <a:solidFill>
+                <a:schemeClr val="tx2">
+                  <a:lumMod val="60000"/>
+                  <a:lumOff val="40000"/>
+                </a:schemeClr>
+              </a:solidFill>
+              <a:latin typeface="Courier New" pitchFamily="49" charset="0"/>
+              <a:cs typeface="Courier New" pitchFamily="49" charset="0"/>
+            </a:endParaRPr>
+          </a:p>
+        </p:txBody>
+      </p:sp>
+      <p:cxnSp>
+        <p:nvCxnSpPr>
+          <p:cNvPr id="19" name="Straight Arrow Connector 18"/>
+          <p:cNvCxnSpPr/>
+          <p:nvPr/>
+        </p:nvCxnSpPr>
+        <p:spPr>
+          <a:xfrm>
+            <a:off x="4503234" y="1905000"/>
+            <a:ext cx="16727" cy="918710"/>
+          </a:xfrm>
+          <a:prstGeom prst="straightConnector1">
+            <a:avLst/>
+          </a:prstGeom>
+          <a:ln w="47625">
+            <a:prstDash val="sysDash"/>
+            <a:tailEnd type="arrow"/>
+          </a:ln>
+        </p:spPr>
+        <p:style>
+          <a:lnRef idx="1">
+            <a:schemeClr val="accent1"/>
+          </a:lnRef>
+          <a:fillRef idx="0">
+            <a:schemeClr val="accent1"/>
+          </a:fillRef>
+          <a:effectRef idx="0">
+            <a:schemeClr val="accent1"/>
+          </a:effectRef>
+          <a:fontRef idx="minor">
+            <a:schemeClr val="tx1"/>
+          </a:fontRef>
+        </p:style>
+      </p:cxnSp>
+      <p:sp>
+        <p:nvSpPr>
+          <p:cNvPr id="27" name="TextBox 26"/>
+          <p:cNvSpPr txBox="1"/>
+          <p:nvPr/>
+        </p:nvSpPr>
+        <p:spPr>
+          <a:xfrm>
+            <a:off x="1524000" y="4338191"/>
+            <a:ext cx="5943600" cy="261610"/>
+          </a:xfrm>
+          <a:prstGeom prst="rect">
+            <a:avLst/>
+          </a:prstGeom>
+        </p:spPr>
+        <p:style>
+          <a:lnRef idx="2">
+            <a:schemeClr val="dk1"/>
+          </a:lnRef>
+          <a:fillRef idx="1">
+            <a:schemeClr val="lt1"/>
+          </a:fillRef>
+          <a:effectRef idx="0">
+            <a:schemeClr val="dk1"/>
+          </a:effectRef>
+          <a:fontRef idx="minor">
+            <a:schemeClr val="dk1"/>
+          </a:fontRef>
+        </p:style>
+        <p:txBody>
+          <a:bodyPr wrap="square" rtlCol="0">
+            <a:spAutoFit/>
+          </a:bodyPr>
+          <a:lstStyle/>
+          <a:p>
+            <a:pPr algn="ctr"/>
+            <a:r>
+              <a:rPr lang="en-US" sz="1100" b="1" dirty="0" smtClean="0">
+                <a:latin typeface="Courier New" pitchFamily="49" charset="0"/>
+                <a:cs typeface="Courier New" pitchFamily="49" charset="0"/>
+              </a:rPr>
+              <a:t>“Hello? Yes, this is dog.“ (+ implicit padding)</a:t>
+            </a:r>
+            <a:endParaRPr lang="en-US" sz="1100" b="1" dirty="0">
+              <a:latin typeface="Courier New" pitchFamily="49" charset="0"/>
+              <a:cs typeface="Courier New" pitchFamily="49" charset="0"/>
+            </a:endParaRPr>
+          </a:p>
+        </p:txBody>
+      </p:sp>
+      <p:sp>
+        <p:nvSpPr>
+          <p:cNvPr id="28" name="TextBox 27"/>
+          <p:cNvSpPr txBox="1"/>
+          <p:nvPr/>
+        </p:nvSpPr>
+        <p:spPr>
+          <a:xfrm>
+            <a:off x="4503234" y="4599801"/>
+            <a:ext cx="4296937" cy="276999"/>
+          </a:xfrm>
+          <a:prstGeom prst="rect">
+            <a:avLst/>
+          </a:prstGeom>
+          <a:noFill/>
+        </p:spPr>
+        <p:txBody>
+          <a:bodyPr wrap="square" rtlCol="0">
+            <a:spAutoFit/>
+          </a:bodyPr>
+          <a:lstStyle/>
+          <a:p>
+            <a:r>
+              <a:rPr lang="it-IT" sz="1200" b="1" dirty="0" smtClean="0">
+                <a:solidFill>
+                  <a:schemeClr val="tx2">
+                    <a:lumMod val="60000"/>
+                    <a:lumOff val="40000"/>
+                  </a:schemeClr>
+                </a:solidFill>
+                <a:latin typeface="Courier New" pitchFamily="49" charset="0"/>
+                <a:cs typeface="Courier New" pitchFamily="49" charset="0"/>
+              </a:rPr>
+              <a:t>37a780c2 e1f8a3e9 f99a7561 f12c9945 f0d82b12</a:t>
+            </a:r>
+            <a:endParaRPr lang="en-US" sz="1200" b="1" dirty="0">
+              <a:solidFill>
+                <a:schemeClr val="tx2">
+                  <a:lumMod val="60000"/>
+                  <a:lumOff val="40000"/>
+                </a:schemeClr>
+              </a:solidFill>
+              <a:latin typeface="Courier New" pitchFamily="49" charset="0"/>
+              <a:cs typeface="Courier New" pitchFamily="49" charset="0"/>
+            </a:endParaRPr>
+          </a:p>
+        </p:txBody>
+      </p:sp>
+      <p:cxnSp>
+        <p:nvCxnSpPr>
+          <p:cNvPr id="29" name="Straight Arrow Connector 28"/>
+          <p:cNvCxnSpPr/>
+          <p:nvPr/>
+        </p:nvCxnSpPr>
+        <p:spPr>
+          <a:xfrm>
+            <a:off x="4503234" y="3863326"/>
+            <a:ext cx="0" cy="478795"/>
+          </a:xfrm>
+          <a:prstGeom prst="straightConnector1">
+            <a:avLst/>
+          </a:prstGeom>
+          <a:ln w="47625">
+            <a:tailEnd type="arrow"/>
+          </a:ln>
+        </p:spPr>
+        <p:style>
+          <a:lnRef idx="1">
+            <a:schemeClr val="accent1"/>
+          </a:lnRef>
+          <a:fillRef idx="0">
+            <a:schemeClr val="accent1"/>
+          </a:fillRef>
+          <a:effectRef idx="0">
+            <a:schemeClr val="accent1"/>
+          </a:effectRef>
+          <a:fontRef idx="minor">
+            <a:schemeClr val="tx1"/>
+          </a:fontRef>
+        </p:style>
+      </p:cxnSp>
+      <p:pic>
+        <p:nvPicPr>
+          <p:cNvPr id="13" name="Picture 12"/>
+          <p:cNvPicPr>
+            <a:picLocks noChangeAspect="1"/>
+          </p:cNvPicPr>
+          <p:nvPr/>
+        </p:nvPicPr>
+        <p:blipFill>
+          <a:blip r:embed="rId2">
+            <a:extLst>
+              <a:ext uri="{28A0092B-C50C-407E-A947-70E740481C1C}">
+                <a14:useLocalDpi xmlns:a14="http://schemas.microsoft.com/office/drawing/2010/main" val="0"/>
+              </a:ext>
+            </a:extLst>
+          </a:blip>
+          <a:stretch>
+            <a:fillRect/>
+          </a:stretch>
+        </p:blipFill>
+        <p:spPr>
+          <a:xfrm>
+            <a:off x="7010400" y="5112714"/>
+            <a:ext cx="2133600" cy="1745285"/>
+          </a:xfrm>
+          <a:prstGeom prst="rect">
+            <a:avLst/>
+          </a:prstGeom>
+        </p:spPr>
+      </p:pic>
+    </p:spTree>
+    <p:extLst>
+      <p:ext uri="{BB962C8B-B14F-4D97-AF65-F5344CB8AC3E}">
+        <p14:creationId xmlns:p14="http://schemas.microsoft.com/office/powerpoint/2010/main" val="3872986612"/>
+      </p:ext>
+    </p:extLst>
+  </p:cSld>
+  <p:clrMapOvr>
+    <a:masterClrMapping/>
+  </p:clrMapOvr>
+  <p:timing>
+    <p:tnLst>
+      <p:par>
+        <p:cTn id="1" dur="indefinite" restart="never" nodeType="tmRoot"/>
+      </p:par>
+    </p:tnLst>
+  </p:timing>
+</p:sld>
+</file>
+
+<file path=ppt/slides/slide55.xml><?xml version="1.0" encoding="utf-8"?>
+<p:sld xmlns:a="http://schemas.openxmlformats.org/drawingml/2006/main" xmlns:r="http://schemas.openxmlformats.org/officeDocument/2006/relationships" xmlns:p="http://schemas.openxmlformats.org/presentationml/2006/main">
+  <p:cSld>
+    <p:spTree>
+      <p:nvGrpSpPr>
+        <p:cNvPr id="1" name=""/>
+        <p:cNvGrpSpPr/>
+        <p:nvPr/>
+      </p:nvGrpSpPr>
+      <p:grpSpPr>
+        <a:xfrm>
+          <a:off x="0" y="0"/>
+          <a:ext cx="0" cy="0"/>
+          <a:chOff x="0" y="0"/>
+          <a:chExt cx="0" cy="0"/>
+        </a:xfrm>
+      </p:grpSpPr>
+      <p:sp>
+        <p:nvSpPr>
+          <p:cNvPr id="2" name="Title 1"/>
+          <p:cNvSpPr>
+            <a:spLocks noGrp="1"/>
+          </p:cNvSpPr>
+          <p:nvPr>
+            <p:ph type="title"/>
+          </p:nvPr>
+        </p:nvSpPr>
+        <p:spPr/>
+        <p:txBody>
+          <a:bodyPr/>
+          <a:lstStyle/>
+          <a:p>
+            <a:r>
+              <a:rPr lang="en-US" dirty="0" smtClean="0"/>
+              <a:t>Hash extension: And here we are!</a:t>
+            </a:r>
+            <a:endParaRPr lang="en-US" dirty="0"/>
+          </a:p>
+        </p:txBody>
+      </p:sp>
+      <p:sp>
+        <p:nvSpPr>
+          <p:cNvPr id="3" name="Content Placeholder 2"/>
+          <p:cNvSpPr>
+            <a:spLocks noGrp="1"/>
+          </p:cNvSpPr>
+          <p:nvPr>
+            <p:ph idx="1"/>
+          </p:nvPr>
+        </p:nvSpPr>
+        <p:spPr/>
+        <p:txBody>
+          <a:bodyPr>
+            <a:normAutofit/>
+          </a:bodyPr>
+          <a:lstStyle/>
+          <a:p>
+            <a:r>
+              <a:rPr lang="en-US" dirty="0" smtClean="0"/>
+              <a:t>We just calculated the checksum for</a:t>
+            </a:r>
+          </a:p>
+          <a:p>
+            <a:pPr lvl="1"/>
+            <a:r>
+              <a:rPr lang="en-US" sz="1600" b="1" dirty="0" smtClean="0">
+                <a:latin typeface="Courier New" pitchFamily="49" charset="0"/>
+                <a:cs typeface="Courier New" pitchFamily="49" charset="0"/>
+              </a:rPr>
+              <a:t>(</a:t>
+            </a:r>
+            <a:r>
+              <a:rPr lang="en-US" sz="1600" b="1" dirty="0" err="1" smtClean="0">
+                <a:latin typeface="Courier New" pitchFamily="49" charset="0"/>
+                <a:cs typeface="Courier New" pitchFamily="49" charset="0"/>
+              </a:rPr>
+              <a:t>original_text</a:t>
+            </a:r>
+            <a:r>
+              <a:rPr lang="en-US" sz="1600" b="1" dirty="0" smtClean="0">
+                <a:latin typeface="Courier New" pitchFamily="49" charset="0"/>
+                <a:cs typeface="Courier New" pitchFamily="49" charset="0"/>
+              </a:rPr>
+              <a:t> || padding || “Hello? Yes, this is dog.”)</a:t>
+            </a:r>
+          </a:p>
+          <a:p>
+            <a:r>
+              <a:rPr lang="en-US" dirty="0" smtClean="0"/>
+              <a:t>Knowing only:</a:t>
+            </a:r>
+          </a:p>
+          <a:p>
+            <a:pPr lvl="1"/>
+            <a:r>
+              <a:rPr lang="en-US" dirty="0" smtClean="0"/>
+              <a:t>The output of the original hash function:</a:t>
+            </a:r>
+          </a:p>
+          <a:p>
+            <a:pPr lvl="2"/>
+            <a:r>
+              <a:rPr lang="it-IT" sz="2000" b="1" dirty="0">
+                <a:solidFill>
+                  <a:schemeClr val="tx2">
+                    <a:lumMod val="60000"/>
+                    <a:lumOff val="40000"/>
+                  </a:schemeClr>
+                </a:solidFill>
+                <a:latin typeface="Courier New" pitchFamily="49" charset="0"/>
+                <a:cs typeface="Courier New" pitchFamily="49" charset="0"/>
+              </a:rPr>
+              <a:t>ed8873c1 07d882b7 b6fcbbc1 9a272d61 4cf9e7ee</a:t>
+            </a:r>
+            <a:endParaRPr lang="en-US" sz="2000" b="1" dirty="0">
+              <a:solidFill>
+                <a:schemeClr val="tx2">
+                  <a:lumMod val="60000"/>
+                  <a:lumOff val="40000"/>
+                </a:schemeClr>
+              </a:solidFill>
+              <a:latin typeface="Courier New" pitchFamily="49" charset="0"/>
+              <a:cs typeface="Courier New" pitchFamily="49" charset="0"/>
+            </a:endParaRPr>
+          </a:p>
+          <a:p>
+            <a:pPr lvl="1"/>
+            <a:r>
+              <a:rPr lang="en-US" dirty="0" smtClean="0"/>
+              <a:t>The padding:</a:t>
+            </a:r>
+          </a:p>
+          <a:p>
+            <a:pPr lvl="2"/>
+            <a:r>
+              <a:rPr lang="en-US" dirty="0" smtClean="0"/>
+              <a:t>\x80 + \x00\x00\x00… + [length]</a:t>
+            </a:r>
+          </a:p>
+          <a:p>
+            <a:pPr lvl="1"/>
+            <a:r>
+              <a:rPr lang="en-US" dirty="0" smtClean="0"/>
+              <a:t>And the text we wanted to add!</a:t>
+            </a:r>
+            <a:endParaRPr lang="en-US" dirty="0"/>
+          </a:p>
+        </p:txBody>
+      </p:sp>
+      <p:sp>
+        <p:nvSpPr>
+          <p:cNvPr id="4" name="TextBox 3"/>
+          <p:cNvSpPr txBox="1"/>
+          <p:nvPr/>
+        </p:nvSpPr>
+        <p:spPr>
+          <a:xfrm>
+            <a:off x="5867400" y="2669233"/>
+            <a:ext cx="3048000" cy="461665"/>
+          </a:xfrm>
+          <a:prstGeom prst="rect">
+            <a:avLst/>
+          </a:prstGeom>
+        </p:spPr>
+        <p:style>
+          <a:lnRef idx="2">
+            <a:schemeClr val="dk1"/>
+          </a:lnRef>
+          <a:fillRef idx="1">
+            <a:schemeClr val="lt1"/>
+          </a:fillRef>
+          <a:effectRef idx="0">
+            <a:schemeClr val="dk1"/>
+          </a:effectRef>
+          <a:fontRef idx="minor">
+            <a:schemeClr val="dk1"/>
+          </a:fontRef>
+        </p:style>
+        <p:txBody>
+          <a:bodyPr wrap="square" rtlCol="0">
+            <a:spAutoFit/>
+          </a:bodyPr>
+          <a:lstStyle/>
+          <a:p>
+            <a:r>
+              <a:rPr lang="en-US" sz="1200" dirty="0" smtClean="0"/>
+              <a:t>“||” is the “concatenate” operator in crypto. @</a:t>
+            </a:r>
+            <a:r>
+              <a:rPr lang="en-US" sz="1200" dirty="0" err="1" smtClean="0"/>
+              <a:t>mak_kolybabi</a:t>
+            </a:r>
+            <a:r>
+              <a:rPr lang="en-US" sz="1200" dirty="0" smtClean="0"/>
+              <a:t> yells at me if I don’t use it.</a:t>
+            </a:r>
+            <a:endParaRPr lang="en-US" sz="1200" dirty="0"/>
+          </a:p>
+        </p:txBody>
+      </p:sp>
+      <p:cxnSp>
+        <p:nvCxnSpPr>
+          <p:cNvPr id="6" name="Straight Arrow Connector 5"/>
+          <p:cNvCxnSpPr>
+            <a:stCxn id="4" idx="1"/>
+          </p:cNvCxnSpPr>
+          <p:nvPr/>
+        </p:nvCxnSpPr>
+        <p:spPr>
+          <a:xfrm flipH="1" flipV="1">
+            <a:off x="4800600" y="2438400"/>
+            <a:ext cx="1066800" cy="461666"/>
+          </a:xfrm>
+          <a:prstGeom prst="straightConnector1">
+            <a:avLst/>
+          </a:prstGeom>
+          <a:ln w="41275">
+            <a:tailEnd type="arrow"/>
+          </a:ln>
+        </p:spPr>
+        <p:style>
+          <a:lnRef idx="1">
+            <a:schemeClr val="accent1"/>
+          </a:lnRef>
+          <a:fillRef idx="0">
+            <a:schemeClr val="accent1"/>
+          </a:fillRef>
+          <a:effectRef idx="0">
+            <a:schemeClr val="accent1"/>
+          </a:effectRef>
+          <a:fontRef idx="minor">
+            <a:schemeClr val="tx1"/>
+          </a:fontRef>
+        </p:style>
+      </p:cxnSp>
+    </p:spTree>
+    <p:extLst>
+      <p:ext uri="{BB962C8B-B14F-4D97-AF65-F5344CB8AC3E}">
+        <p14:creationId xmlns:p14="http://schemas.microsoft.com/office/powerpoint/2010/main" val="2536312278"/>
+      </p:ext>
+    </p:extLst>
+  </p:cSld>
+  <p:clrMapOvr>
+    <a:masterClrMapping/>
+  </p:clrMapOvr>
+  <p:timing>
+    <p:tnLst>
+      <p:par>
+        <p:cTn id="1" dur="indefinite" restart="never" nodeType="tmRoot"/>
+      </p:par>
+    </p:tnLst>
+  </p:timing>
+</p:sld>
+</file>
+
+<file path=ppt/slides/slide56.xml><?xml version="1.0" encoding="utf-8"?>
+<p:sld xmlns:a="http://schemas.openxmlformats.org/drawingml/2006/main" xmlns:r="http://schemas.openxmlformats.org/officeDocument/2006/relationships" xmlns:p="http://schemas.openxmlformats.org/presentationml/2006/main">
+  <p:cSld>
+    <p:spTree>
+      <p:nvGrpSpPr>
+        <p:cNvPr id="1" name=""/>
+        <p:cNvGrpSpPr/>
+        <p:nvPr/>
+      </p:nvGrpSpPr>
+      <p:grpSpPr>
+        <a:xfrm>
+          <a:off x="0" y="0"/>
+          <a:ext cx="0" cy="0"/>
+          <a:chOff x="0" y="0"/>
+          <a:chExt cx="0" cy="0"/>
+        </a:xfrm>
+      </p:grpSpPr>
+      <p:sp>
+        <p:nvSpPr>
+          <p:cNvPr id="2" name="Title 1"/>
+          <p:cNvSpPr>
+            <a:spLocks noGrp="1"/>
+          </p:cNvSpPr>
+          <p:nvPr>
+            <p:ph type="title"/>
+          </p:nvPr>
+        </p:nvSpPr>
+        <p:spPr/>
+        <p:txBody>
+          <a:bodyPr/>
+          <a:lstStyle/>
+          <a:p>
+            <a:r>
+              <a:rPr lang="en-US" dirty="0" smtClean="0"/>
+              <a:t>Hash extension: Applying it</a:t>
+            </a:r>
+            <a:endParaRPr lang="en-US" dirty="0"/>
+          </a:p>
+        </p:txBody>
+      </p:sp>
+      <p:sp>
+        <p:nvSpPr>
+          <p:cNvPr id="3" name="Content Placeholder 2"/>
+          <p:cNvSpPr>
+            <a:spLocks noGrp="1"/>
+          </p:cNvSpPr>
+          <p:nvPr>
+            <p:ph idx="1"/>
+          </p:nvPr>
+        </p:nvSpPr>
+        <p:spPr>
+          <a:xfrm>
+            <a:off x="457200" y="1600200"/>
+            <a:ext cx="8229600" cy="4953000"/>
+          </a:xfrm>
+        </p:spPr>
+        <p:txBody>
+          <a:bodyPr>
+            <a:noAutofit/>
+          </a:bodyPr>
+          <a:lstStyle/>
+          <a:p>
+            <a:r>
+              <a:rPr lang="en-US" sz="2400" dirty="0" smtClean="0"/>
+              <a:t>Let’s say you have an API that requires a shared secret</a:t>
+            </a:r>
+          </a:p>
+          <a:p>
+            <a:pPr lvl="1"/>
+            <a:r>
+              <a:rPr lang="en-US" sz="1600" b="1" dirty="0" smtClean="0">
+                <a:latin typeface="Courier New" pitchFamily="49" charset="0"/>
+                <a:cs typeface="Courier New" pitchFamily="49" charset="0"/>
+              </a:rPr>
+              <a:t>message = </a:t>
+            </a:r>
+            <a:r>
+              <a:rPr lang="en-US" sz="1600" b="1" dirty="0" smtClean="0">
+                <a:solidFill>
+                  <a:srgbClr val="C00000"/>
+                </a:solidFill>
+                <a:latin typeface="Courier New" pitchFamily="49" charset="0"/>
+                <a:cs typeface="Courier New" pitchFamily="49" charset="0"/>
+              </a:rPr>
+              <a:t>SHA1(</a:t>
+            </a:r>
+            <a:r>
+              <a:rPr lang="en-US" sz="1600" b="1" dirty="0" err="1" smtClean="0">
+                <a:solidFill>
+                  <a:srgbClr val="C00000"/>
+                </a:solidFill>
+                <a:latin typeface="Courier New" pitchFamily="49" charset="0"/>
+                <a:cs typeface="Courier New" pitchFamily="49" charset="0"/>
+              </a:rPr>
+              <a:t>shared_secret</a:t>
+            </a:r>
+            <a:r>
+              <a:rPr lang="en-US" sz="1600" b="1" dirty="0" smtClean="0">
+                <a:solidFill>
+                  <a:srgbClr val="C00000"/>
+                </a:solidFill>
+                <a:latin typeface="Courier New" pitchFamily="49" charset="0"/>
+                <a:cs typeface="Courier New" pitchFamily="49" charset="0"/>
+              </a:rPr>
+              <a:t> || commands)</a:t>
+            </a:r>
+            <a:r>
+              <a:rPr lang="en-US" sz="1600" b="1" dirty="0" smtClean="0">
+                <a:latin typeface="Courier New" pitchFamily="49" charset="0"/>
+                <a:cs typeface="Courier New" pitchFamily="49" charset="0"/>
+              </a:rPr>
+              <a:t> + commands</a:t>
+            </a:r>
+          </a:p>
+          <a:p>
+            <a:r>
+              <a:rPr lang="en-US" sz="2400" dirty="0" smtClean="0"/>
+              <a:t>And let’s say commands is a URL-like list of commands.. For example:</a:t>
+            </a:r>
+          </a:p>
+          <a:p>
+            <a:pPr lvl="1"/>
+            <a:r>
+              <a:rPr lang="en-US" sz="1600" b="1" dirty="0" smtClean="0">
+                <a:latin typeface="Courier New" pitchFamily="49" charset="0"/>
+                <a:cs typeface="Courier New" pitchFamily="49" charset="0"/>
+              </a:rPr>
+              <a:t>commands = “</a:t>
+            </a:r>
+            <a:r>
+              <a:rPr lang="en-US" sz="1600" b="1" dirty="0" err="1" smtClean="0">
+                <a:latin typeface="Courier New" pitchFamily="49" charset="0"/>
+                <a:cs typeface="Courier New" pitchFamily="49" charset="0"/>
+              </a:rPr>
+              <a:t>set_firstname</a:t>
+            </a:r>
+            <a:r>
+              <a:rPr lang="en-US" sz="1600" b="1" dirty="0" smtClean="0">
+                <a:latin typeface="Courier New" pitchFamily="49" charset="0"/>
+                <a:cs typeface="Courier New" pitchFamily="49" charset="0"/>
+              </a:rPr>
+              <a:t>=</a:t>
+            </a:r>
+            <a:r>
+              <a:rPr lang="en-US" sz="1600" b="1" dirty="0" err="1" smtClean="0">
+                <a:latin typeface="Courier New" pitchFamily="49" charset="0"/>
+                <a:cs typeface="Courier New" pitchFamily="49" charset="0"/>
+              </a:rPr>
+              <a:t>ron&amp;set_lastname</a:t>
+            </a:r>
+            <a:r>
+              <a:rPr lang="en-US" sz="1600" b="1" dirty="0" smtClean="0">
+                <a:latin typeface="Courier New" pitchFamily="49" charset="0"/>
+                <a:cs typeface="Courier New" pitchFamily="49" charset="0"/>
+              </a:rPr>
+              <a:t>=</a:t>
+            </a:r>
+            <a:r>
+              <a:rPr lang="en-US" sz="1600" b="1" dirty="0" err="1" smtClean="0">
+                <a:latin typeface="Courier New" pitchFamily="49" charset="0"/>
+                <a:cs typeface="Courier New" pitchFamily="49" charset="0"/>
+              </a:rPr>
+              <a:t>bowes</a:t>
+            </a:r>
+            <a:r>
+              <a:rPr lang="en-US" sz="1600" b="1" dirty="0" smtClean="0">
+                <a:latin typeface="Courier New" pitchFamily="49" charset="0"/>
+                <a:cs typeface="Courier New" pitchFamily="49" charset="0"/>
+              </a:rPr>
+              <a:t>”</a:t>
+            </a:r>
+          </a:p>
+          <a:p>
+            <a:pPr lvl="1"/>
+            <a:r>
+              <a:rPr lang="en-US" sz="2000" dirty="0" smtClean="0"/>
+              <a:t>or, </a:t>
+            </a:r>
+            <a:r>
+              <a:rPr lang="en-US" sz="1800" b="1" dirty="0" smtClean="0">
+                <a:latin typeface="Courier New" pitchFamily="49" charset="0"/>
+                <a:cs typeface="Courier New" pitchFamily="49" charset="0"/>
+              </a:rPr>
+              <a:t>commands = “</a:t>
+            </a:r>
+            <a:r>
+              <a:rPr lang="en-US" sz="1800" b="1" dirty="0" err="1" smtClean="0">
+                <a:latin typeface="Courier New" pitchFamily="49" charset="0"/>
+                <a:cs typeface="Courier New" pitchFamily="49" charset="0"/>
+              </a:rPr>
+              <a:t>deletemyaccount</a:t>
+            </a:r>
+            <a:r>
+              <a:rPr lang="en-US" sz="1800" b="1" dirty="0" smtClean="0">
+                <a:latin typeface="Courier New" pitchFamily="49" charset="0"/>
+                <a:cs typeface="Courier New" pitchFamily="49" charset="0"/>
+              </a:rPr>
+              <a:t>=1”</a:t>
+            </a:r>
+          </a:p>
+          <a:p>
+            <a:pPr lvl="1"/>
+            <a:r>
+              <a:rPr lang="en-US" sz="2000" dirty="0" smtClean="0"/>
+              <a:t>Etc.</a:t>
+            </a:r>
+            <a:endParaRPr lang="en-US" sz="1600" b="1" dirty="0">
+              <a:latin typeface="Courier New" pitchFamily="49" charset="0"/>
+              <a:cs typeface="Courier New" pitchFamily="49" charset="0"/>
+            </a:endParaRPr>
+          </a:p>
+          <a:p>
+            <a:pPr marL="457200" lvl="1" indent="0">
+              <a:buNone/>
+            </a:pPr>
+            <a:endParaRPr lang="en-US" sz="4400" b="1" dirty="0">
+              <a:latin typeface="Courier New" pitchFamily="49" charset="0"/>
+              <a:cs typeface="Courier New" pitchFamily="49" charset="0"/>
+            </a:endParaRPr>
+          </a:p>
+        </p:txBody>
+      </p:sp>
+    </p:spTree>
+    <p:extLst>
+      <p:ext uri="{BB962C8B-B14F-4D97-AF65-F5344CB8AC3E}">
+        <p14:creationId xmlns:p14="http://schemas.microsoft.com/office/powerpoint/2010/main" val="2607276598"/>
+      </p:ext>
+    </p:extLst>
+  </p:cSld>
+  <p:clrMapOvr>
+    <a:masterClrMapping/>
+  </p:clrMapOvr>
+  <p:timing>
+    <p:tnLst>
+      <p:par>
+        <p:cTn id="1" dur="indefinite" restart="never" nodeType="tmRoot"/>
+      </p:par>
+    </p:tnLst>
+  </p:timing>
+</p:sld>
+</file>
+
+<file path=ppt/slides/slide57.xml><?xml version="1.0" encoding="utf-8"?>
+<p:sld xmlns:a="http://schemas.openxmlformats.org/drawingml/2006/main" xmlns:r="http://schemas.openxmlformats.org/officeDocument/2006/relationships" xmlns:p="http://schemas.openxmlformats.org/presentationml/2006/main">
+  <p:cSld>
+    <p:spTree>
+      <p:nvGrpSpPr>
+        <p:cNvPr id="1" name=""/>
+        <p:cNvGrpSpPr/>
+        <p:nvPr/>
+      </p:nvGrpSpPr>
+      <p:grpSpPr>
+        <a:xfrm>
+          <a:off x="0" y="0"/>
+          <a:ext cx="0" cy="0"/>
+          <a:chOff x="0" y="0"/>
+          <a:chExt cx="0" cy="0"/>
+        </a:xfrm>
+      </p:grpSpPr>
+      <p:sp>
+        <p:nvSpPr>
+          <p:cNvPr id="2" name="Title 1"/>
+          <p:cNvSpPr>
+            <a:spLocks noGrp="1"/>
+          </p:cNvSpPr>
+          <p:nvPr>
+            <p:ph type="title"/>
+          </p:nvPr>
+        </p:nvSpPr>
+        <p:spPr/>
+        <p:txBody>
+          <a:bodyPr/>
+          <a:lstStyle/>
+          <a:p>
+            <a:r>
+              <a:rPr lang="en-US" dirty="0" smtClean="0"/>
+              <a:t>Hash extension: Applying it</a:t>
+            </a:r>
+            <a:endParaRPr lang="en-US" dirty="0"/>
+          </a:p>
+        </p:txBody>
+      </p:sp>
+      <p:sp>
+        <p:nvSpPr>
+          <p:cNvPr id="3" name="Content Placeholder 2"/>
+          <p:cNvSpPr>
+            <a:spLocks noGrp="1"/>
+          </p:cNvSpPr>
+          <p:nvPr>
+            <p:ph idx="1"/>
+          </p:nvPr>
+        </p:nvSpPr>
+        <p:spPr/>
+        <p:txBody>
+          <a:bodyPr>
+            <a:normAutofit/>
+          </a:bodyPr>
+          <a:lstStyle/>
+          <a:p>
+            <a:r>
+              <a:rPr lang="en-US" sz="2800" dirty="0" smtClean="0"/>
+              <a:t>Let’s use this API to change my </a:t>
+            </a:r>
+            <a:r>
+              <a:rPr lang="en-US" sz="2800" dirty="0" err="1" smtClean="0"/>
+              <a:t>firstname</a:t>
+            </a:r>
+            <a:r>
+              <a:rPr lang="en-US" sz="2800" dirty="0" smtClean="0"/>
+              <a:t> to “</a:t>
+            </a:r>
+            <a:r>
+              <a:rPr lang="en-US" sz="2800" dirty="0" err="1" smtClean="0"/>
+              <a:t>ron</a:t>
+            </a:r>
+            <a:r>
+              <a:rPr lang="en-US" sz="2800" dirty="0" smtClean="0"/>
+              <a:t>”:</a:t>
+            </a:r>
+          </a:p>
+          <a:p>
+            <a:pPr lvl="1"/>
+            <a:r>
+              <a:rPr lang="en-US" sz="1400" b="1" dirty="0" smtClean="0">
+                <a:latin typeface="Courier New" pitchFamily="49" charset="0"/>
+                <a:cs typeface="Courier New" pitchFamily="49" charset="0"/>
+              </a:rPr>
+              <a:t>message </a:t>
+            </a:r>
+            <a:r>
+              <a:rPr lang="en-US" sz="1400" b="1" dirty="0">
+                <a:latin typeface="Courier New" pitchFamily="49" charset="0"/>
+                <a:cs typeface="Courier New" pitchFamily="49" charset="0"/>
+              </a:rPr>
+              <a:t>= SHA1(“</a:t>
+            </a:r>
+            <a:r>
+              <a:rPr lang="en-US" sz="1400" b="1" dirty="0" err="1">
+                <a:latin typeface="Courier New" pitchFamily="49" charset="0"/>
+                <a:cs typeface="Courier New" pitchFamily="49" charset="0"/>
+              </a:rPr>
+              <a:t>secretkey</a:t>
+            </a:r>
+            <a:r>
+              <a:rPr lang="en-US" sz="1400" b="1" dirty="0">
+                <a:latin typeface="Courier New" pitchFamily="49" charset="0"/>
+                <a:cs typeface="Courier New" pitchFamily="49" charset="0"/>
+              </a:rPr>
+              <a:t>” + “</a:t>
+            </a:r>
+            <a:r>
+              <a:rPr lang="en-US" sz="1400" b="1" dirty="0" err="1">
+                <a:latin typeface="Courier New" pitchFamily="49" charset="0"/>
+                <a:cs typeface="Courier New" pitchFamily="49" charset="0"/>
+              </a:rPr>
+              <a:t>set_firstname</a:t>
+            </a:r>
+            <a:r>
+              <a:rPr lang="en-US" sz="1400" b="1" dirty="0">
+                <a:latin typeface="Courier New" pitchFamily="49" charset="0"/>
+                <a:cs typeface="Courier New" pitchFamily="49" charset="0"/>
+              </a:rPr>
+              <a:t>=</a:t>
+            </a:r>
+            <a:r>
+              <a:rPr lang="en-US" sz="1400" b="1" dirty="0" err="1">
+                <a:latin typeface="Courier New" pitchFamily="49" charset="0"/>
+                <a:cs typeface="Courier New" pitchFamily="49" charset="0"/>
+              </a:rPr>
+              <a:t>ron</a:t>
+            </a:r>
+            <a:r>
+              <a:rPr lang="en-US" sz="1400" b="1" dirty="0">
+                <a:latin typeface="Courier New" pitchFamily="49" charset="0"/>
+                <a:cs typeface="Courier New" pitchFamily="49" charset="0"/>
+              </a:rPr>
+              <a:t>”) + “</a:t>
+            </a:r>
+            <a:r>
+              <a:rPr lang="en-US" sz="1400" b="1" dirty="0" err="1">
+                <a:latin typeface="Courier New" pitchFamily="49" charset="0"/>
+                <a:cs typeface="Courier New" pitchFamily="49" charset="0"/>
+              </a:rPr>
+              <a:t>set_firstname</a:t>
+            </a:r>
+            <a:r>
+              <a:rPr lang="en-US" sz="1400" b="1" dirty="0">
+                <a:latin typeface="Courier New" pitchFamily="49" charset="0"/>
+                <a:cs typeface="Courier New" pitchFamily="49" charset="0"/>
+              </a:rPr>
+              <a:t>=</a:t>
+            </a:r>
+            <a:r>
+              <a:rPr lang="en-US" sz="1400" b="1" dirty="0" err="1">
+                <a:latin typeface="Courier New" pitchFamily="49" charset="0"/>
+                <a:cs typeface="Courier New" pitchFamily="49" charset="0"/>
+              </a:rPr>
+              <a:t>ron</a:t>
+            </a:r>
+            <a:r>
+              <a:rPr lang="en-US" sz="1400" b="1" dirty="0">
+                <a:latin typeface="Courier New" pitchFamily="49" charset="0"/>
+                <a:cs typeface="Courier New" pitchFamily="49" charset="0"/>
+              </a:rPr>
+              <a:t>”</a:t>
+            </a:r>
+          </a:p>
+          <a:p>
+            <a:pPr lvl="1"/>
+            <a:r>
+              <a:rPr lang="en-US" sz="1400" b="1" dirty="0">
+                <a:latin typeface="Courier New" pitchFamily="49" charset="0"/>
+                <a:cs typeface="Courier New" pitchFamily="49" charset="0"/>
+              </a:rPr>
+              <a:t>message </a:t>
+            </a:r>
+            <a:r>
+              <a:rPr lang="en-US" sz="1400" b="1" dirty="0" smtClean="0">
+                <a:latin typeface="Courier New" pitchFamily="49" charset="0"/>
+                <a:cs typeface="Courier New" pitchFamily="49" charset="0"/>
+              </a:rPr>
+              <a:t>= </a:t>
+            </a:r>
+            <a:r>
+              <a:rPr lang="en-US" sz="1400" b="1" dirty="0">
+                <a:latin typeface="Courier New" pitchFamily="49" charset="0"/>
+                <a:cs typeface="Courier New" pitchFamily="49" charset="0"/>
+              </a:rPr>
+              <a:t>“\x5e\x8a\x88\x6a\x5f\x9c\xa9\x77\x42\x1a\xe0\x67\</a:t>
+            </a:r>
+            <a:r>
+              <a:rPr lang="en-US" sz="1400" b="1" dirty="0" err="1">
+                <a:latin typeface="Courier New" pitchFamily="49" charset="0"/>
+                <a:cs typeface="Courier New" pitchFamily="49" charset="0"/>
+              </a:rPr>
+              <a:t>xcc</a:t>
+            </a:r>
+            <a:r>
+              <a:rPr lang="en-US" sz="1400" b="1" dirty="0">
+                <a:latin typeface="Courier New" pitchFamily="49" charset="0"/>
+                <a:cs typeface="Courier New" pitchFamily="49" charset="0"/>
+              </a:rPr>
+              <a:t>\x56\x55\xb7\xf3\x47\x97\x4dset_firstname=</a:t>
+            </a:r>
+            <a:r>
+              <a:rPr lang="en-US" sz="1400" b="1" dirty="0" err="1">
+                <a:latin typeface="Courier New" pitchFamily="49" charset="0"/>
+                <a:cs typeface="Courier New" pitchFamily="49" charset="0"/>
+              </a:rPr>
+              <a:t>ron</a:t>
+            </a:r>
+            <a:r>
+              <a:rPr lang="en-US" sz="1400" b="1" dirty="0">
+                <a:latin typeface="Courier New" pitchFamily="49" charset="0"/>
+                <a:cs typeface="Courier New" pitchFamily="49" charset="0"/>
+              </a:rPr>
+              <a:t>”</a:t>
+            </a:r>
+          </a:p>
+          <a:p>
+            <a:endParaRPr lang="en-US" sz="2800" dirty="0"/>
+          </a:p>
+        </p:txBody>
+      </p:sp>
+      <p:pic>
+        <p:nvPicPr>
+          <p:cNvPr id="4" name="Picture 3"/>
+          <p:cNvPicPr>
+            <a:picLocks noChangeAspect="1"/>
+          </p:cNvPicPr>
+          <p:nvPr/>
+        </p:nvPicPr>
+        <p:blipFill>
+          <a:blip r:embed="rId2" cstate="print">
+            <a:extLst>
+              <a:ext uri="{28A0092B-C50C-407E-A947-70E740481C1C}">
+                <a14:useLocalDpi xmlns:a14="http://schemas.microsoft.com/office/drawing/2010/main" val="0"/>
+              </a:ext>
+            </a:extLst>
+          </a:blip>
+          <a:stretch>
+            <a:fillRect/>
+          </a:stretch>
+        </p:blipFill>
+        <p:spPr>
+          <a:xfrm>
+            <a:off x="1143000" y="3777089"/>
+            <a:ext cx="1189637" cy="1073630"/>
+          </a:xfrm>
+          <a:prstGeom prst="rect">
+            <a:avLst/>
+          </a:prstGeom>
+        </p:spPr>
+      </p:pic>
+      <p:pic>
+        <p:nvPicPr>
+          <p:cNvPr id="5" name="Picture 4" title="asdf"/>
+          <p:cNvPicPr>
+            <a:picLocks noChangeAspect="1"/>
+          </p:cNvPicPr>
+          <p:nvPr/>
+        </p:nvPicPr>
+        <p:blipFill>
+          <a:blip r:embed="rId3" cstate="print">
+            <a:extLst>
+              <a:ext uri="{28A0092B-C50C-407E-A947-70E740481C1C}">
+                <a14:useLocalDpi xmlns:a14="http://schemas.microsoft.com/office/drawing/2010/main" val="0"/>
+              </a:ext>
+            </a:extLst>
+          </a:blip>
+          <a:stretch>
+            <a:fillRect/>
+          </a:stretch>
+        </p:blipFill>
+        <p:spPr>
+          <a:xfrm>
+            <a:off x="5486400" y="3507521"/>
+            <a:ext cx="2183349" cy="1612767"/>
+          </a:xfrm>
+          <a:prstGeom prst="rect">
+            <a:avLst/>
+          </a:prstGeom>
+        </p:spPr>
+      </p:pic>
+      <p:cxnSp>
+        <p:nvCxnSpPr>
+          <p:cNvPr id="6" name="Straight Arrow Connector 5"/>
+          <p:cNvCxnSpPr/>
+          <p:nvPr/>
+        </p:nvCxnSpPr>
+        <p:spPr>
+          <a:xfrm>
+            <a:off x="2514600" y="4191001"/>
+            <a:ext cx="2971800" cy="0"/>
+          </a:xfrm>
+          <a:prstGeom prst="straightConnector1">
+            <a:avLst/>
+          </a:prstGeom>
+          <a:ln w="44450">
+            <a:tailEnd type="arrow"/>
+          </a:ln>
+        </p:spPr>
+        <p:style>
+          <a:lnRef idx="1">
+            <a:schemeClr val="accent1"/>
+          </a:lnRef>
+          <a:fillRef idx="0">
+            <a:schemeClr val="accent1"/>
+          </a:fillRef>
+          <a:effectRef idx="0">
+            <a:schemeClr val="accent1"/>
+          </a:effectRef>
+          <a:fontRef idx="minor">
+            <a:schemeClr val="tx1"/>
+          </a:fontRef>
+        </p:style>
+      </p:cxnSp>
+      <p:cxnSp>
+        <p:nvCxnSpPr>
+          <p:cNvPr id="7" name="Straight Arrow Connector 6"/>
+          <p:cNvCxnSpPr/>
+          <p:nvPr/>
+        </p:nvCxnSpPr>
+        <p:spPr>
+          <a:xfrm>
+            <a:off x="3505200" y="4191001"/>
+            <a:ext cx="0" cy="1371599"/>
+          </a:xfrm>
+          <a:prstGeom prst="straightConnector1">
+            <a:avLst/>
+          </a:prstGeom>
+          <a:ln w="44450">
+            <a:tailEnd type="arrow"/>
+          </a:ln>
+        </p:spPr>
+        <p:style>
+          <a:lnRef idx="1">
+            <a:schemeClr val="accent1"/>
+          </a:lnRef>
+          <a:fillRef idx="0">
+            <a:schemeClr val="accent1"/>
+          </a:fillRef>
+          <a:effectRef idx="0">
+            <a:schemeClr val="accent1"/>
+          </a:effectRef>
+          <a:fontRef idx="minor">
+            <a:schemeClr val="tx1"/>
+          </a:fontRef>
+        </p:style>
+      </p:cxnSp>
+      <p:pic>
+        <p:nvPicPr>
+          <p:cNvPr id="8" name="Picture 7"/>
+          <p:cNvPicPr>
+            <a:picLocks noChangeAspect="1"/>
+          </p:cNvPicPr>
+          <p:nvPr/>
+        </p:nvPicPr>
+        <p:blipFill>
+          <a:blip r:embed="rId4" cstate="print">
+            <a:extLst>
+              <a:ext uri="{28A0092B-C50C-407E-A947-70E740481C1C}">
+                <a14:useLocalDpi xmlns:a14="http://schemas.microsoft.com/office/drawing/2010/main" val="0"/>
+              </a:ext>
+            </a:extLst>
+          </a:blip>
+          <a:stretch>
+            <a:fillRect/>
+          </a:stretch>
+        </p:blipFill>
+        <p:spPr>
+          <a:xfrm>
+            <a:off x="2819400" y="5638799"/>
+            <a:ext cx="1447800" cy="904875"/>
+          </a:xfrm>
+          <a:prstGeom prst="rect">
+            <a:avLst/>
+          </a:prstGeom>
+        </p:spPr>
+      </p:pic>
+      <p:sp>
+        <p:nvSpPr>
+          <p:cNvPr id="9" name="TextBox 8"/>
+          <p:cNvSpPr txBox="1"/>
+          <p:nvPr/>
+        </p:nvSpPr>
+        <p:spPr>
+          <a:xfrm>
+            <a:off x="2366091" y="3852447"/>
+            <a:ext cx="3484756" cy="338554"/>
+          </a:xfrm>
+          <a:prstGeom prst="rect">
+            <a:avLst/>
+          </a:prstGeom>
+          <a:noFill/>
+        </p:spPr>
+        <p:txBody>
+          <a:bodyPr wrap="square" rtlCol="0">
+            <a:spAutoFit/>
+          </a:bodyPr>
+          <a:lstStyle/>
+          <a:p>
+            <a:r>
+              <a:rPr lang="en-US" sz="800" b="1" dirty="0">
+                <a:latin typeface="Courier New" pitchFamily="49" charset="0"/>
+                <a:cs typeface="Courier New" pitchFamily="49" charset="0"/>
+              </a:rPr>
+              <a:t>“\x5e\x8a\x88\x6a\x5f\x9c\xa9\x77\x42\x1a\xe0\x67\</a:t>
+            </a:r>
+            <a:r>
+              <a:rPr lang="en-US" sz="800" b="1" dirty="0" err="1">
+                <a:latin typeface="Courier New" pitchFamily="49" charset="0"/>
+                <a:cs typeface="Courier New" pitchFamily="49" charset="0"/>
+              </a:rPr>
+              <a:t>xcc</a:t>
+            </a:r>
+            <a:r>
+              <a:rPr lang="en-US" sz="800" b="1" dirty="0">
+                <a:latin typeface="Courier New" pitchFamily="49" charset="0"/>
+                <a:cs typeface="Courier New" pitchFamily="49" charset="0"/>
+              </a:rPr>
+              <a:t>\x56\x55\xb7\xf3\x47\x97\x4dset_firstname=</a:t>
+            </a:r>
+            <a:r>
+              <a:rPr lang="en-US" sz="800" b="1" dirty="0" err="1">
+                <a:latin typeface="Courier New" pitchFamily="49" charset="0"/>
+                <a:cs typeface="Courier New" pitchFamily="49" charset="0"/>
+              </a:rPr>
+              <a:t>ron</a:t>
+            </a:r>
+            <a:r>
+              <a:rPr lang="en-US" sz="800" b="1" dirty="0">
+                <a:latin typeface="Courier New" pitchFamily="49" charset="0"/>
+                <a:cs typeface="Courier New" pitchFamily="49" charset="0"/>
+              </a:rPr>
+              <a:t>”</a:t>
+            </a:r>
+            <a:endParaRPr lang="en-US" sz="800" dirty="0"/>
+          </a:p>
+        </p:txBody>
+      </p:sp>
+      <p:sp>
+        <p:nvSpPr>
+          <p:cNvPr id="10" name="TextBox 9"/>
+          <p:cNvSpPr txBox="1"/>
+          <p:nvPr/>
+        </p:nvSpPr>
+        <p:spPr>
+          <a:xfrm>
+            <a:off x="6400800" y="5171791"/>
+            <a:ext cx="990600" cy="369332"/>
+          </a:xfrm>
+          <a:prstGeom prst="rect">
+            <a:avLst/>
+          </a:prstGeom>
+          <a:noFill/>
+        </p:spPr>
+        <p:txBody>
+          <a:bodyPr wrap="square" rtlCol="0">
+            <a:spAutoFit/>
+          </a:bodyPr>
+          <a:lstStyle/>
+          <a:p>
+            <a:r>
+              <a:rPr lang="en-US" dirty="0" smtClean="0"/>
+              <a:t>“Flickr”</a:t>
+            </a:r>
+            <a:endParaRPr lang="en-US" dirty="0"/>
+          </a:p>
+        </p:txBody>
+      </p:sp>
+      <p:sp>
+        <p:nvSpPr>
+          <p:cNvPr id="11" name="TextBox 10"/>
+          <p:cNvSpPr txBox="1"/>
+          <p:nvPr/>
+        </p:nvSpPr>
+        <p:spPr>
+          <a:xfrm>
+            <a:off x="3032115" y="6543674"/>
+            <a:ext cx="946169" cy="369332"/>
+          </a:xfrm>
+          <a:prstGeom prst="rect">
+            <a:avLst/>
+          </a:prstGeom>
+          <a:noFill/>
+        </p:spPr>
+        <p:txBody>
+          <a:bodyPr wrap="square" rtlCol="0">
+            <a:spAutoFit/>
+          </a:bodyPr>
+          <a:lstStyle/>
+          <a:p>
+            <a:r>
+              <a:rPr lang="en-US" dirty="0" smtClean="0"/>
+              <a:t>“</a:t>
+            </a:r>
+            <a:r>
+              <a:rPr lang="en-US" dirty="0" smtClean="0"/>
+              <a:t>Eve”</a:t>
+            </a:r>
+            <a:endParaRPr lang="en-US" dirty="0"/>
+          </a:p>
+        </p:txBody>
+      </p:sp>
+      <p:sp>
+        <p:nvSpPr>
+          <p:cNvPr id="12" name="TextBox 11"/>
+          <p:cNvSpPr txBox="1"/>
+          <p:nvPr/>
+        </p:nvSpPr>
+        <p:spPr>
+          <a:xfrm>
+            <a:off x="1219200" y="4987125"/>
+            <a:ext cx="762000" cy="369332"/>
+          </a:xfrm>
+          <a:prstGeom prst="rect">
+            <a:avLst/>
+          </a:prstGeom>
+          <a:noFill/>
+        </p:spPr>
+        <p:txBody>
+          <a:bodyPr wrap="square" rtlCol="0">
+            <a:spAutoFit/>
+          </a:bodyPr>
+          <a:lstStyle/>
+          <a:p>
+            <a:r>
+              <a:rPr lang="en-US" dirty="0" smtClean="0"/>
+              <a:t>“Ron”</a:t>
+            </a:r>
+            <a:endParaRPr lang="en-US" dirty="0"/>
+          </a:p>
+        </p:txBody>
+      </p:sp>
+    </p:spTree>
+    <p:extLst>
+      <p:ext uri="{BB962C8B-B14F-4D97-AF65-F5344CB8AC3E}">
+        <p14:creationId xmlns:p14="http://schemas.microsoft.com/office/powerpoint/2010/main" val="3818057119"/>
+      </p:ext>
+    </p:extLst>
+  </p:cSld>
+  <p:clrMapOvr>
+    <a:masterClrMapping/>
+  </p:clrMapOvr>
+  <p:timing>
+    <p:tnLst>
+      <p:par>
+        <p:cTn id="1" dur="indefinite" restart="never" nodeType="tmRoot"/>
+      </p:par>
+    </p:tnLst>
+  </p:timing>
+</p:sld>
+</file>
+
+<file path=ppt/slides/slide58.xml><?xml version="1.0" encoding="utf-8"?>
+<p:sld xmlns:a="http://schemas.openxmlformats.org/drawingml/2006/main" xmlns:r="http://schemas.openxmlformats.org/officeDocument/2006/relationships" xmlns:p="http://schemas.openxmlformats.org/presentationml/2006/main">
+  <p:cSld>
+    <p:spTree>
+      <p:nvGrpSpPr>
+        <p:cNvPr id="1" name=""/>
+        <p:cNvGrpSpPr/>
+        <p:nvPr/>
+      </p:nvGrpSpPr>
+      <p:grpSpPr>
+        <a:xfrm>
+          <a:off x="0" y="0"/>
+          <a:ext cx="0" cy="0"/>
+          <a:chOff x="0" y="0"/>
+          <a:chExt cx="0" cy="0"/>
+        </a:xfrm>
+      </p:grpSpPr>
+      <p:sp>
+        <p:nvSpPr>
+          <p:cNvPr id="2" name="Title 1"/>
+          <p:cNvSpPr>
+            <a:spLocks noGrp="1"/>
+          </p:cNvSpPr>
+          <p:nvPr>
+            <p:ph type="title"/>
+          </p:nvPr>
+        </p:nvSpPr>
+        <p:spPr/>
+        <p:txBody>
+          <a:bodyPr/>
+          <a:lstStyle/>
+          <a:p>
+            <a:r>
+              <a:rPr lang="en-US" dirty="0" smtClean="0"/>
+              <a:t>Hash extension: Applying it</a:t>
+            </a:r>
+            <a:endParaRPr lang="en-US" dirty="0"/>
+          </a:p>
+        </p:txBody>
+      </p:sp>
+      <p:sp>
+        <p:nvSpPr>
+          <p:cNvPr id="3" name="Content Placeholder 2"/>
+          <p:cNvSpPr>
+            <a:spLocks noGrp="1"/>
+          </p:cNvSpPr>
+          <p:nvPr>
+            <p:ph idx="1"/>
+          </p:nvPr>
+        </p:nvSpPr>
+        <p:spPr/>
+        <p:txBody>
+          <a:bodyPr/>
+          <a:lstStyle/>
+          <a:p>
+            <a:r>
+              <a:rPr lang="en-US" dirty="0" smtClean="0"/>
+              <a:t>Now, Eve has a message and its associated hash. What can he use it for?</a:t>
+            </a:r>
+          </a:p>
+          <a:p>
+            <a:pPr lvl="1"/>
+            <a:r>
+              <a:rPr lang="en-US" dirty="0" smtClean="0"/>
+              <a:t>Remember: </a:t>
+            </a:r>
+            <a:r>
+              <a:rPr lang="en-US" sz="1800" b="1" dirty="0">
+                <a:latin typeface="Courier New" pitchFamily="49" charset="0"/>
+                <a:cs typeface="Courier New" pitchFamily="49" charset="0"/>
+              </a:rPr>
+              <a:t>SHA1(“</a:t>
+            </a:r>
+            <a:r>
+              <a:rPr lang="en-US" sz="1800" b="1" dirty="0" err="1">
+                <a:latin typeface="Courier New" pitchFamily="49" charset="0"/>
+                <a:cs typeface="Courier New" pitchFamily="49" charset="0"/>
+              </a:rPr>
+              <a:t>secretkey</a:t>
+            </a:r>
+            <a:r>
+              <a:rPr lang="en-US" sz="1800" b="1" dirty="0">
+                <a:latin typeface="Courier New" pitchFamily="49" charset="0"/>
+                <a:cs typeface="Courier New" pitchFamily="49" charset="0"/>
+              </a:rPr>
+              <a:t>” + “</a:t>
+            </a:r>
+            <a:r>
+              <a:rPr lang="en-US" sz="1800" b="1" dirty="0" err="1" smtClean="0">
+                <a:latin typeface="Courier New" pitchFamily="49" charset="0"/>
+                <a:cs typeface="Courier New" pitchFamily="49" charset="0"/>
+              </a:rPr>
+              <a:t>set_firstname</a:t>
+            </a:r>
+            <a:r>
+              <a:rPr lang="en-US" sz="1800" b="1" dirty="0" smtClean="0">
+                <a:latin typeface="Courier New" pitchFamily="49" charset="0"/>
+                <a:cs typeface="Courier New" pitchFamily="49" charset="0"/>
+              </a:rPr>
+              <a:t>=</a:t>
+            </a:r>
+            <a:r>
+              <a:rPr lang="en-US" sz="1800" b="1" dirty="0" err="1" smtClean="0">
+                <a:latin typeface="Courier New" pitchFamily="49" charset="0"/>
+                <a:cs typeface="Courier New" pitchFamily="49" charset="0"/>
+              </a:rPr>
+              <a:t>ron</a:t>
+            </a:r>
+            <a:r>
+              <a:rPr lang="en-US" sz="1800" b="1" dirty="0" smtClean="0">
+                <a:latin typeface="Courier New" pitchFamily="49" charset="0"/>
+                <a:cs typeface="Courier New" pitchFamily="49" charset="0"/>
+              </a:rPr>
+              <a:t>”) </a:t>
+            </a:r>
+            <a:r>
+              <a:rPr lang="en-US" dirty="0" smtClean="0"/>
+              <a:t>is calculated like this:</a:t>
+            </a:r>
+            <a:endParaRPr lang="en-US" dirty="0"/>
+          </a:p>
+        </p:txBody>
+      </p:sp>
+      <p:sp>
+        <p:nvSpPr>
+          <p:cNvPr id="4" name="TextBox 3"/>
+          <p:cNvSpPr txBox="1"/>
+          <p:nvPr/>
+        </p:nvSpPr>
+        <p:spPr>
+          <a:xfrm>
+            <a:off x="1111405" y="3817854"/>
+            <a:ext cx="5943600" cy="261610"/>
+          </a:xfrm>
+          <a:prstGeom prst="rect">
+            <a:avLst/>
+          </a:prstGeom>
+        </p:spPr>
+        <p:style>
+          <a:lnRef idx="2">
+            <a:schemeClr val="dk1"/>
+          </a:lnRef>
+          <a:fillRef idx="1">
+            <a:schemeClr val="lt1"/>
+          </a:fillRef>
+          <a:effectRef idx="0">
+            <a:schemeClr val="dk1"/>
+          </a:effectRef>
+          <a:fontRef idx="minor">
+            <a:schemeClr val="dk1"/>
+          </a:fontRef>
+        </p:style>
+        <p:txBody>
+          <a:bodyPr wrap="square" rtlCol="0">
+            <a:spAutoFit/>
+          </a:bodyPr>
+          <a:lstStyle/>
+          <a:p>
+            <a:pPr algn="ctr"/>
+            <a:r>
+              <a:rPr lang="en-US" sz="1100" b="1" dirty="0" smtClean="0">
+                <a:latin typeface="Courier New" pitchFamily="49" charset="0"/>
+                <a:cs typeface="Courier New" pitchFamily="49" charset="0"/>
+              </a:rPr>
+              <a:t>“</a:t>
+            </a:r>
+            <a:r>
+              <a:rPr lang="en-US" sz="1100" b="1" dirty="0" err="1" smtClean="0">
+                <a:latin typeface="Courier New" pitchFamily="49" charset="0"/>
+                <a:cs typeface="Courier New" pitchFamily="49" charset="0"/>
+              </a:rPr>
+              <a:t>secretkeyset_firstname</a:t>
+            </a:r>
+            <a:r>
+              <a:rPr lang="en-US" sz="1100" b="1" dirty="0" smtClean="0">
+                <a:latin typeface="Courier New" pitchFamily="49" charset="0"/>
+                <a:cs typeface="Courier New" pitchFamily="49" charset="0"/>
+              </a:rPr>
+              <a:t>=</a:t>
+            </a:r>
+            <a:r>
+              <a:rPr lang="en-US" sz="1100" b="1" dirty="0" err="1" smtClean="0">
+                <a:latin typeface="Courier New" pitchFamily="49" charset="0"/>
+                <a:cs typeface="Courier New" pitchFamily="49" charset="0"/>
+              </a:rPr>
+              <a:t>ron</a:t>
+            </a:r>
+            <a:r>
+              <a:rPr lang="en-US" sz="1100" b="1" dirty="0" smtClean="0">
+                <a:latin typeface="Courier New" pitchFamily="49" charset="0"/>
+                <a:cs typeface="Courier New" pitchFamily="49" charset="0"/>
+              </a:rPr>
+              <a:t>\x80\0\0\0\0\0\0\0\0\0\0...\0\0\0\0\0\xd8</a:t>
+            </a:r>
+            <a:endParaRPr lang="en-US" sz="1100" b="1" dirty="0">
+              <a:latin typeface="Courier New" pitchFamily="49" charset="0"/>
+              <a:cs typeface="Courier New" pitchFamily="49" charset="0"/>
+            </a:endParaRPr>
+          </a:p>
+        </p:txBody>
+      </p:sp>
+      <p:cxnSp>
+        <p:nvCxnSpPr>
+          <p:cNvPr id="6" name="Straight Arrow Connector 5"/>
+          <p:cNvCxnSpPr>
+            <a:stCxn id="4" idx="2"/>
+          </p:cNvCxnSpPr>
+          <p:nvPr/>
+        </p:nvCxnSpPr>
+        <p:spPr>
+          <a:xfrm>
+            <a:off x="4083205" y="4079464"/>
+            <a:ext cx="0" cy="478795"/>
+          </a:xfrm>
+          <a:prstGeom prst="straightConnector1">
+            <a:avLst/>
+          </a:prstGeom>
+          <a:ln w="47625">
+            <a:tailEnd type="arrow"/>
+          </a:ln>
+        </p:spPr>
+        <p:style>
+          <a:lnRef idx="1">
+            <a:schemeClr val="accent1"/>
+          </a:lnRef>
+          <a:fillRef idx="0">
+            <a:schemeClr val="accent1"/>
+          </a:fillRef>
+          <a:effectRef idx="0">
+            <a:schemeClr val="accent1"/>
+          </a:effectRef>
+          <a:fontRef idx="minor">
+            <a:schemeClr val="tx1"/>
+          </a:fontRef>
+        </p:style>
+      </p:cxnSp>
+      <p:sp>
+        <p:nvSpPr>
+          <p:cNvPr id="7" name="TextBox 6"/>
+          <p:cNvSpPr txBox="1"/>
+          <p:nvPr/>
+        </p:nvSpPr>
+        <p:spPr>
+          <a:xfrm>
+            <a:off x="1295400" y="4560085"/>
+            <a:ext cx="5965902" cy="338554"/>
+          </a:xfrm>
+          <a:prstGeom prst="rect">
+            <a:avLst/>
+          </a:prstGeom>
+          <a:noFill/>
+        </p:spPr>
+        <p:txBody>
+          <a:bodyPr wrap="square" rtlCol="0">
+            <a:spAutoFit/>
+          </a:bodyPr>
+          <a:lstStyle/>
+          <a:p>
+            <a:r>
+              <a:rPr lang="es-ES" sz="1600" b="1" dirty="0" smtClean="0">
+                <a:solidFill>
+                  <a:schemeClr val="tx2">
+                    <a:lumMod val="60000"/>
+                    <a:lumOff val="40000"/>
+                  </a:schemeClr>
+                </a:solidFill>
+                <a:latin typeface="Courier New" pitchFamily="49" charset="0"/>
+                <a:cs typeface="Courier New" pitchFamily="49" charset="0"/>
+              </a:rPr>
+              <a:t>5e8a886a 5f9ca977 421ae067 cc5655b7 f347974d</a:t>
+            </a:r>
+            <a:endParaRPr lang="en-US" sz="1600" b="1" dirty="0">
+              <a:solidFill>
+                <a:schemeClr val="tx2">
+                  <a:lumMod val="60000"/>
+                  <a:lumOff val="40000"/>
+                </a:schemeClr>
+              </a:solidFill>
+              <a:latin typeface="Courier New" pitchFamily="49" charset="0"/>
+              <a:cs typeface="Courier New" pitchFamily="49" charset="0"/>
+            </a:endParaRPr>
+          </a:p>
+        </p:txBody>
+      </p:sp>
+    </p:spTree>
+    <p:extLst>
+      <p:ext uri="{BB962C8B-B14F-4D97-AF65-F5344CB8AC3E}">
+        <p14:creationId xmlns:p14="http://schemas.microsoft.com/office/powerpoint/2010/main" val="1646833214"/>
+      </p:ext>
+    </p:extLst>
+  </p:cSld>
+  <p:clrMapOvr>
+    <a:masterClrMapping/>
+  </p:clrMapOvr>
+  <p:timing>
+    <p:tnLst>
+      <p:par>
+        <p:cTn id="1" dur="indefinite" restart="never" nodeType="tmRoot"/>
+      </p:par>
+    </p:tnLst>
+  </p:timing>
+</p:sld>
+</file>
+
+<file path=ppt/slides/slide59.xml><?xml version="1.0" encoding="utf-8"?>
+<p:sld xmlns:a="http://schemas.openxmlformats.org/drawingml/2006/main" xmlns:r="http://schemas.openxmlformats.org/officeDocument/2006/relationships" xmlns:p="http://schemas.openxmlformats.org/presentationml/2006/main">
+  <p:cSld>
+    <p:spTree>
+      <p:nvGrpSpPr>
+        <p:cNvPr id="1" name=""/>
+        <p:cNvGrpSpPr/>
+        <p:nvPr/>
+      </p:nvGrpSpPr>
+      <p:grpSpPr>
+        <a:xfrm>
+          <a:off x="0" y="0"/>
+          <a:ext cx="0" cy="0"/>
+          <a:chOff x="0" y="0"/>
+          <a:chExt cx="0" cy="0"/>
+        </a:xfrm>
+      </p:grpSpPr>
+      <p:sp>
+        <p:nvSpPr>
+          <p:cNvPr id="2" name="Title 1"/>
+          <p:cNvSpPr>
+            <a:spLocks noGrp="1"/>
+          </p:cNvSpPr>
+          <p:nvPr>
+            <p:ph type="title"/>
+          </p:nvPr>
+        </p:nvSpPr>
+        <p:spPr/>
+        <p:txBody>
+          <a:bodyPr/>
+          <a:lstStyle/>
+          <a:p>
+            <a:r>
+              <a:rPr lang="en-US" dirty="0" smtClean="0"/>
+              <a:t>Hash extension: Applying it</a:t>
+            </a:r>
+            <a:endParaRPr lang="en-US" dirty="0"/>
+          </a:p>
+        </p:txBody>
+      </p:sp>
+      <p:sp>
+        <p:nvSpPr>
+          <p:cNvPr id="3" name="Content Placeholder 2"/>
+          <p:cNvSpPr>
+            <a:spLocks noGrp="1"/>
+          </p:cNvSpPr>
+          <p:nvPr>
+            <p:ph idx="1"/>
+          </p:nvPr>
+        </p:nvSpPr>
+        <p:spPr/>
+        <p:txBody>
+          <a:bodyPr>
+            <a:normAutofit/>
+          </a:bodyPr>
+          <a:lstStyle/>
+          <a:p>
+            <a:r>
+              <a:rPr lang="en-US" dirty="0" smtClean="0"/>
+              <a:t>Eve can calculate the following message, given just the output (in blue):</a:t>
+            </a:r>
+          </a:p>
+          <a:p>
+            <a:endParaRPr lang="en-US" dirty="0"/>
+          </a:p>
+          <a:p>
+            <a:endParaRPr lang="en-US" dirty="0" smtClean="0"/>
+          </a:p>
+          <a:p>
+            <a:endParaRPr lang="en-US" dirty="0"/>
+          </a:p>
+          <a:p>
+            <a:endParaRPr lang="en-US" dirty="0" smtClean="0"/>
+          </a:p>
+          <a:p>
+            <a:r>
+              <a:rPr lang="en-US" dirty="0" smtClean="0"/>
+              <a:t>Let’s look at how both the evil client and the legit server calculates that hash</a:t>
+            </a:r>
+          </a:p>
+        </p:txBody>
+      </p:sp>
+      <p:sp>
+        <p:nvSpPr>
+          <p:cNvPr id="4" name="TextBox 3"/>
+          <p:cNvSpPr txBox="1"/>
+          <p:nvPr/>
+        </p:nvSpPr>
+        <p:spPr>
+          <a:xfrm>
+            <a:off x="1129991" y="2721759"/>
+            <a:ext cx="5943600" cy="261610"/>
+          </a:xfrm>
+          <a:prstGeom prst="rect">
+            <a:avLst/>
+          </a:prstGeom>
+        </p:spPr>
+        <p:style>
+          <a:lnRef idx="2">
+            <a:schemeClr val="dk1"/>
+          </a:lnRef>
+          <a:fillRef idx="1">
+            <a:schemeClr val="lt1"/>
+          </a:fillRef>
+          <a:effectRef idx="0">
+            <a:schemeClr val="dk1"/>
+          </a:effectRef>
+          <a:fontRef idx="minor">
+            <a:schemeClr val="dk1"/>
+          </a:fontRef>
+        </p:style>
+        <p:txBody>
+          <a:bodyPr wrap="square" rtlCol="0">
+            <a:spAutoFit/>
+          </a:bodyPr>
+          <a:lstStyle/>
+          <a:p>
+            <a:pPr algn="ctr"/>
+            <a:r>
+              <a:rPr lang="en-US" sz="1100" b="1" dirty="0" smtClean="0">
+                <a:latin typeface="Courier New" pitchFamily="49" charset="0"/>
+                <a:cs typeface="Courier New" pitchFamily="49" charset="0"/>
+              </a:rPr>
+              <a:t>“?????????</a:t>
+            </a:r>
+            <a:r>
+              <a:rPr lang="en-US" sz="1100" b="1" dirty="0" err="1" smtClean="0">
+                <a:latin typeface="Courier New" pitchFamily="49" charset="0"/>
+                <a:cs typeface="Courier New" pitchFamily="49" charset="0"/>
+              </a:rPr>
+              <a:t>set_firstname</a:t>
+            </a:r>
+            <a:r>
+              <a:rPr lang="en-US" sz="1100" b="1" dirty="0" smtClean="0">
+                <a:latin typeface="Courier New" pitchFamily="49" charset="0"/>
+                <a:cs typeface="Courier New" pitchFamily="49" charset="0"/>
+              </a:rPr>
+              <a:t>=</a:t>
+            </a:r>
+            <a:r>
+              <a:rPr lang="en-US" sz="1100" b="1" dirty="0" err="1" smtClean="0">
+                <a:latin typeface="Courier New" pitchFamily="49" charset="0"/>
+                <a:cs typeface="Courier New" pitchFamily="49" charset="0"/>
+              </a:rPr>
+              <a:t>ron</a:t>
+            </a:r>
+            <a:r>
+              <a:rPr lang="en-US" sz="1100" b="1" dirty="0" smtClean="0">
+                <a:latin typeface="Courier New" pitchFamily="49" charset="0"/>
+                <a:cs typeface="Courier New" pitchFamily="49" charset="0"/>
+              </a:rPr>
+              <a:t>\x80\0\0\0\0\0\0\0\0\0\0...\0\0\0\0\0\xd0</a:t>
+            </a:r>
+            <a:endParaRPr lang="en-US" sz="1100" b="1" dirty="0">
+              <a:latin typeface="Courier New" pitchFamily="49" charset="0"/>
+              <a:cs typeface="Courier New" pitchFamily="49" charset="0"/>
+            </a:endParaRPr>
+          </a:p>
+        </p:txBody>
+      </p:sp>
+      <p:sp>
+        <p:nvSpPr>
+          <p:cNvPr id="5" name="TextBox 4"/>
+          <p:cNvSpPr txBox="1"/>
+          <p:nvPr/>
+        </p:nvSpPr>
+        <p:spPr>
+          <a:xfrm>
+            <a:off x="1129991" y="3462164"/>
+            <a:ext cx="5943600" cy="261610"/>
+          </a:xfrm>
+          <a:prstGeom prst="rect">
+            <a:avLst/>
+          </a:prstGeom>
+        </p:spPr>
+        <p:style>
+          <a:lnRef idx="2">
+            <a:schemeClr val="dk1"/>
+          </a:lnRef>
+          <a:fillRef idx="1">
+            <a:schemeClr val="lt1"/>
+          </a:fillRef>
+          <a:effectRef idx="0">
+            <a:schemeClr val="dk1"/>
+          </a:effectRef>
+          <a:fontRef idx="minor">
+            <a:schemeClr val="dk1"/>
+          </a:fontRef>
+        </p:style>
+        <p:txBody>
+          <a:bodyPr wrap="square" rtlCol="0">
+            <a:spAutoFit/>
+          </a:bodyPr>
+          <a:lstStyle/>
+          <a:p>
+            <a:pPr algn="ctr"/>
+            <a:r>
+              <a:rPr lang="en-US" sz="1100" b="1" dirty="0" smtClean="0">
+                <a:latin typeface="Courier New" pitchFamily="49" charset="0"/>
+                <a:cs typeface="Courier New" pitchFamily="49" charset="0"/>
+              </a:rPr>
+              <a:t>“&amp;</a:t>
+            </a:r>
+            <a:r>
+              <a:rPr lang="en-US" sz="1100" b="1" dirty="0" err="1" smtClean="0">
+                <a:latin typeface="Courier New" pitchFamily="49" charset="0"/>
+                <a:cs typeface="Courier New" pitchFamily="49" charset="0"/>
+              </a:rPr>
+              <a:t>deletemyaccount</a:t>
+            </a:r>
+            <a:r>
+              <a:rPr lang="en-US" sz="1100" b="1" dirty="0" smtClean="0">
+                <a:latin typeface="Courier New" pitchFamily="49" charset="0"/>
+                <a:cs typeface="Courier New" pitchFamily="49" charset="0"/>
+              </a:rPr>
+              <a:t>=1“ (+ implicit padding)</a:t>
+            </a:r>
+            <a:endParaRPr lang="en-US" sz="1100" b="1" dirty="0">
+              <a:latin typeface="Courier New" pitchFamily="49" charset="0"/>
+              <a:cs typeface="Courier New" pitchFamily="49" charset="0"/>
+            </a:endParaRPr>
+          </a:p>
+        </p:txBody>
+      </p:sp>
+      <p:cxnSp>
+        <p:nvCxnSpPr>
+          <p:cNvPr id="6" name="Straight Arrow Connector 5"/>
+          <p:cNvCxnSpPr>
+            <a:stCxn id="4" idx="2"/>
+            <a:endCxn id="5" idx="0"/>
+          </p:cNvCxnSpPr>
+          <p:nvPr/>
+        </p:nvCxnSpPr>
+        <p:spPr>
+          <a:xfrm>
+            <a:off x="4101791" y="2983369"/>
+            <a:ext cx="0" cy="478795"/>
+          </a:xfrm>
+          <a:prstGeom prst="straightConnector1">
+            <a:avLst/>
+          </a:prstGeom>
+          <a:ln w="47625">
+            <a:tailEnd type="arrow"/>
+          </a:ln>
+        </p:spPr>
+        <p:style>
+          <a:lnRef idx="1">
+            <a:schemeClr val="accent1"/>
+          </a:lnRef>
+          <a:fillRef idx="0">
+            <a:schemeClr val="accent1"/>
+          </a:fillRef>
+          <a:effectRef idx="0">
+            <a:schemeClr val="accent1"/>
+          </a:effectRef>
+          <a:fontRef idx="minor">
+            <a:schemeClr val="tx1"/>
+          </a:fontRef>
+        </p:style>
+      </p:cxnSp>
+      <p:sp>
+        <p:nvSpPr>
+          <p:cNvPr id="7" name="TextBox 6"/>
+          <p:cNvSpPr txBox="1"/>
+          <p:nvPr/>
+        </p:nvSpPr>
+        <p:spPr>
+          <a:xfrm>
+            <a:off x="4109225" y="2998383"/>
+            <a:ext cx="4296937" cy="276999"/>
+          </a:xfrm>
+          <a:prstGeom prst="rect">
+            <a:avLst/>
+          </a:prstGeom>
+          <a:noFill/>
+        </p:spPr>
+        <p:txBody>
+          <a:bodyPr wrap="square" rtlCol="0">
+            <a:spAutoFit/>
+          </a:bodyPr>
+          <a:lstStyle/>
+          <a:p>
+            <a:r>
+              <a:rPr lang="es-ES" sz="1200" b="1" dirty="0" smtClean="0">
+                <a:solidFill>
+                  <a:schemeClr val="tx2">
+                    <a:lumMod val="60000"/>
+                    <a:lumOff val="40000"/>
+                  </a:schemeClr>
+                </a:solidFill>
+                <a:latin typeface="Courier New" pitchFamily="49" charset="0"/>
+                <a:cs typeface="Courier New" pitchFamily="49" charset="0"/>
+              </a:rPr>
+              <a:t>5e8a886a 5f9ca977 421ae067 cc5655b7 f347974d</a:t>
+            </a:r>
+            <a:endParaRPr lang="en-US" sz="1200" b="1" dirty="0">
+              <a:solidFill>
+                <a:schemeClr val="tx2">
+                  <a:lumMod val="60000"/>
+                  <a:lumOff val="40000"/>
+                </a:schemeClr>
+              </a:solidFill>
+              <a:latin typeface="Courier New" pitchFamily="49" charset="0"/>
+              <a:cs typeface="Courier New" pitchFamily="49" charset="0"/>
+            </a:endParaRPr>
+          </a:p>
+        </p:txBody>
+      </p:sp>
+      <p:sp>
+        <p:nvSpPr>
+          <p:cNvPr id="8" name="TextBox 7"/>
+          <p:cNvSpPr txBox="1"/>
+          <p:nvPr/>
+        </p:nvSpPr>
+        <p:spPr>
+          <a:xfrm>
+            <a:off x="1282391" y="4275288"/>
+            <a:ext cx="5791200" cy="338554"/>
+          </a:xfrm>
+          <a:prstGeom prst="rect">
+            <a:avLst/>
+          </a:prstGeom>
+          <a:noFill/>
+        </p:spPr>
+        <p:txBody>
+          <a:bodyPr wrap="square" rtlCol="0">
+            <a:spAutoFit/>
+          </a:bodyPr>
+          <a:lstStyle/>
+          <a:p>
+            <a:r>
+              <a:rPr lang="it-IT" sz="1600" b="1" dirty="0" smtClean="0">
+                <a:solidFill>
+                  <a:schemeClr val="tx2">
+                    <a:lumMod val="60000"/>
+                    <a:lumOff val="40000"/>
+                  </a:schemeClr>
+                </a:solidFill>
+                <a:latin typeface="Courier New" pitchFamily="49" charset="0"/>
+                <a:cs typeface="Courier New" pitchFamily="49" charset="0"/>
+              </a:rPr>
+              <a:t>b841c517 5bbce26b 353bcfe3 d47acefa b1ce26a1</a:t>
+            </a:r>
+            <a:endParaRPr lang="en-US" sz="1600" b="1" dirty="0">
+              <a:solidFill>
+                <a:schemeClr val="tx2">
+                  <a:lumMod val="60000"/>
+                  <a:lumOff val="40000"/>
+                </a:schemeClr>
+              </a:solidFill>
+              <a:latin typeface="Courier New" pitchFamily="49" charset="0"/>
+              <a:cs typeface="Courier New" pitchFamily="49" charset="0"/>
+            </a:endParaRPr>
+          </a:p>
+        </p:txBody>
+      </p:sp>
+      <p:cxnSp>
+        <p:nvCxnSpPr>
+          <p:cNvPr id="11" name="Straight Arrow Connector 10"/>
+          <p:cNvCxnSpPr/>
+          <p:nvPr/>
+        </p:nvCxnSpPr>
+        <p:spPr>
+          <a:xfrm>
+            <a:off x="4085064" y="3761375"/>
+            <a:ext cx="0" cy="478795"/>
+          </a:xfrm>
+          <a:prstGeom prst="straightConnector1">
+            <a:avLst/>
+          </a:prstGeom>
+          <a:ln w="47625">
+            <a:tailEnd type="arrow"/>
+          </a:ln>
+        </p:spPr>
+        <p:style>
+          <a:lnRef idx="1">
+            <a:schemeClr val="accent1"/>
+          </a:lnRef>
+          <a:fillRef idx="0">
+            <a:schemeClr val="accent1"/>
+          </a:fillRef>
+          <a:effectRef idx="0">
+            <a:schemeClr val="accent1"/>
+          </a:effectRef>
+          <a:fontRef idx="minor">
+            <a:schemeClr val="tx1"/>
+          </a:fontRef>
+        </p:style>
+      </p:cxnSp>
+    </p:spTree>
+    <p:extLst>
+      <p:ext uri="{BB962C8B-B14F-4D97-AF65-F5344CB8AC3E}">
+        <p14:creationId xmlns:p14="http://schemas.microsoft.com/office/powerpoint/2010/main" val="1731988782"/>
+      </p:ext>
+    </p:extLst>
+  </p:cSld>
+  <p:clrMapOvr>
+    <a:masterClrMapping/>
+  </p:clrMapOvr>
+  <p:timing>
+    <p:tnLst>
+      <p:par>
+        <p:cTn id="1" dur="indefinite" restart="never" nodeType="tmRoot"/>
+      </p:par>
+    </p:tnLst>
+  </p:timing>
+</p:sld>
+</file>
+
+<file path=ppt/slides/slide6.xml><?xml version="1.0" encoding="utf-8"?>
+<p:sld xmlns:a="http://schemas.openxmlformats.org/drawingml/2006/main" xmlns:r="http://schemas.openxmlformats.org/officeDocument/2006/relationships" xmlns:p="http://schemas.openxmlformats.org/presentationml/2006/main">
+  <p:cSld>
+    <p:spTree>
+      <p:nvGrpSpPr>
+        <p:cNvPr id="1" name=""/>
+        <p:cNvGrpSpPr/>
+        <p:nvPr/>
+      </p:nvGrpSpPr>
+      <p:grpSpPr>
+        <a:xfrm>
+          <a:off x="0" y="0"/>
+          <a:ext cx="0" cy="0"/>
+          <a:chOff x="0" y="0"/>
+          <a:chExt cx="0" cy="0"/>
+        </a:xfrm>
+      </p:grpSpPr>
+      <p:sp>
+        <p:nvSpPr>
+          <p:cNvPr id="2" name="Title 1"/>
+          <p:cNvSpPr>
+            <a:spLocks noGrp="1"/>
+          </p:cNvSpPr>
+          <p:nvPr>
+            <p:ph type="title"/>
+          </p:nvPr>
+        </p:nvSpPr>
+        <p:spPr/>
+        <p:txBody>
+          <a:bodyPr/>
+          <a:lstStyle/>
+          <a:p>
+            <a:r>
+              <a:rPr lang="en-US" dirty="0" smtClean="0"/>
+              <a:t>For our purposes…</a:t>
+            </a:r>
+            <a:endParaRPr lang="en-US" dirty="0"/>
+          </a:p>
+        </p:txBody>
+      </p:sp>
+      <p:sp>
+        <p:nvSpPr>
+          <p:cNvPr id="3" name="Content Placeholder 2"/>
+          <p:cNvSpPr>
+            <a:spLocks noGrp="1"/>
+          </p:cNvSpPr>
+          <p:nvPr>
+            <p:ph idx="1"/>
+          </p:nvPr>
+        </p:nvSpPr>
+        <p:spPr/>
+        <p:txBody>
+          <a:bodyPr/>
+          <a:lstStyle/>
+          <a:p>
+            <a:r>
+              <a:rPr lang="en-US" dirty="0" smtClean="0"/>
+              <a:t>“Crypto”, in the context of this talk, will cover:</a:t>
+            </a:r>
+          </a:p>
+          <a:p>
+            <a:pPr lvl="1"/>
+            <a:r>
+              <a:rPr lang="en-US" dirty="0" smtClean="0"/>
+              <a:t>Encryption</a:t>
+            </a:r>
+          </a:p>
+          <a:p>
+            <a:pPr lvl="1"/>
+            <a:r>
+              <a:rPr lang="en-US" dirty="0" smtClean="0"/>
+              <a:t>Hashing</a:t>
+            </a:r>
+          </a:p>
+          <a:p>
+            <a:pPr lvl="1"/>
+            <a:r>
+              <a:rPr lang="en-US" dirty="0" smtClean="0"/>
+              <a:t>Random numbers</a:t>
+            </a:r>
+          </a:p>
+          <a:p>
+            <a:pPr lvl="1"/>
+            <a:r>
+              <a:rPr lang="en-US" dirty="0" smtClean="0"/>
+              <a:t>Anything else I need</a:t>
+            </a:r>
+            <a:br>
+              <a:rPr lang="en-US" dirty="0" smtClean="0"/>
+            </a:br>
+            <a:r>
+              <a:rPr lang="en-US" dirty="0" smtClean="0"/>
+              <a:t>it to cover</a:t>
+            </a:r>
+            <a:endParaRPr lang="en-US" dirty="0"/>
+          </a:p>
+        </p:txBody>
+      </p:sp>
+      <p:pic>
+        <p:nvPicPr>
+          <p:cNvPr id="4" name="Content Placeholder 3"/>
+          <p:cNvPicPr>
+            <a:picLocks noChangeAspect="1"/>
+          </p:cNvPicPr>
+          <p:nvPr/>
+        </p:nvPicPr>
+        <p:blipFill>
+          <a:blip r:embed="rId2">
+            <a:extLst>
+              <a:ext uri="{28A0092B-C50C-407E-A947-70E740481C1C}">
+                <a14:useLocalDpi xmlns:a14="http://schemas.microsoft.com/office/drawing/2010/main" val="0"/>
+              </a:ext>
+            </a:extLst>
+          </a:blip>
+          <a:stretch>
+            <a:fillRect/>
+          </a:stretch>
+        </p:blipFill>
+        <p:spPr>
+          <a:xfrm>
+            <a:off x="5181600" y="2286000"/>
+            <a:ext cx="2769220" cy="4172798"/>
+          </a:xfrm>
+          <a:prstGeom prst="rect">
+            <a:avLst/>
+          </a:prstGeom>
+        </p:spPr>
+      </p:pic>
+    </p:spTree>
+    <p:extLst>
+      <p:ext uri="{BB962C8B-B14F-4D97-AF65-F5344CB8AC3E}">
+        <p14:creationId xmlns:p14="http://schemas.microsoft.com/office/powerpoint/2010/main" val="1521312035"/>
+      </p:ext>
+    </p:extLst>
+  </p:cSld>
+  <p:clrMapOvr>
+    <a:masterClrMapping/>
+  </p:clrMapOvr>
+  <p:timing>
+    <p:tnLst>
+      <p:par>
+        <p:cTn id="1" dur="indefinite" restart="never" nodeType="tmRoot"/>
+      </p:par>
+    </p:tnLst>
+  </p:timing>
+</p:sld>
+</file>
+
+<file path=ppt/slides/slide60.xml><?xml version="1.0" encoding="utf-8"?>
+<p:sld xmlns:a="http://schemas.openxmlformats.org/drawingml/2006/main" xmlns:r="http://schemas.openxmlformats.org/officeDocument/2006/relationships" xmlns:p="http://schemas.openxmlformats.org/presentationml/2006/main">
+  <p:cSld>
+    <p:spTree>
+      <p:nvGrpSpPr>
+        <p:cNvPr id="1" name=""/>
+        <p:cNvGrpSpPr/>
+        <p:nvPr/>
+      </p:nvGrpSpPr>
+      <p:grpSpPr>
+        <a:xfrm>
+          <a:off x="0" y="0"/>
+          <a:ext cx="0" cy="0"/>
+          <a:chOff x="0" y="0"/>
+          <a:chExt cx="0" cy="0"/>
+        </a:xfrm>
+      </p:grpSpPr>
+      <p:sp>
+        <p:nvSpPr>
+          <p:cNvPr id="2" name="Title 1"/>
+          <p:cNvSpPr>
+            <a:spLocks noGrp="1"/>
+          </p:cNvSpPr>
+          <p:nvPr>
+            <p:ph type="title"/>
+          </p:nvPr>
+        </p:nvSpPr>
+        <p:spPr/>
+        <p:txBody>
+          <a:bodyPr/>
+          <a:lstStyle/>
+          <a:p>
+            <a:r>
+              <a:rPr lang="en-US" dirty="0" smtClean="0"/>
+              <a:t>Hash extension: evil client</a:t>
+            </a:r>
+            <a:endParaRPr lang="en-US" dirty="0"/>
+          </a:p>
+        </p:txBody>
+      </p:sp>
+      <p:sp>
+        <p:nvSpPr>
+          <p:cNvPr id="6" name="Content Placeholder 5"/>
+          <p:cNvSpPr>
+            <a:spLocks noGrp="1"/>
+          </p:cNvSpPr>
+          <p:nvPr>
+            <p:ph idx="1"/>
+          </p:nvPr>
+        </p:nvSpPr>
+        <p:spPr/>
+        <p:txBody>
+          <a:bodyPr/>
+          <a:lstStyle/>
+          <a:p>
+            <a:r>
+              <a:rPr lang="en-US" dirty="0" smtClean="0"/>
+              <a:t>Eve writes the following program:</a:t>
+            </a:r>
+            <a:endParaRPr lang="en-US" dirty="0"/>
+          </a:p>
+        </p:txBody>
+      </p:sp>
+      <p:pic>
+        <p:nvPicPr>
+          <p:cNvPr id="7" name="Content Placeholder 3"/>
+          <p:cNvPicPr>
+            <a:picLocks noChangeAspect="1"/>
+          </p:cNvPicPr>
+          <p:nvPr/>
+        </p:nvPicPr>
+        <p:blipFill>
+          <a:blip r:embed="rId2">
+            <a:extLst>
+              <a:ext uri="{28A0092B-C50C-407E-A947-70E740481C1C}">
+                <a14:useLocalDpi xmlns:a14="http://schemas.microsoft.com/office/drawing/2010/main" val="0"/>
+              </a:ext>
+            </a:extLst>
+          </a:blip>
+          <a:stretch>
+            <a:fillRect/>
+          </a:stretch>
+        </p:blipFill>
+        <p:spPr>
+          <a:xfrm>
+            <a:off x="466472" y="2133600"/>
+            <a:ext cx="8229600" cy="3237722"/>
+          </a:xfrm>
+          <a:prstGeom prst="rect">
+            <a:avLst/>
+          </a:prstGeom>
+        </p:spPr>
+      </p:pic>
+      <p:pic>
+        <p:nvPicPr>
+          <p:cNvPr id="9" name="Picture 8"/>
+          <p:cNvPicPr>
+            <a:picLocks noChangeAspect="1"/>
+          </p:cNvPicPr>
+          <p:nvPr/>
+        </p:nvPicPr>
+        <p:blipFill>
+          <a:blip r:embed="rId3">
+            <a:extLst>
+              <a:ext uri="{28A0092B-C50C-407E-A947-70E740481C1C}">
+                <a14:useLocalDpi xmlns:a14="http://schemas.microsoft.com/office/drawing/2010/main" val="0"/>
+              </a:ext>
+            </a:extLst>
+          </a:blip>
+          <a:stretch>
+            <a:fillRect/>
+          </a:stretch>
+        </p:blipFill>
+        <p:spPr>
+          <a:xfrm>
+            <a:off x="466472" y="5638800"/>
+            <a:ext cx="8380953" cy="914286"/>
+          </a:xfrm>
+          <a:prstGeom prst="rect">
+            <a:avLst/>
+          </a:prstGeom>
+        </p:spPr>
+      </p:pic>
+    </p:spTree>
+    <p:extLst>
+      <p:ext uri="{BB962C8B-B14F-4D97-AF65-F5344CB8AC3E}">
+        <p14:creationId xmlns:p14="http://schemas.microsoft.com/office/powerpoint/2010/main" val="2148568941"/>
+      </p:ext>
+    </p:extLst>
+  </p:cSld>
+  <p:clrMapOvr>
+    <a:masterClrMapping/>
+  </p:clrMapOvr>
+  <p:timing>
+    <p:tnLst>
+      <p:par>
+        <p:cTn id="1" dur="indefinite" restart="never" nodeType="tmRoot"/>
+      </p:par>
+    </p:tnLst>
+  </p:timing>
+</p:sld>
+</file>
+
+<file path=ppt/slides/slide61.xml><?xml version="1.0" encoding="utf-8"?>
+<p:sld xmlns:a="http://schemas.openxmlformats.org/drawingml/2006/main" xmlns:r="http://schemas.openxmlformats.org/officeDocument/2006/relationships" xmlns:p="http://schemas.openxmlformats.org/presentationml/2006/main">
+  <p:cSld>
+    <p:spTree>
+      <p:nvGrpSpPr>
+        <p:cNvPr id="1" name=""/>
+        <p:cNvGrpSpPr/>
+        <p:nvPr/>
+      </p:nvGrpSpPr>
+      <p:grpSpPr>
+        <a:xfrm>
+          <a:off x="0" y="0"/>
+          <a:ext cx="0" cy="0"/>
+          <a:chOff x="0" y="0"/>
+          <a:chExt cx="0" cy="0"/>
+        </a:xfrm>
+      </p:grpSpPr>
+      <p:sp>
+        <p:nvSpPr>
+          <p:cNvPr id="2" name="Title 1"/>
+          <p:cNvSpPr>
+            <a:spLocks noGrp="1"/>
+          </p:cNvSpPr>
+          <p:nvPr>
+            <p:ph type="title"/>
+          </p:nvPr>
+        </p:nvSpPr>
+        <p:spPr/>
+        <p:txBody>
+          <a:bodyPr>
+            <a:normAutofit fontScale="90000"/>
+          </a:bodyPr>
+          <a:lstStyle/>
+          <a:p>
+            <a:r>
+              <a:rPr lang="en-US" dirty="0" smtClean="0"/>
+              <a:t>Hash extension: Evil client -&gt; legit server</a:t>
+            </a:r>
+            <a:endParaRPr lang="en-US" dirty="0"/>
+          </a:p>
+        </p:txBody>
+      </p:sp>
+      <p:sp>
+        <p:nvSpPr>
+          <p:cNvPr id="3" name="Content Placeholder 2"/>
+          <p:cNvSpPr>
+            <a:spLocks noGrp="1"/>
+          </p:cNvSpPr>
+          <p:nvPr>
+            <p:ph idx="1"/>
+          </p:nvPr>
+        </p:nvSpPr>
+        <p:spPr/>
+        <p:txBody>
+          <a:bodyPr/>
+          <a:lstStyle/>
+          <a:p>
+            <a:r>
+              <a:rPr lang="en-US" dirty="0" smtClean="0"/>
+              <a:t>Eve then sends the following to the server:</a:t>
+            </a:r>
+          </a:p>
+          <a:p>
+            <a:endParaRPr lang="en-US" dirty="0" smtClean="0"/>
+          </a:p>
+          <a:p>
+            <a:pPr marL="400050" lvl="1" indent="0">
+              <a:buNone/>
+            </a:pPr>
+            <a:r>
+              <a:rPr lang="en-US" sz="2000" b="1" dirty="0" smtClean="0">
+                <a:latin typeface="Courier New" pitchFamily="49" charset="0"/>
+                <a:cs typeface="Courier New" pitchFamily="49" charset="0"/>
+              </a:rPr>
+              <a:t>“\xb8\x41\xc5\x17\x5b\</a:t>
+            </a:r>
+            <a:r>
+              <a:rPr lang="en-US" sz="2000" b="1" dirty="0" err="1" smtClean="0">
+                <a:latin typeface="Courier New" pitchFamily="49" charset="0"/>
+                <a:cs typeface="Courier New" pitchFamily="49" charset="0"/>
+              </a:rPr>
+              <a:t>xbc</a:t>
+            </a:r>
+            <a:r>
+              <a:rPr lang="en-US" sz="2000" b="1" dirty="0" smtClean="0">
+                <a:latin typeface="Courier New" pitchFamily="49" charset="0"/>
+                <a:cs typeface="Courier New" pitchFamily="49" charset="0"/>
+              </a:rPr>
+              <a:t>\xe2\x6b\x35\x3b” +</a:t>
+            </a:r>
+          </a:p>
+          <a:p>
+            <a:pPr marL="400050" lvl="1" indent="0">
+              <a:buNone/>
+            </a:pPr>
+            <a:r>
+              <a:rPr lang="en-US" sz="2000" b="1" dirty="0" smtClean="0">
+                <a:latin typeface="Courier New" pitchFamily="49" charset="0"/>
+                <a:cs typeface="Courier New" pitchFamily="49" charset="0"/>
+              </a:rPr>
+              <a:t>“\</a:t>
+            </a:r>
+            <a:r>
+              <a:rPr lang="en-US" sz="2000" b="1" dirty="0" err="1" smtClean="0">
+                <a:latin typeface="Courier New" pitchFamily="49" charset="0"/>
+                <a:cs typeface="Courier New" pitchFamily="49" charset="0"/>
+              </a:rPr>
+              <a:t>xcf</a:t>
+            </a:r>
+            <a:r>
+              <a:rPr lang="en-US" sz="2000" b="1" dirty="0" smtClean="0">
+                <a:latin typeface="Courier New" pitchFamily="49" charset="0"/>
+                <a:cs typeface="Courier New" pitchFamily="49" charset="0"/>
+              </a:rPr>
+              <a:t>\xe3\xd4\x7a\</a:t>
+            </a:r>
+            <a:r>
+              <a:rPr lang="en-US" sz="2000" b="1" dirty="0" err="1" smtClean="0">
+                <a:latin typeface="Courier New" pitchFamily="49" charset="0"/>
+                <a:cs typeface="Courier New" pitchFamily="49" charset="0"/>
+              </a:rPr>
+              <a:t>xce</a:t>
+            </a:r>
+            <a:r>
+              <a:rPr lang="en-US" sz="2000" b="1" dirty="0" smtClean="0">
+                <a:latin typeface="Courier New" pitchFamily="49" charset="0"/>
+                <a:cs typeface="Courier New" pitchFamily="49" charset="0"/>
+              </a:rPr>
+              <a:t>\</a:t>
+            </a:r>
+            <a:r>
+              <a:rPr lang="en-US" sz="2000" b="1" dirty="0" err="1" smtClean="0">
+                <a:latin typeface="Courier New" pitchFamily="49" charset="0"/>
+                <a:cs typeface="Courier New" pitchFamily="49" charset="0"/>
+              </a:rPr>
+              <a:t>xfa</a:t>
+            </a:r>
+            <a:r>
+              <a:rPr lang="en-US" sz="2000" b="1" dirty="0" smtClean="0">
+                <a:latin typeface="Courier New" pitchFamily="49" charset="0"/>
+                <a:cs typeface="Courier New" pitchFamily="49" charset="0"/>
+              </a:rPr>
+              <a:t>\xb1\</a:t>
+            </a:r>
+            <a:r>
+              <a:rPr lang="en-US" sz="2000" b="1" dirty="0" err="1" smtClean="0">
+                <a:latin typeface="Courier New" pitchFamily="49" charset="0"/>
+                <a:cs typeface="Courier New" pitchFamily="49" charset="0"/>
+              </a:rPr>
+              <a:t>xce</a:t>
+            </a:r>
+            <a:r>
+              <a:rPr lang="en-US" sz="2000" b="1" dirty="0" smtClean="0">
+                <a:latin typeface="Courier New" pitchFamily="49" charset="0"/>
+                <a:cs typeface="Courier New" pitchFamily="49" charset="0"/>
+              </a:rPr>
+              <a:t>\x26\xa1” +</a:t>
+            </a:r>
+            <a:br>
+              <a:rPr lang="en-US" sz="2000" b="1" dirty="0" smtClean="0">
+                <a:latin typeface="Courier New" pitchFamily="49" charset="0"/>
+                <a:cs typeface="Courier New" pitchFamily="49" charset="0"/>
+              </a:rPr>
+            </a:br>
+            <a:endParaRPr lang="en-US" sz="2000" b="1" dirty="0" smtClean="0">
+              <a:latin typeface="Courier New" pitchFamily="49" charset="0"/>
+              <a:cs typeface="Courier New" pitchFamily="49" charset="0"/>
+            </a:endParaRPr>
+          </a:p>
+          <a:p>
+            <a:pPr marL="400050" lvl="1" indent="0">
+              <a:buNone/>
+            </a:pPr>
+            <a:r>
+              <a:rPr lang="en-US" sz="2000" b="1" dirty="0" smtClean="0">
+                <a:latin typeface="Courier New" pitchFamily="49" charset="0"/>
+                <a:cs typeface="Courier New" pitchFamily="49" charset="0"/>
+              </a:rPr>
+              <a:t>“</a:t>
+            </a:r>
+            <a:r>
+              <a:rPr lang="en-US" sz="2000" b="1" dirty="0" err="1" smtClean="0">
+                <a:latin typeface="Courier New" pitchFamily="49" charset="0"/>
+                <a:cs typeface="Courier New" pitchFamily="49" charset="0"/>
+              </a:rPr>
+              <a:t>set_firstname</a:t>
+            </a:r>
+            <a:r>
+              <a:rPr lang="en-US" sz="2000" b="1" dirty="0" smtClean="0">
+                <a:latin typeface="Courier New" pitchFamily="49" charset="0"/>
+                <a:cs typeface="Courier New" pitchFamily="49" charset="0"/>
+              </a:rPr>
+              <a:t>=</a:t>
+            </a:r>
+            <a:r>
+              <a:rPr lang="en-US" sz="2000" b="1" dirty="0" err="1" smtClean="0">
+                <a:latin typeface="Courier New" pitchFamily="49" charset="0"/>
+                <a:cs typeface="Courier New" pitchFamily="49" charset="0"/>
+              </a:rPr>
+              <a:t>ron</a:t>
+            </a:r>
+            <a:r>
+              <a:rPr lang="en-US" sz="2000" b="1" dirty="0" smtClean="0">
+                <a:latin typeface="Courier New" pitchFamily="49" charset="0"/>
+                <a:cs typeface="Courier New" pitchFamily="49" charset="0"/>
+              </a:rPr>
+              <a:t>” +</a:t>
+            </a:r>
+            <a:br>
+              <a:rPr lang="en-US" sz="2000" b="1" dirty="0" smtClean="0">
+                <a:latin typeface="Courier New" pitchFamily="49" charset="0"/>
+                <a:cs typeface="Courier New" pitchFamily="49" charset="0"/>
+              </a:rPr>
+            </a:br>
+            <a:endParaRPr lang="en-US" sz="2000" b="1" dirty="0" smtClean="0">
+              <a:latin typeface="Courier New" pitchFamily="49" charset="0"/>
+              <a:cs typeface="Courier New" pitchFamily="49" charset="0"/>
+            </a:endParaRPr>
+          </a:p>
+          <a:p>
+            <a:pPr marL="400050" lvl="1" indent="0">
+              <a:buNone/>
+            </a:pPr>
+            <a:r>
+              <a:rPr lang="en-US" sz="2000" b="1" dirty="0" smtClean="0">
+                <a:latin typeface="Courier New" pitchFamily="49" charset="0"/>
+                <a:cs typeface="Courier New" pitchFamily="49" charset="0"/>
+              </a:rPr>
+              <a:t>“\x80</a:t>
+            </a:r>
+            <a:r>
+              <a:rPr lang="en-US" sz="2000" b="1" dirty="0">
+                <a:latin typeface="Courier New" pitchFamily="49" charset="0"/>
+                <a:cs typeface="Courier New" pitchFamily="49" charset="0"/>
+              </a:rPr>
+              <a:t>" + ("\x00" * 36) + "\</a:t>
+            </a:r>
+            <a:r>
+              <a:rPr lang="en-US" sz="2000" b="1" dirty="0" smtClean="0">
+                <a:latin typeface="Courier New" pitchFamily="49" charset="0"/>
+                <a:cs typeface="Courier New" pitchFamily="49" charset="0"/>
+              </a:rPr>
+              <a:t>xd0” +</a:t>
+            </a:r>
+            <a:br>
+              <a:rPr lang="en-US" sz="2000" b="1" dirty="0" smtClean="0">
+                <a:latin typeface="Courier New" pitchFamily="49" charset="0"/>
+                <a:cs typeface="Courier New" pitchFamily="49" charset="0"/>
+              </a:rPr>
+            </a:br>
+            <a:endParaRPr lang="en-US" sz="2000" b="1" dirty="0" smtClean="0">
+              <a:latin typeface="Courier New" pitchFamily="49" charset="0"/>
+              <a:cs typeface="Courier New" pitchFamily="49" charset="0"/>
+            </a:endParaRPr>
+          </a:p>
+          <a:p>
+            <a:pPr marL="400050" lvl="1" indent="0">
+              <a:buNone/>
+            </a:pPr>
+            <a:r>
+              <a:rPr lang="en-US" sz="2000" b="1" dirty="0" smtClean="0">
+                <a:latin typeface="Courier New" pitchFamily="49" charset="0"/>
+                <a:cs typeface="Courier New" pitchFamily="49" charset="0"/>
+              </a:rPr>
+              <a:t>“&amp;</a:t>
+            </a:r>
+            <a:r>
+              <a:rPr lang="en-US" sz="2000" b="1" dirty="0">
+                <a:latin typeface="Courier New" pitchFamily="49" charset="0"/>
+                <a:cs typeface="Courier New" pitchFamily="49" charset="0"/>
+              </a:rPr>
+              <a:t>deletemyaccount=1"</a:t>
+            </a:r>
+            <a:endParaRPr lang="en-US" sz="2000" b="1" dirty="0" smtClean="0">
+              <a:latin typeface="Courier New" pitchFamily="49" charset="0"/>
+              <a:cs typeface="Courier New" pitchFamily="49" charset="0"/>
+            </a:endParaRPr>
+          </a:p>
+          <a:p>
+            <a:endParaRPr lang="en-US" dirty="0"/>
+          </a:p>
+        </p:txBody>
+      </p:sp>
+      <p:sp>
+        <p:nvSpPr>
+          <p:cNvPr id="4" name="TextBox 3"/>
+          <p:cNvSpPr txBox="1"/>
+          <p:nvPr/>
+        </p:nvSpPr>
+        <p:spPr>
+          <a:xfrm>
+            <a:off x="7955466" y="2615502"/>
+            <a:ext cx="1219200" cy="923330"/>
+          </a:xfrm>
+          <a:prstGeom prst="rect">
+            <a:avLst/>
+          </a:prstGeom>
+          <a:noFill/>
+        </p:spPr>
+        <p:txBody>
+          <a:bodyPr wrap="square" rtlCol="0">
+            <a:spAutoFit/>
+          </a:bodyPr>
+          <a:lstStyle/>
+          <a:p>
+            <a:r>
+              <a:rPr lang="en-US" dirty="0" smtClean="0"/>
+              <a:t>The extended hash</a:t>
+            </a:r>
+            <a:endParaRPr lang="en-US" dirty="0"/>
+          </a:p>
+        </p:txBody>
+      </p:sp>
+      <p:sp>
+        <p:nvSpPr>
+          <p:cNvPr id="5" name="TextBox 4"/>
+          <p:cNvSpPr txBox="1"/>
+          <p:nvPr/>
+        </p:nvSpPr>
+        <p:spPr>
+          <a:xfrm>
+            <a:off x="7256656" y="3724867"/>
+            <a:ext cx="1905000" cy="372070"/>
+          </a:xfrm>
+          <a:prstGeom prst="rect">
+            <a:avLst/>
+          </a:prstGeom>
+          <a:noFill/>
+        </p:spPr>
+        <p:txBody>
+          <a:bodyPr wrap="square" rtlCol="0">
+            <a:spAutoFit/>
+          </a:bodyPr>
+          <a:lstStyle/>
+          <a:p>
+            <a:r>
+              <a:rPr lang="en-US" dirty="0" smtClean="0"/>
+              <a:t>The original data</a:t>
+            </a:r>
+            <a:endParaRPr lang="en-US" dirty="0"/>
+          </a:p>
+        </p:txBody>
+      </p:sp>
+      <p:sp>
+        <p:nvSpPr>
+          <p:cNvPr id="6" name="TextBox 5"/>
+          <p:cNvSpPr txBox="1"/>
+          <p:nvPr/>
+        </p:nvSpPr>
+        <p:spPr>
+          <a:xfrm>
+            <a:off x="6876586" y="4462371"/>
+            <a:ext cx="2209800" cy="369332"/>
+          </a:xfrm>
+          <a:prstGeom prst="rect">
+            <a:avLst/>
+          </a:prstGeom>
+          <a:noFill/>
+        </p:spPr>
+        <p:txBody>
+          <a:bodyPr wrap="square" rtlCol="0">
+            <a:spAutoFit/>
+          </a:bodyPr>
+          <a:lstStyle/>
+          <a:p>
+            <a:r>
+              <a:rPr lang="en-US" dirty="0" smtClean="0"/>
+              <a:t>The original padding</a:t>
+            </a:r>
+            <a:endParaRPr lang="en-US" dirty="0"/>
+          </a:p>
+        </p:txBody>
+      </p:sp>
+      <p:sp>
+        <p:nvSpPr>
+          <p:cNvPr id="7" name="TextBox 6"/>
+          <p:cNvSpPr txBox="1"/>
+          <p:nvPr/>
+        </p:nvSpPr>
+        <p:spPr>
+          <a:xfrm>
+            <a:off x="7498266" y="5097836"/>
+            <a:ext cx="2514600" cy="369332"/>
+          </a:xfrm>
+          <a:prstGeom prst="rect">
+            <a:avLst/>
+          </a:prstGeom>
+          <a:noFill/>
+        </p:spPr>
+        <p:txBody>
+          <a:bodyPr wrap="square" rtlCol="0">
+            <a:spAutoFit/>
+          </a:bodyPr>
+          <a:lstStyle/>
+          <a:p>
+            <a:r>
+              <a:rPr lang="en-US" dirty="0" smtClean="0"/>
+              <a:t>The new data</a:t>
+            </a:r>
+            <a:endParaRPr lang="en-US" dirty="0"/>
+          </a:p>
+        </p:txBody>
+      </p:sp>
+      <p:sp>
+        <p:nvSpPr>
+          <p:cNvPr id="8" name="Rectangle 7"/>
+          <p:cNvSpPr/>
+          <p:nvPr/>
+        </p:nvSpPr>
+        <p:spPr>
+          <a:xfrm>
+            <a:off x="945066" y="2615503"/>
+            <a:ext cx="8077200" cy="923330"/>
+          </a:xfrm>
+          <a:prstGeom prst="rect">
+            <a:avLst/>
+          </a:prstGeom>
+          <a:noFill/>
+        </p:spPr>
+        <p:style>
+          <a:lnRef idx="2">
+            <a:schemeClr val="dk1"/>
+          </a:lnRef>
+          <a:fillRef idx="1">
+            <a:schemeClr val="lt1"/>
+          </a:fillRef>
+          <a:effectRef idx="0">
+            <a:schemeClr val="dk1"/>
+          </a:effectRef>
+          <a:fontRef idx="minor">
+            <a:schemeClr val="dk1"/>
+          </a:fontRef>
+        </p:style>
+        <p:txBody>
+          <a:bodyPr rtlCol="0" anchor="ctr"/>
+          <a:lstStyle/>
+          <a:p>
+            <a:pPr algn="ctr"/>
+            <a:endParaRPr lang="en-US"/>
+          </a:p>
+        </p:txBody>
+      </p:sp>
+      <p:sp>
+        <p:nvSpPr>
+          <p:cNvPr id="9" name="Rectangle 8"/>
+          <p:cNvSpPr/>
+          <p:nvPr/>
+        </p:nvSpPr>
+        <p:spPr>
+          <a:xfrm>
+            <a:off x="945066" y="3520791"/>
+            <a:ext cx="8077200" cy="771111"/>
+          </a:xfrm>
+          <a:prstGeom prst="rect">
+            <a:avLst/>
+          </a:prstGeom>
+          <a:noFill/>
+        </p:spPr>
+        <p:style>
+          <a:lnRef idx="2">
+            <a:schemeClr val="dk1"/>
+          </a:lnRef>
+          <a:fillRef idx="1">
+            <a:schemeClr val="lt1"/>
+          </a:fillRef>
+          <a:effectRef idx="0">
+            <a:schemeClr val="dk1"/>
+          </a:effectRef>
+          <a:fontRef idx="minor">
+            <a:schemeClr val="dk1"/>
+          </a:fontRef>
+        </p:style>
+        <p:txBody>
+          <a:bodyPr rtlCol="0" anchor="ctr"/>
+          <a:lstStyle/>
+          <a:p>
+            <a:pPr algn="ctr"/>
+            <a:endParaRPr lang="en-US"/>
+          </a:p>
+        </p:txBody>
+      </p:sp>
+      <p:sp>
+        <p:nvSpPr>
+          <p:cNvPr id="10" name="Rectangle 9"/>
+          <p:cNvSpPr/>
+          <p:nvPr/>
+        </p:nvSpPr>
+        <p:spPr>
+          <a:xfrm>
+            <a:off x="945066" y="4291902"/>
+            <a:ext cx="8077200" cy="685800"/>
+          </a:xfrm>
+          <a:prstGeom prst="rect">
+            <a:avLst/>
+          </a:prstGeom>
+          <a:noFill/>
+        </p:spPr>
+        <p:style>
+          <a:lnRef idx="2">
+            <a:schemeClr val="dk1"/>
+          </a:lnRef>
+          <a:fillRef idx="1">
+            <a:schemeClr val="lt1"/>
+          </a:fillRef>
+          <a:effectRef idx="0">
+            <a:schemeClr val="dk1"/>
+          </a:effectRef>
+          <a:fontRef idx="minor">
+            <a:schemeClr val="dk1"/>
+          </a:fontRef>
+        </p:style>
+        <p:txBody>
+          <a:bodyPr rtlCol="0" anchor="ctr"/>
+          <a:lstStyle/>
+          <a:p>
+            <a:pPr algn="ctr"/>
+            <a:endParaRPr lang="en-US"/>
+          </a:p>
+        </p:txBody>
+      </p:sp>
+      <p:sp>
+        <p:nvSpPr>
+          <p:cNvPr id="11" name="Rectangle 10"/>
+          <p:cNvSpPr/>
+          <p:nvPr/>
+        </p:nvSpPr>
+        <p:spPr>
+          <a:xfrm>
+            <a:off x="945066" y="4977702"/>
+            <a:ext cx="8077200" cy="609600"/>
+          </a:xfrm>
+          <a:prstGeom prst="rect">
+            <a:avLst/>
+          </a:prstGeom>
+          <a:noFill/>
+        </p:spPr>
+        <p:style>
+          <a:lnRef idx="2">
+            <a:schemeClr val="dk1"/>
+          </a:lnRef>
+          <a:fillRef idx="1">
+            <a:schemeClr val="lt1"/>
+          </a:fillRef>
+          <a:effectRef idx="0">
+            <a:schemeClr val="dk1"/>
+          </a:effectRef>
+          <a:fontRef idx="minor">
+            <a:schemeClr val="dk1"/>
+          </a:fontRef>
+        </p:style>
+        <p:txBody>
+          <a:bodyPr rtlCol="0" anchor="ctr"/>
+          <a:lstStyle/>
+          <a:p>
+            <a:pPr algn="ctr"/>
+            <a:endParaRPr lang="en-US"/>
+          </a:p>
+        </p:txBody>
+      </p:sp>
+    </p:spTree>
+    <p:extLst>
+      <p:ext uri="{BB962C8B-B14F-4D97-AF65-F5344CB8AC3E}">
+        <p14:creationId xmlns:p14="http://schemas.microsoft.com/office/powerpoint/2010/main" val="4173044464"/>
+      </p:ext>
+    </p:extLst>
+  </p:cSld>
+  <p:clrMapOvr>
+    <a:masterClrMapping/>
+  </p:clrMapOvr>
+  <p:timing>
+    <p:tnLst>
+      <p:par>
+        <p:cTn id="1" dur="indefinite" restart="never" nodeType="tmRoot"/>
+      </p:par>
+    </p:tnLst>
+  </p:timing>
+</p:sld>
+</file>
+
+<file path=ppt/slides/slide62.xml><?xml version="1.0" encoding="utf-8"?>
+<p:sld xmlns:a="http://schemas.openxmlformats.org/drawingml/2006/main" xmlns:r="http://schemas.openxmlformats.org/officeDocument/2006/relationships" xmlns:p="http://schemas.openxmlformats.org/presentationml/2006/main">
+  <p:cSld>
+    <p:spTree>
+      <p:nvGrpSpPr>
+        <p:cNvPr id="1" name=""/>
+        <p:cNvGrpSpPr/>
+        <p:nvPr/>
+      </p:nvGrpSpPr>
+      <p:grpSpPr>
+        <a:xfrm>
+          <a:off x="0" y="0"/>
+          <a:ext cx="0" cy="0"/>
+          <a:chOff x="0" y="0"/>
+          <a:chExt cx="0" cy="0"/>
+        </a:xfrm>
+      </p:grpSpPr>
+      <p:sp>
+        <p:nvSpPr>
+          <p:cNvPr id="2" name="Title 1"/>
+          <p:cNvSpPr>
+            <a:spLocks noGrp="1"/>
+          </p:cNvSpPr>
+          <p:nvPr>
+            <p:ph type="title"/>
+          </p:nvPr>
+        </p:nvSpPr>
+        <p:spPr/>
+        <p:txBody>
+          <a:bodyPr/>
+          <a:lstStyle/>
+          <a:p>
+            <a:r>
+              <a:rPr lang="en-US" dirty="0" smtClean="0"/>
+              <a:t>Hash extension: Legit server</a:t>
+            </a:r>
+            <a:endParaRPr lang="en-US" dirty="0"/>
+          </a:p>
+        </p:txBody>
+      </p:sp>
+      <p:sp>
+        <p:nvSpPr>
+          <p:cNvPr id="3" name="Content Placeholder 2"/>
+          <p:cNvSpPr>
+            <a:spLocks noGrp="1"/>
+          </p:cNvSpPr>
+          <p:nvPr>
+            <p:ph idx="1"/>
+          </p:nvPr>
+        </p:nvSpPr>
+        <p:spPr/>
+        <p:txBody>
+          <a:bodyPr>
+            <a:normAutofit fontScale="92500" lnSpcReduction="20000"/>
+          </a:bodyPr>
+          <a:lstStyle/>
+          <a:p>
+            <a:r>
+              <a:rPr lang="en-US" dirty="0" smtClean="0"/>
+              <a:t>The legit server prepends the secret key to the data Eve sent, and calculates:</a:t>
+            </a:r>
+          </a:p>
+          <a:p>
+            <a:endParaRPr lang="en-US" dirty="0" smtClean="0"/>
+          </a:p>
+          <a:p>
+            <a:endParaRPr lang="en-US" dirty="0"/>
+          </a:p>
+          <a:p>
+            <a:endParaRPr lang="en-US" dirty="0" smtClean="0"/>
+          </a:p>
+          <a:p>
+            <a:endParaRPr lang="en-US" dirty="0" smtClean="0"/>
+          </a:p>
+          <a:p>
+            <a:endParaRPr lang="en-US" dirty="0"/>
+          </a:p>
+          <a:p>
+            <a:r>
+              <a:rPr lang="en-US" dirty="0" smtClean="0"/>
+              <a:t>This can easily be proven in Ruby’s </a:t>
+            </a:r>
+            <a:r>
+              <a:rPr lang="en-US" dirty="0" err="1" smtClean="0"/>
+              <a:t>irb</a:t>
+            </a:r>
+            <a:r>
+              <a:rPr lang="en-US" dirty="0" smtClean="0"/>
+              <a:t>:</a:t>
+            </a:r>
+          </a:p>
+          <a:p>
+            <a:pPr marL="0" indent="0">
+              <a:buNone/>
+            </a:pPr>
+            <a:r>
+              <a:rPr lang="en-US" sz="1500" b="1" dirty="0" smtClean="0">
+                <a:latin typeface="Courier New" pitchFamily="49" charset="0"/>
+                <a:cs typeface="Courier New" pitchFamily="49" charset="0"/>
+              </a:rPr>
+              <a:t>	Digest</a:t>
+            </a:r>
+            <a:r>
+              <a:rPr lang="en-US" sz="1500" b="1" dirty="0">
+                <a:latin typeface="Courier New" pitchFamily="49" charset="0"/>
+                <a:cs typeface="Courier New" pitchFamily="49" charset="0"/>
+              </a:rPr>
+              <a:t>::SHA1.hexdigest("</a:t>
+            </a:r>
+            <a:r>
+              <a:rPr lang="en-US" sz="1500" b="1" dirty="0" err="1">
+                <a:latin typeface="Courier New" pitchFamily="49" charset="0"/>
+                <a:cs typeface="Courier New" pitchFamily="49" charset="0"/>
+              </a:rPr>
+              <a:t>secretkeyset_firstname</a:t>
+            </a:r>
+            <a:r>
+              <a:rPr lang="en-US" sz="1500" b="1" dirty="0">
+                <a:latin typeface="Courier New" pitchFamily="49" charset="0"/>
+                <a:cs typeface="Courier New" pitchFamily="49" charset="0"/>
+              </a:rPr>
+              <a:t>=</a:t>
+            </a:r>
+            <a:r>
+              <a:rPr lang="en-US" sz="1500" b="1" dirty="0" err="1">
+                <a:latin typeface="Courier New" pitchFamily="49" charset="0"/>
+                <a:cs typeface="Courier New" pitchFamily="49" charset="0"/>
+              </a:rPr>
+              <a:t>ron</a:t>
+            </a:r>
+            <a:r>
+              <a:rPr lang="en-US" sz="1500" b="1" dirty="0">
+                <a:latin typeface="Courier New" pitchFamily="49" charset="0"/>
+                <a:cs typeface="Courier New" pitchFamily="49" charset="0"/>
+              </a:rPr>
+              <a:t>\x80" + </a:t>
+            </a:r>
+            <a:r>
+              <a:rPr lang="en-US" sz="1500" b="1" dirty="0" smtClean="0">
+                <a:latin typeface="Courier New" pitchFamily="49" charset="0"/>
+                <a:cs typeface="Courier New" pitchFamily="49" charset="0"/>
+              </a:rPr>
+              <a:t/>
+            </a:r>
+            <a:br>
+              <a:rPr lang="en-US" sz="1500" b="1" dirty="0" smtClean="0">
+                <a:latin typeface="Courier New" pitchFamily="49" charset="0"/>
+                <a:cs typeface="Courier New" pitchFamily="49" charset="0"/>
+              </a:rPr>
+            </a:br>
+            <a:r>
+              <a:rPr lang="en-US" sz="1500" b="1" dirty="0" smtClean="0">
+                <a:latin typeface="Courier New" pitchFamily="49" charset="0"/>
+                <a:cs typeface="Courier New" pitchFamily="49" charset="0"/>
+              </a:rPr>
+              <a:t>		("\</a:t>
+            </a:r>
+            <a:r>
+              <a:rPr lang="en-US" sz="1500" b="1" dirty="0">
+                <a:latin typeface="Courier New" pitchFamily="49" charset="0"/>
+                <a:cs typeface="Courier New" pitchFamily="49" charset="0"/>
+              </a:rPr>
+              <a:t>x00" * 36) + "\xd0&amp;deletemyaccount=1</a:t>
+            </a:r>
+            <a:r>
+              <a:rPr lang="en-US" sz="1500" b="1" dirty="0" smtClean="0">
+                <a:latin typeface="Courier New" pitchFamily="49" charset="0"/>
+                <a:cs typeface="Courier New" pitchFamily="49" charset="0"/>
+              </a:rPr>
+              <a:t>")</a:t>
+            </a:r>
+          </a:p>
+          <a:p>
+            <a:pPr marL="0" indent="0">
+              <a:buNone/>
+            </a:pPr>
+            <a:endParaRPr lang="en-US" sz="1500" b="1" dirty="0">
+              <a:latin typeface="Courier New" pitchFamily="49" charset="0"/>
+              <a:cs typeface="Courier New" pitchFamily="49" charset="0"/>
+            </a:endParaRPr>
+          </a:p>
+          <a:p>
+            <a:pPr marL="0" indent="0">
+              <a:buNone/>
+            </a:pPr>
+            <a:r>
+              <a:rPr lang="en-US" sz="1500" b="1" dirty="0">
+                <a:latin typeface="Courier New" pitchFamily="49" charset="0"/>
+                <a:cs typeface="Courier New" pitchFamily="49" charset="0"/>
+              </a:rPr>
+              <a:t>	</a:t>
+            </a:r>
+            <a:r>
+              <a:rPr lang="en-US" sz="1700" b="1" dirty="0" smtClean="0">
+                <a:latin typeface="Courier New" pitchFamily="49" charset="0"/>
+                <a:cs typeface="Courier New" pitchFamily="49" charset="0"/>
+              </a:rPr>
+              <a:t>=&gt; </a:t>
+            </a:r>
+            <a:r>
+              <a:rPr lang="en-US" sz="1700" b="1" dirty="0">
+                <a:latin typeface="Courier New" pitchFamily="49" charset="0"/>
+                <a:cs typeface="Courier New" pitchFamily="49" charset="0"/>
+              </a:rPr>
+              <a:t>"b841c5175bbce26b353bcfe3d47acefab1ce26a1"</a:t>
+            </a:r>
+          </a:p>
+          <a:p>
+            <a:endParaRPr lang="en-US" dirty="0"/>
+          </a:p>
+        </p:txBody>
+      </p:sp>
+      <p:sp>
+        <p:nvSpPr>
+          <p:cNvPr id="4" name="TextBox 3"/>
+          <p:cNvSpPr txBox="1"/>
+          <p:nvPr/>
+        </p:nvSpPr>
+        <p:spPr>
+          <a:xfrm>
+            <a:off x="1120698" y="2603073"/>
+            <a:ext cx="5943600" cy="261610"/>
+          </a:xfrm>
+          <a:prstGeom prst="rect">
+            <a:avLst/>
+          </a:prstGeom>
+        </p:spPr>
+        <p:style>
+          <a:lnRef idx="2">
+            <a:schemeClr val="dk1"/>
+          </a:lnRef>
+          <a:fillRef idx="1">
+            <a:schemeClr val="lt1"/>
+          </a:fillRef>
+          <a:effectRef idx="0">
+            <a:schemeClr val="dk1"/>
+          </a:effectRef>
+          <a:fontRef idx="minor">
+            <a:schemeClr val="dk1"/>
+          </a:fontRef>
+        </p:style>
+        <p:txBody>
+          <a:bodyPr wrap="square" rtlCol="0">
+            <a:spAutoFit/>
+          </a:bodyPr>
+          <a:lstStyle/>
+          <a:p>
+            <a:pPr algn="ctr"/>
+            <a:r>
+              <a:rPr lang="en-US" sz="1100" b="1" dirty="0" err="1" smtClean="0">
+                <a:latin typeface="Courier New" pitchFamily="49" charset="0"/>
+                <a:cs typeface="Courier New" pitchFamily="49" charset="0"/>
+              </a:rPr>
+              <a:t>secretkeyset_firstname</a:t>
+            </a:r>
+            <a:r>
+              <a:rPr lang="en-US" sz="1100" b="1" dirty="0" smtClean="0">
+                <a:latin typeface="Courier New" pitchFamily="49" charset="0"/>
+                <a:cs typeface="Courier New" pitchFamily="49" charset="0"/>
+              </a:rPr>
+              <a:t>=</a:t>
+            </a:r>
+            <a:r>
+              <a:rPr lang="en-US" sz="1100" b="1" dirty="0" err="1" smtClean="0">
+                <a:latin typeface="Courier New" pitchFamily="49" charset="0"/>
+                <a:cs typeface="Courier New" pitchFamily="49" charset="0"/>
+              </a:rPr>
+              <a:t>ron</a:t>
+            </a:r>
+            <a:r>
+              <a:rPr lang="en-US" sz="1100" b="1" dirty="0" smtClean="0">
+                <a:latin typeface="Courier New" pitchFamily="49" charset="0"/>
+                <a:cs typeface="Courier New" pitchFamily="49" charset="0"/>
+              </a:rPr>
+              <a:t>\x80\0\0\0\0\0\0\0\0\0\0...\0\0\0\0\0\xd0</a:t>
+            </a:r>
+            <a:endParaRPr lang="en-US" sz="1100" b="1" dirty="0">
+              <a:latin typeface="Courier New" pitchFamily="49" charset="0"/>
+              <a:cs typeface="Courier New" pitchFamily="49" charset="0"/>
+            </a:endParaRPr>
+          </a:p>
+        </p:txBody>
+      </p:sp>
+      <p:sp>
+        <p:nvSpPr>
+          <p:cNvPr id="5" name="TextBox 4"/>
+          <p:cNvSpPr txBox="1"/>
+          <p:nvPr/>
+        </p:nvSpPr>
+        <p:spPr>
+          <a:xfrm>
+            <a:off x="1120698" y="3343478"/>
+            <a:ext cx="5943600" cy="261610"/>
+          </a:xfrm>
+          <a:prstGeom prst="rect">
+            <a:avLst/>
+          </a:prstGeom>
+        </p:spPr>
+        <p:style>
+          <a:lnRef idx="2">
+            <a:schemeClr val="dk1"/>
+          </a:lnRef>
+          <a:fillRef idx="1">
+            <a:schemeClr val="lt1"/>
+          </a:fillRef>
+          <a:effectRef idx="0">
+            <a:schemeClr val="dk1"/>
+          </a:effectRef>
+          <a:fontRef idx="minor">
+            <a:schemeClr val="dk1"/>
+          </a:fontRef>
+        </p:style>
+        <p:txBody>
+          <a:bodyPr wrap="square" rtlCol="0">
+            <a:spAutoFit/>
+          </a:bodyPr>
+          <a:lstStyle/>
+          <a:p>
+            <a:pPr algn="ctr"/>
+            <a:r>
+              <a:rPr lang="en-US" sz="1100" b="1" dirty="0" smtClean="0">
+                <a:latin typeface="Courier New" pitchFamily="49" charset="0"/>
+                <a:cs typeface="Courier New" pitchFamily="49" charset="0"/>
+              </a:rPr>
+              <a:t>“&amp;</a:t>
+            </a:r>
+            <a:r>
+              <a:rPr lang="en-US" sz="1100" b="1" dirty="0" err="1" smtClean="0">
+                <a:latin typeface="Courier New" pitchFamily="49" charset="0"/>
+                <a:cs typeface="Courier New" pitchFamily="49" charset="0"/>
+              </a:rPr>
+              <a:t>deletemyaccount</a:t>
+            </a:r>
+            <a:r>
+              <a:rPr lang="en-US" sz="1100" b="1" dirty="0" smtClean="0">
+                <a:latin typeface="Courier New" pitchFamily="49" charset="0"/>
+                <a:cs typeface="Courier New" pitchFamily="49" charset="0"/>
+              </a:rPr>
+              <a:t>=1“ (+ implicit padding)</a:t>
+            </a:r>
+            <a:endParaRPr lang="en-US" sz="1100" b="1" dirty="0">
+              <a:latin typeface="Courier New" pitchFamily="49" charset="0"/>
+              <a:cs typeface="Courier New" pitchFamily="49" charset="0"/>
+            </a:endParaRPr>
+          </a:p>
+        </p:txBody>
+      </p:sp>
+      <p:cxnSp>
+        <p:nvCxnSpPr>
+          <p:cNvPr id="6" name="Straight Arrow Connector 5"/>
+          <p:cNvCxnSpPr>
+            <a:stCxn id="4" idx="2"/>
+            <a:endCxn id="5" idx="0"/>
+          </p:cNvCxnSpPr>
+          <p:nvPr/>
+        </p:nvCxnSpPr>
+        <p:spPr>
+          <a:xfrm>
+            <a:off x="4092498" y="2864683"/>
+            <a:ext cx="0" cy="478795"/>
+          </a:xfrm>
+          <a:prstGeom prst="straightConnector1">
+            <a:avLst/>
+          </a:prstGeom>
+          <a:ln w="47625">
+            <a:tailEnd type="arrow"/>
+          </a:ln>
+        </p:spPr>
+        <p:style>
+          <a:lnRef idx="1">
+            <a:schemeClr val="accent1"/>
+          </a:lnRef>
+          <a:fillRef idx="0">
+            <a:schemeClr val="accent1"/>
+          </a:fillRef>
+          <a:effectRef idx="0">
+            <a:schemeClr val="accent1"/>
+          </a:effectRef>
+          <a:fontRef idx="minor">
+            <a:schemeClr val="tx1"/>
+          </a:fontRef>
+        </p:style>
+      </p:cxnSp>
+      <p:sp>
+        <p:nvSpPr>
+          <p:cNvPr id="7" name="TextBox 6"/>
+          <p:cNvSpPr txBox="1"/>
+          <p:nvPr/>
+        </p:nvSpPr>
+        <p:spPr>
+          <a:xfrm>
+            <a:off x="4099932" y="2879697"/>
+            <a:ext cx="4296937" cy="276999"/>
+          </a:xfrm>
+          <a:prstGeom prst="rect">
+            <a:avLst/>
+          </a:prstGeom>
+          <a:noFill/>
+        </p:spPr>
+        <p:txBody>
+          <a:bodyPr wrap="square" rtlCol="0">
+            <a:spAutoFit/>
+          </a:bodyPr>
+          <a:lstStyle/>
+          <a:p>
+            <a:r>
+              <a:rPr lang="es-ES" sz="1200" b="1" dirty="0" smtClean="0">
+                <a:solidFill>
+                  <a:schemeClr val="tx2">
+                    <a:lumMod val="60000"/>
+                    <a:lumOff val="40000"/>
+                  </a:schemeClr>
+                </a:solidFill>
+                <a:latin typeface="Courier New" pitchFamily="49" charset="0"/>
+                <a:cs typeface="Courier New" pitchFamily="49" charset="0"/>
+              </a:rPr>
+              <a:t>5e8a886a 5f9ca977 421ae067 cc5655b7 f347974d</a:t>
+            </a:r>
+            <a:endParaRPr lang="en-US" sz="1200" b="1" dirty="0">
+              <a:solidFill>
+                <a:schemeClr val="tx2">
+                  <a:lumMod val="60000"/>
+                  <a:lumOff val="40000"/>
+                </a:schemeClr>
+              </a:solidFill>
+              <a:latin typeface="Courier New" pitchFamily="49" charset="0"/>
+              <a:cs typeface="Courier New" pitchFamily="49" charset="0"/>
+            </a:endParaRPr>
+          </a:p>
+        </p:txBody>
+      </p:sp>
+      <p:sp>
+        <p:nvSpPr>
+          <p:cNvPr id="8" name="TextBox 7"/>
+          <p:cNvSpPr txBox="1"/>
+          <p:nvPr/>
+        </p:nvSpPr>
+        <p:spPr>
+          <a:xfrm>
+            <a:off x="1273098" y="4156602"/>
+            <a:ext cx="5791200" cy="338554"/>
+          </a:xfrm>
+          <a:prstGeom prst="rect">
+            <a:avLst/>
+          </a:prstGeom>
+          <a:noFill/>
+        </p:spPr>
+        <p:txBody>
+          <a:bodyPr wrap="square" rtlCol="0">
+            <a:spAutoFit/>
+          </a:bodyPr>
+          <a:lstStyle/>
+          <a:p>
+            <a:r>
+              <a:rPr lang="it-IT" sz="1600" b="1" dirty="0" smtClean="0">
+                <a:solidFill>
+                  <a:schemeClr val="tx2">
+                    <a:lumMod val="60000"/>
+                    <a:lumOff val="40000"/>
+                  </a:schemeClr>
+                </a:solidFill>
+                <a:latin typeface="Courier New" pitchFamily="49" charset="0"/>
+                <a:cs typeface="Courier New" pitchFamily="49" charset="0"/>
+              </a:rPr>
+              <a:t>b841c517 5bbce26b 353bcfe3 d47acefa b1ce26a1</a:t>
+            </a:r>
+            <a:endParaRPr lang="en-US" sz="1600" b="1" dirty="0">
+              <a:solidFill>
+                <a:schemeClr val="tx2">
+                  <a:lumMod val="60000"/>
+                  <a:lumOff val="40000"/>
+                </a:schemeClr>
+              </a:solidFill>
+              <a:latin typeface="Courier New" pitchFamily="49" charset="0"/>
+              <a:cs typeface="Courier New" pitchFamily="49" charset="0"/>
+            </a:endParaRPr>
+          </a:p>
+        </p:txBody>
+      </p:sp>
+      <p:cxnSp>
+        <p:nvCxnSpPr>
+          <p:cNvPr id="9" name="Straight Arrow Connector 8"/>
+          <p:cNvCxnSpPr/>
+          <p:nvPr/>
+        </p:nvCxnSpPr>
+        <p:spPr>
+          <a:xfrm>
+            <a:off x="4075771" y="3642689"/>
+            <a:ext cx="0" cy="478795"/>
+          </a:xfrm>
+          <a:prstGeom prst="straightConnector1">
+            <a:avLst/>
+          </a:prstGeom>
+          <a:ln w="47625">
+            <a:tailEnd type="arrow"/>
+          </a:ln>
+        </p:spPr>
+        <p:style>
+          <a:lnRef idx="1">
+            <a:schemeClr val="accent1"/>
+          </a:lnRef>
+          <a:fillRef idx="0">
+            <a:schemeClr val="accent1"/>
+          </a:fillRef>
+          <a:effectRef idx="0">
+            <a:schemeClr val="accent1"/>
+          </a:effectRef>
+          <a:fontRef idx="minor">
+            <a:schemeClr val="tx1"/>
+          </a:fontRef>
+        </p:style>
+      </p:cxnSp>
+    </p:spTree>
+    <p:extLst>
+      <p:ext uri="{BB962C8B-B14F-4D97-AF65-F5344CB8AC3E}">
+        <p14:creationId xmlns:p14="http://schemas.microsoft.com/office/powerpoint/2010/main" val="2613783519"/>
+      </p:ext>
+    </p:extLst>
+  </p:cSld>
+  <p:clrMapOvr>
+    <a:masterClrMapping/>
+  </p:clrMapOvr>
+  <p:timing>
+    <p:tnLst>
+      <p:par>
+        <p:cTn id="1" dur="indefinite" restart="never" nodeType="tmRoot"/>
+      </p:par>
+    </p:tnLst>
+  </p:timing>
+</p:sld>
+</file>
+
+<file path=ppt/slides/slide63.xml><?xml version="1.0" encoding="utf-8"?>
+<p:sld xmlns:a="http://schemas.openxmlformats.org/drawingml/2006/main" xmlns:r="http://schemas.openxmlformats.org/officeDocument/2006/relationships" xmlns:p="http://schemas.openxmlformats.org/presentationml/2006/main">
+  <p:cSld>
+    <p:spTree>
+      <p:nvGrpSpPr>
+        <p:cNvPr id="1" name=""/>
+        <p:cNvGrpSpPr/>
+        <p:nvPr/>
+      </p:nvGrpSpPr>
+      <p:grpSpPr>
+        <a:xfrm>
+          <a:off x="0" y="0"/>
+          <a:ext cx="0" cy="0"/>
+          <a:chOff x="0" y="0"/>
+          <a:chExt cx="0" cy="0"/>
+        </a:xfrm>
+      </p:grpSpPr>
+      <p:sp>
+        <p:nvSpPr>
+          <p:cNvPr id="2" name="Title 1"/>
+          <p:cNvSpPr>
+            <a:spLocks noGrp="1"/>
+          </p:cNvSpPr>
+          <p:nvPr>
+            <p:ph type="title"/>
+          </p:nvPr>
+        </p:nvSpPr>
+        <p:spPr/>
+        <p:txBody>
+          <a:bodyPr/>
+          <a:lstStyle/>
+          <a:p>
+            <a:r>
+              <a:rPr lang="en-US" dirty="0" smtClean="0"/>
+              <a:t>Hash extension: A tool!</a:t>
+            </a:r>
+            <a:endParaRPr lang="en-US" dirty="0"/>
+          </a:p>
+        </p:txBody>
+      </p:sp>
+      <p:sp>
+        <p:nvSpPr>
+          <p:cNvPr id="3" name="Content Placeholder 2"/>
+          <p:cNvSpPr>
+            <a:spLocks noGrp="1"/>
+          </p:cNvSpPr>
+          <p:nvPr>
+            <p:ph idx="1"/>
+          </p:nvPr>
+        </p:nvSpPr>
+        <p:spPr/>
+        <p:txBody>
+          <a:bodyPr>
+            <a:normAutofit fontScale="55000" lnSpcReduction="20000"/>
+          </a:bodyPr>
+          <a:lstStyle/>
+          <a:p>
+            <a:r>
+              <a:rPr lang="en-US" dirty="0" smtClean="0"/>
+              <a:t>It’s amazingly difficult to write these attacks by hand</a:t>
+            </a:r>
+          </a:p>
+          <a:p>
+            <a:pPr lvl="1"/>
+            <a:r>
+              <a:rPr lang="en-US" dirty="0" smtClean="0"/>
+              <a:t>I never fail to mess up the number of zeroes, or forget to convert the length to bits, or screw up </a:t>
+            </a:r>
+            <a:r>
+              <a:rPr lang="en-US" dirty="0" err="1" smtClean="0"/>
+              <a:t>endianness</a:t>
+            </a:r>
+            <a:endParaRPr lang="en-US" dirty="0"/>
+          </a:p>
+          <a:p>
+            <a:r>
+              <a:rPr lang="en-US" dirty="0" smtClean="0"/>
+              <a:t>Luckily, you don’t have to! I wrote </a:t>
+            </a:r>
+            <a:r>
+              <a:rPr lang="en-US" dirty="0" err="1" smtClean="0"/>
+              <a:t>hash_extender</a:t>
+            </a:r>
+            <a:r>
+              <a:rPr lang="en-US" dirty="0" smtClean="0"/>
+              <a:t> to take care of that</a:t>
+            </a:r>
+          </a:p>
+          <a:p>
+            <a:r>
+              <a:rPr lang="en-US" dirty="0" err="1" smtClean="0"/>
+              <a:t>hash_extender</a:t>
+            </a:r>
+            <a:r>
+              <a:rPr lang="en-US" dirty="0" smtClean="0"/>
+              <a:t> supports the following hashes:</a:t>
+            </a:r>
+          </a:p>
+          <a:p>
+            <a:pPr lvl="1"/>
+            <a:r>
+              <a:rPr lang="en-US" dirty="0" smtClean="0"/>
+              <a:t>md4</a:t>
+            </a:r>
+          </a:p>
+          <a:p>
+            <a:pPr lvl="1"/>
+            <a:r>
+              <a:rPr lang="en-US" dirty="0" smtClean="0"/>
+              <a:t>md5</a:t>
+            </a:r>
+          </a:p>
+          <a:p>
+            <a:pPr lvl="1"/>
+            <a:r>
+              <a:rPr lang="en-US" dirty="0" smtClean="0"/>
+              <a:t>ripemd160</a:t>
+            </a:r>
+          </a:p>
+          <a:p>
+            <a:pPr lvl="1"/>
+            <a:r>
+              <a:rPr lang="en-US" dirty="0" err="1" smtClean="0"/>
+              <a:t>sha</a:t>
+            </a:r>
+            <a:endParaRPr lang="en-US" dirty="0" smtClean="0"/>
+          </a:p>
+          <a:p>
+            <a:pPr lvl="1"/>
+            <a:r>
+              <a:rPr lang="en-US" dirty="0" smtClean="0"/>
+              <a:t>sha1</a:t>
+            </a:r>
+          </a:p>
+          <a:p>
+            <a:pPr lvl="1"/>
+            <a:r>
+              <a:rPr lang="en-US" dirty="0" smtClean="0"/>
+              <a:t>sha256</a:t>
+            </a:r>
+          </a:p>
+          <a:p>
+            <a:pPr lvl="1"/>
+            <a:r>
+              <a:rPr lang="en-US" dirty="0" smtClean="0"/>
+              <a:t>sha512</a:t>
+            </a:r>
+          </a:p>
+          <a:p>
+            <a:pPr lvl="1"/>
+            <a:r>
+              <a:rPr lang="en-US" dirty="0" smtClean="0"/>
+              <a:t>Whirlpool</a:t>
+            </a:r>
+          </a:p>
+          <a:p>
+            <a:r>
+              <a:rPr lang="en-US" dirty="0" smtClean="0"/>
+              <a:t>The following hash types are more difficult or impossible to extend:</a:t>
+            </a:r>
+          </a:p>
+          <a:p>
+            <a:pPr lvl="1"/>
+            <a:r>
+              <a:rPr lang="en-US" dirty="0"/>
+              <a:t>s</a:t>
+            </a:r>
+            <a:r>
+              <a:rPr lang="en-US" dirty="0" smtClean="0"/>
+              <a:t>ha224</a:t>
+            </a:r>
+          </a:p>
+          <a:p>
+            <a:pPr lvl="1"/>
+            <a:r>
+              <a:rPr lang="en-US" dirty="0"/>
+              <a:t>s</a:t>
+            </a:r>
+            <a:r>
+              <a:rPr lang="en-US" dirty="0" smtClean="0"/>
+              <a:t>ha384</a:t>
+            </a:r>
+          </a:p>
+          <a:p>
+            <a:pPr lvl="1"/>
+            <a:r>
+              <a:rPr lang="en-US" dirty="0"/>
+              <a:t>s</a:t>
+            </a:r>
+            <a:r>
+              <a:rPr lang="en-US" dirty="0" smtClean="0"/>
+              <a:t>ha-3</a:t>
+            </a:r>
+            <a:endParaRPr lang="en-US" dirty="0"/>
+          </a:p>
+        </p:txBody>
+      </p:sp>
+    </p:spTree>
+    <p:extLst>
+      <p:ext uri="{BB962C8B-B14F-4D97-AF65-F5344CB8AC3E}">
+        <p14:creationId xmlns:p14="http://schemas.microsoft.com/office/powerpoint/2010/main" val="816536803"/>
+      </p:ext>
+    </p:extLst>
+  </p:cSld>
+  <p:clrMapOvr>
+    <a:masterClrMapping/>
+  </p:clrMapOvr>
+  <p:timing>
+    <p:tnLst>
+      <p:par>
+        <p:cTn id="1" dur="indefinite" restart="never" nodeType="tmRoot"/>
+      </p:par>
+    </p:tnLst>
+  </p:timing>
+</p:sld>
+</file>
+
+<file path=ppt/slides/slide64.xml><?xml version="1.0" encoding="utf-8"?>
+<p:sld xmlns:a="http://schemas.openxmlformats.org/drawingml/2006/main" xmlns:r="http://schemas.openxmlformats.org/officeDocument/2006/relationships" xmlns:p="http://schemas.openxmlformats.org/presentationml/2006/main">
+  <p:cSld>
+    <p:spTree>
+      <p:nvGrpSpPr>
+        <p:cNvPr id="1" name=""/>
+        <p:cNvGrpSpPr/>
+        <p:nvPr/>
+      </p:nvGrpSpPr>
+      <p:grpSpPr>
+        <a:xfrm>
+          <a:off x="0" y="0"/>
+          <a:ext cx="0" cy="0"/>
+          <a:chOff x="0" y="0"/>
+          <a:chExt cx="0" cy="0"/>
+        </a:xfrm>
+      </p:grpSpPr>
+      <p:sp>
+        <p:nvSpPr>
+          <p:cNvPr id="2" name="Title 1"/>
+          <p:cNvSpPr>
+            <a:spLocks noGrp="1"/>
+          </p:cNvSpPr>
+          <p:nvPr>
+            <p:ph type="title"/>
+          </p:nvPr>
+        </p:nvSpPr>
+        <p:spPr/>
+        <p:txBody>
+          <a:bodyPr/>
+          <a:lstStyle/>
+          <a:p>
+            <a:r>
+              <a:rPr lang="en-US" dirty="0" err="1" smtClean="0"/>
+              <a:t>hash_extender</a:t>
+            </a:r>
+            <a:r>
+              <a:rPr lang="en-US" dirty="0" smtClean="0"/>
+              <a:t> in action</a:t>
+            </a:r>
+            <a:endParaRPr lang="en-US" dirty="0"/>
+          </a:p>
+        </p:txBody>
+      </p:sp>
+      <p:sp>
+        <p:nvSpPr>
+          <p:cNvPr id="3" name="Content Placeholder 2"/>
+          <p:cNvSpPr>
+            <a:spLocks noGrp="1"/>
+          </p:cNvSpPr>
+          <p:nvPr>
+            <p:ph idx="1"/>
+          </p:nvPr>
+        </p:nvSpPr>
+        <p:spPr/>
+        <p:txBody>
+          <a:bodyPr>
+            <a:normAutofit fontScale="70000" lnSpcReduction="20000"/>
+          </a:bodyPr>
+          <a:lstStyle/>
+          <a:p>
+            <a:pPr marL="0" indent="0">
+              <a:buNone/>
+            </a:pPr>
+            <a:r>
+              <a:rPr lang="en-US" b="1" dirty="0">
+                <a:latin typeface="Courier New" pitchFamily="49" charset="0"/>
+                <a:cs typeface="Courier New" pitchFamily="49" charset="0"/>
+              </a:rPr>
+              <a:t>./</a:t>
+            </a:r>
+            <a:r>
+              <a:rPr lang="en-US" b="1" dirty="0" err="1">
+                <a:latin typeface="Courier New" pitchFamily="49" charset="0"/>
+                <a:cs typeface="Courier New" pitchFamily="49" charset="0"/>
+              </a:rPr>
+              <a:t>hash_extender</a:t>
+            </a:r>
+            <a:r>
+              <a:rPr lang="en-US" b="1" dirty="0">
+                <a:latin typeface="Courier New" pitchFamily="49" charset="0"/>
+                <a:cs typeface="Courier New" pitchFamily="49" charset="0"/>
+              </a:rPr>
+              <a:t> --data="</a:t>
+            </a:r>
+            <a:r>
+              <a:rPr lang="en-US" b="1" dirty="0" err="1">
+                <a:solidFill>
+                  <a:srgbClr val="C00000"/>
+                </a:solidFill>
+                <a:latin typeface="Courier New" pitchFamily="49" charset="0"/>
+                <a:cs typeface="Courier New" pitchFamily="49" charset="0"/>
+              </a:rPr>
+              <a:t>set_firstname</a:t>
+            </a:r>
+            <a:r>
+              <a:rPr lang="en-US" b="1" dirty="0">
+                <a:solidFill>
+                  <a:srgbClr val="C00000"/>
+                </a:solidFill>
+                <a:latin typeface="Courier New" pitchFamily="49" charset="0"/>
+                <a:cs typeface="Courier New" pitchFamily="49" charset="0"/>
+              </a:rPr>
+              <a:t>=</a:t>
+            </a:r>
+            <a:r>
+              <a:rPr lang="en-US" b="1" dirty="0" err="1">
+                <a:solidFill>
+                  <a:srgbClr val="C00000"/>
+                </a:solidFill>
+                <a:latin typeface="Courier New" pitchFamily="49" charset="0"/>
+                <a:cs typeface="Courier New" pitchFamily="49" charset="0"/>
+              </a:rPr>
+              <a:t>ron</a:t>
+            </a:r>
+            <a:r>
+              <a:rPr lang="en-US" b="1" dirty="0">
+                <a:latin typeface="Courier New" pitchFamily="49" charset="0"/>
+                <a:cs typeface="Courier New" pitchFamily="49" charset="0"/>
+              </a:rPr>
+              <a:t>" --append</a:t>
+            </a:r>
+            <a:r>
+              <a:rPr lang="en-US" b="1" dirty="0">
+                <a:solidFill>
+                  <a:srgbClr val="C00000"/>
+                </a:solidFill>
+                <a:latin typeface="Courier New" pitchFamily="49" charset="0"/>
+                <a:cs typeface="Courier New" pitchFamily="49" charset="0"/>
+              </a:rPr>
+              <a:t>="&amp;</a:t>
+            </a:r>
+            <a:r>
+              <a:rPr lang="en-US" b="1" dirty="0" err="1">
+                <a:solidFill>
+                  <a:srgbClr val="C00000"/>
+                </a:solidFill>
+                <a:latin typeface="Courier New" pitchFamily="49" charset="0"/>
+                <a:cs typeface="Courier New" pitchFamily="49" charset="0"/>
+              </a:rPr>
+              <a:t>deletemyaccount</a:t>
+            </a:r>
+            <a:r>
+              <a:rPr lang="en-US" b="1" dirty="0">
+                <a:solidFill>
+                  <a:srgbClr val="C00000"/>
+                </a:solidFill>
+                <a:latin typeface="Courier New" pitchFamily="49" charset="0"/>
+                <a:cs typeface="Courier New" pitchFamily="49" charset="0"/>
+              </a:rPr>
+              <a:t>=1</a:t>
+            </a:r>
+            <a:r>
+              <a:rPr lang="en-US" b="1" dirty="0">
+                <a:latin typeface="Courier New" pitchFamily="49" charset="0"/>
+                <a:cs typeface="Courier New" pitchFamily="49" charset="0"/>
+              </a:rPr>
+              <a:t>" --signature="</a:t>
+            </a:r>
+            <a:r>
+              <a:rPr lang="en-US" b="1" dirty="0">
+                <a:solidFill>
+                  <a:srgbClr val="C00000"/>
+                </a:solidFill>
+                <a:latin typeface="Courier New" pitchFamily="49" charset="0"/>
+                <a:cs typeface="Courier New" pitchFamily="49" charset="0"/>
+              </a:rPr>
+              <a:t>5e8a886a5f9ca977421ae067cc5655b7f347974d</a:t>
+            </a:r>
+            <a:r>
+              <a:rPr lang="en-US" b="1" dirty="0">
+                <a:latin typeface="Courier New" pitchFamily="49" charset="0"/>
+                <a:cs typeface="Courier New" pitchFamily="49" charset="0"/>
+              </a:rPr>
+              <a:t>" --format=</a:t>
+            </a:r>
+            <a:r>
+              <a:rPr lang="en-US" b="1" dirty="0">
+                <a:solidFill>
+                  <a:srgbClr val="C00000"/>
+                </a:solidFill>
+                <a:latin typeface="Courier New" pitchFamily="49" charset="0"/>
+                <a:cs typeface="Courier New" pitchFamily="49" charset="0"/>
+              </a:rPr>
+              <a:t>sha1</a:t>
+            </a:r>
+            <a:r>
+              <a:rPr lang="en-US" b="1" dirty="0">
+                <a:latin typeface="Courier New" pitchFamily="49" charset="0"/>
+                <a:cs typeface="Courier New" pitchFamily="49" charset="0"/>
+              </a:rPr>
+              <a:t> --secret=9 --out-data-format=</a:t>
+            </a:r>
+            <a:r>
+              <a:rPr lang="en-US" b="1" dirty="0" err="1">
+                <a:latin typeface="Courier New" pitchFamily="49" charset="0"/>
+                <a:cs typeface="Courier New" pitchFamily="49" charset="0"/>
+              </a:rPr>
+              <a:t>cstr</a:t>
+            </a:r>
+            <a:endParaRPr lang="en-US" b="1" dirty="0">
+              <a:latin typeface="Courier New" pitchFamily="49" charset="0"/>
+              <a:cs typeface="Courier New" pitchFamily="49" charset="0"/>
+            </a:endParaRPr>
+          </a:p>
+          <a:p>
+            <a:pPr marL="0" indent="0">
+              <a:buNone/>
+            </a:pPr>
+            <a:r>
+              <a:rPr lang="en-US" b="1" dirty="0">
+                <a:latin typeface="Courier New" pitchFamily="49" charset="0"/>
+                <a:cs typeface="Courier New" pitchFamily="49" charset="0"/>
+              </a:rPr>
+              <a:t>Type: sha1</a:t>
+            </a:r>
+          </a:p>
+          <a:p>
+            <a:pPr marL="0" indent="0">
+              <a:buNone/>
+            </a:pPr>
+            <a:r>
+              <a:rPr lang="en-US" b="1" dirty="0">
+                <a:latin typeface="Courier New" pitchFamily="49" charset="0"/>
+                <a:cs typeface="Courier New" pitchFamily="49" charset="0"/>
+              </a:rPr>
+              <a:t>Secret length: 9</a:t>
+            </a:r>
+          </a:p>
+          <a:p>
+            <a:pPr marL="0" indent="0">
+              <a:buNone/>
+            </a:pPr>
+            <a:r>
+              <a:rPr lang="en-US" b="1" dirty="0">
+                <a:latin typeface="Courier New" pitchFamily="49" charset="0"/>
+                <a:cs typeface="Courier New" pitchFamily="49" charset="0"/>
+              </a:rPr>
+              <a:t>New signature: </a:t>
+            </a:r>
+            <a:r>
+              <a:rPr lang="en-US" b="1" dirty="0">
+                <a:solidFill>
+                  <a:srgbClr val="C00000"/>
+                </a:solidFill>
+                <a:latin typeface="Courier New" pitchFamily="49" charset="0"/>
+                <a:cs typeface="Courier New" pitchFamily="49" charset="0"/>
+              </a:rPr>
+              <a:t>b841c5175bbce26b353bcfe3d47acefab1ce26a1</a:t>
+            </a:r>
+          </a:p>
+          <a:p>
+            <a:pPr marL="0" indent="0">
+              <a:buNone/>
+            </a:pPr>
+            <a:r>
+              <a:rPr lang="en-US" b="1" dirty="0">
+                <a:latin typeface="Courier New" pitchFamily="49" charset="0"/>
+                <a:cs typeface="Courier New" pitchFamily="49" charset="0"/>
+              </a:rPr>
+              <a:t>New string: </a:t>
+            </a:r>
+            <a:r>
+              <a:rPr lang="en-US" b="1" dirty="0">
+                <a:solidFill>
+                  <a:srgbClr val="C00000"/>
+                </a:solidFill>
+                <a:latin typeface="Courier New" pitchFamily="49" charset="0"/>
+                <a:cs typeface="Courier New" pitchFamily="49" charset="0"/>
+              </a:rPr>
+              <a:t>set\x5ffirstname\x3dron\x80\x00\x00\x00\x00\x00\x00\x00\x00\x00\x00\x00\x00\x00\x00\x00\x00\x00\x00\x00\x00\x00\x00\x00\x00\x00\x00\x00\x00\x00\x00\x00\x00\x00\x00\x00\x00\xd0\x26deletemyaccount\x3d1</a:t>
+            </a:r>
+          </a:p>
+          <a:p>
+            <a:endParaRPr lang="en-US" b="1" dirty="0">
+              <a:latin typeface="Courier New" pitchFamily="49" charset="0"/>
+              <a:cs typeface="Courier New" pitchFamily="49" charset="0"/>
+            </a:endParaRPr>
+          </a:p>
+        </p:txBody>
+      </p:sp>
+    </p:spTree>
+    <p:extLst>
+      <p:ext uri="{BB962C8B-B14F-4D97-AF65-F5344CB8AC3E}">
+        <p14:creationId xmlns:p14="http://schemas.microsoft.com/office/powerpoint/2010/main" val="3294630314"/>
+      </p:ext>
+    </p:extLst>
+  </p:cSld>
+  <p:clrMapOvr>
+    <a:masterClrMapping/>
+  </p:clrMapOvr>
+  <p:timing>
+    <p:tnLst>
+      <p:par>
+        <p:cTn id="1" dur="indefinite" restart="never" nodeType="tmRoot"/>
+      </p:par>
+    </p:tnLst>
+  </p:timing>
+</p:sld>
+</file>
+
+<file path=ppt/slides/slide65.xml><?xml version="1.0" encoding="utf-8"?>
+<p:sld xmlns:a="http://schemas.openxmlformats.org/drawingml/2006/main" xmlns:r="http://schemas.openxmlformats.org/officeDocument/2006/relationships" xmlns:p="http://schemas.openxmlformats.org/presentationml/2006/main">
+  <p:cSld>
+    <p:spTree>
+      <p:nvGrpSpPr>
+        <p:cNvPr id="1" name=""/>
+        <p:cNvGrpSpPr/>
+        <p:nvPr/>
+      </p:nvGrpSpPr>
+      <p:grpSpPr>
+        <a:xfrm>
+          <a:off x="0" y="0"/>
+          <a:ext cx="0" cy="0"/>
+          <a:chOff x="0" y="0"/>
+          <a:chExt cx="0" cy="0"/>
+        </a:xfrm>
+      </p:grpSpPr>
+      <p:sp>
+        <p:nvSpPr>
+          <p:cNvPr id="2" name="Title 1"/>
+          <p:cNvSpPr>
+            <a:spLocks noGrp="1"/>
+          </p:cNvSpPr>
+          <p:nvPr>
+            <p:ph type="title"/>
+          </p:nvPr>
+        </p:nvSpPr>
+        <p:spPr/>
+        <p:txBody>
+          <a:bodyPr/>
+          <a:lstStyle/>
+          <a:p>
+            <a:r>
+              <a:rPr lang="en-US" dirty="0" smtClean="0"/>
+              <a:t>That was a lot of material…</a:t>
+            </a:r>
+            <a:endParaRPr lang="en-US" dirty="0"/>
+          </a:p>
+        </p:txBody>
+      </p:sp>
+      <p:sp>
+        <p:nvSpPr>
+          <p:cNvPr id="3" name="Content Placeholder 2"/>
+          <p:cNvSpPr>
+            <a:spLocks noGrp="1"/>
+          </p:cNvSpPr>
+          <p:nvPr>
+            <p:ph idx="1"/>
+          </p:nvPr>
+        </p:nvSpPr>
+        <p:spPr/>
+        <p:txBody>
+          <a:bodyPr/>
+          <a:lstStyle/>
+          <a:p>
+            <a:r>
+              <a:rPr lang="en-US" dirty="0" smtClean="0"/>
+              <a:t>So here’s some cats</a:t>
+            </a:r>
+            <a:endParaRPr lang="en-US" dirty="0"/>
+          </a:p>
+        </p:txBody>
+      </p:sp>
+      <p:pic>
+        <p:nvPicPr>
+          <p:cNvPr id="4" name="Picture 3"/>
+          <p:cNvPicPr>
+            <a:picLocks noChangeAspect="1"/>
+          </p:cNvPicPr>
+          <p:nvPr/>
+        </p:nvPicPr>
+        <p:blipFill>
+          <a:blip r:embed="rId2" cstate="print">
+            <a:extLst>
+              <a:ext uri="{28A0092B-C50C-407E-A947-70E740481C1C}">
+                <a14:useLocalDpi xmlns:a14="http://schemas.microsoft.com/office/drawing/2010/main" val="0"/>
+              </a:ext>
+            </a:extLst>
+          </a:blip>
+          <a:stretch>
+            <a:fillRect/>
+          </a:stretch>
+        </p:blipFill>
+        <p:spPr>
+          <a:xfrm>
+            <a:off x="1524000" y="2209800"/>
+            <a:ext cx="6341165" cy="4273826"/>
+          </a:xfrm>
+          <a:prstGeom prst="rect">
+            <a:avLst/>
+          </a:prstGeom>
+        </p:spPr>
+      </p:pic>
+    </p:spTree>
+    <p:extLst>
+      <p:ext uri="{BB962C8B-B14F-4D97-AF65-F5344CB8AC3E}">
+        <p14:creationId xmlns:p14="http://schemas.microsoft.com/office/powerpoint/2010/main" val="2359145343"/>
+      </p:ext>
+    </p:extLst>
+  </p:cSld>
+  <p:clrMapOvr>
+    <a:masterClrMapping/>
+  </p:clrMapOvr>
+  <p:timing>
+    <p:tnLst>
+      <p:par>
+        <p:cTn id="1" dur="indefinite" restart="never" nodeType="tmRoot"/>
+      </p:par>
+    </p:tnLst>
+  </p:timing>
+</p:sld>
+</file>
+
+<file path=ppt/slides/slide66.xml><?xml version="1.0" encoding="utf-8"?>
+<p:sld xmlns:a="http://schemas.openxmlformats.org/drawingml/2006/main" xmlns:r="http://schemas.openxmlformats.org/officeDocument/2006/relationships" xmlns:p="http://schemas.openxmlformats.org/presentationml/2006/main">
+  <p:cSld>
+    <p:spTree>
+      <p:nvGrpSpPr>
+        <p:cNvPr id="1" name=""/>
+        <p:cNvGrpSpPr/>
+        <p:nvPr/>
+      </p:nvGrpSpPr>
+      <p:grpSpPr>
+        <a:xfrm>
+          <a:off x="0" y="0"/>
+          <a:ext cx="0" cy="0"/>
+          <a:chOff x="0" y="0"/>
+          <a:chExt cx="0" cy="0"/>
+        </a:xfrm>
+      </p:grpSpPr>
+      <p:sp>
+        <p:nvSpPr>
+          <p:cNvPr id="2" name="Title 1"/>
+          <p:cNvSpPr>
+            <a:spLocks noGrp="1"/>
+          </p:cNvSpPr>
+          <p:nvPr>
+            <p:ph type="title"/>
+          </p:nvPr>
+        </p:nvSpPr>
+        <p:spPr/>
+        <p:txBody>
+          <a:bodyPr/>
+          <a:lstStyle/>
+          <a:p>
+            <a:r>
+              <a:rPr lang="en-US" dirty="0" smtClean="0"/>
+              <a:t>Hash extension: summary</a:t>
+            </a:r>
+            <a:endParaRPr lang="en-US" dirty="0"/>
+          </a:p>
+        </p:txBody>
+      </p:sp>
+      <p:sp>
+        <p:nvSpPr>
+          <p:cNvPr id="3" name="Content Placeholder 2"/>
+          <p:cNvSpPr>
+            <a:spLocks noGrp="1"/>
+          </p:cNvSpPr>
+          <p:nvPr>
+            <p:ph idx="1"/>
+          </p:nvPr>
+        </p:nvSpPr>
+        <p:spPr/>
+        <p:txBody>
+          <a:bodyPr/>
+          <a:lstStyle/>
+          <a:p>
+            <a:r>
+              <a:rPr lang="en-US" dirty="0" smtClean="0"/>
+              <a:t>If an attacker has access to a hash in the form of:</a:t>
+            </a:r>
+          </a:p>
+          <a:p>
+            <a:pPr lvl="1"/>
+            <a:r>
+              <a:rPr lang="en-US" dirty="0" smtClean="0"/>
+              <a:t>H(secret + “</a:t>
+            </a:r>
+            <a:r>
+              <a:rPr lang="en-US" dirty="0" err="1" smtClean="0"/>
+              <a:t>knowndata</a:t>
+            </a:r>
+            <a:r>
+              <a:rPr lang="en-US" dirty="0" smtClean="0"/>
+              <a:t>”)</a:t>
+            </a:r>
+          </a:p>
+          <a:p>
+            <a:r>
+              <a:rPr lang="en-US" dirty="0" smtClean="0"/>
+              <a:t>He can trivially calculate:</a:t>
+            </a:r>
+          </a:p>
+          <a:p>
+            <a:pPr lvl="1"/>
+            <a:r>
+              <a:rPr lang="en-US" dirty="0" smtClean="0"/>
+              <a:t>H(secret + “</a:t>
+            </a:r>
+            <a:r>
+              <a:rPr lang="en-US" dirty="0" err="1" smtClean="0"/>
+              <a:t>knowndata</a:t>
+            </a:r>
+            <a:r>
+              <a:rPr lang="en-US" dirty="0" smtClean="0"/>
+              <a:t>” + padding + anything)</a:t>
+            </a:r>
+          </a:p>
+        </p:txBody>
+      </p:sp>
+    </p:spTree>
+    <p:extLst>
+      <p:ext uri="{BB962C8B-B14F-4D97-AF65-F5344CB8AC3E}">
+        <p14:creationId xmlns:p14="http://schemas.microsoft.com/office/powerpoint/2010/main" val="3402840568"/>
+      </p:ext>
+    </p:extLst>
+  </p:cSld>
+  <p:clrMapOvr>
+    <a:masterClrMapping/>
+  </p:clrMapOvr>
+  <p:timing>
+    <p:tnLst>
+      <p:par>
+        <p:cTn id="1" dur="indefinite" restart="never" nodeType="tmRoot"/>
+      </p:par>
+    </p:tnLst>
+  </p:timing>
+</p:sld>
+</file>
+
+<file path=ppt/slides/slide67.xml><?xml version="1.0" encoding="utf-8"?>
+<p:sld xmlns:a="http://schemas.openxmlformats.org/drawingml/2006/main" xmlns:r="http://schemas.openxmlformats.org/officeDocument/2006/relationships" xmlns:p="http://schemas.openxmlformats.org/presentationml/2006/main">
+  <p:cSld>
+    <p:spTree>
+      <p:nvGrpSpPr>
+        <p:cNvPr id="1" name=""/>
+        <p:cNvGrpSpPr/>
+        <p:nvPr/>
+      </p:nvGrpSpPr>
+      <p:grpSpPr>
+        <a:xfrm>
+          <a:off x="0" y="0"/>
+          <a:ext cx="0" cy="0"/>
+          <a:chOff x="0" y="0"/>
+          <a:chExt cx="0" cy="0"/>
+        </a:xfrm>
+      </p:grpSpPr>
+      <p:sp>
+        <p:nvSpPr>
+          <p:cNvPr id="2" name="Title 1"/>
+          <p:cNvSpPr>
+            <a:spLocks noGrp="1"/>
+          </p:cNvSpPr>
+          <p:nvPr>
+            <p:ph type="title"/>
+          </p:nvPr>
+        </p:nvSpPr>
+        <p:spPr/>
+        <p:txBody>
+          <a:bodyPr/>
+          <a:lstStyle/>
+          <a:p>
+            <a:r>
+              <a:rPr lang="en-US" dirty="0" smtClean="0"/>
+              <a:t>Hash extension: Defense</a:t>
+            </a:r>
+            <a:endParaRPr lang="en-US" dirty="0"/>
+          </a:p>
+        </p:txBody>
+      </p:sp>
+      <p:sp>
+        <p:nvSpPr>
+          <p:cNvPr id="3" name="Content Placeholder 2"/>
+          <p:cNvSpPr>
+            <a:spLocks noGrp="1"/>
+          </p:cNvSpPr>
+          <p:nvPr>
+            <p:ph idx="1"/>
+          </p:nvPr>
+        </p:nvSpPr>
+        <p:spPr/>
+        <p:txBody>
+          <a:bodyPr/>
+          <a:lstStyle/>
+          <a:p>
+            <a:r>
+              <a:rPr lang="en-US" dirty="0" smtClean="0"/>
+              <a:t>HMAC.</a:t>
+            </a:r>
+          </a:p>
+          <a:p>
+            <a:r>
+              <a:rPr lang="en-US" dirty="0" smtClean="0"/>
+              <a:t>Next topic. </a:t>
+            </a:r>
+            <a:endParaRPr lang="en-US" dirty="0"/>
+          </a:p>
+        </p:txBody>
+      </p:sp>
+    </p:spTree>
+    <p:extLst>
+      <p:ext uri="{BB962C8B-B14F-4D97-AF65-F5344CB8AC3E}">
+        <p14:creationId xmlns:p14="http://schemas.microsoft.com/office/powerpoint/2010/main" val="830235275"/>
+      </p:ext>
+    </p:extLst>
+  </p:cSld>
+  <p:clrMapOvr>
+    <a:masterClrMapping/>
+  </p:clrMapOvr>
+  <p:timing>
+    <p:tnLst>
+      <p:par>
+        <p:cTn id="1" dur="indefinite" restart="never" nodeType="tmRoot"/>
+      </p:par>
+    </p:tnLst>
+  </p:timing>
+</p:sld>
+</file>
+
+<file path=ppt/slides/slide68.xml><?xml version="1.0" encoding="utf-8"?>
+<p:sld xmlns:a="http://schemas.openxmlformats.org/drawingml/2006/main" xmlns:r="http://schemas.openxmlformats.org/officeDocument/2006/relationships" xmlns:p="http://schemas.openxmlformats.org/presentationml/2006/main">
+  <p:cSld>
+    <p:spTree>
+      <p:nvGrpSpPr>
+        <p:cNvPr id="1" name=""/>
+        <p:cNvGrpSpPr/>
+        <p:nvPr/>
+      </p:nvGrpSpPr>
+      <p:grpSpPr>
+        <a:xfrm>
+          <a:off x="0" y="0"/>
+          <a:ext cx="0" cy="0"/>
+          <a:chOff x="0" y="0"/>
+          <a:chExt cx="0" cy="0"/>
+        </a:xfrm>
+      </p:grpSpPr>
+      <p:sp>
+        <p:nvSpPr>
+          <p:cNvPr id="2" name="Title 1"/>
+          <p:cNvSpPr>
+            <a:spLocks noGrp="1"/>
+          </p:cNvSpPr>
+          <p:nvPr>
+            <p:ph type="title"/>
+          </p:nvPr>
+        </p:nvSpPr>
+        <p:spPr/>
+        <p:txBody>
+          <a:bodyPr/>
+          <a:lstStyle/>
+          <a:p>
+            <a:r>
+              <a:rPr lang="en-US" dirty="0" smtClean="0"/>
+              <a:t>Padding oracle attacks</a:t>
+            </a:r>
+            <a:endParaRPr lang="en-US" dirty="0"/>
+          </a:p>
+        </p:txBody>
+      </p:sp>
+      <p:pic>
+        <p:nvPicPr>
+          <p:cNvPr id="4" name="Content Placeholder 3"/>
+          <p:cNvPicPr>
+            <a:picLocks noGrp="1" noChangeAspect="1"/>
+          </p:cNvPicPr>
+          <p:nvPr>
+            <p:ph idx="1"/>
+          </p:nvPr>
+        </p:nvPicPr>
+        <p:blipFill>
+          <a:blip r:embed="rId2">
+            <a:extLst>
+              <a:ext uri="{28A0092B-C50C-407E-A947-70E740481C1C}">
+                <a14:useLocalDpi xmlns:a14="http://schemas.microsoft.com/office/drawing/2010/main" val="0"/>
+              </a:ext>
+            </a:extLst>
+          </a:blip>
+          <a:stretch>
+            <a:fillRect/>
+          </a:stretch>
+        </p:blipFill>
+        <p:spPr>
+          <a:xfrm>
+            <a:off x="1676400" y="1447800"/>
+            <a:ext cx="6172200" cy="4701707"/>
+          </a:xfrm>
+        </p:spPr>
+      </p:pic>
+    </p:spTree>
+    <p:extLst>
+      <p:ext uri="{BB962C8B-B14F-4D97-AF65-F5344CB8AC3E}">
+        <p14:creationId xmlns:p14="http://schemas.microsoft.com/office/powerpoint/2010/main" val="3326822644"/>
+      </p:ext>
+    </p:extLst>
+  </p:cSld>
+  <p:clrMapOvr>
+    <a:masterClrMapping/>
+  </p:clrMapOvr>
+  <p:timing>
+    <p:tnLst>
+      <p:par>
+        <p:cTn id="1" dur="indefinite" restart="never" nodeType="tmRoot"/>
+      </p:par>
+    </p:tnLst>
+  </p:timing>
+</p:sld>
+</file>
+
+<file path=ppt/slides/slide69.xml><?xml version="1.0" encoding="utf-8"?>
+<p:sld xmlns:a="http://schemas.openxmlformats.org/drawingml/2006/main" xmlns:r="http://schemas.openxmlformats.org/officeDocument/2006/relationships" xmlns:p="http://schemas.openxmlformats.org/presentationml/2006/main">
+  <p:cSld>
+    <p:spTree>
+      <p:nvGrpSpPr>
+        <p:cNvPr id="1" name=""/>
+        <p:cNvGrpSpPr/>
+        <p:nvPr/>
+      </p:nvGrpSpPr>
+      <p:grpSpPr>
+        <a:xfrm>
+          <a:off x="0" y="0"/>
+          <a:ext cx="0" cy="0"/>
+          <a:chOff x="0" y="0"/>
+          <a:chExt cx="0" cy="0"/>
+        </a:xfrm>
+      </p:grpSpPr>
+      <p:sp>
+        <p:nvSpPr>
+          <p:cNvPr id="2" name="Title 1"/>
+          <p:cNvSpPr>
+            <a:spLocks noGrp="1"/>
+          </p:cNvSpPr>
+          <p:nvPr>
+            <p:ph type="title"/>
+          </p:nvPr>
+        </p:nvSpPr>
+        <p:spPr/>
+        <p:txBody>
+          <a:bodyPr/>
+          <a:lstStyle/>
+          <a:p>
+            <a:r>
+              <a:rPr lang="en-US" dirty="0" smtClean="0"/>
               <a:t>Poor random numbers</a:t>
             </a:r>
             <a:endParaRPr lang="en-US" dirty="0"/>
@@ -35137,7 +42030,130 @@
 </p:sld>
 </file>
 
-<file path=ppt/slides/slide52.xml><?xml version="1.0" encoding="utf-8"?>
+<file path=ppt/slides/slide7.xml><?xml version="1.0" encoding="utf-8"?>
+<p:sld xmlns:a="http://schemas.openxmlformats.org/drawingml/2006/main" xmlns:r="http://schemas.openxmlformats.org/officeDocument/2006/relationships" xmlns:p="http://schemas.openxmlformats.org/presentationml/2006/main">
+  <p:cSld>
+    <p:spTree>
+      <p:nvGrpSpPr>
+        <p:cNvPr id="1" name=""/>
+        <p:cNvGrpSpPr/>
+        <p:nvPr/>
+      </p:nvGrpSpPr>
+      <p:grpSpPr>
+        <a:xfrm>
+          <a:off x="0" y="0"/>
+          <a:ext cx="0" cy="0"/>
+          <a:chOff x="0" y="0"/>
+          <a:chExt cx="0" cy="0"/>
+        </a:xfrm>
+      </p:grpSpPr>
+      <p:sp>
+        <p:nvSpPr>
+          <p:cNvPr id="2" name="Title 1"/>
+          <p:cNvSpPr>
+            <a:spLocks noGrp="1"/>
+          </p:cNvSpPr>
+          <p:nvPr>
+            <p:ph type="title"/>
+          </p:nvPr>
+        </p:nvSpPr>
+        <p:spPr>
+          <a:xfrm>
+            <a:off x="685800" y="5468047"/>
+            <a:ext cx="7772400" cy="1362075"/>
+          </a:xfrm>
+        </p:spPr>
+        <p:txBody>
+          <a:bodyPr/>
+          <a:lstStyle/>
+          <a:p>
+            <a:r>
+              <a:rPr lang="en-US" dirty="0" smtClean="0"/>
+              <a:t>History of crypto</a:t>
+            </a:r>
+            <a:endParaRPr lang="en-US" dirty="0"/>
+          </a:p>
+        </p:txBody>
+      </p:sp>
+      <p:sp>
+        <p:nvSpPr>
+          <p:cNvPr id="3" name="Text Placeholder 2"/>
+          <p:cNvSpPr>
+            <a:spLocks noGrp="1"/>
+          </p:cNvSpPr>
+          <p:nvPr>
+            <p:ph type="body" idx="1"/>
+          </p:nvPr>
+        </p:nvSpPr>
+        <p:spPr>
+          <a:xfrm>
+            <a:off x="685800" y="3967860"/>
+            <a:ext cx="7772400" cy="1500187"/>
+          </a:xfrm>
+        </p:spPr>
+        <p:txBody>
+          <a:bodyPr/>
+          <a:lstStyle/>
+          <a:p>
+            <a:r>
+              <a:rPr lang="en-US" dirty="0" smtClean="0"/>
+              <a:t>The somewhat accurate</a:t>
+            </a:r>
+            <a:endParaRPr lang="en-US" dirty="0"/>
+          </a:p>
+        </p:txBody>
+      </p:sp>
+      <p:pic>
+        <p:nvPicPr>
+          <p:cNvPr id="4" name="Picture 3"/>
+          <p:cNvPicPr>
+            <a:picLocks noChangeAspect="1"/>
+          </p:cNvPicPr>
+          <p:nvPr/>
+        </p:nvPicPr>
+        <p:blipFill>
+          <a:blip r:embed="rId2">
+            <a:extLst>
+              <a:ext uri="{28A0092B-C50C-407E-A947-70E740481C1C}">
+                <a14:useLocalDpi xmlns:a14="http://schemas.microsoft.com/office/drawing/2010/main" val="0"/>
+              </a:ext>
+            </a:extLst>
+          </a:blip>
+          <a:stretch>
+            <a:fillRect/>
+          </a:stretch>
+        </p:blipFill>
+        <p:spPr>
+          <a:xfrm>
+            <a:off x="1504584" y="152400"/>
+            <a:ext cx="6160850" cy="4896124"/>
+          </a:xfrm>
+          <a:prstGeom prst="rect">
+            <a:avLst/>
+          </a:prstGeom>
+        </p:spPr>
+      </p:pic>
+    </p:spTree>
+    <p:extLst>
+      <p:ext uri="{BB962C8B-B14F-4D97-AF65-F5344CB8AC3E}">
+        <p14:creationId xmlns:p14="http://schemas.microsoft.com/office/powerpoint/2010/main" val="4181482975"/>
+      </p:ext>
+    </p:extLst>
+  </p:cSld>
+  <p:clrMapOvr>
+    <a:masterClrMapping/>
+  </p:clrMapOvr>
+  <p:timing>
+    <p:tnLst>
+      <p:par>
+        <p:cTn id="1" dur="indefinite" restart="never" nodeType="tmRoot"/>
+      </p:par>
+    </p:tnLst>
+  </p:timing>
+</p:sld>
+</file>
+
+<file path=ppt/slides/slide70.xml><?xml version="1.0" encoding="utf-8"?>
 <p:sld xmlns:a="http://schemas.openxmlformats.org/drawingml/2006/main" xmlns:r="http://schemas.openxmlformats.org/officeDocument/2006/relationships" xmlns:p="http://schemas.openxmlformats.org/presentationml/2006/main">
   <p:cSld>
     <p:spTree>
@@ -35318,7 +42334,7 @@
 </p:sld>
 </file>
 
-<file path=ppt/slides/slide53.xml><?xml version="1.0" encoding="utf-8"?>
+<file path=ppt/slides/slide71.xml><?xml version="1.0" encoding="utf-8"?>
 <p:sld xmlns:a="http://schemas.openxmlformats.org/drawingml/2006/main" xmlns:r="http://schemas.openxmlformats.org/officeDocument/2006/relationships" xmlns:p="http://schemas.openxmlformats.org/presentationml/2006/main">
   <p:cSld>
     <p:spTree>
@@ -35397,7 +42413,7 @@
 </p:sld>
 </file>
 
-<file path=ppt/slides/slide54.xml><?xml version="1.0" encoding="utf-8"?>
+<file path=ppt/slides/slide72.xml><?xml version="1.0" encoding="utf-8"?>
 <p:sld xmlns:a="http://schemas.openxmlformats.org/drawingml/2006/main" xmlns:r="http://schemas.openxmlformats.org/officeDocument/2006/relationships" xmlns:p="http://schemas.openxmlformats.org/presentationml/2006/main">
   <p:cSld>
     <p:spTree>
@@ -35588,277 +42604,6 @@
     <p:extLst>
       <p:ext uri="{BB962C8B-B14F-4D97-AF65-F5344CB8AC3E}">
         <p14:creationId xmlns:p14="http://schemas.microsoft.com/office/powerpoint/2010/main" val="4232121080"/>
-      </p:ext>
-    </p:extLst>
-  </p:cSld>
-  <p:clrMapOvr>
-    <a:masterClrMapping/>
-  </p:clrMapOvr>
-  <p:timing>
-    <p:tnLst>
-      <p:par>
-        <p:cTn id="1" dur="indefinite" restart="never" nodeType="tmRoot"/>
-      </p:par>
-    </p:tnLst>
-  </p:timing>
-</p:sld>
-</file>
-
-<file path=ppt/slides/slide6.xml><?xml version="1.0" encoding="utf-8"?>
-<p:sld xmlns:a="http://schemas.openxmlformats.org/drawingml/2006/main" xmlns:r="http://schemas.openxmlformats.org/officeDocument/2006/relationships" xmlns:p="http://schemas.openxmlformats.org/presentationml/2006/main">
-  <p:cSld>
-    <p:spTree>
-      <p:nvGrpSpPr>
-        <p:cNvPr id="1" name=""/>
-        <p:cNvGrpSpPr/>
-        <p:nvPr/>
-      </p:nvGrpSpPr>
-      <p:grpSpPr>
-        <a:xfrm>
-          <a:off x="0" y="0"/>
-          <a:ext cx="0" cy="0"/>
-          <a:chOff x="0" y="0"/>
-          <a:chExt cx="0" cy="0"/>
-        </a:xfrm>
-      </p:grpSpPr>
-      <p:sp>
-        <p:nvSpPr>
-          <p:cNvPr id="2" name="Title 1"/>
-          <p:cNvSpPr>
-            <a:spLocks noGrp="1"/>
-          </p:cNvSpPr>
-          <p:nvPr>
-            <p:ph type="title"/>
-          </p:nvPr>
-        </p:nvSpPr>
-        <p:spPr/>
-        <p:txBody>
-          <a:bodyPr/>
-          <a:lstStyle/>
-          <a:p>
-            <a:r>
-              <a:rPr lang="en-US" dirty="0" smtClean="0"/>
-              <a:t>For our purposes…</a:t>
-            </a:r>
-            <a:endParaRPr lang="en-US" dirty="0"/>
-          </a:p>
-        </p:txBody>
-      </p:sp>
-      <p:sp>
-        <p:nvSpPr>
-          <p:cNvPr id="3" name="Content Placeholder 2"/>
-          <p:cNvSpPr>
-            <a:spLocks noGrp="1"/>
-          </p:cNvSpPr>
-          <p:nvPr>
-            <p:ph idx="1"/>
-          </p:nvPr>
-        </p:nvSpPr>
-        <p:spPr/>
-        <p:txBody>
-          <a:bodyPr/>
-          <a:lstStyle/>
-          <a:p>
-            <a:r>
-              <a:rPr lang="en-US" dirty="0" smtClean="0"/>
-              <a:t>“Crypto”, in the context of this talk, will cover:</a:t>
-            </a:r>
-          </a:p>
-          <a:p>
-            <a:pPr lvl="1"/>
-            <a:r>
-              <a:rPr lang="en-US" dirty="0" smtClean="0"/>
-              <a:t>Encryption</a:t>
-            </a:r>
-          </a:p>
-          <a:p>
-            <a:pPr lvl="1"/>
-            <a:r>
-              <a:rPr lang="en-US" dirty="0" smtClean="0"/>
-              <a:t>Hashing</a:t>
-            </a:r>
-          </a:p>
-          <a:p>
-            <a:pPr lvl="1"/>
-            <a:r>
-              <a:rPr lang="en-US" dirty="0" smtClean="0"/>
-              <a:t>Random numbers</a:t>
-            </a:r>
-          </a:p>
-          <a:p>
-            <a:pPr lvl="1"/>
-            <a:r>
-              <a:rPr lang="en-US" dirty="0" smtClean="0"/>
-              <a:t>Anything else I need</a:t>
-            </a:r>
-            <a:br>
-              <a:rPr lang="en-US" dirty="0" smtClean="0"/>
-            </a:br>
-            <a:r>
-              <a:rPr lang="en-US" dirty="0" smtClean="0"/>
-              <a:t>it to cover</a:t>
-            </a:r>
-            <a:endParaRPr lang="en-US" dirty="0"/>
-          </a:p>
-        </p:txBody>
-      </p:sp>
-      <p:pic>
-        <p:nvPicPr>
-          <p:cNvPr id="4" name="Content Placeholder 3"/>
-          <p:cNvPicPr>
-            <a:picLocks noChangeAspect="1"/>
-          </p:cNvPicPr>
-          <p:nvPr/>
-        </p:nvPicPr>
-        <p:blipFill>
-          <a:blip r:embed="rId2">
-            <a:extLst>
-              <a:ext uri="{28A0092B-C50C-407E-A947-70E740481C1C}">
-                <a14:useLocalDpi xmlns:a14="http://schemas.microsoft.com/office/drawing/2010/main" val="0"/>
-              </a:ext>
-            </a:extLst>
-          </a:blip>
-          <a:stretch>
-            <a:fillRect/>
-          </a:stretch>
-        </p:blipFill>
-        <p:spPr>
-          <a:xfrm>
-            <a:off x="5181600" y="2286000"/>
-            <a:ext cx="2769220" cy="4172798"/>
-          </a:xfrm>
-          <a:prstGeom prst="rect">
-            <a:avLst/>
-          </a:prstGeom>
-        </p:spPr>
-      </p:pic>
-    </p:spTree>
-    <p:extLst>
-      <p:ext uri="{BB962C8B-B14F-4D97-AF65-F5344CB8AC3E}">
-        <p14:creationId xmlns:p14="http://schemas.microsoft.com/office/powerpoint/2010/main" val="1521312035"/>
-      </p:ext>
-    </p:extLst>
-  </p:cSld>
-  <p:clrMapOvr>
-    <a:masterClrMapping/>
-  </p:clrMapOvr>
-  <p:timing>
-    <p:tnLst>
-      <p:par>
-        <p:cTn id="1" dur="indefinite" restart="never" nodeType="tmRoot"/>
-      </p:par>
-    </p:tnLst>
-  </p:timing>
-</p:sld>
-</file>
-
-<file path=ppt/slides/slide7.xml><?xml version="1.0" encoding="utf-8"?>
-<p:sld xmlns:a="http://schemas.openxmlformats.org/drawingml/2006/main" xmlns:r="http://schemas.openxmlformats.org/officeDocument/2006/relationships" xmlns:p="http://schemas.openxmlformats.org/presentationml/2006/main">
-  <p:cSld>
-    <p:spTree>
-      <p:nvGrpSpPr>
-        <p:cNvPr id="1" name=""/>
-        <p:cNvGrpSpPr/>
-        <p:nvPr/>
-      </p:nvGrpSpPr>
-      <p:grpSpPr>
-        <a:xfrm>
-          <a:off x="0" y="0"/>
-          <a:ext cx="0" cy="0"/>
-          <a:chOff x="0" y="0"/>
-          <a:chExt cx="0" cy="0"/>
-        </a:xfrm>
-      </p:grpSpPr>
-      <p:sp>
-        <p:nvSpPr>
-          <p:cNvPr id="2" name="Title 1"/>
-          <p:cNvSpPr>
-            <a:spLocks noGrp="1"/>
-          </p:cNvSpPr>
-          <p:nvPr>
-            <p:ph type="title"/>
-          </p:nvPr>
-        </p:nvSpPr>
-        <p:spPr>
-          <a:xfrm>
-            <a:off x="685800" y="5468047"/>
-            <a:ext cx="7772400" cy="1362075"/>
-          </a:xfrm>
-        </p:spPr>
-        <p:txBody>
-          <a:bodyPr/>
-          <a:lstStyle/>
-          <a:p>
-            <a:r>
-              <a:rPr lang="en-US" dirty="0" smtClean="0"/>
-              <a:t>History of crypto</a:t>
-            </a:r>
-            <a:endParaRPr lang="en-US" dirty="0"/>
-          </a:p>
-        </p:txBody>
-      </p:sp>
-      <p:sp>
-        <p:nvSpPr>
-          <p:cNvPr id="3" name="Text Placeholder 2"/>
-          <p:cNvSpPr>
-            <a:spLocks noGrp="1"/>
-          </p:cNvSpPr>
-          <p:nvPr>
-            <p:ph type="body" idx="1"/>
-          </p:nvPr>
-        </p:nvSpPr>
-        <p:spPr>
-          <a:xfrm>
-            <a:off x="685800" y="3967860"/>
-            <a:ext cx="7772400" cy="1500187"/>
-          </a:xfrm>
-        </p:spPr>
-        <p:txBody>
-          <a:bodyPr/>
-          <a:lstStyle/>
-          <a:p>
-            <a:r>
-              <a:rPr lang="en-US" dirty="0" smtClean="0"/>
-              <a:t>The somewhat accurate</a:t>
-            </a:r>
-            <a:endParaRPr lang="en-US" dirty="0"/>
-          </a:p>
-        </p:txBody>
-      </p:sp>
-      <p:pic>
-        <p:nvPicPr>
-          <p:cNvPr id="4" name="Picture 3"/>
-          <p:cNvPicPr>
-            <a:picLocks noChangeAspect="1"/>
-          </p:cNvPicPr>
-          <p:nvPr/>
-        </p:nvPicPr>
-        <p:blipFill>
-          <a:blip r:embed="rId2">
-            <a:extLst>
-              <a:ext uri="{28A0092B-C50C-407E-A947-70E740481C1C}">
-                <a14:useLocalDpi xmlns:a14="http://schemas.microsoft.com/office/drawing/2010/main" val="0"/>
-              </a:ext>
-            </a:extLst>
-          </a:blip>
-          <a:stretch>
-            <a:fillRect/>
-          </a:stretch>
-        </p:blipFill>
-        <p:spPr>
-          <a:xfrm>
-            <a:off x="1504584" y="152400"/>
-            <a:ext cx="6160850" cy="4896124"/>
-          </a:xfrm>
-          <a:prstGeom prst="rect">
-            <a:avLst/>
-          </a:prstGeom>
-        </p:spPr>
-      </p:pic>
-    </p:spTree>
-    <p:extLst>
-      <p:ext uri="{BB962C8B-B14F-4D97-AF65-F5344CB8AC3E}">
-        <p14:creationId xmlns:p14="http://schemas.microsoft.com/office/powerpoint/2010/main" val="4181482975"/>
       </p:ext>
     </p:extLst>
   </p:cSld>

--- a/Shmoocon.pptx
+++ b/Shmoocon.pptx
@@ -5,7 +5,7 @@
     <p:sldMasterId id="2147483708" r:id="rId1"/>
   </p:sldMasterIdLst>
   <p:notesMasterIdLst>
-    <p:notesMasterId r:id="rId74"/>
+    <p:notesMasterId r:id="rId80"/>
   </p:notesMasterIdLst>
   <p:sldIdLst>
     <p:sldId id="256" r:id="rId2"/>
@@ -76,10 +76,16 @@
     <p:sldId id="334" r:id="rId67"/>
     <p:sldId id="335" r:id="rId68"/>
     <p:sldId id="310" r:id="rId69"/>
-    <p:sldId id="312" r:id="rId70"/>
-    <p:sldId id="313" r:id="rId71"/>
-    <p:sldId id="315" r:id="rId72"/>
-    <p:sldId id="316" r:id="rId73"/>
+    <p:sldId id="336" r:id="rId70"/>
+    <p:sldId id="337" r:id="rId71"/>
+    <p:sldId id="341" r:id="rId72"/>
+    <p:sldId id="338" r:id="rId73"/>
+    <p:sldId id="339" r:id="rId74"/>
+    <p:sldId id="340" r:id="rId75"/>
+    <p:sldId id="312" r:id="rId76"/>
+    <p:sldId id="313" r:id="rId77"/>
+    <p:sldId id="315" r:id="rId78"/>
+    <p:sldId id="316" r:id="rId79"/>
   </p:sldIdLst>
   <p:sldSz cx="9144000" cy="6858000" type="screen4x3"/>
   <p:notesSz cx="6858000" cy="9144000"/>
@@ -6304,11 +6310,7 @@
           <a:p>
             <a:r>
               <a:rPr lang="en-US" dirty="0" smtClean="0"/>
-              <a:t>Encryption: Stream </a:t>
-            </a:r>
-            <a:r>
-              <a:rPr lang="en-US" dirty="0" smtClean="0"/>
-              <a:t>cipher</a:t>
+              <a:t>Encryption: Stream cipher</a:t>
             </a:r>
             <a:endParaRPr lang="en-US" dirty="0"/>
           </a:p>
@@ -7843,11 +7845,7 @@
           <a:p>
             <a:r>
               <a:rPr lang="en-US" dirty="0" smtClean="0"/>
-              <a:t>Encryption: Block </a:t>
-            </a:r>
-            <a:r>
-              <a:rPr lang="en-US" dirty="0" smtClean="0"/>
-              <a:t>cipher</a:t>
+              <a:t>Encryption: Block cipher</a:t>
             </a:r>
             <a:endParaRPr lang="en-US" dirty="0"/>
           </a:p>
@@ -8006,11 +8004,7 @@
           <a:p>
             <a:r>
               <a:rPr lang="en-US" dirty="0" smtClean="0"/>
-              <a:t>Encryption: Block </a:t>
-            </a:r>
-            <a:r>
-              <a:rPr lang="en-US" dirty="0" smtClean="0"/>
-              <a:t>cipher modes of operation – ECB</a:t>
+              <a:t>Encryption: Block cipher modes of operation – ECB</a:t>
             </a:r>
             <a:endParaRPr lang="en-US" dirty="0"/>
           </a:p>
@@ -8161,11 +8155,7 @@
           <a:p>
             <a:r>
               <a:rPr lang="en-US" dirty="0" smtClean="0"/>
-              <a:t>Encryption: Block </a:t>
-            </a:r>
-            <a:r>
-              <a:rPr lang="en-US" dirty="0" smtClean="0"/>
-              <a:t>cipher modes of operation – CBC</a:t>
+              <a:t>Encryption: Block cipher modes of operation – CBC</a:t>
             </a:r>
             <a:endParaRPr lang="en-US" dirty="0"/>
           </a:p>
@@ -32654,15 +32644,7 @@
           <a:p>
             <a:r>
               <a:rPr lang="en-US" dirty="0" smtClean="0"/>
-              <a:t>Hash length extension: </a:t>
-            </a:r>
-            <a:r>
-              <a:rPr lang="en-US" dirty="0" smtClean="0"/>
-              <a:t>the </a:t>
-            </a:r>
-            <a:r>
-              <a:rPr lang="en-US" dirty="0" smtClean="0"/>
-              <a:t>setup</a:t>
+              <a:t>Hash length extension: the setup</a:t>
             </a:r>
             <a:endParaRPr lang="en-US" dirty="0"/>
           </a:p>
@@ -32903,17 +32885,7 @@
                 <a:latin typeface="Courier New" pitchFamily="49" charset="0"/>
                 <a:cs typeface="Courier New" pitchFamily="49" charset="0"/>
               </a:rPr>
-              <a:t>H(secret </a:t>
-            </a:r>
-            <a:r>
-              <a:rPr lang="en-US" sz="2000" b="1" dirty="0" smtClean="0">
-                <a:solidFill>
-                  <a:srgbClr val="C00000"/>
-                </a:solidFill>
-                <a:latin typeface="Courier New" pitchFamily="49" charset="0"/>
-                <a:cs typeface="Courier New" pitchFamily="49" charset="0"/>
-              </a:rPr>
-              <a:t>+ </a:t>
+              <a:t>H(secret + </a:t>
             </a:r>
             <a:r>
               <a:rPr lang="en-US" sz="2000" b="1" dirty="0" err="1">
@@ -35242,10 +35214,6 @@
               </a:rPr>
               <a:t>ed8873c107d882b7b6fcbbc19a272d614cf9e7ee</a:t>
             </a:r>
-            <a:endParaRPr lang="en-US" sz="1600" dirty="0">
-              <a:latin typeface="Courier New" pitchFamily="49" charset="0"/>
-              <a:cs typeface="Courier New" pitchFamily="49" charset="0"/>
-            </a:endParaRPr>
           </a:p>
         </p:txBody>
       </p:sp>
@@ -38845,11 +38813,7 @@
           <a:p>
             <a:r>
               <a:rPr lang="en-US" dirty="0" smtClean="0"/>
-              <a:t>“</a:t>
-            </a:r>
-            <a:r>
-              <a:rPr lang="en-US" dirty="0" smtClean="0"/>
-              <a:t>Eve”</a:t>
+              <a:t>“Eve”</a:t>
             </a:r>
             <a:endParaRPr lang="en-US" dirty="0"/>
           </a:p>
@@ -41981,7 +41945,7 @@
           <a:p>
             <a:r>
               <a:rPr lang="en-US" dirty="0" smtClean="0"/>
-              <a:t>Poor random numbers</a:t>
+              <a:t>Padding oracles</a:t>
             </a:r>
             <a:endParaRPr lang="en-US" dirty="0"/>
           </a:p>
@@ -42004,7 +41968,19 @@
           <a:p>
             <a:r>
               <a:rPr lang="en-US" dirty="0" smtClean="0"/>
-              <a:t>TODO, if needed</a:t>
+              <a:t>Hash extension attacks are fairly simple to understand – you just have to realize that hashes can “pick up where they left off”</a:t>
+            </a:r>
+          </a:p>
+          <a:p>
+            <a:r>
+              <a:rPr lang="en-US" dirty="0" smtClean="0"/>
+              <a:t>Padding oracles, on the other hand, require a bit more of a leap</a:t>
+            </a:r>
+          </a:p>
+          <a:p>
+            <a:r>
+              <a:rPr lang="en-US" dirty="0" smtClean="0"/>
+              <a:t>That being said, let’s do it!</a:t>
             </a:r>
             <a:endParaRPr lang="en-US" dirty="0"/>
           </a:p>
@@ -42013,7 +41989,7 @@
     </p:spTree>
     <p:extLst>
       <p:ext uri="{BB962C8B-B14F-4D97-AF65-F5344CB8AC3E}">
-        <p14:creationId xmlns:p14="http://schemas.microsoft.com/office/powerpoint/2010/main" val="662950098"/>
+        <p14:creationId xmlns:p14="http://schemas.microsoft.com/office/powerpoint/2010/main" val="3783387933"/>
       </p:ext>
     </p:extLst>
   </p:cSld>
@@ -42154,6 +42130,1376 @@
 </file>
 
 <file path=ppt/slides/slide70.xml><?xml version="1.0" encoding="utf-8"?>
+<p:sld xmlns:a="http://schemas.openxmlformats.org/drawingml/2006/main" xmlns:r="http://schemas.openxmlformats.org/officeDocument/2006/relationships" xmlns:p="http://schemas.openxmlformats.org/presentationml/2006/main">
+  <p:cSld>
+    <p:spTree>
+      <p:nvGrpSpPr>
+        <p:cNvPr id="1" name=""/>
+        <p:cNvGrpSpPr/>
+        <p:nvPr/>
+      </p:nvGrpSpPr>
+      <p:grpSpPr>
+        <a:xfrm>
+          <a:off x="0" y="0"/>
+          <a:ext cx="0" cy="0"/>
+          <a:chOff x="0" y="0"/>
+          <a:chExt cx="0" cy="0"/>
+        </a:xfrm>
+      </p:grpSpPr>
+      <p:sp>
+        <p:nvSpPr>
+          <p:cNvPr id="2" name="Title 1"/>
+          <p:cNvSpPr>
+            <a:spLocks noGrp="1"/>
+          </p:cNvSpPr>
+          <p:nvPr>
+            <p:ph type="title"/>
+          </p:nvPr>
+        </p:nvSpPr>
+        <p:spPr/>
+        <p:txBody>
+          <a:bodyPr/>
+          <a:lstStyle/>
+          <a:p>
+            <a:r>
+              <a:rPr lang="en-US" dirty="0" smtClean="0"/>
+              <a:t>Padding oracles: Overview</a:t>
+            </a:r>
+            <a:endParaRPr lang="en-US" dirty="0"/>
+          </a:p>
+        </p:txBody>
+      </p:sp>
+      <p:sp>
+        <p:nvSpPr>
+          <p:cNvPr id="3" name="Content Placeholder 2"/>
+          <p:cNvSpPr>
+            <a:spLocks noGrp="1"/>
+          </p:cNvSpPr>
+          <p:nvPr>
+            <p:ph idx="1"/>
+          </p:nvPr>
+        </p:nvSpPr>
+        <p:spPr/>
+        <p:txBody>
+          <a:bodyPr>
+            <a:normAutofit fontScale="85000" lnSpcReduction="20000"/>
+          </a:bodyPr>
+          <a:lstStyle/>
+          <a:p>
+            <a:r>
+              <a:rPr lang="en-US" dirty="0" smtClean="0"/>
+              <a:t>Not to be confused with the Oracle database…</a:t>
+            </a:r>
+          </a:p>
+          <a:p>
+            <a:r>
+              <a:rPr lang="en-US" dirty="0" smtClean="0"/>
+              <a:t>This isn’t an attack against any particular algorithm, but against cipher-block chaining (CBC)</a:t>
+            </a:r>
+          </a:p>
+          <a:p>
+            <a:r>
+              <a:rPr lang="en-US" dirty="0" smtClean="0"/>
+              <a:t>A padding oracle attack occurs when an attacker has encrypted and unknown data that he can ask a server to secretly decrypt</a:t>
+            </a:r>
+          </a:p>
+          <a:p>
+            <a:pPr lvl="1"/>
+            <a:r>
+              <a:rPr lang="en-US" dirty="0" smtClean="0"/>
+              <a:t>The data is a block cipher (DES, AES, </a:t>
+            </a:r>
+            <a:r>
+              <a:rPr lang="en-US" dirty="0" err="1" smtClean="0"/>
+              <a:t>etc</a:t>
+            </a:r>
+            <a:r>
+              <a:rPr lang="en-US" dirty="0" smtClean="0"/>
+              <a:t>) in CBC mode</a:t>
+            </a:r>
+            <a:endParaRPr lang="en-US" dirty="0"/>
+          </a:p>
+          <a:p>
+            <a:pPr lvl="1"/>
+            <a:r>
+              <a:rPr lang="en-US" dirty="0" smtClean="0"/>
+              <a:t>The server doesn’t give indication as to what the plaintext data is</a:t>
+            </a:r>
+          </a:p>
+          <a:p>
+            <a:pPr lvl="1"/>
+            <a:r>
+              <a:rPr lang="en-US" dirty="0" smtClean="0"/>
+              <a:t>The returns a </a:t>
+            </a:r>
+            <a:r>
+              <a:rPr lang="en-US" dirty="0" err="1" smtClean="0"/>
+              <a:t>boolean</a:t>
+            </a:r>
+            <a:r>
+              <a:rPr lang="en-US" dirty="0" smtClean="0"/>
+              <a:t> value indicating whether the decryption succeeded (which is based on the padding)</a:t>
+            </a:r>
+          </a:p>
+          <a:p>
+            <a:pPr lvl="1"/>
+            <a:r>
+              <a:rPr lang="en-US" dirty="0" smtClean="0"/>
+              <a:t>And that’s all you need to decrypt the data!</a:t>
+            </a:r>
+            <a:endParaRPr lang="en-US" dirty="0"/>
+          </a:p>
+        </p:txBody>
+      </p:sp>
+    </p:spTree>
+    <p:extLst>
+      <p:ext uri="{BB962C8B-B14F-4D97-AF65-F5344CB8AC3E}">
+        <p14:creationId xmlns:p14="http://schemas.microsoft.com/office/powerpoint/2010/main" val="3663286300"/>
+      </p:ext>
+    </p:extLst>
+  </p:cSld>
+  <p:clrMapOvr>
+    <a:masterClrMapping/>
+  </p:clrMapOvr>
+  <p:timing>
+    <p:tnLst>
+      <p:par>
+        <p:cTn id="1" dur="indefinite" restart="never" nodeType="tmRoot"/>
+      </p:par>
+    </p:tnLst>
+  </p:timing>
+</p:sld>
+</file>
+
+<file path=ppt/slides/slide71.xml><?xml version="1.0" encoding="utf-8"?>
+<p:sld xmlns:a="http://schemas.openxmlformats.org/drawingml/2006/main" xmlns:r="http://schemas.openxmlformats.org/officeDocument/2006/relationships" xmlns:p="http://schemas.openxmlformats.org/presentationml/2006/main">
+  <p:cSld>
+    <p:spTree>
+      <p:nvGrpSpPr>
+        <p:cNvPr id="1" name=""/>
+        <p:cNvGrpSpPr/>
+        <p:nvPr/>
+      </p:nvGrpSpPr>
+      <p:grpSpPr>
+        <a:xfrm>
+          <a:off x="0" y="0"/>
+          <a:ext cx="0" cy="0"/>
+          <a:chOff x="0" y="0"/>
+          <a:chExt cx="0" cy="0"/>
+        </a:xfrm>
+      </p:grpSpPr>
+      <p:sp>
+        <p:nvSpPr>
+          <p:cNvPr id="2" name="Title 1"/>
+          <p:cNvSpPr>
+            <a:spLocks noGrp="1"/>
+          </p:cNvSpPr>
+          <p:nvPr>
+            <p:ph type="title"/>
+          </p:nvPr>
+        </p:nvSpPr>
+        <p:spPr/>
+        <p:txBody>
+          <a:bodyPr/>
+          <a:lstStyle/>
+          <a:p>
+            <a:r>
+              <a:rPr lang="en-US" dirty="0" smtClean="0"/>
+              <a:t>Padding oracles: Padding</a:t>
+            </a:r>
+            <a:endParaRPr lang="en-US" dirty="0"/>
+          </a:p>
+        </p:txBody>
+      </p:sp>
+      <p:sp>
+        <p:nvSpPr>
+          <p:cNvPr id="3" name="Content Placeholder 2"/>
+          <p:cNvSpPr>
+            <a:spLocks noGrp="1"/>
+          </p:cNvSpPr>
+          <p:nvPr>
+            <p:ph idx="1"/>
+          </p:nvPr>
+        </p:nvSpPr>
+        <p:spPr/>
+        <p:txBody>
+          <a:bodyPr/>
+          <a:lstStyle/>
+          <a:p>
+            <a:r>
+              <a:rPr lang="en-US" smtClean="0"/>
+              <a:t>TODO</a:t>
+            </a:r>
+            <a:endParaRPr lang="en-US"/>
+          </a:p>
+        </p:txBody>
+      </p:sp>
+    </p:spTree>
+    <p:extLst>
+      <p:ext uri="{BB962C8B-B14F-4D97-AF65-F5344CB8AC3E}">
+        <p14:creationId xmlns:p14="http://schemas.microsoft.com/office/powerpoint/2010/main" val="2238917610"/>
+      </p:ext>
+    </p:extLst>
+  </p:cSld>
+  <p:clrMapOvr>
+    <a:masterClrMapping/>
+  </p:clrMapOvr>
+  <p:timing>
+    <p:tnLst>
+      <p:par>
+        <p:cTn id="1" dur="indefinite" restart="never" nodeType="tmRoot"/>
+      </p:par>
+    </p:tnLst>
+  </p:timing>
+</p:sld>
+</file>
+
+<file path=ppt/slides/slide72.xml><?xml version="1.0" encoding="utf-8"?>
+<p:sld xmlns:a="http://schemas.openxmlformats.org/drawingml/2006/main" xmlns:r="http://schemas.openxmlformats.org/officeDocument/2006/relationships" xmlns:p="http://schemas.openxmlformats.org/presentationml/2006/main">
+  <p:cSld>
+    <p:spTree>
+      <p:nvGrpSpPr>
+        <p:cNvPr id="1" name=""/>
+        <p:cNvGrpSpPr/>
+        <p:nvPr/>
+      </p:nvGrpSpPr>
+      <p:grpSpPr>
+        <a:xfrm>
+          <a:off x="0" y="0"/>
+          <a:ext cx="0" cy="0"/>
+          <a:chOff x="0" y="0"/>
+          <a:chExt cx="0" cy="0"/>
+        </a:xfrm>
+      </p:grpSpPr>
+      <p:pic>
+        <p:nvPicPr>
+          <p:cNvPr id="4" name="Picture 3"/>
+          <p:cNvPicPr>
+            <a:picLocks noChangeAspect="1"/>
+          </p:cNvPicPr>
+          <p:nvPr/>
+        </p:nvPicPr>
+        <p:blipFill>
+          <a:blip r:embed="rId2">
+            <a:extLst>
+              <a:ext uri="{28A0092B-C50C-407E-A947-70E740481C1C}">
+                <a14:useLocalDpi xmlns:a14="http://schemas.microsoft.com/office/drawing/2010/main" val="0"/>
+              </a:ext>
+            </a:extLst>
+          </a:blip>
+          <a:stretch>
+            <a:fillRect/>
+          </a:stretch>
+        </p:blipFill>
+        <p:spPr>
+          <a:xfrm>
+            <a:off x="1085385" y="2057400"/>
+            <a:ext cx="7527836" cy="3048000"/>
+          </a:xfrm>
+          <a:prstGeom prst="rect">
+            <a:avLst/>
+          </a:prstGeom>
+        </p:spPr>
+      </p:pic>
+      <p:sp>
+        <p:nvSpPr>
+          <p:cNvPr id="2" name="Title 1"/>
+          <p:cNvSpPr>
+            <a:spLocks noGrp="1"/>
+          </p:cNvSpPr>
+          <p:nvPr>
+            <p:ph type="title"/>
+          </p:nvPr>
+        </p:nvSpPr>
+        <p:spPr/>
+        <p:txBody>
+          <a:bodyPr>
+            <a:normAutofit fontScale="90000"/>
+          </a:bodyPr>
+          <a:lstStyle/>
+          <a:p>
+            <a:r>
+              <a:rPr lang="en-US" dirty="0" smtClean="0"/>
+              <a:t>Padding oracles: CBC mode encryption</a:t>
+            </a:r>
+            <a:endParaRPr lang="en-US" dirty="0"/>
+          </a:p>
+        </p:txBody>
+      </p:sp>
+      <p:sp>
+        <p:nvSpPr>
+          <p:cNvPr id="3" name="Content Placeholder 2"/>
+          <p:cNvSpPr>
+            <a:spLocks noGrp="1"/>
+          </p:cNvSpPr>
+          <p:nvPr>
+            <p:ph idx="1"/>
+          </p:nvPr>
+        </p:nvSpPr>
+        <p:spPr>
+          <a:xfrm>
+            <a:off x="457199" y="1600200"/>
+            <a:ext cx="7772401" cy="5029200"/>
+          </a:xfrm>
+        </p:spPr>
+        <p:txBody>
+          <a:bodyPr>
+            <a:normAutofit/>
+          </a:bodyPr>
+          <a:lstStyle/>
+          <a:p>
+            <a:r>
+              <a:rPr lang="en-US" sz="2400" dirty="0" smtClean="0"/>
+              <a:t>Let’s take a minute to review cipher-block chaining encryption</a:t>
+            </a:r>
+            <a:endParaRPr lang="en-US" sz="2400" dirty="0"/>
+          </a:p>
+          <a:p>
+            <a:endParaRPr lang="en-US" sz="2400" dirty="0" smtClean="0"/>
+          </a:p>
+          <a:p>
+            <a:endParaRPr lang="en-US" sz="2400" dirty="0"/>
+          </a:p>
+          <a:p>
+            <a:endParaRPr lang="en-US" sz="2400" dirty="0" smtClean="0"/>
+          </a:p>
+          <a:p>
+            <a:endParaRPr lang="en-US" sz="2400" dirty="0"/>
+          </a:p>
+          <a:p>
+            <a:endParaRPr lang="en-US" sz="2400" dirty="0" smtClean="0"/>
+          </a:p>
+          <a:p>
+            <a:endParaRPr lang="en-US" sz="2400" dirty="0"/>
+          </a:p>
+          <a:p>
+            <a:r>
+              <a:rPr lang="en-US" sz="2400" dirty="0" smtClean="0"/>
+              <a:t>For any given block of plaintext, </a:t>
+            </a:r>
+            <a:r>
+              <a:rPr lang="en-US" sz="2400" dirty="0" err="1" smtClean="0"/>
+              <a:t>P</a:t>
+            </a:r>
+            <a:r>
+              <a:rPr lang="en-US" sz="2400" baseline="-25000" dirty="0" err="1"/>
+              <a:t>n</a:t>
+            </a:r>
+            <a:r>
+              <a:rPr lang="en-US" sz="2400" dirty="0" smtClean="0"/>
+              <a:t>, the corresponding </a:t>
+            </a:r>
+            <a:r>
+              <a:rPr lang="en-US" sz="2400" dirty="0" err="1" smtClean="0"/>
+              <a:t>ciphertext</a:t>
+            </a:r>
+            <a:r>
+              <a:rPr lang="en-US" sz="2400" dirty="0" smtClean="0"/>
+              <a:t>, </a:t>
+            </a:r>
+            <a:r>
+              <a:rPr lang="en-US" sz="2400" dirty="0" err="1" smtClean="0"/>
+              <a:t>C</a:t>
+            </a:r>
+            <a:r>
+              <a:rPr lang="en-US" sz="2400" baseline="-25000" dirty="0" err="1"/>
+              <a:t>n</a:t>
+            </a:r>
+            <a:r>
+              <a:rPr lang="en-US" sz="2400" dirty="0" smtClean="0"/>
+              <a:t>, can be calculated as:</a:t>
+            </a:r>
+          </a:p>
+          <a:p>
+            <a:pPr lvl="1"/>
+            <a:r>
+              <a:rPr lang="en-US" sz="2000" dirty="0" err="1" smtClean="0"/>
+              <a:t>C</a:t>
+            </a:r>
+            <a:r>
+              <a:rPr lang="en-US" sz="2000" baseline="-25000" dirty="0" err="1"/>
+              <a:t>n</a:t>
+            </a:r>
+            <a:r>
+              <a:rPr lang="en-US" sz="2000" dirty="0" smtClean="0"/>
+              <a:t> = E(</a:t>
+            </a:r>
+            <a:r>
+              <a:rPr lang="en-US" sz="2000" dirty="0" err="1" smtClean="0"/>
+              <a:t>P</a:t>
+            </a:r>
+            <a:r>
+              <a:rPr lang="en-US" sz="2000" baseline="-25000" dirty="0" err="1"/>
+              <a:t>n</a:t>
+            </a:r>
+            <a:r>
+              <a:rPr lang="en-US" sz="2000" dirty="0" smtClean="0"/>
+              <a:t> XOR C</a:t>
+            </a:r>
+            <a:r>
+              <a:rPr lang="en-US" sz="2000" baseline="-25000" dirty="0" smtClean="0"/>
+              <a:t>n-1</a:t>
+            </a:r>
+            <a:r>
+              <a:rPr lang="en-US" sz="2000" dirty="0" smtClean="0"/>
+              <a:t>)</a:t>
+            </a:r>
+          </a:p>
+          <a:p>
+            <a:endParaRPr lang="en-US" sz="2400" dirty="0"/>
+          </a:p>
+        </p:txBody>
+      </p:sp>
+    </p:spTree>
+    <p:extLst>
+      <p:ext uri="{BB962C8B-B14F-4D97-AF65-F5344CB8AC3E}">
+        <p14:creationId xmlns:p14="http://schemas.microsoft.com/office/powerpoint/2010/main" val="3733747955"/>
+      </p:ext>
+    </p:extLst>
+  </p:cSld>
+  <p:clrMapOvr>
+    <a:masterClrMapping/>
+  </p:clrMapOvr>
+  <p:timing>
+    <p:tnLst>
+      <p:par>
+        <p:cTn id="1" dur="indefinite" restart="never" nodeType="tmRoot"/>
+      </p:par>
+    </p:tnLst>
+  </p:timing>
+</p:sld>
+</file>
+
+<file path=ppt/slides/slide73.xml><?xml version="1.0" encoding="utf-8"?>
+<p:sld xmlns:a="http://schemas.openxmlformats.org/drawingml/2006/main" xmlns:r="http://schemas.openxmlformats.org/officeDocument/2006/relationships" xmlns:p="http://schemas.openxmlformats.org/presentationml/2006/main">
+  <p:cSld>
+    <p:spTree>
+      <p:nvGrpSpPr>
+        <p:cNvPr id="1" name=""/>
+        <p:cNvGrpSpPr/>
+        <p:nvPr/>
+      </p:nvGrpSpPr>
+      <p:grpSpPr>
+        <a:xfrm>
+          <a:off x="0" y="0"/>
+          <a:ext cx="0" cy="0"/>
+          <a:chOff x="0" y="0"/>
+          <a:chExt cx="0" cy="0"/>
+        </a:xfrm>
+      </p:grpSpPr>
+      <p:sp>
+        <p:nvSpPr>
+          <p:cNvPr id="2" name="Title 1"/>
+          <p:cNvSpPr>
+            <a:spLocks noGrp="1"/>
+          </p:cNvSpPr>
+          <p:nvPr>
+            <p:ph type="title"/>
+          </p:nvPr>
+        </p:nvSpPr>
+        <p:spPr/>
+        <p:txBody>
+          <a:bodyPr>
+            <a:normAutofit fontScale="90000"/>
+          </a:bodyPr>
+          <a:lstStyle/>
+          <a:p>
+            <a:r>
+              <a:rPr lang="en-US" dirty="0" smtClean="0"/>
+              <a:t>Padding oracles: CBC mode decryption</a:t>
+            </a:r>
+            <a:endParaRPr lang="en-US" dirty="0"/>
+          </a:p>
+        </p:txBody>
+      </p:sp>
+      <p:sp>
+        <p:nvSpPr>
+          <p:cNvPr id="5" name="Content Placeholder 4"/>
+          <p:cNvSpPr>
+            <a:spLocks noGrp="1"/>
+          </p:cNvSpPr>
+          <p:nvPr>
+            <p:ph idx="1"/>
+          </p:nvPr>
+        </p:nvSpPr>
+        <p:spPr/>
+        <p:txBody>
+          <a:bodyPr>
+            <a:normAutofit fontScale="92500" lnSpcReduction="20000"/>
+          </a:bodyPr>
+          <a:lstStyle/>
+          <a:p>
+            <a:r>
+              <a:rPr lang="en-US" dirty="0" smtClean="0"/>
+              <a:t>Now let’s look at decryption:</a:t>
+            </a:r>
+          </a:p>
+          <a:p>
+            <a:endParaRPr lang="en-US" dirty="0"/>
+          </a:p>
+          <a:p>
+            <a:endParaRPr lang="en-US" dirty="0" smtClean="0"/>
+          </a:p>
+          <a:p>
+            <a:endParaRPr lang="en-US" dirty="0"/>
+          </a:p>
+          <a:p>
+            <a:endParaRPr lang="en-US" dirty="0" smtClean="0"/>
+          </a:p>
+          <a:p>
+            <a:endParaRPr lang="en-US" dirty="0"/>
+          </a:p>
+          <a:p>
+            <a:endParaRPr lang="en-US" dirty="0" smtClean="0"/>
+          </a:p>
+          <a:p>
+            <a:r>
+              <a:rPr lang="en-US" dirty="0" smtClean="0"/>
+              <a:t>For any given block of </a:t>
+            </a:r>
+            <a:r>
+              <a:rPr lang="en-US" dirty="0" err="1" smtClean="0"/>
+              <a:t>ciphertext</a:t>
+            </a:r>
+            <a:r>
+              <a:rPr lang="en-US" dirty="0" smtClean="0"/>
+              <a:t>, </a:t>
+            </a:r>
+            <a:r>
+              <a:rPr lang="en-US" dirty="0" err="1" smtClean="0"/>
+              <a:t>C</a:t>
+            </a:r>
+            <a:r>
+              <a:rPr lang="en-US" baseline="-25000" dirty="0" err="1"/>
+              <a:t>n</a:t>
+            </a:r>
+            <a:r>
+              <a:rPr lang="en-US" dirty="0" smtClean="0"/>
+              <a:t>, we can calculate the corresponding plaintext, </a:t>
+            </a:r>
+            <a:r>
+              <a:rPr lang="en-US" dirty="0" err="1" smtClean="0"/>
+              <a:t>P</a:t>
+            </a:r>
+            <a:r>
+              <a:rPr lang="en-US" baseline="-25000" dirty="0" err="1"/>
+              <a:t>n</a:t>
+            </a:r>
+            <a:r>
+              <a:rPr lang="en-US" dirty="0" smtClean="0"/>
+              <a:t>, as:</a:t>
+            </a:r>
+          </a:p>
+          <a:p>
+            <a:pPr lvl="1"/>
+            <a:r>
+              <a:rPr lang="en-US" dirty="0" err="1" smtClean="0"/>
+              <a:t>P</a:t>
+            </a:r>
+            <a:r>
+              <a:rPr lang="en-US" baseline="-25000" dirty="0" err="1"/>
+              <a:t>n</a:t>
+            </a:r>
+            <a:r>
+              <a:rPr lang="en-US" dirty="0" smtClean="0"/>
+              <a:t> = D(</a:t>
+            </a:r>
+            <a:r>
+              <a:rPr lang="en-US" dirty="0" err="1" smtClean="0"/>
+              <a:t>C</a:t>
+            </a:r>
+            <a:r>
+              <a:rPr lang="en-US" baseline="-25000" dirty="0" err="1"/>
+              <a:t>n</a:t>
+            </a:r>
+            <a:r>
+              <a:rPr lang="en-US" dirty="0" smtClean="0"/>
+              <a:t>) XOR C</a:t>
+            </a:r>
+            <a:r>
+              <a:rPr lang="en-US" baseline="-25000" dirty="0" smtClean="0"/>
+              <a:t>n-1</a:t>
+            </a:r>
+            <a:endParaRPr lang="en-US" dirty="0"/>
+          </a:p>
+        </p:txBody>
+      </p:sp>
+      <p:pic>
+        <p:nvPicPr>
+          <p:cNvPr id="6" name="Content Placeholder 3"/>
+          <p:cNvPicPr>
+            <a:picLocks noChangeAspect="1"/>
+          </p:cNvPicPr>
+          <p:nvPr/>
+        </p:nvPicPr>
+        <p:blipFill>
+          <a:blip r:embed="rId2">
+            <a:extLst>
+              <a:ext uri="{28A0092B-C50C-407E-A947-70E740481C1C}">
+                <a14:useLocalDpi xmlns:a14="http://schemas.microsoft.com/office/drawing/2010/main" val="0"/>
+              </a:ext>
+            </a:extLst>
+          </a:blip>
+          <a:stretch>
+            <a:fillRect/>
+          </a:stretch>
+        </p:blipFill>
+        <p:spPr>
+          <a:xfrm>
+            <a:off x="1143000" y="2133600"/>
+            <a:ext cx="7003942" cy="2590800"/>
+          </a:xfrm>
+          <a:prstGeom prst="rect">
+            <a:avLst/>
+          </a:prstGeom>
+        </p:spPr>
+      </p:pic>
+    </p:spTree>
+    <p:extLst>
+      <p:ext uri="{BB962C8B-B14F-4D97-AF65-F5344CB8AC3E}">
+        <p14:creationId xmlns:p14="http://schemas.microsoft.com/office/powerpoint/2010/main" val="3496864112"/>
+      </p:ext>
+    </p:extLst>
+  </p:cSld>
+  <p:clrMapOvr>
+    <a:masterClrMapping/>
+  </p:clrMapOvr>
+  <p:timing>
+    <p:tnLst>
+      <p:par>
+        <p:cTn id="1" dur="indefinite" restart="never" nodeType="tmRoot"/>
+      </p:par>
+    </p:tnLst>
+  </p:timing>
+</p:sld>
+</file>
+
+<file path=ppt/slides/slide74.xml><?xml version="1.0" encoding="utf-8"?>
+<p:sld xmlns:a="http://schemas.openxmlformats.org/drawingml/2006/main" xmlns:r="http://schemas.openxmlformats.org/officeDocument/2006/relationships" xmlns:p="http://schemas.openxmlformats.org/presentationml/2006/main">
+  <p:cSld>
+    <p:spTree>
+      <p:nvGrpSpPr>
+        <p:cNvPr id="1" name=""/>
+        <p:cNvGrpSpPr/>
+        <p:nvPr/>
+      </p:nvGrpSpPr>
+      <p:grpSpPr>
+        <a:xfrm>
+          <a:off x="0" y="0"/>
+          <a:ext cx="0" cy="0"/>
+          <a:chOff x="0" y="0"/>
+          <a:chExt cx="0" cy="0"/>
+        </a:xfrm>
+      </p:grpSpPr>
+      <p:sp>
+        <p:nvSpPr>
+          <p:cNvPr id="2" name="Title 1"/>
+          <p:cNvSpPr>
+            <a:spLocks noGrp="1"/>
+          </p:cNvSpPr>
+          <p:nvPr>
+            <p:ph type="title"/>
+          </p:nvPr>
+        </p:nvSpPr>
+        <p:spPr/>
+        <p:txBody>
+          <a:bodyPr/>
+          <a:lstStyle/>
+          <a:p>
+            <a:r>
+              <a:rPr lang="en-US" dirty="0" smtClean="0"/>
+              <a:t>Padding oracles</a:t>
+            </a:r>
+            <a:endParaRPr lang="en-US" dirty="0"/>
+          </a:p>
+        </p:txBody>
+      </p:sp>
+      <p:sp>
+        <p:nvSpPr>
+          <p:cNvPr id="3" name="Content Placeholder 2"/>
+          <p:cNvSpPr>
+            <a:spLocks noGrp="1"/>
+          </p:cNvSpPr>
+          <p:nvPr>
+            <p:ph idx="1"/>
+          </p:nvPr>
+        </p:nvSpPr>
+        <p:spPr/>
+        <p:txBody>
+          <a:bodyPr/>
+          <a:lstStyle/>
+          <a:p>
+            <a:r>
+              <a:rPr lang="en-US" dirty="0" smtClean="0"/>
+              <a:t>So, we have two formulas:</a:t>
+            </a:r>
+          </a:p>
+          <a:p>
+            <a:pPr lvl="1"/>
+            <a:r>
+              <a:rPr lang="en-US" dirty="0" err="1"/>
+              <a:t>C</a:t>
+            </a:r>
+            <a:r>
+              <a:rPr lang="en-US" baseline="-25000" dirty="0" err="1"/>
+              <a:t>n</a:t>
+            </a:r>
+            <a:r>
+              <a:rPr lang="en-US" dirty="0"/>
+              <a:t> = </a:t>
+            </a:r>
+            <a:r>
+              <a:rPr lang="en-US" dirty="0" smtClean="0">
+                <a:solidFill>
+                  <a:schemeClr val="accent3">
+                    <a:lumMod val="75000"/>
+                  </a:schemeClr>
+                </a:solidFill>
+              </a:rPr>
+              <a:t>E(</a:t>
+            </a:r>
+            <a:r>
+              <a:rPr lang="en-US" dirty="0" err="1" smtClean="0">
+                <a:solidFill>
+                  <a:schemeClr val="accent3">
+                    <a:lumMod val="75000"/>
+                  </a:schemeClr>
+                </a:solidFill>
+              </a:rPr>
+              <a:t>P</a:t>
+            </a:r>
+            <a:r>
+              <a:rPr lang="en-US" baseline="-25000" dirty="0" err="1">
+                <a:solidFill>
+                  <a:schemeClr val="accent3">
+                    <a:lumMod val="75000"/>
+                  </a:schemeClr>
+                </a:solidFill>
+              </a:rPr>
+              <a:t>n</a:t>
+            </a:r>
+            <a:r>
+              <a:rPr lang="en-US" dirty="0" smtClean="0">
+                <a:solidFill>
+                  <a:schemeClr val="accent3">
+                    <a:lumMod val="75000"/>
+                  </a:schemeClr>
+                </a:solidFill>
+              </a:rPr>
+              <a:t> </a:t>
+            </a:r>
+            <a:r>
+              <a:rPr lang="en-US" dirty="0">
+                <a:solidFill>
+                  <a:schemeClr val="accent3">
+                    <a:lumMod val="75000"/>
+                  </a:schemeClr>
+                </a:solidFill>
+              </a:rPr>
+              <a:t>XOR C</a:t>
+            </a:r>
+            <a:r>
+              <a:rPr lang="en-US" baseline="-25000" dirty="0">
+                <a:solidFill>
+                  <a:schemeClr val="accent3">
+                    <a:lumMod val="75000"/>
+                  </a:schemeClr>
+                </a:solidFill>
+              </a:rPr>
+              <a:t>n-1</a:t>
+            </a:r>
+            <a:r>
+              <a:rPr lang="en-US" dirty="0" smtClean="0">
+                <a:solidFill>
+                  <a:schemeClr val="accent3">
+                    <a:lumMod val="75000"/>
+                  </a:schemeClr>
+                </a:solidFill>
+              </a:rPr>
+              <a:t>)</a:t>
+            </a:r>
+          </a:p>
+          <a:p>
+            <a:pPr lvl="1"/>
+            <a:r>
+              <a:rPr lang="en-US" dirty="0" err="1"/>
+              <a:t>P</a:t>
+            </a:r>
+            <a:r>
+              <a:rPr lang="en-US" baseline="-25000" dirty="0" err="1"/>
+              <a:t>n</a:t>
+            </a:r>
+            <a:r>
+              <a:rPr lang="en-US" dirty="0"/>
+              <a:t> = </a:t>
+            </a:r>
+            <a:r>
+              <a:rPr lang="en-US" dirty="0">
+                <a:solidFill>
+                  <a:schemeClr val="accent2">
+                    <a:lumMod val="75000"/>
+                  </a:schemeClr>
+                </a:solidFill>
+              </a:rPr>
+              <a:t>D(</a:t>
+            </a:r>
+            <a:r>
+              <a:rPr lang="en-US" dirty="0" err="1">
+                <a:solidFill>
+                  <a:schemeClr val="accent2">
+                    <a:lumMod val="75000"/>
+                  </a:schemeClr>
+                </a:solidFill>
+              </a:rPr>
+              <a:t>C</a:t>
+            </a:r>
+            <a:r>
+              <a:rPr lang="en-US" baseline="-25000" dirty="0" err="1">
+                <a:solidFill>
+                  <a:schemeClr val="accent2">
+                    <a:lumMod val="75000"/>
+                  </a:schemeClr>
+                </a:solidFill>
+              </a:rPr>
+              <a:t>n</a:t>
+            </a:r>
+            <a:r>
+              <a:rPr lang="en-US" dirty="0">
+                <a:solidFill>
+                  <a:schemeClr val="accent2">
+                    <a:lumMod val="75000"/>
+                  </a:schemeClr>
+                </a:solidFill>
+              </a:rPr>
+              <a:t>) XOR C</a:t>
+            </a:r>
+            <a:r>
+              <a:rPr lang="en-US" baseline="-25000" dirty="0">
+                <a:solidFill>
+                  <a:schemeClr val="accent2">
+                    <a:lumMod val="75000"/>
+                  </a:schemeClr>
+                </a:solidFill>
+              </a:rPr>
+              <a:t>n-1</a:t>
+            </a:r>
+            <a:endParaRPr lang="en-US" dirty="0">
+              <a:solidFill>
+                <a:schemeClr val="accent2">
+                  <a:lumMod val="75000"/>
+                </a:schemeClr>
+              </a:solidFill>
+            </a:endParaRPr>
+          </a:p>
+          <a:p>
+            <a:r>
+              <a:rPr lang="en-US" dirty="0" smtClean="0"/>
+              <a:t>We can verify these make sense by encrypting and decrypting a block:</a:t>
+            </a:r>
+          </a:p>
+          <a:p>
+            <a:pPr lvl="1"/>
+            <a:r>
+              <a:rPr lang="en-US" dirty="0" err="1"/>
+              <a:t>P</a:t>
+            </a:r>
+            <a:r>
+              <a:rPr lang="en-US" baseline="-25000" dirty="0" err="1"/>
+              <a:t>n</a:t>
+            </a:r>
+            <a:r>
+              <a:rPr lang="en-US" dirty="0"/>
+              <a:t> = </a:t>
+            </a:r>
+            <a:r>
+              <a:rPr lang="en-US" dirty="0" smtClean="0">
+                <a:solidFill>
+                  <a:schemeClr val="accent2">
+                    <a:lumMod val="75000"/>
+                  </a:schemeClr>
+                </a:solidFill>
+              </a:rPr>
+              <a:t>D(</a:t>
+            </a:r>
+            <a:r>
+              <a:rPr lang="en-US" dirty="0" smtClean="0">
+                <a:solidFill>
+                  <a:schemeClr val="accent3">
+                    <a:lumMod val="75000"/>
+                  </a:schemeClr>
+                </a:solidFill>
+              </a:rPr>
+              <a:t>E(</a:t>
+            </a:r>
+            <a:r>
+              <a:rPr lang="en-US" dirty="0" err="1" smtClean="0">
+                <a:solidFill>
+                  <a:schemeClr val="accent3">
+                    <a:lumMod val="75000"/>
+                  </a:schemeClr>
+                </a:solidFill>
+              </a:rPr>
+              <a:t>P</a:t>
+            </a:r>
+            <a:r>
+              <a:rPr lang="en-US" baseline="-25000" dirty="0" err="1">
+                <a:solidFill>
+                  <a:schemeClr val="accent3">
+                    <a:lumMod val="75000"/>
+                  </a:schemeClr>
+                </a:solidFill>
+              </a:rPr>
+              <a:t>n</a:t>
+            </a:r>
+            <a:r>
+              <a:rPr lang="en-US" dirty="0" smtClean="0">
+                <a:solidFill>
+                  <a:schemeClr val="accent3">
+                    <a:lumMod val="75000"/>
+                  </a:schemeClr>
+                </a:solidFill>
+              </a:rPr>
+              <a:t> XOR C</a:t>
+            </a:r>
+            <a:r>
+              <a:rPr lang="en-US" baseline="-25000" dirty="0" smtClean="0">
+                <a:solidFill>
+                  <a:schemeClr val="accent3">
+                    <a:lumMod val="75000"/>
+                  </a:schemeClr>
+                </a:solidFill>
+              </a:rPr>
+              <a:t>n-1</a:t>
+            </a:r>
+            <a:r>
+              <a:rPr lang="en-US" dirty="0" smtClean="0">
+                <a:solidFill>
+                  <a:schemeClr val="accent3">
+                    <a:lumMod val="75000"/>
+                  </a:schemeClr>
+                </a:solidFill>
+              </a:rPr>
+              <a:t>)</a:t>
+            </a:r>
+            <a:r>
+              <a:rPr lang="en-US" dirty="0" smtClean="0">
+                <a:solidFill>
+                  <a:schemeClr val="accent2">
+                    <a:lumMod val="75000"/>
+                  </a:schemeClr>
+                </a:solidFill>
+              </a:rPr>
+              <a:t>) XOR C</a:t>
+            </a:r>
+            <a:r>
+              <a:rPr lang="en-US" baseline="-25000" dirty="0" smtClean="0">
+                <a:solidFill>
+                  <a:schemeClr val="accent2">
+                    <a:lumMod val="75000"/>
+                  </a:schemeClr>
+                </a:solidFill>
+              </a:rPr>
+              <a:t>n-1</a:t>
+            </a:r>
+            <a:endParaRPr lang="en-US" dirty="0">
+              <a:solidFill>
+                <a:schemeClr val="accent2">
+                  <a:lumMod val="75000"/>
+                </a:schemeClr>
+              </a:solidFill>
+            </a:endParaRPr>
+          </a:p>
+          <a:p>
+            <a:pPr lvl="1"/>
+            <a:r>
+              <a:rPr lang="en-US" dirty="0" err="1"/>
+              <a:t>P</a:t>
+            </a:r>
+            <a:r>
+              <a:rPr lang="en-US" baseline="-25000" dirty="0" err="1"/>
+              <a:t>n</a:t>
+            </a:r>
+            <a:r>
+              <a:rPr lang="en-US" dirty="0"/>
+              <a:t> </a:t>
+            </a:r>
+            <a:r>
+              <a:rPr lang="en-US" dirty="0" smtClean="0"/>
+              <a:t>= </a:t>
+            </a:r>
+            <a:r>
+              <a:rPr lang="en-US" dirty="0" err="1" smtClean="0">
+                <a:solidFill>
+                  <a:schemeClr val="accent3">
+                    <a:lumMod val="75000"/>
+                  </a:schemeClr>
+                </a:solidFill>
+              </a:rPr>
+              <a:t>P</a:t>
+            </a:r>
+            <a:r>
+              <a:rPr lang="en-US" baseline="-25000" dirty="0" err="1">
+                <a:solidFill>
+                  <a:schemeClr val="accent3">
+                    <a:lumMod val="75000"/>
+                  </a:schemeClr>
+                </a:solidFill>
+              </a:rPr>
+              <a:t>n</a:t>
+            </a:r>
+            <a:r>
+              <a:rPr lang="en-US" dirty="0" smtClean="0">
+                <a:solidFill>
+                  <a:schemeClr val="accent3">
+                    <a:lumMod val="75000"/>
+                  </a:schemeClr>
+                </a:solidFill>
+              </a:rPr>
+              <a:t> </a:t>
+            </a:r>
+            <a:r>
+              <a:rPr lang="en-US" dirty="0">
+                <a:solidFill>
+                  <a:schemeClr val="accent3">
+                    <a:lumMod val="75000"/>
+                  </a:schemeClr>
+                </a:solidFill>
+              </a:rPr>
+              <a:t>XOR </a:t>
+            </a:r>
+            <a:r>
+              <a:rPr lang="en-US" dirty="0" smtClean="0">
+                <a:solidFill>
+                  <a:schemeClr val="accent3">
+                    <a:lumMod val="75000"/>
+                  </a:schemeClr>
+                </a:solidFill>
+              </a:rPr>
+              <a:t>C</a:t>
+            </a:r>
+            <a:r>
+              <a:rPr lang="en-US" baseline="-25000" dirty="0" smtClean="0">
+                <a:solidFill>
+                  <a:schemeClr val="accent3">
+                    <a:lumMod val="75000"/>
+                  </a:schemeClr>
+                </a:solidFill>
+              </a:rPr>
+              <a:t>n-1 </a:t>
+            </a:r>
+            <a:r>
+              <a:rPr lang="en-US" dirty="0">
+                <a:solidFill>
+                  <a:schemeClr val="accent2">
+                    <a:lumMod val="75000"/>
+                  </a:schemeClr>
+                </a:solidFill>
+              </a:rPr>
+              <a:t>XOR </a:t>
+            </a:r>
+            <a:r>
+              <a:rPr lang="en-US" dirty="0" smtClean="0">
+                <a:solidFill>
+                  <a:schemeClr val="accent2">
+                    <a:lumMod val="75000"/>
+                  </a:schemeClr>
+                </a:solidFill>
+              </a:rPr>
+              <a:t>C</a:t>
+            </a:r>
+            <a:r>
+              <a:rPr lang="en-US" baseline="-25000" dirty="0" smtClean="0">
+                <a:solidFill>
+                  <a:schemeClr val="accent2">
+                    <a:lumMod val="75000"/>
+                  </a:schemeClr>
+                </a:solidFill>
+              </a:rPr>
+              <a:t>n-1</a:t>
+            </a:r>
+          </a:p>
+          <a:p>
+            <a:pPr lvl="1"/>
+            <a:r>
+              <a:rPr lang="en-US" dirty="0" err="1"/>
+              <a:t>P</a:t>
+            </a:r>
+            <a:r>
+              <a:rPr lang="en-US" baseline="-25000" dirty="0" err="1"/>
+              <a:t>n</a:t>
+            </a:r>
+            <a:r>
+              <a:rPr lang="en-US" dirty="0"/>
+              <a:t> </a:t>
+            </a:r>
+            <a:r>
+              <a:rPr lang="en-US" dirty="0" smtClean="0"/>
+              <a:t>= </a:t>
+            </a:r>
+            <a:r>
+              <a:rPr lang="en-US" dirty="0" err="1">
+                <a:solidFill>
+                  <a:schemeClr val="accent3">
+                    <a:lumMod val="75000"/>
+                  </a:schemeClr>
+                </a:solidFill>
+              </a:rPr>
+              <a:t>P</a:t>
+            </a:r>
+            <a:r>
+              <a:rPr lang="en-US" baseline="-25000" dirty="0" err="1">
+                <a:solidFill>
+                  <a:schemeClr val="accent3">
+                    <a:lumMod val="75000"/>
+                  </a:schemeClr>
+                </a:solidFill>
+              </a:rPr>
+              <a:t>n</a:t>
+            </a:r>
+            <a:endParaRPr lang="en-US" dirty="0"/>
+          </a:p>
+          <a:p>
+            <a:pPr lvl="1"/>
+            <a:endParaRPr lang="en-US" dirty="0" smtClean="0"/>
+          </a:p>
+          <a:p>
+            <a:endParaRPr lang="en-US" dirty="0"/>
+          </a:p>
+        </p:txBody>
+      </p:sp>
+      <p:sp>
+        <p:nvSpPr>
+          <p:cNvPr id="4" name="TextBox 3"/>
+          <p:cNvSpPr txBox="1"/>
+          <p:nvPr/>
+        </p:nvSpPr>
+        <p:spPr>
+          <a:xfrm>
+            <a:off x="5715000" y="4343400"/>
+            <a:ext cx="2743200" cy="369332"/>
+          </a:xfrm>
+          <a:prstGeom prst="rect">
+            <a:avLst/>
+          </a:prstGeom>
+        </p:spPr>
+        <p:style>
+          <a:lnRef idx="2">
+            <a:schemeClr val="dk1"/>
+          </a:lnRef>
+          <a:fillRef idx="1">
+            <a:schemeClr val="lt1"/>
+          </a:fillRef>
+          <a:effectRef idx="0">
+            <a:schemeClr val="dk1"/>
+          </a:effectRef>
+          <a:fontRef idx="minor">
+            <a:schemeClr val="dk1"/>
+          </a:fontRef>
+        </p:style>
+        <p:txBody>
+          <a:bodyPr wrap="square" rtlCol="0">
+            <a:spAutoFit/>
+          </a:bodyPr>
+          <a:lstStyle/>
+          <a:p>
+            <a:r>
+              <a:rPr lang="en-US" dirty="0" smtClean="0"/>
+              <a:t>Decrypt the encrypted data</a:t>
+            </a:r>
+            <a:endParaRPr lang="en-US" dirty="0"/>
+          </a:p>
+        </p:txBody>
+      </p:sp>
+      <p:sp>
+        <p:nvSpPr>
+          <p:cNvPr id="5" name="TextBox 4"/>
+          <p:cNvSpPr txBox="1"/>
+          <p:nvPr/>
+        </p:nvSpPr>
+        <p:spPr>
+          <a:xfrm>
+            <a:off x="4800600" y="4953000"/>
+            <a:ext cx="2209800" cy="369332"/>
+          </a:xfrm>
+          <a:prstGeom prst="rect">
+            <a:avLst/>
+          </a:prstGeom>
+        </p:spPr>
+        <p:style>
+          <a:lnRef idx="2">
+            <a:schemeClr val="dk1"/>
+          </a:lnRef>
+          <a:fillRef idx="1">
+            <a:schemeClr val="lt1"/>
+          </a:fillRef>
+          <a:effectRef idx="0">
+            <a:schemeClr val="dk1"/>
+          </a:effectRef>
+          <a:fontRef idx="minor">
+            <a:schemeClr val="dk1"/>
+          </a:fontRef>
+        </p:style>
+        <p:txBody>
+          <a:bodyPr wrap="square" rtlCol="0">
+            <a:spAutoFit/>
+          </a:bodyPr>
+          <a:lstStyle/>
+          <a:p>
+            <a:r>
+              <a:rPr lang="en-US" dirty="0" smtClean="0"/>
+              <a:t>Two XORs cancel out</a:t>
+            </a:r>
+            <a:endParaRPr lang="en-US" dirty="0"/>
+          </a:p>
+        </p:txBody>
+      </p:sp>
+      <p:sp>
+        <p:nvSpPr>
+          <p:cNvPr id="6" name="TextBox 5"/>
+          <p:cNvSpPr txBox="1"/>
+          <p:nvPr/>
+        </p:nvSpPr>
+        <p:spPr>
+          <a:xfrm>
+            <a:off x="2362200" y="5474732"/>
+            <a:ext cx="990600" cy="369332"/>
+          </a:xfrm>
+          <a:prstGeom prst="rect">
+            <a:avLst/>
+          </a:prstGeom>
+        </p:spPr>
+        <p:style>
+          <a:lnRef idx="2">
+            <a:schemeClr val="dk1"/>
+          </a:lnRef>
+          <a:fillRef idx="1">
+            <a:schemeClr val="lt1"/>
+          </a:fillRef>
+          <a:effectRef idx="0">
+            <a:schemeClr val="dk1"/>
+          </a:effectRef>
+          <a:fontRef idx="minor">
+            <a:schemeClr val="dk1"/>
+          </a:fontRef>
+        </p:style>
+        <p:txBody>
+          <a:bodyPr wrap="square" rtlCol="0">
+            <a:spAutoFit/>
+          </a:bodyPr>
+          <a:lstStyle/>
+          <a:p>
+            <a:r>
+              <a:rPr lang="en-US" dirty="0" smtClean="0"/>
+              <a:t>Success!</a:t>
+            </a:r>
+            <a:endParaRPr lang="en-US" dirty="0"/>
+          </a:p>
+        </p:txBody>
+      </p:sp>
+    </p:spTree>
+    <p:extLst>
+      <p:ext uri="{BB962C8B-B14F-4D97-AF65-F5344CB8AC3E}">
+        <p14:creationId xmlns:p14="http://schemas.microsoft.com/office/powerpoint/2010/main" val="3054862275"/>
+      </p:ext>
+    </p:extLst>
+  </p:cSld>
+  <p:clrMapOvr>
+    <a:masterClrMapping/>
+  </p:clrMapOvr>
+  <p:timing>
+    <p:tnLst>
+      <p:par>
+        <p:cTn id="1" dur="indefinite" restart="never" nodeType="tmRoot"/>
+      </p:par>
+    </p:tnLst>
+  </p:timing>
+</p:sld>
+</file>
+
+<file path=ppt/slides/slide75.xml><?xml version="1.0" encoding="utf-8"?>
+<p:sld xmlns:a="http://schemas.openxmlformats.org/drawingml/2006/main" xmlns:r="http://schemas.openxmlformats.org/officeDocument/2006/relationships" xmlns:p="http://schemas.openxmlformats.org/presentationml/2006/main">
+  <p:cSld>
+    <p:spTree>
+      <p:nvGrpSpPr>
+        <p:cNvPr id="1" name=""/>
+        <p:cNvGrpSpPr/>
+        <p:nvPr/>
+      </p:nvGrpSpPr>
+      <p:grpSpPr>
+        <a:xfrm>
+          <a:off x="0" y="0"/>
+          <a:ext cx="0" cy="0"/>
+          <a:chOff x="0" y="0"/>
+          <a:chExt cx="0" cy="0"/>
+        </a:xfrm>
+      </p:grpSpPr>
+      <p:sp>
+        <p:nvSpPr>
+          <p:cNvPr id="2" name="Title 1"/>
+          <p:cNvSpPr>
+            <a:spLocks noGrp="1"/>
+          </p:cNvSpPr>
+          <p:nvPr>
+            <p:ph type="title"/>
+          </p:nvPr>
+        </p:nvSpPr>
+        <p:spPr/>
+        <p:txBody>
+          <a:bodyPr/>
+          <a:lstStyle/>
+          <a:p>
+            <a:r>
+              <a:rPr lang="en-US" dirty="0" smtClean="0"/>
+              <a:t>Poor random numbers</a:t>
+            </a:r>
+            <a:endParaRPr lang="en-US" dirty="0"/>
+          </a:p>
+        </p:txBody>
+      </p:sp>
+      <p:sp>
+        <p:nvSpPr>
+          <p:cNvPr id="3" name="Content Placeholder 2"/>
+          <p:cNvSpPr>
+            <a:spLocks noGrp="1"/>
+          </p:cNvSpPr>
+          <p:nvPr>
+            <p:ph idx="1"/>
+          </p:nvPr>
+        </p:nvSpPr>
+        <p:spPr/>
+        <p:txBody>
+          <a:bodyPr/>
+          <a:lstStyle/>
+          <a:p>
+            <a:r>
+              <a:rPr lang="en-US" dirty="0" smtClean="0"/>
+              <a:t>TODO, if needed</a:t>
+            </a:r>
+            <a:endParaRPr lang="en-US" dirty="0"/>
+          </a:p>
+        </p:txBody>
+      </p:sp>
+    </p:spTree>
+    <p:extLst>
+      <p:ext uri="{BB962C8B-B14F-4D97-AF65-F5344CB8AC3E}">
+        <p14:creationId xmlns:p14="http://schemas.microsoft.com/office/powerpoint/2010/main" val="662950098"/>
+      </p:ext>
+    </p:extLst>
+  </p:cSld>
+  <p:clrMapOvr>
+    <a:masterClrMapping/>
+  </p:clrMapOvr>
+  <p:timing>
+    <p:tnLst>
+      <p:par>
+        <p:cTn id="1" dur="indefinite" restart="never" nodeType="tmRoot"/>
+      </p:par>
+    </p:tnLst>
+  </p:timing>
+</p:sld>
+</file>
+
+<file path=ppt/slides/slide76.xml><?xml version="1.0" encoding="utf-8"?>
 <p:sld xmlns:a="http://schemas.openxmlformats.org/drawingml/2006/main" xmlns:r="http://schemas.openxmlformats.org/officeDocument/2006/relationships" xmlns:p="http://schemas.openxmlformats.org/presentationml/2006/main">
   <p:cSld>
     <p:spTree>
@@ -42334,7 +43680,7 @@
 </p:sld>
 </file>
 
-<file path=ppt/slides/slide71.xml><?xml version="1.0" encoding="utf-8"?>
+<file path=ppt/slides/slide77.xml><?xml version="1.0" encoding="utf-8"?>
 <p:sld xmlns:a="http://schemas.openxmlformats.org/drawingml/2006/main" xmlns:r="http://schemas.openxmlformats.org/officeDocument/2006/relationships" xmlns:p="http://schemas.openxmlformats.org/presentationml/2006/main">
   <p:cSld>
     <p:spTree>
@@ -42413,7 +43759,7 @@
 </p:sld>
 </file>
 
-<file path=ppt/slides/slide72.xml><?xml version="1.0" encoding="utf-8"?>
+<file path=ppt/slides/slide78.xml><?xml version="1.0" encoding="utf-8"?>
 <p:sld xmlns:a="http://schemas.openxmlformats.org/drawingml/2006/main" xmlns:r="http://schemas.openxmlformats.org/officeDocument/2006/relationships" xmlns:p="http://schemas.openxmlformats.org/presentationml/2006/main">
   <p:cSld>
     <p:spTree>

--- a/Shmoocon.pptx
+++ b/Shmoocon.pptx
@@ -5,7 +5,7 @@
     <p:sldMasterId id="2147483708" r:id="rId1"/>
   </p:sldMasterIdLst>
   <p:notesMasterIdLst>
-    <p:notesMasterId r:id="rId80"/>
+    <p:notesMasterId r:id="rId94"/>
   </p:notesMasterIdLst>
   <p:sldIdLst>
     <p:sldId id="256" r:id="rId2"/>
@@ -79,13 +79,27 @@
     <p:sldId id="336" r:id="rId70"/>
     <p:sldId id="337" r:id="rId71"/>
     <p:sldId id="341" r:id="rId72"/>
-    <p:sldId id="338" r:id="rId73"/>
-    <p:sldId id="339" r:id="rId74"/>
-    <p:sldId id="340" r:id="rId75"/>
-    <p:sldId id="312" r:id="rId76"/>
-    <p:sldId id="313" r:id="rId77"/>
-    <p:sldId id="315" r:id="rId78"/>
-    <p:sldId id="316" r:id="rId79"/>
+    <p:sldId id="342" r:id="rId73"/>
+    <p:sldId id="343" r:id="rId74"/>
+    <p:sldId id="338" r:id="rId75"/>
+    <p:sldId id="339" r:id="rId76"/>
+    <p:sldId id="340" r:id="rId77"/>
+    <p:sldId id="344" r:id="rId78"/>
+    <p:sldId id="345" r:id="rId79"/>
+    <p:sldId id="346" r:id="rId80"/>
+    <p:sldId id="347" r:id="rId81"/>
+    <p:sldId id="348" r:id="rId82"/>
+    <p:sldId id="349" r:id="rId83"/>
+    <p:sldId id="350" r:id="rId84"/>
+    <p:sldId id="352" r:id="rId85"/>
+    <p:sldId id="353" r:id="rId86"/>
+    <p:sldId id="354" r:id="rId87"/>
+    <p:sldId id="355" r:id="rId88"/>
+    <p:sldId id="351" r:id="rId89"/>
+    <p:sldId id="356" r:id="rId90"/>
+    <p:sldId id="313" r:id="rId91"/>
+    <p:sldId id="315" r:id="rId92"/>
+    <p:sldId id="316" r:id="rId93"/>
   </p:sldIdLst>
   <p:sldSz cx="9144000" cy="6858000" type="screen4x3"/>
   <p:notesSz cx="6858000" cy="9144000"/>
@@ -269,7 +283,7 @@
           <a:p>
             <a:fld id="{B518C13D-2B3F-42C3-B83D-5B01E1232990}" type="datetimeFigureOut">
               <a:rPr lang="en-US" smtClean="0"/>
-              <a:t>2/1/2013</a:t>
+              <a:t>2/6/2013</a:t>
             </a:fld>
             <a:endParaRPr lang="en-US"/>
           </a:p>
@@ -954,7 +968,7 @@
           <a:p>
             <a:fld id="{C7363F1F-ADBF-4FAE-A422-131859708330}" type="datetimeFigureOut">
               <a:rPr lang="en-US" smtClean="0"/>
-              <a:t>2/1/2013</a:t>
+              <a:t>2/6/2013</a:t>
             </a:fld>
             <a:endParaRPr lang="en-US"/>
           </a:p>
@@ -1124,7 +1138,7 @@
           <a:p>
             <a:fld id="{C7363F1F-ADBF-4FAE-A422-131859708330}" type="datetimeFigureOut">
               <a:rPr lang="en-US" smtClean="0"/>
-              <a:t>2/1/2013</a:t>
+              <a:t>2/6/2013</a:t>
             </a:fld>
             <a:endParaRPr lang="en-US"/>
           </a:p>
@@ -1304,7 +1318,7 @@
           <a:p>
             <a:fld id="{C7363F1F-ADBF-4FAE-A422-131859708330}" type="datetimeFigureOut">
               <a:rPr lang="en-US" smtClean="0"/>
-              <a:t>2/1/2013</a:t>
+              <a:t>2/6/2013</a:t>
             </a:fld>
             <a:endParaRPr lang="en-US"/>
           </a:p>
@@ -1474,7 +1488,7 @@
           <a:p>
             <a:fld id="{C7363F1F-ADBF-4FAE-A422-131859708330}" type="datetimeFigureOut">
               <a:rPr lang="en-US" smtClean="0"/>
-              <a:t>2/1/2013</a:t>
+              <a:t>2/6/2013</a:t>
             </a:fld>
             <a:endParaRPr lang="en-US"/>
           </a:p>
@@ -1720,7 +1734,7 @@
           <a:p>
             <a:fld id="{C7363F1F-ADBF-4FAE-A422-131859708330}" type="datetimeFigureOut">
               <a:rPr lang="en-US" smtClean="0"/>
-              <a:t>2/1/2013</a:t>
+              <a:t>2/6/2013</a:t>
             </a:fld>
             <a:endParaRPr lang="en-US"/>
           </a:p>
@@ -2008,7 +2022,7 @@
           <a:p>
             <a:fld id="{C7363F1F-ADBF-4FAE-A422-131859708330}" type="datetimeFigureOut">
               <a:rPr lang="en-US" smtClean="0"/>
-              <a:t>2/1/2013</a:t>
+              <a:t>2/6/2013</a:t>
             </a:fld>
             <a:endParaRPr lang="en-US"/>
           </a:p>
@@ -2430,7 +2444,7 @@
           <a:p>
             <a:fld id="{C7363F1F-ADBF-4FAE-A422-131859708330}" type="datetimeFigureOut">
               <a:rPr lang="en-US" smtClean="0"/>
-              <a:t>2/1/2013</a:t>
+              <a:t>2/6/2013</a:t>
             </a:fld>
             <a:endParaRPr lang="en-US"/>
           </a:p>
@@ -2548,7 +2562,7 @@
           <a:p>
             <a:fld id="{C7363F1F-ADBF-4FAE-A422-131859708330}" type="datetimeFigureOut">
               <a:rPr lang="en-US" smtClean="0"/>
-              <a:t>2/1/2013</a:t>
+              <a:t>2/6/2013</a:t>
             </a:fld>
             <a:endParaRPr lang="en-US"/>
           </a:p>
@@ -2643,7 +2657,7 @@
           <a:p>
             <a:fld id="{C7363F1F-ADBF-4FAE-A422-131859708330}" type="datetimeFigureOut">
               <a:rPr lang="en-US" smtClean="0"/>
-              <a:t>2/1/2013</a:t>
+              <a:t>2/6/2013</a:t>
             </a:fld>
             <a:endParaRPr lang="en-US"/>
           </a:p>
@@ -2920,7 +2934,7 @@
           <a:p>
             <a:fld id="{C7363F1F-ADBF-4FAE-A422-131859708330}" type="datetimeFigureOut">
               <a:rPr lang="en-US" smtClean="0"/>
-              <a:t>2/1/2013</a:t>
+              <a:t>2/6/2013</a:t>
             </a:fld>
             <a:endParaRPr lang="en-US"/>
           </a:p>
@@ -3173,7 +3187,7 @@
           <a:p>
             <a:fld id="{C7363F1F-ADBF-4FAE-A422-131859708330}" type="datetimeFigureOut">
               <a:rPr lang="en-US" smtClean="0"/>
-              <a:t>2/1/2013</a:t>
+              <a:t>2/6/2013</a:t>
             </a:fld>
             <a:endParaRPr lang="en-US"/>
           </a:p>
@@ -3386,7 +3400,7 @@
           <a:p>
             <a:fld id="{C7363F1F-ADBF-4FAE-A422-131859708330}" type="datetimeFigureOut">
               <a:rPr lang="en-US" smtClean="0"/>
-              <a:t>2/1/2013</a:t>
+              <a:t>2/6/2013</a:t>
             </a:fld>
             <a:endParaRPr lang="en-US"/>
           </a:p>
@@ -42323,14 +42337,45 @@
         </p:nvSpPr>
         <p:spPr/>
         <p:txBody>
-          <a:bodyPr/>
+          <a:bodyPr>
+            <a:normAutofit lnSpcReduction="10000"/>
+          </a:bodyPr>
           <a:lstStyle/>
           <a:p>
             <a:r>
-              <a:rPr lang="en-US" smtClean="0"/>
-              <a:t>TODO</a:t>
-            </a:r>
-            <a:endParaRPr lang="en-US"/>
+              <a:rPr lang="en-US" dirty="0" smtClean="0"/>
+              <a:t>We already talked about padding on hashes, but this is different</a:t>
+            </a:r>
+          </a:p>
+          <a:p>
+            <a:r>
+              <a:rPr lang="en-US" dirty="0" smtClean="0"/>
+              <a:t>Block ciphers require the data to be padded such that it’s a multiple of the </a:t>
+            </a:r>
+            <a:r>
+              <a:rPr lang="en-US" dirty="0" err="1" smtClean="0"/>
+              <a:t>blocksize</a:t>
+            </a:r>
+            <a:endParaRPr lang="en-US" dirty="0" smtClean="0"/>
+          </a:p>
+          <a:p>
+            <a:pPr lvl="1"/>
+            <a:r>
+              <a:rPr lang="en-US" dirty="0" smtClean="0"/>
+              <a:t>If the data is already a multiple, an empty block is added</a:t>
+            </a:r>
+          </a:p>
+          <a:p>
+            <a:r>
+              <a:rPr lang="en-US" dirty="0" smtClean="0"/>
+              <a:t>It doesn’t matter what the padding is, just that it’s predictable</a:t>
+            </a:r>
+          </a:p>
+          <a:p>
+            <a:r>
+              <a:rPr lang="en-US" dirty="0" smtClean="0"/>
+              <a:t>Let’s look at the most common…</a:t>
+            </a:r>
           </a:p>
         </p:txBody>
       </p:sp>
@@ -42355,6 +42400,1403 @@
 </file>
 
 <file path=ppt/slides/slide72.xml><?xml version="1.0" encoding="utf-8"?>
+<p:sld xmlns:a="http://schemas.openxmlformats.org/drawingml/2006/main" xmlns:r="http://schemas.openxmlformats.org/officeDocument/2006/relationships" xmlns:p="http://schemas.openxmlformats.org/presentationml/2006/main">
+  <p:cSld>
+    <p:spTree>
+      <p:nvGrpSpPr>
+        <p:cNvPr id="1" name=""/>
+        <p:cNvGrpSpPr/>
+        <p:nvPr/>
+      </p:nvGrpSpPr>
+      <p:grpSpPr>
+        <a:xfrm>
+          <a:off x="0" y="0"/>
+          <a:ext cx="0" cy="0"/>
+          <a:chOff x="0" y="0"/>
+          <a:chExt cx="0" cy="0"/>
+        </a:xfrm>
+      </p:grpSpPr>
+      <p:sp>
+        <p:nvSpPr>
+          <p:cNvPr id="2" name="Title 1"/>
+          <p:cNvSpPr>
+            <a:spLocks noGrp="1"/>
+          </p:cNvSpPr>
+          <p:nvPr>
+            <p:ph type="title"/>
+          </p:nvPr>
+        </p:nvSpPr>
+        <p:spPr/>
+        <p:txBody>
+          <a:bodyPr/>
+          <a:lstStyle/>
+          <a:p>
+            <a:r>
+              <a:rPr lang="en-US" dirty="0" smtClean="0"/>
+              <a:t>Padding oracles: Padding</a:t>
+            </a:r>
+            <a:endParaRPr lang="en-US" dirty="0"/>
+          </a:p>
+        </p:txBody>
+      </p:sp>
+      <p:sp>
+        <p:nvSpPr>
+          <p:cNvPr id="3" name="Content Placeholder 2"/>
+          <p:cNvSpPr>
+            <a:spLocks noGrp="1"/>
+          </p:cNvSpPr>
+          <p:nvPr>
+            <p:ph idx="1"/>
+          </p:nvPr>
+        </p:nvSpPr>
+        <p:spPr/>
+        <p:txBody>
+          <a:bodyPr/>
+          <a:lstStyle/>
+          <a:p>
+            <a:r>
+              <a:rPr lang="en-US" dirty="0"/>
+              <a:t>Typically, PKCS #7 is used, which says…</a:t>
+            </a:r>
+          </a:p>
+          <a:p>
+            <a:pPr lvl="1"/>
+            <a:r>
+              <a:rPr lang="en-US" dirty="0"/>
+              <a:t>The value of the padding = the number of bytes of padding</a:t>
+            </a:r>
+          </a:p>
+          <a:p>
+            <a:r>
+              <a:rPr lang="en-US" dirty="0" err="1" smtClean="0"/>
+              <a:t>Eg</a:t>
+            </a:r>
+            <a:r>
+              <a:rPr lang="en-US" dirty="0" smtClean="0"/>
+              <a:t> (assume block size = 8):</a:t>
+            </a:r>
+          </a:p>
+          <a:p>
+            <a:endParaRPr lang="en-US" dirty="0"/>
+          </a:p>
+        </p:txBody>
+      </p:sp>
+      <p:graphicFrame>
+        <p:nvGraphicFramePr>
+          <p:cNvPr id="4" name="Table 3"/>
+          <p:cNvGraphicFramePr>
+            <a:graphicFrameLocks noGrp="1"/>
+          </p:cNvGraphicFramePr>
+          <p:nvPr>
+            <p:extLst>
+              <p:ext uri="{D42A27DB-BD31-4B8C-83A1-F6EECF244321}">
+                <p14:modId xmlns:p14="http://schemas.microsoft.com/office/powerpoint/2010/main" val="541596642"/>
+              </p:ext>
+            </p:extLst>
+          </p:nvPr>
+        </p:nvGraphicFramePr>
+        <p:xfrm>
+          <a:off x="193286" y="3855414"/>
+          <a:ext cx="4419601" cy="685800"/>
+        </p:xfrm>
+        <a:graphic>
+          <a:graphicData uri="http://schemas.openxmlformats.org/drawingml/2006/table">
+            <a:tbl>
+              <a:tblPr>
+                <a:tableStyleId>{3C2FFA5D-87B4-456A-9821-1D502468CF0F}</a:tableStyleId>
+              </a:tblPr>
+              <a:tblGrid>
+                <a:gridCol w="550712"/>
+                <a:gridCol w="550712"/>
+                <a:gridCol w="550712"/>
+                <a:gridCol w="550712"/>
+                <a:gridCol w="550712"/>
+                <a:gridCol w="550712"/>
+                <a:gridCol w="550712"/>
+                <a:gridCol w="564617"/>
+              </a:tblGrid>
+              <a:tr h="685800">
+                <a:tc>
+                  <a:txBody>
+                    <a:bodyPr/>
+                    <a:lstStyle/>
+                    <a:p>
+                      <a:pPr algn="ctr" fontAlgn="b"/>
+                      <a:r>
+                        <a:rPr lang="en-US" sz="2000" u="none" strike="noStrike" dirty="0">
+                          <a:effectLst/>
+                        </a:rPr>
+                        <a:t>H</a:t>
+                      </a:r>
+                      <a:endParaRPr lang="en-US" sz="2000" b="0" i="0" u="none" strike="noStrike" dirty="0">
+                        <a:solidFill>
+                          <a:srgbClr val="000000"/>
+                        </a:solidFill>
+                        <a:effectLst/>
+                        <a:latin typeface="Calibri"/>
+                      </a:endParaRPr>
+                    </a:p>
+                  </a:txBody>
+                  <a:tcPr marL="9525" marR="9525" marT="9525" marB="0" anchor="ctr"/>
+                </a:tc>
+                <a:tc>
+                  <a:txBody>
+                    <a:bodyPr/>
+                    <a:lstStyle/>
+                    <a:p>
+                      <a:pPr algn="ctr" fontAlgn="b"/>
+                      <a:r>
+                        <a:rPr lang="en-US" sz="2000" u="none" strike="noStrike" dirty="0">
+                          <a:effectLst/>
+                        </a:rPr>
+                        <a:t>e</a:t>
+                      </a:r>
+                      <a:endParaRPr lang="en-US" sz="2000" b="0" i="0" u="none" strike="noStrike" dirty="0">
+                        <a:solidFill>
+                          <a:srgbClr val="000000"/>
+                        </a:solidFill>
+                        <a:effectLst/>
+                        <a:latin typeface="Calibri"/>
+                      </a:endParaRPr>
+                    </a:p>
+                  </a:txBody>
+                  <a:tcPr marL="9525" marR="9525" marT="9525" marB="0" anchor="ctr"/>
+                </a:tc>
+                <a:tc>
+                  <a:txBody>
+                    <a:bodyPr/>
+                    <a:lstStyle/>
+                    <a:p>
+                      <a:pPr algn="ctr" fontAlgn="b"/>
+                      <a:r>
+                        <a:rPr lang="en-US" sz="2000" u="none" strike="noStrike" dirty="0">
+                          <a:effectLst/>
+                        </a:rPr>
+                        <a:t>l</a:t>
+                      </a:r>
+                      <a:endParaRPr lang="en-US" sz="2000" b="0" i="0" u="none" strike="noStrike" dirty="0">
+                        <a:solidFill>
+                          <a:srgbClr val="000000"/>
+                        </a:solidFill>
+                        <a:effectLst/>
+                        <a:latin typeface="Calibri"/>
+                      </a:endParaRPr>
+                    </a:p>
+                  </a:txBody>
+                  <a:tcPr marL="9525" marR="9525" marT="9525" marB="0" anchor="ctr"/>
+                </a:tc>
+                <a:tc>
+                  <a:txBody>
+                    <a:bodyPr/>
+                    <a:lstStyle/>
+                    <a:p>
+                      <a:pPr algn="ctr" fontAlgn="b"/>
+                      <a:r>
+                        <a:rPr lang="en-US" sz="2000" u="none" strike="noStrike" dirty="0">
+                          <a:effectLst/>
+                        </a:rPr>
+                        <a:t>l</a:t>
+                      </a:r>
+                      <a:endParaRPr lang="en-US" sz="2000" b="0" i="0" u="none" strike="noStrike" dirty="0">
+                        <a:solidFill>
+                          <a:srgbClr val="000000"/>
+                        </a:solidFill>
+                        <a:effectLst/>
+                        <a:latin typeface="Calibri"/>
+                      </a:endParaRPr>
+                    </a:p>
+                  </a:txBody>
+                  <a:tcPr marL="9525" marR="9525" marT="9525" marB="0" anchor="ctr"/>
+                </a:tc>
+                <a:tc>
+                  <a:txBody>
+                    <a:bodyPr/>
+                    <a:lstStyle/>
+                    <a:p>
+                      <a:pPr algn="ctr" fontAlgn="b"/>
+                      <a:r>
+                        <a:rPr lang="en-US" sz="2000" u="none" strike="noStrike" dirty="0">
+                          <a:effectLst/>
+                        </a:rPr>
+                        <a:t>o</a:t>
+                      </a:r>
+                      <a:endParaRPr lang="en-US" sz="2000" b="0" i="0" u="none" strike="noStrike" dirty="0">
+                        <a:solidFill>
+                          <a:srgbClr val="000000"/>
+                        </a:solidFill>
+                        <a:effectLst/>
+                        <a:latin typeface="Calibri"/>
+                      </a:endParaRPr>
+                    </a:p>
+                  </a:txBody>
+                  <a:tcPr marL="9525" marR="9525" marT="9525" marB="0" anchor="ctr"/>
+                </a:tc>
+                <a:tc>
+                  <a:txBody>
+                    <a:bodyPr/>
+                    <a:lstStyle/>
+                    <a:p>
+                      <a:pPr algn="ctr" fontAlgn="b"/>
+                      <a:r>
+                        <a:rPr lang="en-US" sz="2000" u="none" strike="noStrike" dirty="0">
+                          <a:effectLst/>
+                        </a:rPr>
+                        <a:t>\x03</a:t>
+                      </a:r>
+                      <a:endParaRPr lang="en-US" sz="2000" b="0" i="0" u="none" strike="noStrike" dirty="0">
+                        <a:solidFill>
+                          <a:srgbClr val="000000"/>
+                        </a:solidFill>
+                        <a:effectLst/>
+                        <a:latin typeface="Calibri"/>
+                      </a:endParaRPr>
+                    </a:p>
+                  </a:txBody>
+                  <a:tcPr marL="9525" marR="9525" marT="9525" marB="0" anchor="ctr"/>
+                </a:tc>
+                <a:tc>
+                  <a:txBody>
+                    <a:bodyPr/>
+                    <a:lstStyle/>
+                    <a:p>
+                      <a:pPr algn="ctr" fontAlgn="b"/>
+                      <a:r>
+                        <a:rPr lang="en-US" sz="2000" u="none" strike="noStrike" dirty="0">
+                          <a:effectLst/>
+                        </a:rPr>
+                        <a:t>\x03</a:t>
+                      </a:r>
+                      <a:endParaRPr lang="en-US" sz="2000" b="0" i="0" u="none" strike="noStrike" dirty="0">
+                        <a:solidFill>
+                          <a:srgbClr val="000000"/>
+                        </a:solidFill>
+                        <a:effectLst/>
+                        <a:latin typeface="Calibri"/>
+                      </a:endParaRPr>
+                    </a:p>
+                  </a:txBody>
+                  <a:tcPr marL="9525" marR="9525" marT="9525" marB="0" anchor="ctr"/>
+                </a:tc>
+                <a:tc>
+                  <a:txBody>
+                    <a:bodyPr/>
+                    <a:lstStyle/>
+                    <a:p>
+                      <a:pPr algn="ctr" fontAlgn="b"/>
+                      <a:r>
+                        <a:rPr lang="en-US" sz="2000" u="none" strike="noStrike" dirty="0">
+                          <a:effectLst/>
+                        </a:rPr>
+                        <a:t>\x03</a:t>
+                      </a:r>
+                      <a:endParaRPr lang="en-US" sz="2000" b="0" i="0" u="none" strike="noStrike" dirty="0">
+                        <a:solidFill>
+                          <a:srgbClr val="000000"/>
+                        </a:solidFill>
+                        <a:effectLst/>
+                        <a:latin typeface="Calibri"/>
+                      </a:endParaRPr>
+                    </a:p>
+                  </a:txBody>
+                  <a:tcPr marL="9525" marR="9525" marT="9525" marB="0" anchor="ctr"/>
+                </a:tc>
+              </a:tr>
+            </a:tbl>
+          </a:graphicData>
+        </a:graphic>
+      </p:graphicFrame>
+      <p:graphicFrame>
+        <p:nvGraphicFramePr>
+          <p:cNvPr id="5" name="Table 4"/>
+          <p:cNvGraphicFramePr>
+            <a:graphicFrameLocks noGrp="1"/>
+          </p:cNvGraphicFramePr>
+          <p:nvPr>
+            <p:extLst>
+              <p:ext uri="{D42A27DB-BD31-4B8C-83A1-F6EECF244321}">
+                <p14:modId xmlns:p14="http://schemas.microsoft.com/office/powerpoint/2010/main" val="2786791573"/>
+              </p:ext>
+            </p:extLst>
+          </p:nvPr>
+        </p:nvGraphicFramePr>
+        <p:xfrm>
+          <a:off x="193288" y="4693614"/>
+          <a:ext cx="8763008" cy="609600"/>
+        </p:xfrm>
+        <a:graphic>
+          <a:graphicData uri="http://schemas.openxmlformats.org/drawingml/2006/table">
+            <a:tbl>
+              <a:tblPr>
+                <a:tableStyleId>{3C2FFA5D-87B4-456A-9821-1D502468CF0F}</a:tableStyleId>
+              </a:tblPr>
+              <a:tblGrid>
+                <a:gridCol w="547688"/>
+                <a:gridCol w="547688"/>
+                <a:gridCol w="547688"/>
+                <a:gridCol w="547688"/>
+                <a:gridCol w="547688"/>
+                <a:gridCol w="547688"/>
+                <a:gridCol w="547688"/>
+                <a:gridCol w="547688"/>
+                <a:gridCol w="547688"/>
+                <a:gridCol w="547688"/>
+                <a:gridCol w="547688"/>
+                <a:gridCol w="547688"/>
+                <a:gridCol w="547688"/>
+                <a:gridCol w="547688"/>
+                <a:gridCol w="547688"/>
+                <a:gridCol w="547688"/>
+              </a:tblGrid>
+              <a:tr h="609600">
+                <a:tc>
+                  <a:txBody>
+                    <a:bodyPr/>
+                    <a:lstStyle/>
+                    <a:p>
+                      <a:pPr algn="ctr" fontAlgn="b"/>
+                      <a:r>
+                        <a:rPr lang="en-US" sz="2000" u="none" strike="noStrike" dirty="0">
+                          <a:effectLst/>
+                        </a:rPr>
+                        <a:t>H</a:t>
+                      </a:r>
+                      <a:endParaRPr lang="en-US" sz="2000" b="0" i="0" u="none" strike="noStrike" dirty="0">
+                        <a:solidFill>
+                          <a:srgbClr val="000000"/>
+                        </a:solidFill>
+                        <a:effectLst/>
+                        <a:latin typeface="Calibri"/>
+                      </a:endParaRPr>
+                    </a:p>
+                  </a:txBody>
+                  <a:tcPr marL="9525" marR="9525" marT="9525" marB="0" anchor="ctr"/>
+                </a:tc>
+                <a:tc>
+                  <a:txBody>
+                    <a:bodyPr/>
+                    <a:lstStyle/>
+                    <a:p>
+                      <a:pPr algn="ctr" fontAlgn="b"/>
+                      <a:r>
+                        <a:rPr lang="en-US" sz="2000" u="none" strike="noStrike" dirty="0">
+                          <a:effectLst/>
+                        </a:rPr>
+                        <a:t>e</a:t>
+                      </a:r>
+                      <a:endParaRPr lang="en-US" sz="2000" b="0" i="0" u="none" strike="noStrike" dirty="0">
+                        <a:solidFill>
+                          <a:srgbClr val="000000"/>
+                        </a:solidFill>
+                        <a:effectLst/>
+                        <a:latin typeface="Calibri"/>
+                      </a:endParaRPr>
+                    </a:p>
+                  </a:txBody>
+                  <a:tcPr marL="9525" marR="9525" marT="9525" marB="0" anchor="ctr"/>
+                </a:tc>
+                <a:tc>
+                  <a:txBody>
+                    <a:bodyPr/>
+                    <a:lstStyle/>
+                    <a:p>
+                      <a:pPr algn="ctr" fontAlgn="b"/>
+                      <a:r>
+                        <a:rPr lang="en-US" sz="2000" u="none" strike="noStrike" dirty="0">
+                          <a:effectLst/>
+                        </a:rPr>
+                        <a:t>l</a:t>
+                      </a:r>
+                      <a:endParaRPr lang="en-US" sz="2000" b="0" i="0" u="none" strike="noStrike" dirty="0">
+                        <a:solidFill>
+                          <a:srgbClr val="000000"/>
+                        </a:solidFill>
+                        <a:effectLst/>
+                        <a:latin typeface="Calibri"/>
+                      </a:endParaRPr>
+                    </a:p>
+                  </a:txBody>
+                  <a:tcPr marL="9525" marR="9525" marT="9525" marB="0" anchor="ctr"/>
+                </a:tc>
+                <a:tc>
+                  <a:txBody>
+                    <a:bodyPr/>
+                    <a:lstStyle/>
+                    <a:p>
+                      <a:pPr algn="ctr" fontAlgn="b"/>
+                      <a:r>
+                        <a:rPr lang="en-US" sz="2000" u="none" strike="noStrike" dirty="0">
+                          <a:effectLst/>
+                        </a:rPr>
+                        <a:t>l</a:t>
+                      </a:r>
+                      <a:endParaRPr lang="en-US" sz="2000" b="0" i="0" u="none" strike="noStrike" dirty="0">
+                        <a:solidFill>
+                          <a:srgbClr val="000000"/>
+                        </a:solidFill>
+                        <a:effectLst/>
+                        <a:latin typeface="Calibri"/>
+                      </a:endParaRPr>
+                    </a:p>
+                  </a:txBody>
+                  <a:tcPr marL="9525" marR="9525" marT="9525" marB="0" anchor="ctr"/>
+                </a:tc>
+                <a:tc>
+                  <a:txBody>
+                    <a:bodyPr/>
+                    <a:lstStyle/>
+                    <a:p>
+                      <a:pPr algn="ctr" fontAlgn="b"/>
+                      <a:r>
+                        <a:rPr lang="en-US" sz="2000" u="none" strike="noStrike" dirty="0">
+                          <a:effectLst/>
+                        </a:rPr>
+                        <a:t>o</a:t>
+                      </a:r>
+                      <a:endParaRPr lang="en-US" sz="2000" b="0" i="0" u="none" strike="noStrike" dirty="0">
+                        <a:solidFill>
+                          <a:srgbClr val="000000"/>
+                        </a:solidFill>
+                        <a:effectLst/>
+                        <a:latin typeface="Calibri"/>
+                      </a:endParaRPr>
+                    </a:p>
+                  </a:txBody>
+                  <a:tcPr marL="9525" marR="9525" marT="9525" marB="0" anchor="ctr"/>
+                </a:tc>
+                <a:tc>
+                  <a:txBody>
+                    <a:bodyPr/>
+                    <a:lstStyle/>
+                    <a:p>
+                      <a:pPr algn="ctr" fontAlgn="b"/>
+                      <a:endParaRPr lang="en-US" sz="2000" b="0" i="0" u="none" strike="noStrike" dirty="0">
+                        <a:solidFill>
+                          <a:srgbClr val="000000"/>
+                        </a:solidFill>
+                        <a:effectLst/>
+                        <a:latin typeface="Calibri"/>
+                      </a:endParaRPr>
+                    </a:p>
+                  </a:txBody>
+                  <a:tcPr marL="9525" marR="9525" marT="9525" marB="0" anchor="ctr"/>
+                </a:tc>
+                <a:tc>
+                  <a:txBody>
+                    <a:bodyPr/>
+                    <a:lstStyle/>
+                    <a:p>
+                      <a:pPr algn="ctr" fontAlgn="b"/>
+                      <a:r>
+                        <a:rPr lang="en-US" sz="2000" u="none" strike="noStrike" dirty="0">
+                          <a:effectLst/>
+                        </a:rPr>
+                        <a:t>W</a:t>
+                      </a:r>
+                      <a:endParaRPr lang="en-US" sz="2000" b="0" i="0" u="none" strike="noStrike" dirty="0">
+                        <a:solidFill>
+                          <a:srgbClr val="000000"/>
+                        </a:solidFill>
+                        <a:effectLst/>
+                        <a:latin typeface="Calibri"/>
+                      </a:endParaRPr>
+                    </a:p>
+                  </a:txBody>
+                  <a:tcPr marL="9525" marR="9525" marT="9525" marB="0" anchor="ctr"/>
+                </a:tc>
+                <a:tc>
+                  <a:txBody>
+                    <a:bodyPr/>
+                    <a:lstStyle/>
+                    <a:p>
+                      <a:pPr algn="ctr" fontAlgn="b"/>
+                      <a:r>
+                        <a:rPr lang="en-US" sz="2000" u="none" strike="noStrike" dirty="0">
+                          <a:effectLst/>
+                        </a:rPr>
+                        <a:t>o</a:t>
+                      </a:r>
+                      <a:endParaRPr lang="en-US" sz="2000" b="0" i="0" u="none" strike="noStrike" dirty="0">
+                        <a:solidFill>
+                          <a:srgbClr val="000000"/>
+                        </a:solidFill>
+                        <a:effectLst/>
+                        <a:latin typeface="Calibri"/>
+                      </a:endParaRPr>
+                    </a:p>
+                  </a:txBody>
+                  <a:tcPr marL="9525" marR="9525" marT="9525" marB="0" anchor="ctr"/>
+                </a:tc>
+                <a:tc>
+                  <a:txBody>
+                    <a:bodyPr/>
+                    <a:lstStyle/>
+                    <a:p>
+                      <a:pPr algn="ctr" fontAlgn="b"/>
+                      <a:r>
+                        <a:rPr lang="en-US" sz="2000" u="none" strike="noStrike" dirty="0">
+                          <a:effectLst/>
+                        </a:rPr>
+                        <a:t>r</a:t>
+                      </a:r>
+                      <a:endParaRPr lang="en-US" sz="2000" b="0" i="0" u="none" strike="noStrike" dirty="0">
+                        <a:solidFill>
+                          <a:srgbClr val="000000"/>
+                        </a:solidFill>
+                        <a:effectLst/>
+                        <a:latin typeface="Calibri"/>
+                      </a:endParaRPr>
+                    </a:p>
+                  </a:txBody>
+                  <a:tcPr marL="9525" marR="9525" marT="9525" marB="0" anchor="ctr"/>
+                </a:tc>
+                <a:tc>
+                  <a:txBody>
+                    <a:bodyPr/>
+                    <a:lstStyle/>
+                    <a:p>
+                      <a:pPr algn="ctr" fontAlgn="b"/>
+                      <a:r>
+                        <a:rPr lang="en-US" sz="2000" u="none" strike="noStrike" dirty="0">
+                          <a:effectLst/>
+                        </a:rPr>
+                        <a:t>l</a:t>
+                      </a:r>
+                      <a:endParaRPr lang="en-US" sz="2000" b="0" i="0" u="none" strike="noStrike" dirty="0">
+                        <a:solidFill>
+                          <a:srgbClr val="000000"/>
+                        </a:solidFill>
+                        <a:effectLst/>
+                        <a:latin typeface="Calibri"/>
+                      </a:endParaRPr>
+                    </a:p>
+                  </a:txBody>
+                  <a:tcPr marL="9525" marR="9525" marT="9525" marB="0" anchor="ctr"/>
+                </a:tc>
+                <a:tc>
+                  <a:txBody>
+                    <a:bodyPr/>
+                    <a:lstStyle/>
+                    <a:p>
+                      <a:pPr algn="ctr" fontAlgn="b"/>
+                      <a:r>
+                        <a:rPr lang="en-US" sz="2000" u="none" strike="noStrike" dirty="0">
+                          <a:effectLst/>
+                        </a:rPr>
+                        <a:t>d</a:t>
+                      </a:r>
+                      <a:endParaRPr lang="en-US" sz="2000" b="0" i="0" u="none" strike="noStrike" dirty="0">
+                        <a:solidFill>
+                          <a:srgbClr val="000000"/>
+                        </a:solidFill>
+                        <a:effectLst/>
+                        <a:latin typeface="Calibri"/>
+                      </a:endParaRPr>
+                    </a:p>
+                  </a:txBody>
+                  <a:tcPr marL="9525" marR="9525" marT="9525" marB="0" anchor="ctr"/>
+                </a:tc>
+                <a:tc>
+                  <a:txBody>
+                    <a:bodyPr/>
+                    <a:lstStyle/>
+                    <a:p>
+                      <a:pPr algn="ctr" fontAlgn="b"/>
+                      <a:r>
+                        <a:rPr lang="en-US" sz="2000" u="none" strike="noStrike" dirty="0">
+                          <a:effectLst/>
+                        </a:rPr>
+                        <a:t>\x05</a:t>
+                      </a:r>
+                      <a:endParaRPr lang="en-US" sz="2000" b="0" i="0" u="none" strike="noStrike" dirty="0">
+                        <a:solidFill>
+                          <a:srgbClr val="000000"/>
+                        </a:solidFill>
+                        <a:effectLst/>
+                        <a:latin typeface="Calibri"/>
+                      </a:endParaRPr>
+                    </a:p>
+                  </a:txBody>
+                  <a:tcPr marL="9525" marR="9525" marT="9525" marB="0" anchor="ctr"/>
+                </a:tc>
+                <a:tc>
+                  <a:txBody>
+                    <a:bodyPr/>
+                    <a:lstStyle/>
+                    <a:p>
+                      <a:pPr algn="ctr" fontAlgn="b"/>
+                      <a:r>
+                        <a:rPr lang="en-US" sz="2000" u="none" strike="noStrike" dirty="0">
+                          <a:effectLst/>
+                        </a:rPr>
+                        <a:t>\x05</a:t>
+                      </a:r>
+                      <a:endParaRPr lang="en-US" sz="2000" b="0" i="0" u="none" strike="noStrike" dirty="0">
+                        <a:solidFill>
+                          <a:srgbClr val="000000"/>
+                        </a:solidFill>
+                        <a:effectLst/>
+                        <a:latin typeface="Calibri"/>
+                      </a:endParaRPr>
+                    </a:p>
+                  </a:txBody>
+                  <a:tcPr marL="9525" marR="9525" marT="9525" marB="0" anchor="ctr"/>
+                </a:tc>
+                <a:tc>
+                  <a:txBody>
+                    <a:bodyPr/>
+                    <a:lstStyle/>
+                    <a:p>
+                      <a:pPr algn="ctr" fontAlgn="b"/>
+                      <a:r>
+                        <a:rPr lang="en-US" sz="2000" u="none" strike="noStrike" dirty="0">
+                          <a:effectLst/>
+                        </a:rPr>
+                        <a:t>\x05</a:t>
+                      </a:r>
+                      <a:endParaRPr lang="en-US" sz="2000" b="0" i="0" u="none" strike="noStrike" dirty="0">
+                        <a:solidFill>
+                          <a:srgbClr val="000000"/>
+                        </a:solidFill>
+                        <a:effectLst/>
+                        <a:latin typeface="Calibri"/>
+                      </a:endParaRPr>
+                    </a:p>
+                  </a:txBody>
+                  <a:tcPr marL="9525" marR="9525" marT="9525" marB="0" anchor="ctr"/>
+                </a:tc>
+                <a:tc>
+                  <a:txBody>
+                    <a:bodyPr/>
+                    <a:lstStyle/>
+                    <a:p>
+                      <a:pPr algn="ctr" fontAlgn="b"/>
+                      <a:r>
+                        <a:rPr lang="en-US" sz="2000" u="none" strike="noStrike" dirty="0">
+                          <a:effectLst/>
+                        </a:rPr>
+                        <a:t>\x05</a:t>
+                      </a:r>
+                      <a:endParaRPr lang="en-US" sz="2000" b="0" i="0" u="none" strike="noStrike" dirty="0">
+                        <a:solidFill>
+                          <a:srgbClr val="000000"/>
+                        </a:solidFill>
+                        <a:effectLst/>
+                        <a:latin typeface="Calibri"/>
+                      </a:endParaRPr>
+                    </a:p>
+                  </a:txBody>
+                  <a:tcPr marL="9525" marR="9525" marT="9525" marB="0" anchor="ctr"/>
+                </a:tc>
+                <a:tc>
+                  <a:txBody>
+                    <a:bodyPr/>
+                    <a:lstStyle/>
+                    <a:p>
+                      <a:pPr algn="ctr" fontAlgn="b"/>
+                      <a:r>
+                        <a:rPr lang="en-US" sz="2000" u="none" strike="noStrike" dirty="0">
+                          <a:effectLst/>
+                        </a:rPr>
+                        <a:t>\x05</a:t>
+                      </a:r>
+                      <a:endParaRPr lang="en-US" sz="2000" b="0" i="0" u="none" strike="noStrike" dirty="0">
+                        <a:solidFill>
+                          <a:srgbClr val="000000"/>
+                        </a:solidFill>
+                        <a:effectLst/>
+                        <a:latin typeface="Calibri"/>
+                      </a:endParaRPr>
+                    </a:p>
+                  </a:txBody>
+                  <a:tcPr marL="9525" marR="9525" marT="9525" marB="0" anchor="ctr"/>
+                </a:tc>
+              </a:tr>
+            </a:tbl>
+          </a:graphicData>
+        </a:graphic>
+      </p:graphicFrame>
+      <p:graphicFrame>
+        <p:nvGraphicFramePr>
+          <p:cNvPr id="6" name="Table 5"/>
+          <p:cNvGraphicFramePr>
+            <a:graphicFrameLocks noGrp="1"/>
+          </p:cNvGraphicFramePr>
+          <p:nvPr>
+            <p:extLst>
+              <p:ext uri="{D42A27DB-BD31-4B8C-83A1-F6EECF244321}">
+                <p14:modId xmlns:p14="http://schemas.microsoft.com/office/powerpoint/2010/main" val="2041261055"/>
+              </p:ext>
+            </p:extLst>
+          </p:nvPr>
+        </p:nvGraphicFramePr>
+        <p:xfrm>
+          <a:off x="193288" y="5455614"/>
+          <a:ext cx="8763008" cy="762000"/>
+        </p:xfrm>
+        <a:graphic>
+          <a:graphicData uri="http://schemas.openxmlformats.org/drawingml/2006/table">
+            <a:tbl>
+              <a:tblPr>
+                <a:tableStyleId>{3C2FFA5D-87B4-456A-9821-1D502468CF0F}</a:tableStyleId>
+              </a:tblPr>
+              <a:tblGrid>
+                <a:gridCol w="547688"/>
+                <a:gridCol w="547688"/>
+                <a:gridCol w="547688"/>
+                <a:gridCol w="547688"/>
+                <a:gridCol w="547688"/>
+                <a:gridCol w="547688"/>
+                <a:gridCol w="547688"/>
+                <a:gridCol w="547688"/>
+                <a:gridCol w="547688"/>
+                <a:gridCol w="547688"/>
+                <a:gridCol w="547688"/>
+                <a:gridCol w="547688"/>
+                <a:gridCol w="547688"/>
+                <a:gridCol w="547688"/>
+                <a:gridCol w="547688"/>
+                <a:gridCol w="547688"/>
+              </a:tblGrid>
+              <a:tr h="762000">
+                <a:tc>
+                  <a:txBody>
+                    <a:bodyPr/>
+                    <a:lstStyle/>
+                    <a:p>
+                      <a:pPr algn="ctr" fontAlgn="b"/>
+                      <a:r>
+                        <a:rPr lang="en-US" sz="2000" u="none" strike="noStrike" dirty="0">
+                          <a:effectLst/>
+                        </a:rPr>
+                        <a:t>P</a:t>
+                      </a:r>
+                      <a:endParaRPr lang="en-US" sz="2000" b="0" i="0" u="none" strike="noStrike" dirty="0">
+                        <a:solidFill>
+                          <a:srgbClr val="000000"/>
+                        </a:solidFill>
+                        <a:effectLst/>
+                        <a:latin typeface="Calibri"/>
+                      </a:endParaRPr>
+                    </a:p>
+                  </a:txBody>
+                  <a:tcPr marL="9525" marR="9525" marT="9525" marB="0" anchor="ctr"/>
+                </a:tc>
+                <a:tc>
+                  <a:txBody>
+                    <a:bodyPr/>
+                    <a:lstStyle/>
+                    <a:p>
+                      <a:pPr algn="ctr" fontAlgn="b"/>
+                      <a:r>
+                        <a:rPr lang="en-US" sz="2000" u="none" strike="noStrike" dirty="0">
+                          <a:effectLst/>
+                        </a:rPr>
+                        <a:t>a</a:t>
+                      </a:r>
+                      <a:endParaRPr lang="en-US" sz="2000" b="0" i="0" u="none" strike="noStrike" dirty="0">
+                        <a:solidFill>
+                          <a:srgbClr val="000000"/>
+                        </a:solidFill>
+                        <a:effectLst/>
+                        <a:latin typeface="Calibri"/>
+                      </a:endParaRPr>
+                    </a:p>
+                  </a:txBody>
+                  <a:tcPr marL="9525" marR="9525" marT="9525" marB="0" anchor="ctr"/>
+                </a:tc>
+                <a:tc>
+                  <a:txBody>
+                    <a:bodyPr/>
+                    <a:lstStyle/>
+                    <a:p>
+                      <a:pPr algn="ctr" fontAlgn="b"/>
+                      <a:r>
+                        <a:rPr lang="en-US" sz="2000" u="none" strike="noStrike" dirty="0">
+                          <a:effectLst/>
+                        </a:rPr>
+                        <a:t>s</a:t>
+                      </a:r>
+                      <a:endParaRPr lang="en-US" sz="2000" b="0" i="0" u="none" strike="noStrike" dirty="0">
+                        <a:solidFill>
+                          <a:srgbClr val="000000"/>
+                        </a:solidFill>
+                        <a:effectLst/>
+                        <a:latin typeface="Calibri"/>
+                      </a:endParaRPr>
+                    </a:p>
+                  </a:txBody>
+                  <a:tcPr marL="9525" marR="9525" marT="9525" marB="0" anchor="ctr"/>
+                </a:tc>
+                <a:tc>
+                  <a:txBody>
+                    <a:bodyPr/>
+                    <a:lstStyle/>
+                    <a:p>
+                      <a:pPr algn="ctr" fontAlgn="b"/>
+                      <a:r>
+                        <a:rPr lang="en-US" sz="2000" u="none" strike="noStrike" dirty="0">
+                          <a:effectLst/>
+                        </a:rPr>
+                        <a:t>s</a:t>
+                      </a:r>
+                      <a:endParaRPr lang="en-US" sz="2000" b="0" i="0" u="none" strike="noStrike" dirty="0">
+                        <a:solidFill>
+                          <a:srgbClr val="000000"/>
+                        </a:solidFill>
+                        <a:effectLst/>
+                        <a:latin typeface="Calibri"/>
+                      </a:endParaRPr>
+                    </a:p>
+                  </a:txBody>
+                  <a:tcPr marL="9525" marR="9525" marT="9525" marB="0" anchor="ctr"/>
+                </a:tc>
+                <a:tc>
+                  <a:txBody>
+                    <a:bodyPr/>
+                    <a:lstStyle/>
+                    <a:p>
+                      <a:pPr algn="ctr" fontAlgn="b"/>
+                      <a:r>
+                        <a:rPr lang="en-US" sz="2000" u="none" strike="noStrike" dirty="0">
+                          <a:effectLst/>
+                        </a:rPr>
+                        <a:t>w</a:t>
+                      </a:r>
+                      <a:endParaRPr lang="en-US" sz="2000" b="0" i="0" u="none" strike="noStrike" dirty="0">
+                        <a:solidFill>
+                          <a:srgbClr val="000000"/>
+                        </a:solidFill>
+                        <a:effectLst/>
+                        <a:latin typeface="Calibri"/>
+                      </a:endParaRPr>
+                    </a:p>
+                  </a:txBody>
+                  <a:tcPr marL="9525" marR="9525" marT="9525" marB="0" anchor="ctr"/>
+                </a:tc>
+                <a:tc>
+                  <a:txBody>
+                    <a:bodyPr/>
+                    <a:lstStyle/>
+                    <a:p>
+                      <a:pPr algn="ctr" fontAlgn="b"/>
+                      <a:r>
+                        <a:rPr lang="en-US" sz="2000" u="none" strike="noStrike" dirty="0">
+                          <a:effectLst/>
+                        </a:rPr>
+                        <a:t>o</a:t>
+                      </a:r>
+                      <a:endParaRPr lang="en-US" sz="2000" b="0" i="0" u="none" strike="noStrike" dirty="0">
+                        <a:solidFill>
+                          <a:srgbClr val="000000"/>
+                        </a:solidFill>
+                        <a:effectLst/>
+                        <a:latin typeface="Calibri"/>
+                      </a:endParaRPr>
+                    </a:p>
+                  </a:txBody>
+                  <a:tcPr marL="9525" marR="9525" marT="9525" marB="0" anchor="ctr"/>
+                </a:tc>
+                <a:tc>
+                  <a:txBody>
+                    <a:bodyPr/>
+                    <a:lstStyle/>
+                    <a:p>
+                      <a:pPr algn="ctr" fontAlgn="b"/>
+                      <a:r>
+                        <a:rPr lang="en-US" sz="2000" u="none" strike="noStrike" dirty="0">
+                          <a:effectLst/>
+                        </a:rPr>
+                        <a:t>r</a:t>
+                      </a:r>
+                      <a:endParaRPr lang="en-US" sz="2000" b="0" i="0" u="none" strike="noStrike" dirty="0">
+                        <a:solidFill>
+                          <a:srgbClr val="000000"/>
+                        </a:solidFill>
+                        <a:effectLst/>
+                        <a:latin typeface="Calibri"/>
+                      </a:endParaRPr>
+                    </a:p>
+                  </a:txBody>
+                  <a:tcPr marL="9525" marR="9525" marT="9525" marB="0" anchor="ctr"/>
+                </a:tc>
+                <a:tc>
+                  <a:txBody>
+                    <a:bodyPr/>
+                    <a:lstStyle/>
+                    <a:p>
+                      <a:pPr algn="ctr" fontAlgn="b"/>
+                      <a:r>
+                        <a:rPr lang="en-US" sz="2000" u="none" strike="noStrike" dirty="0">
+                          <a:effectLst/>
+                        </a:rPr>
+                        <a:t>d</a:t>
+                      </a:r>
+                      <a:endParaRPr lang="en-US" sz="2000" b="0" i="0" u="none" strike="noStrike" dirty="0">
+                        <a:solidFill>
+                          <a:srgbClr val="000000"/>
+                        </a:solidFill>
+                        <a:effectLst/>
+                        <a:latin typeface="Calibri"/>
+                      </a:endParaRPr>
+                    </a:p>
+                  </a:txBody>
+                  <a:tcPr marL="9525" marR="9525" marT="9525" marB="0" anchor="ctr"/>
+                </a:tc>
+                <a:tc>
+                  <a:txBody>
+                    <a:bodyPr/>
+                    <a:lstStyle/>
+                    <a:p>
+                      <a:pPr algn="ctr" fontAlgn="b"/>
+                      <a:r>
+                        <a:rPr lang="en-US" sz="2000" u="none" strike="noStrike" dirty="0">
+                          <a:effectLst/>
+                        </a:rPr>
+                        <a:t>\x08</a:t>
+                      </a:r>
+                      <a:endParaRPr lang="en-US" sz="2000" b="0" i="0" u="none" strike="noStrike" dirty="0">
+                        <a:solidFill>
+                          <a:srgbClr val="000000"/>
+                        </a:solidFill>
+                        <a:effectLst/>
+                        <a:latin typeface="Calibri"/>
+                      </a:endParaRPr>
+                    </a:p>
+                  </a:txBody>
+                  <a:tcPr marL="9525" marR="9525" marT="9525" marB="0" anchor="ctr"/>
+                </a:tc>
+                <a:tc>
+                  <a:txBody>
+                    <a:bodyPr/>
+                    <a:lstStyle/>
+                    <a:p>
+                      <a:pPr algn="ctr" fontAlgn="b"/>
+                      <a:r>
+                        <a:rPr lang="en-US" sz="2000" u="none" strike="noStrike" dirty="0">
+                          <a:effectLst/>
+                        </a:rPr>
+                        <a:t>\x08</a:t>
+                      </a:r>
+                      <a:endParaRPr lang="en-US" sz="2000" b="0" i="0" u="none" strike="noStrike" dirty="0">
+                        <a:solidFill>
+                          <a:srgbClr val="000000"/>
+                        </a:solidFill>
+                        <a:effectLst/>
+                        <a:latin typeface="Calibri"/>
+                      </a:endParaRPr>
+                    </a:p>
+                  </a:txBody>
+                  <a:tcPr marL="9525" marR="9525" marT="9525" marB="0" anchor="ctr"/>
+                </a:tc>
+                <a:tc>
+                  <a:txBody>
+                    <a:bodyPr/>
+                    <a:lstStyle/>
+                    <a:p>
+                      <a:pPr algn="ctr" fontAlgn="b"/>
+                      <a:r>
+                        <a:rPr lang="en-US" sz="2000" u="none" strike="noStrike" dirty="0">
+                          <a:effectLst/>
+                        </a:rPr>
+                        <a:t>\x08</a:t>
+                      </a:r>
+                      <a:endParaRPr lang="en-US" sz="2000" b="0" i="0" u="none" strike="noStrike" dirty="0">
+                        <a:solidFill>
+                          <a:srgbClr val="000000"/>
+                        </a:solidFill>
+                        <a:effectLst/>
+                        <a:latin typeface="Calibri"/>
+                      </a:endParaRPr>
+                    </a:p>
+                  </a:txBody>
+                  <a:tcPr marL="9525" marR="9525" marT="9525" marB="0" anchor="ctr"/>
+                </a:tc>
+                <a:tc>
+                  <a:txBody>
+                    <a:bodyPr/>
+                    <a:lstStyle/>
+                    <a:p>
+                      <a:pPr algn="ctr" fontAlgn="b"/>
+                      <a:r>
+                        <a:rPr lang="en-US" sz="2000" u="none" strike="noStrike" dirty="0">
+                          <a:effectLst/>
+                        </a:rPr>
+                        <a:t>\x08</a:t>
+                      </a:r>
+                      <a:endParaRPr lang="en-US" sz="2000" b="0" i="0" u="none" strike="noStrike" dirty="0">
+                        <a:solidFill>
+                          <a:srgbClr val="000000"/>
+                        </a:solidFill>
+                        <a:effectLst/>
+                        <a:latin typeface="Calibri"/>
+                      </a:endParaRPr>
+                    </a:p>
+                  </a:txBody>
+                  <a:tcPr marL="9525" marR="9525" marT="9525" marB="0" anchor="ctr"/>
+                </a:tc>
+                <a:tc>
+                  <a:txBody>
+                    <a:bodyPr/>
+                    <a:lstStyle/>
+                    <a:p>
+                      <a:pPr algn="ctr" fontAlgn="b"/>
+                      <a:r>
+                        <a:rPr lang="en-US" sz="2000" u="none" strike="noStrike" dirty="0">
+                          <a:effectLst/>
+                        </a:rPr>
+                        <a:t>\x08</a:t>
+                      </a:r>
+                      <a:endParaRPr lang="en-US" sz="2000" b="0" i="0" u="none" strike="noStrike" dirty="0">
+                        <a:solidFill>
+                          <a:srgbClr val="000000"/>
+                        </a:solidFill>
+                        <a:effectLst/>
+                        <a:latin typeface="Calibri"/>
+                      </a:endParaRPr>
+                    </a:p>
+                  </a:txBody>
+                  <a:tcPr marL="9525" marR="9525" marT="9525" marB="0" anchor="ctr"/>
+                </a:tc>
+                <a:tc>
+                  <a:txBody>
+                    <a:bodyPr/>
+                    <a:lstStyle/>
+                    <a:p>
+                      <a:pPr algn="ctr" fontAlgn="b"/>
+                      <a:r>
+                        <a:rPr lang="en-US" sz="2000" u="none" strike="noStrike" dirty="0">
+                          <a:effectLst/>
+                        </a:rPr>
+                        <a:t>\x08</a:t>
+                      </a:r>
+                      <a:endParaRPr lang="en-US" sz="2000" b="0" i="0" u="none" strike="noStrike" dirty="0">
+                        <a:solidFill>
+                          <a:srgbClr val="000000"/>
+                        </a:solidFill>
+                        <a:effectLst/>
+                        <a:latin typeface="Calibri"/>
+                      </a:endParaRPr>
+                    </a:p>
+                  </a:txBody>
+                  <a:tcPr marL="9525" marR="9525" marT="9525" marB="0" anchor="ctr"/>
+                </a:tc>
+                <a:tc>
+                  <a:txBody>
+                    <a:bodyPr/>
+                    <a:lstStyle/>
+                    <a:p>
+                      <a:pPr algn="ctr" fontAlgn="b"/>
+                      <a:r>
+                        <a:rPr lang="en-US" sz="2000" u="none" strike="noStrike" dirty="0">
+                          <a:effectLst/>
+                        </a:rPr>
+                        <a:t>\x08</a:t>
+                      </a:r>
+                      <a:endParaRPr lang="en-US" sz="2000" b="0" i="0" u="none" strike="noStrike" dirty="0">
+                        <a:solidFill>
+                          <a:srgbClr val="000000"/>
+                        </a:solidFill>
+                        <a:effectLst/>
+                        <a:latin typeface="Calibri"/>
+                      </a:endParaRPr>
+                    </a:p>
+                  </a:txBody>
+                  <a:tcPr marL="9525" marR="9525" marT="9525" marB="0" anchor="ctr"/>
+                </a:tc>
+                <a:tc>
+                  <a:txBody>
+                    <a:bodyPr/>
+                    <a:lstStyle/>
+                    <a:p>
+                      <a:pPr algn="ctr" fontAlgn="b"/>
+                      <a:r>
+                        <a:rPr lang="en-US" sz="2000" u="none" strike="noStrike" dirty="0">
+                          <a:effectLst/>
+                        </a:rPr>
+                        <a:t>\x08</a:t>
+                      </a:r>
+                      <a:endParaRPr lang="en-US" sz="2000" b="0" i="0" u="none" strike="noStrike" dirty="0">
+                        <a:solidFill>
+                          <a:srgbClr val="000000"/>
+                        </a:solidFill>
+                        <a:effectLst/>
+                        <a:latin typeface="Calibri"/>
+                      </a:endParaRPr>
+                    </a:p>
+                  </a:txBody>
+                  <a:tcPr marL="9525" marR="9525" marT="9525" marB="0" anchor="ctr"/>
+                </a:tc>
+              </a:tr>
+            </a:tbl>
+          </a:graphicData>
+        </a:graphic>
+      </p:graphicFrame>
+      <p:sp>
+        <p:nvSpPr>
+          <p:cNvPr id="7" name="Rectangle 6"/>
+          <p:cNvSpPr/>
+          <p:nvPr/>
+        </p:nvSpPr>
+        <p:spPr>
+          <a:xfrm>
+            <a:off x="117088" y="3779214"/>
+            <a:ext cx="4495800" cy="3078786"/>
+          </a:xfrm>
+          <a:prstGeom prst="rect">
+            <a:avLst/>
+          </a:prstGeom>
+          <a:noFill/>
+        </p:spPr>
+        <p:style>
+          <a:lnRef idx="2">
+            <a:schemeClr val="accent1">
+              <a:shade val="50000"/>
+            </a:schemeClr>
+          </a:lnRef>
+          <a:fillRef idx="1">
+            <a:schemeClr val="accent1"/>
+          </a:fillRef>
+          <a:effectRef idx="0">
+            <a:schemeClr val="accent1"/>
+          </a:effectRef>
+          <a:fontRef idx="minor">
+            <a:schemeClr val="lt1"/>
+          </a:fontRef>
+        </p:style>
+        <p:txBody>
+          <a:bodyPr rtlCol="0" anchor="ctr"/>
+          <a:lstStyle/>
+          <a:p>
+            <a:pPr algn="ctr"/>
+            <a:endParaRPr lang="en-US"/>
+          </a:p>
+        </p:txBody>
+      </p:sp>
+      <p:sp>
+        <p:nvSpPr>
+          <p:cNvPr id="8" name="Rectangle 7"/>
+          <p:cNvSpPr/>
+          <p:nvPr/>
+        </p:nvSpPr>
+        <p:spPr>
+          <a:xfrm>
+            <a:off x="4612888" y="3779214"/>
+            <a:ext cx="4495800" cy="3067110"/>
+          </a:xfrm>
+          <a:prstGeom prst="rect">
+            <a:avLst/>
+          </a:prstGeom>
+          <a:noFill/>
+        </p:spPr>
+        <p:style>
+          <a:lnRef idx="2">
+            <a:schemeClr val="accent1">
+              <a:shade val="50000"/>
+            </a:schemeClr>
+          </a:lnRef>
+          <a:fillRef idx="1">
+            <a:schemeClr val="accent1"/>
+          </a:fillRef>
+          <a:effectRef idx="0">
+            <a:schemeClr val="accent1"/>
+          </a:effectRef>
+          <a:fontRef idx="minor">
+            <a:schemeClr val="lt1"/>
+          </a:fontRef>
+        </p:style>
+        <p:txBody>
+          <a:bodyPr rtlCol="0" anchor="ctr"/>
+          <a:lstStyle/>
+          <a:p>
+            <a:pPr algn="ctr"/>
+            <a:endParaRPr lang="en-US"/>
+          </a:p>
+        </p:txBody>
+      </p:sp>
+      <p:sp>
+        <p:nvSpPr>
+          <p:cNvPr id="9" name="TextBox 8"/>
+          <p:cNvSpPr txBox="1"/>
+          <p:nvPr/>
+        </p:nvSpPr>
+        <p:spPr>
+          <a:xfrm>
+            <a:off x="1717288" y="6446214"/>
+            <a:ext cx="1143000" cy="400110"/>
+          </a:xfrm>
+          <a:prstGeom prst="rect">
+            <a:avLst/>
+          </a:prstGeom>
+          <a:noFill/>
+        </p:spPr>
+        <p:txBody>
+          <a:bodyPr wrap="square" rtlCol="0">
+            <a:spAutoFit/>
+          </a:bodyPr>
+          <a:lstStyle/>
+          <a:p>
+            <a:r>
+              <a:rPr lang="en-US" sz="2000" dirty="0" smtClean="0"/>
+              <a:t>Block 1</a:t>
+            </a:r>
+            <a:endParaRPr lang="en-US" sz="2000" dirty="0"/>
+          </a:p>
+        </p:txBody>
+      </p:sp>
+      <p:sp>
+        <p:nvSpPr>
+          <p:cNvPr id="10" name="TextBox 9"/>
+          <p:cNvSpPr txBox="1"/>
+          <p:nvPr/>
+        </p:nvSpPr>
+        <p:spPr>
+          <a:xfrm>
+            <a:off x="6365488" y="6457890"/>
+            <a:ext cx="1143000" cy="400110"/>
+          </a:xfrm>
+          <a:prstGeom prst="rect">
+            <a:avLst/>
+          </a:prstGeom>
+          <a:noFill/>
+        </p:spPr>
+        <p:txBody>
+          <a:bodyPr wrap="square" rtlCol="0">
+            <a:spAutoFit/>
+          </a:bodyPr>
+          <a:lstStyle/>
+          <a:p>
+            <a:r>
+              <a:rPr lang="en-US" sz="2000" dirty="0" smtClean="0"/>
+              <a:t>Block 2</a:t>
+            </a:r>
+            <a:endParaRPr lang="en-US" sz="2000" dirty="0"/>
+          </a:p>
+        </p:txBody>
+      </p:sp>
+    </p:spTree>
+    <p:extLst>
+      <p:ext uri="{BB962C8B-B14F-4D97-AF65-F5344CB8AC3E}">
+        <p14:creationId xmlns:p14="http://schemas.microsoft.com/office/powerpoint/2010/main" val="221749780"/>
+      </p:ext>
+    </p:extLst>
+  </p:cSld>
+  <p:clrMapOvr>
+    <a:masterClrMapping/>
+  </p:clrMapOvr>
+  <p:timing>
+    <p:tnLst>
+      <p:par>
+        <p:cTn id="1" dur="indefinite" restart="never" nodeType="tmRoot"/>
+      </p:par>
+    </p:tnLst>
+  </p:timing>
+</p:sld>
+</file>
+
+<file path=ppt/slides/slide73.xml><?xml version="1.0" encoding="utf-8"?>
+<p:sld xmlns:a="http://schemas.openxmlformats.org/drawingml/2006/main" xmlns:r="http://schemas.openxmlformats.org/officeDocument/2006/relationships" xmlns:p="http://schemas.openxmlformats.org/presentationml/2006/main">
+  <p:cSld>
+    <p:spTree>
+      <p:nvGrpSpPr>
+        <p:cNvPr id="1" name=""/>
+        <p:cNvGrpSpPr/>
+        <p:nvPr/>
+      </p:nvGrpSpPr>
+      <p:grpSpPr>
+        <a:xfrm>
+          <a:off x="0" y="0"/>
+          <a:ext cx="0" cy="0"/>
+          <a:chOff x="0" y="0"/>
+          <a:chExt cx="0" cy="0"/>
+        </a:xfrm>
+      </p:grpSpPr>
+      <p:sp>
+        <p:nvSpPr>
+          <p:cNvPr id="2" name="Title 1"/>
+          <p:cNvSpPr>
+            <a:spLocks noGrp="1"/>
+          </p:cNvSpPr>
+          <p:nvPr>
+            <p:ph type="title"/>
+          </p:nvPr>
+        </p:nvSpPr>
+        <p:spPr/>
+        <p:txBody>
+          <a:bodyPr>
+            <a:normAutofit fontScale="90000"/>
+          </a:bodyPr>
+          <a:lstStyle/>
+          <a:p>
+            <a:r>
+              <a:rPr lang="en-US" dirty="0" smtClean="0"/>
+              <a:t>Padding oracles: CBC mode encryption</a:t>
+            </a:r>
+            <a:endParaRPr lang="en-US" dirty="0"/>
+          </a:p>
+        </p:txBody>
+      </p:sp>
+      <p:sp>
+        <p:nvSpPr>
+          <p:cNvPr id="3" name="Content Placeholder 2"/>
+          <p:cNvSpPr>
+            <a:spLocks noGrp="1"/>
+          </p:cNvSpPr>
+          <p:nvPr>
+            <p:ph idx="1"/>
+          </p:nvPr>
+        </p:nvSpPr>
+        <p:spPr/>
+        <p:txBody>
+          <a:bodyPr/>
+          <a:lstStyle/>
+          <a:p>
+            <a:r>
+              <a:rPr lang="en-US" dirty="0" smtClean="0"/>
+              <a:t>Now that we’ve looked at padding, let’s look at how the blocks fit together</a:t>
+            </a:r>
+          </a:p>
+          <a:p>
+            <a:r>
+              <a:rPr lang="en-US" dirty="0" smtClean="0"/>
+              <a:t>We already talked about electronic codebook (ECB) and cipher-block chaining (CBC)</a:t>
+            </a:r>
+          </a:p>
+          <a:p>
+            <a:r>
+              <a:rPr lang="en-US" dirty="0" smtClean="0"/>
+              <a:t>The “padding oracle attack” is actually an attack against CBC</a:t>
+            </a:r>
+          </a:p>
+          <a:p>
+            <a:r>
+              <a:rPr lang="en-US" dirty="0" smtClean="0"/>
+              <a:t>Let’s see why…</a:t>
+            </a:r>
+            <a:endParaRPr lang="en-US" dirty="0"/>
+          </a:p>
+        </p:txBody>
+      </p:sp>
+    </p:spTree>
+    <p:extLst>
+      <p:ext uri="{BB962C8B-B14F-4D97-AF65-F5344CB8AC3E}">
+        <p14:creationId xmlns:p14="http://schemas.microsoft.com/office/powerpoint/2010/main" val="3375392059"/>
+      </p:ext>
+    </p:extLst>
+  </p:cSld>
+  <p:clrMapOvr>
+    <a:masterClrMapping/>
+  </p:clrMapOvr>
+  <p:timing>
+    <p:tnLst>
+      <p:par>
+        <p:cTn id="1" dur="indefinite" restart="never" nodeType="tmRoot"/>
+      </p:par>
+    </p:tnLst>
+  </p:timing>
+</p:sld>
+</file>
+
+<file path=ppt/slides/slide74.xml><?xml version="1.0" encoding="utf-8"?>
 <p:sld xmlns:a="http://schemas.openxmlformats.org/drawingml/2006/main" xmlns:r="http://schemas.openxmlformats.org/officeDocument/2006/relationships" xmlns:p="http://schemas.openxmlformats.org/presentationml/2006/main">
   <p:cSld>
     <p:spTree>
@@ -42570,7 +44012,7 @@
 </p:sld>
 </file>
 
-<file path=ppt/slides/slide73.xml><?xml version="1.0" encoding="utf-8"?>
+<file path=ppt/slides/slide75.xml><?xml version="1.0" encoding="utf-8"?>
 <p:sld xmlns:a="http://schemas.openxmlformats.org/drawingml/2006/main" xmlns:r="http://schemas.openxmlformats.org/officeDocument/2006/relationships" xmlns:p="http://schemas.openxmlformats.org/presentationml/2006/main">
   <p:cSld>
     <p:spTree>
@@ -42774,7 +44216,7 @@
 </p:sld>
 </file>
 
-<file path=ppt/slides/slide74.xml><?xml version="1.0" encoding="utf-8"?>
+<file path=ppt/slides/slide76.xml><?xml version="1.0" encoding="utf-8"?>
 <p:sld xmlns:a="http://schemas.openxmlformats.org/drawingml/2006/main" xmlns:r="http://schemas.openxmlformats.org/officeDocument/2006/relationships" xmlns:p="http://schemas.openxmlformats.org/presentationml/2006/main">
   <p:cSld>
     <p:spTree>
@@ -43416,7 +44858,7 @@
 </p:sld>
 </file>
 
-<file path=ppt/slides/slide75.xml><?xml version="1.0" encoding="utf-8"?>
+<file path=ppt/slides/slide77.xml><?xml version="1.0" encoding="utf-8"?>
 <p:sld xmlns:a="http://schemas.openxmlformats.org/drawingml/2006/main" xmlns:r="http://schemas.openxmlformats.org/officeDocument/2006/relationships" xmlns:p="http://schemas.openxmlformats.org/presentationml/2006/main">
   <p:cSld>
     <p:spTree>
@@ -43450,7 +44892,7 @@
           <a:p>
             <a:r>
               <a:rPr lang="en-US" dirty="0" smtClean="0"/>
-              <a:t>Poor random numbers</a:t>
+              <a:t>Padding oracles</a:t>
             </a:r>
             <a:endParaRPr lang="en-US" dirty="0"/>
           </a:p>
@@ -43473,7 +44915,588 @@
           <a:p>
             <a:r>
               <a:rPr lang="en-US" dirty="0" smtClean="0"/>
-              <a:t>TODO, if needed</a:t>
+              <a:t>Encryption steps…</a:t>
+            </a:r>
+            <a:endParaRPr lang="en-US" dirty="0"/>
+          </a:p>
+        </p:txBody>
+      </p:sp>
+      <p:sp>
+        <p:nvSpPr>
+          <p:cNvPr id="4" name="TextBox 3"/>
+          <p:cNvSpPr txBox="1"/>
+          <p:nvPr/>
+        </p:nvSpPr>
+        <p:spPr>
+          <a:xfrm>
+            <a:off x="1845062" y="2885945"/>
+            <a:ext cx="2057400" cy="369332"/>
+          </a:xfrm>
+          <a:prstGeom prst="rect">
+            <a:avLst/>
+          </a:prstGeom>
+        </p:spPr>
+        <p:style>
+          <a:lnRef idx="2">
+            <a:schemeClr val="dk1"/>
+          </a:lnRef>
+          <a:fillRef idx="1">
+            <a:schemeClr val="lt1"/>
+          </a:fillRef>
+          <a:effectRef idx="0">
+            <a:schemeClr val="dk1"/>
+          </a:effectRef>
+          <a:fontRef idx="minor">
+            <a:schemeClr val="dk1"/>
+          </a:fontRef>
+        </p:style>
+        <p:txBody>
+          <a:bodyPr wrap="square" rtlCol="0">
+            <a:spAutoFit/>
+          </a:bodyPr>
+          <a:lstStyle/>
+          <a:p>
+            <a:pPr algn="ctr"/>
+            <a:r>
+              <a:rPr lang="en-US" dirty="0" smtClean="0"/>
+              <a:t>Add padding</a:t>
+            </a:r>
+            <a:endParaRPr lang="en-US" dirty="0"/>
+          </a:p>
+        </p:txBody>
+      </p:sp>
+      <p:sp>
+        <p:nvSpPr>
+          <p:cNvPr id="6" name="TextBox 5"/>
+          <p:cNvSpPr txBox="1"/>
+          <p:nvPr/>
+        </p:nvSpPr>
+        <p:spPr>
+          <a:xfrm>
+            <a:off x="1856213" y="3828740"/>
+            <a:ext cx="2057400" cy="369332"/>
+          </a:xfrm>
+          <a:prstGeom prst="rect">
+            <a:avLst/>
+          </a:prstGeom>
+        </p:spPr>
+        <p:style>
+          <a:lnRef idx="2">
+            <a:schemeClr val="dk1"/>
+          </a:lnRef>
+          <a:fillRef idx="1">
+            <a:schemeClr val="lt1"/>
+          </a:fillRef>
+          <a:effectRef idx="0">
+            <a:schemeClr val="dk1"/>
+          </a:effectRef>
+          <a:fontRef idx="minor">
+            <a:schemeClr val="dk1"/>
+          </a:fontRef>
+        </p:style>
+        <p:txBody>
+          <a:bodyPr wrap="square" rtlCol="0">
+            <a:spAutoFit/>
+          </a:bodyPr>
+          <a:lstStyle/>
+          <a:p>
+            <a:pPr algn="ctr"/>
+            <a:r>
+              <a:rPr lang="en-US" dirty="0" smtClean="0"/>
+              <a:t>Encrypt each block</a:t>
+            </a:r>
+            <a:endParaRPr lang="en-US" dirty="0"/>
+          </a:p>
+        </p:txBody>
+      </p:sp>
+      <p:sp>
+        <p:nvSpPr>
+          <p:cNvPr id="7" name="TextBox 6"/>
+          <p:cNvSpPr txBox="1"/>
+          <p:nvPr/>
+        </p:nvSpPr>
+        <p:spPr>
+          <a:xfrm>
+            <a:off x="1856213" y="4776594"/>
+            <a:ext cx="2057400" cy="369332"/>
+          </a:xfrm>
+          <a:prstGeom prst="rect">
+            <a:avLst/>
+          </a:prstGeom>
+        </p:spPr>
+        <p:style>
+          <a:lnRef idx="2">
+            <a:schemeClr val="dk1"/>
+          </a:lnRef>
+          <a:fillRef idx="1">
+            <a:schemeClr val="lt1"/>
+          </a:fillRef>
+          <a:effectRef idx="0">
+            <a:schemeClr val="dk1"/>
+          </a:effectRef>
+          <a:fontRef idx="minor">
+            <a:schemeClr val="dk1"/>
+          </a:fontRef>
+        </p:style>
+        <p:txBody>
+          <a:bodyPr wrap="square" rtlCol="0">
+            <a:spAutoFit/>
+          </a:bodyPr>
+          <a:lstStyle/>
+          <a:p>
+            <a:pPr algn="ctr"/>
+            <a:r>
+              <a:rPr lang="en-US" dirty="0" smtClean="0"/>
+              <a:t>Send</a:t>
+            </a:r>
+            <a:endParaRPr lang="en-US" dirty="0"/>
+          </a:p>
+        </p:txBody>
+      </p:sp>
+      <p:sp>
+        <p:nvSpPr>
+          <p:cNvPr id="8" name="TextBox 7"/>
+          <p:cNvSpPr txBox="1"/>
+          <p:nvPr/>
+        </p:nvSpPr>
+        <p:spPr>
+          <a:xfrm>
+            <a:off x="4914435" y="2885945"/>
+            <a:ext cx="2536902" cy="369332"/>
+          </a:xfrm>
+          <a:prstGeom prst="rect">
+            <a:avLst/>
+          </a:prstGeom>
+        </p:spPr>
+        <p:style>
+          <a:lnRef idx="2">
+            <a:schemeClr val="dk1"/>
+          </a:lnRef>
+          <a:fillRef idx="1">
+            <a:schemeClr val="lt1"/>
+          </a:fillRef>
+          <a:effectRef idx="0">
+            <a:schemeClr val="dk1"/>
+          </a:effectRef>
+          <a:fontRef idx="minor">
+            <a:schemeClr val="dk1"/>
+          </a:fontRef>
+        </p:style>
+        <p:txBody>
+          <a:bodyPr wrap="square" rtlCol="0">
+            <a:spAutoFit/>
+          </a:bodyPr>
+          <a:lstStyle/>
+          <a:p>
+            <a:pPr algn="ctr"/>
+            <a:r>
+              <a:rPr lang="en-US" dirty="0" smtClean="0"/>
+              <a:t>Remove/verify padding</a:t>
+            </a:r>
+            <a:endParaRPr lang="en-US" dirty="0"/>
+          </a:p>
+        </p:txBody>
+      </p:sp>
+      <p:sp>
+        <p:nvSpPr>
+          <p:cNvPr id="9" name="TextBox 8"/>
+          <p:cNvSpPr txBox="1"/>
+          <p:nvPr/>
+        </p:nvSpPr>
+        <p:spPr>
+          <a:xfrm>
+            <a:off x="5165337" y="3828740"/>
+            <a:ext cx="2057400" cy="369332"/>
+          </a:xfrm>
+          <a:prstGeom prst="rect">
+            <a:avLst/>
+          </a:prstGeom>
+        </p:spPr>
+        <p:style>
+          <a:lnRef idx="2">
+            <a:schemeClr val="dk1"/>
+          </a:lnRef>
+          <a:fillRef idx="1">
+            <a:schemeClr val="lt1"/>
+          </a:fillRef>
+          <a:effectRef idx="0">
+            <a:schemeClr val="dk1"/>
+          </a:effectRef>
+          <a:fontRef idx="minor">
+            <a:schemeClr val="dk1"/>
+          </a:fontRef>
+        </p:style>
+        <p:txBody>
+          <a:bodyPr wrap="square" rtlCol="0">
+            <a:spAutoFit/>
+          </a:bodyPr>
+          <a:lstStyle/>
+          <a:p>
+            <a:pPr algn="ctr"/>
+            <a:r>
+              <a:rPr lang="en-US" dirty="0" smtClean="0"/>
+              <a:t>Decrypt each block</a:t>
+            </a:r>
+            <a:endParaRPr lang="en-US" dirty="0"/>
+          </a:p>
+        </p:txBody>
+      </p:sp>
+      <p:sp>
+        <p:nvSpPr>
+          <p:cNvPr id="10" name="TextBox 9"/>
+          <p:cNvSpPr txBox="1"/>
+          <p:nvPr/>
+        </p:nvSpPr>
+        <p:spPr>
+          <a:xfrm>
+            <a:off x="5165337" y="4776594"/>
+            <a:ext cx="2057400" cy="369332"/>
+          </a:xfrm>
+          <a:prstGeom prst="rect">
+            <a:avLst/>
+          </a:prstGeom>
+        </p:spPr>
+        <p:style>
+          <a:lnRef idx="2">
+            <a:schemeClr val="dk1"/>
+          </a:lnRef>
+          <a:fillRef idx="1">
+            <a:schemeClr val="lt1"/>
+          </a:fillRef>
+          <a:effectRef idx="0">
+            <a:schemeClr val="dk1"/>
+          </a:effectRef>
+          <a:fontRef idx="minor">
+            <a:schemeClr val="dk1"/>
+          </a:fontRef>
+        </p:style>
+        <p:txBody>
+          <a:bodyPr wrap="square" rtlCol="0">
+            <a:spAutoFit/>
+          </a:bodyPr>
+          <a:lstStyle/>
+          <a:p>
+            <a:pPr algn="ctr"/>
+            <a:r>
+              <a:rPr lang="en-US" dirty="0" smtClean="0"/>
+              <a:t>Receive</a:t>
+            </a:r>
+            <a:endParaRPr lang="en-US" dirty="0"/>
+          </a:p>
+        </p:txBody>
+      </p:sp>
+      <p:cxnSp>
+        <p:nvCxnSpPr>
+          <p:cNvPr id="11" name="Straight Arrow Connector 10"/>
+          <p:cNvCxnSpPr>
+            <a:stCxn id="4" idx="2"/>
+            <a:endCxn id="6" idx="0"/>
+          </p:cNvCxnSpPr>
+          <p:nvPr/>
+        </p:nvCxnSpPr>
+        <p:spPr>
+          <a:xfrm>
+            <a:off x="2873762" y="3255277"/>
+            <a:ext cx="11151" cy="573463"/>
+          </a:xfrm>
+          <a:prstGeom prst="straightConnector1">
+            <a:avLst/>
+          </a:prstGeom>
+          <a:ln w="47625">
+            <a:tailEnd type="arrow"/>
+          </a:ln>
+        </p:spPr>
+        <p:style>
+          <a:lnRef idx="1">
+            <a:schemeClr val="accent1"/>
+          </a:lnRef>
+          <a:fillRef idx="0">
+            <a:schemeClr val="accent1"/>
+          </a:fillRef>
+          <a:effectRef idx="0">
+            <a:schemeClr val="accent1"/>
+          </a:effectRef>
+          <a:fontRef idx="minor">
+            <a:schemeClr val="tx1"/>
+          </a:fontRef>
+        </p:style>
+      </p:cxnSp>
+      <p:cxnSp>
+        <p:nvCxnSpPr>
+          <p:cNvPr id="13" name="Straight Arrow Connector 12"/>
+          <p:cNvCxnSpPr/>
+          <p:nvPr/>
+        </p:nvCxnSpPr>
+        <p:spPr>
+          <a:xfrm>
+            <a:off x="2879337" y="4203131"/>
+            <a:ext cx="11151" cy="573463"/>
+          </a:xfrm>
+          <a:prstGeom prst="straightConnector1">
+            <a:avLst/>
+          </a:prstGeom>
+          <a:ln w="47625">
+            <a:tailEnd type="arrow"/>
+          </a:ln>
+        </p:spPr>
+        <p:style>
+          <a:lnRef idx="1">
+            <a:schemeClr val="accent1"/>
+          </a:lnRef>
+          <a:fillRef idx="0">
+            <a:schemeClr val="accent1"/>
+          </a:fillRef>
+          <a:effectRef idx="0">
+            <a:schemeClr val="accent1"/>
+          </a:effectRef>
+          <a:fontRef idx="minor">
+            <a:schemeClr val="tx1"/>
+          </a:fontRef>
+        </p:style>
+      </p:cxnSp>
+      <p:cxnSp>
+        <p:nvCxnSpPr>
+          <p:cNvPr id="14" name="Straight Arrow Connector 13"/>
+          <p:cNvCxnSpPr>
+            <a:endCxn id="9" idx="2"/>
+          </p:cNvCxnSpPr>
+          <p:nvPr/>
+        </p:nvCxnSpPr>
+        <p:spPr>
+          <a:xfrm flipH="1" flipV="1">
+            <a:off x="6194037" y="4198072"/>
+            <a:ext cx="11152" cy="567371"/>
+          </a:xfrm>
+          <a:prstGeom prst="straightConnector1">
+            <a:avLst/>
+          </a:prstGeom>
+          <a:ln w="47625">
+            <a:tailEnd type="arrow"/>
+          </a:ln>
+        </p:spPr>
+        <p:style>
+          <a:lnRef idx="1">
+            <a:schemeClr val="accent1"/>
+          </a:lnRef>
+          <a:fillRef idx="0">
+            <a:schemeClr val="accent1"/>
+          </a:fillRef>
+          <a:effectRef idx="0">
+            <a:schemeClr val="accent1"/>
+          </a:effectRef>
+          <a:fontRef idx="minor">
+            <a:schemeClr val="tx1"/>
+          </a:fontRef>
+        </p:style>
+      </p:cxnSp>
+      <p:cxnSp>
+        <p:nvCxnSpPr>
+          <p:cNvPr id="18" name="Straight Arrow Connector 17"/>
+          <p:cNvCxnSpPr/>
+          <p:nvPr/>
+        </p:nvCxnSpPr>
+        <p:spPr>
+          <a:xfrm flipH="1" flipV="1">
+            <a:off x="6171734" y="3261369"/>
+            <a:ext cx="11152" cy="567371"/>
+          </a:xfrm>
+          <a:prstGeom prst="straightConnector1">
+            <a:avLst/>
+          </a:prstGeom>
+          <a:ln w="47625">
+            <a:tailEnd type="arrow"/>
+          </a:ln>
+        </p:spPr>
+        <p:style>
+          <a:lnRef idx="1">
+            <a:schemeClr val="accent1"/>
+          </a:lnRef>
+          <a:fillRef idx="0">
+            <a:schemeClr val="accent1"/>
+          </a:fillRef>
+          <a:effectRef idx="0">
+            <a:schemeClr val="accent1"/>
+          </a:effectRef>
+          <a:fontRef idx="minor">
+            <a:schemeClr val="tx1"/>
+          </a:fontRef>
+        </p:style>
+      </p:cxnSp>
+      <p:cxnSp>
+        <p:nvCxnSpPr>
+          <p:cNvPr id="19" name="Straight Arrow Connector 18"/>
+          <p:cNvCxnSpPr>
+            <a:stCxn id="7" idx="3"/>
+            <a:endCxn id="10" idx="1"/>
+          </p:cNvCxnSpPr>
+          <p:nvPr/>
+        </p:nvCxnSpPr>
+        <p:spPr>
+          <a:xfrm>
+            <a:off x="3913613" y="4961260"/>
+            <a:ext cx="1251724" cy="0"/>
+          </a:xfrm>
+          <a:prstGeom prst="straightConnector1">
+            <a:avLst/>
+          </a:prstGeom>
+          <a:ln w="47625">
+            <a:tailEnd type="arrow"/>
+          </a:ln>
+        </p:spPr>
+        <p:style>
+          <a:lnRef idx="1">
+            <a:schemeClr val="accent1"/>
+          </a:lnRef>
+          <a:fillRef idx="0">
+            <a:schemeClr val="accent1"/>
+          </a:fillRef>
+          <a:effectRef idx="0">
+            <a:schemeClr val="accent1"/>
+          </a:effectRef>
+          <a:fontRef idx="minor">
+            <a:schemeClr val="tx1"/>
+          </a:fontRef>
+        </p:style>
+      </p:cxnSp>
+      <p:sp>
+        <p:nvSpPr>
+          <p:cNvPr id="21" name="Rectangle 20"/>
+          <p:cNvSpPr/>
+          <p:nvPr/>
+        </p:nvSpPr>
+        <p:spPr>
+          <a:xfrm>
+            <a:off x="1219201" y="2514600"/>
+            <a:ext cx="3320274" cy="3581400"/>
+          </a:xfrm>
+          <a:prstGeom prst="rect">
+            <a:avLst/>
+          </a:prstGeom>
+          <a:noFill/>
+        </p:spPr>
+        <p:style>
+          <a:lnRef idx="2">
+            <a:schemeClr val="accent1">
+              <a:shade val="50000"/>
+            </a:schemeClr>
+          </a:lnRef>
+          <a:fillRef idx="1">
+            <a:schemeClr val="accent1"/>
+          </a:fillRef>
+          <a:effectRef idx="0">
+            <a:schemeClr val="accent1"/>
+          </a:effectRef>
+          <a:fontRef idx="minor">
+            <a:schemeClr val="lt1"/>
+          </a:fontRef>
+        </p:style>
+        <p:txBody>
+          <a:bodyPr rtlCol="0" anchor="ctr"/>
+          <a:lstStyle/>
+          <a:p>
+            <a:pPr algn="ctr"/>
+            <a:endParaRPr lang="en-US"/>
+          </a:p>
+        </p:txBody>
+      </p:sp>
+      <p:sp>
+        <p:nvSpPr>
+          <p:cNvPr id="23" name="Rectangle 22"/>
+          <p:cNvSpPr/>
+          <p:nvPr/>
+        </p:nvSpPr>
+        <p:spPr>
+          <a:xfrm>
+            <a:off x="4539474" y="2514600"/>
+            <a:ext cx="3309126" cy="3581400"/>
+          </a:xfrm>
+          <a:prstGeom prst="rect">
+            <a:avLst/>
+          </a:prstGeom>
+          <a:noFill/>
+        </p:spPr>
+        <p:style>
+          <a:lnRef idx="2">
+            <a:schemeClr val="accent1">
+              <a:shade val="50000"/>
+            </a:schemeClr>
+          </a:lnRef>
+          <a:fillRef idx="1">
+            <a:schemeClr val="accent1"/>
+          </a:fillRef>
+          <a:effectRef idx="0">
+            <a:schemeClr val="accent1"/>
+          </a:effectRef>
+          <a:fontRef idx="minor">
+            <a:schemeClr val="lt1"/>
+          </a:fontRef>
+        </p:style>
+        <p:txBody>
+          <a:bodyPr rtlCol="0" anchor="ctr"/>
+          <a:lstStyle/>
+          <a:p>
+            <a:pPr algn="ctr"/>
+            <a:endParaRPr lang="en-US"/>
+          </a:p>
+        </p:txBody>
+      </p:sp>
+      <p:sp>
+        <p:nvSpPr>
+          <p:cNvPr id="22" name="TextBox 21"/>
+          <p:cNvSpPr txBox="1"/>
+          <p:nvPr/>
+        </p:nvSpPr>
+        <p:spPr>
+          <a:xfrm>
+            <a:off x="1219202" y="5715000"/>
+            <a:ext cx="3317486" cy="381000"/>
+          </a:xfrm>
+          <a:prstGeom prst="rect">
+            <a:avLst/>
+          </a:prstGeom>
+          <a:noFill/>
+        </p:spPr>
+        <p:txBody>
+          <a:bodyPr wrap="square" rtlCol="0">
+            <a:spAutoFit/>
+          </a:bodyPr>
+          <a:lstStyle/>
+          <a:p>
+            <a:pPr algn="ctr"/>
+            <a:r>
+              <a:rPr lang="en-US" dirty="0" smtClean="0"/>
+              <a:t>Sender</a:t>
+            </a:r>
+            <a:endParaRPr lang="en-US" dirty="0"/>
+          </a:p>
+        </p:txBody>
+      </p:sp>
+      <p:sp>
+        <p:nvSpPr>
+          <p:cNvPr id="25" name="TextBox 24"/>
+          <p:cNvSpPr txBox="1"/>
+          <p:nvPr/>
+        </p:nvSpPr>
+        <p:spPr>
+          <a:xfrm>
+            <a:off x="4536688" y="5726668"/>
+            <a:ext cx="3311912" cy="369332"/>
+          </a:xfrm>
+          <a:prstGeom prst="rect">
+            <a:avLst/>
+          </a:prstGeom>
+          <a:noFill/>
+        </p:spPr>
+        <p:txBody>
+          <a:bodyPr wrap="square" rtlCol="0">
+            <a:spAutoFit/>
+          </a:bodyPr>
+          <a:lstStyle/>
+          <a:p>
+            <a:pPr algn="ctr"/>
+            <a:r>
+              <a:rPr lang="en-US" dirty="0" smtClean="0"/>
+              <a:t>Receiver</a:t>
             </a:r>
             <a:endParaRPr lang="en-US" dirty="0"/>
           </a:p>
@@ -43482,7 +45505,7 @@
     </p:spTree>
     <p:extLst>
       <p:ext uri="{BB962C8B-B14F-4D97-AF65-F5344CB8AC3E}">
-        <p14:creationId xmlns:p14="http://schemas.microsoft.com/office/powerpoint/2010/main" val="662950098"/>
+        <p14:creationId xmlns:p14="http://schemas.microsoft.com/office/powerpoint/2010/main" val="3946941876"/>
       </p:ext>
     </p:extLst>
   </p:cSld>
@@ -43499,7 +45522,5964 @@
 </p:sld>
 </file>
 
-<file path=ppt/slides/slide76.xml><?xml version="1.0" encoding="utf-8"?>
+<file path=ppt/slides/slide78.xml><?xml version="1.0" encoding="utf-8"?>
+<p:sld xmlns:a="http://schemas.openxmlformats.org/drawingml/2006/main" xmlns:r="http://schemas.openxmlformats.org/officeDocument/2006/relationships" xmlns:p="http://schemas.openxmlformats.org/presentationml/2006/main">
+  <p:cSld>
+    <p:spTree>
+      <p:nvGrpSpPr>
+        <p:cNvPr id="1" name=""/>
+        <p:cNvGrpSpPr/>
+        <p:nvPr/>
+      </p:nvGrpSpPr>
+      <p:grpSpPr>
+        <a:xfrm>
+          <a:off x="0" y="0"/>
+          <a:ext cx="0" cy="0"/>
+          <a:chOff x="0" y="0"/>
+          <a:chExt cx="0" cy="0"/>
+        </a:xfrm>
+      </p:grpSpPr>
+      <p:sp>
+        <p:nvSpPr>
+          <p:cNvPr id="2" name="Title 1"/>
+          <p:cNvSpPr>
+            <a:spLocks noGrp="1"/>
+          </p:cNvSpPr>
+          <p:nvPr>
+            <p:ph type="title"/>
+          </p:nvPr>
+        </p:nvSpPr>
+        <p:spPr/>
+        <p:txBody>
+          <a:bodyPr/>
+          <a:lstStyle/>
+          <a:p>
+            <a:r>
+              <a:rPr lang="en-US" dirty="0" smtClean="0"/>
+              <a:t>Padding oracles</a:t>
+            </a:r>
+            <a:endParaRPr lang="en-US" dirty="0"/>
+          </a:p>
+        </p:txBody>
+      </p:sp>
+      <p:sp>
+        <p:nvSpPr>
+          <p:cNvPr id="3" name="Content Placeholder 2"/>
+          <p:cNvSpPr>
+            <a:spLocks noGrp="1"/>
+          </p:cNvSpPr>
+          <p:nvPr>
+            <p:ph idx="1"/>
+          </p:nvPr>
+        </p:nvSpPr>
+        <p:spPr>
+          <a:xfrm>
+            <a:off x="457200" y="1295400"/>
+            <a:ext cx="8229600" cy="685800"/>
+          </a:xfrm>
+        </p:spPr>
+        <p:txBody>
+          <a:bodyPr/>
+          <a:lstStyle/>
+          <a:p>
+            <a:r>
+              <a:rPr lang="en-US" dirty="0" smtClean="0"/>
+              <a:t>Let’s use an example to learn this…</a:t>
+            </a:r>
+          </a:p>
+        </p:txBody>
+      </p:sp>
+      <p:sp>
+        <p:nvSpPr>
+          <p:cNvPr id="4" name="TextBox 3"/>
+          <p:cNvSpPr txBox="1"/>
+          <p:nvPr/>
+        </p:nvSpPr>
+        <p:spPr>
+          <a:xfrm>
+            <a:off x="3429000" y="2287341"/>
+            <a:ext cx="2057400" cy="369332"/>
+          </a:xfrm>
+          <a:prstGeom prst="rect">
+            <a:avLst/>
+          </a:prstGeom>
+        </p:spPr>
+        <p:style>
+          <a:lnRef idx="2">
+            <a:schemeClr val="dk1"/>
+          </a:lnRef>
+          <a:fillRef idx="1">
+            <a:schemeClr val="lt1"/>
+          </a:fillRef>
+          <a:effectRef idx="0">
+            <a:schemeClr val="dk1"/>
+          </a:effectRef>
+          <a:fontRef idx="minor">
+            <a:schemeClr val="dk1"/>
+          </a:fontRef>
+        </p:style>
+        <p:txBody>
+          <a:bodyPr wrap="square" rtlCol="0">
+            <a:spAutoFit/>
+          </a:bodyPr>
+          <a:lstStyle/>
+          <a:p>
+            <a:pPr algn="ctr"/>
+            <a:r>
+              <a:rPr lang="en-US" dirty="0" smtClean="0"/>
+              <a:t>P = “Hello World”</a:t>
+            </a:r>
+            <a:endParaRPr lang="en-US" dirty="0"/>
+          </a:p>
+        </p:txBody>
+      </p:sp>
+      <p:sp>
+        <p:nvSpPr>
+          <p:cNvPr id="5" name="TextBox 4"/>
+          <p:cNvSpPr txBox="1"/>
+          <p:nvPr/>
+        </p:nvSpPr>
+        <p:spPr>
+          <a:xfrm>
+            <a:off x="2239540" y="3200400"/>
+            <a:ext cx="2262768" cy="369332"/>
+          </a:xfrm>
+          <a:prstGeom prst="rect">
+            <a:avLst/>
+          </a:prstGeom>
+        </p:spPr>
+        <p:style>
+          <a:lnRef idx="2">
+            <a:schemeClr val="dk1"/>
+          </a:lnRef>
+          <a:fillRef idx="1">
+            <a:schemeClr val="lt1"/>
+          </a:fillRef>
+          <a:effectRef idx="0">
+            <a:schemeClr val="dk1"/>
+          </a:effectRef>
+          <a:fontRef idx="minor">
+            <a:schemeClr val="dk1"/>
+          </a:fontRef>
+        </p:style>
+        <p:txBody>
+          <a:bodyPr wrap="square" rtlCol="0">
+            <a:spAutoFit/>
+          </a:bodyPr>
+          <a:lstStyle/>
+          <a:p>
+            <a:pPr algn="ctr"/>
+            <a:r>
+              <a:rPr lang="en-US" dirty="0" smtClean="0"/>
+              <a:t>P</a:t>
+            </a:r>
+            <a:r>
+              <a:rPr lang="en-US" baseline="-25000" dirty="0" smtClean="0"/>
+              <a:t>0</a:t>
+            </a:r>
+            <a:r>
+              <a:rPr lang="en-US" dirty="0" smtClean="0"/>
+              <a:t> = “Hello </a:t>
+            </a:r>
+            <a:r>
+              <a:rPr lang="en-US" dirty="0" err="1" smtClean="0"/>
+              <a:t>Wo</a:t>
+            </a:r>
+            <a:r>
+              <a:rPr lang="en-US" dirty="0" smtClean="0"/>
+              <a:t>”</a:t>
+            </a:r>
+            <a:endParaRPr lang="en-US" dirty="0"/>
+          </a:p>
+        </p:txBody>
+      </p:sp>
+      <p:sp>
+        <p:nvSpPr>
+          <p:cNvPr id="6" name="TextBox 5"/>
+          <p:cNvSpPr txBox="1"/>
+          <p:nvPr/>
+        </p:nvSpPr>
+        <p:spPr>
+          <a:xfrm>
+            <a:off x="4487440" y="3200400"/>
+            <a:ext cx="2247900" cy="369332"/>
+          </a:xfrm>
+          <a:prstGeom prst="rect">
+            <a:avLst/>
+          </a:prstGeom>
+        </p:spPr>
+        <p:style>
+          <a:lnRef idx="2">
+            <a:schemeClr val="dk1"/>
+          </a:lnRef>
+          <a:fillRef idx="1">
+            <a:schemeClr val="lt1"/>
+          </a:fillRef>
+          <a:effectRef idx="0">
+            <a:schemeClr val="dk1"/>
+          </a:effectRef>
+          <a:fontRef idx="minor">
+            <a:schemeClr val="dk1"/>
+          </a:fontRef>
+        </p:style>
+        <p:txBody>
+          <a:bodyPr wrap="square" rtlCol="0">
+            <a:spAutoFit/>
+          </a:bodyPr>
+          <a:lstStyle/>
+          <a:p>
+            <a:pPr algn="ctr"/>
+            <a:r>
+              <a:rPr lang="en-US" dirty="0" smtClean="0"/>
+              <a:t>P</a:t>
+            </a:r>
+            <a:r>
+              <a:rPr lang="en-US" baseline="-25000" dirty="0" smtClean="0"/>
+              <a:t>1</a:t>
+            </a:r>
+            <a:r>
+              <a:rPr lang="en-US" dirty="0" smtClean="0"/>
+              <a:t> = “</a:t>
+            </a:r>
+            <a:r>
+              <a:rPr lang="en-US" dirty="0" err="1" smtClean="0"/>
+              <a:t>rld</a:t>
+            </a:r>
+            <a:r>
+              <a:rPr lang="en-US" dirty="0" smtClean="0"/>
+              <a:t>”</a:t>
+            </a:r>
+            <a:endParaRPr lang="en-US" dirty="0"/>
+          </a:p>
+        </p:txBody>
+      </p:sp>
+      <p:sp>
+        <p:nvSpPr>
+          <p:cNvPr id="7" name="TextBox 6"/>
+          <p:cNvSpPr txBox="1"/>
+          <p:nvPr/>
+        </p:nvSpPr>
+        <p:spPr>
+          <a:xfrm>
+            <a:off x="2209800" y="4114800"/>
+            <a:ext cx="2277636" cy="369332"/>
+          </a:xfrm>
+          <a:prstGeom prst="rect">
+            <a:avLst/>
+          </a:prstGeom>
+        </p:spPr>
+        <p:style>
+          <a:lnRef idx="2">
+            <a:schemeClr val="dk1"/>
+          </a:lnRef>
+          <a:fillRef idx="1">
+            <a:schemeClr val="lt1"/>
+          </a:fillRef>
+          <a:effectRef idx="0">
+            <a:schemeClr val="dk1"/>
+          </a:effectRef>
+          <a:fontRef idx="minor">
+            <a:schemeClr val="dk1"/>
+          </a:fontRef>
+        </p:style>
+        <p:txBody>
+          <a:bodyPr wrap="square" rtlCol="0">
+            <a:spAutoFit/>
+          </a:bodyPr>
+          <a:lstStyle/>
+          <a:p>
+            <a:pPr algn="ctr"/>
+            <a:r>
+              <a:rPr lang="en-US" dirty="0" smtClean="0"/>
+              <a:t>P</a:t>
+            </a:r>
+            <a:r>
+              <a:rPr lang="en-US" baseline="-25000" dirty="0" smtClean="0"/>
+              <a:t>0</a:t>
+            </a:r>
+            <a:r>
+              <a:rPr lang="en-US" dirty="0" smtClean="0"/>
+              <a:t> = “Hello </a:t>
+            </a:r>
+            <a:r>
+              <a:rPr lang="en-US" dirty="0" err="1" smtClean="0"/>
+              <a:t>Wo</a:t>
+            </a:r>
+            <a:r>
+              <a:rPr lang="en-US" dirty="0" smtClean="0"/>
+              <a:t>”</a:t>
+            </a:r>
+            <a:endParaRPr lang="en-US" dirty="0"/>
+          </a:p>
+        </p:txBody>
+      </p:sp>
+      <p:sp>
+        <p:nvSpPr>
+          <p:cNvPr id="8" name="TextBox 7"/>
+          <p:cNvSpPr txBox="1"/>
+          <p:nvPr/>
+        </p:nvSpPr>
+        <p:spPr>
+          <a:xfrm>
+            <a:off x="4472568" y="4114800"/>
+            <a:ext cx="2233032" cy="369332"/>
+          </a:xfrm>
+          <a:prstGeom prst="rect">
+            <a:avLst/>
+          </a:prstGeom>
+        </p:spPr>
+        <p:style>
+          <a:lnRef idx="2">
+            <a:schemeClr val="dk1"/>
+          </a:lnRef>
+          <a:fillRef idx="1">
+            <a:schemeClr val="lt1"/>
+          </a:fillRef>
+          <a:effectRef idx="0">
+            <a:schemeClr val="dk1"/>
+          </a:effectRef>
+          <a:fontRef idx="minor">
+            <a:schemeClr val="dk1"/>
+          </a:fontRef>
+        </p:style>
+        <p:txBody>
+          <a:bodyPr wrap="square" rtlCol="0">
+            <a:spAutoFit/>
+          </a:bodyPr>
+          <a:lstStyle/>
+          <a:p>
+            <a:pPr algn="ctr"/>
+            <a:r>
+              <a:rPr lang="en-US" dirty="0" smtClean="0"/>
+              <a:t>P</a:t>
+            </a:r>
+            <a:r>
+              <a:rPr lang="en-US" baseline="-25000" dirty="0" smtClean="0"/>
+              <a:t>1</a:t>
+            </a:r>
+            <a:r>
+              <a:rPr lang="en-US" dirty="0" smtClean="0"/>
+              <a:t> = “</a:t>
+            </a:r>
+            <a:r>
+              <a:rPr lang="en-US" dirty="0" err="1" smtClean="0"/>
+              <a:t>rld</a:t>
+            </a:r>
+            <a:r>
+              <a:rPr lang="en-US" dirty="0" smtClean="0"/>
+              <a:t>\5\5\5\5\5”</a:t>
+            </a:r>
+            <a:endParaRPr lang="en-US" dirty="0"/>
+          </a:p>
+        </p:txBody>
+      </p:sp>
+      <p:sp>
+        <p:nvSpPr>
+          <p:cNvPr id="9" name="TextBox 8"/>
+          <p:cNvSpPr txBox="1"/>
+          <p:nvPr/>
+        </p:nvSpPr>
+        <p:spPr>
+          <a:xfrm>
+            <a:off x="1828800" y="5029200"/>
+            <a:ext cx="2628899" cy="369332"/>
+          </a:xfrm>
+          <a:prstGeom prst="rect">
+            <a:avLst/>
+          </a:prstGeom>
+        </p:spPr>
+        <p:style>
+          <a:lnRef idx="2">
+            <a:schemeClr val="dk1"/>
+          </a:lnRef>
+          <a:fillRef idx="1">
+            <a:schemeClr val="lt1"/>
+          </a:fillRef>
+          <a:effectRef idx="0">
+            <a:schemeClr val="dk1"/>
+          </a:effectRef>
+          <a:fontRef idx="minor">
+            <a:schemeClr val="dk1"/>
+          </a:fontRef>
+        </p:style>
+        <p:txBody>
+          <a:bodyPr wrap="square" rtlCol="0">
+            <a:spAutoFit/>
+          </a:bodyPr>
+          <a:lstStyle/>
+          <a:p>
+            <a:pPr algn="ctr"/>
+            <a:r>
+              <a:rPr lang="en-US" dirty="0" smtClean="0"/>
+              <a:t>C</a:t>
+            </a:r>
+            <a:r>
+              <a:rPr lang="en-US" baseline="-25000" dirty="0" smtClean="0"/>
+              <a:t>0</a:t>
+            </a:r>
+            <a:r>
+              <a:rPr lang="en-US" dirty="0" smtClean="0"/>
+              <a:t> = “8aec483e43027f22”</a:t>
+            </a:r>
+            <a:endParaRPr lang="en-US" dirty="0"/>
+          </a:p>
+        </p:txBody>
+      </p:sp>
+      <p:sp>
+        <p:nvSpPr>
+          <p:cNvPr id="10" name="TextBox 9"/>
+          <p:cNvSpPr txBox="1"/>
+          <p:nvPr/>
+        </p:nvSpPr>
+        <p:spPr>
+          <a:xfrm>
+            <a:off x="4442830" y="5029200"/>
+            <a:ext cx="2643770" cy="369332"/>
+          </a:xfrm>
+          <a:prstGeom prst="rect">
+            <a:avLst/>
+          </a:prstGeom>
+        </p:spPr>
+        <p:style>
+          <a:lnRef idx="2">
+            <a:schemeClr val="dk1"/>
+          </a:lnRef>
+          <a:fillRef idx="1">
+            <a:schemeClr val="lt1"/>
+          </a:fillRef>
+          <a:effectRef idx="0">
+            <a:schemeClr val="dk1"/>
+          </a:effectRef>
+          <a:fontRef idx="minor">
+            <a:schemeClr val="dk1"/>
+          </a:fontRef>
+        </p:style>
+        <p:txBody>
+          <a:bodyPr wrap="square" rtlCol="0">
+            <a:spAutoFit/>
+          </a:bodyPr>
+          <a:lstStyle/>
+          <a:p>
+            <a:pPr algn="ctr"/>
+            <a:r>
+              <a:rPr lang="en-US" dirty="0" smtClean="0"/>
+              <a:t>C</a:t>
+            </a:r>
+            <a:r>
+              <a:rPr lang="en-US" baseline="-25000" dirty="0" smtClean="0"/>
+              <a:t>1</a:t>
+            </a:r>
+            <a:r>
+              <a:rPr lang="en-US" dirty="0" smtClean="0"/>
+              <a:t> = “</a:t>
+            </a:r>
+            <a:r>
+              <a:rPr lang="en-US" dirty="0"/>
+              <a:t>287ca837fb65e219</a:t>
+            </a:r>
+            <a:r>
+              <a:rPr lang="en-US" dirty="0" smtClean="0"/>
+              <a:t>”</a:t>
+            </a:r>
+            <a:endParaRPr lang="en-US" dirty="0"/>
+          </a:p>
+        </p:txBody>
+      </p:sp>
+      <p:sp>
+        <p:nvSpPr>
+          <p:cNvPr id="11" name="TextBox 10"/>
+          <p:cNvSpPr txBox="1"/>
+          <p:nvPr/>
+        </p:nvSpPr>
+        <p:spPr>
+          <a:xfrm>
+            <a:off x="2224666" y="5941224"/>
+            <a:ext cx="4525540" cy="369332"/>
+          </a:xfrm>
+          <a:prstGeom prst="rect">
+            <a:avLst/>
+          </a:prstGeom>
+        </p:spPr>
+        <p:style>
+          <a:lnRef idx="2">
+            <a:schemeClr val="dk1"/>
+          </a:lnRef>
+          <a:fillRef idx="1">
+            <a:schemeClr val="lt1"/>
+          </a:fillRef>
+          <a:effectRef idx="0">
+            <a:schemeClr val="dk1"/>
+          </a:effectRef>
+          <a:fontRef idx="minor">
+            <a:schemeClr val="dk1"/>
+          </a:fontRef>
+        </p:style>
+        <p:txBody>
+          <a:bodyPr wrap="square" rtlCol="0">
+            <a:spAutoFit/>
+          </a:bodyPr>
+          <a:lstStyle/>
+          <a:p>
+            <a:pPr algn="ctr"/>
+            <a:r>
+              <a:rPr lang="en-US" dirty="0" smtClean="0"/>
+              <a:t>C = “</a:t>
+            </a:r>
+            <a:r>
+              <a:rPr lang="en-US" dirty="0"/>
+              <a:t>8aec483e43027f22287ca837fb65e219</a:t>
+            </a:r>
+            <a:r>
+              <a:rPr lang="en-US" dirty="0" smtClean="0"/>
+              <a:t>”</a:t>
+            </a:r>
+            <a:endParaRPr lang="en-US" dirty="0"/>
+          </a:p>
+        </p:txBody>
+      </p:sp>
+      <p:cxnSp>
+        <p:nvCxnSpPr>
+          <p:cNvPr id="13" name="Straight Arrow Connector 12"/>
+          <p:cNvCxnSpPr>
+            <a:stCxn id="4" idx="2"/>
+            <a:endCxn id="5" idx="0"/>
+          </p:cNvCxnSpPr>
+          <p:nvPr/>
+        </p:nvCxnSpPr>
+        <p:spPr>
+          <a:xfrm flipH="1">
+            <a:off x="3370924" y="2656673"/>
+            <a:ext cx="1086776" cy="543727"/>
+          </a:xfrm>
+          <a:prstGeom prst="straightConnector1">
+            <a:avLst/>
+          </a:prstGeom>
+          <a:ln w="41275">
+            <a:tailEnd type="arrow"/>
+          </a:ln>
+        </p:spPr>
+        <p:style>
+          <a:lnRef idx="1">
+            <a:schemeClr val="accent1"/>
+          </a:lnRef>
+          <a:fillRef idx="0">
+            <a:schemeClr val="accent1"/>
+          </a:fillRef>
+          <a:effectRef idx="0">
+            <a:schemeClr val="accent1"/>
+          </a:effectRef>
+          <a:fontRef idx="minor">
+            <a:schemeClr val="tx1"/>
+          </a:fontRef>
+        </p:style>
+      </p:cxnSp>
+      <p:cxnSp>
+        <p:nvCxnSpPr>
+          <p:cNvPr id="15" name="Straight Arrow Connector 14"/>
+          <p:cNvCxnSpPr>
+            <a:endCxn id="6" idx="0"/>
+          </p:cNvCxnSpPr>
+          <p:nvPr/>
+        </p:nvCxnSpPr>
+        <p:spPr>
+          <a:xfrm>
+            <a:off x="4454914" y="2656673"/>
+            <a:ext cx="1156476" cy="543727"/>
+          </a:xfrm>
+          <a:prstGeom prst="straightConnector1">
+            <a:avLst/>
+          </a:prstGeom>
+          <a:ln w="41275">
+            <a:tailEnd type="arrow"/>
+          </a:ln>
+        </p:spPr>
+        <p:style>
+          <a:lnRef idx="1">
+            <a:schemeClr val="accent1"/>
+          </a:lnRef>
+          <a:fillRef idx="0">
+            <a:schemeClr val="accent1"/>
+          </a:fillRef>
+          <a:effectRef idx="0">
+            <a:schemeClr val="accent1"/>
+          </a:effectRef>
+          <a:fontRef idx="minor">
+            <a:schemeClr val="tx1"/>
+          </a:fontRef>
+        </p:style>
+      </p:cxnSp>
+      <p:cxnSp>
+        <p:nvCxnSpPr>
+          <p:cNvPr id="17" name="Straight Arrow Connector 16"/>
+          <p:cNvCxnSpPr>
+            <a:stCxn id="5" idx="2"/>
+            <a:endCxn id="7" idx="0"/>
+          </p:cNvCxnSpPr>
+          <p:nvPr/>
+        </p:nvCxnSpPr>
+        <p:spPr>
+          <a:xfrm flipH="1">
+            <a:off x="3348618" y="3569732"/>
+            <a:ext cx="22306" cy="545068"/>
+          </a:xfrm>
+          <a:prstGeom prst="straightConnector1">
+            <a:avLst/>
+          </a:prstGeom>
+          <a:ln w="41275">
+            <a:tailEnd type="arrow"/>
+          </a:ln>
+        </p:spPr>
+        <p:style>
+          <a:lnRef idx="1">
+            <a:schemeClr val="accent1"/>
+          </a:lnRef>
+          <a:fillRef idx="0">
+            <a:schemeClr val="accent1"/>
+          </a:fillRef>
+          <a:effectRef idx="0">
+            <a:schemeClr val="accent1"/>
+          </a:effectRef>
+          <a:fontRef idx="minor">
+            <a:schemeClr val="tx1"/>
+          </a:fontRef>
+        </p:style>
+      </p:cxnSp>
+      <p:cxnSp>
+        <p:nvCxnSpPr>
+          <p:cNvPr id="20" name="Straight Arrow Connector 19"/>
+          <p:cNvCxnSpPr>
+            <a:stCxn id="6" idx="2"/>
+            <a:endCxn id="8" idx="0"/>
+          </p:cNvCxnSpPr>
+          <p:nvPr/>
+        </p:nvCxnSpPr>
+        <p:spPr>
+          <a:xfrm flipH="1">
+            <a:off x="5589084" y="3569732"/>
+            <a:ext cx="22306" cy="545068"/>
+          </a:xfrm>
+          <a:prstGeom prst="straightConnector1">
+            <a:avLst/>
+          </a:prstGeom>
+          <a:ln w="41275">
+            <a:tailEnd type="arrow"/>
+          </a:ln>
+        </p:spPr>
+        <p:style>
+          <a:lnRef idx="1">
+            <a:schemeClr val="accent1"/>
+          </a:lnRef>
+          <a:fillRef idx="0">
+            <a:schemeClr val="accent1"/>
+          </a:fillRef>
+          <a:effectRef idx="0">
+            <a:schemeClr val="accent1"/>
+          </a:effectRef>
+          <a:fontRef idx="minor">
+            <a:schemeClr val="tx1"/>
+          </a:fontRef>
+        </p:style>
+      </p:cxnSp>
+      <p:cxnSp>
+        <p:nvCxnSpPr>
+          <p:cNvPr id="24" name="Straight Arrow Connector 23"/>
+          <p:cNvCxnSpPr/>
+          <p:nvPr/>
+        </p:nvCxnSpPr>
+        <p:spPr>
+          <a:xfrm flipH="1">
+            <a:off x="3337005" y="4484132"/>
+            <a:ext cx="22306" cy="545068"/>
+          </a:xfrm>
+          <a:prstGeom prst="straightConnector1">
+            <a:avLst/>
+          </a:prstGeom>
+          <a:ln w="41275">
+            <a:tailEnd type="arrow"/>
+          </a:ln>
+        </p:spPr>
+        <p:style>
+          <a:lnRef idx="1">
+            <a:schemeClr val="accent1"/>
+          </a:lnRef>
+          <a:fillRef idx="0">
+            <a:schemeClr val="accent1"/>
+          </a:fillRef>
+          <a:effectRef idx="0">
+            <a:schemeClr val="accent1"/>
+          </a:effectRef>
+          <a:fontRef idx="minor">
+            <a:schemeClr val="tx1"/>
+          </a:fontRef>
+        </p:style>
+      </p:cxnSp>
+      <p:cxnSp>
+        <p:nvCxnSpPr>
+          <p:cNvPr id="25" name="Straight Arrow Connector 24"/>
+          <p:cNvCxnSpPr/>
+          <p:nvPr/>
+        </p:nvCxnSpPr>
+        <p:spPr>
+          <a:xfrm flipH="1">
+            <a:off x="5566315" y="4484132"/>
+            <a:ext cx="22306" cy="545068"/>
+          </a:xfrm>
+          <a:prstGeom prst="straightConnector1">
+            <a:avLst/>
+          </a:prstGeom>
+          <a:ln w="41275">
+            <a:tailEnd type="arrow"/>
+          </a:ln>
+        </p:spPr>
+        <p:style>
+          <a:lnRef idx="1">
+            <a:schemeClr val="accent1"/>
+          </a:lnRef>
+          <a:fillRef idx="0">
+            <a:schemeClr val="accent1"/>
+          </a:fillRef>
+          <a:effectRef idx="0">
+            <a:schemeClr val="accent1"/>
+          </a:effectRef>
+          <a:fontRef idx="minor">
+            <a:schemeClr val="tx1"/>
+          </a:fontRef>
+        </p:style>
+      </p:cxnSp>
+      <p:cxnSp>
+        <p:nvCxnSpPr>
+          <p:cNvPr id="26" name="Straight Arrow Connector 25"/>
+          <p:cNvCxnSpPr/>
+          <p:nvPr/>
+        </p:nvCxnSpPr>
+        <p:spPr>
+          <a:xfrm flipH="1">
+            <a:off x="4420061" y="5398532"/>
+            <a:ext cx="1146254" cy="545068"/>
+          </a:xfrm>
+          <a:prstGeom prst="straightConnector1">
+            <a:avLst/>
+          </a:prstGeom>
+          <a:ln w="41275">
+            <a:tailEnd type="arrow"/>
+          </a:ln>
+        </p:spPr>
+        <p:style>
+          <a:lnRef idx="1">
+            <a:schemeClr val="accent1"/>
+          </a:lnRef>
+          <a:fillRef idx="0">
+            <a:schemeClr val="accent1"/>
+          </a:fillRef>
+          <a:effectRef idx="0">
+            <a:schemeClr val="accent1"/>
+          </a:effectRef>
+          <a:fontRef idx="minor">
+            <a:schemeClr val="tx1"/>
+          </a:fontRef>
+        </p:style>
+      </p:cxnSp>
+      <p:cxnSp>
+        <p:nvCxnSpPr>
+          <p:cNvPr id="29" name="Straight Arrow Connector 28"/>
+          <p:cNvCxnSpPr/>
+          <p:nvPr/>
+        </p:nvCxnSpPr>
+        <p:spPr>
+          <a:xfrm>
+            <a:off x="3337005" y="5398532"/>
+            <a:ext cx="1083056" cy="545068"/>
+          </a:xfrm>
+          <a:prstGeom prst="straightConnector1">
+            <a:avLst/>
+          </a:prstGeom>
+          <a:ln w="41275">
+            <a:tailEnd type="arrow"/>
+          </a:ln>
+        </p:spPr>
+        <p:style>
+          <a:lnRef idx="1">
+            <a:schemeClr val="accent1"/>
+          </a:lnRef>
+          <a:fillRef idx="0">
+            <a:schemeClr val="accent1"/>
+          </a:fillRef>
+          <a:effectRef idx="0">
+            <a:schemeClr val="accent1"/>
+          </a:effectRef>
+          <a:fontRef idx="minor">
+            <a:schemeClr val="tx1"/>
+          </a:fontRef>
+        </p:style>
+      </p:cxnSp>
+      <p:sp>
+        <p:nvSpPr>
+          <p:cNvPr id="31" name="TextBox 30"/>
+          <p:cNvSpPr txBox="1"/>
+          <p:nvPr/>
+        </p:nvSpPr>
+        <p:spPr>
+          <a:xfrm>
+            <a:off x="6762982" y="3200400"/>
+            <a:ext cx="2160085" cy="369332"/>
+          </a:xfrm>
+          <a:prstGeom prst="rect">
+            <a:avLst/>
+          </a:prstGeom>
+          <a:noFill/>
+        </p:spPr>
+        <p:txBody>
+          <a:bodyPr wrap="square" rtlCol="0">
+            <a:spAutoFit/>
+          </a:bodyPr>
+          <a:lstStyle/>
+          <a:p>
+            <a:r>
+              <a:rPr lang="en-US" dirty="0" smtClean="0"/>
+              <a:t>Split into blocks</a:t>
+            </a:r>
+            <a:endParaRPr lang="en-US" dirty="0"/>
+          </a:p>
+        </p:txBody>
+      </p:sp>
+      <p:sp>
+        <p:nvSpPr>
+          <p:cNvPr id="35" name="TextBox 34"/>
+          <p:cNvSpPr txBox="1"/>
+          <p:nvPr/>
+        </p:nvSpPr>
+        <p:spPr>
+          <a:xfrm>
+            <a:off x="6735340" y="4114800"/>
+            <a:ext cx="2160085" cy="369332"/>
+          </a:xfrm>
+          <a:prstGeom prst="rect">
+            <a:avLst/>
+          </a:prstGeom>
+          <a:noFill/>
+        </p:spPr>
+        <p:txBody>
+          <a:bodyPr wrap="square" rtlCol="0">
+            <a:spAutoFit/>
+          </a:bodyPr>
+          <a:lstStyle/>
+          <a:p>
+            <a:r>
+              <a:rPr lang="en-US" dirty="0" smtClean="0"/>
+              <a:t>Add padding</a:t>
+            </a:r>
+            <a:endParaRPr lang="en-US" dirty="0"/>
+          </a:p>
+        </p:txBody>
+      </p:sp>
+      <p:sp>
+        <p:nvSpPr>
+          <p:cNvPr id="36" name="TextBox 35"/>
+          <p:cNvSpPr txBox="1"/>
+          <p:nvPr/>
+        </p:nvSpPr>
+        <p:spPr>
+          <a:xfrm>
+            <a:off x="5611390" y="4572000"/>
+            <a:ext cx="636085" cy="369332"/>
+          </a:xfrm>
+          <a:prstGeom prst="rect">
+            <a:avLst/>
+          </a:prstGeom>
+          <a:noFill/>
+        </p:spPr>
+        <p:txBody>
+          <a:bodyPr wrap="square" rtlCol="0">
+            <a:spAutoFit/>
+          </a:bodyPr>
+          <a:lstStyle/>
+          <a:p>
+            <a:r>
+              <a:rPr lang="en-US" dirty="0" smtClean="0"/>
+              <a:t>XOR</a:t>
+            </a:r>
+            <a:endParaRPr lang="en-US" dirty="0"/>
+          </a:p>
+        </p:txBody>
+      </p:sp>
+      <p:sp>
+        <p:nvSpPr>
+          <p:cNvPr id="37" name="TextBox 36"/>
+          <p:cNvSpPr txBox="1"/>
+          <p:nvPr/>
+        </p:nvSpPr>
+        <p:spPr>
+          <a:xfrm>
+            <a:off x="7121912" y="5040659"/>
+            <a:ext cx="2160085" cy="369332"/>
+          </a:xfrm>
+          <a:prstGeom prst="rect">
+            <a:avLst/>
+          </a:prstGeom>
+          <a:noFill/>
+        </p:spPr>
+        <p:txBody>
+          <a:bodyPr wrap="square" rtlCol="0">
+            <a:spAutoFit/>
+          </a:bodyPr>
+          <a:lstStyle/>
+          <a:p>
+            <a:r>
+              <a:rPr lang="en-US" dirty="0" smtClean="0"/>
+              <a:t>Encrypt</a:t>
+            </a:r>
+            <a:endParaRPr lang="en-US" dirty="0"/>
+          </a:p>
+        </p:txBody>
+      </p:sp>
+      <p:sp>
+        <p:nvSpPr>
+          <p:cNvPr id="38" name="TextBox 37"/>
+          <p:cNvSpPr txBox="1"/>
+          <p:nvPr/>
+        </p:nvSpPr>
+        <p:spPr>
+          <a:xfrm>
+            <a:off x="6822455" y="5941224"/>
+            <a:ext cx="2160085" cy="646331"/>
+          </a:xfrm>
+          <a:prstGeom prst="rect">
+            <a:avLst/>
+          </a:prstGeom>
+          <a:noFill/>
+        </p:spPr>
+        <p:txBody>
+          <a:bodyPr wrap="square" rtlCol="0">
+            <a:spAutoFit/>
+          </a:bodyPr>
+          <a:lstStyle/>
+          <a:p>
+            <a:r>
+              <a:rPr lang="en-US" dirty="0" smtClean="0"/>
+              <a:t>Put the blocks back together</a:t>
+            </a:r>
+            <a:endParaRPr lang="en-US" dirty="0"/>
+          </a:p>
+        </p:txBody>
+      </p:sp>
+      <p:cxnSp>
+        <p:nvCxnSpPr>
+          <p:cNvPr id="40" name="Elbow Connector 39"/>
+          <p:cNvCxnSpPr/>
+          <p:nvPr/>
+        </p:nvCxnSpPr>
+        <p:spPr>
+          <a:xfrm flipV="1">
+            <a:off x="3914312" y="4714747"/>
+            <a:ext cx="1652003" cy="314453"/>
+          </a:xfrm>
+          <a:prstGeom prst="bentConnector3">
+            <a:avLst>
+              <a:gd name="adj1" fmla="val 1399"/>
+            </a:avLst>
+          </a:prstGeom>
+          <a:ln w="41275">
+            <a:tailEnd type="arrow"/>
+          </a:ln>
+        </p:spPr>
+        <p:style>
+          <a:lnRef idx="1">
+            <a:schemeClr val="accent1"/>
+          </a:lnRef>
+          <a:fillRef idx="0">
+            <a:schemeClr val="accent1"/>
+          </a:fillRef>
+          <a:effectRef idx="0">
+            <a:schemeClr val="accent1"/>
+          </a:effectRef>
+          <a:fontRef idx="minor">
+            <a:schemeClr val="tx1"/>
+          </a:fontRef>
+        </p:style>
+      </p:cxnSp>
+    </p:spTree>
+    <p:extLst>
+      <p:ext uri="{BB962C8B-B14F-4D97-AF65-F5344CB8AC3E}">
+        <p14:creationId xmlns:p14="http://schemas.microsoft.com/office/powerpoint/2010/main" val="892059243"/>
+      </p:ext>
+    </p:extLst>
+  </p:cSld>
+  <p:clrMapOvr>
+    <a:masterClrMapping/>
+  </p:clrMapOvr>
+  <p:timing>
+    <p:tnLst>
+      <p:par>
+        <p:cTn id="1" dur="indefinite" restart="never" nodeType="tmRoot"/>
+      </p:par>
+    </p:tnLst>
+  </p:timing>
+</p:sld>
+</file>
+
+<file path=ppt/slides/slide79.xml><?xml version="1.0" encoding="utf-8"?>
+<p:sld xmlns:a="http://schemas.openxmlformats.org/drawingml/2006/main" xmlns:r="http://schemas.openxmlformats.org/officeDocument/2006/relationships" xmlns:p="http://schemas.openxmlformats.org/presentationml/2006/main">
+  <p:cSld>
+    <p:spTree>
+      <p:nvGrpSpPr>
+        <p:cNvPr id="1" name=""/>
+        <p:cNvGrpSpPr/>
+        <p:nvPr/>
+      </p:nvGrpSpPr>
+      <p:grpSpPr>
+        <a:xfrm>
+          <a:off x="0" y="0"/>
+          <a:ext cx="0" cy="0"/>
+          <a:chOff x="0" y="0"/>
+          <a:chExt cx="0" cy="0"/>
+        </a:xfrm>
+      </p:grpSpPr>
+      <p:sp>
+        <p:nvSpPr>
+          <p:cNvPr id="2" name="Title 1"/>
+          <p:cNvSpPr>
+            <a:spLocks noGrp="1"/>
+          </p:cNvSpPr>
+          <p:nvPr>
+            <p:ph type="title"/>
+          </p:nvPr>
+        </p:nvSpPr>
+        <p:spPr>
+          <a:xfrm>
+            <a:off x="457200" y="0"/>
+            <a:ext cx="8229600" cy="1143000"/>
+          </a:xfrm>
+        </p:spPr>
+        <p:txBody>
+          <a:bodyPr/>
+          <a:lstStyle/>
+          <a:p>
+            <a:r>
+              <a:rPr lang="en-US" dirty="0" smtClean="0"/>
+              <a:t>Padding oracles</a:t>
+            </a:r>
+            <a:endParaRPr lang="en-US" dirty="0"/>
+          </a:p>
+        </p:txBody>
+      </p:sp>
+      <p:sp>
+        <p:nvSpPr>
+          <p:cNvPr id="4" name="TextBox 3"/>
+          <p:cNvSpPr txBox="1"/>
+          <p:nvPr/>
+        </p:nvSpPr>
+        <p:spPr>
+          <a:xfrm>
+            <a:off x="1815790" y="1860175"/>
+            <a:ext cx="2628899" cy="369332"/>
+          </a:xfrm>
+          <a:prstGeom prst="rect">
+            <a:avLst/>
+          </a:prstGeom>
+        </p:spPr>
+        <p:style>
+          <a:lnRef idx="2">
+            <a:schemeClr val="dk1"/>
+          </a:lnRef>
+          <a:fillRef idx="1">
+            <a:schemeClr val="lt1"/>
+          </a:fillRef>
+          <a:effectRef idx="0">
+            <a:schemeClr val="dk1"/>
+          </a:effectRef>
+          <a:fontRef idx="minor">
+            <a:schemeClr val="dk1"/>
+          </a:fontRef>
+        </p:style>
+        <p:txBody>
+          <a:bodyPr wrap="square" rtlCol="0">
+            <a:spAutoFit/>
+          </a:bodyPr>
+          <a:lstStyle/>
+          <a:p>
+            <a:pPr algn="ctr"/>
+            <a:r>
+              <a:rPr lang="en-US" dirty="0" smtClean="0"/>
+              <a:t>C</a:t>
+            </a:r>
+            <a:r>
+              <a:rPr lang="en-US" baseline="-25000" dirty="0" smtClean="0"/>
+              <a:t>0</a:t>
+            </a:r>
+            <a:r>
+              <a:rPr lang="en-US" dirty="0" smtClean="0"/>
+              <a:t> = “8aec483e43027f22”</a:t>
+            </a:r>
+            <a:endParaRPr lang="en-US" dirty="0"/>
+          </a:p>
+        </p:txBody>
+      </p:sp>
+      <p:sp>
+        <p:nvSpPr>
+          <p:cNvPr id="5" name="TextBox 4"/>
+          <p:cNvSpPr txBox="1"/>
+          <p:nvPr/>
+        </p:nvSpPr>
+        <p:spPr>
+          <a:xfrm>
+            <a:off x="4429820" y="1860175"/>
+            <a:ext cx="2643770" cy="369332"/>
+          </a:xfrm>
+          <a:prstGeom prst="rect">
+            <a:avLst/>
+          </a:prstGeom>
+        </p:spPr>
+        <p:style>
+          <a:lnRef idx="2">
+            <a:schemeClr val="dk1"/>
+          </a:lnRef>
+          <a:fillRef idx="1">
+            <a:schemeClr val="lt1"/>
+          </a:fillRef>
+          <a:effectRef idx="0">
+            <a:schemeClr val="dk1"/>
+          </a:effectRef>
+          <a:fontRef idx="minor">
+            <a:schemeClr val="dk1"/>
+          </a:fontRef>
+        </p:style>
+        <p:txBody>
+          <a:bodyPr wrap="square" rtlCol="0">
+            <a:spAutoFit/>
+          </a:bodyPr>
+          <a:lstStyle/>
+          <a:p>
+            <a:pPr algn="ctr"/>
+            <a:r>
+              <a:rPr lang="en-US" dirty="0" smtClean="0"/>
+              <a:t>C</a:t>
+            </a:r>
+            <a:r>
+              <a:rPr lang="en-US" baseline="-25000" dirty="0" smtClean="0"/>
+              <a:t>1</a:t>
+            </a:r>
+            <a:r>
+              <a:rPr lang="en-US" dirty="0" smtClean="0"/>
+              <a:t> = “</a:t>
+            </a:r>
+            <a:r>
+              <a:rPr lang="en-US" dirty="0"/>
+              <a:t>287ca837fb65e219</a:t>
+            </a:r>
+            <a:r>
+              <a:rPr lang="en-US" dirty="0" smtClean="0"/>
+              <a:t>”</a:t>
+            </a:r>
+            <a:endParaRPr lang="en-US" dirty="0"/>
+          </a:p>
+        </p:txBody>
+      </p:sp>
+      <p:sp>
+        <p:nvSpPr>
+          <p:cNvPr id="6" name="TextBox 5"/>
+          <p:cNvSpPr txBox="1"/>
+          <p:nvPr/>
+        </p:nvSpPr>
+        <p:spPr>
+          <a:xfrm>
+            <a:off x="1828800" y="914400"/>
+            <a:ext cx="5074273" cy="830997"/>
+          </a:xfrm>
+          <a:prstGeom prst="rect">
+            <a:avLst/>
+          </a:prstGeom>
+          <a:noFill/>
+        </p:spPr>
+        <p:txBody>
+          <a:bodyPr wrap="square" rtlCol="0">
+            <a:spAutoFit/>
+          </a:bodyPr>
+          <a:lstStyle/>
+          <a:p>
+            <a:pPr marL="342900" indent="-342900">
+              <a:buFont typeface="Arial" pitchFamily="34" charset="0"/>
+              <a:buChar char="•"/>
+            </a:pPr>
+            <a:r>
+              <a:rPr lang="en-US" sz="2400" dirty="0" smtClean="0"/>
+              <a:t>Now, the attacker has the following encrypted string:</a:t>
+            </a:r>
+            <a:endParaRPr lang="en-US" sz="2400" dirty="0"/>
+          </a:p>
+        </p:txBody>
+      </p:sp>
+      <p:pic>
+        <p:nvPicPr>
+          <p:cNvPr id="7" name="Picture 6"/>
+          <p:cNvPicPr>
+            <a:picLocks noChangeAspect="1"/>
+          </p:cNvPicPr>
+          <p:nvPr/>
+        </p:nvPicPr>
+        <p:blipFill>
+          <a:blip r:embed="rId2">
+            <a:extLst>
+              <a:ext uri="{28A0092B-C50C-407E-A947-70E740481C1C}">
+                <a14:useLocalDpi xmlns:a14="http://schemas.microsoft.com/office/drawing/2010/main" val="0"/>
+              </a:ext>
+            </a:extLst>
+          </a:blip>
+          <a:stretch>
+            <a:fillRect/>
+          </a:stretch>
+        </p:blipFill>
+        <p:spPr>
+          <a:xfrm>
+            <a:off x="1587189" y="2571750"/>
+            <a:ext cx="5715000" cy="4286250"/>
+          </a:xfrm>
+          <a:prstGeom prst="rect">
+            <a:avLst/>
+          </a:prstGeom>
+        </p:spPr>
+      </p:pic>
+    </p:spTree>
+    <p:extLst>
+      <p:ext uri="{BB962C8B-B14F-4D97-AF65-F5344CB8AC3E}">
+        <p14:creationId xmlns:p14="http://schemas.microsoft.com/office/powerpoint/2010/main" val="4215997831"/>
+      </p:ext>
+    </p:extLst>
+  </p:cSld>
+  <p:clrMapOvr>
+    <a:masterClrMapping/>
+  </p:clrMapOvr>
+  <p:timing>
+    <p:tnLst>
+      <p:par>
+        <p:cTn id="1" dur="indefinite" restart="never" nodeType="tmRoot"/>
+      </p:par>
+    </p:tnLst>
+  </p:timing>
+</p:sld>
+</file>
+
+<file path=ppt/slides/slide8.xml><?xml version="1.0" encoding="utf-8"?>
+<p:sld xmlns:a="http://schemas.openxmlformats.org/drawingml/2006/main" xmlns:r="http://schemas.openxmlformats.org/officeDocument/2006/relationships" xmlns:p="http://schemas.openxmlformats.org/presentationml/2006/main">
+  <p:cSld>
+    <p:spTree>
+      <p:nvGrpSpPr>
+        <p:cNvPr id="1" name=""/>
+        <p:cNvGrpSpPr/>
+        <p:nvPr/>
+      </p:nvGrpSpPr>
+      <p:grpSpPr>
+        <a:xfrm>
+          <a:off x="0" y="0"/>
+          <a:ext cx="0" cy="0"/>
+          <a:chOff x="0" y="0"/>
+          <a:chExt cx="0" cy="0"/>
+        </a:xfrm>
+      </p:grpSpPr>
+      <p:sp>
+        <p:nvSpPr>
+          <p:cNvPr id="4" name="Title 3"/>
+          <p:cNvSpPr>
+            <a:spLocks noGrp="1"/>
+          </p:cNvSpPr>
+          <p:nvPr>
+            <p:ph type="title"/>
+          </p:nvPr>
+        </p:nvSpPr>
+        <p:spPr/>
+        <p:txBody>
+          <a:bodyPr/>
+          <a:lstStyle/>
+          <a:p>
+            <a:r>
+              <a:rPr lang="en-US" dirty="0" smtClean="0"/>
+              <a:t>c. 75 BC: Caesar cipher</a:t>
+            </a:r>
+            <a:endParaRPr lang="en-US" dirty="0"/>
+          </a:p>
+        </p:txBody>
+      </p:sp>
+      <p:pic>
+        <p:nvPicPr>
+          <p:cNvPr id="1026" name="Picture 2" descr="http://www.jungle-systems.co.uk/wp-content/uploads/2011/09/Caesar_Home.gif"/>
+          <p:cNvPicPr>
+            <a:picLocks noChangeAspect="1" noChangeArrowheads="1"/>
+          </p:cNvPicPr>
+          <p:nvPr/>
+        </p:nvPicPr>
+        <p:blipFill>
+          <a:blip r:embed="rId2">
+            <a:extLst>
+              <a:ext uri="{28A0092B-C50C-407E-A947-70E740481C1C}">
+                <a14:useLocalDpi xmlns:a14="http://schemas.microsoft.com/office/drawing/2010/main" val="0"/>
+              </a:ext>
+            </a:extLst>
+          </a:blip>
+          <a:srcRect/>
+          <a:stretch>
+            <a:fillRect/>
+          </a:stretch>
+        </p:blipFill>
+        <p:spPr bwMode="auto">
+          <a:xfrm>
+            <a:off x="0" y="4347116"/>
+            <a:ext cx="2857500" cy="2466975"/>
+          </a:xfrm>
+          <a:prstGeom prst="rect">
+            <a:avLst/>
+          </a:prstGeom>
+          <a:noFill/>
+          <a:extLst>
+            <a:ext uri="{909E8E84-426E-40DD-AFC4-6F175D3DCCD1}">
+              <a14:hiddenFill xmlns:a14="http://schemas.microsoft.com/office/drawing/2010/main">
+                <a:solidFill>
+                  <a:srgbClr val="FFFFFF"/>
+                </a:solidFill>
+              </a14:hiddenFill>
+            </a:ext>
+          </a:extLst>
+        </p:spPr>
+      </p:pic>
+      <p:pic>
+        <p:nvPicPr>
+          <p:cNvPr id="1028" name="Picture 4" descr="http://www.romanemperors.com/images/claudius/emperor-claudius.jpg"/>
+          <p:cNvPicPr>
+            <a:picLocks noChangeAspect="1" noChangeArrowheads="1"/>
+          </p:cNvPicPr>
+          <p:nvPr/>
+        </p:nvPicPr>
+        <p:blipFill>
+          <a:blip r:embed="rId3">
+            <a:extLst>
+              <a:ext uri="{28A0092B-C50C-407E-A947-70E740481C1C}">
+                <a14:useLocalDpi xmlns:a14="http://schemas.microsoft.com/office/drawing/2010/main" val="0"/>
+              </a:ext>
+            </a:extLst>
+          </a:blip>
+          <a:srcRect/>
+          <a:stretch>
+            <a:fillRect/>
+          </a:stretch>
+        </p:blipFill>
+        <p:spPr bwMode="auto">
+          <a:xfrm>
+            <a:off x="7195433" y="3924300"/>
+            <a:ext cx="1948567" cy="2933700"/>
+          </a:xfrm>
+          <a:prstGeom prst="rect">
+            <a:avLst/>
+          </a:prstGeom>
+          <a:noFill/>
+          <a:extLst>
+            <a:ext uri="{909E8E84-426E-40DD-AFC4-6F175D3DCCD1}">
+              <a14:hiddenFill xmlns:a14="http://schemas.microsoft.com/office/drawing/2010/main">
+                <a:solidFill>
+                  <a:srgbClr val="FFFFFF"/>
+                </a:solidFill>
+              </a14:hiddenFill>
+            </a:ext>
+          </a:extLst>
+        </p:spPr>
+      </p:pic>
+      <p:sp>
+        <p:nvSpPr>
+          <p:cNvPr id="8" name="TextBox 7"/>
+          <p:cNvSpPr txBox="1"/>
+          <p:nvPr/>
+        </p:nvSpPr>
+        <p:spPr>
+          <a:xfrm>
+            <a:off x="3309233" y="4507468"/>
+            <a:ext cx="3886200" cy="369332"/>
+          </a:xfrm>
+          <a:prstGeom prst="rect">
+            <a:avLst/>
+          </a:prstGeom>
+          <a:noFill/>
+        </p:spPr>
+        <p:txBody>
+          <a:bodyPr wrap="square" rtlCol="0">
+            <a:spAutoFit/>
+          </a:bodyPr>
+          <a:lstStyle/>
+          <a:p>
+            <a:r>
+              <a:rPr lang="en-US" dirty="0" smtClean="0"/>
+              <a:t>J </a:t>
+            </a:r>
+            <a:r>
+              <a:rPr lang="en-US" dirty="0" err="1" smtClean="0"/>
+              <a:t>uijol</a:t>
+            </a:r>
+            <a:r>
+              <a:rPr lang="en-US" dirty="0" smtClean="0"/>
+              <a:t> </a:t>
+            </a:r>
+            <a:r>
+              <a:rPr lang="en-US" dirty="0" err="1" smtClean="0"/>
+              <a:t>nz</a:t>
+            </a:r>
+            <a:r>
+              <a:rPr lang="en-US" dirty="0" smtClean="0"/>
+              <a:t> </a:t>
+            </a:r>
+            <a:r>
+              <a:rPr lang="en-US" dirty="0" err="1" smtClean="0"/>
+              <a:t>gsjfoet</a:t>
+            </a:r>
+            <a:r>
+              <a:rPr lang="en-US" dirty="0" smtClean="0"/>
+              <a:t> </a:t>
+            </a:r>
+            <a:r>
+              <a:rPr lang="en-US" dirty="0" err="1" smtClean="0"/>
+              <a:t>bsf</a:t>
+            </a:r>
+            <a:r>
+              <a:rPr lang="en-US" dirty="0" smtClean="0"/>
+              <a:t> </a:t>
+            </a:r>
+            <a:r>
+              <a:rPr lang="en-US" dirty="0" err="1" smtClean="0"/>
+              <a:t>uszjoh</a:t>
+            </a:r>
+            <a:r>
+              <a:rPr lang="en-US" dirty="0" smtClean="0"/>
+              <a:t> up </a:t>
+            </a:r>
+            <a:r>
+              <a:rPr lang="en-US" dirty="0" err="1" smtClean="0"/>
+              <a:t>ljmm</a:t>
+            </a:r>
+            <a:r>
+              <a:rPr lang="en-US" dirty="0" smtClean="0"/>
+              <a:t> </a:t>
+            </a:r>
+            <a:r>
+              <a:rPr lang="en-US" dirty="0" err="1" smtClean="0"/>
+              <a:t>nf</a:t>
+            </a:r>
+            <a:r>
+              <a:rPr lang="en-US" dirty="0" smtClean="0"/>
+              <a:t>!</a:t>
+            </a:r>
+            <a:endParaRPr lang="en-US" dirty="0"/>
+          </a:p>
+        </p:txBody>
+      </p:sp>
+      <p:sp>
+        <p:nvSpPr>
+          <p:cNvPr id="9" name="TextBox 8"/>
+          <p:cNvSpPr txBox="1"/>
+          <p:nvPr/>
+        </p:nvSpPr>
+        <p:spPr>
+          <a:xfrm>
+            <a:off x="4531166" y="5391150"/>
+            <a:ext cx="990600" cy="369332"/>
+          </a:xfrm>
+          <a:prstGeom prst="rect">
+            <a:avLst/>
+          </a:prstGeom>
+          <a:noFill/>
+        </p:spPr>
+        <p:txBody>
+          <a:bodyPr wrap="square" rtlCol="0">
+            <a:spAutoFit/>
+          </a:bodyPr>
+          <a:lstStyle/>
+          <a:p>
+            <a:r>
+              <a:rPr lang="en-US" dirty="0" err="1" smtClean="0"/>
+              <a:t>mpm</a:t>
+            </a:r>
+            <a:endParaRPr lang="en-US" dirty="0"/>
+          </a:p>
+        </p:txBody>
+      </p:sp>
+      <p:cxnSp>
+        <p:nvCxnSpPr>
+          <p:cNvPr id="13" name="Straight Arrow Connector 12"/>
+          <p:cNvCxnSpPr/>
+          <p:nvPr/>
+        </p:nvCxnSpPr>
+        <p:spPr>
+          <a:xfrm flipH="1">
+            <a:off x="2857500" y="4876800"/>
+            <a:ext cx="4337933" cy="0"/>
+          </a:xfrm>
+          <a:prstGeom prst="straightConnector1">
+            <a:avLst/>
+          </a:prstGeom>
+          <a:ln w="50800">
+            <a:tailEnd type="arrow"/>
+          </a:ln>
+        </p:spPr>
+        <p:style>
+          <a:lnRef idx="1">
+            <a:schemeClr val="dk1"/>
+          </a:lnRef>
+          <a:fillRef idx="0">
+            <a:schemeClr val="dk1"/>
+          </a:fillRef>
+          <a:effectRef idx="0">
+            <a:schemeClr val="dk1"/>
+          </a:effectRef>
+          <a:fontRef idx="minor">
+            <a:schemeClr val="tx1"/>
+          </a:fontRef>
+        </p:style>
+      </p:cxnSp>
+      <p:cxnSp>
+        <p:nvCxnSpPr>
+          <p:cNvPr id="16" name="Straight Arrow Connector 15"/>
+          <p:cNvCxnSpPr/>
+          <p:nvPr/>
+        </p:nvCxnSpPr>
+        <p:spPr>
+          <a:xfrm>
+            <a:off x="2857500" y="5791200"/>
+            <a:ext cx="4337933" cy="0"/>
+          </a:xfrm>
+          <a:prstGeom prst="straightConnector1">
+            <a:avLst/>
+          </a:prstGeom>
+          <a:ln w="50800">
+            <a:tailEnd type="arrow"/>
+          </a:ln>
+        </p:spPr>
+        <p:style>
+          <a:lnRef idx="1">
+            <a:schemeClr val="dk1"/>
+          </a:lnRef>
+          <a:fillRef idx="0">
+            <a:schemeClr val="dk1"/>
+          </a:fillRef>
+          <a:effectRef idx="0">
+            <a:schemeClr val="dk1"/>
+          </a:effectRef>
+          <a:fontRef idx="minor">
+            <a:schemeClr val="tx1"/>
+          </a:fontRef>
+        </p:style>
+      </p:cxnSp>
+      <p:sp>
+        <p:nvSpPr>
+          <p:cNvPr id="19" name="Content Placeholder 2"/>
+          <p:cNvSpPr>
+            <a:spLocks noGrp="1"/>
+          </p:cNvSpPr>
+          <p:nvPr>
+            <p:ph idx="1"/>
+          </p:nvPr>
+        </p:nvSpPr>
+        <p:spPr>
+          <a:xfrm>
+            <a:off x="457200" y="1600200"/>
+            <a:ext cx="8229600" cy="4525963"/>
+          </a:xfrm>
+        </p:spPr>
+        <p:txBody>
+          <a:bodyPr/>
+          <a:lstStyle/>
+          <a:p>
+            <a:r>
+              <a:rPr lang="en-US" dirty="0" smtClean="0"/>
+              <a:t>Shift cipher</a:t>
+            </a:r>
+          </a:p>
+          <a:p>
+            <a:r>
+              <a:rPr lang="en-US" dirty="0" smtClean="0"/>
+              <a:t>25 possible encodings (26, if you count ‘0’)</a:t>
+            </a:r>
+          </a:p>
+          <a:p>
+            <a:r>
+              <a:rPr lang="en-US" dirty="0" smtClean="0"/>
+              <a:t>Trivially </a:t>
+            </a:r>
+            <a:r>
+              <a:rPr lang="en-US" dirty="0" err="1" smtClean="0"/>
+              <a:t>bruteforced</a:t>
+            </a:r>
+            <a:r>
+              <a:rPr lang="en-US" dirty="0" smtClean="0"/>
+              <a:t> </a:t>
+            </a:r>
+            <a:endParaRPr lang="en-US" dirty="0"/>
+          </a:p>
+        </p:txBody>
+      </p:sp>
+    </p:spTree>
+    <p:extLst>
+      <p:ext uri="{BB962C8B-B14F-4D97-AF65-F5344CB8AC3E}">
+        <p14:creationId xmlns:p14="http://schemas.microsoft.com/office/powerpoint/2010/main" val="2144403581"/>
+      </p:ext>
+    </p:extLst>
+  </p:cSld>
+  <p:clrMapOvr>
+    <a:masterClrMapping/>
+  </p:clrMapOvr>
+  <p:timing>
+    <p:tnLst>
+      <p:par>
+        <p:cTn id="1" dur="indefinite" restart="never" nodeType="tmRoot"/>
+      </p:par>
+    </p:tnLst>
+  </p:timing>
+</p:sld>
+</file>
+
+<file path=ppt/slides/slide80.xml><?xml version="1.0" encoding="utf-8"?>
+<p:sld xmlns:a="http://schemas.openxmlformats.org/drawingml/2006/main" xmlns:r="http://schemas.openxmlformats.org/officeDocument/2006/relationships" xmlns:p="http://schemas.openxmlformats.org/presentationml/2006/main">
+  <p:cSld>
+    <p:spTree>
+      <p:nvGrpSpPr>
+        <p:cNvPr id="1" name=""/>
+        <p:cNvGrpSpPr/>
+        <p:nvPr/>
+      </p:nvGrpSpPr>
+      <p:grpSpPr>
+        <a:xfrm>
+          <a:off x="0" y="0"/>
+          <a:ext cx="0" cy="0"/>
+          <a:chOff x="0" y="0"/>
+          <a:chExt cx="0" cy="0"/>
+        </a:xfrm>
+      </p:grpSpPr>
+      <p:sp>
+        <p:nvSpPr>
+          <p:cNvPr id="2" name="Title 1"/>
+          <p:cNvSpPr>
+            <a:spLocks noGrp="1"/>
+          </p:cNvSpPr>
+          <p:nvPr>
+            <p:ph type="title"/>
+          </p:nvPr>
+        </p:nvSpPr>
+        <p:spPr/>
+        <p:txBody>
+          <a:bodyPr/>
+          <a:lstStyle/>
+          <a:p>
+            <a:r>
+              <a:rPr lang="en-US" dirty="0" smtClean="0"/>
+              <a:t>Padding oracles</a:t>
+            </a:r>
+            <a:endParaRPr lang="en-US" dirty="0"/>
+          </a:p>
+        </p:txBody>
+      </p:sp>
+      <p:sp>
+        <p:nvSpPr>
+          <p:cNvPr id="3" name="Content Placeholder 2"/>
+          <p:cNvSpPr>
+            <a:spLocks noGrp="1"/>
+          </p:cNvSpPr>
+          <p:nvPr>
+            <p:ph idx="1"/>
+          </p:nvPr>
+        </p:nvSpPr>
+        <p:spPr/>
+        <p:txBody>
+          <a:bodyPr/>
+          <a:lstStyle/>
+          <a:p>
+            <a:r>
+              <a:rPr lang="en-US" dirty="0" smtClean="0"/>
+              <a:t>As an attacker, we take each block individually. Let’s start with C</a:t>
+            </a:r>
+            <a:r>
+              <a:rPr lang="en-US" baseline="-25000" dirty="0" smtClean="0"/>
+              <a:t>1</a:t>
+            </a:r>
+            <a:r>
+              <a:rPr lang="en-US" dirty="0" smtClean="0"/>
+              <a:t>:</a:t>
+            </a:r>
+          </a:p>
+          <a:p>
+            <a:endParaRPr lang="en-US" dirty="0"/>
+          </a:p>
+          <a:p>
+            <a:endParaRPr lang="en-US" dirty="0" smtClean="0"/>
+          </a:p>
+          <a:p>
+            <a:r>
+              <a:rPr lang="en-US" dirty="0" smtClean="0"/>
+              <a:t>We prepend our own block to it, initialized to whatever we want (let’s call it C’):</a:t>
+            </a:r>
+          </a:p>
+          <a:p>
+            <a:endParaRPr lang="en-US" dirty="0"/>
+          </a:p>
+        </p:txBody>
+      </p:sp>
+      <p:sp>
+        <p:nvSpPr>
+          <p:cNvPr id="4" name="TextBox 3"/>
+          <p:cNvSpPr txBox="1"/>
+          <p:nvPr/>
+        </p:nvSpPr>
+        <p:spPr>
+          <a:xfrm>
+            <a:off x="1600200" y="2819400"/>
+            <a:ext cx="3733800" cy="461665"/>
+          </a:xfrm>
+          <a:prstGeom prst="rect">
+            <a:avLst/>
+          </a:prstGeom>
+        </p:spPr>
+        <p:style>
+          <a:lnRef idx="2">
+            <a:schemeClr val="dk1"/>
+          </a:lnRef>
+          <a:fillRef idx="1">
+            <a:schemeClr val="lt1"/>
+          </a:fillRef>
+          <a:effectRef idx="0">
+            <a:schemeClr val="dk1"/>
+          </a:effectRef>
+          <a:fontRef idx="minor">
+            <a:schemeClr val="dk1"/>
+          </a:fontRef>
+        </p:style>
+        <p:txBody>
+          <a:bodyPr wrap="square" rtlCol="0">
+            <a:spAutoFit/>
+          </a:bodyPr>
+          <a:lstStyle/>
+          <a:p>
+            <a:pPr algn="ctr"/>
+            <a:r>
+              <a:rPr lang="en-US" sz="2400" dirty="0"/>
+              <a:t>C</a:t>
+            </a:r>
+            <a:r>
+              <a:rPr lang="en-US" sz="2400" baseline="-25000" dirty="0"/>
+              <a:t>1</a:t>
+            </a:r>
+            <a:r>
+              <a:rPr lang="en-US" sz="2400" dirty="0"/>
+              <a:t> = “287ca837fb65e219”</a:t>
+            </a:r>
+          </a:p>
+        </p:txBody>
+      </p:sp>
+      <p:sp>
+        <p:nvSpPr>
+          <p:cNvPr id="5" name="TextBox 4"/>
+          <p:cNvSpPr txBox="1"/>
+          <p:nvPr/>
+        </p:nvSpPr>
+        <p:spPr>
+          <a:xfrm>
+            <a:off x="457200" y="5029200"/>
+            <a:ext cx="3733800" cy="461665"/>
+          </a:xfrm>
+          <a:prstGeom prst="rect">
+            <a:avLst/>
+          </a:prstGeom>
+        </p:spPr>
+        <p:style>
+          <a:lnRef idx="2">
+            <a:schemeClr val="dk1"/>
+          </a:lnRef>
+          <a:fillRef idx="1">
+            <a:schemeClr val="lt1"/>
+          </a:fillRef>
+          <a:effectRef idx="0">
+            <a:schemeClr val="dk1"/>
+          </a:effectRef>
+          <a:fontRef idx="minor">
+            <a:schemeClr val="dk1"/>
+          </a:fontRef>
+        </p:style>
+        <p:txBody>
+          <a:bodyPr wrap="square" rtlCol="0">
+            <a:spAutoFit/>
+          </a:bodyPr>
+          <a:lstStyle/>
+          <a:p>
+            <a:pPr algn="ctr"/>
+            <a:r>
+              <a:rPr lang="en-US" sz="2400" dirty="0" smtClean="0"/>
+              <a:t>C’ = “0000000000000000”</a:t>
+            </a:r>
+            <a:endParaRPr lang="en-US" sz="2400" dirty="0"/>
+          </a:p>
+        </p:txBody>
+      </p:sp>
+      <p:sp>
+        <p:nvSpPr>
+          <p:cNvPr id="6" name="TextBox 5"/>
+          <p:cNvSpPr txBox="1"/>
+          <p:nvPr/>
+        </p:nvSpPr>
+        <p:spPr>
+          <a:xfrm>
+            <a:off x="4168698" y="5029199"/>
+            <a:ext cx="3733800" cy="461665"/>
+          </a:xfrm>
+          <a:prstGeom prst="rect">
+            <a:avLst/>
+          </a:prstGeom>
+        </p:spPr>
+        <p:style>
+          <a:lnRef idx="2">
+            <a:schemeClr val="dk1"/>
+          </a:lnRef>
+          <a:fillRef idx="1">
+            <a:schemeClr val="lt1"/>
+          </a:fillRef>
+          <a:effectRef idx="0">
+            <a:schemeClr val="dk1"/>
+          </a:effectRef>
+          <a:fontRef idx="minor">
+            <a:schemeClr val="dk1"/>
+          </a:fontRef>
+        </p:style>
+        <p:txBody>
+          <a:bodyPr wrap="square" rtlCol="0">
+            <a:spAutoFit/>
+          </a:bodyPr>
+          <a:lstStyle/>
+          <a:p>
+            <a:pPr algn="ctr"/>
+            <a:r>
+              <a:rPr lang="en-US" sz="2400" dirty="0"/>
+              <a:t>C</a:t>
+            </a:r>
+            <a:r>
+              <a:rPr lang="en-US" sz="2400" baseline="-25000" dirty="0"/>
+              <a:t>1</a:t>
+            </a:r>
+            <a:r>
+              <a:rPr lang="en-US" sz="2400" dirty="0"/>
+              <a:t> = “287ca837fb65e219”</a:t>
+            </a:r>
+          </a:p>
+        </p:txBody>
+      </p:sp>
+      <p:sp>
+        <p:nvSpPr>
+          <p:cNvPr id="7" name="TextBox 6"/>
+          <p:cNvSpPr txBox="1"/>
+          <p:nvPr/>
+        </p:nvSpPr>
+        <p:spPr>
+          <a:xfrm>
+            <a:off x="457200" y="5502014"/>
+            <a:ext cx="7445298" cy="461665"/>
+          </a:xfrm>
+          <a:prstGeom prst="rect">
+            <a:avLst/>
+          </a:prstGeom>
+        </p:spPr>
+        <p:style>
+          <a:lnRef idx="2">
+            <a:schemeClr val="dk1"/>
+          </a:lnRef>
+          <a:fillRef idx="1">
+            <a:schemeClr val="lt1"/>
+          </a:fillRef>
+          <a:effectRef idx="0">
+            <a:schemeClr val="dk1"/>
+          </a:effectRef>
+          <a:fontRef idx="minor">
+            <a:schemeClr val="dk1"/>
+          </a:fontRef>
+        </p:style>
+        <p:txBody>
+          <a:bodyPr wrap="square" rtlCol="0">
+            <a:spAutoFit/>
+          </a:bodyPr>
+          <a:lstStyle/>
+          <a:p>
+            <a:pPr algn="ctr"/>
+            <a:r>
+              <a:rPr lang="en-US" sz="2400" dirty="0" smtClean="0"/>
+              <a:t>= “0000000000000000287ca837fb65e219</a:t>
+            </a:r>
+            <a:r>
+              <a:rPr lang="en-US" sz="2400" dirty="0"/>
+              <a:t>”</a:t>
+            </a:r>
+          </a:p>
+        </p:txBody>
+      </p:sp>
+    </p:spTree>
+    <p:extLst>
+      <p:ext uri="{BB962C8B-B14F-4D97-AF65-F5344CB8AC3E}">
+        <p14:creationId xmlns:p14="http://schemas.microsoft.com/office/powerpoint/2010/main" val="776839578"/>
+      </p:ext>
+    </p:extLst>
+  </p:cSld>
+  <p:clrMapOvr>
+    <a:masterClrMapping/>
+  </p:clrMapOvr>
+  <p:timing>
+    <p:tnLst>
+      <p:par>
+        <p:cTn id="1" dur="indefinite" restart="never" nodeType="tmRoot"/>
+      </p:par>
+    </p:tnLst>
+  </p:timing>
+</p:sld>
+</file>
+
+<file path=ppt/slides/slide81.xml><?xml version="1.0" encoding="utf-8"?>
+<p:sld xmlns:a="http://schemas.openxmlformats.org/drawingml/2006/main" xmlns:r="http://schemas.openxmlformats.org/officeDocument/2006/relationships" xmlns:p="http://schemas.openxmlformats.org/presentationml/2006/main">
+  <p:cSld>
+    <p:spTree>
+      <p:nvGrpSpPr>
+        <p:cNvPr id="1" name=""/>
+        <p:cNvGrpSpPr/>
+        <p:nvPr/>
+      </p:nvGrpSpPr>
+      <p:grpSpPr>
+        <a:xfrm>
+          <a:off x="0" y="0"/>
+          <a:ext cx="0" cy="0"/>
+          <a:chOff x="0" y="0"/>
+          <a:chExt cx="0" cy="0"/>
+        </a:xfrm>
+      </p:grpSpPr>
+      <p:sp>
+        <p:nvSpPr>
+          <p:cNvPr id="2" name="Title 1"/>
+          <p:cNvSpPr>
+            <a:spLocks noGrp="1"/>
+          </p:cNvSpPr>
+          <p:nvPr>
+            <p:ph type="title"/>
+          </p:nvPr>
+        </p:nvSpPr>
+        <p:spPr/>
+        <p:txBody>
+          <a:bodyPr/>
+          <a:lstStyle/>
+          <a:p>
+            <a:r>
+              <a:rPr lang="en-US" dirty="0" smtClean="0"/>
+              <a:t>Padding oracles</a:t>
+            </a:r>
+            <a:endParaRPr lang="en-US" dirty="0"/>
+          </a:p>
+        </p:txBody>
+      </p:sp>
+      <p:sp>
+        <p:nvSpPr>
+          <p:cNvPr id="3" name="Content Placeholder 2"/>
+          <p:cNvSpPr>
+            <a:spLocks noGrp="1"/>
+          </p:cNvSpPr>
+          <p:nvPr>
+            <p:ph idx="1"/>
+          </p:nvPr>
+        </p:nvSpPr>
+        <p:spPr/>
+        <p:txBody>
+          <a:bodyPr/>
+          <a:lstStyle/>
+          <a:p>
+            <a:r>
+              <a:rPr lang="en-US" dirty="0" smtClean="0"/>
+              <a:t>The host will decrypt C</a:t>
+            </a:r>
+            <a:r>
+              <a:rPr lang="en-US" baseline="-25000" dirty="0" smtClean="0"/>
+              <a:t>1</a:t>
+            </a:r>
+            <a:r>
+              <a:rPr lang="en-US" dirty="0" smtClean="0"/>
+              <a:t> first:</a:t>
+            </a:r>
+          </a:p>
+          <a:p>
+            <a:endParaRPr lang="en-US" dirty="0"/>
+          </a:p>
+          <a:p>
+            <a:r>
+              <a:rPr lang="en-US" dirty="0" smtClean="0"/>
+              <a:t>Recall our decryption formula:</a:t>
+            </a:r>
+          </a:p>
+          <a:p>
+            <a:endParaRPr lang="en-US" dirty="0" smtClean="0"/>
+          </a:p>
+          <a:p>
+            <a:pPr marL="342900" lvl="1" indent="-342900">
+              <a:buFont typeface="Arial" pitchFamily="34" charset="0"/>
+              <a:buChar char="•"/>
+            </a:pPr>
+            <a:r>
+              <a:rPr lang="en-US" sz="2400" dirty="0" smtClean="0"/>
+              <a:t>C</a:t>
+            </a:r>
+            <a:r>
+              <a:rPr lang="en-US" sz="2400" baseline="-25000" dirty="0" smtClean="0"/>
+              <a:t>n-1</a:t>
+            </a:r>
+            <a:r>
+              <a:rPr lang="en-US" dirty="0" smtClean="0"/>
+              <a:t> is C’, in this case, since we prepended C’ to the encrypted string, so we wind up with:</a:t>
+            </a:r>
+          </a:p>
+          <a:p>
+            <a:pPr marL="0" indent="0">
+              <a:buNone/>
+            </a:pPr>
+            <a:endParaRPr lang="en-US" dirty="0"/>
+          </a:p>
+        </p:txBody>
+      </p:sp>
+      <p:sp>
+        <p:nvSpPr>
+          <p:cNvPr id="5" name="TextBox 4"/>
+          <p:cNvSpPr txBox="1"/>
+          <p:nvPr/>
+        </p:nvSpPr>
+        <p:spPr>
+          <a:xfrm>
+            <a:off x="2819400" y="2209800"/>
+            <a:ext cx="3733800" cy="461665"/>
+          </a:xfrm>
+          <a:prstGeom prst="rect">
+            <a:avLst/>
+          </a:prstGeom>
+        </p:spPr>
+        <p:style>
+          <a:lnRef idx="2">
+            <a:schemeClr val="dk1"/>
+          </a:lnRef>
+          <a:fillRef idx="1">
+            <a:schemeClr val="lt1"/>
+          </a:fillRef>
+          <a:effectRef idx="0">
+            <a:schemeClr val="dk1"/>
+          </a:effectRef>
+          <a:fontRef idx="minor">
+            <a:schemeClr val="dk1"/>
+          </a:fontRef>
+        </p:style>
+        <p:txBody>
+          <a:bodyPr wrap="square" rtlCol="0">
+            <a:spAutoFit/>
+          </a:bodyPr>
+          <a:lstStyle/>
+          <a:p>
+            <a:pPr algn="ctr"/>
+            <a:r>
+              <a:rPr lang="en-US" sz="2400" dirty="0"/>
+              <a:t>C</a:t>
+            </a:r>
+            <a:r>
+              <a:rPr lang="en-US" sz="2400" baseline="-25000" dirty="0"/>
+              <a:t>1</a:t>
+            </a:r>
+            <a:r>
+              <a:rPr lang="en-US" sz="2400" dirty="0"/>
+              <a:t> = “287ca837fb65e219”</a:t>
+            </a:r>
+          </a:p>
+        </p:txBody>
+      </p:sp>
+      <p:sp>
+        <p:nvSpPr>
+          <p:cNvPr id="6" name="TextBox 5"/>
+          <p:cNvSpPr txBox="1"/>
+          <p:nvPr/>
+        </p:nvSpPr>
+        <p:spPr>
+          <a:xfrm>
+            <a:off x="2824743" y="6099716"/>
+            <a:ext cx="3733800" cy="461665"/>
+          </a:xfrm>
+          <a:prstGeom prst="rect">
+            <a:avLst/>
+          </a:prstGeom>
+        </p:spPr>
+        <p:style>
+          <a:lnRef idx="2">
+            <a:schemeClr val="dk1"/>
+          </a:lnRef>
+          <a:fillRef idx="1">
+            <a:schemeClr val="lt1"/>
+          </a:fillRef>
+          <a:effectRef idx="0">
+            <a:schemeClr val="dk1"/>
+          </a:effectRef>
+          <a:fontRef idx="minor">
+            <a:schemeClr val="dk1"/>
+          </a:fontRef>
+        </p:style>
+        <p:txBody>
+          <a:bodyPr wrap="square" rtlCol="0">
+            <a:spAutoFit/>
+          </a:bodyPr>
+          <a:lstStyle/>
+          <a:p>
+            <a:pPr algn="ctr"/>
+            <a:r>
+              <a:rPr lang="en-US" sz="2400" dirty="0" smtClean="0"/>
+              <a:t>P’</a:t>
+            </a:r>
+            <a:r>
+              <a:rPr lang="en-US" sz="2400" baseline="-25000" dirty="0" smtClean="0"/>
+              <a:t>1</a:t>
+            </a:r>
+            <a:r>
+              <a:rPr lang="en-US" sz="2400" dirty="0" smtClean="0"/>
+              <a:t> </a:t>
+            </a:r>
+            <a:r>
+              <a:rPr lang="en-US" sz="2400" dirty="0"/>
+              <a:t>= </a:t>
+            </a:r>
+            <a:r>
+              <a:rPr lang="en-US" sz="2400" dirty="0" smtClean="0"/>
+              <a:t>D(</a:t>
+            </a:r>
+            <a:r>
+              <a:rPr lang="en-US" sz="2400" b="1" dirty="0" smtClean="0">
+                <a:solidFill>
+                  <a:srgbClr val="FF0000"/>
+                </a:solidFill>
+              </a:rPr>
+              <a:t>C</a:t>
+            </a:r>
+            <a:r>
+              <a:rPr lang="en-US" sz="2400" b="1" baseline="-25000" dirty="0">
+                <a:solidFill>
+                  <a:srgbClr val="FF0000"/>
+                </a:solidFill>
+              </a:rPr>
+              <a:t>1</a:t>
+            </a:r>
+            <a:r>
+              <a:rPr lang="en-US" sz="2400" dirty="0" smtClean="0"/>
+              <a:t>) XOR </a:t>
+            </a:r>
+            <a:r>
+              <a:rPr lang="en-US" sz="2400" b="1" dirty="0" smtClean="0">
+                <a:solidFill>
+                  <a:schemeClr val="accent5">
+                    <a:lumMod val="50000"/>
+                  </a:schemeClr>
+                </a:solidFill>
+              </a:rPr>
+              <a:t>C’</a:t>
+            </a:r>
+            <a:endParaRPr lang="en-US" sz="2400" b="1" dirty="0">
+              <a:solidFill>
+                <a:schemeClr val="accent5">
+                  <a:lumMod val="50000"/>
+                </a:schemeClr>
+              </a:solidFill>
+            </a:endParaRPr>
+          </a:p>
+        </p:txBody>
+      </p:sp>
+      <p:sp>
+        <p:nvSpPr>
+          <p:cNvPr id="7" name="TextBox 6"/>
+          <p:cNvSpPr txBox="1"/>
+          <p:nvPr/>
+        </p:nvSpPr>
+        <p:spPr>
+          <a:xfrm>
+            <a:off x="2797098" y="3352800"/>
+            <a:ext cx="3733800" cy="461665"/>
+          </a:xfrm>
+          <a:prstGeom prst="rect">
+            <a:avLst/>
+          </a:prstGeom>
+        </p:spPr>
+        <p:style>
+          <a:lnRef idx="2">
+            <a:schemeClr val="dk1"/>
+          </a:lnRef>
+          <a:fillRef idx="1">
+            <a:schemeClr val="lt1"/>
+          </a:fillRef>
+          <a:effectRef idx="0">
+            <a:schemeClr val="dk1"/>
+          </a:effectRef>
+          <a:fontRef idx="minor">
+            <a:schemeClr val="dk1"/>
+          </a:fontRef>
+        </p:style>
+        <p:txBody>
+          <a:bodyPr wrap="square" rtlCol="0">
+            <a:spAutoFit/>
+          </a:bodyPr>
+          <a:lstStyle/>
+          <a:p>
+            <a:pPr marL="0" lvl="1" algn="ctr"/>
+            <a:r>
+              <a:rPr lang="en-US" sz="2400" dirty="0" err="1"/>
+              <a:t>P</a:t>
+            </a:r>
+            <a:r>
+              <a:rPr lang="en-US" sz="2400" baseline="-25000" dirty="0" err="1"/>
+              <a:t>n</a:t>
+            </a:r>
+            <a:r>
+              <a:rPr lang="en-US" sz="2400" dirty="0"/>
+              <a:t> = D(</a:t>
+            </a:r>
+            <a:r>
+              <a:rPr lang="en-US" sz="2400" dirty="0" err="1"/>
+              <a:t>C</a:t>
+            </a:r>
+            <a:r>
+              <a:rPr lang="en-US" sz="2400" baseline="-25000" dirty="0" err="1"/>
+              <a:t>n</a:t>
+            </a:r>
+            <a:r>
+              <a:rPr lang="en-US" sz="2400" dirty="0"/>
+              <a:t>) XOR C</a:t>
+            </a:r>
+            <a:r>
+              <a:rPr lang="en-US" sz="2400" baseline="-25000" dirty="0"/>
+              <a:t>n-1</a:t>
+            </a:r>
+            <a:endParaRPr lang="en-US" sz="2400" dirty="0"/>
+          </a:p>
+        </p:txBody>
+      </p:sp>
+      <p:sp>
+        <p:nvSpPr>
+          <p:cNvPr id="9" name="TextBox 8"/>
+          <p:cNvSpPr txBox="1"/>
+          <p:nvPr/>
+        </p:nvSpPr>
+        <p:spPr>
+          <a:xfrm>
+            <a:off x="1589049" y="5107632"/>
+            <a:ext cx="6149898" cy="461665"/>
+          </a:xfrm>
+          <a:prstGeom prst="rect">
+            <a:avLst/>
+          </a:prstGeom>
+        </p:spPr>
+        <p:style>
+          <a:lnRef idx="2">
+            <a:schemeClr val="dk1"/>
+          </a:lnRef>
+          <a:fillRef idx="1">
+            <a:schemeClr val="lt1"/>
+          </a:fillRef>
+          <a:effectRef idx="0">
+            <a:schemeClr val="dk1"/>
+          </a:effectRef>
+          <a:fontRef idx="minor">
+            <a:schemeClr val="dk1"/>
+          </a:fontRef>
+        </p:style>
+        <p:txBody>
+          <a:bodyPr wrap="square" rtlCol="0">
+            <a:spAutoFit/>
+          </a:bodyPr>
+          <a:lstStyle/>
+          <a:p>
+            <a:pPr algn="ctr"/>
+            <a:r>
+              <a:rPr lang="en-US" sz="2400" dirty="0" smtClean="0"/>
+              <a:t>“</a:t>
+            </a:r>
+            <a:r>
+              <a:rPr lang="en-US" sz="2400" dirty="0" smtClean="0">
+                <a:solidFill>
+                  <a:schemeClr val="accent5">
+                    <a:lumMod val="50000"/>
+                  </a:schemeClr>
+                </a:solidFill>
+              </a:rPr>
+              <a:t>0000000000000000</a:t>
+            </a:r>
+            <a:r>
+              <a:rPr lang="en-US" sz="2400" dirty="0" smtClean="0">
+                <a:solidFill>
+                  <a:srgbClr val="FF0000"/>
+                </a:solidFill>
+              </a:rPr>
+              <a:t>287ca837fb65e219</a:t>
+            </a:r>
+            <a:r>
+              <a:rPr lang="en-US" sz="2400" dirty="0"/>
+              <a:t>”</a:t>
+            </a:r>
+          </a:p>
+        </p:txBody>
+      </p:sp>
+      <p:cxnSp>
+        <p:nvCxnSpPr>
+          <p:cNvPr id="11" name="Straight Arrow Connector 10"/>
+          <p:cNvCxnSpPr/>
+          <p:nvPr/>
+        </p:nvCxnSpPr>
+        <p:spPr>
+          <a:xfrm flipH="1">
+            <a:off x="4691644" y="5601816"/>
+            <a:ext cx="1251956" cy="497900"/>
+          </a:xfrm>
+          <a:prstGeom prst="straightConnector1">
+            <a:avLst/>
+          </a:prstGeom>
+          <a:ln w="41275">
+            <a:solidFill>
+              <a:srgbClr val="FF0000"/>
+            </a:solidFill>
+            <a:tailEnd type="arrow"/>
+          </a:ln>
+        </p:spPr>
+        <p:style>
+          <a:lnRef idx="1">
+            <a:schemeClr val="accent1"/>
+          </a:lnRef>
+          <a:fillRef idx="0">
+            <a:schemeClr val="accent1"/>
+          </a:fillRef>
+          <a:effectRef idx="0">
+            <a:schemeClr val="accent1"/>
+          </a:effectRef>
+          <a:fontRef idx="minor">
+            <a:schemeClr val="tx1"/>
+          </a:fontRef>
+        </p:style>
+      </p:cxnSp>
+      <p:cxnSp>
+        <p:nvCxnSpPr>
+          <p:cNvPr id="12" name="Straight Arrow Connector 11"/>
+          <p:cNvCxnSpPr/>
+          <p:nvPr/>
+        </p:nvCxnSpPr>
+        <p:spPr>
+          <a:xfrm>
+            <a:off x="3581400" y="5601816"/>
+            <a:ext cx="2057400" cy="497900"/>
+          </a:xfrm>
+          <a:prstGeom prst="straightConnector1">
+            <a:avLst/>
+          </a:prstGeom>
+          <a:ln w="41275">
+            <a:solidFill>
+              <a:schemeClr val="accent5">
+                <a:lumMod val="50000"/>
+              </a:schemeClr>
+            </a:solidFill>
+            <a:tailEnd type="arrow"/>
+          </a:ln>
+        </p:spPr>
+        <p:style>
+          <a:lnRef idx="1">
+            <a:schemeClr val="accent1"/>
+          </a:lnRef>
+          <a:fillRef idx="0">
+            <a:schemeClr val="accent1"/>
+          </a:fillRef>
+          <a:effectRef idx="0">
+            <a:schemeClr val="accent1"/>
+          </a:effectRef>
+          <a:fontRef idx="minor">
+            <a:schemeClr val="tx1"/>
+          </a:fontRef>
+        </p:style>
+      </p:cxnSp>
+    </p:spTree>
+    <p:extLst>
+      <p:ext uri="{BB962C8B-B14F-4D97-AF65-F5344CB8AC3E}">
+        <p14:creationId xmlns:p14="http://schemas.microsoft.com/office/powerpoint/2010/main" val="337252800"/>
+      </p:ext>
+    </p:extLst>
+  </p:cSld>
+  <p:clrMapOvr>
+    <a:masterClrMapping/>
+  </p:clrMapOvr>
+  <p:timing>
+    <p:tnLst>
+      <p:par>
+        <p:cTn id="1" dur="indefinite" restart="never" nodeType="tmRoot"/>
+      </p:par>
+    </p:tnLst>
+  </p:timing>
+</p:sld>
+</file>
+
+<file path=ppt/slides/slide82.xml><?xml version="1.0" encoding="utf-8"?>
+<p:sld xmlns:a="http://schemas.openxmlformats.org/drawingml/2006/main" xmlns:r="http://schemas.openxmlformats.org/officeDocument/2006/relationships" xmlns:p="http://schemas.openxmlformats.org/presentationml/2006/main">
+  <p:cSld>
+    <p:spTree>
+      <p:nvGrpSpPr>
+        <p:cNvPr id="1" name=""/>
+        <p:cNvGrpSpPr/>
+        <p:nvPr/>
+      </p:nvGrpSpPr>
+      <p:grpSpPr>
+        <a:xfrm>
+          <a:off x="0" y="0"/>
+          <a:ext cx="0" cy="0"/>
+          <a:chOff x="0" y="0"/>
+          <a:chExt cx="0" cy="0"/>
+        </a:xfrm>
+      </p:grpSpPr>
+      <p:sp>
+        <p:nvSpPr>
+          <p:cNvPr id="2" name="Title 1"/>
+          <p:cNvSpPr>
+            <a:spLocks noGrp="1"/>
+          </p:cNvSpPr>
+          <p:nvPr>
+            <p:ph type="title"/>
+          </p:nvPr>
+        </p:nvSpPr>
+        <p:spPr>
+          <a:xfrm>
+            <a:off x="457200" y="0"/>
+            <a:ext cx="8229600" cy="1143000"/>
+          </a:xfrm>
+        </p:spPr>
+        <p:txBody>
+          <a:bodyPr/>
+          <a:lstStyle/>
+          <a:p>
+            <a:r>
+              <a:rPr lang="en-US" dirty="0" smtClean="0"/>
+              <a:t>Padding oracles</a:t>
+            </a:r>
+            <a:endParaRPr lang="en-US" dirty="0"/>
+          </a:p>
+        </p:txBody>
+      </p:sp>
+      <p:sp>
+        <p:nvSpPr>
+          <p:cNvPr id="4" name="TextBox 3"/>
+          <p:cNvSpPr txBox="1"/>
+          <p:nvPr/>
+        </p:nvSpPr>
+        <p:spPr>
+          <a:xfrm>
+            <a:off x="1510757" y="1902018"/>
+            <a:ext cx="3733800" cy="461665"/>
+          </a:xfrm>
+          <a:prstGeom prst="rect">
+            <a:avLst/>
+          </a:prstGeom>
+        </p:spPr>
+        <p:style>
+          <a:lnRef idx="2">
+            <a:schemeClr val="dk1"/>
+          </a:lnRef>
+          <a:fillRef idx="1">
+            <a:schemeClr val="lt1"/>
+          </a:fillRef>
+          <a:effectRef idx="0">
+            <a:schemeClr val="dk1"/>
+          </a:effectRef>
+          <a:fontRef idx="minor">
+            <a:schemeClr val="dk1"/>
+          </a:fontRef>
+        </p:style>
+        <p:txBody>
+          <a:bodyPr wrap="square" rtlCol="0">
+            <a:spAutoFit/>
+          </a:bodyPr>
+          <a:lstStyle/>
+          <a:p>
+            <a:pPr algn="ctr"/>
+            <a:r>
+              <a:rPr lang="en-US" sz="2400" dirty="0" smtClean="0"/>
+              <a:t>P’</a:t>
+            </a:r>
+            <a:r>
+              <a:rPr lang="en-US" sz="2400" baseline="-25000" dirty="0" smtClean="0"/>
+              <a:t>1</a:t>
+            </a:r>
+            <a:r>
+              <a:rPr lang="en-US" sz="2400" dirty="0" smtClean="0"/>
+              <a:t> </a:t>
+            </a:r>
+            <a:r>
+              <a:rPr lang="en-US" sz="2400" dirty="0"/>
+              <a:t>= </a:t>
+            </a:r>
+            <a:r>
+              <a:rPr lang="en-US" sz="2400" dirty="0" smtClean="0"/>
+              <a:t>D(</a:t>
+            </a:r>
+            <a:r>
+              <a:rPr lang="en-US" sz="2400" b="1" dirty="0" smtClean="0">
+                <a:solidFill>
+                  <a:srgbClr val="FF0000"/>
+                </a:solidFill>
+              </a:rPr>
+              <a:t>C</a:t>
+            </a:r>
+            <a:r>
+              <a:rPr lang="en-US" sz="2400" b="1" baseline="-25000" dirty="0">
+                <a:solidFill>
+                  <a:srgbClr val="FF0000"/>
+                </a:solidFill>
+              </a:rPr>
+              <a:t>1</a:t>
+            </a:r>
+            <a:r>
+              <a:rPr lang="en-US" sz="2400" dirty="0" smtClean="0"/>
+              <a:t>) XOR </a:t>
+            </a:r>
+            <a:r>
+              <a:rPr lang="en-US" sz="2400" b="1" dirty="0" smtClean="0">
+                <a:solidFill>
+                  <a:schemeClr val="accent5">
+                    <a:lumMod val="50000"/>
+                  </a:schemeClr>
+                </a:solidFill>
+              </a:rPr>
+              <a:t>C’</a:t>
+            </a:r>
+            <a:endParaRPr lang="en-US" sz="2400" b="1" dirty="0">
+              <a:solidFill>
+                <a:schemeClr val="accent5">
+                  <a:lumMod val="50000"/>
+                </a:schemeClr>
+              </a:solidFill>
+            </a:endParaRPr>
+          </a:p>
+        </p:txBody>
+      </p:sp>
+      <p:sp>
+        <p:nvSpPr>
+          <p:cNvPr id="5" name="TextBox 4"/>
+          <p:cNvSpPr txBox="1"/>
+          <p:nvPr/>
+        </p:nvSpPr>
+        <p:spPr>
+          <a:xfrm>
+            <a:off x="275063" y="909934"/>
+            <a:ext cx="6149898" cy="461665"/>
+          </a:xfrm>
+          <a:prstGeom prst="rect">
+            <a:avLst/>
+          </a:prstGeom>
+        </p:spPr>
+        <p:style>
+          <a:lnRef idx="2">
+            <a:schemeClr val="dk1"/>
+          </a:lnRef>
+          <a:fillRef idx="1">
+            <a:schemeClr val="lt1"/>
+          </a:fillRef>
+          <a:effectRef idx="0">
+            <a:schemeClr val="dk1"/>
+          </a:effectRef>
+          <a:fontRef idx="minor">
+            <a:schemeClr val="dk1"/>
+          </a:fontRef>
+        </p:style>
+        <p:txBody>
+          <a:bodyPr wrap="square" rtlCol="0">
+            <a:spAutoFit/>
+          </a:bodyPr>
+          <a:lstStyle/>
+          <a:p>
+            <a:pPr algn="ctr"/>
+            <a:r>
+              <a:rPr lang="en-US" sz="2400" dirty="0" smtClean="0"/>
+              <a:t>“</a:t>
+            </a:r>
+            <a:r>
+              <a:rPr lang="en-US" sz="2400" dirty="0" smtClean="0">
+                <a:solidFill>
+                  <a:schemeClr val="accent5">
+                    <a:lumMod val="50000"/>
+                  </a:schemeClr>
+                </a:solidFill>
+              </a:rPr>
+              <a:t>0000000000000000</a:t>
+            </a:r>
+            <a:r>
+              <a:rPr lang="en-US" sz="2400" dirty="0" smtClean="0">
+                <a:solidFill>
+                  <a:srgbClr val="FF0000"/>
+                </a:solidFill>
+              </a:rPr>
+              <a:t>287ca837fb65e219</a:t>
+            </a:r>
+            <a:r>
+              <a:rPr lang="en-US" sz="2400" dirty="0"/>
+              <a:t>”</a:t>
+            </a:r>
+          </a:p>
+        </p:txBody>
+      </p:sp>
+      <p:cxnSp>
+        <p:nvCxnSpPr>
+          <p:cNvPr id="6" name="Straight Arrow Connector 5"/>
+          <p:cNvCxnSpPr/>
+          <p:nvPr/>
+        </p:nvCxnSpPr>
+        <p:spPr>
+          <a:xfrm flipH="1">
+            <a:off x="3377658" y="1404118"/>
+            <a:ext cx="1251956" cy="497900"/>
+          </a:xfrm>
+          <a:prstGeom prst="straightConnector1">
+            <a:avLst/>
+          </a:prstGeom>
+          <a:ln w="41275">
+            <a:solidFill>
+              <a:srgbClr val="FF0000"/>
+            </a:solidFill>
+            <a:tailEnd type="arrow"/>
+          </a:ln>
+        </p:spPr>
+        <p:style>
+          <a:lnRef idx="1">
+            <a:schemeClr val="accent1"/>
+          </a:lnRef>
+          <a:fillRef idx="0">
+            <a:schemeClr val="accent1"/>
+          </a:fillRef>
+          <a:effectRef idx="0">
+            <a:schemeClr val="accent1"/>
+          </a:effectRef>
+          <a:fontRef idx="minor">
+            <a:schemeClr val="tx1"/>
+          </a:fontRef>
+        </p:style>
+      </p:cxnSp>
+      <p:cxnSp>
+        <p:nvCxnSpPr>
+          <p:cNvPr id="7" name="Straight Arrow Connector 6"/>
+          <p:cNvCxnSpPr/>
+          <p:nvPr/>
+        </p:nvCxnSpPr>
+        <p:spPr>
+          <a:xfrm>
+            <a:off x="2267414" y="1404118"/>
+            <a:ext cx="2057400" cy="497900"/>
+          </a:xfrm>
+          <a:prstGeom prst="straightConnector1">
+            <a:avLst/>
+          </a:prstGeom>
+          <a:ln w="41275">
+            <a:solidFill>
+              <a:schemeClr val="accent5">
+                <a:lumMod val="50000"/>
+              </a:schemeClr>
+            </a:solidFill>
+            <a:tailEnd type="arrow"/>
+          </a:ln>
+        </p:spPr>
+        <p:style>
+          <a:lnRef idx="1">
+            <a:schemeClr val="accent1"/>
+          </a:lnRef>
+          <a:fillRef idx="0">
+            <a:schemeClr val="accent1"/>
+          </a:fillRef>
+          <a:effectRef idx="0">
+            <a:schemeClr val="accent1"/>
+          </a:effectRef>
+          <a:fontRef idx="minor">
+            <a:schemeClr val="tx1"/>
+          </a:fontRef>
+        </p:style>
+      </p:cxnSp>
+      <p:sp>
+        <p:nvSpPr>
+          <p:cNvPr id="8" name="TextBox 7"/>
+          <p:cNvSpPr txBox="1"/>
+          <p:nvPr/>
+        </p:nvSpPr>
+        <p:spPr>
+          <a:xfrm>
+            <a:off x="304800" y="2819400"/>
+            <a:ext cx="3733800" cy="461665"/>
+          </a:xfrm>
+          <a:prstGeom prst="rect">
+            <a:avLst/>
+          </a:prstGeom>
+        </p:spPr>
+        <p:style>
+          <a:lnRef idx="2">
+            <a:schemeClr val="dk1"/>
+          </a:lnRef>
+          <a:fillRef idx="1">
+            <a:schemeClr val="lt1"/>
+          </a:fillRef>
+          <a:effectRef idx="0">
+            <a:schemeClr val="dk1"/>
+          </a:effectRef>
+          <a:fontRef idx="minor">
+            <a:schemeClr val="dk1"/>
+          </a:fontRef>
+        </p:style>
+        <p:txBody>
+          <a:bodyPr wrap="square" rtlCol="0">
+            <a:spAutoFit/>
+          </a:bodyPr>
+          <a:lstStyle/>
+          <a:p>
+            <a:pPr algn="ctr"/>
+            <a:r>
+              <a:rPr lang="en-US" sz="2400" dirty="0" err="1" smtClean="0">
+                <a:solidFill>
+                  <a:schemeClr val="tx1"/>
+                </a:solidFill>
+              </a:rPr>
+              <a:t>C</a:t>
+            </a:r>
+            <a:r>
+              <a:rPr lang="en-US" sz="2400" baseline="-25000" dirty="0" err="1">
+                <a:solidFill>
+                  <a:schemeClr val="tx1"/>
+                </a:solidFill>
+              </a:rPr>
+              <a:t>n</a:t>
+            </a:r>
+            <a:r>
+              <a:rPr lang="en-US" sz="2400" dirty="0" smtClean="0">
+                <a:solidFill>
+                  <a:schemeClr val="tx1"/>
+                </a:solidFill>
+              </a:rPr>
+              <a:t> </a:t>
+            </a:r>
+            <a:r>
+              <a:rPr lang="en-US" sz="2400" dirty="0">
+                <a:solidFill>
+                  <a:schemeClr val="tx1"/>
+                </a:solidFill>
+              </a:rPr>
+              <a:t>= </a:t>
+            </a:r>
+            <a:r>
+              <a:rPr lang="en-US" sz="2400" dirty="0" smtClean="0">
+                <a:solidFill>
+                  <a:schemeClr val="tx1"/>
+                </a:solidFill>
+              </a:rPr>
+              <a:t>E(</a:t>
+            </a:r>
+            <a:r>
+              <a:rPr lang="en-US" sz="2400" dirty="0" err="1" smtClean="0">
+                <a:solidFill>
+                  <a:schemeClr val="tx1"/>
+                </a:solidFill>
+              </a:rPr>
+              <a:t>P</a:t>
+            </a:r>
+            <a:r>
+              <a:rPr lang="en-US" sz="2400" baseline="-25000" dirty="0" err="1" smtClean="0">
+                <a:solidFill>
+                  <a:schemeClr val="tx1"/>
+                </a:solidFill>
+              </a:rPr>
+              <a:t>n</a:t>
+            </a:r>
+            <a:r>
+              <a:rPr lang="en-US" sz="2400" dirty="0" smtClean="0">
+                <a:solidFill>
+                  <a:schemeClr val="tx1"/>
+                </a:solidFill>
+              </a:rPr>
+              <a:t> </a:t>
+            </a:r>
+            <a:r>
+              <a:rPr lang="en-US" sz="2400" dirty="0">
+                <a:solidFill>
+                  <a:schemeClr val="tx1"/>
+                </a:solidFill>
+              </a:rPr>
+              <a:t>XOR </a:t>
+            </a:r>
+            <a:r>
+              <a:rPr lang="en-US" sz="2400" dirty="0" smtClean="0">
+                <a:solidFill>
+                  <a:schemeClr val="tx1"/>
+                </a:solidFill>
+              </a:rPr>
+              <a:t>C</a:t>
+            </a:r>
+            <a:r>
+              <a:rPr lang="en-US" sz="2400" b="1" baseline="-25000" dirty="0" smtClean="0">
+                <a:solidFill>
+                  <a:schemeClr val="tx1"/>
+                </a:solidFill>
+              </a:rPr>
+              <a:t>n-1</a:t>
+            </a:r>
+            <a:r>
+              <a:rPr lang="en-US" sz="2400" dirty="0" smtClean="0">
+                <a:solidFill>
+                  <a:schemeClr val="tx1"/>
+                </a:solidFill>
+              </a:rPr>
+              <a:t>)</a:t>
+            </a:r>
+            <a:endParaRPr lang="en-US" sz="2400" dirty="0">
+              <a:solidFill>
+                <a:schemeClr val="tx1"/>
+              </a:solidFill>
+            </a:endParaRPr>
+          </a:p>
+        </p:txBody>
+      </p:sp>
+      <p:sp>
+        <p:nvSpPr>
+          <p:cNvPr id="9" name="TextBox 8"/>
+          <p:cNvSpPr txBox="1"/>
+          <p:nvPr/>
+        </p:nvSpPr>
+        <p:spPr>
+          <a:xfrm>
+            <a:off x="304800" y="3657600"/>
+            <a:ext cx="3733800" cy="461665"/>
+          </a:xfrm>
+          <a:prstGeom prst="rect">
+            <a:avLst/>
+          </a:prstGeom>
+        </p:spPr>
+        <p:style>
+          <a:lnRef idx="2">
+            <a:schemeClr val="dk1"/>
+          </a:lnRef>
+          <a:fillRef idx="1">
+            <a:schemeClr val="lt1"/>
+          </a:fillRef>
+          <a:effectRef idx="0">
+            <a:schemeClr val="dk1"/>
+          </a:effectRef>
+          <a:fontRef idx="minor">
+            <a:schemeClr val="dk1"/>
+          </a:fontRef>
+        </p:style>
+        <p:txBody>
+          <a:bodyPr wrap="square" rtlCol="0">
+            <a:spAutoFit/>
+          </a:bodyPr>
+          <a:lstStyle/>
+          <a:p>
+            <a:pPr algn="ctr"/>
+            <a:r>
+              <a:rPr lang="en-US" sz="2400" b="1" dirty="0" smtClean="0">
+                <a:solidFill>
+                  <a:srgbClr val="FF0000"/>
+                </a:solidFill>
+              </a:rPr>
+              <a:t>C</a:t>
+            </a:r>
+            <a:r>
+              <a:rPr lang="en-US" sz="2400" b="1" baseline="-25000" dirty="0" smtClean="0">
+                <a:solidFill>
+                  <a:srgbClr val="FF0000"/>
+                </a:solidFill>
+              </a:rPr>
+              <a:t>1</a:t>
+            </a:r>
+            <a:r>
+              <a:rPr lang="en-US" sz="2400" dirty="0" smtClean="0">
+                <a:solidFill>
+                  <a:srgbClr val="FF0000"/>
+                </a:solidFill>
+              </a:rPr>
+              <a:t> </a:t>
+            </a:r>
+            <a:r>
+              <a:rPr lang="en-US" sz="2400" dirty="0">
+                <a:solidFill>
+                  <a:schemeClr val="tx1"/>
+                </a:solidFill>
+              </a:rPr>
+              <a:t>= </a:t>
+            </a:r>
+            <a:r>
+              <a:rPr lang="en-US" sz="2400" dirty="0" smtClean="0">
+                <a:solidFill>
+                  <a:schemeClr val="tx1"/>
+                </a:solidFill>
+              </a:rPr>
+              <a:t>E(P</a:t>
+            </a:r>
+            <a:r>
+              <a:rPr lang="en-US" sz="2400" baseline="-25000" dirty="0" smtClean="0">
+                <a:solidFill>
+                  <a:schemeClr val="tx1"/>
+                </a:solidFill>
+              </a:rPr>
+              <a:t>1</a:t>
+            </a:r>
+            <a:r>
+              <a:rPr lang="en-US" sz="2400" dirty="0" smtClean="0">
+                <a:solidFill>
+                  <a:schemeClr val="tx1"/>
+                </a:solidFill>
+              </a:rPr>
+              <a:t> </a:t>
+            </a:r>
+            <a:r>
+              <a:rPr lang="en-US" sz="2400" dirty="0">
+                <a:solidFill>
+                  <a:schemeClr val="tx1"/>
+                </a:solidFill>
+              </a:rPr>
+              <a:t>XOR </a:t>
+            </a:r>
+            <a:r>
+              <a:rPr lang="en-US" sz="2400" dirty="0" smtClean="0">
+                <a:solidFill>
+                  <a:schemeClr val="tx1"/>
+                </a:solidFill>
+              </a:rPr>
+              <a:t>C</a:t>
+            </a:r>
+            <a:r>
+              <a:rPr lang="en-US" sz="2400" b="1" baseline="-25000" dirty="0" smtClean="0">
+                <a:solidFill>
+                  <a:schemeClr val="tx1"/>
+                </a:solidFill>
+              </a:rPr>
+              <a:t>0</a:t>
+            </a:r>
+            <a:r>
+              <a:rPr lang="en-US" sz="2400" dirty="0" smtClean="0">
+                <a:solidFill>
+                  <a:schemeClr val="tx1"/>
+                </a:solidFill>
+              </a:rPr>
+              <a:t>)</a:t>
+            </a:r>
+            <a:endParaRPr lang="en-US" sz="2400" dirty="0">
+              <a:solidFill>
+                <a:schemeClr val="tx1"/>
+              </a:solidFill>
+            </a:endParaRPr>
+          </a:p>
+        </p:txBody>
+      </p:sp>
+      <p:cxnSp>
+        <p:nvCxnSpPr>
+          <p:cNvPr id="10" name="Straight Arrow Connector 9"/>
+          <p:cNvCxnSpPr/>
+          <p:nvPr/>
+        </p:nvCxnSpPr>
+        <p:spPr>
+          <a:xfrm>
+            <a:off x="2286000" y="3281065"/>
+            <a:ext cx="0" cy="376535"/>
+          </a:xfrm>
+          <a:prstGeom prst="straightConnector1">
+            <a:avLst/>
+          </a:prstGeom>
+          <a:ln w="41275">
+            <a:tailEnd type="arrow"/>
+          </a:ln>
+        </p:spPr>
+        <p:style>
+          <a:lnRef idx="1">
+            <a:schemeClr val="accent1"/>
+          </a:lnRef>
+          <a:fillRef idx="0">
+            <a:schemeClr val="accent1"/>
+          </a:fillRef>
+          <a:effectRef idx="0">
+            <a:schemeClr val="accent1"/>
+          </a:effectRef>
+          <a:fontRef idx="minor">
+            <a:schemeClr val="tx1"/>
+          </a:fontRef>
+        </p:style>
+      </p:cxnSp>
+      <p:sp>
+        <p:nvSpPr>
+          <p:cNvPr id="14" name="TextBox 13"/>
+          <p:cNvSpPr txBox="1"/>
+          <p:nvPr/>
+        </p:nvSpPr>
+        <p:spPr>
+          <a:xfrm>
+            <a:off x="309446" y="4572000"/>
+            <a:ext cx="4195299" cy="461665"/>
+          </a:xfrm>
+          <a:prstGeom prst="rect">
+            <a:avLst/>
+          </a:prstGeom>
+        </p:spPr>
+        <p:style>
+          <a:lnRef idx="2">
+            <a:schemeClr val="dk1"/>
+          </a:lnRef>
+          <a:fillRef idx="1">
+            <a:schemeClr val="lt1"/>
+          </a:fillRef>
+          <a:effectRef idx="0">
+            <a:schemeClr val="dk1"/>
+          </a:effectRef>
+          <a:fontRef idx="minor">
+            <a:schemeClr val="dk1"/>
+          </a:fontRef>
+        </p:style>
+        <p:txBody>
+          <a:bodyPr wrap="square" rtlCol="0">
+            <a:spAutoFit/>
+          </a:bodyPr>
+          <a:lstStyle/>
+          <a:p>
+            <a:pPr algn="ctr"/>
+            <a:r>
+              <a:rPr lang="en-US" sz="2400" dirty="0" smtClean="0"/>
+              <a:t>P’</a:t>
+            </a:r>
+            <a:r>
+              <a:rPr lang="en-US" sz="2400" baseline="-25000" dirty="0" smtClean="0"/>
+              <a:t>1</a:t>
+            </a:r>
+            <a:r>
+              <a:rPr lang="en-US" sz="2400" dirty="0" smtClean="0"/>
+              <a:t> = D(</a:t>
+            </a:r>
+            <a:r>
+              <a:rPr lang="en-US" sz="2400" dirty="0">
+                <a:solidFill>
+                  <a:schemeClr val="tx1"/>
+                </a:solidFill>
+              </a:rPr>
+              <a:t>E(P</a:t>
+            </a:r>
+            <a:r>
+              <a:rPr lang="en-US" sz="2400" baseline="-25000" dirty="0">
+                <a:solidFill>
+                  <a:schemeClr val="tx1"/>
+                </a:solidFill>
+              </a:rPr>
+              <a:t>1</a:t>
+            </a:r>
+            <a:r>
+              <a:rPr lang="en-US" sz="2400" dirty="0">
+                <a:solidFill>
+                  <a:schemeClr val="tx1"/>
+                </a:solidFill>
+              </a:rPr>
+              <a:t> XOR C</a:t>
+            </a:r>
+            <a:r>
+              <a:rPr lang="en-US" sz="2400" b="1" baseline="-25000" dirty="0">
+                <a:solidFill>
+                  <a:schemeClr val="tx1"/>
+                </a:solidFill>
+              </a:rPr>
+              <a:t>0</a:t>
+            </a:r>
+            <a:r>
+              <a:rPr lang="en-US" sz="2400" dirty="0">
+                <a:solidFill>
+                  <a:schemeClr val="tx1"/>
+                </a:solidFill>
+              </a:rPr>
+              <a:t>)</a:t>
+            </a:r>
+            <a:r>
+              <a:rPr lang="en-US" sz="2400" dirty="0" smtClean="0"/>
+              <a:t>) XOR </a:t>
+            </a:r>
+            <a:r>
+              <a:rPr lang="en-US" sz="2400" b="1" dirty="0" smtClean="0">
+                <a:solidFill>
+                  <a:schemeClr val="accent5">
+                    <a:lumMod val="50000"/>
+                  </a:schemeClr>
+                </a:solidFill>
+              </a:rPr>
+              <a:t>C’</a:t>
+            </a:r>
+            <a:endParaRPr lang="en-US" sz="2400" b="1" dirty="0">
+              <a:solidFill>
+                <a:schemeClr val="accent5">
+                  <a:lumMod val="50000"/>
+                </a:schemeClr>
+              </a:solidFill>
+            </a:endParaRPr>
+          </a:p>
+        </p:txBody>
+      </p:sp>
+      <p:sp>
+        <p:nvSpPr>
+          <p:cNvPr id="15" name="TextBox 14"/>
+          <p:cNvSpPr txBox="1"/>
+          <p:nvPr/>
+        </p:nvSpPr>
+        <p:spPr>
+          <a:xfrm>
+            <a:off x="6480717" y="775905"/>
+            <a:ext cx="2414239" cy="1754326"/>
+          </a:xfrm>
+          <a:prstGeom prst="rect">
+            <a:avLst/>
+          </a:prstGeom>
+          <a:noFill/>
+        </p:spPr>
+        <p:txBody>
+          <a:bodyPr wrap="square" rtlCol="0">
+            <a:spAutoFit/>
+          </a:bodyPr>
+          <a:lstStyle/>
+          <a:p>
+            <a:r>
+              <a:rPr lang="en-US" dirty="0" smtClean="0"/>
+              <a:t>This is how the oracle attempts to decrypt the second block</a:t>
+            </a:r>
+          </a:p>
+          <a:p>
+            <a:endParaRPr lang="en-US" dirty="0"/>
+          </a:p>
+          <a:p>
+            <a:r>
+              <a:rPr lang="en-US" dirty="0" smtClean="0"/>
+              <a:t>Let’s look at where </a:t>
+            </a:r>
+            <a:r>
+              <a:rPr lang="en-US" b="1" dirty="0" smtClean="0">
+                <a:solidFill>
+                  <a:srgbClr val="FF0000"/>
+                </a:solidFill>
+              </a:rPr>
+              <a:t>C</a:t>
+            </a:r>
+            <a:r>
+              <a:rPr lang="en-US" b="1" baseline="-25000" dirty="0" smtClean="0">
+                <a:solidFill>
+                  <a:srgbClr val="FF0000"/>
+                </a:solidFill>
+              </a:rPr>
+              <a:t>1 </a:t>
+            </a:r>
+            <a:r>
+              <a:rPr lang="en-US" dirty="0" smtClean="0"/>
+              <a:t>originally came from…</a:t>
+            </a:r>
+            <a:endParaRPr lang="en-US" dirty="0"/>
+          </a:p>
+        </p:txBody>
+      </p:sp>
+      <p:sp>
+        <p:nvSpPr>
+          <p:cNvPr id="17" name="TextBox 16"/>
+          <p:cNvSpPr txBox="1"/>
+          <p:nvPr/>
+        </p:nvSpPr>
+        <p:spPr>
+          <a:xfrm>
+            <a:off x="4038600" y="2727066"/>
+            <a:ext cx="3276600" cy="646331"/>
+          </a:xfrm>
+          <a:prstGeom prst="rect">
+            <a:avLst/>
+          </a:prstGeom>
+          <a:noFill/>
+        </p:spPr>
+        <p:txBody>
+          <a:bodyPr wrap="square" rtlCol="0">
+            <a:spAutoFit/>
+          </a:bodyPr>
+          <a:lstStyle/>
+          <a:p>
+            <a:r>
+              <a:rPr lang="en-US" dirty="0" smtClean="0"/>
+              <a:t>Recall our encryption formula from earlier</a:t>
+            </a:r>
+            <a:endParaRPr lang="en-US" dirty="0"/>
+          </a:p>
+        </p:txBody>
+      </p:sp>
+      <p:sp>
+        <p:nvSpPr>
+          <p:cNvPr id="18" name="TextBox 17"/>
+          <p:cNvSpPr txBox="1"/>
+          <p:nvPr/>
+        </p:nvSpPr>
+        <p:spPr>
+          <a:xfrm>
+            <a:off x="4064619" y="3657600"/>
+            <a:ext cx="3623217" cy="646331"/>
+          </a:xfrm>
+          <a:prstGeom prst="rect">
+            <a:avLst/>
+          </a:prstGeom>
+          <a:noFill/>
+        </p:spPr>
+        <p:txBody>
+          <a:bodyPr wrap="square" rtlCol="0">
+            <a:spAutoFit/>
+          </a:bodyPr>
+          <a:lstStyle/>
+          <a:p>
+            <a:r>
+              <a:rPr lang="en-US" dirty="0" smtClean="0"/>
+              <a:t>C</a:t>
+            </a:r>
+            <a:r>
+              <a:rPr lang="en-US" b="1" baseline="-25000" dirty="0" smtClean="0"/>
+              <a:t>1</a:t>
+            </a:r>
+            <a:r>
+              <a:rPr lang="en-US" dirty="0" smtClean="0"/>
+              <a:t>, in particular, was encrypted after being </a:t>
+            </a:r>
+            <a:r>
+              <a:rPr lang="en-US" dirty="0" err="1" smtClean="0"/>
+              <a:t>XORed</a:t>
+            </a:r>
+            <a:r>
+              <a:rPr lang="en-US" dirty="0" smtClean="0"/>
+              <a:t> with </a:t>
+            </a:r>
+            <a:r>
+              <a:rPr lang="en-US" dirty="0"/>
+              <a:t>C</a:t>
+            </a:r>
+            <a:r>
+              <a:rPr lang="en-US" b="1" baseline="-25000" dirty="0"/>
+              <a:t>0</a:t>
+            </a:r>
+            <a:endParaRPr lang="en-US" dirty="0"/>
+          </a:p>
+        </p:txBody>
+      </p:sp>
+      <p:sp>
+        <p:nvSpPr>
+          <p:cNvPr id="22" name="TextBox 21"/>
+          <p:cNvSpPr txBox="1"/>
+          <p:nvPr/>
+        </p:nvSpPr>
+        <p:spPr>
+          <a:xfrm>
+            <a:off x="4629614" y="4572000"/>
+            <a:ext cx="3218986" cy="646331"/>
+          </a:xfrm>
+          <a:prstGeom prst="rect">
+            <a:avLst/>
+          </a:prstGeom>
+          <a:noFill/>
+        </p:spPr>
+        <p:txBody>
+          <a:bodyPr wrap="square" rtlCol="0">
+            <a:spAutoFit/>
+          </a:bodyPr>
+          <a:lstStyle/>
+          <a:p>
+            <a:r>
+              <a:rPr lang="en-US" dirty="0" smtClean="0"/>
+              <a:t>In the formula for </a:t>
+            </a:r>
+            <a:r>
+              <a:rPr lang="en-US" dirty="0"/>
+              <a:t>P’</a:t>
+            </a:r>
+            <a:r>
+              <a:rPr lang="en-US" baseline="-25000" dirty="0"/>
+              <a:t>1</a:t>
+            </a:r>
+            <a:r>
+              <a:rPr lang="en-US" dirty="0" smtClean="0"/>
+              <a:t> (above), expand </a:t>
+            </a:r>
+            <a:r>
+              <a:rPr lang="en-US" b="1" dirty="0">
+                <a:solidFill>
+                  <a:srgbClr val="FF0000"/>
+                </a:solidFill>
+              </a:rPr>
+              <a:t>C</a:t>
+            </a:r>
+            <a:r>
+              <a:rPr lang="en-US" b="1" baseline="-25000" dirty="0">
+                <a:solidFill>
+                  <a:srgbClr val="FF0000"/>
+                </a:solidFill>
+              </a:rPr>
+              <a:t>1</a:t>
+            </a:r>
+            <a:r>
+              <a:rPr lang="en-US" dirty="0" smtClean="0"/>
+              <a:t> to its original value</a:t>
+            </a:r>
+            <a:endParaRPr lang="en-US" dirty="0"/>
+          </a:p>
+        </p:txBody>
+      </p:sp>
+      <p:sp>
+        <p:nvSpPr>
+          <p:cNvPr id="23" name="TextBox 22"/>
+          <p:cNvSpPr txBox="1"/>
+          <p:nvPr/>
+        </p:nvSpPr>
+        <p:spPr>
+          <a:xfrm>
+            <a:off x="309446" y="5638800"/>
+            <a:ext cx="4195299" cy="461665"/>
+          </a:xfrm>
+          <a:prstGeom prst="rect">
+            <a:avLst/>
+          </a:prstGeom>
+        </p:spPr>
+        <p:style>
+          <a:lnRef idx="2">
+            <a:schemeClr val="dk1"/>
+          </a:lnRef>
+          <a:fillRef idx="1">
+            <a:schemeClr val="lt1"/>
+          </a:fillRef>
+          <a:effectRef idx="0">
+            <a:schemeClr val="dk1"/>
+          </a:effectRef>
+          <a:fontRef idx="minor">
+            <a:schemeClr val="dk1"/>
+          </a:fontRef>
+        </p:style>
+        <p:txBody>
+          <a:bodyPr wrap="square" rtlCol="0">
+            <a:spAutoFit/>
+          </a:bodyPr>
+          <a:lstStyle/>
+          <a:p>
+            <a:pPr algn="ctr"/>
+            <a:r>
+              <a:rPr lang="en-US" sz="2400" dirty="0" smtClean="0"/>
+              <a:t>P’</a:t>
+            </a:r>
+            <a:r>
+              <a:rPr lang="en-US" sz="2400" baseline="-25000" dirty="0" smtClean="0"/>
+              <a:t>1</a:t>
+            </a:r>
+            <a:r>
+              <a:rPr lang="en-US" sz="2400" dirty="0" smtClean="0"/>
+              <a:t> = </a:t>
+            </a:r>
+            <a:r>
+              <a:rPr lang="en-US" sz="2400" dirty="0" smtClean="0">
+                <a:solidFill>
+                  <a:schemeClr val="tx1"/>
+                </a:solidFill>
+              </a:rPr>
+              <a:t>P</a:t>
+            </a:r>
+            <a:r>
+              <a:rPr lang="en-US" sz="2400" baseline="-25000" dirty="0" smtClean="0">
+                <a:solidFill>
+                  <a:schemeClr val="tx1"/>
+                </a:solidFill>
+              </a:rPr>
+              <a:t>1</a:t>
+            </a:r>
+            <a:r>
+              <a:rPr lang="en-US" sz="2400" dirty="0" smtClean="0">
+                <a:solidFill>
+                  <a:schemeClr val="tx1"/>
+                </a:solidFill>
+              </a:rPr>
+              <a:t> </a:t>
+            </a:r>
+            <a:r>
+              <a:rPr lang="en-US" sz="2400" dirty="0">
+                <a:solidFill>
+                  <a:schemeClr val="tx1"/>
+                </a:solidFill>
+              </a:rPr>
+              <a:t>XOR </a:t>
+            </a:r>
+            <a:r>
+              <a:rPr lang="en-US" sz="2400" dirty="0" smtClean="0">
+                <a:solidFill>
+                  <a:schemeClr val="tx1"/>
+                </a:solidFill>
+              </a:rPr>
+              <a:t>C</a:t>
+            </a:r>
+            <a:r>
+              <a:rPr lang="en-US" sz="2400" b="1" baseline="-25000" dirty="0" smtClean="0">
+                <a:solidFill>
+                  <a:schemeClr val="tx1"/>
+                </a:solidFill>
+              </a:rPr>
+              <a:t>0</a:t>
+            </a:r>
+            <a:r>
+              <a:rPr lang="en-US" sz="2400" dirty="0" smtClean="0"/>
+              <a:t> XOR </a:t>
+            </a:r>
+            <a:r>
+              <a:rPr lang="en-US" sz="2400" b="1" dirty="0" smtClean="0">
+                <a:solidFill>
+                  <a:schemeClr val="accent5">
+                    <a:lumMod val="50000"/>
+                  </a:schemeClr>
+                </a:solidFill>
+              </a:rPr>
+              <a:t>C’</a:t>
+            </a:r>
+            <a:endParaRPr lang="en-US" sz="2400" b="1" dirty="0">
+              <a:solidFill>
+                <a:schemeClr val="accent5">
+                  <a:lumMod val="50000"/>
+                </a:schemeClr>
+              </a:solidFill>
+            </a:endParaRPr>
+          </a:p>
+        </p:txBody>
+      </p:sp>
+      <p:sp>
+        <p:nvSpPr>
+          <p:cNvPr id="24" name="TextBox 23"/>
+          <p:cNvSpPr txBox="1"/>
+          <p:nvPr/>
+        </p:nvSpPr>
+        <p:spPr>
+          <a:xfrm>
+            <a:off x="4629614" y="5638800"/>
+            <a:ext cx="4265342" cy="923330"/>
+          </a:xfrm>
+          <a:prstGeom prst="rect">
+            <a:avLst/>
+          </a:prstGeom>
+          <a:noFill/>
+        </p:spPr>
+        <p:txBody>
+          <a:bodyPr wrap="square" rtlCol="0">
+            <a:spAutoFit/>
+          </a:bodyPr>
+          <a:lstStyle/>
+          <a:p>
+            <a:r>
+              <a:rPr lang="en-US" dirty="0" smtClean="0"/>
+              <a:t>E(D(X)), like before, becomes X – this is the value that the oracle calculates on behalf of the attacker</a:t>
+            </a:r>
+            <a:endParaRPr lang="en-US" dirty="0"/>
+          </a:p>
+        </p:txBody>
+      </p:sp>
+      <p:cxnSp>
+        <p:nvCxnSpPr>
+          <p:cNvPr id="26" name="Straight Arrow Connector 25"/>
+          <p:cNvCxnSpPr/>
+          <p:nvPr/>
+        </p:nvCxnSpPr>
+        <p:spPr>
+          <a:xfrm>
+            <a:off x="2286000" y="5030063"/>
+            <a:ext cx="0" cy="608737"/>
+          </a:xfrm>
+          <a:prstGeom prst="straightConnector1">
+            <a:avLst/>
+          </a:prstGeom>
+          <a:ln w="41275">
+            <a:tailEnd type="arrow"/>
+          </a:ln>
+        </p:spPr>
+        <p:style>
+          <a:lnRef idx="1">
+            <a:schemeClr val="accent1"/>
+          </a:lnRef>
+          <a:fillRef idx="0">
+            <a:schemeClr val="accent1"/>
+          </a:fillRef>
+          <a:effectRef idx="0">
+            <a:schemeClr val="accent1"/>
+          </a:effectRef>
+          <a:fontRef idx="minor">
+            <a:schemeClr val="tx1"/>
+          </a:fontRef>
+        </p:style>
+      </p:cxnSp>
+    </p:spTree>
+    <p:extLst>
+      <p:ext uri="{BB962C8B-B14F-4D97-AF65-F5344CB8AC3E}">
+        <p14:creationId xmlns:p14="http://schemas.microsoft.com/office/powerpoint/2010/main" val="4290728497"/>
+      </p:ext>
+    </p:extLst>
+  </p:cSld>
+  <p:clrMapOvr>
+    <a:masterClrMapping/>
+  </p:clrMapOvr>
+  <p:timing>
+    <p:tnLst>
+      <p:par>
+        <p:cTn id="1" dur="indefinite" restart="never" nodeType="tmRoot"/>
+      </p:par>
+    </p:tnLst>
+  </p:timing>
+</p:sld>
+</file>
+
+<file path=ppt/slides/slide83.xml><?xml version="1.0" encoding="utf-8"?>
+<p:sld xmlns:a="http://schemas.openxmlformats.org/drawingml/2006/main" xmlns:r="http://schemas.openxmlformats.org/officeDocument/2006/relationships" xmlns:p="http://schemas.openxmlformats.org/presentationml/2006/main">
+  <p:cSld>
+    <p:spTree>
+      <p:nvGrpSpPr>
+        <p:cNvPr id="1" name=""/>
+        <p:cNvGrpSpPr/>
+        <p:nvPr/>
+      </p:nvGrpSpPr>
+      <p:grpSpPr>
+        <a:xfrm>
+          <a:off x="0" y="0"/>
+          <a:ext cx="0" cy="0"/>
+          <a:chOff x="0" y="0"/>
+          <a:chExt cx="0" cy="0"/>
+        </a:xfrm>
+      </p:grpSpPr>
+      <p:sp>
+        <p:nvSpPr>
+          <p:cNvPr id="2" name="Title 1"/>
+          <p:cNvSpPr>
+            <a:spLocks noGrp="1"/>
+          </p:cNvSpPr>
+          <p:nvPr>
+            <p:ph type="title"/>
+          </p:nvPr>
+        </p:nvSpPr>
+        <p:spPr/>
+        <p:txBody>
+          <a:bodyPr/>
+          <a:lstStyle/>
+          <a:p>
+            <a:r>
+              <a:rPr lang="en-US" dirty="0" smtClean="0"/>
+              <a:t>Padding oracles</a:t>
+            </a:r>
+            <a:endParaRPr lang="en-US" dirty="0"/>
+          </a:p>
+        </p:txBody>
+      </p:sp>
+      <p:sp>
+        <p:nvSpPr>
+          <p:cNvPr id="4" name="TextBox 3"/>
+          <p:cNvSpPr txBox="1"/>
+          <p:nvPr/>
+        </p:nvSpPr>
+        <p:spPr>
+          <a:xfrm>
+            <a:off x="457200" y="1295400"/>
+            <a:ext cx="4195299" cy="461665"/>
+          </a:xfrm>
+          <a:prstGeom prst="rect">
+            <a:avLst/>
+          </a:prstGeom>
+        </p:spPr>
+        <p:style>
+          <a:lnRef idx="2">
+            <a:schemeClr val="dk1"/>
+          </a:lnRef>
+          <a:fillRef idx="1">
+            <a:schemeClr val="lt1"/>
+          </a:fillRef>
+          <a:effectRef idx="0">
+            <a:schemeClr val="dk1"/>
+          </a:effectRef>
+          <a:fontRef idx="minor">
+            <a:schemeClr val="dk1"/>
+          </a:fontRef>
+        </p:style>
+        <p:txBody>
+          <a:bodyPr wrap="square" rtlCol="0">
+            <a:spAutoFit/>
+          </a:bodyPr>
+          <a:lstStyle/>
+          <a:p>
+            <a:pPr algn="ctr"/>
+            <a:r>
+              <a:rPr lang="en-US" sz="2400" dirty="0" smtClean="0"/>
+              <a:t>P’</a:t>
+            </a:r>
+            <a:r>
+              <a:rPr lang="en-US" sz="2400" baseline="-25000" dirty="0" smtClean="0"/>
+              <a:t>1</a:t>
+            </a:r>
+            <a:r>
+              <a:rPr lang="en-US" sz="2400" dirty="0" smtClean="0"/>
+              <a:t> = </a:t>
+            </a:r>
+            <a:r>
+              <a:rPr lang="en-US" sz="2400" dirty="0" smtClean="0">
+                <a:solidFill>
+                  <a:schemeClr val="tx1"/>
+                </a:solidFill>
+              </a:rPr>
+              <a:t>P</a:t>
+            </a:r>
+            <a:r>
+              <a:rPr lang="en-US" sz="2400" baseline="-25000" dirty="0" smtClean="0">
+                <a:solidFill>
+                  <a:schemeClr val="tx1"/>
+                </a:solidFill>
+              </a:rPr>
+              <a:t>1</a:t>
+            </a:r>
+            <a:r>
+              <a:rPr lang="en-US" sz="2400" dirty="0" smtClean="0">
+                <a:solidFill>
+                  <a:schemeClr val="tx1"/>
+                </a:solidFill>
+              </a:rPr>
+              <a:t> </a:t>
+            </a:r>
+            <a:r>
+              <a:rPr lang="en-US" sz="2400" dirty="0">
+                <a:solidFill>
+                  <a:schemeClr val="tx1"/>
+                </a:solidFill>
+              </a:rPr>
+              <a:t>XOR </a:t>
+            </a:r>
+            <a:r>
+              <a:rPr lang="en-US" sz="2400" dirty="0" smtClean="0">
+                <a:solidFill>
+                  <a:schemeClr val="tx1"/>
+                </a:solidFill>
+              </a:rPr>
+              <a:t>C</a:t>
+            </a:r>
+            <a:r>
+              <a:rPr lang="en-US" sz="2400" b="1" baseline="-25000" dirty="0" smtClean="0">
+                <a:solidFill>
+                  <a:schemeClr val="tx1"/>
+                </a:solidFill>
+              </a:rPr>
+              <a:t>0</a:t>
+            </a:r>
+            <a:r>
+              <a:rPr lang="en-US" sz="2400" dirty="0" smtClean="0"/>
+              <a:t> XOR </a:t>
+            </a:r>
+            <a:r>
+              <a:rPr lang="en-US" sz="2400" b="1" dirty="0" smtClean="0">
+                <a:solidFill>
+                  <a:schemeClr val="accent5">
+                    <a:lumMod val="50000"/>
+                  </a:schemeClr>
+                </a:solidFill>
+              </a:rPr>
+              <a:t>C’</a:t>
+            </a:r>
+            <a:endParaRPr lang="en-US" sz="2400" b="1" dirty="0">
+              <a:solidFill>
+                <a:schemeClr val="accent5">
+                  <a:lumMod val="50000"/>
+                </a:schemeClr>
+              </a:solidFill>
+            </a:endParaRPr>
+          </a:p>
+        </p:txBody>
+      </p:sp>
+      <p:sp>
+        <p:nvSpPr>
+          <p:cNvPr id="5" name="TextBox 4"/>
+          <p:cNvSpPr txBox="1"/>
+          <p:nvPr/>
+        </p:nvSpPr>
+        <p:spPr>
+          <a:xfrm>
+            <a:off x="457200" y="1828800"/>
+            <a:ext cx="6858000" cy="2308324"/>
+          </a:xfrm>
+          <a:prstGeom prst="rect">
+            <a:avLst/>
+          </a:prstGeom>
+          <a:noFill/>
+        </p:spPr>
+        <p:txBody>
+          <a:bodyPr wrap="square" rtlCol="0">
+            <a:spAutoFit/>
+          </a:bodyPr>
+          <a:lstStyle/>
+          <a:p>
+            <a:r>
+              <a:rPr lang="en-US" dirty="0" smtClean="0"/>
+              <a:t>The server calculated this value, where…</a:t>
+            </a:r>
+          </a:p>
+          <a:p>
+            <a:r>
+              <a:rPr lang="en-US" dirty="0"/>
+              <a:t>P’</a:t>
+            </a:r>
+            <a:r>
+              <a:rPr lang="en-US" baseline="-25000" dirty="0"/>
+              <a:t>1</a:t>
+            </a:r>
+            <a:r>
+              <a:rPr lang="en-US" dirty="0"/>
+              <a:t> = </a:t>
+            </a:r>
+            <a:r>
+              <a:rPr lang="en-US" dirty="0" smtClean="0"/>
+              <a:t>The value the server calculates (mostly a garbage string)</a:t>
+            </a:r>
+          </a:p>
+          <a:p>
+            <a:r>
+              <a:rPr lang="en-US" dirty="0" smtClean="0"/>
+              <a:t>P</a:t>
+            </a:r>
+            <a:r>
+              <a:rPr lang="en-US" baseline="-25000" dirty="0" smtClean="0"/>
+              <a:t>1</a:t>
+            </a:r>
+            <a:r>
+              <a:rPr lang="en-US" dirty="0" smtClean="0"/>
+              <a:t> = The original plaintext value (our goal)</a:t>
+            </a:r>
+          </a:p>
+          <a:p>
+            <a:r>
+              <a:rPr lang="en-US" dirty="0" smtClean="0"/>
+              <a:t>C</a:t>
+            </a:r>
+            <a:r>
+              <a:rPr lang="en-US" b="1" baseline="-25000" dirty="0" smtClean="0"/>
+              <a:t>0</a:t>
+            </a:r>
+            <a:r>
+              <a:rPr lang="en-US" dirty="0" smtClean="0"/>
+              <a:t> = The previous </a:t>
+            </a:r>
+            <a:r>
+              <a:rPr lang="en-US" dirty="0" err="1" smtClean="0"/>
+              <a:t>ciphertext</a:t>
+            </a:r>
+            <a:r>
+              <a:rPr lang="en-US" dirty="0" smtClean="0"/>
+              <a:t> block (known to us)</a:t>
+            </a:r>
+          </a:p>
+          <a:p>
+            <a:r>
+              <a:rPr lang="en-US" b="1" dirty="0" smtClean="0">
+                <a:solidFill>
+                  <a:schemeClr val="accent5">
+                    <a:lumMod val="50000"/>
+                  </a:schemeClr>
+                </a:solidFill>
+              </a:rPr>
+              <a:t>C’ </a:t>
+            </a:r>
+            <a:r>
+              <a:rPr lang="en-US" dirty="0" smtClean="0"/>
+              <a:t>= The </a:t>
+            </a:r>
+            <a:r>
+              <a:rPr lang="en-US" dirty="0" err="1" smtClean="0"/>
+              <a:t>ciphertext</a:t>
+            </a:r>
+            <a:r>
+              <a:rPr lang="en-US" dirty="0" smtClean="0"/>
+              <a:t> block chosen by the attacker (“0000000000000000”)</a:t>
+            </a:r>
+            <a:endParaRPr lang="en-US" dirty="0"/>
+          </a:p>
+          <a:p>
+            <a:endParaRPr lang="en-US" dirty="0" smtClean="0"/>
+          </a:p>
+          <a:p>
+            <a:endParaRPr lang="en-US" dirty="0"/>
+          </a:p>
+        </p:txBody>
+      </p:sp>
+      <p:sp>
+        <p:nvSpPr>
+          <p:cNvPr id="7" name="Content Placeholder 2"/>
+          <p:cNvSpPr>
+            <a:spLocks noGrp="1"/>
+          </p:cNvSpPr>
+          <p:nvPr>
+            <p:ph idx="1"/>
+          </p:nvPr>
+        </p:nvSpPr>
+        <p:spPr>
+          <a:xfrm>
+            <a:off x="457200" y="3733800"/>
+            <a:ext cx="8229600" cy="2392363"/>
+          </a:xfrm>
+        </p:spPr>
+        <p:txBody>
+          <a:bodyPr/>
+          <a:lstStyle/>
+          <a:p>
+            <a:r>
+              <a:rPr lang="en-US" dirty="0" smtClean="0"/>
+              <a:t>So now we have an equation with two unknowns - </a:t>
+            </a:r>
+            <a:r>
+              <a:rPr lang="en-US" dirty="0"/>
+              <a:t>P</a:t>
+            </a:r>
+            <a:r>
+              <a:rPr lang="en-US" baseline="-25000" dirty="0"/>
+              <a:t>1 </a:t>
+            </a:r>
+            <a:r>
+              <a:rPr lang="en-US" dirty="0" smtClean="0"/>
+              <a:t>and P’</a:t>
+            </a:r>
+            <a:r>
+              <a:rPr lang="en-US" baseline="-25000" dirty="0" smtClean="0"/>
+              <a:t>1</a:t>
+            </a:r>
+            <a:r>
+              <a:rPr lang="en-US" dirty="0" smtClean="0"/>
+              <a:t>…</a:t>
+            </a:r>
+          </a:p>
+          <a:p>
+            <a:pPr lvl="1"/>
+            <a:r>
+              <a:rPr lang="en-US" dirty="0" smtClean="0"/>
+              <a:t>Or do we?</a:t>
+            </a:r>
+          </a:p>
+        </p:txBody>
+      </p:sp>
+    </p:spTree>
+    <p:extLst>
+      <p:ext uri="{BB962C8B-B14F-4D97-AF65-F5344CB8AC3E}">
+        <p14:creationId xmlns:p14="http://schemas.microsoft.com/office/powerpoint/2010/main" val="3260952906"/>
+      </p:ext>
+    </p:extLst>
+  </p:cSld>
+  <p:clrMapOvr>
+    <a:masterClrMapping/>
+  </p:clrMapOvr>
+  <p:timing>
+    <p:tnLst>
+      <p:par>
+        <p:cTn id="1" dur="indefinite" restart="never" nodeType="tmRoot"/>
+      </p:par>
+    </p:tnLst>
+  </p:timing>
+</p:sld>
+</file>
+
+<file path=ppt/slides/slide84.xml><?xml version="1.0" encoding="utf-8"?>
+<p:sld xmlns:a="http://schemas.openxmlformats.org/drawingml/2006/main" xmlns:r="http://schemas.openxmlformats.org/officeDocument/2006/relationships" xmlns:p="http://schemas.openxmlformats.org/presentationml/2006/main">
+  <p:cSld>
+    <p:spTree>
+      <p:nvGrpSpPr>
+        <p:cNvPr id="1" name=""/>
+        <p:cNvGrpSpPr/>
+        <p:nvPr/>
+      </p:nvGrpSpPr>
+      <p:grpSpPr>
+        <a:xfrm>
+          <a:off x="0" y="0"/>
+          <a:ext cx="0" cy="0"/>
+          <a:chOff x="0" y="0"/>
+          <a:chExt cx="0" cy="0"/>
+        </a:xfrm>
+      </p:grpSpPr>
+      <p:sp>
+        <p:nvSpPr>
+          <p:cNvPr id="2" name="Title 1"/>
+          <p:cNvSpPr>
+            <a:spLocks noGrp="1"/>
+          </p:cNvSpPr>
+          <p:nvPr>
+            <p:ph type="title"/>
+          </p:nvPr>
+        </p:nvSpPr>
+        <p:spPr/>
+        <p:txBody>
+          <a:bodyPr>
+            <a:normAutofit/>
+          </a:bodyPr>
+          <a:lstStyle/>
+          <a:p>
+            <a:r>
+              <a:rPr lang="en-US" dirty="0" smtClean="0"/>
+              <a:t>Padding oracles</a:t>
+            </a:r>
+            <a:endParaRPr lang="en-US" dirty="0"/>
+          </a:p>
+        </p:txBody>
+      </p:sp>
+      <p:sp>
+        <p:nvSpPr>
+          <p:cNvPr id="3" name="Content Placeholder 2"/>
+          <p:cNvSpPr>
+            <a:spLocks noGrp="1"/>
+          </p:cNvSpPr>
+          <p:nvPr>
+            <p:ph idx="1"/>
+          </p:nvPr>
+        </p:nvSpPr>
+        <p:spPr>
+          <a:xfrm>
+            <a:off x="457200" y="1905000"/>
+            <a:ext cx="8229600" cy="4221163"/>
+          </a:xfrm>
+        </p:spPr>
+        <p:txBody>
+          <a:bodyPr>
+            <a:normAutofit lnSpcReduction="10000"/>
+          </a:bodyPr>
+          <a:lstStyle/>
+          <a:p>
+            <a:r>
+              <a:rPr lang="en-US" dirty="0" smtClean="0"/>
+              <a:t>We actually do know something about </a:t>
+            </a:r>
+            <a:r>
+              <a:rPr lang="en-US" dirty="0"/>
+              <a:t>P’</a:t>
+            </a:r>
+            <a:r>
+              <a:rPr lang="en-US" baseline="-25000" dirty="0"/>
+              <a:t>1</a:t>
+            </a:r>
+            <a:r>
+              <a:rPr lang="en-US" dirty="0" smtClean="0"/>
+              <a:t>!</a:t>
+            </a:r>
+          </a:p>
+          <a:p>
+            <a:r>
+              <a:rPr lang="en-US" dirty="0" smtClean="0"/>
+              <a:t>Recall the last step of decryption…</a:t>
+            </a:r>
+          </a:p>
+          <a:p>
+            <a:endParaRPr lang="en-US" dirty="0"/>
+          </a:p>
+          <a:p>
+            <a:r>
+              <a:rPr lang="en-US" dirty="0" smtClean="0"/>
+              <a:t>We know whether or not the padding is correct on the final (garbage) string!</a:t>
+            </a:r>
+          </a:p>
+          <a:p>
+            <a:r>
+              <a:rPr lang="en-US" dirty="0" smtClean="0"/>
+              <a:t>In fact, we can change the last byte C’ to all 256 possible values, and the server will tell us when the padding is right</a:t>
+            </a:r>
+          </a:p>
+        </p:txBody>
+      </p:sp>
+      <p:sp>
+        <p:nvSpPr>
+          <p:cNvPr id="4" name="TextBox 3"/>
+          <p:cNvSpPr txBox="1"/>
+          <p:nvPr/>
+        </p:nvSpPr>
+        <p:spPr>
+          <a:xfrm>
+            <a:off x="457200" y="1295400"/>
+            <a:ext cx="4195299" cy="461665"/>
+          </a:xfrm>
+          <a:prstGeom prst="rect">
+            <a:avLst/>
+          </a:prstGeom>
+        </p:spPr>
+        <p:style>
+          <a:lnRef idx="2">
+            <a:schemeClr val="dk1"/>
+          </a:lnRef>
+          <a:fillRef idx="1">
+            <a:schemeClr val="lt1"/>
+          </a:fillRef>
+          <a:effectRef idx="0">
+            <a:schemeClr val="dk1"/>
+          </a:effectRef>
+          <a:fontRef idx="minor">
+            <a:schemeClr val="dk1"/>
+          </a:fontRef>
+        </p:style>
+        <p:txBody>
+          <a:bodyPr wrap="square" rtlCol="0">
+            <a:spAutoFit/>
+          </a:bodyPr>
+          <a:lstStyle/>
+          <a:p>
+            <a:pPr algn="ctr"/>
+            <a:r>
+              <a:rPr lang="en-US" sz="2400" dirty="0" smtClean="0"/>
+              <a:t>P’</a:t>
+            </a:r>
+            <a:r>
+              <a:rPr lang="en-US" sz="2400" baseline="-25000" dirty="0" smtClean="0"/>
+              <a:t>1</a:t>
+            </a:r>
+            <a:r>
+              <a:rPr lang="en-US" sz="2400" dirty="0" smtClean="0"/>
+              <a:t> = </a:t>
+            </a:r>
+            <a:r>
+              <a:rPr lang="en-US" sz="2400" dirty="0" smtClean="0">
+                <a:solidFill>
+                  <a:schemeClr val="tx1"/>
+                </a:solidFill>
+              </a:rPr>
+              <a:t>P</a:t>
+            </a:r>
+            <a:r>
+              <a:rPr lang="en-US" sz="2400" baseline="-25000" dirty="0" smtClean="0">
+                <a:solidFill>
+                  <a:schemeClr val="tx1"/>
+                </a:solidFill>
+              </a:rPr>
+              <a:t>1</a:t>
+            </a:r>
+            <a:r>
+              <a:rPr lang="en-US" sz="2400" dirty="0" smtClean="0">
+                <a:solidFill>
+                  <a:schemeClr val="tx1"/>
+                </a:solidFill>
+              </a:rPr>
+              <a:t> </a:t>
+            </a:r>
+            <a:r>
+              <a:rPr lang="en-US" sz="2400" dirty="0">
+                <a:solidFill>
+                  <a:schemeClr val="tx1"/>
+                </a:solidFill>
+              </a:rPr>
+              <a:t>XOR </a:t>
+            </a:r>
+            <a:r>
+              <a:rPr lang="en-US" sz="2400" dirty="0" smtClean="0">
+                <a:solidFill>
+                  <a:schemeClr val="tx1"/>
+                </a:solidFill>
+              </a:rPr>
+              <a:t>C</a:t>
+            </a:r>
+            <a:r>
+              <a:rPr lang="en-US" sz="2400" b="1" baseline="-25000" dirty="0" smtClean="0">
+                <a:solidFill>
+                  <a:schemeClr val="tx1"/>
+                </a:solidFill>
+              </a:rPr>
+              <a:t>0</a:t>
+            </a:r>
+            <a:r>
+              <a:rPr lang="en-US" sz="2400" dirty="0" smtClean="0"/>
+              <a:t> XOR </a:t>
+            </a:r>
+            <a:r>
+              <a:rPr lang="en-US" sz="2400" b="1" dirty="0" smtClean="0">
+                <a:solidFill>
+                  <a:schemeClr val="accent5">
+                    <a:lumMod val="50000"/>
+                  </a:schemeClr>
+                </a:solidFill>
+              </a:rPr>
+              <a:t>C’</a:t>
+            </a:r>
+            <a:endParaRPr lang="en-US" sz="2400" b="1" dirty="0">
+              <a:solidFill>
+                <a:schemeClr val="accent5">
+                  <a:lumMod val="50000"/>
+                </a:schemeClr>
+              </a:solidFill>
+            </a:endParaRPr>
+          </a:p>
+        </p:txBody>
+      </p:sp>
+      <p:sp>
+        <p:nvSpPr>
+          <p:cNvPr id="5" name="TextBox 4"/>
+          <p:cNvSpPr txBox="1"/>
+          <p:nvPr/>
+        </p:nvSpPr>
+        <p:spPr>
+          <a:xfrm>
+            <a:off x="2115597" y="3124200"/>
+            <a:ext cx="2536902" cy="369332"/>
+          </a:xfrm>
+          <a:prstGeom prst="rect">
+            <a:avLst/>
+          </a:prstGeom>
+        </p:spPr>
+        <p:style>
+          <a:lnRef idx="2">
+            <a:schemeClr val="dk1"/>
+          </a:lnRef>
+          <a:fillRef idx="1">
+            <a:schemeClr val="lt1"/>
+          </a:fillRef>
+          <a:effectRef idx="0">
+            <a:schemeClr val="dk1"/>
+          </a:effectRef>
+          <a:fontRef idx="minor">
+            <a:schemeClr val="dk1"/>
+          </a:fontRef>
+        </p:style>
+        <p:txBody>
+          <a:bodyPr wrap="square" rtlCol="0">
+            <a:spAutoFit/>
+          </a:bodyPr>
+          <a:lstStyle/>
+          <a:p>
+            <a:pPr algn="ctr"/>
+            <a:r>
+              <a:rPr lang="en-US" dirty="0" smtClean="0"/>
+              <a:t>Remove/verify padding</a:t>
+            </a:r>
+            <a:endParaRPr lang="en-US" dirty="0"/>
+          </a:p>
+        </p:txBody>
+      </p:sp>
+      <p:cxnSp>
+        <p:nvCxnSpPr>
+          <p:cNvPr id="6" name="Straight Arrow Connector 5"/>
+          <p:cNvCxnSpPr>
+            <a:endCxn id="5" idx="1"/>
+          </p:cNvCxnSpPr>
+          <p:nvPr/>
+        </p:nvCxnSpPr>
+        <p:spPr>
+          <a:xfrm>
+            <a:off x="1219200" y="3308866"/>
+            <a:ext cx="896397" cy="0"/>
+          </a:xfrm>
+          <a:prstGeom prst="straightConnector1">
+            <a:avLst/>
+          </a:prstGeom>
+          <a:ln w="47625">
+            <a:prstDash val="sysDot"/>
+            <a:tailEnd type="arrow"/>
+          </a:ln>
+        </p:spPr>
+        <p:style>
+          <a:lnRef idx="1">
+            <a:schemeClr val="accent1"/>
+          </a:lnRef>
+          <a:fillRef idx="0">
+            <a:schemeClr val="accent1"/>
+          </a:fillRef>
+          <a:effectRef idx="0">
+            <a:schemeClr val="accent1"/>
+          </a:effectRef>
+          <a:fontRef idx="minor">
+            <a:schemeClr val="tx1"/>
+          </a:fontRef>
+        </p:style>
+      </p:cxnSp>
+    </p:spTree>
+    <p:extLst>
+      <p:ext uri="{BB962C8B-B14F-4D97-AF65-F5344CB8AC3E}">
+        <p14:creationId xmlns:p14="http://schemas.microsoft.com/office/powerpoint/2010/main" val="3560754309"/>
+      </p:ext>
+    </p:extLst>
+  </p:cSld>
+  <p:clrMapOvr>
+    <a:masterClrMapping/>
+  </p:clrMapOvr>
+  <p:timing>
+    <p:tnLst>
+      <p:par>
+        <p:cTn id="1" dur="indefinite" restart="never" nodeType="tmRoot"/>
+      </p:par>
+    </p:tnLst>
+  </p:timing>
+</p:sld>
+</file>
+
+<file path=ppt/slides/slide85.xml><?xml version="1.0" encoding="utf-8"?>
+<p:sld xmlns:a="http://schemas.openxmlformats.org/drawingml/2006/main" xmlns:r="http://schemas.openxmlformats.org/officeDocument/2006/relationships" xmlns:p="http://schemas.openxmlformats.org/presentationml/2006/main">
+  <p:cSld>
+    <p:spTree>
+      <p:nvGrpSpPr>
+        <p:cNvPr id="1" name=""/>
+        <p:cNvGrpSpPr/>
+        <p:nvPr/>
+      </p:nvGrpSpPr>
+      <p:grpSpPr>
+        <a:xfrm>
+          <a:off x="0" y="0"/>
+          <a:ext cx="0" cy="0"/>
+          <a:chOff x="0" y="0"/>
+          <a:chExt cx="0" cy="0"/>
+        </a:xfrm>
+      </p:grpSpPr>
+      <p:sp>
+        <p:nvSpPr>
+          <p:cNvPr id="2" name="Title 1"/>
+          <p:cNvSpPr>
+            <a:spLocks noGrp="1"/>
+          </p:cNvSpPr>
+          <p:nvPr>
+            <p:ph type="title"/>
+          </p:nvPr>
+        </p:nvSpPr>
+        <p:spPr/>
+        <p:txBody>
+          <a:bodyPr/>
+          <a:lstStyle/>
+          <a:p>
+            <a:r>
+              <a:rPr lang="en-US" dirty="0" smtClean="0"/>
+              <a:t>Padding oracles</a:t>
+            </a:r>
+            <a:endParaRPr lang="en-US" dirty="0"/>
+          </a:p>
+        </p:txBody>
+      </p:sp>
+      <p:sp>
+        <p:nvSpPr>
+          <p:cNvPr id="3" name="Content Placeholder 2"/>
+          <p:cNvSpPr>
+            <a:spLocks noGrp="1"/>
+          </p:cNvSpPr>
+          <p:nvPr>
+            <p:ph idx="1"/>
+          </p:nvPr>
+        </p:nvSpPr>
+        <p:spPr>
+          <a:xfrm>
+            <a:off x="457200" y="1905000"/>
+            <a:ext cx="8229600" cy="4525963"/>
+          </a:xfrm>
+        </p:spPr>
+        <p:txBody>
+          <a:bodyPr>
+            <a:normAutofit fontScale="92500" lnSpcReduction="20000"/>
+          </a:bodyPr>
+          <a:lstStyle/>
+          <a:p>
+            <a:r>
+              <a:rPr lang="en-US" dirty="0" smtClean="0"/>
+              <a:t>When the padding is right, we know something about </a:t>
+            </a:r>
+            <a:r>
+              <a:rPr lang="en-US" dirty="0"/>
+              <a:t>P’</a:t>
+            </a:r>
+            <a:r>
+              <a:rPr lang="en-US" baseline="-25000" dirty="0"/>
+              <a:t>1</a:t>
+            </a:r>
+            <a:r>
+              <a:rPr lang="en-US" dirty="0" smtClean="0"/>
+              <a:t>, namely, it ends with:</a:t>
+            </a:r>
+          </a:p>
+          <a:p>
+            <a:pPr lvl="1"/>
+            <a:r>
+              <a:rPr lang="en-US" dirty="0" smtClean="0"/>
+              <a:t>\x01</a:t>
+            </a:r>
+          </a:p>
+          <a:p>
+            <a:pPr lvl="1"/>
+            <a:r>
+              <a:rPr lang="en-US" dirty="0" smtClean="0"/>
+              <a:t>\x02\x02</a:t>
+            </a:r>
+          </a:p>
+          <a:p>
+            <a:pPr lvl="1"/>
+            <a:r>
+              <a:rPr lang="en-US" dirty="0" smtClean="0"/>
+              <a:t>\x03\x03\x03</a:t>
+            </a:r>
+          </a:p>
+          <a:p>
+            <a:pPr lvl="1"/>
+            <a:r>
+              <a:rPr lang="en-US" dirty="0" smtClean="0"/>
+              <a:t>…etc.</a:t>
+            </a:r>
+          </a:p>
+          <a:p>
+            <a:pPr lvl="1"/>
+            <a:r>
+              <a:rPr lang="en-US" dirty="0" smtClean="0"/>
+              <a:t>Let’s assume it’s \x01 (the others are rare and can easily be eliminated</a:t>
+            </a:r>
+          </a:p>
+          <a:p>
+            <a:r>
+              <a:rPr lang="en-US" dirty="0" smtClean="0"/>
+              <a:t>Remember, </a:t>
+            </a:r>
+            <a:r>
+              <a:rPr lang="en-US" dirty="0"/>
+              <a:t>P’</a:t>
+            </a:r>
+            <a:r>
+              <a:rPr lang="en-US" baseline="-25000" dirty="0"/>
+              <a:t>1</a:t>
+            </a:r>
+            <a:r>
+              <a:rPr lang="en-US" dirty="0" smtClean="0"/>
+              <a:t> is mostly a garbage string, still, the result of decrypting a good block and </a:t>
+            </a:r>
+            <a:r>
+              <a:rPr lang="en-US" dirty="0" err="1" smtClean="0"/>
+              <a:t>XORing</a:t>
+            </a:r>
+            <a:r>
+              <a:rPr lang="en-US" dirty="0" smtClean="0"/>
+              <a:t> it with a bad block</a:t>
+            </a:r>
+          </a:p>
+          <a:p>
+            <a:pPr lvl="1"/>
+            <a:endParaRPr lang="en-US" dirty="0" smtClean="0"/>
+          </a:p>
+        </p:txBody>
+      </p:sp>
+      <p:sp>
+        <p:nvSpPr>
+          <p:cNvPr id="4" name="TextBox 3"/>
+          <p:cNvSpPr txBox="1"/>
+          <p:nvPr/>
+        </p:nvSpPr>
+        <p:spPr>
+          <a:xfrm>
+            <a:off x="457200" y="1295400"/>
+            <a:ext cx="4195299" cy="461665"/>
+          </a:xfrm>
+          <a:prstGeom prst="rect">
+            <a:avLst/>
+          </a:prstGeom>
+        </p:spPr>
+        <p:style>
+          <a:lnRef idx="2">
+            <a:schemeClr val="dk1"/>
+          </a:lnRef>
+          <a:fillRef idx="1">
+            <a:schemeClr val="lt1"/>
+          </a:fillRef>
+          <a:effectRef idx="0">
+            <a:schemeClr val="dk1"/>
+          </a:effectRef>
+          <a:fontRef idx="minor">
+            <a:schemeClr val="dk1"/>
+          </a:fontRef>
+        </p:style>
+        <p:txBody>
+          <a:bodyPr wrap="square" rtlCol="0">
+            <a:spAutoFit/>
+          </a:bodyPr>
+          <a:lstStyle/>
+          <a:p>
+            <a:pPr algn="ctr"/>
+            <a:r>
+              <a:rPr lang="en-US" sz="2400" dirty="0" smtClean="0"/>
+              <a:t>P’</a:t>
+            </a:r>
+            <a:r>
+              <a:rPr lang="en-US" sz="2400" baseline="-25000" dirty="0" smtClean="0"/>
+              <a:t>1</a:t>
+            </a:r>
+            <a:r>
+              <a:rPr lang="en-US" sz="2400" dirty="0" smtClean="0"/>
+              <a:t> = </a:t>
+            </a:r>
+            <a:r>
+              <a:rPr lang="en-US" sz="2400" dirty="0" smtClean="0">
+                <a:solidFill>
+                  <a:schemeClr val="tx1"/>
+                </a:solidFill>
+              </a:rPr>
+              <a:t>P</a:t>
+            </a:r>
+            <a:r>
+              <a:rPr lang="en-US" sz="2400" baseline="-25000" dirty="0" smtClean="0">
+                <a:solidFill>
+                  <a:schemeClr val="tx1"/>
+                </a:solidFill>
+              </a:rPr>
+              <a:t>1</a:t>
+            </a:r>
+            <a:r>
+              <a:rPr lang="en-US" sz="2400" dirty="0" smtClean="0">
+                <a:solidFill>
+                  <a:schemeClr val="tx1"/>
+                </a:solidFill>
+              </a:rPr>
+              <a:t> </a:t>
+            </a:r>
+            <a:r>
+              <a:rPr lang="en-US" sz="2400" dirty="0">
+                <a:solidFill>
+                  <a:schemeClr val="tx1"/>
+                </a:solidFill>
+              </a:rPr>
+              <a:t>XOR </a:t>
+            </a:r>
+            <a:r>
+              <a:rPr lang="en-US" sz="2400" dirty="0" smtClean="0">
+                <a:solidFill>
+                  <a:schemeClr val="tx1"/>
+                </a:solidFill>
+              </a:rPr>
+              <a:t>C</a:t>
+            </a:r>
+            <a:r>
+              <a:rPr lang="en-US" sz="2400" b="1" baseline="-25000" dirty="0" smtClean="0">
+                <a:solidFill>
+                  <a:schemeClr val="tx1"/>
+                </a:solidFill>
+              </a:rPr>
+              <a:t>0</a:t>
+            </a:r>
+            <a:r>
+              <a:rPr lang="en-US" sz="2400" dirty="0" smtClean="0"/>
+              <a:t> XOR </a:t>
+            </a:r>
+            <a:r>
+              <a:rPr lang="en-US" sz="2400" b="1" dirty="0" smtClean="0">
+                <a:solidFill>
+                  <a:schemeClr val="accent5">
+                    <a:lumMod val="50000"/>
+                  </a:schemeClr>
+                </a:solidFill>
+              </a:rPr>
+              <a:t>C’</a:t>
+            </a:r>
+            <a:endParaRPr lang="en-US" sz="2400" b="1" dirty="0">
+              <a:solidFill>
+                <a:schemeClr val="accent5">
+                  <a:lumMod val="50000"/>
+                </a:schemeClr>
+              </a:solidFill>
+            </a:endParaRPr>
+          </a:p>
+        </p:txBody>
+      </p:sp>
+    </p:spTree>
+    <p:extLst>
+      <p:ext uri="{BB962C8B-B14F-4D97-AF65-F5344CB8AC3E}">
+        <p14:creationId xmlns:p14="http://schemas.microsoft.com/office/powerpoint/2010/main" val="3421001019"/>
+      </p:ext>
+    </p:extLst>
+  </p:cSld>
+  <p:clrMapOvr>
+    <a:masterClrMapping/>
+  </p:clrMapOvr>
+  <p:timing>
+    <p:tnLst>
+      <p:par>
+        <p:cTn id="1" dur="indefinite" restart="never" nodeType="tmRoot"/>
+      </p:par>
+    </p:tnLst>
+  </p:timing>
+</p:sld>
+</file>
+
+<file path=ppt/slides/slide86.xml><?xml version="1.0" encoding="utf-8"?>
+<p:sld xmlns:a="http://schemas.openxmlformats.org/drawingml/2006/main" xmlns:r="http://schemas.openxmlformats.org/officeDocument/2006/relationships" xmlns:p="http://schemas.openxmlformats.org/presentationml/2006/main">
+  <p:cSld>
+    <p:spTree>
+      <p:nvGrpSpPr>
+        <p:cNvPr id="1" name=""/>
+        <p:cNvGrpSpPr/>
+        <p:nvPr/>
+      </p:nvGrpSpPr>
+      <p:grpSpPr>
+        <a:xfrm>
+          <a:off x="0" y="0"/>
+          <a:ext cx="0" cy="0"/>
+          <a:chOff x="0" y="0"/>
+          <a:chExt cx="0" cy="0"/>
+        </a:xfrm>
+      </p:grpSpPr>
+      <p:sp>
+        <p:nvSpPr>
+          <p:cNvPr id="2" name="Title 1"/>
+          <p:cNvSpPr>
+            <a:spLocks noGrp="1"/>
+          </p:cNvSpPr>
+          <p:nvPr>
+            <p:ph type="title"/>
+          </p:nvPr>
+        </p:nvSpPr>
+        <p:spPr/>
+        <p:txBody>
+          <a:bodyPr/>
+          <a:lstStyle/>
+          <a:p>
+            <a:r>
+              <a:rPr lang="en-US" dirty="0" smtClean="0"/>
+              <a:t>Padding oracles</a:t>
+            </a:r>
+            <a:endParaRPr lang="en-US" dirty="0"/>
+          </a:p>
+        </p:txBody>
+      </p:sp>
+      <p:sp>
+        <p:nvSpPr>
+          <p:cNvPr id="3" name="Content Placeholder 2"/>
+          <p:cNvSpPr>
+            <a:spLocks noGrp="1"/>
+          </p:cNvSpPr>
+          <p:nvPr>
+            <p:ph idx="1"/>
+          </p:nvPr>
+        </p:nvSpPr>
+        <p:spPr/>
+        <p:txBody>
+          <a:bodyPr>
+            <a:normAutofit/>
+          </a:bodyPr>
+          <a:lstStyle/>
+          <a:p>
+            <a:r>
+              <a:rPr lang="en-US" sz="2800" dirty="0" smtClean="0"/>
+              <a:t>Let’s take another look at that formula:</a:t>
+            </a:r>
+          </a:p>
+          <a:p>
+            <a:endParaRPr lang="en-US" sz="2800" dirty="0" smtClean="0"/>
+          </a:p>
+          <a:p>
+            <a:r>
+              <a:rPr lang="en-US" sz="2800" dirty="0" smtClean="0"/>
+              <a:t>When the padding is right, we know the last bytes of all but one:</a:t>
+            </a:r>
+          </a:p>
+          <a:p>
+            <a:pPr lvl="1"/>
+            <a:r>
+              <a:rPr lang="en-US" sz="2400" dirty="0" smtClean="0"/>
+              <a:t>P’</a:t>
+            </a:r>
+            <a:r>
+              <a:rPr lang="en-US" sz="2400" baseline="-25000" dirty="0" smtClean="0"/>
+              <a:t>1</a:t>
+            </a:r>
+            <a:r>
+              <a:rPr lang="en-US" sz="2400" dirty="0"/>
+              <a:t>[N]</a:t>
+            </a:r>
+            <a:r>
+              <a:rPr lang="en-US" sz="2400" dirty="0" smtClean="0"/>
+              <a:t> – 0x01</a:t>
+            </a:r>
+          </a:p>
+          <a:p>
+            <a:pPr lvl="1"/>
+            <a:r>
+              <a:rPr lang="en-US" sz="2400" dirty="0" smtClean="0"/>
+              <a:t>C</a:t>
+            </a:r>
+            <a:r>
+              <a:rPr lang="en-US" sz="2400" b="1" baseline="-25000" dirty="0" smtClean="0"/>
+              <a:t>0</a:t>
+            </a:r>
+            <a:r>
+              <a:rPr lang="en-US" sz="2400" dirty="0"/>
+              <a:t>[N]</a:t>
+            </a:r>
+            <a:r>
+              <a:rPr lang="en-US" sz="2400" dirty="0" smtClean="0"/>
+              <a:t> – The last byte of the previous block (we know it)</a:t>
+            </a:r>
+          </a:p>
+          <a:p>
+            <a:pPr lvl="1"/>
+            <a:r>
+              <a:rPr lang="en-US" sz="2400" b="1" dirty="0">
+                <a:solidFill>
+                  <a:schemeClr val="accent5">
+                    <a:lumMod val="50000"/>
+                  </a:schemeClr>
+                </a:solidFill>
+              </a:rPr>
+              <a:t>C</a:t>
+            </a:r>
+            <a:r>
+              <a:rPr lang="en-US" sz="2400" b="1" dirty="0" smtClean="0">
+                <a:solidFill>
+                  <a:schemeClr val="accent5">
+                    <a:lumMod val="50000"/>
+                  </a:schemeClr>
+                </a:solidFill>
+              </a:rPr>
+              <a:t>’</a:t>
+            </a:r>
+            <a:r>
+              <a:rPr lang="en-US" sz="2400" dirty="0"/>
+              <a:t> [N]</a:t>
+            </a:r>
+            <a:r>
+              <a:rPr lang="en-US" sz="2400" b="1" dirty="0" smtClean="0">
+                <a:solidFill>
+                  <a:schemeClr val="accent5">
+                    <a:lumMod val="50000"/>
+                  </a:schemeClr>
+                </a:solidFill>
+              </a:rPr>
+              <a:t> </a:t>
+            </a:r>
+            <a:r>
+              <a:rPr lang="en-US" sz="2400" dirty="0" smtClean="0"/>
+              <a:t>– The last byte of the block that we created</a:t>
+            </a:r>
+          </a:p>
+          <a:p>
+            <a:r>
+              <a:rPr lang="en-US" sz="2800" dirty="0" smtClean="0"/>
+              <a:t>Now it’s easy to determine the last byte of P1 – just re-arrange the formula!</a:t>
+            </a:r>
+            <a:endParaRPr lang="en-US" sz="2800" dirty="0"/>
+          </a:p>
+        </p:txBody>
+      </p:sp>
+      <p:sp>
+        <p:nvSpPr>
+          <p:cNvPr id="4" name="TextBox 3"/>
+          <p:cNvSpPr txBox="1"/>
+          <p:nvPr/>
+        </p:nvSpPr>
+        <p:spPr>
+          <a:xfrm>
+            <a:off x="914400" y="2133600"/>
+            <a:ext cx="4724400" cy="461665"/>
+          </a:xfrm>
+          <a:prstGeom prst="rect">
+            <a:avLst/>
+          </a:prstGeom>
+        </p:spPr>
+        <p:style>
+          <a:lnRef idx="2">
+            <a:schemeClr val="dk1"/>
+          </a:lnRef>
+          <a:fillRef idx="1">
+            <a:schemeClr val="lt1"/>
+          </a:fillRef>
+          <a:effectRef idx="0">
+            <a:schemeClr val="dk1"/>
+          </a:effectRef>
+          <a:fontRef idx="minor">
+            <a:schemeClr val="dk1"/>
+          </a:fontRef>
+        </p:style>
+        <p:txBody>
+          <a:bodyPr wrap="square" rtlCol="0">
+            <a:spAutoFit/>
+          </a:bodyPr>
+          <a:lstStyle/>
+          <a:p>
+            <a:pPr algn="ctr"/>
+            <a:r>
+              <a:rPr lang="en-US" sz="2400" dirty="0" smtClean="0"/>
+              <a:t>P’</a:t>
+            </a:r>
+            <a:r>
+              <a:rPr lang="en-US" sz="2400" baseline="-25000" dirty="0" smtClean="0"/>
+              <a:t>1</a:t>
+            </a:r>
+            <a:r>
+              <a:rPr lang="en-US" sz="2400" dirty="0" smtClean="0"/>
+              <a:t> = </a:t>
+            </a:r>
+            <a:r>
+              <a:rPr lang="en-US" sz="2400" dirty="0" smtClean="0">
+                <a:solidFill>
+                  <a:schemeClr val="tx1"/>
+                </a:solidFill>
+              </a:rPr>
+              <a:t>P</a:t>
+            </a:r>
+            <a:r>
+              <a:rPr lang="en-US" sz="2400" baseline="-25000" dirty="0" smtClean="0">
+                <a:solidFill>
+                  <a:schemeClr val="tx1"/>
+                </a:solidFill>
+              </a:rPr>
+              <a:t>1</a:t>
+            </a:r>
+            <a:r>
+              <a:rPr lang="en-US" sz="2400" dirty="0"/>
+              <a:t>[N]</a:t>
+            </a:r>
+            <a:r>
+              <a:rPr lang="en-US" sz="2400" dirty="0" smtClean="0">
+                <a:solidFill>
+                  <a:schemeClr val="tx1"/>
+                </a:solidFill>
+              </a:rPr>
+              <a:t> </a:t>
+            </a:r>
+            <a:r>
+              <a:rPr lang="en-US" sz="2400" dirty="0">
+                <a:solidFill>
+                  <a:schemeClr val="tx1"/>
+                </a:solidFill>
+              </a:rPr>
+              <a:t>XOR </a:t>
+            </a:r>
+            <a:r>
+              <a:rPr lang="en-US" sz="2400" dirty="0" smtClean="0">
+                <a:solidFill>
+                  <a:schemeClr val="tx1"/>
+                </a:solidFill>
+              </a:rPr>
+              <a:t>C</a:t>
+            </a:r>
+            <a:r>
+              <a:rPr lang="en-US" sz="2400" b="1" baseline="-25000" dirty="0" smtClean="0">
+                <a:solidFill>
+                  <a:schemeClr val="tx1"/>
+                </a:solidFill>
+              </a:rPr>
+              <a:t>0</a:t>
+            </a:r>
+            <a:r>
+              <a:rPr lang="en-US" sz="2400" dirty="0"/>
+              <a:t>[N]</a:t>
+            </a:r>
+            <a:r>
+              <a:rPr lang="en-US" sz="2400" dirty="0" smtClean="0"/>
+              <a:t> XOR </a:t>
+            </a:r>
+            <a:r>
+              <a:rPr lang="en-US" sz="2400" b="1" dirty="0" smtClean="0">
+                <a:solidFill>
+                  <a:schemeClr val="accent5">
+                    <a:lumMod val="50000"/>
+                  </a:schemeClr>
+                </a:solidFill>
+              </a:rPr>
+              <a:t>C’</a:t>
+            </a:r>
+            <a:r>
+              <a:rPr lang="en-US" sz="2400" dirty="0" smtClean="0"/>
+              <a:t>[</a:t>
+            </a:r>
+            <a:r>
+              <a:rPr lang="en-US" sz="2400" dirty="0"/>
+              <a:t>N]</a:t>
+            </a:r>
+            <a:endParaRPr lang="en-US" sz="2400" b="1" dirty="0">
+              <a:solidFill>
+                <a:schemeClr val="accent5">
+                  <a:lumMod val="50000"/>
+                </a:schemeClr>
+              </a:solidFill>
+            </a:endParaRPr>
+          </a:p>
+        </p:txBody>
+      </p:sp>
+      <p:sp>
+        <p:nvSpPr>
+          <p:cNvPr id="5" name="TextBox 4"/>
+          <p:cNvSpPr txBox="1"/>
+          <p:nvPr/>
+        </p:nvSpPr>
+        <p:spPr>
+          <a:xfrm>
+            <a:off x="914400" y="5867400"/>
+            <a:ext cx="4195299" cy="461665"/>
+          </a:xfrm>
+          <a:prstGeom prst="rect">
+            <a:avLst/>
+          </a:prstGeom>
+        </p:spPr>
+        <p:style>
+          <a:lnRef idx="2">
+            <a:schemeClr val="dk1"/>
+          </a:lnRef>
+          <a:fillRef idx="1">
+            <a:schemeClr val="lt1"/>
+          </a:fillRef>
+          <a:effectRef idx="0">
+            <a:schemeClr val="dk1"/>
+          </a:effectRef>
+          <a:fontRef idx="minor">
+            <a:schemeClr val="dk1"/>
+          </a:fontRef>
+        </p:style>
+        <p:txBody>
+          <a:bodyPr wrap="square" rtlCol="0">
+            <a:spAutoFit/>
+          </a:bodyPr>
+          <a:lstStyle/>
+          <a:p>
+            <a:pPr algn="ctr"/>
+            <a:r>
+              <a:rPr lang="en-US" sz="2400" dirty="0" smtClean="0"/>
+              <a:t>P</a:t>
+            </a:r>
+            <a:r>
+              <a:rPr lang="en-US" sz="2400" baseline="-25000" dirty="0" smtClean="0"/>
+              <a:t>1</a:t>
+            </a:r>
+            <a:r>
+              <a:rPr lang="en-US" sz="2400" dirty="0" smtClean="0"/>
+              <a:t> = </a:t>
+            </a:r>
+            <a:r>
+              <a:rPr lang="en-US" sz="2400" dirty="0" smtClean="0">
+                <a:solidFill>
+                  <a:schemeClr val="tx1"/>
+                </a:solidFill>
+              </a:rPr>
+              <a:t>P’</a:t>
+            </a:r>
+            <a:r>
+              <a:rPr lang="en-US" sz="2400" baseline="-25000" dirty="0" smtClean="0">
+                <a:solidFill>
+                  <a:schemeClr val="tx1"/>
+                </a:solidFill>
+              </a:rPr>
+              <a:t>1</a:t>
+            </a:r>
+            <a:r>
+              <a:rPr lang="en-US" sz="2400" dirty="0"/>
+              <a:t>[N]</a:t>
+            </a:r>
+            <a:r>
+              <a:rPr lang="en-US" sz="2400" dirty="0" smtClean="0">
+                <a:solidFill>
+                  <a:schemeClr val="tx1"/>
+                </a:solidFill>
+              </a:rPr>
+              <a:t> </a:t>
+            </a:r>
+            <a:r>
+              <a:rPr lang="en-US" sz="2400" dirty="0">
+                <a:solidFill>
+                  <a:schemeClr val="tx1"/>
+                </a:solidFill>
+              </a:rPr>
+              <a:t>XOR </a:t>
+            </a:r>
+            <a:r>
+              <a:rPr lang="en-US" sz="2400" dirty="0" smtClean="0">
+                <a:solidFill>
+                  <a:schemeClr val="tx1"/>
+                </a:solidFill>
+              </a:rPr>
+              <a:t>C</a:t>
+            </a:r>
+            <a:r>
+              <a:rPr lang="en-US" sz="2400" b="1" baseline="-25000" dirty="0" smtClean="0">
+                <a:solidFill>
+                  <a:schemeClr val="tx1"/>
+                </a:solidFill>
+              </a:rPr>
+              <a:t>0</a:t>
+            </a:r>
+            <a:r>
+              <a:rPr lang="en-US" sz="2400" dirty="0"/>
+              <a:t>[N]</a:t>
+            </a:r>
+            <a:r>
+              <a:rPr lang="en-US" sz="2400" dirty="0" smtClean="0"/>
+              <a:t> XOR </a:t>
+            </a:r>
+            <a:r>
+              <a:rPr lang="en-US" sz="2400" b="1" dirty="0" smtClean="0">
+                <a:solidFill>
+                  <a:schemeClr val="accent5">
+                    <a:lumMod val="50000"/>
+                  </a:schemeClr>
+                </a:solidFill>
+              </a:rPr>
+              <a:t>C’</a:t>
+            </a:r>
+            <a:r>
+              <a:rPr lang="en-US" sz="2400" dirty="0" smtClean="0"/>
+              <a:t>[</a:t>
+            </a:r>
+            <a:r>
+              <a:rPr lang="en-US" sz="2400" dirty="0"/>
+              <a:t>N]</a:t>
+            </a:r>
+            <a:endParaRPr lang="en-US" sz="2400" b="1" dirty="0">
+              <a:solidFill>
+                <a:schemeClr val="accent5">
+                  <a:lumMod val="50000"/>
+                </a:schemeClr>
+              </a:solidFill>
+            </a:endParaRPr>
+          </a:p>
+        </p:txBody>
+      </p:sp>
+    </p:spTree>
+    <p:extLst>
+      <p:ext uri="{BB962C8B-B14F-4D97-AF65-F5344CB8AC3E}">
+        <p14:creationId xmlns:p14="http://schemas.microsoft.com/office/powerpoint/2010/main" val="1174651896"/>
+      </p:ext>
+    </p:extLst>
+  </p:cSld>
+  <p:clrMapOvr>
+    <a:masterClrMapping/>
+  </p:clrMapOvr>
+  <p:timing>
+    <p:tnLst>
+      <p:par>
+        <p:cTn id="1" dur="indefinite" restart="never" nodeType="tmRoot"/>
+      </p:par>
+    </p:tnLst>
+  </p:timing>
+</p:sld>
+</file>
+
+<file path=ppt/slides/slide87.xml><?xml version="1.0" encoding="utf-8"?>
+<p:sld xmlns:a="http://schemas.openxmlformats.org/drawingml/2006/main" xmlns:r="http://schemas.openxmlformats.org/officeDocument/2006/relationships" xmlns:p="http://schemas.openxmlformats.org/presentationml/2006/main">
+  <p:cSld>
+    <p:spTree>
+      <p:nvGrpSpPr>
+        <p:cNvPr id="1" name=""/>
+        <p:cNvGrpSpPr/>
+        <p:nvPr/>
+      </p:nvGrpSpPr>
+      <p:grpSpPr>
+        <a:xfrm>
+          <a:off x="0" y="0"/>
+          <a:ext cx="0" cy="0"/>
+          <a:chOff x="0" y="0"/>
+          <a:chExt cx="0" cy="0"/>
+        </a:xfrm>
+      </p:grpSpPr>
+      <p:sp>
+        <p:nvSpPr>
+          <p:cNvPr id="2" name="Title 1"/>
+          <p:cNvSpPr>
+            <a:spLocks noGrp="1"/>
+          </p:cNvSpPr>
+          <p:nvPr>
+            <p:ph type="title"/>
+          </p:nvPr>
+        </p:nvSpPr>
+        <p:spPr/>
+        <p:txBody>
+          <a:bodyPr/>
+          <a:lstStyle/>
+          <a:p>
+            <a:r>
+              <a:rPr lang="en-US" dirty="0" smtClean="0"/>
+              <a:t>Padding oracles</a:t>
+            </a:r>
+            <a:endParaRPr lang="en-US" dirty="0"/>
+          </a:p>
+        </p:txBody>
+      </p:sp>
+      <p:sp>
+        <p:nvSpPr>
+          <p:cNvPr id="3" name="Content Placeholder 2"/>
+          <p:cNvSpPr>
+            <a:spLocks noGrp="1"/>
+          </p:cNvSpPr>
+          <p:nvPr>
+            <p:ph idx="1"/>
+          </p:nvPr>
+        </p:nvSpPr>
+        <p:spPr>
+          <a:xfrm>
+            <a:off x="408878" y="1257300"/>
+            <a:ext cx="8229600" cy="5448300"/>
+          </a:xfrm>
+        </p:spPr>
+        <p:txBody>
+          <a:bodyPr>
+            <a:normAutofit/>
+          </a:bodyPr>
+          <a:lstStyle/>
+          <a:p>
+            <a:r>
+              <a:rPr lang="en-US" sz="2400" dirty="0" smtClean="0"/>
+              <a:t>So, to summarize:</a:t>
+            </a:r>
+          </a:p>
+          <a:p>
+            <a:pPr lvl="1"/>
+            <a:r>
+              <a:rPr lang="en-US" sz="2000" dirty="0" smtClean="0"/>
+              <a:t>Choose a new block, which we call C’, and prepend it to the block you’re trying to decrypt:</a:t>
+            </a:r>
+          </a:p>
+          <a:p>
+            <a:pPr lvl="1"/>
+            <a:endParaRPr lang="en-US" sz="2000" dirty="0"/>
+          </a:p>
+          <a:p>
+            <a:pPr lvl="1"/>
+            <a:endParaRPr lang="en-US" sz="2000" dirty="0" smtClean="0"/>
+          </a:p>
+          <a:p>
+            <a:pPr lvl="1"/>
+            <a:r>
+              <a:rPr lang="en-US" sz="2000" dirty="0" smtClean="0"/>
+              <a:t>Change the last byte of C’ until you stop getting a padding error:</a:t>
+            </a:r>
+          </a:p>
+          <a:p>
+            <a:pPr lvl="1"/>
+            <a:endParaRPr lang="en-US" sz="2000" dirty="0"/>
+          </a:p>
+          <a:p>
+            <a:pPr lvl="1"/>
+            <a:endParaRPr lang="en-US" sz="2000" dirty="0" smtClean="0"/>
+          </a:p>
+          <a:p>
+            <a:pPr lvl="1"/>
+            <a:r>
+              <a:rPr lang="en-US" sz="2000" dirty="0" smtClean="0"/>
+              <a:t>Plug it into the formula:</a:t>
+            </a:r>
+          </a:p>
+          <a:p>
+            <a:pPr lvl="1"/>
+            <a:endParaRPr lang="en-US" sz="2000" dirty="0"/>
+          </a:p>
+          <a:p>
+            <a:pPr lvl="1"/>
+            <a:endParaRPr lang="en-US" sz="2000" dirty="0" smtClean="0"/>
+          </a:p>
+          <a:p>
+            <a:pPr lvl="1"/>
+            <a:endParaRPr lang="en-US" sz="2000" dirty="0"/>
+          </a:p>
+          <a:p>
+            <a:pPr lvl="1"/>
+            <a:r>
+              <a:rPr lang="en-US" sz="2000" dirty="0" smtClean="0"/>
+              <a:t>And solve!</a:t>
+            </a:r>
+          </a:p>
+          <a:p>
+            <a:pPr lvl="1"/>
+            <a:endParaRPr lang="en-US" sz="2000" dirty="0" smtClean="0"/>
+          </a:p>
+          <a:p>
+            <a:pPr lvl="1"/>
+            <a:endParaRPr lang="en-US" sz="2000" dirty="0"/>
+          </a:p>
+        </p:txBody>
+      </p:sp>
+      <p:sp>
+        <p:nvSpPr>
+          <p:cNvPr id="5" name="TextBox 4"/>
+          <p:cNvSpPr txBox="1"/>
+          <p:nvPr/>
+        </p:nvSpPr>
+        <p:spPr>
+          <a:xfrm>
+            <a:off x="1247078" y="2395834"/>
+            <a:ext cx="3733800" cy="461665"/>
+          </a:xfrm>
+          <a:prstGeom prst="rect">
+            <a:avLst/>
+          </a:prstGeom>
+        </p:spPr>
+        <p:style>
+          <a:lnRef idx="2">
+            <a:schemeClr val="dk1"/>
+          </a:lnRef>
+          <a:fillRef idx="1">
+            <a:schemeClr val="lt1"/>
+          </a:fillRef>
+          <a:effectRef idx="0">
+            <a:schemeClr val="dk1"/>
+          </a:effectRef>
+          <a:fontRef idx="minor">
+            <a:schemeClr val="dk1"/>
+          </a:fontRef>
+        </p:style>
+        <p:txBody>
+          <a:bodyPr wrap="square" rtlCol="0">
+            <a:spAutoFit/>
+          </a:bodyPr>
+          <a:lstStyle/>
+          <a:p>
+            <a:pPr algn="ctr"/>
+            <a:r>
+              <a:rPr lang="en-US" sz="2400" dirty="0" smtClean="0"/>
+              <a:t>C’ = “0000000000000000”</a:t>
+            </a:r>
+            <a:endParaRPr lang="en-US" sz="2400" dirty="0"/>
+          </a:p>
+        </p:txBody>
+      </p:sp>
+      <p:sp>
+        <p:nvSpPr>
+          <p:cNvPr id="6" name="TextBox 5"/>
+          <p:cNvSpPr txBox="1"/>
+          <p:nvPr/>
+        </p:nvSpPr>
+        <p:spPr>
+          <a:xfrm>
+            <a:off x="4958576" y="2395833"/>
+            <a:ext cx="3733800" cy="461665"/>
+          </a:xfrm>
+          <a:prstGeom prst="rect">
+            <a:avLst/>
+          </a:prstGeom>
+        </p:spPr>
+        <p:style>
+          <a:lnRef idx="2">
+            <a:schemeClr val="dk1"/>
+          </a:lnRef>
+          <a:fillRef idx="1">
+            <a:schemeClr val="lt1"/>
+          </a:fillRef>
+          <a:effectRef idx="0">
+            <a:schemeClr val="dk1"/>
+          </a:effectRef>
+          <a:fontRef idx="minor">
+            <a:schemeClr val="dk1"/>
+          </a:fontRef>
+        </p:style>
+        <p:txBody>
+          <a:bodyPr wrap="square" rtlCol="0">
+            <a:spAutoFit/>
+          </a:bodyPr>
+          <a:lstStyle/>
+          <a:p>
+            <a:pPr algn="ctr"/>
+            <a:r>
+              <a:rPr lang="en-US" sz="2400" dirty="0"/>
+              <a:t>C</a:t>
+            </a:r>
+            <a:r>
+              <a:rPr lang="en-US" sz="2400" baseline="-25000" dirty="0"/>
+              <a:t>1</a:t>
+            </a:r>
+            <a:r>
+              <a:rPr lang="en-US" sz="2400" dirty="0"/>
+              <a:t> = “287ca837fb65e219”</a:t>
+            </a:r>
+          </a:p>
+        </p:txBody>
+      </p:sp>
+      <p:sp>
+        <p:nvSpPr>
+          <p:cNvPr id="7" name="TextBox 6"/>
+          <p:cNvSpPr txBox="1"/>
+          <p:nvPr/>
+        </p:nvSpPr>
+        <p:spPr>
+          <a:xfrm>
+            <a:off x="1276815" y="3467100"/>
+            <a:ext cx="3733800" cy="461665"/>
+          </a:xfrm>
+          <a:prstGeom prst="rect">
+            <a:avLst/>
+          </a:prstGeom>
+        </p:spPr>
+        <p:style>
+          <a:lnRef idx="2">
+            <a:schemeClr val="dk1"/>
+          </a:lnRef>
+          <a:fillRef idx="1">
+            <a:schemeClr val="lt1"/>
+          </a:fillRef>
+          <a:effectRef idx="0">
+            <a:schemeClr val="dk1"/>
+          </a:effectRef>
+          <a:fontRef idx="minor">
+            <a:schemeClr val="dk1"/>
+          </a:fontRef>
+        </p:style>
+        <p:txBody>
+          <a:bodyPr wrap="square" rtlCol="0">
+            <a:spAutoFit/>
+          </a:bodyPr>
+          <a:lstStyle/>
+          <a:p>
+            <a:pPr algn="ctr"/>
+            <a:r>
+              <a:rPr lang="en-US" sz="2400" dirty="0" smtClean="0"/>
+              <a:t>C’ = “0000000000000026”</a:t>
+            </a:r>
+            <a:endParaRPr lang="en-US" sz="2400" dirty="0"/>
+          </a:p>
+        </p:txBody>
+      </p:sp>
+      <p:sp>
+        <p:nvSpPr>
+          <p:cNvPr id="8" name="TextBox 7"/>
+          <p:cNvSpPr txBox="1"/>
+          <p:nvPr/>
+        </p:nvSpPr>
+        <p:spPr>
+          <a:xfrm>
+            <a:off x="4988313" y="3467099"/>
+            <a:ext cx="3733800" cy="461665"/>
+          </a:xfrm>
+          <a:prstGeom prst="rect">
+            <a:avLst/>
+          </a:prstGeom>
+        </p:spPr>
+        <p:style>
+          <a:lnRef idx="2">
+            <a:schemeClr val="dk1"/>
+          </a:lnRef>
+          <a:fillRef idx="1">
+            <a:schemeClr val="lt1"/>
+          </a:fillRef>
+          <a:effectRef idx="0">
+            <a:schemeClr val="dk1"/>
+          </a:effectRef>
+          <a:fontRef idx="minor">
+            <a:schemeClr val="dk1"/>
+          </a:fontRef>
+        </p:style>
+        <p:txBody>
+          <a:bodyPr wrap="square" rtlCol="0">
+            <a:spAutoFit/>
+          </a:bodyPr>
+          <a:lstStyle/>
+          <a:p>
+            <a:pPr algn="ctr"/>
+            <a:r>
+              <a:rPr lang="en-US" sz="2400" dirty="0"/>
+              <a:t>C</a:t>
+            </a:r>
+            <a:r>
+              <a:rPr lang="en-US" sz="2400" baseline="-25000" dirty="0"/>
+              <a:t>1</a:t>
+            </a:r>
+            <a:r>
+              <a:rPr lang="en-US" sz="2400" dirty="0"/>
+              <a:t> = “287ca837fb65e219”</a:t>
+            </a:r>
+          </a:p>
+        </p:txBody>
+      </p:sp>
+      <p:sp>
+        <p:nvSpPr>
+          <p:cNvPr id="9" name="TextBox 8"/>
+          <p:cNvSpPr txBox="1"/>
+          <p:nvPr/>
+        </p:nvSpPr>
+        <p:spPr>
+          <a:xfrm>
+            <a:off x="1263805" y="4557673"/>
+            <a:ext cx="4527395" cy="461665"/>
+          </a:xfrm>
+          <a:prstGeom prst="rect">
+            <a:avLst/>
+          </a:prstGeom>
+        </p:spPr>
+        <p:style>
+          <a:lnRef idx="2">
+            <a:schemeClr val="dk1"/>
+          </a:lnRef>
+          <a:fillRef idx="1">
+            <a:schemeClr val="lt1"/>
+          </a:fillRef>
+          <a:effectRef idx="0">
+            <a:schemeClr val="dk1"/>
+          </a:effectRef>
+          <a:fontRef idx="minor">
+            <a:schemeClr val="dk1"/>
+          </a:fontRef>
+        </p:style>
+        <p:txBody>
+          <a:bodyPr wrap="square" rtlCol="0">
+            <a:spAutoFit/>
+          </a:bodyPr>
+          <a:lstStyle/>
+          <a:p>
+            <a:pPr algn="ctr"/>
+            <a:r>
+              <a:rPr lang="en-US" sz="2400" dirty="0" smtClean="0"/>
+              <a:t>P</a:t>
+            </a:r>
+            <a:r>
+              <a:rPr lang="en-US" sz="2400" baseline="-25000" dirty="0" smtClean="0"/>
+              <a:t>1</a:t>
+            </a:r>
+            <a:r>
+              <a:rPr lang="en-US" sz="2400" dirty="0" smtClean="0"/>
+              <a:t>[N] = </a:t>
+            </a:r>
+            <a:r>
+              <a:rPr lang="en-US" sz="2400" dirty="0" smtClean="0">
+                <a:solidFill>
+                  <a:schemeClr val="tx1"/>
+                </a:solidFill>
+              </a:rPr>
+              <a:t>P’</a:t>
+            </a:r>
+            <a:r>
+              <a:rPr lang="en-US" sz="2400" baseline="-25000" dirty="0" smtClean="0">
+                <a:solidFill>
+                  <a:schemeClr val="tx1"/>
+                </a:solidFill>
+              </a:rPr>
+              <a:t>1</a:t>
+            </a:r>
+            <a:r>
+              <a:rPr lang="en-US" sz="2400" dirty="0"/>
+              <a:t>[N]</a:t>
+            </a:r>
+            <a:r>
+              <a:rPr lang="en-US" sz="2400" dirty="0" smtClean="0">
+                <a:solidFill>
+                  <a:schemeClr val="tx1"/>
+                </a:solidFill>
+              </a:rPr>
+              <a:t> </a:t>
+            </a:r>
+            <a:r>
+              <a:rPr lang="en-US" sz="2400" dirty="0">
+                <a:solidFill>
+                  <a:schemeClr val="tx1"/>
+                </a:solidFill>
+              </a:rPr>
+              <a:t>XOR </a:t>
+            </a:r>
+            <a:r>
+              <a:rPr lang="en-US" sz="2400" dirty="0" smtClean="0">
+                <a:solidFill>
+                  <a:schemeClr val="tx1"/>
+                </a:solidFill>
+              </a:rPr>
+              <a:t>C</a:t>
+            </a:r>
+            <a:r>
+              <a:rPr lang="en-US" sz="2400" b="1" baseline="-25000" dirty="0" smtClean="0">
+                <a:solidFill>
+                  <a:schemeClr val="tx1"/>
+                </a:solidFill>
+              </a:rPr>
+              <a:t>0</a:t>
+            </a:r>
+            <a:r>
+              <a:rPr lang="en-US" sz="2400" dirty="0"/>
+              <a:t>[N]</a:t>
+            </a:r>
+            <a:r>
+              <a:rPr lang="en-US" sz="2400" dirty="0" smtClean="0"/>
+              <a:t> XOR </a:t>
+            </a:r>
+            <a:r>
+              <a:rPr lang="en-US" sz="2400" b="1" dirty="0" smtClean="0">
+                <a:solidFill>
+                  <a:schemeClr val="accent5">
+                    <a:lumMod val="50000"/>
+                  </a:schemeClr>
+                </a:solidFill>
+              </a:rPr>
+              <a:t>C’</a:t>
+            </a:r>
+            <a:r>
+              <a:rPr lang="en-US" sz="2400" dirty="0"/>
+              <a:t> [N]</a:t>
+            </a:r>
+            <a:endParaRPr lang="en-US" sz="2400" b="1" dirty="0">
+              <a:solidFill>
+                <a:schemeClr val="accent5">
+                  <a:lumMod val="50000"/>
+                </a:schemeClr>
+              </a:solidFill>
+            </a:endParaRPr>
+          </a:p>
+        </p:txBody>
+      </p:sp>
+      <p:sp>
+        <p:nvSpPr>
+          <p:cNvPr id="10" name="TextBox 9"/>
+          <p:cNvSpPr txBox="1"/>
+          <p:nvPr/>
+        </p:nvSpPr>
+        <p:spPr>
+          <a:xfrm>
+            <a:off x="1265664" y="5019338"/>
+            <a:ext cx="4525536" cy="461665"/>
+          </a:xfrm>
+          <a:prstGeom prst="rect">
+            <a:avLst/>
+          </a:prstGeom>
+        </p:spPr>
+        <p:style>
+          <a:lnRef idx="2">
+            <a:schemeClr val="dk1"/>
+          </a:lnRef>
+          <a:fillRef idx="1">
+            <a:schemeClr val="lt1"/>
+          </a:fillRef>
+          <a:effectRef idx="0">
+            <a:schemeClr val="dk1"/>
+          </a:effectRef>
+          <a:fontRef idx="minor">
+            <a:schemeClr val="dk1"/>
+          </a:fontRef>
+        </p:style>
+        <p:txBody>
+          <a:bodyPr wrap="square" rtlCol="0">
+            <a:spAutoFit/>
+          </a:bodyPr>
+          <a:lstStyle/>
+          <a:p>
+            <a:pPr algn="ctr"/>
+            <a:r>
+              <a:rPr lang="en-US" sz="2400" dirty="0" smtClean="0"/>
+              <a:t>P</a:t>
+            </a:r>
+            <a:r>
+              <a:rPr lang="en-US" sz="2400" baseline="-25000" dirty="0" smtClean="0"/>
+              <a:t>1</a:t>
+            </a:r>
+            <a:r>
+              <a:rPr lang="en-US" sz="2400" dirty="0" smtClean="0"/>
+              <a:t> = </a:t>
+            </a:r>
+            <a:r>
+              <a:rPr lang="en-US" sz="2400" dirty="0" smtClean="0">
+                <a:solidFill>
+                  <a:schemeClr val="tx1"/>
+                </a:solidFill>
+              </a:rPr>
+              <a:t>0x01 </a:t>
+            </a:r>
+            <a:r>
+              <a:rPr lang="en-US" sz="2400" dirty="0">
+                <a:solidFill>
+                  <a:schemeClr val="tx1"/>
+                </a:solidFill>
+              </a:rPr>
+              <a:t>XOR </a:t>
+            </a:r>
+            <a:r>
+              <a:rPr lang="en-US" sz="2400" dirty="0" smtClean="0">
+                <a:solidFill>
+                  <a:schemeClr val="tx1"/>
+                </a:solidFill>
+              </a:rPr>
+              <a:t>0x22</a:t>
+            </a:r>
+            <a:r>
+              <a:rPr lang="en-US" sz="2400" dirty="0" smtClean="0"/>
+              <a:t> XOR </a:t>
+            </a:r>
+            <a:r>
+              <a:rPr lang="en-US" sz="2400" b="1" dirty="0" smtClean="0">
+                <a:solidFill>
+                  <a:schemeClr val="accent5">
+                    <a:lumMod val="50000"/>
+                  </a:schemeClr>
+                </a:solidFill>
+              </a:rPr>
+              <a:t>0x26</a:t>
+            </a:r>
+            <a:endParaRPr lang="en-US" sz="2400" b="1" dirty="0">
+              <a:solidFill>
+                <a:schemeClr val="accent5">
+                  <a:lumMod val="50000"/>
+                </a:schemeClr>
+              </a:solidFill>
+            </a:endParaRPr>
+          </a:p>
+        </p:txBody>
+      </p:sp>
+      <p:sp>
+        <p:nvSpPr>
+          <p:cNvPr id="11" name="TextBox 10"/>
+          <p:cNvSpPr txBox="1"/>
+          <p:nvPr/>
+        </p:nvSpPr>
+        <p:spPr>
+          <a:xfrm>
+            <a:off x="1247078" y="6019800"/>
+            <a:ext cx="4544122" cy="461665"/>
+          </a:xfrm>
+          <a:prstGeom prst="rect">
+            <a:avLst/>
+          </a:prstGeom>
+        </p:spPr>
+        <p:style>
+          <a:lnRef idx="2">
+            <a:schemeClr val="dk1"/>
+          </a:lnRef>
+          <a:fillRef idx="1">
+            <a:schemeClr val="lt1"/>
+          </a:fillRef>
+          <a:effectRef idx="0">
+            <a:schemeClr val="dk1"/>
+          </a:effectRef>
+          <a:fontRef idx="minor">
+            <a:schemeClr val="dk1"/>
+          </a:fontRef>
+        </p:style>
+        <p:txBody>
+          <a:bodyPr wrap="square" rtlCol="0">
+            <a:spAutoFit/>
+          </a:bodyPr>
+          <a:lstStyle/>
+          <a:p>
+            <a:pPr algn="ctr"/>
+            <a:r>
+              <a:rPr lang="en-US" sz="2400" dirty="0" smtClean="0"/>
+              <a:t>P</a:t>
+            </a:r>
+            <a:r>
+              <a:rPr lang="en-US" sz="2400" baseline="-25000" dirty="0" smtClean="0"/>
+              <a:t>1</a:t>
+            </a:r>
+            <a:r>
+              <a:rPr lang="en-US" sz="2400" dirty="0" smtClean="0"/>
+              <a:t> = </a:t>
+            </a:r>
+            <a:r>
+              <a:rPr lang="en-US" sz="2400" dirty="0" smtClean="0">
+                <a:solidFill>
+                  <a:schemeClr val="tx1"/>
+                </a:solidFill>
+              </a:rPr>
+              <a:t>0x05</a:t>
+            </a:r>
+            <a:endParaRPr lang="en-US" sz="2400" b="1" dirty="0">
+              <a:solidFill>
+                <a:schemeClr val="accent5">
+                  <a:lumMod val="50000"/>
+                </a:schemeClr>
+              </a:solidFill>
+            </a:endParaRPr>
+          </a:p>
+        </p:txBody>
+      </p:sp>
+      <p:sp>
+        <p:nvSpPr>
+          <p:cNvPr id="13" name="TextBox 12"/>
+          <p:cNvSpPr txBox="1"/>
+          <p:nvPr/>
+        </p:nvSpPr>
+        <p:spPr>
+          <a:xfrm>
+            <a:off x="5943600" y="5981805"/>
+            <a:ext cx="2233032" cy="646331"/>
+          </a:xfrm>
+          <a:prstGeom prst="rect">
+            <a:avLst/>
+          </a:prstGeom>
+        </p:spPr>
+        <p:style>
+          <a:lnRef idx="2">
+            <a:schemeClr val="dk1"/>
+          </a:lnRef>
+          <a:fillRef idx="1">
+            <a:schemeClr val="lt1"/>
+          </a:fillRef>
+          <a:effectRef idx="0">
+            <a:schemeClr val="dk1"/>
+          </a:effectRef>
+          <a:fontRef idx="minor">
+            <a:schemeClr val="dk1"/>
+          </a:fontRef>
+        </p:style>
+        <p:txBody>
+          <a:bodyPr wrap="square" rtlCol="0">
+            <a:spAutoFit/>
+          </a:bodyPr>
+          <a:lstStyle/>
+          <a:p>
+            <a:pPr algn="ctr"/>
+            <a:r>
+              <a:rPr lang="en-US" i="1" dirty="0" smtClean="0"/>
+              <a:t>Recall:</a:t>
+            </a:r>
+          </a:p>
+          <a:p>
+            <a:pPr algn="ctr"/>
+            <a:r>
+              <a:rPr lang="en-US" i="1" dirty="0" smtClean="0"/>
+              <a:t>P</a:t>
+            </a:r>
+            <a:r>
+              <a:rPr lang="en-US" i="1" baseline="-25000" dirty="0" smtClean="0"/>
+              <a:t>1</a:t>
+            </a:r>
+            <a:r>
+              <a:rPr lang="en-US" i="1" dirty="0" smtClean="0"/>
+              <a:t> = “</a:t>
+            </a:r>
+            <a:r>
+              <a:rPr lang="en-US" i="1" dirty="0" err="1" smtClean="0"/>
+              <a:t>rld</a:t>
+            </a:r>
+            <a:r>
+              <a:rPr lang="en-US" i="1" dirty="0" smtClean="0"/>
+              <a:t>\5\5\5\5\5”</a:t>
+            </a:r>
+            <a:endParaRPr lang="en-US" i="1" dirty="0"/>
+          </a:p>
+        </p:txBody>
+      </p:sp>
+    </p:spTree>
+    <p:extLst>
+      <p:ext uri="{BB962C8B-B14F-4D97-AF65-F5344CB8AC3E}">
+        <p14:creationId xmlns:p14="http://schemas.microsoft.com/office/powerpoint/2010/main" val="1203044220"/>
+      </p:ext>
+    </p:extLst>
+  </p:cSld>
+  <p:clrMapOvr>
+    <a:masterClrMapping/>
+  </p:clrMapOvr>
+  <p:timing>
+    <p:tnLst>
+      <p:par>
+        <p:cTn id="1" dur="indefinite" restart="never" nodeType="tmRoot"/>
+      </p:par>
+    </p:tnLst>
+  </p:timing>
+</p:sld>
+</file>
+
+<file path=ppt/slides/slide88.xml><?xml version="1.0" encoding="utf-8"?>
+<p:sld xmlns:a="http://schemas.openxmlformats.org/drawingml/2006/main" xmlns:r="http://schemas.openxmlformats.org/officeDocument/2006/relationships" xmlns:p="http://schemas.openxmlformats.org/presentationml/2006/main">
+  <p:cSld>
+    <p:spTree>
+      <p:nvGrpSpPr>
+        <p:cNvPr id="1" name=""/>
+        <p:cNvGrpSpPr/>
+        <p:nvPr/>
+      </p:nvGrpSpPr>
+      <p:grpSpPr>
+        <a:xfrm>
+          <a:off x="0" y="0"/>
+          <a:ext cx="0" cy="0"/>
+          <a:chOff x="0" y="0"/>
+          <a:chExt cx="0" cy="0"/>
+        </a:xfrm>
+      </p:grpSpPr>
+      <p:sp>
+        <p:nvSpPr>
+          <p:cNvPr id="2" name="Title 1"/>
+          <p:cNvSpPr>
+            <a:spLocks noGrp="1"/>
+          </p:cNvSpPr>
+          <p:nvPr>
+            <p:ph type="title"/>
+          </p:nvPr>
+        </p:nvSpPr>
+        <p:spPr/>
+        <p:txBody>
+          <a:bodyPr/>
+          <a:lstStyle/>
+          <a:p>
+            <a:r>
+              <a:rPr lang="en-US" dirty="0" smtClean="0"/>
+              <a:t>Padding oracles</a:t>
+            </a:r>
+            <a:endParaRPr lang="en-US" dirty="0"/>
+          </a:p>
+        </p:txBody>
+      </p:sp>
+      <p:sp>
+        <p:nvSpPr>
+          <p:cNvPr id="3" name="Content Placeholder 2"/>
+          <p:cNvSpPr>
+            <a:spLocks noGrp="1"/>
+          </p:cNvSpPr>
+          <p:nvPr>
+            <p:ph idx="1"/>
+          </p:nvPr>
+        </p:nvSpPr>
+        <p:spPr/>
+        <p:txBody>
+          <a:bodyPr>
+            <a:normAutofit fontScale="92500"/>
+          </a:bodyPr>
+          <a:lstStyle/>
+          <a:p>
+            <a:r>
+              <a:rPr lang="en-US" dirty="0" smtClean="0"/>
+              <a:t>By having the server tell us when the last byte of the decrypt block is right, we can trivially decrypt and encrypt it using only the XOR operation</a:t>
+            </a:r>
+          </a:p>
+          <a:p>
+            <a:r>
+              <a:rPr lang="en-US" dirty="0" smtClean="0"/>
+              <a:t>The last byte can be set to \x02, and the second-last byte can be guessed using the same formula</a:t>
+            </a:r>
+          </a:p>
+          <a:p>
+            <a:r>
+              <a:rPr lang="en-US" dirty="0" smtClean="0"/>
+              <a:t>The last and second-last bytes can be set to \x03\x03, and the third-last byte can be guessed using the same formula</a:t>
+            </a:r>
+          </a:p>
+          <a:p>
+            <a:r>
+              <a:rPr lang="en-US" dirty="0" smtClean="0"/>
+              <a:t>…and so on, until the whole block is decrypted</a:t>
+            </a:r>
+            <a:endParaRPr lang="en-US" dirty="0"/>
+          </a:p>
+        </p:txBody>
+      </p:sp>
+    </p:spTree>
+    <p:extLst>
+      <p:ext uri="{BB962C8B-B14F-4D97-AF65-F5344CB8AC3E}">
+        <p14:creationId xmlns:p14="http://schemas.microsoft.com/office/powerpoint/2010/main" val="2605339970"/>
+      </p:ext>
+    </p:extLst>
+  </p:cSld>
+  <p:clrMapOvr>
+    <a:masterClrMapping/>
+  </p:clrMapOvr>
+  <p:timing>
+    <p:tnLst>
+      <p:par>
+        <p:cTn id="1" dur="indefinite" restart="never" nodeType="tmRoot"/>
+      </p:par>
+    </p:tnLst>
+  </p:timing>
+</p:sld>
+</file>
+
+<file path=ppt/slides/slide89.xml><?xml version="1.0" encoding="utf-8"?>
+<p:sld xmlns:a="http://schemas.openxmlformats.org/drawingml/2006/main" xmlns:r="http://schemas.openxmlformats.org/officeDocument/2006/relationships" xmlns:p="http://schemas.openxmlformats.org/presentationml/2006/main">
+  <p:cSld>
+    <p:spTree>
+      <p:nvGrpSpPr>
+        <p:cNvPr id="1" name=""/>
+        <p:cNvGrpSpPr/>
+        <p:nvPr/>
+      </p:nvGrpSpPr>
+      <p:grpSpPr>
+        <a:xfrm>
+          <a:off x="0" y="0"/>
+          <a:ext cx="0" cy="0"/>
+          <a:chOff x="0" y="0"/>
+          <a:chExt cx="0" cy="0"/>
+        </a:xfrm>
+      </p:grpSpPr>
+      <p:sp>
+        <p:nvSpPr>
+          <p:cNvPr id="2" name="Title 1"/>
+          <p:cNvSpPr>
+            <a:spLocks noGrp="1"/>
+          </p:cNvSpPr>
+          <p:nvPr>
+            <p:ph type="title"/>
+          </p:nvPr>
+        </p:nvSpPr>
+        <p:spPr/>
+        <p:txBody>
+          <a:bodyPr/>
+          <a:lstStyle/>
+          <a:p>
+            <a:r>
+              <a:rPr lang="en-US" dirty="0" smtClean="0"/>
+              <a:t>Padding oracles: Prevention</a:t>
+            </a:r>
+            <a:endParaRPr lang="en-US" dirty="0"/>
+          </a:p>
+        </p:txBody>
+      </p:sp>
+      <p:sp>
+        <p:nvSpPr>
+          <p:cNvPr id="3" name="Content Placeholder 2"/>
+          <p:cNvSpPr>
+            <a:spLocks noGrp="1"/>
+          </p:cNvSpPr>
+          <p:nvPr>
+            <p:ph idx="1"/>
+          </p:nvPr>
+        </p:nvSpPr>
+        <p:spPr/>
+        <p:txBody>
+          <a:bodyPr>
+            <a:normAutofit fontScale="92500" lnSpcReduction="10000"/>
+          </a:bodyPr>
+          <a:lstStyle/>
+          <a:p>
+            <a:r>
+              <a:rPr lang="en-US" dirty="0" smtClean="0"/>
+              <a:t>How do you prevent padding oracles?</a:t>
+            </a:r>
+          </a:p>
+          <a:p>
+            <a:pPr lvl="1"/>
+            <a:r>
+              <a:rPr lang="en-US" dirty="0" smtClean="0"/>
+              <a:t>HMAC!</a:t>
+            </a:r>
+          </a:p>
+          <a:p>
+            <a:r>
+              <a:rPr lang="en-US" dirty="0" smtClean="0"/>
+              <a:t>By prepending an HMAC hash to the encrypted data – </a:t>
+            </a:r>
+            <a:r>
+              <a:rPr lang="en-US" i="1" dirty="0" smtClean="0"/>
+              <a:t>and validating it before the decryption is performed</a:t>
+            </a:r>
+            <a:r>
+              <a:rPr lang="en-US" dirty="0" smtClean="0"/>
+              <a:t> – you can check if anybody has tampered with the hash!</a:t>
+            </a:r>
+          </a:p>
+          <a:p>
+            <a:r>
+              <a:rPr lang="en-US" dirty="0" smtClean="0"/>
+              <a:t>You can also prevent this by using a block cipher mode of operation other than cipher-block chaining – </a:t>
+            </a:r>
+            <a:r>
+              <a:rPr lang="en-US" dirty="0" err="1" smtClean="0"/>
+              <a:t>eg</a:t>
+            </a:r>
+            <a:r>
+              <a:rPr lang="en-US" dirty="0" smtClean="0"/>
+              <a:t>, counter mode, output feedback, </a:t>
+            </a:r>
+            <a:r>
+              <a:rPr lang="en-US" smtClean="0"/>
+              <a:t>plaintext feedback, etc.</a:t>
+            </a:r>
+            <a:endParaRPr lang="en-US"/>
+          </a:p>
+        </p:txBody>
+      </p:sp>
+    </p:spTree>
+    <p:extLst>
+      <p:ext uri="{BB962C8B-B14F-4D97-AF65-F5344CB8AC3E}">
+        <p14:creationId xmlns:p14="http://schemas.microsoft.com/office/powerpoint/2010/main" val="1640138364"/>
+      </p:ext>
+    </p:extLst>
+  </p:cSld>
+  <p:clrMapOvr>
+    <a:masterClrMapping/>
+  </p:clrMapOvr>
+  <p:timing>
+    <p:tnLst>
+      <p:par>
+        <p:cTn id="1" dur="indefinite" restart="never" nodeType="tmRoot"/>
+      </p:par>
+    </p:tnLst>
+  </p:timing>
+</p:sld>
+</file>
+
+<file path=ppt/slides/slide9.xml><?xml version="1.0" encoding="utf-8"?>
+<p:sld xmlns:a="http://schemas.openxmlformats.org/drawingml/2006/main" xmlns:r="http://schemas.openxmlformats.org/officeDocument/2006/relationships" xmlns:p="http://schemas.openxmlformats.org/presentationml/2006/main">
+  <p:cSld>
+    <p:spTree>
+      <p:nvGrpSpPr>
+        <p:cNvPr id="1" name=""/>
+        <p:cNvGrpSpPr/>
+        <p:nvPr/>
+      </p:nvGrpSpPr>
+      <p:grpSpPr>
+        <a:xfrm>
+          <a:off x="0" y="0"/>
+          <a:ext cx="0" cy="0"/>
+          <a:chOff x="0" y="0"/>
+          <a:chExt cx="0" cy="0"/>
+        </a:xfrm>
+      </p:grpSpPr>
+      <p:sp>
+        <p:nvSpPr>
+          <p:cNvPr id="2" name="Title 1"/>
+          <p:cNvSpPr>
+            <a:spLocks noGrp="1"/>
+          </p:cNvSpPr>
+          <p:nvPr>
+            <p:ph type="title"/>
+          </p:nvPr>
+        </p:nvSpPr>
+        <p:spPr/>
+        <p:txBody>
+          <a:bodyPr>
+            <a:normAutofit fontScale="90000"/>
+          </a:bodyPr>
+          <a:lstStyle/>
+          <a:p>
+            <a:r>
+              <a:rPr lang="en-US" dirty="0" smtClean="0"/>
+              <a:t>Caesar – World War II: No developments</a:t>
+            </a:r>
+            <a:endParaRPr lang="en-US" dirty="0"/>
+          </a:p>
+        </p:txBody>
+      </p:sp>
+      <p:sp>
+        <p:nvSpPr>
+          <p:cNvPr id="3" name="Content Placeholder 2"/>
+          <p:cNvSpPr>
+            <a:spLocks noGrp="1"/>
+          </p:cNvSpPr>
+          <p:nvPr>
+            <p:ph idx="1"/>
+          </p:nvPr>
+        </p:nvSpPr>
+        <p:spPr>
+          <a:xfrm>
+            <a:off x="533400" y="5674420"/>
+            <a:ext cx="7010400" cy="304800"/>
+          </a:xfrm>
+        </p:spPr>
+        <p:txBody>
+          <a:bodyPr>
+            <a:noAutofit/>
+          </a:bodyPr>
+          <a:lstStyle/>
+          <a:p>
+            <a:r>
+              <a:rPr lang="en-US" sz="2000" dirty="0" smtClean="0"/>
+              <a:t>Not shown: the part where they call me a </a:t>
+            </a:r>
+            <a:r>
+              <a:rPr lang="en-US" sz="2000" dirty="0" smtClean="0"/>
+              <a:t>f**</a:t>
+            </a:r>
+            <a:endParaRPr lang="en-US" sz="2000" dirty="0"/>
+          </a:p>
+        </p:txBody>
+      </p:sp>
+      <p:pic>
+        <p:nvPicPr>
+          <p:cNvPr id="6" name="Picture 5"/>
+          <p:cNvPicPr>
+            <a:picLocks noChangeAspect="1"/>
+          </p:cNvPicPr>
+          <p:nvPr/>
+        </p:nvPicPr>
+        <p:blipFill>
+          <a:blip r:embed="rId3">
+            <a:extLst>
+              <a:ext uri="{28A0092B-C50C-407E-A947-70E740481C1C}">
+                <a14:useLocalDpi xmlns:a14="http://schemas.microsoft.com/office/drawing/2010/main" val="0"/>
+              </a:ext>
+            </a:extLst>
+          </a:blip>
+          <a:stretch>
+            <a:fillRect/>
+          </a:stretch>
+        </p:blipFill>
+        <p:spPr>
+          <a:xfrm>
+            <a:off x="0" y="1436649"/>
+            <a:ext cx="9144000" cy="4237771"/>
+          </a:xfrm>
+          <a:prstGeom prst="rect">
+            <a:avLst/>
+          </a:prstGeom>
+        </p:spPr>
+      </p:pic>
+    </p:spTree>
+    <p:extLst>
+      <p:ext uri="{BB962C8B-B14F-4D97-AF65-F5344CB8AC3E}">
+        <p14:creationId xmlns:p14="http://schemas.microsoft.com/office/powerpoint/2010/main" val="1019176136"/>
+      </p:ext>
+    </p:extLst>
+  </p:cSld>
+  <p:clrMapOvr>
+    <a:masterClrMapping/>
+  </p:clrMapOvr>
+  <p:timing>
+    <p:tnLst>
+      <p:par>
+        <p:cTn id="1" dur="indefinite" restart="never" nodeType="tmRoot"/>
+      </p:par>
+    </p:tnLst>
+  </p:timing>
+</p:sld>
+</file>
+
+<file path=ppt/slides/slide90.xml><?xml version="1.0" encoding="utf-8"?>
 <p:sld xmlns:a="http://schemas.openxmlformats.org/drawingml/2006/main" xmlns:r="http://schemas.openxmlformats.org/officeDocument/2006/relationships" xmlns:p="http://schemas.openxmlformats.org/presentationml/2006/main">
   <p:cSld>
     <p:spTree>
@@ -43680,7 +51660,7 @@
 </p:sld>
 </file>
 
-<file path=ppt/slides/slide77.xml><?xml version="1.0" encoding="utf-8"?>
+<file path=ppt/slides/slide91.xml><?xml version="1.0" encoding="utf-8"?>
 <p:sld xmlns:a="http://schemas.openxmlformats.org/drawingml/2006/main" xmlns:r="http://schemas.openxmlformats.org/officeDocument/2006/relationships" xmlns:p="http://schemas.openxmlformats.org/presentationml/2006/main">
   <p:cSld>
     <p:spTree>
@@ -43759,7 +51739,7 @@
 </p:sld>
 </file>
 
-<file path=ppt/slides/slide78.xml><?xml version="1.0" encoding="utf-8"?>
+<file path=ppt/slides/slide92.xml><?xml version="1.0" encoding="utf-8"?>
 <p:sld xmlns:a="http://schemas.openxmlformats.org/drawingml/2006/main" xmlns:r="http://schemas.openxmlformats.org/officeDocument/2006/relationships" xmlns:p="http://schemas.openxmlformats.org/presentationml/2006/main">
   <p:cSld>
     <p:spTree>
@@ -43950,500 +51930,6 @@
     <p:extLst>
       <p:ext uri="{BB962C8B-B14F-4D97-AF65-F5344CB8AC3E}">
         <p14:creationId xmlns:p14="http://schemas.microsoft.com/office/powerpoint/2010/main" val="4232121080"/>
-      </p:ext>
-    </p:extLst>
-  </p:cSld>
-  <p:clrMapOvr>
-    <a:masterClrMapping/>
-  </p:clrMapOvr>
-  <p:timing>
-    <p:tnLst>
-      <p:par>
-        <p:cTn id="1" dur="indefinite" restart="never" nodeType="tmRoot"/>
-      </p:par>
-    </p:tnLst>
-  </p:timing>
-</p:sld>
-</file>
-
-<file path=ppt/slides/slide8.xml><?xml version="1.0" encoding="utf-8"?>
-<p:sld xmlns:a="http://schemas.openxmlformats.org/drawingml/2006/main" xmlns:r="http://schemas.openxmlformats.org/officeDocument/2006/relationships" xmlns:p="http://schemas.openxmlformats.org/presentationml/2006/main">
-  <p:cSld>
-    <p:spTree>
-      <p:nvGrpSpPr>
-        <p:cNvPr id="1" name=""/>
-        <p:cNvGrpSpPr/>
-        <p:nvPr/>
-      </p:nvGrpSpPr>
-      <p:grpSpPr>
-        <a:xfrm>
-          <a:off x="0" y="0"/>
-          <a:ext cx="0" cy="0"/>
-          <a:chOff x="0" y="0"/>
-          <a:chExt cx="0" cy="0"/>
-        </a:xfrm>
-      </p:grpSpPr>
-      <p:sp>
-        <p:nvSpPr>
-          <p:cNvPr id="4" name="Title 3"/>
-          <p:cNvSpPr>
-            <a:spLocks noGrp="1"/>
-          </p:cNvSpPr>
-          <p:nvPr>
-            <p:ph type="title"/>
-          </p:nvPr>
-        </p:nvSpPr>
-        <p:spPr/>
-        <p:txBody>
-          <a:bodyPr/>
-          <a:lstStyle/>
-          <a:p>
-            <a:r>
-              <a:rPr lang="en-US" dirty="0" smtClean="0"/>
-              <a:t>c. 75 BC: Caesar cipher</a:t>
-            </a:r>
-            <a:endParaRPr lang="en-US" dirty="0"/>
-          </a:p>
-        </p:txBody>
-      </p:sp>
-      <p:pic>
-        <p:nvPicPr>
-          <p:cNvPr id="1026" name="Picture 2" descr="http://www.jungle-systems.co.uk/wp-content/uploads/2011/09/Caesar_Home.gif"/>
-          <p:cNvPicPr>
-            <a:picLocks noChangeAspect="1" noChangeArrowheads="1"/>
-          </p:cNvPicPr>
-          <p:nvPr/>
-        </p:nvPicPr>
-        <p:blipFill>
-          <a:blip r:embed="rId2">
-            <a:extLst>
-              <a:ext uri="{28A0092B-C50C-407E-A947-70E740481C1C}">
-                <a14:useLocalDpi xmlns:a14="http://schemas.microsoft.com/office/drawing/2010/main" val="0"/>
-              </a:ext>
-            </a:extLst>
-          </a:blip>
-          <a:srcRect/>
-          <a:stretch>
-            <a:fillRect/>
-          </a:stretch>
-        </p:blipFill>
-        <p:spPr bwMode="auto">
-          <a:xfrm>
-            <a:off x="0" y="4347116"/>
-            <a:ext cx="2857500" cy="2466975"/>
-          </a:xfrm>
-          <a:prstGeom prst="rect">
-            <a:avLst/>
-          </a:prstGeom>
-          <a:noFill/>
-          <a:extLst>
-            <a:ext uri="{909E8E84-426E-40DD-AFC4-6F175D3DCCD1}">
-              <a14:hiddenFill xmlns:a14="http://schemas.microsoft.com/office/drawing/2010/main">
-                <a:solidFill>
-                  <a:srgbClr val="FFFFFF"/>
-                </a:solidFill>
-              </a14:hiddenFill>
-            </a:ext>
-          </a:extLst>
-        </p:spPr>
-      </p:pic>
-      <p:pic>
-        <p:nvPicPr>
-          <p:cNvPr id="1028" name="Picture 4" descr="http://www.romanemperors.com/images/claudius/emperor-claudius.jpg"/>
-          <p:cNvPicPr>
-            <a:picLocks noChangeAspect="1" noChangeArrowheads="1"/>
-          </p:cNvPicPr>
-          <p:nvPr/>
-        </p:nvPicPr>
-        <p:blipFill>
-          <a:blip r:embed="rId3">
-            <a:extLst>
-              <a:ext uri="{28A0092B-C50C-407E-A947-70E740481C1C}">
-                <a14:useLocalDpi xmlns:a14="http://schemas.microsoft.com/office/drawing/2010/main" val="0"/>
-              </a:ext>
-            </a:extLst>
-          </a:blip>
-          <a:srcRect/>
-          <a:stretch>
-            <a:fillRect/>
-          </a:stretch>
-        </p:blipFill>
-        <p:spPr bwMode="auto">
-          <a:xfrm>
-            <a:off x="7195433" y="3924300"/>
-            <a:ext cx="1948567" cy="2933700"/>
-          </a:xfrm>
-          <a:prstGeom prst="rect">
-            <a:avLst/>
-          </a:prstGeom>
-          <a:noFill/>
-          <a:extLst>
-            <a:ext uri="{909E8E84-426E-40DD-AFC4-6F175D3DCCD1}">
-              <a14:hiddenFill xmlns:a14="http://schemas.microsoft.com/office/drawing/2010/main">
-                <a:solidFill>
-                  <a:srgbClr val="FFFFFF"/>
-                </a:solidFill>
-              </a14:hiddenFill>
-            </a:ext>
-          </a:extLst>
-        </p:spPr>
-      </p:pic>
-      <p:sp>
-        <p:nvSpPr>
-          <p:cNvPr id="8" name="TextBox 7"/>
-          <p:cNvSpPr txBox="1"/>
-          <p:nvPr/>
-        </p:nvSpPr>
-        <p:spPr>
-          <a:xfrm>
-            <a:off x="3309233" y="4507468"/>
-            <a:ext cx="3886200" cy="369332"/>
-          </a:xfrm>
-          <a:prstGeom prst="rect">
-            <a:avLst/>
-          </a:prstGeom>
-          <a:noFill/>
-        </p:spPr>
-        <p:txBody>
-          <a:bodyPr wrap="square" rtlCol="0">
-            <a:spAutoFit/>
-          </a:bodyPr>
-          <a:lstStyle/>
-          <a:p>
-            <a:r>
-              <a:rPr lang="en-US" dirty="0" smtClean="0"/>
-              <a:t>J </a:t>
-            </a:r>
-            <a:r>
-              <a:rPr lang="en-US" dirty="0" err="1" smtClean="0"/>
-              <a:t>uijol</a:t>
-            </a:r>
-            <a:r>
-              <a:rPr lang="en-US" dirty="0" smtClean="0"/>
-              <a:t> </a:t>
-            </a:r>
-            <a:r>
-              <a:rPr lang="en-US" dirty="0" err="1" smtClean="0"/>
-              <a:t>nz</a:t>
-            </a:r>
-            <a:r>
-              <a:rPr lang="en-US" dirty="0" smtClean="0"/>
-              <a:t> </a:t>
-            </a:r>
-            <a:r>
-              <a:rPr lang="en-US" dirty="0" err="1" smtClean="0"/>
-              <a:t>gsjfoet</a:t>
-            </a:r>
-            <a:r>
-              <a:rPr lang="en-US" dirty="0" smtClean="0"/>
-              <a:t> </a:t>
-            </a:r>
-            <a:r>
-              <a:rPr lang="en-US" dirty="0" err="1" smtClean="0"/>
-              <a:t>bsf</a:t>
-            </a:r>
-            <a:r>
-              <a:rPr lang="en-US" dirty="0" smtClean="0"/>
-              <a:t> </a:t>
-            </a:r>
-            <a:r>
-              <a:rPr lang="en-US" dirty="0" err="1" smtClean="0"/>
-              <a:t>uszjoh</a:t>
-            </a:r>
-            <a:r>
-              <a:rPr lang="en-US" dirty="0" smtClean="0"/>
-              <a:t> up </a:t>
-            </a:r>
-            <a:r>
-              <a:rPr lang="en-US" dirty="0" err="1" smtClean="0"/>
-              <a:t>ljmm</a:t>
-            </a:r>
-            <a:r>
-              <a:rPr lang="en-US" dirty="0" smtClean="0"/>
-              <a:t> </a:t>
-            </a:r>
-            <a:r>
-              <a:rPr lang="en-US" dirty="0" err="1" smtClean="0"/>
-              <a:t>nf</a:t>
-            </a:r>
-            <a:r>
-              <a:rPr lang="en-US" dirty="0" smtClean="0"/>
-              <a:t>!</a:t>
-            </a:r>
-            <a:endParaRPr lang="en-US" dirty="0"/>
-          </a:p>
-        </p:txBody>
-      </p:sp>
-      <p:sp>
-        <p:nvSpPr>
-          <p:cNvPr id="9" name="TextBox 8"/>
-          <p:cNvSpPr txBox="1"/>
-          <p:nvPr/>
-        </p:nvSpPr>
-        <p:spPr>
-          <a:xfrm>
-            <a:off x="4531166" y="5391150"/>
-            <a:ext cx="990600" cy="369332"/>
-          </a:xfrm>
-          <a:prstGeom prst="rect">
-            <a:avLst/>
-          </a:prstGeom>
-          <a:noFill/>
-        </p:spPr>
-        <p:txBody>
-          <a:bodyPr wrap="square" rtlCol="0">
-            <a:spAutoFit/>
-          </a:bodyPr>
-          <a:lstStyle/>
-          <a:p>
-            <a:r>
-              <a:rPr lang="en-US" dirty="0" err="1" smtClean="0"/>
-              <a:t>mpm</a:t>
-            </a:r>
-            <a:endParaRPr lang="en-US" dirty="0"/>
-          </a:p>
-        </p:txBody>
-      </p:sp>
-      <p:cxnSp>
-        <p:nvCxnSpPr>
-          <p:cNvPr id="13" name="Straight Arrow Connector 12"/>
-          <p:cNvCxnSpPr/>
-          <p:nvPr/>
-        </p:nvCxnSpPr>
-        <p:spPr>
-          <a:xfrm flipH="1">
-            <a:off x="2857500" y="4876800"/>
-            <a:ext cx="4337933" cy="0"/>
-          </a:xfrm>
-          <a:prstGeom prst="straightConnector1">
-            <a:avLst/>
-          </a:prstGeom>
-          <a:ln w="50800">
-            <a:tailEnd type="arrow"/>
-          </a:ln>
-        </p:spPr>
-        <p:style>
-          <a:lnRef idx="1">
-            <a:schemeClr val="dk1"/>
-          </a:lnRef>
-          <a:fillRef idx="0">
-            <a:schemeClr val="dk1"/>
-          </a:fillRef>
-          <a:effectRef idx="0">
-            <a:schemeClr val="dk1"/>
-          </a:effectRef>
-          <a:fontRef idx="minor">
-            <a:schemeClr val="tx1"/>
-          </a:fontRef>
-        </p:style>
-      </p:cxnSp>
-      <p:cxnSp>
-        <p:nvCxnSpPr>
-          <p:cNvPr id="16" name="Straight Arrow Connector 15"/>
-          <p:cNvCxnSpPr/>
-          <p:nvPr/>
-        </p:nvCxnSpPr>
-        <p:spPr>
-          <a:xfrm>
-            <a:off x="2857500" y="5791200"/>
-            <a:ext cx="4337933" cy="0"/>
-          </a:xfrm>
-          <a:prstGeom prst="straightConnector1">
-            <a:avLst/>
-          </a:prstGeom>
-          <a:ln w="50800">
-            <a:tailEnd type="arrow"/>
-          </a:ln>
-        </p:spPr>
-        <p:style>
-          <a:lnRef idx="1">
-            <a:schemeClr val="dk1"/>
-          </a:lnRef>
-          <a:fillRef idx="0">
-            <a:schemeClr val="dk1"/>
-          </a:fillRef>
-          <a:effectRef idx="0">
-            <a:schemeClr val="dk1"/>
-          </a:effectRef>
-          <a:fontRef idx="minor">
-            <a:schemeClr val="tx1"/>
-          </a:fontRef>
-        </p:style>
-      </p:cxnSp>
-      <p:sp>
-        <p:nvSpPr>
-          <p:cNvPr id="19" name="Content Placeholder 2"/>
-          <p:cNvSpPr>
-            <a:spLocks noGrp="1"/>
-          </p:cNvSpPr>
-          <p:nvPr>
-            <p:ph idx="1"/>
-          </p:nvPr>
-        </p:nvSpPr>
-        <p:spPr>
-          <a:xfrm>
-            <a:off x="457200" y="1600200"/>
-            <a:ext cx="8229600" cy="4525963"/>
-          </a:xfrm>
-        </p:spPr>
-        <p:txBody>
-          <a:bodyPr/>
-          <a:lstStyle/>
-          <a:p>
-            <a:r>
-              <a:rPr lang="en-US" dirty="0" smtClean="0"/>
-              <a:t>Shift cipher</a:t>
-            </a:r>
-          </a:p>
-          <a:p>
-            <a:r>
-              <a:rPr lang="en-US" dirty="0" smtClean="0"/>
-              <a:t>25 possible encodings (26, if you count ‘0’)</a:t>
-            </a:r>
-          </a:p>
-          <a:p>
-            <a:r>
-              <a:rPr lang="en-US" dirty="0" smtClean="0"/>
-              <a:t>Trivially </a:t>
-            </a:r>
-            <a:r>
-              <a:rPr lang="en-US" dirty="0" err="1" smtClean="0"/>
-              <a:t>bruteforced</a:t>
-            </a:r>
-            <a:r>
-              <a:rPr lang="en-US" dirty="0" smtClean="0"/>
-              <a:t> </a:t>
-            </a:r>
-            <a:endParaRPr lang="en-US" dirty="0"/>
-          </a:p>
-        </p:txBody>
-      </p:sp>
-    </p:spTree>
-    <p:extLst>
-      <p:ext uri="{BB962C8B-B14F-4D97-AF65-F5344CB8AC3E}">
-        <p14:creationId xmlns:p14="http://schemas.microsoft.com/office/powerpoint/2010/main" val="2144403581"/>
-      </p:ext>
-    </p:extLst>
-  </p:cSld>
-  <p:clrMapOvr>
-    <a:masterClrMapping/>
-  </p:clrMapOvr>
-  <p:timing>
-    <p:tnLst>
-      <p:par>
-        <p:cTn id="1" dur="indefinite" restart="never" nodeType="tmRoot"/>
-      </p:par>
-    </p:tnLst>
-  </p:timing>
-</p:sld>
-</file>
-
-<file path=ppt/slides/slide9.xml><?xml version="1.0" encoding="utf-8"?>
-<p:sld xmlns:a="http://schemas.openxmlformats.org/drawingml/2006/main" xmlns:r="http://schemas.openxmlformats.org/officeDocument/2006/relationships" xmlns:p="http://schemas.openxmlformats.org/presentationml/2006/main">
-  <p:cSld>
-    <p:spTree>
-      <p:nvGrpSpPr>
-        <p:cNvPr id="1" name=""/>
-        <p:cNvGrpSpPr/>
-        <p:nvPr/>
-      </p:nvGrpSpPr>
-      <p:grpSpPr>
-        <a:xfrm>
-          <a:off x="0" y="0"/>
-          <a:ext cx="0" cy="0"/>
-          <a:chOff x="0" y="0"/>
-          <a:chExt cx="0" cy="0"/>
-        </a:xfrm>
-      </p:grpSpPr>
-      <p:sp>
-        <p:nvSpPr>
-          <p:cNvPr id="2" name="Title 1"/>
-          <p:cNvSpPr>
-            <a:spLocks noGrp="1"/>
-          </p:cNvSpPr>
-          <p:nvPr>
-            <p:ph type="title"/>
-          </p:nvPr>
-        </p:nvSpPr>
-        <p:spPr/>
-        <p:txBody>
-          <a:bodyPr>
-            <a:normAutofit fontScale="90000"/>
-          </a:bodyPr>
-          <a:lstStyle/>
-          <a:p>
-            <a:r>
-              <a:rPr lang="en-US" dirty="0" smtClean="0"/>
-              <a:t>Caesar – World War II: No developments</a:t>
-            </a:r>
-            <a:endParaRPr lang="en-US" dirty="0"/>
-          </a:p>
-        </p:txBody>
-      </p:sp>
-      <p:sp>
-        <p:nvSpPr>
-          <p:cNvPr id="3" name="Content Placeholder 2"/>
-          <p:cNvSpPr>
-            <a:spLocks noGrp="1"/>
-          </p:cNvSpPr>
-          <p:nvPr>
-            <p:ph idx="1"/>
-          </p:nvPr>
-        </p:nvSpPr>
-        <p:spPr>
-          <a:xfrm>
-            <a:off x="533400" y="5674420"/>
-            <a:ext cx="4267200" cy="304800"/>
-          </a:xfrm>
-        </p:spPr>
-        <p:txBody>
-          <a:bodyPr>
-            <a:normAutofit/>
-          </a:bodyPr>
-          <a:lstStyle/>
-          <a:p>
-            <a:r>
-              <a:rPr lang="en-US" sz="1400" dirty="0" smtClean="0"/>
-              <a:t>Not shown: the part where they call me a fag</a:t>
-            </a:r>
-            <a:endParaRPr lang="en-US" sz="1400" dirty="0"/>
-          </a:p>
-        </p:txBody>
-      </p:sp>
-      <p:pic>
-        <p:nvPicPr>
-          <p:cNvPr id="6" name="Picture 5"/>
-          <p:cNvPicPr>
-            <a:picLocks noChangeAspect="1"/>
-          </p:cNvPicPr>
-          <p:nvPr/>
-        </p:nvPicPr>
-        <p:blipFill>
-          <a:blip r:embed="rId3">
-            <a:extLst>
-              <a:ext uri="{28A0092B-C50C-407E-A947-70E740481C1C}">
-                <a14:useLocalDpi xmlns:a14="http://schemas.microsoft.com/office/drawing/2010/main" val="0"/>
-              </a:ext>
-            </a:extLst>
-          </a:blip>
-          <a:stretch>
-            <a:fillRect/>
-          </a:stretch>
-        </p:blipFill>
-        <p:spPr>
-          <a:xfrm>
-            <a:off x="0" y="1436649"/>
-            <a:ext cx="9144000" cy="4237771"/>
-          </a:xfrm>
-          <a:prstGeom prst="rect">
-            <a:avLst/>
-          </a:prstGeom>
-        </p:spPr>
-      </p:pic>
-    </p:spTree>
-    <p:extLst>
-      <p:ext uri="{BB962C8B-B14F-4D97-AF65-F5344CB8AC3E}">
-        <p14:creationId xmlns:p14="http://schemas.microsoft.com/office/powerpoint/2010/main" val="1019176136"/>
       </p:ext>
     </p:extLst>
   </p:cSld>

--- a/Shmoocon.pptx
+++ b/Shmoocon.pptx
@@ -5,7 +5,7 @@
     <p:sldMasterId id="2147483708" r:id="rId1"/>
   </p:sldMasterIdLst>
   <p:notesMasterIdLst>
-    <p:notesMasterId r:id="rId94"/>
+    <p:notesMasterId r:id="rId103"/>
   </p:notesMasterIdLst>
   <p:sldIdLst>
     <p:sldId id="256" r:id="rId2"/>
@@ -32,9 +32,9 @@
     <p:sldId id="307" r:id="rId23"/>
     <p:sldId id="308" r:id="rId24"/>
     <p:sldId id="275" r:id="rId25"/>
-    <p:sldId id="276" r:id="rId26"/>
-    <p:sldId id="277" r:id="rId27"/>
-    <p:sldId id="287" r:id="rId28"/>
+    <p:sldId id="277" r:id="rId26"/>
+    <p:sldId id="287" r:id="rId27"/>
+    <p:sldId id="357" r:id="rId28"/>
     <p:sldId id="288" r:id="rId29"/>
     <p:sldId id="289" r:id="rId30"/>
     <p:sldId id="290" r:id="rId31"/>
@@ -53,8 +53,8 @@
     <p:sldId id="303" r:id="rId44"/>
     <p:sldId id="304" r:id="rId45"/>
     <p:sldId id="314" r:id="rId46"/>
-    <p:sldId id="305" r:id="rId47"/>
-    <p:sldId id="309" r:id="rId48"/>
+    <p:sldId id="358" r:id="rId47"/>
+    <p:sldId id="305" r:id="rId48"/>
     <p:sldId id="311" r:id="rId49"/>
     <p:sldId id="317" r:id="rId50"/>
     <p:sldId id="318" r:id="rId51"/>
@@ -96,10 +96,19 @@
     <p:sldId id="354" r:id="rId87"/>
     <p:sldId id="355" r:id="rId88"/>
     <p:sldId id="351" r:id="rId89"/>
-    <p:sldId id="356" r:id="rId90"/>
-    <p:sldId id="313" r:id="rId91"/>
-    <p:sldId id="315" r:id="rId92"/>
-    <p:sldId id="316" r:id="rId93"/>
+    <p:sldId id="359" r:id="rId90"/>
+    <p:sldId id="360" r:id="rId91"/>
+    <p:sldId id="356" r:id="rId92"/>
+    <p:sldId id="367" r:id="rId93"/>
+    <p:sldId id="313" r:id="rId94"/>
+    <p:sldId id="361" r:id="rId95"/>
+    <p:sldId id="365" r:id="rId96"/>
+    <p:sldId id="362" r:id="rId97"/>
+    <p:sldId id="364" r:id="rId98"/>
+    <p:sldId id="363" r:id="rId99"/>
+    <p:sldId id="366" r:id="rId100"/>
+    <p:sldId id="315" r:id="rId101"/>
+    <p:sldId id="316" r:id="rId102"/>
   </p:sldIdLst>
   <p:sldSz cx="9144000" cy="6858000" type="screen4x3"/>
   <p:notesSz cx="6858000" cy="9144000"/>
@@ -283,7 +292,7 @@
           <a:p>
             <a:fld id="{B518C13D-2B3F-42C3-B83D-5B01E1232990}" type="datetimeFigureOut">
               <a:rPr lang="en-US" smtClean="0"/>
-              <a:t>2/6/2013</a:t>
+              <a:t>2/9/2013</a:t>
             </a:fld>
             <a:endParaRPr lang="en-US"/>
           </a:p>
@@ -968,7 +977,7 @@
           <a:p>
             <a:fld id="{C7363F1F-ADBF-4FAE-A422-131859708330}" type="datetimeFigureOut">
               <a:rPr lang="en-US" smtClean="0"/>
-              <a:t>2/6/2013</a:t>
+              <a:t>2/9/2013</a:t>
             </a:fld>
             <a:endParaRPr lang="en-US"/>
           </a:p>
@@ -1138,7 +1147,7 @@
           <a:p>
             <a:fld id="{C7363F1F-ADBF-4FAE-A422-131859708330}" type="datetimeFigureOut">
               <a:rPr lang="en-US" smtClean="0"/>
-              <a:t>2/6/2013</a:t>
+              <a:t>2/9/2013</a:t>
             </a:fld>
             <a:endParaRPr lang="en-US"/>
           </a:p>
@@ -1318,7 +1327,7 @@
           <a:p>
             <a:fld id="{C7363F1F-ADBF-4FAE-A422-131859708330}" type="datetimeFigureOut">
               <a:rPr lang="en-US" smtClean="0"/>
-              <a:t>2/6/2013</a:t>
+              <a:t>2/9/2013</a:t>
             </a:fld>
             <a:endParaRPr lang="en-US"/>
           </a:p>
@@ -1488,7 +1497,7 @@
           <a:p>
             <a:fld id="{C7363F1F-ADBF-4FAE-A422-131859708330}" type="datetimeFigureOut">
               <a:rPr lang="en-US" smtClean="0"/>
-              <a:t>2/6/2013</a:t>
+              <a:t>2/9/2013</a:t>
             </a:fld>
             <a:endParaRPr lang="en-US"/>
           </a:p>
@@ -1734,7 +1743,7 @@
           <a:p>
             <a:fld id="{C7363F1F-ADBF-4FAE-A422-131859708330}" type="datetimeFigureOut">
               <a:rPr lang="en-US" smtClean="0"/>
-              <a:t>2/6/2013</a:t>
+              <a:t>2/9/2013</a:t>
             </a:fld>
             <a:endParaRPr lang="en-US"/>
           </a:p>
@@ -2022,7 +2031,7 @@
           <a:p>
             <a:fld id="{C7363F1F-ADBF-4FAE-A422-131859708330}" type="datetimeFigureOut">
               <a:rPr lang="en-US" smtClean="0"/>
-              <a:t>2/6/2013</a:t>
+              <a:t>2/9/2013</a:t>
             </a:fld>
             <a:endParaRPr lang="en-US"/>
           </a:p>
@@ -2444,7 +2453,7 @@
           <a:p>
             <a:fld id="{C7363F1F-ADBF-4FAE-A422-131859708330}" type="datetimeFigureOut">
               <a:rPr lang="en-US" smtClean="0"/>
-              <a:t>2/6/2013</a:t>
+              <a:t>2/9/2013</a:t>
             </a:fld>
             <a:endParaRPr lang="en-US"/>
           </a:p>
@@ -2562,7 +2571,7 @@
           <a:p>
             <a:fld id="{C7363F1F-ADBF-4FAE-A422-131859708330}" type="datetimeFigureOut">
               <a:rPr lang="en-US" smtClean="0"/>
-              <a:t>2/6/2013</a:t>
+              <a:t>2/9/2013</a:t>
             </a:fld>
             <a:endParaRPr lang="en-US"/>
           </a:p>
@@ -2657,7 +2666,7 @@
           <a:p>
             <a:fld id="{C7363F1F-ADBF-4FAE-A422-131859708330}" type="datetimeFigureOut">
               <a:rPr lang="en-US" smtClean="0"/>
-              <a:t>2/6/2013</a:t>
+              <a:t>2/9/2013</a:t>
             </a:fld>
             <a:endParaRPr lang="en-US"/>
           </a:p>
@@ -2934,7 +2943,7 @@
           <a:p>
             <a:fld id="{C7363F1F-ADBF-4FAE-A422-131859708330}" type="datetimeFigureOut">
               <a:rPr lang="en-US" smtClean="0"/>
-              <a:t>2/6/2013</a:t>
+              <a:t>2/9/2013</a:t>
             </a:fld>
             <a:endParaRPr lang="en-US"/>
           </a:p>
@@ -3187,7 +3196,7 @@
           <a:p>
             <a:fld id="{C7363F1F-ADBF-4FAE-A422-131859708330}" type="datetimeFigureOut">
               <a:rPr lang="en-US" smtClean="0"/>
-              <a:t>2/6/2013</a:t>
+              <a:t>2/9/2013</a:t>
             </a:fld>
             <a:endParaRPr lang="en-US"/>
           </a:p>
@@ -3400,7 +3409,7 @@
           <a:p>
             <a:fld id="{C7363F1F-ADBF-4FAE-A422-131859708330}" type="datetimeFigureOut">
               <a:rPr lang="en-US" smtClean="0"/>
-              <a:t>2/6/2013</a:t>
+              <a:t>2/9/2013</a:t>
             </a:fld>
             <a:endParaRPr lang="en-US"/>
           </a:p>
@@ -4042,6 +4051,588 @@
 </p:sld>
 </file>
 
+<file path=ppt/slides/slide100.xml><?xml version="1.0" encoding="utf-8"?>
+<p:sld xmlns:a="http://schemas.openxmlformats.org/drawingml/2006/main" xmlns:r="http://schemas.openxmlformats.org/officeDocument/2006/relationships" xmlns:p="http://schemas.openxmlformats.org/presentationml/2006/main">
+  <p:cSld>
+    <p:spTree>
+      <p:nvGrpSpPr>
+        <p:cNvPr id="1" name=""/>
+        <p:cNvGrpSpPr/>
+        <p:nvPr/>
+      </p:nvGrpSpPr>
+      <p:grpSpPr>
+        <a:xfrm>
+          <a:off x="0" y="0"/>
+          <a:ext cx="0" cy="0"/>
+          <a:chOff x="0" y="0"/>
+          <a:chExt cx="0" cy="0"/>
+        </a:xfrm>
+      </p:grpSpPr>
+      <p:sp>
+        <p:nvSpPr>
+          <p:cNvPr id="2" name="Title 1"/>
+          <p:cNvSpPr>
+            <a:spLocks noGrp="1"/>
+          </p:cNvSpPr>
+          <p:nvPr>
+            <p:ph type="title"/>
+          </p:nvPr>
+        </p:nvSpPr>
+        <p:spPr/>
+        <p:txBody>
+          <a:bodyPr/>
+          <a:lstStyle/>
+          <a:p>
+            <a:r>
+              <a:rPr lang="en-US" dirty="0" smtClean="0"/>
+              <a:t>That’s all!</a:t>
+            </a:r>
+            <a:endParaRPr lang="en-US" dirty="0"/>
+          </a:p>
+        </p:txBody>
+      </p:sp>
+      <p:pic>
+        <p:nvPicPr>
+          <p:cNvPr id="9218" name="Picture 2" descr="http://fun-gallery.com/wp-content/uploads/2011/09/Fast-And-Funny-640x469.jpg"/>
+          <p:cNvPicPr>
+            <a:picLocks noChangeAspect="1" noChangeArrowheads="1"/>
+          </p:cNvPicPr>
+          <p:nvPr/>
+        </p:nvPicPr>
+        <p:blipFill>
+          <a:blip r:embed="rId2">
+            <a:extLst>
+              <a:ext uri="{28A0092B-C50C-407E-A947-70E740481C1C}">
+                <a14:useLocalDpi xmlns:a14="http://schemas.microsoft.com/office/drawing/2010/main" val="0"/>
+              </a:ext>
+            </a:extLst>
+          </a:blip>
+          <a:srcRect/>
+          <a:stretch>
+            <a:fillRect/>
+          </a:stretch>
+        </p:blipFill>
+        <p:spPr bwMode="auto">
+          <a:xfrm>
+            <a:off x="1912434" y="152400"/>
+            <a:ext cx="5631366" cy="4126736"/>
+          </a:xfrm>
+          <a:prstGeom prst="rect">
+            <a:avLst/>
+          </a:prstGeom>
+          <a:noFill/>
+          <a:extLst>
+            <a:ext uri="{909E8E84-426E-40DD-AFC4-6F175D3DCCD1}">
+              <a14:hiddenFill xmlns:a14="http://schemas.microsoft.com/office/drawing/2010/main">
+                <a:solidFill>
+                  <a:srgbClr val="FFFFFF"/>
+                </a:solidFill>
+              </a14:hiddenFill>
+            </a:ext>
+          </a:extLst>
+        </p:spPr>
+      </p:pic>
+      <p:sp>
+        <p:nvSpPr>
+          <p:cNvPr id="4" name="Rectangle 3"/>
+          <p:cNvSpPr/>
+          <p:nvPr/>
+        </p:nvSpPr>
+        <p:spPr>
+          <a:xfrm>
+            <a:off x="3124200" y="152400"/>
+            <a:ext cx="1752600" cy="1219200"/>
+          </a:xfrm>
+          <a:prstGeom prst="rect">
+            <a:avLst/>
+          </a:prstGeom>
+          <a:noFill/>
+          <a:ln>
+            <a:solidFill>
+              <a:srgbClr val="FF0000"/>
+            </a:solidFill>
+          </a:ln>
+        </p:spPr>
+        <p:style>
+          <a:lnRef idx="2">
+            <a:schemeClr val="accent1">
+              <a:shade val="50000"/>
+            </a:schemeClr>
+          </a:lnRef>
+          <a:fillRef idx="1">
+            <a:schemeClr val="accent1"/>
+          </a:fillRef>
+          <a:effectRef idx="0">
+            <a:schemeClr val="accent1"/>
+          </a:effectRef>
+          <a:fontRef idx="minor">
+            <a:schemeClr val="lt1"/>
+          </a:fontRef>
+        </p:style>
+        <p:txBody>
+          <a:bodyPr rtlCol="0" anchor="ctr"/>
+          <a:lstStyle/>
+          <a:p>
+            <a:pPr algn="ctr"/>
+            <a:endParaRPr lang="en-US"/>
+          </a:p>
+        </p:txBody>
+      </p:sp>
+      <p:cxnSp>
+        <p:nvCxnSpPr>
+          <p:cNvPr id="6" name="Straight Connector 5"/>
+          <p:cNvCxnSpPr/>
+          <p:nvPr/>
+        </p:nvCxnSpPr>
+        <p:spPr>
+          <a:xfrm>
+            <a:off x="4876800" y="152400"/>
+            <a:ext cx="4285785" cy="2895600"/>
+          </a:xfrm>
+          <a:prstGeom prst="line">
+            <a:avLst/>
+          </a:prstGeom>
+          <a:ln w="28575">
+            <a:solidFill>
+              <a:srgbClr val="FF0000"/>
+            </a:solidFill>
+          </a:ln>
+        </p:spPr>
+        <p:style>
+          <a:lnRef idx="1">
+            <a:schemeClr val="accent1"/>
+          </a:lnRef>
+          <a:fillRef idx="0">
+            <a:schemeClr val="accent1"/>
+          </a:fillRef>
+          <a:effectRef idx="0">
+            <a:schemeClr val="accent1"/>
+          </a:effectRef>
+          <a:fontRef idx="minor">
+            <a:schemeClr val="tx1"/>
+          </a:fontRef>
+        </p:style>
+      </p:cxnSp>
+      <p:cxnSp>
+        <p:nvCxnSpPr>
+          <p:cNvPr id="10" name="Straight Connector 9"/>
+          <p:cNvCxnSpPr/>
+          <p:nvPr/>
+        </p:nvCxnSpPr>
+        <p:spPr>
+          <a:xfrm>
+            <a:off x="3124200" y="1371600"/>
+            <a:ext cx="1466385" cy="4724400"/>
+          </a:xfrm>
+          <a:prstGeom prst="line">
+            <a:avLst/>
+          </a:prstGeom>
+          <a:ln w="28575">
+            <a:solidFill>
+              <a:srgbClr val="FF0000"/>
+            </a:solidFill>
+          </a:ln>
+        </p:spPr>
+        <p:style>
+          <a:lnRef idx="1">
+            <a:schemeClr val="accent1"/>
+          </a:lnRef>
+          <a:fillRef idx="0">
+            <a:schemeClr val="accent1"/>
+          </a:fillRef>
+          <a:effectRef idx="0">
+            <a:schemeClr val="accent1"/>
+          </a:effectRef>
+          <a:fontRef idx="minor">
+            <a:schemeClr val="tx1"/>
+          </a:fontRef>
+        </p:style>
+      </p:cxnSp>
+      <p:cxnSp>
+        <p:nvCxnSpPr>
+          <p:cNvPr id="15" name="Straight Connector 14"/>
+          <p:cNvCxnSpPr/>
+          <p:nvPr/>
+        </p:nvCxnSpPr>
+        <p:spPr>
+          <a:xfrm>
+            <a:off x="3124200" y="152400"/>
+            <a:ext cx="1466385" cy="2895600"/>
+          </a:xfrm>
+          <a:prstGeom prst="line">
+            <a:avLst/>
+          </a:prstGeom>
+          <a:ln w="28575">
+            <a:solidFill>
+              <a:srgbClr val="FF0000"/>
+            </a:solidFill>
+          </a:ln>
+        </p:spPr>
+        <p:style>
+          <a:lnRef idx="1">
+            <a:schemeClr val="accent1"/>
+          </a:lnRef>
+          <a:fillRef idx="0">
+            <a:schemeClr val="accent1"/>
+          </a:fillRef>
+          <a:effectRef idx="0">
+            <a:schemeClr val="accent1"/>
+          </a:effectRef>
+          <a:fontRef idx="minor">
+            <a:schemeClr val="tx1"/>
+          </a:fontRef>
+        </p:style>
+      </p:cxnSp>
+      <p:cxnSp>
+        <p:nvCxnSpPr>
+          <p:cNvPr id="18" name="Straight Connector 17"/>
+          <p:cNvCxnSpPr/>
+          <p:nvPr/>
+        </p:nvCxnSpPr>
+        <p:spPr>
+          <a:xfrm>
+            <a:off x="4876801" y="1371600"/>
+            <a:ext cx="4285784" cy="4724400"/>
+          </a:xfrm>
+          <a:prstGeom prst="line">
+            <a:avLst/>
+          </a:prstGeom>
+          <a:ln w="28575">
+            <a:solidFill>
+              <a:srgbClr val="FF0000"/>
+            </a:solidFill>
+          </a:ln>
+        </p:spPr>
+        <p:style>
+          <a:lnRef idx="1">
+            <a:schemeClr val="accent1"/>
+          </a:lnRef>
+          <a:fillRef idx="0">
+            <a:schemeClr val="accent1"/>
+          </a:fillRef>
+          <a:effectRef idx="0">
+            <a:schemeClr val="accent1"/>
+          </a:effectRef>
+          <a:fontRef idx="minor">
+            <a:schemeClr val="tx1"/>
+          </a:fontRef>
+        </p:style>
+      </p:cxnSp>
+      <p:pic>
+        <p:nvPicPr>
+          <p:cNvPr id="9220" name="Picture 4" descr="http://fun-gallery.com/wp-content/uploads/2011/09/Running-Race-Finish-Line-Funny-Picture.jpg"/>
+          <p:cNvPicPr>
+            <a:picLocks noChangeAspect="1" noChangeArrowheads="1"/>
+          </p:cNvPicPr>
+          <p:nvPr/>
+        </p:nvPicPr>
+        <p:blipFill>
+          <a:blip r:embed="rId3">
+            <a:extLst>
+              <a:ext uri="{28A0092B-C50C-407E-A947-70E740481C1C}">
+                <a14:useLocalDpi xmlns:a14="http://schemas.microsoft.com/office/drawing/2010/main" val="0"/>
+              </a:ext>
+            </a:extLst>
+          </a:blip>
+          <a:srcRect/>
+          <a:stretch>
+            <a:fillRect/>
+          </a:stretch>
+        </p:blipFill>
+        <p:spPr bwMode="auto">
+          <a:xfrm>
+            <a:off x="4590585" y="3048000"/>
+            <a:ext cx="4572000" cy="3048000"/>
+          </a:xfrm>
+          <a:prstGeom prst="rect">
+            <a:avLst/>
+          </a:prstGeom>
+          <a:solidFill>
+            <a:srgbClr val="FFFFFF">
+              <a:shade val="85000"/>
+            </a:srgbClr>
+          </a:solidFill>
+          <a:ln w="19050" cap="sq">
+            <a:solidFill>
+              <a:srgbClr val="FF0000"/>
+            </a:solidFill>
+            <a:miter lim="800000"/>
+          </a:ln>
+          <a:effectLst>
+            <a:outerShdw blurRad="55000" dist="18000" dir="5400000" algn="tl" rotWithShape="0">
+              <a:srgbClr val="000000">
+                <a:alpha val="40000"/>
+              </a:srgbClr>
+            </a:outerShdw>
+          </a:effectLst>
+          <a:scene3d>
+            <a:camera prst="orthographicFront"/>
+            <a:lightRig rig="twoPt" dir="t">
+              <a:rot lat="0" lon="0" rev="7200000"/>
+            </a:lightRig>
+          </a:scene3d>
+          <a:sp3d>
+            <a:bevelT w="25400" h="19050"/>
+            <a:contourClr>
+              <a:srgbClr val="FFFFFF"/>
+            </a:contourClr>
+          </a:sp3d>
+          <a:extLst>
+            <a:ext uri="{909E8E84-426E-40DD-AFC4-6F175D3DCCD1}">
+              <a14:hiddenFill xmlns:a14="http://schemas.microsoft.com/office/drawing/2010/main">
+                <a:solidFill>
+                  <a:srgbClr val="FFFFFF"/>
+                </a:solidFill>
+              </a14:hiddenFill>
+            </a:ext>
+          </a:extLst>
+        </p:spPr>
+      </p:pic>
+    </p:spTree>
+    <p:extLst>
+      <p:ext uri="{BB962C8B-B14F-4D97-AF65-F5344CB8AC3E}">
+        <p14:creationId xmlns:p14="http://schemas.microsoft.com/office/powerpoint/2010/main" val="2565735704"/>
+      </p:ext>
+    </p:extLst>
+  </p:cSld>
+  <p:clrMapOvr>
+    <a:masterClrMapping/>
+  </p:clrMapOvr>
+  <p:timing>
+    <p:tnLst>
+      <p:par>
+        <p:cTn id="1" dur="indefinite" restart="never" nodeType="tmRoot"/>
+      </p:par>
+    </p:tnLst>
+  </p:timing>
+</p:sld>
+</file>
+
+<file path=ppt/slides/slide101.xml><?xml version="1.0" encoding="utf-8"?>
+<p:sld xmlns:a="http://schemas.openxmlformats.org/drawingml/2006/main" xmlns:r="http://schemas.openxmlformats.org/officeDocument/2006/relationships" xmlns:p="http://schemas.openxmlformats.org/presentationml/2006/main">
+  <p:cSld>
+    <p:spTree>
+      <p:nvGrpSpPr>
+        <p:cNvPr id="1" name=""/>
+        <p:cNvGrpSpPr/>
+        <p:nvPr/>
+      </p:nvGrpSpPr>
+      <p:grpSpPr>
+        <a:xfrm>
+          <a:off x="0" y="0"/>
+          <a:ext cx="0" cy="0"/>
+          <a:chOff x="0" y="0"/>
+          <a:chExt cx="0" cy="0"/>
+        </a:xfrm>
+      </p:grpSpPr>
+      <p:sp>
+        <p:nvSpPr>
+          <p:cNvPr id="4" name="Title 3"/>
+          <p:cNvSpPr>
+            <a:spLocks noGrp="1"/>
+          </p:cNvSpPr>
+          <p:nvPr>
+            <p:ph type="title"/>
+          </p:nvPr>
+        </p:nvSpPr>
+        <p:spPr/>
+        <p:txBody>
+          <a:bodyPr/>
+          <a:lstStyle/>
+          <a:p>
+            <a:r>
+              <a:rPr lang="en-US" dirty="0" smtClean="0"/>
+              <a:t>Links + Contact info</a:t>
+            </a:r>
+            <a:endParaRPr lang="en-US" dirty="0"/>
+          </a:p>
+        </p:txBody>
+      </p:sp>
+      <p:sp>
+        <p:nvSpPr>
+          <p:cNvPr id="5" name="Content Placeholder 4"/>
+          <p:cNvSpPr>
+            <a:spLocks noGrp="1"/>
+          </p:cNvSpPr>
+          <p:nvPr>
+            <p:ph idx="1"/>
+          </p:nvPr>
+        </p:nvSpPr>
+        <p:spPr/>
+        <p:txBody>
+          <a:bodyPr>
+            <a:normAutofit fontScale="85000" lnSpcReduction="20000"/>
+          </a:bodyPr>
+          <a:lstStyle/>
+          <a:p>
+            <a:r>
+              <a:rPr lang="en-US" dirty="0" smtClean="0"/>
+              <a:t>Me:</a:t>
+            </a:r>
+          </a:p>
+          <a:p>
+            <a:pPr lvl="1"/>
+            <a:r>
+              <a:rPr lang="en-US" dirty="0" smtClean="0"/>
+              <a:t>Ron Bowes &lt;</a:t>
+            </a:r>
+            <a:r>
+              <a:rPr lang="en-US" dirty="0" smtClean="0">
+                <a:hlinkClick r:id="rId2"/>
+              </a:rPr>
+              <a:t>ron@skullsecurity.net</a:t>
+            </a:r>
+            <a:r>
+              <a:rPr lang="en-US" dirty="0" smtClean="0"/>
+              <a:t>&gt;</a:t>
+            </a:r>
+          </a:p>
+          <a:p>
+            <a:pPr lvl="1"/>
+            <a:r>
+              <a:rPr lang="en-US" dirty="0" smtClean="0"/>
+              <a:t>@iagox86</a:t>
+            </a:r>
+          </a:p>
+          <a:p>
+            <a:pPr lvl="1"/>
+            <a:r>
+              <a:rPr lang="en-US" dirty="0" smtClean="0">
+                <a:hlinkClick r:id="rId3"/>
+              </a:rPr>
+              <a:t>http://www.skullsecurity.org</a:t>
+            </a:r>
+            <a:endParaRPr lang="en-US" dirty="0" smtClean="0"/>
+          </a:p>
+          <a:p>
+            <a:pPr lvl="1"/>
+            <a:r>
+              <a:rPr lang="en-US" dirty="0" smtClean="0">
+                <a:hlinkClick r:id="rId4"/>
+              </a:rPr>
+              <a:t>http://www.leviathansecurity.com</a:t>
+            </a:r>
+            <a:endParaRPr lang="en-US" dirty="0" smtClean="0"/>
+          </a:p>
+          <a:p>
+            <a:r>
+              <a:rPr lang="en-US" dirty="0" smtClean="0"/>
+              <a:t>Tools released:</a:t>
+            </a:r>
+          </a:p>
+          <a:p>
+            <a:pPr lvl="1"/>
+            <a:r>
+              <a:rPr lang="en-US" dirty="0" smtClean="0">
+                <a:hlinkClick r:id="rId5"/>
+              </a:rPr>
+              <a:t>https://www.github.com/iagox86/prephixer</a:t>
+            </a:r>
+            <a:r>
+              <a:rPr lang="en-US" dirty="0" smtClean="0"/>
+              <a:t> </a:t>
+            </a:r>
+          </a:p>
+          <a:p>
+            <a:pPr lvl="1"/>
+            <a:r>
+              <a:rPr lang="en-US" dirty="0">
+                <a:hlinkClick r:id="rId6"/>
+              </a:rPr>
+              <a:t>https://</a:t>
+            </a:r>
+            <a:r>
+              <a:rPr lang="en-US" dirty="0" smtClean="0">
+                <a:hlinkClick r:id="rId6"/>
+              </a:rPr>
+              <a:t>www.github.com/iagox86/poracle</a:t>
+            </a:r>
+            <a:endParaRPr lang="en-US" dirty="0" smtClean="0"/>
+          </a:p>
+          <a:p>
+            <a:pPr lvl="1"/>
+            <a:r>
+              <a:rPr lang="en-US" dirty="0">
+                <a:hlinkClick r:id="rId7"/>
+              </a:rPr>
+              <a:t>https://</a:t>
+            </a:r>
+            <a:r>
+              <a:rPr lang="en-US" dirty="0" smtClean="0">
+                <a:hlinkClick r:id="rId7"/>
+              </a:rPr>
+              <a:t>www.github.com/iagox86/hash_extender</a:t>
+            </a:r>
+            <a:r>
+              <a:rPr lang="en-US" dirty="0" smtClean="0"/>
+              <a:t> </a:t>
+            </a:r>
+          </a:p>
+          <a:p>
+            <a:pPr lvl="1"/>
+            <a:r>
+              <a:rPr lang="en-US" dirty="0">
+                <a:hlinkClick r:id="rId8"/>
+              </a:rPr>
+              <a:t>https://</a:t>
+            </a:r>
+            <a:r>
+              <a:rPr lang="en-US" dirty="0" smtClean="0">
+                <a:hlinkClick r:id="rId8"/>
+              </a:rPr>
+              <a:t>www.github.com/iagox86/unzipher</a:t>
+            </a:r>
+            <a:r>
+              <a:rPr lang="en-US" dirty="0" smtClean="0"/>
+              <a:t> </a:t>
+            </a:r>
+            <a:endParaRPr lang="en-US" dirty="0" smtClean="0"/>
+          </a:p>
+          <a:p>
+            <a:r>
+              <a:rPr lang="en-US" dirty="0" smtClean="0"/>
+              <a:t>This talk will be on </a:t>
+            </a:r>
+            <a:r>
+              <a:rPr lang="en-US" dirty="0" smtClean="0">
+                <a:hlinkClick r:id="rId9"/>
+              </a:rPr>
+              <a:t>https://www.github.com/iagox86</a:t>
+            </a:r>
+            <a:r>
+              <a:rPr lang="en-US" dirty="0" smtClean="0"/>
+              <a:t> as well</a:t>
+            </a:r>
+            <a:endParaRPr lang="en-US" dirty="0" smtClean="0"/>
+          </a:p>
+          <a:p>
+            <a:endParaRPr lang="en-US" dirty="0" smtClean="0"/>
+          </a:p>
+          <a:p>
+            <a:endParaRPr lang="en-US" dirty="0"/>
+          </a:p>
+        </p:txBody>
+      </p:sp>
+    </p:spTree>
+    <p:extLst>
+      <p:ext uri="{BB962C8B-B14F-4D97-AF65-F5344CB8AC3E}">
+        <p14:creationId xmlns:p14="http://schemas.microsoft.com/office/powerpoint/2010/main" val="4232121080"/>
+      </p:ext>
+    </p:extLst>
+  </p:cSld>
+  <p:clrMapOvr>
+    <a:masterClrMapping/>
+  </p:clrMapOvr>
+  <p:timing>
+    <p:tnLst>
+      <p:par>
+        <p:cTn id="1" dur="indefinite" restart="never" nodeType="tmRoot"/>
+      </p:par>
+    </p:tnLst>
+  </p:timing>
+</p:sld>
+</file>
+
 <file path=ppt/slides/slide11.xml><?xml version="1.0" encoding="utf-8"?>
 <p:sld xmlns:a="http://schemas.openxmlformats.org/drawingml/2006/main" xmlns:r="http://schemas.openxmlformats.org/officeDocument/2006/relationships" xmlns:p="http://schemas.openxmlformats.org/presentationml/2006/main">
   <p:cSld>
@@ -6032,6 +6623,36 @@
           </a:p>
         </p:txBody>
       </p:sp>
+      <p:pic>
+        <p:nvPicPr>
+          <p:cNvPr id="2" name="Picture 1"/>
+          <p:cNvPicPr>
+            <a:picLocks noChangeAspect="1"/>
+          </p:cNvPicPr>
+          <p:nvPr/>
+        </p:nvPicPr>
+        <p:blipFill>
+          <a:blip r:embed="rId2" cstate="print">
+            <a:extLst>
+              <a:ext uri="{28A0092B-C50C-407E-A947-70E740481C1C}">
+                <a14:useLocalDpi xmlns:a14="http://schemas.microsoft.com/office/drawing/2010/main" val="0"/>
+              </a:ext>
+            </a:extLst>
+          </a:blip>
+          <a:stretch>
+            <a:fillRect/>
+          </a:stretch>
+        </p:blipFill>
+        <p:spPr>
+          <a:xfrm>
+            <a:off x="2133600" y="76200"/>
+            <a:ext cx="4419600" cy="3264611"/>
+          </a:xfrm>
+          <a:prstGeom prst="rect">
+            <a:avLst/>
+          </a:prstGeom>
+        </p:spPr>
+      </p:pic>
     </p:spTree>
     <p:extLst>
       <p:ext uri="{BB962C8B-B14F-4D97-AF65-F5344CB8AC3E}">
@@ -6394,7 +7015,7 @@
           <p:nvPr>
             <p:extLst>
               <p:ext uri="{D42A27DB-BD31-4B8C-83A1-F6EECF244321}">
-                <p14:modId xmlns:p14="http://schemas.microsoft.com/office/powerpoint/2010/main" val="2253760423"/>
+                <p14:modId xmlns:p14="http://schemas.microsoft.com/office/powerpoint/2010/main" val="1970755997"/>
               </p:ext>
             </p:extLst>
           </p:nvPr>
@@ -7259,12 +7880,18 @@
                     <a:p>
                       <a:pPr algn="l" fontAlgn="b"/>
                       <a:r>
-                        <a:rPr lang="en-US" sz="2000" u="none" strike="noStrike">
+                        <a:rPr lang="en-US" sz="2000" u="none" strike="noStrike" dirty="0" err="1" smtClean="0">
                           <a:effectLst/>
                         </a:rPr>
                         <a:t>Keystream</a:t>
                       </a:r>
-                      <a:endParaRPr lang="en-US" sz="2000" b="0" i="0" u="none" strike="noStrike">
+                      <a:r>
+                        <a:rPr lang="en-US" sz="2000" u="none" strike="noStrike" dirty="0" smtClean="0">
+                          <a:effectLst/>
+                        </a:rPr>
+                        <a:t> (again)</a:t>
+                      </a:r>
+                      <a:endParaRPr lang="en-US" sz="2000" b="0" i="0" u="none" strike="noStrike" dirty="0">
                         <a:solidFill>
                           <a:srgbClr val="000000"/>
                         </a:solidFill>
@@ -8494,89 +9121,6 @@
           <a:p>
             <a:r>
               <a:rPr lang="en-US" dirty="0" smtClean="0"/>
-              <a:t>Random numbers</a:t>
-            </a:r>
-            <a:endParaRPr lang="en-US" dirty="0"/>
-          </a:p>
-        </p:txBody>
-      </p:sp>
-      <p:sp>
-        <p:nvSpPr>
-          <p:cNvPr id="3" name="Content Placeholder 2"/>
-          <p:cNvSpPr>
-            <a:spLocks noGrp="1"/>
-          </p:cNvSpPr>
-          <p:nvPr>
-            <p:ph idx="1"/>
-          </p:nvPr>
-        </p:nvSpPr>
-        <p:spPr/>
-        <p:txBody>
-          <a:bodyPr/>
-          <a:lstStyle/>
-          <a:p>
-            <a:r>
-              <a:rPr lang="en-US" dirty="0" smtClean="0"/>
-              <a:t>TODO, if needed</a:t>
-            </a:r>
-            <a:endParaRPr lang="en-US" dirty="0"/>
-          </a:p>
-        </p:txBody>
-      </p:sp>
-    </p:spTree>
-    <p:extLst>
-      <p:ext uri="{BB962C8B-B14F-4D97-AF65-F5344CB8AC3E}">
-        <p14:creationId xmlns:p14="http://schemas.microsoft.com/office/powerpoint/2010/main" val="4133354445"/>
-      </p:ext>
-    </p:extLst>
-  </p:cSld>
-  <p:clrMapOvr>
-    <a:masterClrMapping/>
-  </p:clrMapOvr>
-  <p:timing>
-    <p:tnLst>
-      <p:par>
-        <p:cTn id="1" dur="indefinite" restart="never" nodeType="tmRoot"/>
-      </p:par>
-    </p:tnLst>
-  </p:timing>
-</p:sld>
-</file>
-
-<file path=ppt/slides/slide26.xml><?xml version="1.0" encoding="utf-8"?>
-<p:sld xmlns:a="http://schemas.openxmlformats.org/drawingml/2006/main" xmlns:r="http://schemas.openxmlformats.org/officeDocument/2006/relationships" xmlns:p="http://schemas.openxmlformats.org/presentationml/2006/main">
-  <p:cSld>
-    <p:spTree>
-      <p:nvGrpSpPr>
-        <p:cNvPr id="1" name=""/>
-        <p:cNvGrpSpPr/>
-        <p:nvPr/>
-      </p:nvGrpSpPr>
-      <p:grpSpPr>
-        <a:xfrm>
-          <a:off x="0" y="0"/>
-          <a:ext cx="0" cy="0"/>
-          <a:chOff x="0" y="0"/>
-          <a:chExt cx="0" cy="0"/>
-        </a:xfrm>
-      </p:grpSpPr>
-      <p:sp>
-        <p:nvSpPr>
-          <p:cNvPr id="2" name="Title 1"/>
-          <p:cNvSpPr>
-            <a:spLocks noGrp="1"/>
-          </p:cNvSpPr>
-          <p:nvPr>
-            <p:ph type="title"/>
-          </p:nvPr>
-        </p:nvSpPr>
-        <p:spPr/>
-        <p:txBody>
-          <a:bodyPr/>
-          <a:lstStyle/>
-          <a:p>
-            <a:r>
-              <a:rPr lang="en-US" dirty="0" smtClean="0"/>
               <a:t>Attacks</a:t>
             </a:r>
             <a:endParaRPr lang="en-US" dirty="0"/>
@@ -8598,6 +9142,10 @@
           <a:bodyPr/>
           <a:lstStyle/>
           <a:p>
+            <a:r>
+              <a:rPr lang="en-US" dirty="0" smtClean="0"/>
+              <a:t>Now, what you all came here for…</a:t>
+            </a:r>
             <a:endParaRPr lang="en-US" dirty="0"/>
           </a:p>
         </p:txBody>
@@ -8652,7 +9200,7 @@
 </p:sld>
 </file>
 
-<file path=ppt/slides/slide27.xml><?xml version="1.0" encoding="utf-8"?>
+<file path=ppt/slides/slide26.xml><?xml version="1.0" encoding="utf-8"?>
 <p:sld xmlns:a="http://schemas.openxmlformats.org/drawingml/2006/main" xmlns:r="http://schemas.openxmlformats.org/officeDocument/2006/relationships" xmlns:p="http://schemas.openxmlformats.org/presentationml/2006/main">
   <p:cSld>
     <p:spTree>
@@ -8747,7 +9295,7 @@
               <a:t>C = (P </a:t>
             </a:r>
             <a:r>
-              <a:rPr lang="en-US" sz="3200" dirty="0"/>
+              <a:rPr lang="en-US" sz="3200" dirty="0" smtClean="0"/>
               <a:t>⊕ K</a:t>
             </a:r>
             <a:r>
@@ -9077,6 +9625,126 @@
 </p:sld>
 </file>
 
+<file path=ppt/slides/slide27.xml><?xml version="1.0" encoding="utf-8"?>
+<p:sld xmlns:a="http://schemas.openxmlformats.org/drawingml/2006/main" xmlns:r="http://schemas.openxmlformats.org/officeDocument/2006/relationships" xmlns:p="http://schemas.openxmlformats.org/presentationml/2006/main">
+  <p:cSld>
+    <p:spTree>
+      <p:nvGrpSpPr>
+        <p:cNvPr id="1" name=""/>
+        <p:cNvGrpSpPr/>
+        <p:nvPr/>
+      </p:nvGrpSpPr>
+      <p:grpSpPr>
+        <a:xfrm>
+          <a:off x="0" y="0"/>
+          <a:ext cx="0" cy="0"/>
+          <a:chOff x="0" y="0"/>
+          <a:chExt cx="0" cy="0"/>
+        </a:xfrm>
+      </p:grpSpPr>
+      <p:sp>
+        <p:nvSpPr>
+          <p:cNvPr id="2" name="Title 1"/>
+          <p:cNvSpPr>
+            <a:spLocks noGrp="1"/>
+          </p:cNvSpPr>
+          <p:nvPr>
+            <p:ph type="title"/>
+          </p:nvPr>
+        </p:nvSpPr>
+        <p:spPr/>
+        <p:txBody>
+          <a:bodyPr/>
+          <a:lstStyle/>
+          <a:p>
+            <a:r>
+              <a:rPr lang="en-US" dirty="0" smtClean="0"/>
+              <a:t>That’s a lot of math!</a:t>
+            </a:r>
+            <a:endParaRPr lang="en-US" dirty="0"/>
+          </a:p>
+        </p:txBody>
+      </p:sp>
+      <p:sp>
+        <p:nvSpPr>
+          <p:cNvPr id="3" name="Content Placeholder 2"/>
+          <p:cNvSpPr>
+            <a:spLocks noGrp="1"/>
+          </p:cNvSpPr>
+          <p:nvPr>
+            <p:ph idx="1"/>
+          </p:nvPr>
+        </p:nvSpPr>
+        <p:spPr/>
+        <p:txBody>
+          <a:bodyPr/>
+          <a:lstStyle/>
+          <a:p>
+            <a:endParaRPr lang="en-US"/>
+          </a:p>
+        </p:txBody>
+      </p:sp>
+      <p:pic>
+        <p:nvPicPr>
+          <p:cNvPr id="4" name="Picture 2" descr="http://www.troll.me/images/holy-shit-batman/holy-math-batman.jpg"/>
+          <p:cNvPicPr>
+            <a:picLocks noChangeAspect="1" noChangeArrowheads="1"/>
+          </p:cNvPicPr>
+          <p:nvPr/>
+        </p:nvPicPr>
+        <p:blipFill>
+          <a:blip r:embed="rId2">
+            <a:extLst>
+              <a:ext uri="{28A0092B-C50C-407E-A947-70E740481C1C}">
+                <a14:useLocalDpi xmlns:a14="http://schemas.microsoft.com/office/drawing/2010/main" val="0"/>
+              </a:ext>
+            </a:extLst>
+          </a:blip>
+          <a:srcRect/>
+          <a:stretch>
+            <a:fillRect/>
+          </a:stretch>
+        </p:blipFill>
+        <p:spPr bwMode="auto">
+          <a:xfrm>
+            <a:off x="1497067" y="1447800"/>
+            <a:ext cx="6276480" cy="4698846"/>
+          </a:xfrm>
+          <a:prstGeom prst="rect">
+            <a:avLst/>
+          </a:prstGeom>
+          <a:noFill/>
+          <a:extLst>
+            <a:ext uri="{909E8E84-426E-40DD-AFC4-6F175D3DCCD1}">
+              <a14:hiddenFill xmlns:a14="http://schemas.microsoft.com/office/drawing/2010/main">
+                <a:solidFill>
+                  <a:srgbClr val="FFFFFF"/>
+                </a:solidFill>
+              </a14:hiddenFill>
+            </a:ext>
+          </a:extLst>
+        </p:spPr>
+      </p:pic>
+    </p:spTree>
+    <p:extLst>
+      <p:ext uri="{BB962C8B-B14F-4D97-AF65-F5344CB8AC3E}">
+        <p14:creationId xmlns:p14="http://schemas.microsoft.com/office/powerpoint/2010/main" val="1394211600"/>
+      </p:ext>
+    </p:extLst>
+  </p:cSld>
+  <p:clrMapOvr>
+    <a:masterClrMapping/>
+  </p:clrMapOvr>
+  <p:timing>
+    <p:tnLst>
+      <p:par>
+        <p:cTn id="1" dur="indefinite" restart="never" nodeType="tmRoot"/>
+      </p:par>
+    </p:tnLst>
+  </p:timing>
+</p:sld>
+</file>
+
 <file path=ppt/slides/slide28.xml><?xml version="1.0" encoding="utf-8"?>
 <p:sld xmlns:a="http://schemas.openxmlformats.org/drawingml/2006/main" xmlns:r="http://schemas.openxmlformats.org/officeDocument/2006/relationships" xmlns:p="http://schemas.openxmlformats.org/presentationml/2006/main">
   <p:cSld>
@@ -10639,7 +11307,7 @@
         <p:spPr/>
         <p:txBody>
           <a:bodyPr>
-            <a:normAutofit lnSpcReduction="10000"/>
+            <a:normAutofit/>
           </a:bodyPr>
           <a:lstStyle/>
           <a:p>
@@ -10651,7 +11319,11 @@
           <a:p>
             <a:r>
               <a:rPr lang="en-US" dirty="0" smtClean="0"/>
-              <a:t>A bunch of examples, with proofs of concept</a:t>
+              <a:t>A bunch of examples, with proofs of </a:t>
+            </a:r>
+            <a:r>
+              <a:rPr lang="en-US" dirty="0" smtClean="0"/>
+              <a:t>concept</a:t>
             </a:r>
           </a:p>
           <a:p>
@@ -10660,6 +11332,7 @@
               <a:rPr lang="en-US" dirty="0" smtClean="0"/>
               <a:t>Bit flipping</a:t>
             </a:r>
+            <a:endParaRPr lang="en-US" dirty="0" smtClean="0"/>
           </a:p>
           <a:p>
             <a:pPr lvl="1"/>
@@ -10667,34 +11340,30 @@
               <a:rPr lang="en-US" dirty="0" smtClean="0"/>
               <a:t>Key re-use</a:t>
             </a:r>
+            <a:endParaRPr lang="en-US" dirty="0" smtClean="0"/>
           </a:p>
           <a:p>
             <a:pPr lvl="1"/>
             <a:r>
               <a:rPr lang="en-US" dirty="0" smtClean="0"/>
-              <a:t>Compression attack</a:t>
+              <a:t>Padding </a:t>
+            </a:r>
+            <a:r>
+              <a:rPr lang="en-US" dirty="0" smtClean="0"/>
+              <a:t>oracle</a:t>
             </a:r>
           </a:p>
           <a:p>
             <a:pPr lvl="1"/>
             <a:r>
               <a:rPr lang="en-US" dirty="0" smtClean="0"/>
-              <a:t>Padding oracle</a:t>
-            </a:r>
-          </a:p>
-          <a:p>
-            <a:pPr lvl="1"/>
+              <a:t>Hash length </a:t>
+            </a:r>
             <a:r>
               <a:rPr lang="en-US" dirty="0" smtClean="0"/>
-              <a:t>Hash length extension</a:t>
-            </a:r>
-          </a:p>
-          <a:p>
-            <a:pPr lvl="1"/>
-            <a:r>
-              <a:rPr lang="en-US" dirty="0" smtClean="0"/>
-              <a:t>Bad random numbers</a:t>
-            </a:r>
+              <a:t>extension</a:t>
+            </a:r>
+            <a:endParaRPr lang="en-US" dirty="0" smtClean="0"/>
           </a:p>
           <a:p>
             <a:r>
@@ -32227,6 +32896,138 @@
         </p:nvSpPr>
         <p:spPr/>
         <p:txBody>
+          <a:bodyPr/>
+          <a:lstStyle/>
+          <a:p>
+            <a:r>
+              <a:rPr lang="en-US" dirty="0" smtClean="0"/>
+              <a:t>Phew, we made it!</a:t>
+            </a:r>
+            <a:endParaRPr lang="en-US" dirty="0"/>
+          </a:p>
+        </p:txBody>
+      </p:sp>
+      <p:sp>
+        <p:nvSpPr>
+          <p:cNvPr id="3" name="Content Placeholder 2"/>
+          <p:cNvSpPr>
+            <a:spLocks noGrp="1"/>
+          </p:cNvSpPr>
+          <p:nvPr>
+            <p:ph idx="1"/>
+          </p:nvPr>
+        </p:nvSpPr>
+        <p:spPr/>
+        <p:txBody>
+          <a:bodyPr/>
+          <a:lstStyle/>
+          <a:p>
+            <a:r>
+              <a:rPr lang="en-US" dirty="0" smtClean="0"/>
+              <a:t>Let’s do a demo of </a:t>
+            </a:r>
+            <a:r>
+              <a:rPr lang="en-US" dirty="0" err="1" smtClean="0"/>
+              <a:t>Prephixer</a:t>
+            </a:r>
+            <a:r>
+              <a:rPr lang="en-US" dirty="0" smtClean="0"/>
+              <a:t>!</a:t>
+            </a:r>
+            <a:endParaRPr lang="en-US" dirty="0"/>
+          </a:p>
+        </p:txBody>
+      </p:sp>
+      <p:pic>
+        <p:nvPicPr>
+          <p:cNvPr id="3074" name="Picture 2" descr="https://encrypted-tbn0.gstatic.com/images?q=tbn:ANd9GcQ6bdYBItr0MdRYd_iSgEvHN2bnnCkDEJJZ1dACv-XA7r8_2XfKsQ"/>
+          <p:cNvPicPr>
+            <a:picLocks noChangeAspect="1" noChangeArrowheads="1"/>
+          </p:cNvPicPr>
+          <p:nvPr/>
+        </p:nvPicPr>
+        <p:blipFill>
+          <a:blip r:embed="rId2">
+            <a:extLst>
+              <a:ext uri="{28A0092B-C50C-407E-A947-70E740481C1C}">
+                <a14:useLocalDpi xmlns:a14="http://schemas.microsoft.com/office/drawing/2010/main" val="0"/>
+              </a:ext>
+            </a:extLst>
+          </a:blip>
+          <a:srcRect/>
+          <a:stretch>
+            <a:fillRect/>
+          </a:stretch>
+        </p:blipFill>
+        <p:spPr bwMode="auto">
+          <a:xfrm>
+            <a:off x="5629275" y="2667000"/>
+            <a:ext cx="3514725" cy="4105275"/>
+          </a:xfrm>
+          <a:prstGeom prst="rect">
+            <a:avLst/>
+          </a:prstGeom>
+          <a:noFill/>
+          <a:extLst>
+            <a:ext uri="{909E8E84-426E-40DD-AFC4-6F175D3DCCD1}">
+              <a14:hiddenFill xmlns:a14="http://schemas.microsoft.com/office/drawing/2010/main">
+                <a:solidFill>
+                  <a:srgbClr val="FFFFFF"/>
+                </a:solidFill>
+              </a14:hiddenFill>
+            </a:ext>
+          </a:extLst>
+        </p:spPr>
+      </p:pic>
+    </p:spTree>
+    <p:extLst>
+      <p:ext uri="{BB962C8B-B14F-4D97-AF65-F5344CB8AC3E}">
+        <p14:creationId xmlns:p14="http://schemas.microsoft.com/office/powerpoint/2010/main" val="2913889897"/>
+      </p:ext>
+    </p:extLst>
+  </p:cSld>
+  <p:clrMapOvr>
+    <a:masterClrMapping/>
+  </p:clrMapOvr>
+  <p:timing>
+    <p:tnLst>
+      <p:par>
+        <p:cTn id="1" dur="indefinite" restart="never" nodeType="tmRoot"/>
+      </p:par>
+    </p:tnLst>
+  </p:timing>
+</p:sld>
+</file>
+
+<file path=ppt/slides/slide47.xml><?xml version="1.0" encoding="utf-8"?>
+<p:sld xmlns:a="http://schemas.openxmlformats.org/drawingml/2006/main" xmlns:r="http://schemas.openxmlformats.org/officeDocument/2006/relationships" xmlns:p="http://schemas.openxmlformats.org/presentationml/2006/main">
+  <p:cSld>
+    <p:spTree>
+      <p:nvGrpSpPr>
+        <p:cNvPr id="1" name=""/>
+        <p:cNvGrpSpPr/>
+        <p:nvPr/>
+      </p:nvGrpSpPr>
+      <p:grpSpPr>
+        <a:xfrm>
+          <a:off x="0" y="0"/>
+          <a:ext cx="0" cy="0"/>
+          <a:chOff x="0" y="0"/>
+          <a:chExt cx="0" cy="0"/>
+        </a:xfrm>
+      </p:grpSpPr>
+      <p:sp>
+        <p:nvSpPr>
+          <p:cNvPr id="2" name="Title 1"/>
+          <p:cNvSpPr>
+            <a:spLocks noGrp="1"/>
+          </p:cNvSpPr>
+          <p:nvPr>
+            <p:ph type="title"/>
+          </p:nvPr>
+        </p:nvSpPr>
+        <p:spPr/>
+        <p:txBody>
           <a:bodyPr>
             <a:normAutofit fontScale="90000"/>
           </a:bodyPr>
@@ -32439,89 +33240,6 @@
 </p:sld>
 </file>
 
-<file path=ppt/slides/slide47.xml><?xml version="1.0" encoding="utf-8"?>
-<p:sld xmlns:a="http://schemas.openxmlformats.org/drawingml/2006/main" xmlns:r="http://schemas.openxmlformats.org/officeDocument/2006/relationships" xmlns:p="http://schemas.openxmlformats.org/presentationml/2006/main">
-  <p:cSld>
-    <p:spTree>
-      <p:nvGrpSpPr>
-        <p:cNvPr id="1" name=""/>
-        <p:cNvGrpSpPr/>
-        <p:nvPr/>
-      </p:nvGrpSpPr>
-      <p:grpSpPr>
-        <a:xfrm>
-          <a:off x="0" y="0"/>
-          <a:ext cx="0" cy="0"/>
-          <a:chOff x="0" y="0"/>
-          <a:chExt cx="0" cy="0"/>
-        </a:xfrm>
-      </p:grpSpPr>
-      <p:sp>
-        <p:nvSpPr>
-          <p:cNvPr id="2" name="Title 1"/>
-          <p:cNvSpPr>
-            <a:spLocks noGrp="1"/>
-          </p:cNvSpPr>
-          <p:nvPr>
-            <p:ph type="title"/>
-          </p:nvPr>
-        </p:nvSpPr>
-        <p:spPr/>
-        <p:txBody>
-          <a:bodyPr/>
-          <a:lstStyle/>
-          <a:p>
-            <a:r>
-              <a:rPr lang="en-US" dirty="0" smtClean="0"/>
-              <a:t>Compression attack</a:t>
-            </a:r>
-            <a:endParaRPr lang="en-US" dirty="0"/>
-          </a:p>
-        </p:txBody>
-      </p:sp>
-      <p:sp>
-        <p:nvSpPr>
-          <p:cNvPr id="3" name="Content Placeholder 2"/>
-          <p:cNvSpPr>
-            <a:spLocks noGrp="1"/>
-          </p:cNvSpPr>
-          <p:nvPr>
-            <p:ph idx="1"/>
-          </p:nvPr>
-        </p:nvSpPr>
-        <p:spPr/>
-        <p:txBody>
-          <a:bodyPr/>
-          <a:lstStyle/>
-          <a:p>
-            <a:r>
-              <a:rPr lang="en-US" dirty="0" smtClean="0"/>
-              <a:t>TODO, if we need to fill space</a:t>
-            </a:r>
-            <a:endParaRPr lang="en-US" dirty="0"/>
-          </a:p>
-        </p:txBody>
-      </p:sp>
-    </p:spTree>
-    <p:extLst>
-      <p:ext uri="{BB962C8B-B14F-4D97-AF65-F5344CB8AC3E}">
-        <p14:creationId xmlns:p14="http://schemas.microsoft.com/office/powerpoint/2010/main" val="2049538152"/>
-      </p:ext>
-    </p:extLst>
-  </p:cSld>
-  <p:clrMapOvr>
-    <a:masterClrMapping/>
-  </p:clrMapOvr>
-  <p:timing>
-    <p:tnLst>
-      <p:par>
-        <p:cTn id="1" dur="indefinite" restart="never" nodeType="tmRoot"/>
-      </p:par>
-    </p:tnLst>
-  </p:timing>
-</p:sld>
-</file>
-
 <file path=ppt/slides/slide48.xml><?xml version="1.0" encoding="utf-8"?>
 <p:sld xmlns:a="http://schemas.openxmlformats.org/drawingml/2006/main" xmlns:r="http://schemas.openxmlformats.org/officeDocument/2006/relationships" xmlns:p="http://schemas.openxmlformats.org/presentationml/2006/main">
   <p:cSld>
@@ -32749,7 +33467,17 @@
                 <a:latin typeface="Courier New" pitchFamily="49" charset="0"/>
                 <a:cs typeface="Courier New" pitchFamily="49" charset="0"/>
               </a:rPr>
-              <a:t>H(secret + </a:t>
+              <a:t>H(secret </a:t>
+            </a:r>
+            <a:r>
+              <a:rPr lang="en-US" sz="2000" b="1" dirty="0" smtClean="0">
+                <a:solidFill>
+                  <a:srgbClr val="C00000"/>
+                </a:solidFill>
+                <a:latin typeface="Courier New" pitchFamily="49" charset="0"/>
+                <a:cs typeface="Courier New" pitchFamily="49" charset="0"/>
+              </a:rPr>
+              <a:t>|| </a:t>
             </a:r>
             <a:r>
               <a:rPr lang="en-US" sz="2000" b="1" dirty="0" err="1" smtClean="0">
@@ -32899,7 +33627,17 @@
                 <a:latin typeface="Courier New" pitchFamily="49" charset="0"/>
                 <a:cs typeface="Courier New" pitchFamily="49" charset="0"/>
               </a:rPr>
-              <a:t>H(secret + </a:t>
+              <a:t>H(secret </a:t>
+            </a:r>
+            <a:r>
+              <a:rPr lang="en-US" sz="2000" b="1" dirty="0" smtClean="0">
+                <a:solidFill>
+                  <a:srgbClr val="C00000"/>
+                </a:solidFill>
+                <a:latin typeface="Courier New" pitchFamily="49" charset="0"/>
+                <a:cs typeface="Courier New" pitchFamily="49" charset="0"/>
+              </a:rPr>
+              <a:t>|| </a:t>
             </a:r>
             <a:r>
               <a:rPr lang="en-US" sz="2000" b="1" dirty="0" err="1">
@@ -38155,21 +38893,21 @@
           <a:lstStyle/>
           <a:p>
             <a:r>
-              <a:rPr lang="en-US" sz="2400" dirty="0" smtClean="0"/>
+              <a:rPr lang="en-US" sz="2800" dirty="0" smtClean="0"/>
               <a:t>Let’s say you have an API that requires a shared secret</a:t>
             </a:r>
           </a:p>
           <a:p>
             <a:pPr lvl="1"/>
             <a:r>
-              <a:rPr lang="en-US" sz="1600" b="1" dirty="0" smtClean="0">
+              <a:rPr lang="en-US" sz="1800" b="1" dirty="0" smtClean="0">
                 <a:latin typeface="Courier New" pitchFamily="49" charset="0"/>
                 <a:cs typeface="Courier New" pitchFamily="49" charset="0"/>
               </a:rPr>
               <a:t>message = </a:t>
             </a:r>
             <a:r>
-              <a:rPr lang="en-US" sz="1600" b="1" dirty="0" smtClean="0">
+              <a:rPr lang="en-US" sz="1800" b="1" dirty="0" smtClean="0">
                 <a:solidFill>
                   <a:srgbClr val="C00000"/>
                 </a:solidFill>
@@ -38179,7 +38917,7 @@
               <a:t>SHA1(</a:t>
             </a:r>
             <a:r>
-              <a:rPr lang="en-US" sz="1600" b="1" dirty="0" err="1" smtClean="0">
+              <a:rPr lang="en-US" sz="1800" b="1" dirty="0" err="1" smtClean="0">
                 <a:solidFill>
                   <a:srgbClr val="C00000"/>
                 </a:solidFill>
@@ -38189,7 +38927,7 @@
               <a:t>shared_secret</a:t>
             </a:r>
             <a:r>
-              <a:rPr lang="en-US" sz="1600" b="1" dirty="0" smtClean="0">
+              <a:rPr lang="en-US" sz="1800" b="1" dirty="0" smtClean="0">
                 <a:solidFill>
                   <a:srgbClr val="C00000"/>
                 </a:solidFill>
@@ -38199,82 +38937,26 @@
               <a:t> || commands)</a:t>
             </a:r>
             <a:r>
-              <a:rPr lang="en-US" sz="1600" b="1" dirty="0" smtClean="0">
-                <a:latin typeface="Courier New" pitchFamily="49" charset="0"/>
-                <a:cs typeface="Courier New" pitchFamily="49" charset="0"/>
-              </a:rPr>
-              <a:t> + commands</a:t>
-            </a:r>
-          </a:p>
-          <a:p>
-            <a:r>
-              <a:rPr lang="en-US" sz="2400" dirty="0" smtClean="0"/>
-              <a:t>And let’s say commands is a URL-like list of commands.. For example:</a:t>
-            </a:r>
-          </a:p>
-          <a:p>
-            <a:pPr lvl="1"/>
-            <a:r>
-              <a:rPr lang="en-US" sz="1600" b="1" dirty="0" smtClean="0">
-                <a:latin typeface="Courier New" pitchFamily="49" charset="0"/>
-                <a:cs typeface="Courier New" pitchFamily="49" charset="0"/>
-              </a:rPr>
-              <a:t>commands = “</a:t>
-            </a:r>
-            <a:r>
-              <a:rPr lang="en-US" sz="1600" b="1" dirty="0" err="1" smtClean="0">
-                <a:latin typeface="Courier New" pitchFamily="49" charset="0"/>
-                <a:cs typeface="Courier New" pitchFamily="49" charset="0"/>
-              </a:rPr>
-              <a:t>set_firstname</a:t>
-            </a:r>
-            <a:r>
-              <a:rPr lang="en-US" sz="1600" b="1" dirty="0" smtClean="0">
-                <a:latin typeface="Courier New" pitchFamily="49" charset="0"/>
-                <a:cs typeface="Courier New" pitchFamily="49" charset="0"/>
-              </a:rPr>
-              <a:t>=</a:t>
-            </a:r>
-            <a:r>
-              <a:rPr lang="en-US" sz="1600" b="1" dirty="0" err="1" smtClean="0">
-                <a:latin typeface="Courier New" pitchFamily="49" charset="0"/>
-                <a:cs typeface="Courier New" pitchFamily="49" charset="0"/>
-              </a:rPr>
-              <a:t>ron&amp;set_lastname</a:t>
-            </a:r>
-            <a:r>
-              <a:rPr lang="en-US" sz="1600" b="1" dirty="0" smtClean="0">
-                <a:latin typeface="Courier New" pitchFamily="49" charset="0"/>
-                <a:cs typeface="Courier New" pitchFamily="49" charset="0"/>
-              </a:rPr>
-              <a:t>=</a:t>
-            </a:r>
-            <a:r>
-              <a:rPr lang="en-US" sz="1600" b="1" dirty="0" err="1" smtClean="0">
-                <a:latin typeface="Courier New" pitchFamily="49" charset="0"/>
-                <a:cs typeface="Courier New" pitchFamily="49" charset="0"/>
-              </a:rPr>
-              <a:t>bowes</a:t>
-            </a:r>
-            <a:r>
-              <a:rPr lang="en-US" sz="1600" b="1" dirty="0" smtClean="0">
-                <a:latin typeface="Courier New" pitchFamily="49" charset="0"/>
-                <a:cs typeface="Courier New" pitchFamily="49" charset="0"/>
-              </a:rPr>
-              <a:t>”</a:t>
-            </a:r>
-          </a:p>
-          <a:p>
-            <a:pPr lvl="1"/>
-            <a:r>
-              <a:rPr lang="en-US" sz="2000" dirty="0" smtClean="0"/>
-              <a:t>or, </a:t>
-            </a:r>
-            <a:r>
               <a:rPr lang="en-US" sz="1800" b="1" dirty="0" smtClean="0">
                 <a:latin typeface="Courier New" pitchFamily="49" charset="0"/>
                 <a:cs typeface="Courier New" pitchFamily="49" charset="0"/>
               </a:rPr>
+              <a:t> + commands</a:t>
+            </a:r>
+          </a:p>
+          <a:p>
+            <a:r>
+              <a:rPr lang="en-US" sz="2800" dirty="0" smtClean="0"/>
+              <a:t>And let’s say commands is a URL-like list of commands.. For example:</a:t>
+            </a:r>
+          </a:p>
+          <a:p>
+            <a:pPr lvl="1"/>
+            <a:r>
+              <a:rPr lang="en-US" sz="1800" b="1" dirty="0" smtClean="0">
+                <a:latin typeface="Courier New" pitchFamily="49" charset="0"/>
+                <a:cs typeface="Courier New" pitchFamily="49" charset="0"/>
+              </a:rPr>
               <a:t>commands = “</a:t>
             </a:r>
             <a:r>
@@ -38282,23 +38964,79 @@
                 <a:latin typeface="Courier New" pitchFamily="49" charset="0"/>
                 <a:cs typeface="Courier New" pitchFamily="49" charset="0"/>
               </a:rPr>
-              <a:t>deletemyaccount</a:t>
+              <a:t>set_firstname</a:t>
             </a:r>
             <a:r>
               <a:rPr lang="en-US" sz="1800" b="1" dirty="0" smtClean="0">
                 <a:latin typeface="Courier New" pitchFamily="49" charset="0"/>
                 <a:cs typeface="Courier New" pitchFamily="49" charset="0"/>
               </a:rPr>
+              <a:t>=</a:t>
+            </a:r>
+            <a:r>
+              <a:rPr lang="en-US" sz="1800" b="1" dirty="0" err="1" smtClean="0">
+                <a:latin typeface="Courier New" pitchFamily="49" charset="0"/>
+                <a:cs typeface="Courier New" pitchFamily="49" charset="0"/>
+              </a:rPr>
+              <a:t>ron&amp;set_lastname</a:t>
+            </a:r>
+            <a:r>
+              <a:rPr lang="en-US" sz="1800" b="1" dirty="0" smtClean="0">
+                <a:latin typeface="Courier New" pitchFamily="49" charset="0"/>
+                <a:cs typeface="Courier New" pitchFamily="49" charset="0"/>
+              </a:rPr>
+              <a:t>=</a:t>
+            </a:r>
+            <a:r>
+              <a:rPr lang="en-US" sz="1800" b="1" dirty="0" err="1" smtClean="0">
+                <a:latin typeface="Courier New" pitchFamily="49" charset="0"/>
+                <a:cs typeface="Courier New" pitchFamily="49" charset="0"/>
+              </a:rPr>
+              <a:t>bowes</a:t>
+            </a:r>
+            <a:r>
+              <a:rPr lang="en-US" sz="1800" b="1" dirty="0" smtClean="0">
+                <a:latin typeface="Courier New" pitchFamily="49" charset="0"/>
+                <a:cs typeface="Courier New" pitchFamily="49" charset="0"/>
+              </a:rPr>
+              <a:t>”</a:t>
+            </a:r>
+          </a:p>
+          <a:p>
+            <a:pPr lvl="1"/>
+            <a:r>
+              <a:rPr lang="en-US" sz="2400" dirty="0" smtClean="0"/>
+              <a:t>or, </a:t>
+            </a:r>
+            <a:r>
+              <a:rPr lang="en-US" sz="2000" b="1" dirty="0" smtClean="0">
+                <a:latin typeface="Courier New" pitchFamily="49" charset="0"/>
+                <a:cs typeface="Courier New" pitchFamily="49" charset="0"/>
+              </a:rPr>
+              <a:t>commands = “</a:t>
+            </a:r>
+            <a:r>
+              <a:rPr lang="en-US" sz="2000" b="1" dirty="0" err="1" smtClean="0">
+                <a:latin typeface="Courier New" pitchFamily="49" charset="0"/>
+                <a:cs typeface="Courier New" pitchFamily="49" charset="0"/>
+              </a:rPr>
+              <a:t>deletemyaccount</a:t>
+            </a:r>
+            <a:r>
+              <a:rPr lang="en-US" sz="2000" b="1" dirty="0" smtClean="0">
+                <a:latin typeface="Courier New" pitchFamily="49" charset="0"/>
+                <a:cs typeface="Courier New" pitchFamily="49" charset="0"/>
+              </a:rPr>
               <a:t>=1”</a:t>
             </a:r>
           </a:p>
           <a:p>
             <a:pPr lvl="1"/>
             <a:r>
-              <a:rPr lang="en-US" sz="2000" dirty="0" smtClean="0"/>
+              <a:rPr lang="en-US" sz="2400" dirty="0" smtClean="0"/>
               <a:t>Etc.</a:t>
             </a:r>
-            <a:endParaRPr lang="en-US" sz="1600" b="1" dirty="0">
+            <a:endParaRPr lang="en-US" sz="1800" b="1" dirty="0">
               <a:latin typeface="Courier New" pitchFamily="49" charset="0"/>
               <a:cs typeface="Courier New" pitchFamily="49" charset="0"/>
             </a:endParaRPr>
@@ -38392,107 +39130,107 @@
           <a:lstStyle/>
           <a:p>
             <a:r>
-              <a:rPr lang="en-US" sz="2800" dirty="0" smtClean="0"/>
+              <a:rPr lang="en-US" dirty="0" smtClean="0"/>
               <a:t>Let’s use this API to change my </a:t>
             </a:r>
             <a:r>
-              <a:rPr lang="en-US" sz="2800" dirty="0" err="1" smtClean="0"/>
+              <a:rPr lang="en-US" dirty="0" err="1" smtClean="0"/>
               <a:t>firstname</a:t>
             </a:r>
             <a:r>
-              <a:rPr lang="en-US" sz="2800" dirty="0" smtClean="0"/>
+              <a:rPr lang="en-US" dirty="0" smtClean="0"/>
               <a:t> to “</a:t>
             </a:r>
             <a:r>
-              <a:rPr lang="en-US" sz="2800" dirty="0" err="1" smtClean="0"/>
+              <a:rPr lang="en-US" dirty="0" err="1" smtClean="0"/>
               <a:t>ron</a:t>
             </a:r>
             <a:r>
-              <a:rPr lang="en-US" sz="2800" dirty="0" smtClean="0"/>
+              <a:rPr lang="en-US" dirty="0" smtClean="0"/>
               <a:t>”:</a:t>
             </a:r>
           </a:p>
           <a:p>
             <a:pPr lvl="1"/>
             <a:r>
-              <a:rPr lang="en-US" sz="1400" b="1" dirty="0" smtClean="0">
+              <a:rPr lang="en-US" sz="1600" b="1" dirty="0" smtClean="0">
                 <a:latin typeface="Courier New" pitchFamily="49" charset="0"/>
                 <a:cs typeface="Courier New" pitchFamily="49" charset="0"/>
               </a:rPr>
               <a:t>message </a:t>
             </a:r>
             <a:r>
-              <a:rPr lang="en-US" sz="1400" b="1" dirty="0">
+              <a:rPr lang="en-US" sz="1600" b="1" dirty="0">
                 <a:latin typeface="Courier New" pitchFamily="49" charset="0"/>
                 <a:cs typeface="Courier New" pitchFamily="49" charset="0"/>
               </a:rPr>
               <a:t>= SHA1(“</a:t>
             </a:r>
             <a:r>
-              <a:rPr lang="en-US" sz="1400" b="1" dirty="0" err="1">
+              <a:rPr lang="en-US" sz="1600" b="1" dirty="0" err="1">
                 <a:latin typeface="Courier New" pitchFamily="49" charset="0"/>
                 <a:cs typeface="Courier New" pitchFamily="49" charset="0"/>
               </a:rPr>
               <a:t>secretkey</a:t>
             </a:r>
             <a:r>
-              <a:rPr lang="en-US" sz="1400" b="1" dirty="0">
+              <a:rPr lang="en-US" sz="1600" b="1" dirty="0">
                 <a:latin typeface="Courier New" pitchFamily="49" charset="0"/>
                 <a:cs typeface="Courier New" pitchFamily="49" charset="0"/>
               </a:rPr>
               <a:t>” + “</a:t>
             </a:r>
             <a:r>
-              <a:rPr lang="en-US" sz="1400" b="1" dirty="0" err="1">
+              <a:rPr lang="en-US" sz="1600" b="1" dirty="0" err="1">
                 <a:latin typeface="Courier New" pitchFamily="49" charset="0"/>
                 <a:cs typeface="Courier New" pitchFamily="49" charset="0"/>
               </a:rPr>
               <a:t>set_firstname</a:t>
             </a:r>
             <a:r>
-              <a:rPr lang="en-US" sz="1400" b="1" dirty="0">
+              <a:rPr lang="en-US" sz="1600" b="1" dirty="0">
                 <a:latin typeface="Courier New" pitchFamily="49" charset="0"/>
                 <a:cs typeface="Courier New" pitchFamily="49" charset="0"/>
               </a:rPr>
               <a:t>=</a:t>
             </a:r>
             <a:r>
-              <a:rPr lang="en-US" sz="1400" b="1" dirty="0" err="1">
+              <a:rPr lang="en-US" sz="1600" b="1" dirty="0" err="1">
                 <a:latin typeface="Courier New" pitchFamily="49" charset="0"/>
                 <a:cs typeface="Courier New" pitchFamily="49" charset="0"/>
               </a:rPr>
               <a:t>ron</a:t>
             </a:r>
             <a:r>
-              <a:rPr lang="en-US" sz="1400" b="1" dirty="0">
+              <a:rPr lang="en-US" sz="1600" b="1" dirty="0">
                 <a:latin typeface="Courier New" pitchFamily="49" charset="0"/>
                 <a:cs typeface="Courier New" pitchFamily="49" charset="0"/>
               </a:rPr>
               <a:t>”) + “</a:t>
             </a:r>
             <a:r>
-              <a:rPr lang="en-US" sz="1400" b="1" dirty="0" err="1">
+              <a:rPr lang="en-US" sz="1600" b="1" dirty="0" err="1">
                 <a:latin typeface="Courier New" pitchFamily="49" charset="0"/>
                 <a:cs typeface="Courier New" pitchFamily="49" charset="0"/>
               </a:rPr>
               <a:t>set_firstname</a:t>
             </a:r>
             <a:r>
-              <a:rPr lang="en-US" sz="1400" b="1" dirty="0">
+              <a:rPr lang="en-US" sz="1600" b="1" dirty="0">
                 <a:latin typeface="Courier New" pitchFamily="49" charset="0"/>
                 <a:cs typeface="Courier New" pitchFamily="49" charset="0"/>
               </a:rPr>
               <a:t>=</a:t>
             </a:r>
             <a:r>
-              <a:rPr lang="en-US" sz="1400" b="1" dirty="0" err="1">
+              <a:rPr lang="en-US" sz="1600" b="1" dirty="0" err="1">
                 <a:latin typeface="Courier New" pitchFamily="49" charset="0"/>
                 <a:cs typeface="Courier New" pitchFamily="49" charset="0"/>
               </a:rPr>
               <a:t>ron</a:t>
             </a:r>
             <a:r>
-              <a:rPr lang="en-US" sz="1400" b="1" dirty="0">
+              <a:rPr lang="en-US" sz="1600" b="1" dirty="0">
                 <a:latin typeface="Courier New" pitchFamily="49" charset="0"/>
                 <a:cs typeface="Courier New" pitchFamily="49" charset="0"/>
               </a:rPr>
@@ -38502,49 +39240,49 @@
           <a:p>
             <a:pPr lvl="1"/>
             <a:r>
-              <a:rPr lang="en-US" sz="1400" b="1" dirty="0">
+              <a:rPr lang="en-US" sz="1600" b="1" dirty="0">
                 <a:latin typeface="Courier New" pitchFamily="49" charset="0"/>
                 <a:cs typeface="Courier New" pitchFamily="49" charset="0"/>
               </a:rPr>
               <a:t>message </a:t>
             </a:r>
             <a:r>
-              <a:rPr lang="en-US" sz="1400" b="1" dirty="0" smtClean="0">
+              <a:rPr lang="en-US" sz="1600" b="1" dirty="0" smtClean="0">
                 <a:latin typeface="Courier New" pitchFamily="49" charset="0"/>
                 <a:cs typeface="Courier New" pitchFamily="49" charset="0"/>
               </a:rPr>
               <a:t>= </a:t>
             </a:r>
             <a:r>
-              <a:rPr lang="en-US" sz="1400" b="1" dirty="0">
+              <a:rPr lang="en-US" sz="1600" b="1" dirty="0">
                 <a:latin typeface="Courier New" pitchFamily="49" charset="0"/>
                 <a:cs typeface="Courier New" pitchFamily="49" charset="0"/>
               </a:rPr>
               <a:t>“\x5e\x8a\x88\x6a\x5f\x9c\xa9\x77\x42\x1a\xe0\x67\</a:t>
             </a:r>
             <a:r>
-              <a:rPr lang="en-US" sz="1400" b="1" dirty="0" err="1">
+              <a:rPr lang="en-US" sz="1600" b="1" dirty="0" err="1">
                 <a:latin typeface="Courier New" pitchFamily="49" charset="0"/>
                 <a:cs typeface="Courier New" pitchFamily="49" charset="0"/>
               </a:rPr>
               <a:t>xcc</a:t>
             </a:r>
             <a:r>
-              <a:rPr lang="en-US" sz="1400" b="1" dirty="0">
+              <a:rPr lang="en-US" sz="1600" b="1" dirty="0">
                 <a:latin typeface="Courier New" pitchFamily="49" charset="0"/>
                 <a:cs typeface="Courier New" pitchFamily="49" charset="0"/>
               </a:rPr>
               <a:t>\x56\x55\xb7\xf3\x47\x97\x4dset_firstname=</a:t>
             </a:r>
             <a:r>
-              <a:rPr lang="en-US" sz="1400" b="1" dirty="0" err="1">
+              <a:rPr lang="en-US" sz="1600" b="1" dirty="0" err="1">
                 <a:latin typeface="Courier New" pitchFamily="49" charset="0"/>
                 <a:cs typeface="Courier New" pitchFamily="49" charset="0"/>
               </a:rPr>
               <a:t>ron</a:t>
             </a:r>
             <a:r>
-              <a:rPr lang="en-US" sz="1400" b="1" dirty="0">
+              <a:rPr lang="en-US" sz="1600" b="1" dirty="0">
                 <a:latin typeface="Courier New" pitchFamily="49" charset="0"/>
                 <a:cs typeface="Courier New" pitchFamily="49" charset="0"/>
               </a:rPr>
@@ -38578,7 +39316,7 @@
         </p:blipFill>
         <p:spPr>
           <a:xfrm>
-            <a:off x="1143000" y="3777089"/>
+            <a:off x="1164157" y="4319768"/>
             <a:ext cx="1189637" cy="1073630"/>
           </a:xfrm>
           <a:prstGeom prst="rect">
@@ -38608,7 +39346,7 @@
         </p:blipFill>
         <p:spPr>
           <a:xfrm>
-            <a:off x="5486400" y="3507521"/>
+            <a:off x="5507557" y="4050200"/>
             <a:ext cx="2183349" cy="1612767"/>
           </a:xfrm>
           <a:prstGeom prst="rect">
@@ -38624,7 +39362,7 @@
         </p:nvCxnSpPr>
         <p:spPr>
           <a:xfrm>
-            <a:off x="2514600" y="4191001"/>
+            <a:off x="2535757" y="4733680"/>
             <a:ext cx="2971800" cy="0"/>
           </a:xfrm>
           <a:prstGeom prst="straightConnector1">
@@ -38652,13 +39390,15 @@
       <p:cxnSp>
         <p:nvCxnSpPr>
           <p:cNvPr id="7" name="Straight Arrow Connector 6"/>
-          <p:cNvCxnSpPr/>
+          <p:cNvCxnSpPr>
+            <a:endCxn id="8" idx="0"/>
+          </p:cNvCxnSpPr>
           <p:nvPr/>
         </p:nvCxnSpPr>
         <p:spPr>
           <a:xfrm>
-            <a:off x="3505200" y="4191001"/>
-            <a:ext cx="0" cy="1371599"/>
+            <a:off x="3526357" y="4733680"/>
+            <a:ext cx="16943" cy="905119"/>
           </a:xfrm>
           <a:prstGeom prst="straightConnector1">
             <a:avLst/>
@@ -38720,7 +39460,7 @@
         </p:nvSpPr>
         <p:spPr>
           <a:xfrm>
-            <a:off x="2366091" y="3852447"/>
+            <a:off x="2387248" y="4395126"/>
             <a:ext cx="3484756" cy="338554"/>
           </a:xfrm>
           <a:prstGeom prst="rect">
@@ -38781,7 +39521,7 @@
         </p:nvSpPr>
         <p:spPr>
           <a:xfrm>
-            <a:off x="6400800" y="5171791"/>
+            <a:off x="6421957" y="5714470"/>
             <a:ext cx="990600" cy="369332"/>
           </a:xfrm>
           <a:prstGeom prst="rect">
@@ -38841,7 +39581,7 @@
         </p:nvSpPr>
         <p:spPr>
           <a:xfrm>
-            <a:off x="1219200" y="4987125"/>
+            <a:off x="1240357" y="5529804"/>
             <a:ext cx="762000" cy="369332"/>
           </a:xfrm>
           <a:prstGeom prst="rect">
@@ -38968,7 +39708,21 @@
                 <a:latin typeface="Courier New" pitchFamily="49" charset="0"/>
                 <a:cs typeface="Courier New" pitchFamily="49" charset="0"/>
               </a:rPr>
-              <a:t>” + “</a:t>
+              <a:t>” </a:t>
+            </a:r>
+            <a:r>
+              <a:rPr lang="en-US" sz="1800" b="1" dirty="0" smtClean="0">
+                <a:latin typeface="Courier New" pitchFamily="49" charset="0"/>
+                <a:cs typeface="Courier New" pitchFamily="49" charset="0"/>
+              </a:rPr>
+              <a:t>|| </a:t>
+            </a:r>
+            <a:r>
+              <a:rPr lang="en-US" sz="1800" b="1" dirty="0">
+                <a:latin typeface="Courier New" pitchFamily="49" charset="0"/>
+                <a:cs typeface="Courier New" pitchFamily="49" charset="0"/>
+              </a:rPr>
+              <a:t>“</a:t>
             </a:r>
             <a:r>
               <a:rPr lang="en-US" sz="1800" b="1" dirty="0" err="1" smtClean="0">
@@ -41051,147 +41805,95 @@
         <p:spPr/>
         <p:txBody>
           <a:bodyPr>
-            <a:normAutofit fontScale="55000" lnSpcReduction="20000"/>
+            <a:noAutofit/>
           </a:bodyPr>
           <a:lstStyle/>
           <a:p>
             <a:r>
-              <a:rPr lang="en-US" dirty="0" smtClean="0"/>
+              <a:rPr lang="en-US" sz="2400" dirty="0" smtClean="0"/>
               <a:t>It’s amazingly difficult to write these attacks by hand</a:t>
             </a:r>
           </a:p>
           <a:p>
             <a:pPr lvl="1"/>
             <a:r>
-              <a:rPr lang="en-US" dirty="0" smtClean="0"/>
+              <a:rPr lang="en-US" sz="1800" dirty="0" smtClean="0"/>
               <a:t>I never fail to mess up the number of zeroes, or forget to convert the length to bits, or screw up </a:t>
             </a:r>
             <a:r>
-              <a:rPr lang="en-US" dirty="0" err="1" smtClean="0"/>
+              <a:rPr lang="en-US" sz="1800" dirty="0" err="1" smtClean="0"/>
               <a:t>endianness</a:t>
             </a:r>
-            <a:endParaRPr lang="en-US" dirty="0"/>
-          </a:p>
-          <a:p>
-            <a:r>
-              <a:rPr lang="en-US" dirty="0" smtClean="0"/>
+            <a:endParaRPr lang="en-US" sz="1800" dirty="0"/>
+          </a:p>
+          <a:p>
+            <a:r>
+              <a:rPr lang="en-US" sz="2400" dirty="0" smtClean="0"/>
               <a:t>Luckily, you don’t have to! I wrote </a:t>
             </a:r>
             <a:r>
-              <a:rPr lang="en-US" dirty="0" err="1" smtClean="0"/>
+              <a:rPr lang="en-US" sz="2400" dirty="0" err="1" smtClean="0"/>
               <a:t>hash_extender</a:t>
             </a:r>
             <a:r>
-              <a:rPr lang="en-US" dirty="0" smtClean="0"/>
+              <a:rPr lang="en-US" sz="2400" dirty="0" smtClean="0"/>
               <a:t> to take care of that</a:t>
             </a:r>
           </a:p>
           <a:p>
             <a:r>
-              <a:rPr lang="en-US" dirty="0" err="1" smtClean="0"/>
+              <a:rPr lang="en-US" sz="2400" dirty="0" err="1" smtClean="0"/>
               <a:t>hash_extender</a:t>
             </a:r>
             <a:r>
-              <a:rPr lang="en-US" dirty="0" smtClean="0"/>
+              <a:rPr lang="en-US" sz="2400" dirty="0" smtClean="0"/>
               <a:t> supports the following hashes:</a:t>
             </a:r>
           </a:p>
           <a:p>
             <a:pPr lvl="1"/>
             <a:r>
-              <a:rPr lang="en-US" dirty="0" smtClean="0"/>
-              <a:t>md4</a:t>
-            </a:r>
+              <a:rPr lang="en-US" sz="1800" b="1" dirty="0" smtClean="0"/>
+              <a:t>MD4, MD5, RIPEMD160, SHA, SHA1, SHA256, SHA512, Whirlpool</a:t>
+            </a:r>
+            <a:endParaRPr lang="en-US" sz="1800" b="1" dirty="0" smtClean="0"/>
+          </a:p>
+          <a:p>
+            <a:r>
+              <a:rPr lang="en-US" sz="2400" dirty="0" smtClean="0"/>
+              <a:t>The following hash types are more </a:t>
+            </a:r>
+            <a:r>
+              <a:rPr lang="en-US" sz="2400" dirty="0" smtClean="0"/>
+              <a:t>difficult to extend, because the state is truncated before being used:</a:t>
+            </a:r>
+            <a:endParaRPr lang="en-US" sz="2400" dirty="0" smtClean="0"/>
           </a:p>
           <a:p>
             <a:pPr lvl="1"/>
             <a:r>
-              <a:rPr lang="en-US" dirty="0" smtClean="0"/>
-              <a:t>md5</a:t>
-            </a:r>
+              <a:rPr lang="en-US" sz="1800" b="1" dirty="0" smtClean="0"/>
+              <a:t>SHA224, SHA384</a:t>
+            </a:r>
+          </a:p>
+          <a:p>
+            <a:r>
+              <a:rPr lang="en-US" sz="2400" dirty="0" smtClean="0"/>
+              <a:t>And, the following hash type is impossible to extend, by design, although time will tell:</a:t>
+            </a:r>
+            <a:endParaRPr lang="en-US" sz="2400" dirty="0" smtClean="0"/>
           </a:p>
           <a:p>
             <a:pPr lvl="1"/>
             <a:r>
-              <a:rPr lang="en-US" dirty="0" smtClean="0"/>
-              <a:t>ripemd160</a:t>
-            </a:r>
-          </a:p>
-          <a:p>
-            <a:pPr lvl="1"/>
-            <a:r>
-              <a:rPr lang="en-US" dirty="0" err="1" smtClean="0"/>
-              <a:t>sha</a:t>
-            </a:r>
-            <a:endParaRPr lang="en-US" dirty="0" smtClean="0"/>
-          </a:p>
-          <a:p>
-            <a:pPr lvl="1"/>
-            <a:r>
-              <a:rPr lang="en-US" dirty="0" smtClean="0"/>
-              <a:t>sha1</a:t>
-            </a:r>
-          </a:p>
-          <a:p>
-            <a:pPr lvl="1"/>
-            <a:r>
-              <a:rPr lang="en-US" dirty="0" smtClean="0"/>
-              <a:t>sha256</a:t>
-            </a:r>
-          </a:p>
-          <a:p>
-            <a:pPr lvl="1"/>
-            <a:r>
-              <a:rPr lang="en-US" dirty="0" smtClean="0"/>
-              <a:t>sha512</a:t>
-            </a:r>
-          </a:p>
-          <a:p>
-            <a:pPr lvl="1"/>
-            <a:r>
-              <a:rPr lang="en-US" dirty="0" smtClean="0"/>
-              <a:t>Whirlpool</a:t>
-            </a:r>
-          </a:p>
-          <a:p>
-            <a:r>
-              <a:rPr lang="en-US" dirty="0" smtClean="0"/>
-              <a:t>The following hash types are more difficult or impossible to extend:</a:t>
-            </a:r>
-          </a:p>
-          <a:p>
-            <a:pPr lvl="1"/>
-            <a:r>
-              <a:rPr lang="en-US" dirty="0"/>
+              <a:rPr lang="en-US" sz="1800" b="1" dirty="0"/>
               <a:t>s</a:t>
             </a:r>
             <a:r>
-              <a:rPr lang="en-US" dirty="0" smtClean="0"/>
-              <a:t>ha224</a:t>
-            </a:r>
-          </a:p>
-          <a:p>
-            <a:pPr lvl="1"/>
-            <a:r>
-              <a:rPr lang="en-US" dirty="0"/>
-              <a:t>s</a:t>
-            </a:r>
-            <a:r>
-              <a:rPr lang="en-US" dirty="0" smtClean="0"/>
-              <a:t>ha384</a:t>
-            </a:r>
-          </a:p>
-          <a:p>
-            <a:pPr lvl="1"/>
-            <a:r>
-              <a:rPr lang="en-US" dirty="0"/>
-              <a:t>s</a:t>
-            </a:r>
-            <a:r>
-              <a:rPr lang="en-US" dirty="0" smtClean="0"/>
+              <a:rPr lang="en-US" sz="1800" b="1" dirty="0" smtClean="0"/>
               <a:t>ha-3</a:t>
             </a:r>
-            <a:endParaRPr lang="en-US" dirty="0"/>
+            <a:endParaRPr lang="en-US" sz="1800" b="1" dirty="0"/>
           </a:p>
         </p:txBody>
       </p:sp>
@@ -41573,7 +42275,7 @@
           <a:p>
             <a:r>
               <a:rPr lang="en-US" dirty="0" smtClean="0"/>
-              <a:t>So here’s some cats</a:t>
+              <a:t>So let’s look at some cats then do a demo</a:t>
             </a:r>
             <a:endParaRPr lang="en-US" dirty="0"/>
           </a:p>
@@ -43976,7 +44678,11 @@
             </a:r>
             <a:r>
               <a:rPr lang="en-US" sz="2000" dirty="0" smtClean="0"/>
-              <a:t> XOR C</a:t>
+              <a:t> </a:t>
+            </a:r>
+            <a:r>
+              <a:rPr lang="en-US" sz="2000" dirty="0"/>
+              <a:t>⊕ C</a:t>
             </a:r>
             <a:r>
               <a:rPr lang="en-US" sz="2000" baseline="-25000" dirty="0" smtClean="0"/>
@@ -44156,7 +44862,11 @@
             </a:r>
             <a:r>
               <a:rPr lang="en-US" dirty="0" smtClean="0"/>
-              <a:t>) XOR C</a:t>
+              <a:t>) </a:t>
+            </a:r>
+            <a:r>
+              <a:rPr lang="en-US" dirty="0"/>
+              <a:t>⊕ C</a:t>
             </a:r>
             <a:r>
               <a:rPr lang="en-US" baseline="-25000" dirty="0" smtClean="0"/>
@@ -44331,26 +45041,6 @@
               <a:t> </a:t>
             </a:r>
             <a:r>
-              <a:rPr lang="en-US" dirty="0">
-                <a:solidFill>
-                  <a:schemeClr val="accent3">
-                    <a:lumMod val="75000"/>
-                  </a:schemeClr>
-                </a:solidFill>
-              </a:rPr>
-              <a:t>XOR C</a:t>
-            </a:r>
-            <a:r>
-              <a:rPr lang="en-US" baseline="-25000" dirty="0">
-                <a:solidFill>
-                  <a:schemeClr val="accent3">
-                    <a:lumMod val="75000"/>
-                  </a:schemeClr>
-                </a:solidFill>
-              </a:rPr>
-              <a:t>n-1</a:t>
-            </a:r>
-            <a:r>
               <a:rPr lang="en-US" dirty="0" smtClean="0">
                 <a:solidFill>
                   <a:schemeClr val="accent3">
@@ -44358,6 +45048,26 @@
                   </a:schemeClr>
                 </a:solidFill>
               </a:rPr>
+              <a:t>⊕ C</a:t>
+            </a:r>
+            <a:r>
+              <a:rPr lang="en-US" baseline="-25000" dirty="0" smtClean="0">
+                <a:solidFill>
+                  <a:schemeClr val="accent3">
+                    <a:lumMod val="75000"/>
+                  </a:schemeClr>
+                </a:solidFill>
+              </a:rPr>
+              <a:t>n-1</a:t>
+            </a:r>
+            <a:r>
+              <a:rPr lang="en-US" dirty="0" smtClean="0">
+                <a:solidFill>
+                  <a:schemeClr val="accent3">
+                    <a:lumMod val="75000"/>
+                  </a:schemeClr>
+                </a:solidFill>
+              </a:rPr>
               <a:t>)</a:t>
             </a:r>
           </a:p>
@@ -44413,7 +45123,27 @@
                   </a:schemeClr>
                 </a:solidFill>
               </a:rPr>
-              <a:t>) XOR C</a:t>
+              <a:t>) </a:t>
+            </a:r>
+            <a:r>
+              <a:rPr lang="en-US" dirty="0">
+                <a:solidFill>
+                  <a:schemeClr val="accent2">
+                    <a:lumMod val="75000"/>
+                  </a:schemeClr>
+                </a:solidFill>
+              </a:rPr>
+              <a:t>⊕ </a:t>
+            </a:r>
+            <a:r>
+              <a:rPr lang="en-US" dirty="0">
+                <a:solidFill>
+                  <a:schemeClr val="accent2">
+                    <a:lumMod val="75000"/>
+                  </a:schemeClr>
+                </a:solidFill>
+              </a:rPr>
+              <a:t>C</a:t>
             </a:r>
             <a:r>
               <a:rPr lang="en-US" baseline="-25000" dirty="0">
@@ -44501,7 +45231,27 @@
                   </a:schemeClr>
                 </a:solidFill>
               </a:rPr>
-              <a:t> XOR C</a:t>
+              <a:t> </a:t>
+            </a:r>
+            <a:r>
+              <a:rPr lang="en-US" dirty="0">
+                <a:solidFill>
+                  <a:schemeClr val="accent3">
+                    <a:lumMod val="75000"/>
+                  </a:schemeClr>
+                </a:solidFill>
+              </a:rPr>
+              <a:t>⊕ </a:t>
+            </a:r>
+            <a:r>
+              <a:rPr lang="en-US" dirty="0" smtClean="0">
+                <a:solidFill>
+                  <a:schemeClr val="accent3">
+                    <a:lumMod val="75000"/>
+                  </a:schemeClr>
+                </a:solidFill>
+              </a:rPr>
+              <a:t>C</a:t>
             </a:r>
             <a:r>
               <a:rPr lang="en-US" baseline="-25000" dirty="0" smtClean="0">
@@ -44531,7 +45281,27 @@
                   </a:schemeClr>
                 </a:solidFill>
               </a:rPr>
-              <a:t>) XOR C</a:t>
+              <a:t>) </a:t>
+            </a:r>
+            <a:r>
+              <a:rPr lang="en-US" dirty="0">
+                <a:solidFill>
+                  <a:schemeClr val="accent2">
+                    <a:lumMod val="75000"/>
+                  </a:schemeClr>
+                </a:solidFill>
+              </a:rPr>
+              <a:t>⊕ </a:t>
+            </a:r>
+            <a:r>
+              <a:rPr lang="en-US" dirty="0" smtClean="0">
+                <a:solidFill>
+                  <a:schemeClr val="accent2">
+                    <a:lumMod val="75000"/>
+                  </a:schemeClr>
+                </a:solidFill>
+              </a:rPr>
+              <a:t>C</a:t>
             </a:r>
             <a:r>
               <a:rPr lang="en-US" baseline="-25000" dirty="0" smtClean="0">
@@ -44607,17 +45377,7 @@
                   </a:schemeClr>
                 </a:solidFill>
               </a:rPr>
-              <a:t>XOR </a:t>
-            </a:r>
-            <a:r>
-              <a:rPr lang="en-US" dirty="0" smtClean="0">
-                <a:solidFill>
-                  <a:schemeClr val="accent3">
-                    <a:lumMod val="75000"/>
-                  </a:schemeClr>
-                </a:solidFill>
-              </a:rPr>
-              <a:t>C</a:t>
+              <a:t>⊕C</a:t>
             </a:r>
             <a:r>
               <a:rPr lang="en-US" baseline="-25000" dirty="0" smtClean="0">
@@ -44637,7 +45397,7 @@
                   </a:schemeClr>
                 </a:solidFill>
               </a:rPr>
-              <a:t>XOR </a:t>
+              <a:t>⊕ </a:t>
             </a:r>
             <a:r>
               <a:rPr lang="en-US" dirty="0" smtClean="0">
@@ -46380,7 +47140,7 @@
         </p:nvSpPr>
         <p:spPr>
           <a:xfrm>
-            <a:off x="5611390" y="4572000"/>
+            <a:off x="5557026" y="4530081"/>
             <a:ext cx="636085" cy="369332"/>
           </a:xfrm>
           <a:prstGeom prst="rect">
@@ -46395,8 +47155,8 @@
           <a:lstStyle/>
           <a:p>
             <a:r>
-              <a:rPr lang="en-US" dirty="0" smtClean="0"/>
-              <a:t>XOR</a:t>
+              <a:rPr lang="en-US" dirty="0"/>
+              <a:t>⊕</a:t>
             </a:r>
             <a:endParaRPr lang="en-US" dirty="0"/>
           </a:p>
@@ -47659,7 +48419,11 @@
             </a:r>
             <a:r>
               <a:rPr lang="en-US" sz="2400" dirty="0" smtClean="0"/>
-              <a:t>) XOR </a:t>
+              <a:t>) </a:t>
+            </a:r>
+            <a:r>
+              <a:rPr lang="en-US" sz="2400" dirty="0" smtClean="0"/>
+              <a:t>⊕ </a:t>
             </a:r>
             <a:r>
               <a:rPr lang="en-US" sz="2400" b="1" dirty="0" smtClean="0">
@@ -47669,7 +48433,17 @@
                   </a:schemeClr>
                 </a:solidFill>
               </a:rPr>
-              <a:t>C’</a:t>
+              <a:t>C</a:t>
+            </a:r>
+            <a:r>
+              <a:rPr lang="en-US" sz="2400" b="1" dirty="0" smtClean="0">
+                <a:solidFill>
+                  <a:schemeClr val="accent5">
+                    <a:lumMod val="50000"/>
+                  </a:schemeClr>
+                </a:solidFill>
+              </a:rPr>
+              <a:t>’</a:t>
             </a:r>
             <a:endParaRPr lang="en-US" sz="2400" b="1" dirty="0">
               <a:solidFill>
@@ -47739,7 +48513,15 @@
             </a:r>
             <a:r>
               <a:rPr lang="en-US" sz="2400" dirty="0"/>
-              <a:t>) XOR C</a:t>
+              <a:t>) </a:t>
+            </a:r>
+            <a:r>
+              <a:rPr lang="en-US" sz="2400" dirty="0"/>
+              <a:t>⊕ </a:t>
+            </a:r>
+            <a:r>
+              <a:rPr lang="en-US" sz="2400" dirty="0"/>
+              <a:t>C</a:t>
             </a:r>
             <a:r>
               <a:rPr lang="en-US" sz="2400" baseline="-25000" dirty="0"/>
@@ -48027,7 +48809,11 @@
             </a:r>
             <a:r>
               <a:rPr lang="en-US" sz="2400" dirty="0" smtClean="0"/>
-              <a:t>) XOR </a:t>
+              <a:t>) </a:t>
+            </a:r>
+            <a:r>
+              <a:rPr lang="en-US" sz="2400" dirty="0" smtClean="0"/>
+              <a:t>⊕ </a:t>
             </a:r>
             <a:r>
               <a:rPr lang="en-US" sz="2400" b="1" dirty="0" smtClean="0">
@@ -48037,7 +48823,17 @@
                   </a:schemeClr>
                 </a:solidFill>
               </a:rPr>
-              <a:t>C’</a:t>
+              <a:t>C</a:t>
+            </a:r>
+            <a:r>
+              <a:rPr lang="en-US" sz="2400" b="1" dirty="0" smtClean="0">
+                <a:solidFill>
+                  <a:schemeClr val="accent5">
+                    <a:lumMod val="50000"/>
+                  </a:schemeClr>
+                </a:solidFill>
+              </a:rPr>
+              <a:t>’</a:t>
             </a:r>
             <a:endParaRPr lang="en-US" sz="2400" b="1" dirty="0">
               <a:solidFill>
@@ -48294,7 +49090,7 @@
                   <a:schemeClr val="tx1"/>
                 </a:solidFill>
               </a:rPr>
-              <a:t>XOR </a:t>
+              <a:t>⊕ </a:t>
             </a:r>
             <a:r>
               <a:rPr lang="en-US" sz="2400" dirty="0" smtClean="0">
@@ -48426,7 +49222,7 @@
                   <a:schemeClr val="tx1"/>
                 </a:solidFill>
               </a:rPr>
-              <a:t>XOR </a:t>
+              <a:t>⊕ </a:t>
             </a:r>
             <a:r>
               <a:rPr lang="en-US" sz="2400" dirty="0" smtClean="0">
@@ -48563,7 +49359,23 @@
                   <a:schemeClr val="tx1"/>
                 </a:solidFill>
               </a:rPr>
-              <a:t> XOR C</a:t>
+              <a:t> </a:t>
+            </a:r>
+            <a:r>
+              <a:rPr lang="en-US" sz="2400" dirty="0">
+                <a:solidFill>
+                  <a:schemeClr val="tx1"/>
+                </a:solidFill>
+              </a:rPr>
+              <a:t>⊕ </a:t>
+            </a:r>
+            <a:r>
+              <a:rPr lang="en-US" sz="2400" dirty="0">
+                <a:solidFill>
+                  <a:schemeClr val="tx1"/>
+                </a:solidFill>
+              </a:rPr>
+              <a:t>C</a:t>
             </a:r>
             <a:r>
               <a:rPr lang="en-US" sz="2400" b="1" baseline="-25000" dirty="0">
@@ -48583,7 +49395,11 @@
             </a:r>
             <a:r>
               <a:rPr lang="en-US" sz="2400" dirty="0" smtClean="0"/>
-              <a:t>) XOR </a:t>
+              <a:t>) </a:t>
+            </a:r>
+            <a:r>
+              <a:rPr lang="en-US" sz="2400" dirty="0"/>
+              <a:t>⊕ </a:t>
             </a:r>
             <a:r>
               <a:rPr lang="en-US" sz="2400" b="1" dirty="0" smtClean="0">
@@ -48888,7 +49704,7 @@
                   <a:schemeClr val="tx1"/>
                 </a:solidFill>
               </a:rPr>
-              <a:t>XOR </a:t>
+              <a:t>⊕ </a:t>
             </a:r>
             <a:r>
               <a:rPr lang="en-US" sz="2400" dirty="0" smtClean="0">
@@ -48908,7 +49724,11 @@
             </a:r>
             <a:r>
               <a:rPr lang="en-US" sz="2400" dirty="0" smtClean="0"/>
-              <a:t> XOR </a:t>
+              <a:t> </a:t>
+            </a:r>
+            <a:r>
+              <a:rPr lang="en-US" sz="2400" dirty="0"/>
+              <a:t>⊕ </a:t>
             </a:r>
             <a:r>
               <a:rPr lang="en-US" sz="2400" b="1" dirty="0" smtClean="0">
@@ -49131,7 +49951,7 @@
                   <a:schemeClr val="tx1"/>
                 </a:solidFill>
               </a:rPr>
-              <a:t>XOR </a:t>
+              <a:t>⊕ </a:t>
             </a:r>
             <a:r>
               <a:rPr lang="en-US" sz="2400" dirty="0" smtClean="0">
@@ -49151,7 +49971,11 @@
             </a:r>
             <a:r>
               <a:rPr lang="en-US" sz="2400" dirty="0" smtClean="0"/>
-              <a:t> XOR </a:t>
+              <a:t> </a:t>
+            </a:r>
+            <a:r>
+              <a:rPr lang="en-US" sz="2400" dirty="0"/>
+              <a:t>⊕ </a:t>
             </a:r>
             <a:r>
               <a:rPr lang="en-US" sz="2400" b="1" dirty="0" smtClean="0">
@@ -49538,12 +50362,8 @@
               <a:t> </a:t>
             </a:r>
             <a:r>
-              <a:rPr lang="en-US" sz="2400" dirty="0">
-                <a:solidFill>
-                  <a:schemeClr val="tx1"/>
-                </a:solidFill>
-              </a:rPr>
-              <a:t>XOR </a:t>
+              <a:rPr lang="en-US" sz="2400" dirty="0"/>
+              <a:t>⊕</a:t>
             </a:r>
             <a:r>
               <a:rPr lang="en-US" sz="2400" dirty="0" smtClean="0">
@@ -49551,6 +50371,14 @@
                   <a:schemeClr val="tx1"/>
                 </a:solidFill>
               </a:rPr>
+              <a:t> </a:t>
+            </a:r>
+            <a:r>
+              <a:rPr lang="en-US" sz="2400" dirty="0" smtClean="0">
+                <a:solidFill>
+                  <a:schemeClr val="tx1"/>
+                </a:solidFill>
+              </a:rPr>
               <a:t>C</a:t>
             </a:r>
             <a:r>
@@ -49563,7 +50391,11 @@
             </a:r>
             <a:r>
               <a:rPr lang="en-US" sz="2400" dirty="0" smtClean="0"/>
-              <a:t> XOR </a:t>
+              <a:t> </a:t>
+            </a:r>
+            <a:r>
+              <a:rPr lang="en-US" sz="2400" dirty="0"/>
+              <a:t>⊕ </a:t>
             </a:r>
             <a:r>
               <a:rPr lang="en-US" sz="2400" b="1" dirty="0" smtClean="0">
@@ -49904,12 +50736,8 @@
               <a:t> </a:t>
             </a:r>
             <a:r>
-              <a:rPr lang="en-US" sz="2400" dirty="0">
-                <a:solidFill>
-                  <a:schemeClr val="tx1"/>
-                </a:solidFill>
-              </a:rPr>
-              <a:t>XOR </a:t>
+              <a:rPr lang="en-US" sz="2400" dirty="0"/>
+              <a:t>⊕ </a:t>
             </a:r>
             <a:r>
               <a:rPr lang="en-US" sz="2400" dirty="0" smtClean="0">
@@ -49928,8 +50756,8 @@
               <a:t>0</a:t>
             </a:r>
             <a:r>
-              <a:rPr lang="en-US" sz="2400" dirty="0" smtClean="0"/>
-              <a:t> XOR </a:t>
+              <a:rPr lang="en-US" sz="2400" dirty="0"/>
+              <a:t> ⊕ </a:t>
             </a:r>
             <a:r>
               <a:rPr lang="en-US" sz="2400" b="1" dirty="0" smtClean="0">
@@ -49939,7 +50767,17 @@
                   </a:schemeClr>
                 </a:solidFill>
               </a:rPr>
-              <a:t>C’</a:t>
+              <a:t>C</a:t>
+            </a:r>
+            <a:r>
+              <a:rPr lang="en-US" sz="2400" b="1" dirty="0" smtClean="0">
+                <a:solidFill>
+                  <a:schemeClr val="accent5">
+                    <a:lumMod val="50000"/>
+                  </a:schemeClr>
+                </a:solidFill>
+              </a:rPr>
+              <a:t>’</a:t>
             </a:r>
             <a:endParaRPr lang="en-US" sz="2400" b="1" dirty="0">
               <a:solidFill>
@@ -50207,12 +51045,8 @@
               <a:t> </a:t>
             </a:r>
             <a:r>
-              <a:rPr lang="en-US" sz="2400" dirty="0">
-                <a:solidFill>
-                  <a:schemeClr val="tx1"/>
-                </a:solidFill>
-              </a:rPr>
-              <a:t>XOR </a:t>
+              <a:rPr lang="en-US" sz="2400" dirty="0"/>
+              <a:t>⊕ </a:t>
             </a:r>
             <a:r>
               <a:rPr lang="en-US" sz="2400" dirty="0" smtClean="0">
@@ -50231,12 +51065,20 @@
               <a:t>0</a:t>
             </a:r>
             <a:r>
+              <a:rPr lang="en-US" sz="2400" dirty="0" smtClean="0"/>
+              <a:t>[N</a:t>
+            </a:r>
+            <a:r>
               <a:rPr lang="en-US" sz="2400" dirty="0"/>
-              <a:t>[N]</a:t>
+              <a:t>]</a:t>
             </a:r>
             <a:r>
               <a:rPr lang="en-US" sz="2400" dirty="0" smtClean="0"/>
-              <a:t> XOR </a:t>
+              <a:t> </a:t>
+            </a:r>
+            <a:r>
+              <a:rPr lang="en-US" sz="2400" dirty="0"/>
+              <a:t>⊕ </a:t>
             </a:r>
             <a:r>
               <a:rPr lang="en-US" sz="2400" b="1" dirty="0" smtClean="0">
@@ -50246,7 +51088,17 @@
                   </a:schemeClr>
                 </a:solidFill>
               </a:rPr>
-              <a:t>C’</a:t>
+              <a:t>C</a:t>
+            </a:r>
+            <a:r>
+              <a:rPr lang="en-US" sz="2400" b="1" dirty="0" smtClean="0">
+                <a:solidFill>
+                  <a:schemeClr val="accent5">
+                    <a:lumMod val="50000"/>
+                  </a:schemeClr>
+                </a:solidFill>
+              </a:rPr>
+              <a:t>’</a:t>
             </a:r>
             <a:r>
               <a:rPr lang="en-US" sz="2400" dirty="0" smtClean="0"/>
@@ -50343,12 +51195,8 @@
               <a:t> </a:t>
             </a:r>
             <a:r>
-              <a:rPr lang="en-US" sz="2400" dirty="0">
-                <a:solidFill>
-                  <a:schemeClr val="tx1"/>
-                </a:solidFill>
-              </a:rPr>
-              <a:t>XOR </a:t>
+              <a:rPr lang="en-US" sz="2400" dirty="0"/>
+              <a:t>⊕ </a:t>
             </a:r>
             <a:r>
               <a:rPr lang="en-US" sz="2400" dirty="0" smtClean="0">
@@ -50367,12 +51215,20 @@
               <a:t>0</a:t>
             </a:r>
             <a:r>
+              <a:rPr lang="en-US" sz="2400" dirty="0" smtClean="0"/>
+              <a:t>[N</a:t>
+            </a:r>
+            <a:r>
               <a:rPr lang="en-US" sz="2400" dirty="0"/>
-              <a:t>[N]</a:t>
+              <a:t>]</a:t>
             </a:r>
             <a:r>
               <a:rPr lang="en-US" sz="2400" dirty="0" smtClean="0"/>
-              <a:t> XOR </a:t>
+              <a:t> </a:t>
+            </a:r>
+            <a:r>
+              <a:rPr lang="en-US" sz="2400" dirty="0"/>
+              <a:t>⊕ </a:t>
             </a:r>
             <a:r>
               <a:rPr lang="en-US" sz="2400" b="1" dirty="0" smtClean="0">
@@ -50382,7 +51238,17 @@
                   </a:schemeClr>
                 </a:solidFill>
               </a:rPr>
-              <a:t>C’</a:t>
+              <a:t>C</a:t>
+            </a:r>
+            <a:r>
+              <a:rPr lang="en-US" sz="2400" b="1" dirty="0" smtClean="0">
+                <a:solidFill>
+                  <a:schemeClr val="accent5">
+                    <a:lumMod val="50000"/>
+                  </a:schemeClr>
+                </a:solidFill>
+              </a:rPr>
+              <a:t>’</a:t>
             </a:r>
             <a:r>
               <a:rPr lang="en-US" sz="2400" dirty="0" smtClean="0"/>
@@ -50822,12 +51688,8 @@
               <a:t> </a:t>
             </a:r>
             <a:r>
-              <a:rPr lang="en-US" sz="2400" dirty="0">
-                <a:solidFill>
-                  <a:schemeClr val="tx1"/>
-                </a:solidFill>
-              </a:rPr>
-              <a:t>XOR </a:t>
+              <a:rPr lang="en-US" sz="2400" dirty="0"/>
+              <a:t>⊕ </a:t>
             </a:r>
             <a:r>
               <a:rPr lang="en-US" sz="2400" dirty="0" smtClean="0">
@@ -50846,12 +51708,20 @@
               <a:t>0</a:t>
             </a:r>
             <a:r>
+              <a:rPr lang="en-US" sz="2400" dirty="0" smtClean="0"/>
+              <a:t>[N</a:t>
+            </a:r>
+            <a:r>
               <a:rPr lang="en-US" sz="2400" dirty="0"/>
-              <a:t>[N]</a:t>
+              <a:t>]</a:t>
             </a:r>
             <a:r>
               <a:rPr lang="en-US" sz="2400" dirty="0" smtClean="0"/>
-              <a:t> XOR </a:t>
+              <a:t> </a:t>
+            </a:r>
+            <a:r>
+              <a:rPr lang="en-US" sz="2400" dirty="0"/>
+              <a:t>⊕ </a:t>
             </a:r>
             <a:r>
               <a:rPr lang="en-US" sz="2400" b="1" dirty="0" smtClean="0">
@@ -50861,7 +51731,17 @@
                   </a:schemeClr>
                 </a:solidFill>
               </a:rPr>
-              <a:t>C’</a:t>
+              <a:t>C</a:t>
+            </a:r>
+            <a:r>
+              <a:rPr lang="en-US" sz="2400" b="1" dirty="0" smtClean="0">
+                <a:solidFill>
+                  <a:schemeClr val="accent5">
+                    <a:lumMod val="50000"/>
+                  </a:schemeClr>
+                </a:solidFill>
+              </a:rPr>
+              <a:t>’</a:t>
             </a:r>
             <a:r>
               <a:rPr lang="en-US" sz="2400" dirty="0"/>
@@ -50934,12 +51814,8 @@
               <a:t>0x01 </a:t>
             </a:r>
             <a:r>
-              <a:rPr lang="en-US" sz="2400" dirty="0">
-                <a:solidFill>
-                  <a:schemeClr val="tx1"/>
-                </a:solidFill>
-              </a:rPr>
-              <a:t>XOR </a:t>
+              <a:rPr lang="en-US" sz="2400" dirty="0"/>
+              <a:t>⊕ </a:t>
             </a:r>
             <a:r>
               <a:rPr lang="en-US" sz="2400" dirty="0" smtClean="0">
@@ -50950,8 +51826,8 @@
               <a:t>0x22</a:t>
             </a:r>
             <a:r>
-              <a:rPr lang="en-US" sz="2400" dirty="0" smtClean="0"/>
-              <a:t> XOR </a:t>
+              <a:rPr lang="en-US" sz="2400" dirty="0"/>
+              <a:t> ⊕ </a:t>
             </a:r>
             <a:r>
               <a:rPr lang="en-US" sz="2400" b="1" dirty="0" smtClean="0">
@@ -51263,7 +52139,11 @@
           <a:p>
             <a:r>
               <a:rPr lang="en-US" dirty="0" smtClean="0"/>
-              <a:t>Padding oracles: Prevention</a:t>
+              <a:t>Introducing: </a:t>
+            </a:r>
+            <a:r>
+              <a:rPr lang="en-US" dirty="0" err="1" smtClean="0"/>
+              <a:t>Poracle</a:t>
             </a:r>
             <a:endParaRPr lang="en-US" dirty="0"/>
           </a:p>
@@ -51281,62 +52161,41 @@
         </p:nvSpPr>
         <p:spPr/>
         <p:txBody>
-          <a:bodyPr>
-            <a:normAutofit fontScale="92500" lnSpcReduction="10000"/>
-          </a:bodyPr>
+          <a:bodyPr/>
           <a:lstStyle/>
           <a:p>
             <a:r>
               <a:rPr lang="en-US" dirty="0" smtClean="0"/>
-              <a:t>How do you prevent padding oracles?</a:t>
-            </a:r>
-          </a:p>
-          <a:p>
-            <a:pPr lvl="1"/>
+              <a:t>Like all these attacks, I wrote a tool</a:t>
+            </a:r>
+          </a:p>
+          <a:p>
             <a:r>
               <a:rPr lang="en-US" dirty="0" smtClean="0"/>
-              <a:t>HMAC!</a:t>
-            </a:r>
-          </a:p>
-          <a:p>
+              <a:t>This one’s called “</a:t>
+            </a:r>
+            <a:r>
+              <a:rPr lang="en-US" dirty="0" err="1" smtClean="0"/>
+              <a:t>Poracle</a:t>
+            </a:r>
             <a:r>
               <a:rPr lang="en-US" dirty="0" smtClean="0"/>
-              <a:t>By prepending an HMAC hash to the encrypted data – </a:t>
-            </a:r>
-            <a:r>
-              <a:rPr lang="en-US" i="1" dirty="0" smtClean="0"/>
-              <a:t>and validating it before the decryption is performed</a:t>
-            </a:r>
+              <a:t>”</a:t>
+            </a:r>
+          </a:p>
+          <a:p>
             <a:r>
               <a:rPr lang="en-US" dirty="0" smtClean="0"/>
-              <a:t> – you can check if anybody has tampered with the hash!</a:t>
-            </a:r>
-          </a:p>
-          <a:p>
-            <a:r>
-              <a:rPr lang="en-US" dirty="0" smtClean="0"/>
-              <a:t>You can also prevent this by using a block cipher mode of operation other than cipher-block chaining – </a:t>
-            </a:r>
-            <a:r>
-              <a:rPr lang="en-US" dirty="0" err="1" smtClean="0"/>
-              <a:t>eg</a:t>
-            </a:r>
-            <a:r>
-              <a:rPr lang="en-US" dirty="0" smtClean="0"/>
-              <a:t>, counter mode, output feedback, </a:t>
-            </a:r>
-            <a:r>
-              <a:rPr lang="en-US" smtClean="0"/>
-              <a:t>plaintext feedback, etc.</a:t>
-            </a:r>
-            <a:endParaRPr lang="en-US"/>
+              <a:t>Let’s see it in action!</a:t>
+            </a:r>
+            <a:endParaRPr lang="en-US" dirty="0"/>
           </a:p>
         </p:txBody>
       </p:sp>
     </p:spTree>
     <p:extLst>
       <p:ext uri="{BB962C8B-B14F-4D97-AF65-F5344CB8AC3E}">
-        <p14:creationId xmlns:p14="http://schemas.microsoft.com/office/powerpoint/2010/main" val="1640138364"/>
+        <p14:creationId xmlns:p14="http://schemas.microsoft.com/office/powerpoint/2010/main" val="2818765991"/>
       </p:ext>
     </p:extLst>
   </p:cSld>
@@ -51419,11 +52278,11 @@
           <a:p>
             <a:r>
               <a:rPr lang="en-US" sz="2000" dirty="0" smtClean="0"/>
-              <a:t>Not shown: the part where they call me a </a:t>
+              <a:t>Not shown: the part where they call </a:t>
             </a:r>
             <a:r>
               <a:rPr lang="en-US" sz="2000" dirty="0" smtClean="0"/>
-              <a:t>f**</a:t>
+              <a:t>OP a “fag” (&lt;3 4chan)</a:t>
             </a:r>
             <a:endParaRPr lang="en-US" sz="2000" dirty="0"/>
           </a:p>
@@ -51480,6 +52339,372 @@
 </file>
 
 <file path=ppt/slides/slide90.xml><?xml version="1.0" encoding="utf-8"?>
+<p:sld xmlns:a="http://schemas.openxmlformats.org/drawingml/2006/main" xmlns:r="http://schemas.openxmlformats.org/officeDocument/2006/relationships" xmlns:p="http://schemas.openxmlformats.org/presentationml/2006/main">
+  <p:cSld>
+    <p:spTree>
+      <p:nvGrpSpPr>
+        <p:cNvPr id="1" name=""/>
+        <p:cNvGrpSpPr/>
+        <p:nvPr/>
+      </p:nvGrpSpPr>
+      <p:grpSpPr>
+        <a:xfrm>
+          <a:off x="0" y="0"/>
+          <a:ext cx="0" cy="0"/>
+          <a:chOff x="0" y="0"/>
+          <a:chExt cx="0" cy="0"/>
+        </a:xfrm>
+      </p:grpSpPr>
+      <p:sp>
+        <p:nvSpPr>
+          <p:cNvPr id="2" name="Title 1"/>
+          <p:cNvSpPr>
+            <a:spLocks noGrp="1"/>
+          </p:cNvSpPr>
+          <p:nvPr>
+            <p:ph type="title"/>
+          </p:nvPr>
+        </p:nvSpPr>
+        <p:spPr/>
+        <p:txBody>
+          <a:bodyPr>
+            <a:normAutofit fontScale="90000"/>
+          </a:bodyPr>
+          <a:lstStyle/>
+          <a:p>
+            <a:r>
+              <a:rPr lang="en-US" dirty="0" smtClean="0"/>
+              <a:t>We made it through padding oracles!</a:t>
+            </a:r>
+            <a:endParaRPr lang="en-US" dirty="0"/>
+          </a:p>
+        </p:txBody>
+      </p:sp>
+      <p:sp>
+        <p:nvSpPr>
+          <p:cNvPr id="3" name="Content Placeholder 2"/>
+          <p:cNvSpPr>
+            <a:spLocks noGrp="1"/>
+          </p:cNvSpPr>
+          <p:nvPr>
+            <p:ph idx="1"/>
+          </p:nvPr>
+        </p:nvSpPr>
+        <p:spPr/>
+        <p:txBody>
+          <a:bodyPr/>
+          <a:lstStyle/>
+          <a:p>
+            <a:r>
+              <a:rPr lang="en-US" dirty="0" smtClean="0"/>
+              <a:t>Give each other a high five, and sit back and watch the demo</a:t>
+            </a:r>
+            <a:endParaRPr lang="en-US" dirty="0"/>
+          </a:p>
+        </p:txBody>
+      </p:sp>
+      <p:pic>
+        <p:nvPicPr>
+          <p:cNvPr id="4" name="Picture 2" descr="https://gs1.wac.edgecastcdn.net/8019B6/data.tumblr.com/tumblr_mcxhnl6tAx1rksg3yo1_500.jpg"/>
+          <p:cNvPicPr>
+            <a:picLocks noChangeAspect="1" noChangeArrowheads="1"/>
+          </p:cNvPicPr>
+          <p:nvPr/>
+        </p:nvPicPr>
+        <p:blipFill>
+          <a:blip r:embed="rId2">
+            <a:extLst>
+              <a:ext uri="{28A0092B-C50C-407E-A947-70E740481C1C}">
+                <a14:useLocalDpi xmlns:a14="http://schemas.microsoft.com/office/drawing/2010/main" val="0"/>
+              </a:ext>
+            </a:extLst>
+          </a:blip>
+          <a:srcRect/>
+          <a:stretch>
+            <a:fillRect/>
+          </a:stretch>
+        </p:blipFill>
+        <p:spPr bwMode="auto">
+          <a:xfrm>
+            <a:off x="1300843" y="2895600"/>
+            <a:ext cx="6847114" cy="3834384"/>
+          </a:xfrm>
+          <a:prstGeom prst="rect">
+            <a:avLst/>
+          </a:prstGeom>
+          <a:noFill/>
+          <a:extLst>
+            <a:ext uri="{909E8E84-426E-40DD-AFC4-6F175D3DCCD1}">
+              <a14:hiddenFill xmlns:a14="http://schemas.microsoft.com/office/drawing/2010/main">
+                <a:solidFill>
+                  <a:srgbClr val="FFFFFF"/>
+                </a:solidFill>
+              </a14:hiddenFill>
+            </a:ext>
+          </a:extLst>
+        </p:spPr>
+      </p:pic>
+    </p:spTree>
+    <p:extLst>
+      <p:ext uri="{BB962C8B-B14F-4D97-AF65-F5344CB8AC3E}">
+        <p14:creationId xmlns:p14="http://schemas.microsoft.com/office/powerpoint/2010/main" val="2736760537"/>
+      </p:ext>
+    </p:extLst>
+  </p:cSld>
+  <p:clrMapOvr>
+    <a:masterClrMapping/>
+  </p:clrMapOvr>
+  <p:timing>
+    <p:tnLst>
+      <p:par>
+        <p:cTn id="1" dur="indefinite" restart="never" nodeType="tmRoot"/>
+      </p:par>
+    </p:tnLst>
+  </p:timing>
+</p:sld>
+</file>
+
+<file path=ppt/slides/slide91.xml><?xml version="1.0" encoding="utf-8"?>
+<p:sld xmlns:a="http://schemas.openxmlformats.org/drawingml/2006/main" xmlns:r="http://schemas.openxmlformats.org/officeDocument/2006/relationships" xmlns:p="http://schemas.openxmlformats.org/presentationml/2006/main">
+  <p:cSld>
+    <p:spTree>
+      <p:nvGrpSpPr>
+        <p:cNvPr id="1" name=""/>
+        <p:cNvGrpSpPr/>
+        <p:nvPr/>
+      </p:nvGrpSpPr>
+      <p:grpSpPr>
+        <a:xfrm>
+          <a:off x="0" y="0"/>
+          <a:ext cx="0" cy="0"/>
+          <a:chOff x="0" y="0"/>
+          <a:chExt cx="0" cy="0"/>
+        </a:xfrm>
+      </p:grpSpPr>
+      <p:sp>
+        <p:nvSpPr>
+          <p:cNvPr id="2" name="Title 1"/>
+          <p:cNvSpPr>
+            <a:spLocks noGrp="1"/>
+          </p:cNvSpPr>
+          <p:nvPr>
+            <p:ph type="title"/>
+          </p:nvPr>
+        </p:nvSpPr>
+        <p:spPr/>
+        <p:txBody>
+          <a:bodyPr/>
+          <a:lstStyle/>
+          <a:p>
+            <a:r>
+              <a:rPr lang="en-US" dirty="0" smtClean="0"/>
+              <a:t>Padding oracles: Prevention</a:t>
+            </a:r>
+            <a:endParaRPr lang="en-US" dirty="0"/>
+          </a:p>
+        </p:txBody>
+      </p:sp>
+      <p:sp>
+        <p:nvSpPr>
+          <p:cNvPr id="3" name="Content Placeholder 2"/>
+          <p:cNvSpPr>
+            <a:spLocks noGrp="1"/>
+          </p:cNvSpPr>
+          <p:nvPr>
+            <p:ph idx="1"/>
+          </p:nvPr>
+        </p:nvSpPr>
+        <p:spPr/>
+        <p:txBody>
+          <a:bodyPr>
+            <a:normAutofit fontScale="92500" lnSpcReduction="10000"/>
+          </a:bodyPr>
+          <a:lstStyle/>
+          <a:p>
+            <a:r>
+              <a:rPr lang="en-US" dirty="0" smtClean="0"/>
+              <a:t>How do you prevent padding oracles?</a:t>
+            </a:r>
+          </a:p>
+          <a:p>
+            <a:pPr lvl="1"/>
+            <a:r>
+              <a:rPr lang="en-US" dirty="0" smtClean="0"/>
+              <a:t>HMAC!</a:t>
+            </a:r>
+          </a:p>
+          <a:p>
+            <a:r>
+              <a:rPr lang="en-US" dirty="0" smtClean="0"/>
+              <a:t>By prepending an HMAC hash to the encrypted data – </a:t>
+            </a:r>
+            <a:r>
+              <a:rPr lang="en-US" i="1" dirty="0" smtClean="0"/>
+              <a:t>and validating it before the decryption is performed</a:t>
+            </a:r>
+            <a:r>
+              <a:rPr lang="en-US" dirty="0" smtClean="0"/>
+              <a:t> – you can check if anybody has tampered with the hash!</a:t>
+            </a:r>
+          </a:p>
+          <a:p>
+            <a:r>
+              <a:rPr lang="en-US" dirty="0" smtClean="0"/>
+              <a:t>You can also prevent this by using a block cipher mode of operation other than cipher-block chaining – </a:t>
+            </a:r>
+            <a:r>
+              <a:rPr lang="en-US" dirty="0" err="1" smtClean="0"/>
+              <a:t>eg</a:t>
+            </a:r>
+            <a:r>
+              <a:rPr lang="en-US" dirty="0" smtClean="0"/>
+              <a:t>, counter mode, output feedback, plaintext feedback, etc.</a:t>
+            </a:r>
+            <a:endParaRPr lang="en-US" dirty="0"/>
+          </a:p>
+        </p:txBody>
+      </p:sp>
+    </p:spTree>
+    <p:extLst>
+      <p:ext uri="{BB962C8B-B14F-4D97-AF65-F5344CB8AC3E}">
+        <p14:creationId xmlns:p14="http://schemas.microsoft.com/office/powerpoint/2010/main" val="1640138364"/>
+      </p:ext>
+    </p:extLst>
+  </p:cSld>
+  <p:clrMapOvr>
+    <a:masterClrMapping/>
+  </p:clrMapOvr>
+  <p:timing>
+    <p:tnLst>
+      <p:par>
+        <p:cTn id="1" dur="indefinite" restart="never" nodeType="tmRoot"/>
+      </p:par>
+    </p:tnLst>
+  </p:timing>
+</p:sld>
+</file>
+
+<file path=ppt/slides/slide92.xml><?xml version="1.0" encoding="utf-8"?>
+<p:sld xmlns:a="http://schemas.openxmlformats.org/drawingml/2006/main" xmlns:r="http://schemas.openxmlformats.org/officeDocument/2006/relationships" xmlns:p="http://schemas.openxmlformats.org/presentationml/2006/main">
+  <p:cSld>
+    <p:spTree>
+      <p:nvGrpSpPr>
+        <p:cNvPr id="1" name=""/>
+        <p:cNvGrpSpPr/>
+        <p:nvPr/>
+      </p:nvGrpSpPr>
+      <p:grpSpPr>
+        <a:xfrm>
+          <a:off x="0" y="0"/>
+          <a:ext cx="0" cy="0"/>
+          <a:chOff x="0" y="0"/>
+          <a:chExt cx="0" cy="0"/>
+        </a:xfrm>
+      </p:grpSpPr>
+      <p:sp>
+        <p:nvSpPr>
+          <p:cNvPr id="2" name="Title 1"/>
+          <p:cNvSpPr>
+            <a:spLocks noGrp="1"/>
+          </p:cNvSpPr>
+          <p:nvPr>
+            <p:ph type="title"/>
+          </p:nvPr>
+        </p:nvSpPr>
+        <p:spPr/>
+        <p:txBody>
+          <a:bodyPr/>
+          <a:lstStyle/>
+          <a:p>
+            <a:r>
+              <a:rPr lang="en-US" dirty="0" smtClean="0"/>
+              <a:t>Almost there!</a:t>
+            </a:r>
+            <a:endParaRPr lang="en-US" dirty="0"/>
+          </a:p>
+        </p:txBody>
+      </p:sp>
+      <p:sp>
+        <p:nvSpPr>
+          <p:cNvPr id="3" name="Content Placeholder 2"/>
+          <p:cNvSpPr>
+            <a:spLocks noGrp="1"/>
+          </p:cNvSpPr>
+          <p:nvPr>
+            <p:ph idx="1"/>
+          </p:nvPr>
+        </p:nvSpPr>
+        <p:spPr/>
+        <p:txBody>
+          <a:bodyPr/>
+          <a:lstStyle/>
+          <a:p>
+            <a:endParaRPr lang="en-US"/>
+          </a:p>
+        </p:txBody>
+      </p:sp>
+      <p:pic>
+        <p:nvPicPr>
+          <p:cNvPr id="10242" name="Picture 2" descr="https://lh3.ggpht.com/-ajTe66KAecQ/TXf4NYSlC8I/AAAAAAAAACw/LAxtSwk6jmk/s1600/129136986998794039.jpg"/>
+          <p:cNvPicPr>
+            <a:picLocks noChangeAspect="1" noChangeArrowheads="1"/>
+          </p:cNvPicPr>
+          <p:nvPr/>
+        </p:nvPicPr>
+        <p:blipFill>
+          <a:blip r:embed="rId2">
+            <a:extLst>
+              <a:ext uri="{28A0092B-C50C-407E-A947-70E740481C1C}">
+                <a14:useLocalDpi xmlns:a14="http://schemas.microsoft.com/office/drawing/2010/main" val="0"/>
+              </a:ext>
+            </a:extLst>
+          </a:blip>
+          <a:srcRect/>
+          <a:stretch>
+            <a:fillRect/>
+          </a:stretch>
+        </p:blipFill>
+        <p:spPr bwMode="auto">
+          <a:xfrm>
+            <a:off x="1295400" y="1752600"/>
+            <a:ext cx="6629400" cy="4945532"/>
+          </a:xfrm>
+          <a:prstGeom prst="rect">
+            <a:avLst/>
+          </a:prstGeom>
+          <a:noFill/>
+          <a:extLst>
+            <a:ext uri="{909E8E84-426E-40DD-AFC4-6F175D3DCCD1}">
+              <a14:hiddenFill xmlns:a14="http://schemas.microsoft.com/office/drawing/2010/main">
+                <a:solidFill>
+                  <a:srgbClr val="FFFFFF"/>
+                </a:solidFill>
+              </a14:hiddenFill>
+            </a:ext>
+          </a:extLst>
+        </p:spPr>
+      </p:pic>
+    </p:spTree>
+    <p:extLst>
+      <p:ext uri="{BB962C8B-B14F-4D97-AF65-F5344CB8AC3E}">
+        <p14:creationId xmlns:p14="http://schemas.microsoft.com/office/powerpoint/2010/main" val="1729240493"/>
+      </p:ext>
+    </p:extLst>
+  </p:cSld>
+  <p:clrMapOvr>
+    <a:masterClrMapping/>
+  </p:clrMapOvr>
+  <p:timing>
+    <p:tnLst>
+      <p:par>
+        <p:cTn id="1" dur="indefinite" restart="never" nodeType="tmRoot"/>
+      </p:par>
+    </p:tnLst>
+  </p:timing>
+</p:sld>
+</file>
+
+<file path=ppt/slides/slide93.xml><?xml version="1.0" encoding="utf-8"?>
 <p:sld xmlns:a="http://schemas.openxmlformats.org/drawingml/2006/main" xmlns:r="http://schemas.openxmlformats.org/officeDocument/2006/relationships" xmlns:p="http://schemas.openxmlformats.org/presentationml/2006/main">
   <p:cSld>
     <p:spTree>
@@ -51660,7 +52885,88 @@
 </p:sld>
 </file>
 
-<file path=ppt/slides/slide91.xml><?xml version="1.0" encoding="utf-8"?>
+<file path=ppt/slides/slide94.xml><?xml version="1.0" encoding="utf-8"?>
+<p:sld xmlns:a="http://schemas.openxmlformats.org/drawingml/2006/main" xmlns:r="http://schemas.openxmlformats.org/officeDocument/2006/relationships" xmlns:p="http://schemas.openxmlformats.org/presentationml/2006/main">
+  <p:cSld>
+    <p:spTree>
+      <p:nvGrpSpPr>
+        <p:cNvPr id="1" name=""/>
+        <p:cNvGrpSpPr/>
+        <p:nvPr/>
+      </p:nvGrpSpPr>
+      <p:grpSpPr>
+        <a:xfrm>
+          <a:off x="0" y="0"/>
+          <a:ext cx="0" cy="0"/>
+          <a:chOff x="0" y="0"/>
+          <a:chExt cx="0" cy="0"/>
+        </a:xfrm>
+      </p:grpSpPr>
+      <p:sp>
+        <p:nvSpPr>
+          <p:cNvPr id="4" name="Title 3"/>
+          <p:cNvSpPr>
+            <a:spLocks noGrp="1"/>
+          </p:cNvSpPr>
+          <p:nvPr>
+            <p:ph type="title"/>
+          </p:nvPr>
+        </p:nvSpPr>
+        <p:spPr/>
+        <p:txBody>
+          <a:bodyPr>
+            <a:normAutofit fontScale="90000"/>
+          </a:bodyPr>
+          <a:lstStyle/>
+          <a:p>
+            <a:r>
+              <a:rPr lang="en-US" dirty="0" smtClean="0"/>
+              <a:t>Solution #1: don’t give attackers encrypted data</a:t>
+            </a:r>
+            <a:endParaRPr lang="en-US" dirty="0"/>
+          </a:p>
+        </p:txBody>
+      </p:sp>
+      <p:sp>
+        <p:nvSpPr>
+          <p:cNvPr id="5" name="Content Placeholder 4"/>
+          <p:cNvSpPr>
+            <a:spLocks noGrp="1"/>
+          </p:cNvSpPr>
+          <p:nvPr>
+            <p:ph idx="1"/>
+          </p:nvPr>
+        </p:nvSpPr>
+        <p:spPr/>
+        <p:txBody>
+          <a:bodyPr/>
+          <a:lstStyle/>
+          <a:p>
+            <a:endParaRPr lang="en-US" dirty="0"/>
+          </a:p>
+        </p:txBody>
+      </p:sp>
+    </p:spTree>
+    <p:extLst>
+      <p:ext uri="{BB962C8B-B14F-4D97-AF65-F5344CB8AC3E}">
+        <p14:creationId xmlns:p14="http://schemas.microsoft.com/office/powerpoint/2010/main" val="360182384"/>
+      </p:ext>
+    </p:extLst>
+  </p:cSld>
+  <p:clrMapOvr>
+    <a:masterClrMapping/>
+  </p:clrMapOvr>
+  <p:timing>
+    <p:tnLst>
+      <p:par>
+        <p:cTn id="1" dur="indefinite" restart="never" nodeType="tmRoot"/>
+      </p:par>
+    </p:tnLst>
+  </p:timing>
+</p:sld>
+</file>
+
+<file path=ppt/slides/slide95.xml><?xml version="1.0" encoding="utf-8"?>
 <p:sld xmlns:a="http://schemas.openxmlformats.org/drawingml/2006/main" xmlns:r="http://schemas.openxmlformats.org/officeDocument/2006/relationships" xmlns:p="http://schemas.openxmlformats.org/presentationml/2006/main">
   <p:cSld>
     <p:spTree>
@@ -51692,22 +52998,18 @@
           <a:bodyPr/>
           <a:lstStyle/>
           <a:p>
-            <a:r>
-              <a:rPr lang="en-US" dirty="0" smtClean="0"/>
-              <a:t>All done!</a:t>
-            </a:r>
-            <a:endParaRPr lang="en-US" dirty="0"/>
+            <a:endParaRPr lang="en-US"/>
           </a:p>
         </p:txBody>
       </p:sp>
       <p:sp>
         <p:nvSpPr>
-          <p:cNvPr id="3" name="Text Placeholder 2"/>
+          <p:cNvPr id="3" name="Content Placeholder 2"/>
           <p:cNvSpPr>
             <a:spLocks noGrp="1"/>
           </p:cNvSpPr>
           <p:nvPr>
-            <p:ph type="body" idx="1"/>
+            <p:ph idx="1"/>
           </p:nvPr>
         </p:nvSpPr>
         <p:spPr/>
@@ -51715,14 +53017,55 @@
           <a:bodyPr/>
           <a:lstStyle/>
           <a:p>
-            <a:endParaRPr lang="en-US" dirty="0"/>
+            <a:endParaRPr lang="en-US"/>
           </a:p>
         </p:txBody>
       </p:sp>
+      <p:pic>
+        <p:nvPicPr>
+          <p:cNvPr id="6146" name="Picture 2" descr="if you let attackers hold your encrypted data youre gonna h - Super Cool Ski Instructor"/>
+          <p:cNvPicPr>
+            <a:picLocks noChangeAspect="1" noChangeArrowheads="1"/>
+          </p:cNvPicPr>
+          <p:nvPr/>
+        </p:nvPicPr>
+        <p:blipFill>
+          <a:blip r:embed="rId2">
+            <a:extLst>
+              <a:ext uri="{28A0092B-C50C-407E-A947-70E740481C1C}">
+                <a14:useLocalDpi xmlns:a14="http://schemas.microsoft.com/office/drawing/2010/main" val="0"/>
+              </a:ext>
+            </a:extLst>
+          </a:blip>
+          <a:srcRect/>
+          <a:stretch>
+            <a:fillRect/>
+          </a:stretch>
+        </p:blipFill>
+        <p:spPr bwMode="auto">
+          <a:xfrm>
+            <a:off x="838200" y="1592580"/>
+            <a:ext cx="7543800" cy="5092066"/>
+          </a:xfrm>
+          <a:prstGeom prst="rect">
+            <a:avLst/>
+          </a:prstGeom>
+          <a:noFill/>
+          <a:extLst>
+            <a:ext uri="{909E8E84-426E-40DD-AFC4-6F175D3DCCD1}">
+              <a14:hiddenFill xmlns:a14="http://schemas.microsoft.com/office/drawing/2010/main">
+                <a:solidFill>
+                  <a:srgbClr val="FFFFFF"/>
+                </a:solidFill>
+              </a14:hiddenFill>
+            </a:ext>
+          </a:extLst>
+        </p:spPr>
+      </p:pic>
     </p:spTree>
     <p:extLst>
       <p:ext uri="{BB962C8B-B14F-4D97-AF65-F5344CB8AC3E}">
-        <p14:creationId xmlns:p14="http://schemas.microsoft.com/office/powerpoint/2010/main" val="2565735704"/>
+        <p14:creationId xmlns:p14="http://schemas.microsoft.com/office/powerpoint/2010/main" val="663724246"/>
       </p:ext>
     </p:extLst>
   </p:cSld>
@@ -51739,7 +53082,7 @@
 </p:sld>
 </file>
 
-<file path=ppt/slides/slide92.xml><?xml version="1.0" encoding="utf-8"?>
+<file path=ppt/slides/slide96.xml><?xml version="1.0" encoding="utf-8"?>
 <p:sld xmlns:a="http://schemas.openxmlformats.org/drawingml/2006/main" xmlns:r="http://schemas.openxmlformats.org/officeDocument/2006/relationships" xmlns:p="http://schemas.openxmlformats.org/presentationml/2006/main">
   <p:cSld>
     <p:spTree>
@@ -51758,7 +53101,124 @@
       </p:grpSpPr>
       <p:sp>
         <p:nvSpPr>
-          <p:cNvPr id="4" name="Title 3"/>
+          <p:cNvPr id="2" name="Title 1"/>
+          <p:cNvSpPr>
+            <a:spLocks noGrp="1"/>
+          </p:cNvSpPr>
+          <p:nvPr>
+            <p:ph type="title"/>
+          </p:nvPr>
+        </p:nvSpPr>
+        <p:spPr/>
+        <p:txBody>
+          <a:bodyPr>
+            <a:normAutofit fontScale="90000"/>
+          </a:bodyPr>
+          <a:lstStyle/>
+          <a:p>
+            <a:r>
+              <a:rPr lang="en-US" dirty="0" smtClean="0"/>
+              <a:t>Solution #2: When you give them encrypted data, validate it</a:t>
+            </a:r>
+            <a:endParaRPr lang="en-US" dirty="0"/>
+          </a:p>
+        </p:txBody>
+      </p:sp>
+      <p:sp>
+        <p:nvSpPr>
+          <p:cNvPr id="3" name="Content Placeholder 2"/>
+          <p:cNvSpPr>
+            <a:spLocks noGrp="1"/>
+          </p:cNvSpPr>
+          <p:nvPr>
+            <p:ph idx="1"/>
+          </p:nvPr>
+        </p:nvSpPr>
+        <p:spPr/>
+        <p:txBody>
+          <a:bodyPr>
+            <a:normAutofit lnSpcReduction="10000"/>
+          </a:bodyPr>
+          <a:lstStyle/>
+          <a:p>
+            <a:r>
+              <a:rPr lang="en-US" dirty="0" smtClean="0"/>
+              <a:t>Calculate a HMAC and send it with the encrypted data</a:t>
+            </a:r>
+          </a:p>
+          <a:p>
+            <a:pPr lvl="1"/>
+            <a:r>
+              <a:rPr lang="en-US" dirty="0" smtClean="0"/>
+              <a:t>Validate the HMAC before attempting to decrypt</a:t>
+            </a:r>
+          </a:p>
+          <a:p>
+            <a:r>
+              <a:rPr lang="en-US" dirty="0" smtClean="0"/>
+              <a:t>Alternatively, use encryption in “EAX mode” – a NIST standard for authenticated encryption</a:t>
+            </a:r>
+          </a:p>
+          <a:p>
+            <a:r>
+              <a:rPr lang="en-US" dirty="0" smtClean="0"/>
+              <a:t>Coming soon: CAESAR</a:t>
+            </a:r>
+          </a:p>
+          <a:p>
+            <a:pPr lvl="1"/>
+            <a:r>
+              <a:rPr lang="en-US" b="1" dirty="0"/>
+              <a:t>CAESAR: Competition for Authenticated Encryption: Security, Applicability, and </a:t>
+            </a:r>
+            <a:r>
+              <a:rPr lang="en-US" b="1" dirty="0" smtClean="0"/>
+              <a:t>Robustness</a:t>
+            </a:r>
+            <a:endParaRPr lang="en-US" b="1" dirty="0"/>
+          </a:p>
+        </p:txBody>
+      </p:sp>
+    </p:spTree>
+    <p:extLst>
+      <p:ext uri="{BB962C8B-B14F-4D97-AF65-F5344CB8AC3E}">
+        <p14:creationId xmlns:p14="http://schemas.microsoft.com/office/powerpoint/2010/main" val="1771997933"/>
+      </p:ext>
+    </p:extLst>
+  </p:cSld>
+  <p:clrMapOvr>
+    <a:masterClrMapping/>
+  </p:clrMapOvr>
+  <p:timing>
+    <p:tnLst>
+      <p:par>
+        <p:cTn id="1" dur="indefinite" restart="never" nodeType="tmRoot"/>
+      </p:par>
+    </p:tnLst>
+  </p:timing>
+</p:sld>
+</file>
+
+<file path=ppt/slides/slide97.xml><?xml version="1.0" encoding="utf-8"?>
+<p:sld xmlns:a="http://schemas.openxmlformats.org/drawingml/2006/main" xmlns:r="http://schemas.openxmlformats.org/officeDocument/2006/relationships" xmlns:p="http://schemas.openxmlformats.org/presentationml/2006/main">
+  <p:cSld>
+    <p:spTree>
+      <p:nvGrpSpPr>
+        <p:cNvPr id="1" name=""/>
+        <p:cNvGrpSpPr/>
+        <p:nvPr/>
+      </p:nvGrpSpPr>
+      <p:grpSpPr>
+        <a:xfrm>
+          <a:off x="0" y="0"/>
+          <a:ext cx="0" cy="0"/>
+          <a:chOff x="0" y="0"/>
+          <a:chExt cx="0" cy="0"/>
+        </a:xfrm>
+      </p:grpSpPr>
+      <p:sp>
+        <p:nvSpPr>
+          <p:cNvPr id="2" name="Title 1"/>
           <p:cNvSpPr>
             <a:spLocks noGrp="1"/>
           </p:cNvSpPr>
@@ -51773,7 +53233,7 @@
           <a:p>
             <a:r>
               <a:rPr lang="en-US" dirty="0" smtClean="0"/>
-              <a:t>Links + Contact info</a:t>
+              <a:t>It bears repeating…</a:t>
             </a:r>
             <a:endParaRPr lang="en-US" dirty="0"/>
           </a:p>
@@ -51781,7 +53241,7 @@
       </p:sp>
       <p:sp>
         <p:nvSpPr>
-          <p:cNvPr id="5" name="Content Placeholder 4"/>
+          <p:cNvPr id="3" name="Content Placeholder 2"/>
           <p:cNvSpPr>
             <a:spLocks noGrp="1"/>
           </p:cNvSpPr>
@@ -51791,137 +53251,163 @@
         </p:nvSpPr>
         <p:spPr/>
         <p:txBody>
+          <a:bodyPr/>
+          <a:lstStyle/>
+          <a:p>
+            <a:endParaRPr lang="en-US"/>
+          </a:p>
+        </p:txBody>
+      </p:sp>
+      <p:pic>
+        <p:nvPicPr>
+          <p:cNvPr id="4" name="Content Placeholder 3"/>
+          <p:cNvPicPr>
+            <a:picLocks noGrp="1" noChangeAspect="1"/>
+          </p:cNvPicPr>
+          <p:nvPr>
+            <p:ph idx="1"/>
+          </p:nvPr>
+        </p:nvPicPr>
+        <p:blipFill>
+          <a:blip r:embed="rId2">
+            <a:extLst>
+              <a:ext uri="{28A0092B-C50C-407E-A947-70E740481C1C}">
+                <a14:useLocalDpi xmlns:a14="http://schemas.microsoft.com/office/drawing/2010/main" val="0"/>
+              </a:ext>
+            </a:extLst>
+          </a:blip>
+          <a:stretch>
+            <a:fillRect/>
+          </a:stretch>
+        </p:blipFill>
+        <p:spPr>
+          <a:xfrm>
+            <a:off x="685800" y="1447800"/>
+            <a:ext cx="8015111" cy="5410200"/>
+          </a:xfrm>
+        </p:spPr>
+      </p:pic>
+      <p:pic>
+        <p:nvPicPr>
+          <p:cNvPr id="5" name="Content Placeholder 3"/>
+          <p:cNvPicPr>
+            <a:picLocks noChangeAspect="1"/>
+          </p:cNvPicPr>
+          <p:nvPr/>
+        </p:nvPicPr>
+        <p:blipFill>
+          <a:blip r:embed="rId2">
+            <a:extLst>
+              <a:ext uri="{28A0092B-C50C-407E-A947-70E740481C1C}">
+                <a14:useLocalDpi xmlns:a14="http://schemas.microsoft.com/office/drawing/2010/main" val="0"/>
+              </a:ext>
+            </a:extLst>
+          </a:blip>
+          <a:stretch>
+            <a:fillRect/>
+          </a:stretch>
+        </p:blipFill>
+        <p:spPr>
+          <a:xfrm>
+            <a:off x="762000" y="1371600"/>
+            <a:ext cx="8015111" cy="5410200"/>
+          </a:xfrm>
+          <a:prstGeom prst="rect">
+            <a:avLst/>
+          </a:prstGeom>
+        </p:spPr>
+      </p:pic>
+    </p:spTree>
+    <p:extLst>
+      <p:ext uri="{BB962C8B-B14F-4D97-AF65-F5344CB8AC3E}">
+        <p14:creationId xmlns:p14="http://schemas.microsoft.com/office/powerpoint/2010/main" val="1993946077"/>
+      </p:ext>
+    </p:extLst>
+  </p:cSld>
+  <p:clrMapOvr>
+    <a:masterClrMapping/>
+  </p:clrMapOvr>
+  <p:timing>
+    <p:tnLst>
+      <p:par>
+        <p:cTn id="1" dur="indefinite" restart="never" nodeType="tmRoot"/>
+      </p:par>
+    </p:tnLst>
+  </p:timing>
+</p:sld>
+</file>
+
+<file path=ppt/slides/slide98.xml><?xml version="1.0" encoding="utf-8"?>
+<p:sld xmlns:a="http://schemas.openxmlformats.org/drawingml/2006/main" xmlns:r="http://schemas.openxmlformats.org/officeDocument/2006/relationships" xmlns:p="http://schemas.openxmlformats.org/presentationml/2006/main">
+  <p:cSld>
+    <p:spTree>
+      <p:nvGrpSpPr>
+        <p:cNvPr id="1" name=""/>
+        <p:cNvGrpSpPr/>
+        <p:nvPr/>
+      </p:nvGrpSpPr>
+      <p:grpSpPr>
+        <a:xfrm>
+          <a:off x="0" y="0"/>
+          <a:ext cx="0" cy="0"/>
+          <a:chOff x="0" y="0"/>
+          <a:chExt cx="0" cy="0"/>
+        </a:xfrm>
+      </p:grpSpPr>
+      <p:sp>
+        <p:nvSpPr>
+          <p:cNvPr id="2" name="Title 1"/>
+          <p:cNvSpPr>
+            <a:spLocks noGrp="1"/>
+          </p:cNvSpPr>
+          <p:nvPr>
+            <p:ph type="title"/>
+          </p:nvPr>
+        </p:nvSpPr>
+        <p:spPr/>
+        <p:txBody>
           <a:bodyPr>
-            <a:normAutofit fontScale="92500" lnSpcReduction="10000"/>
+            <a:normAutofit fontScale="90000"/>
           </a:bodyPr>
           <a:lstStyle/>
           <a:p>
             <a:r>
               <a:rPr lang="en-US" dirty="0" smtClean="0"/>
-              <a:t>Me:</a:t>
-            </a:r>
-          </a:p>
-          <a:p>
-            <a:pPr lvl="1"/>
+              <a:t>Solution #3: Never encrypt the same thing with the same key and IV</a:t>
+            </a:r>
+            <a:endParaRPr lang="en-US" dirty="0"/>
+          </a:p>
+        </p:txBody>
+      </p:sp>
+      <p:sp>
+        <p:nvSpPr>
+          <p:cNvPr id="3" name="Content Placeholder 2"/>
+          <p:cNvSpPr>
+            <a:spLocks noGrp="1"/>
+          </p:cNvSpPr>
+          <p:nvPr>
+            <p:ph idx="1"/>
+          </p:nvPr>
+        </p:nvSpPr>
+        <p:spPr/>
+        <p:txBody>
+          <a:bodyPr/>
+          <a:lstStyle/>
+          <a:p>
             <a:r>
               <a:rPr lang="en-US" dirty="0" smtClean="0"/>
-              <a:t>Ron Bowes &lt;</a:t>
-            </a:r>
-            <a:r>
-              <a:rPr lang="en-US" dirty="0" smtClean="0">
-                <a:hlinkClick r:id="rId2"/>
-              </a:rPr>
-              <a:t>ron@skullsecurity.net</a:t>
-            </a:r>
+              <a:t>Almost every cipher fails if you use the same key and IV</a:t>
+            </a:r>
+          </a:p>
+          <a:p>
             <a:r>
               <a:rPr lang="en-US" dirty="0" smtClean="0"/>
-              <a:t>&gt;</a:t>
-            </a:r>
-          </a:p>
-          <a:p>
-            <a:pPr lvl="1"/>
-            <a:r>
-              <a:rPr lang="en-US" dirty="0" smtClean="0"/>
-              <a:t>@iagox86</a:t>
-            </a:r>
-          </a:p>
-          <a:p>
-            <a:pPr lvl="1"/>
-            <a:r>
-              <a:rPr lang="en-US" dirty="0" smtClean="0">
-                <a:hlinkClick r:id="rId3"/>
-              </a:rPr>
-              <a:t>http://www.skullsecurity.org</a:t>
-            </a:r>
-            <a:endParaRPr lang="en-US" dirty="0" smtClean="0"/>
-          </a:p>
-          <a:p>
-            <a:pPr lvl="1"/>
-            <a:r>
-              <a:rPr lang="en-US" dirty="0" smtClean="0">
-                <a:hlinkClick r:id="rId4"/>
-              </a:rPr>
-              <a:t>http://www.leviathansecurity.com</a:t>
-            </a:r>
-            <a:endParaRPr lang="en-US" dirty="0" smtClean="0"/>
-          </a:p>
-          <a:p>
-            <a:r>
-              <a:rPr lang="en-US" dirty="0" smtClean="0"/>
-              <a:t>Tools released:</a:t>
-            </a:r>
-          </a:p>
-          <a:p>
-            <a:pPr lvl="1"/>
-            <a:r>
-              <a:rPr lang="en-US" dirty="0" smtClean="0">
-                <a:hlinkClick r:id="rId5"/>
-              </a:rPr>
-              <a:t>https://www.github.com/iagox86/prephixer</a:t>
-            </a:r>
-            <a:r>
-              <a:rPr lang="en-US" dirty="0" smtClean="0"/>
-              <a:t> </a:t>
-            </a:r>
-          </a:p>
-          <a:p>
-            <a:pPr lvl="1"/>
-            <a:r>
-              <a:rPr lang="en-US" dirty="0">
-                <a:hlinkClick r:id="rId6"/>
-              </a:rPr>
-              <a:t>https://</a:t>
-            </a:r>
-            <a:r>
-              <a:rPr lang="en-US" dirty="0" smtClean="0">
-                <a:hlinkClick r:id="rId6"/>
-              </a:rPr>
-              <a:t>www.github.com/iagox86/poracle</a:t>
-            </a:r>
-            <a:endParaRPr lang="en-US" dirty="0" smtClean="0"/>
-          </a:p>
-          <a:p>
-            <a:pPr lvl="1"/>
-            <a:r>
-              <a:rPr lang="en-US" dirty="0">
-                <a:hlinkClick r:id="rId7"/>
-              </a:rPr>
-              <a:t>https://</a:t>
-            </a:r>
-            <a:r>
-              <a:rPr lang="en-US" dirty="0" smtClean="0">
-                <a:hlinkClick r:id="rId7"/>
-              </a:rPr>
-              <a:t>www.github.com/iagox86/hash_extender</a:t>
-            </a:r>
-            <a:r>
-              <a:rPr lang="en-US" dirty="0" smtClean="0"/>
-              <a:t> </a:t>
-            </a:r>
-          </a:p>
-          <a:p>
-            <a:pPr lvl="1"/>
-            <a:r>
-              <a:rPr lang="en-US" dirty="0">
-                <a:hlinkClick r:id="rId8"/>
-              </a:rPr>
-              <a:t>https://</a:t>
-            </a:r>
-            <a:r>
-              <a:rPr lang="en-US" dirty="0" smtClean="0">
-                <a:hlinkClick r:id="rId8"/>
-              </a:rPr>
-              <a:t>www.github.com/iagox86/unzipher</a:t>
-            </a:r>
-            <a:r>
-              <a:rPr lang="en-US" dirty="0" smtClean="0"/>
-              <a:t> </a:t>
-            </a:r>
-          </a:p>
-          <a:p>
-            <a:endParaRPr lang="en-US" dirty="0" smtClean="0"/>
-          </a:p>
-          <a:p>
+              <a:t>Change keys when it makes sense, and change IVs </a:t>
+            </a:r>
+            <a:r>
+              <a:rPr lang="en-US" i="1" dirty="0" smtClean="0"/>
+              <a:t>every time</a:t>
+            </a:r>
             <a:endParaRPr lang="en-US" dirty="0"/>
           </a:p>
         </p:txBody>
@@ -51929,7 +53415,110 @@
     </p:spTree>
     <p:extLst>
       <p:ext uri="{BB962C8B-B14F-4D97-AF65-F5344CB8AC3E}">
-        <p14:creationId xmlns:p14="http://schemas.microsoft.com/office/powerpoint/2010/main" val="4232121080"/>
+        <p14:creationId xmlns:p14="http://schemas.microsoft.com/office/powerpoint/2010/main" val="4280423253"/>
+      </p:ext>
+    </p:extLst>
+  </p:cSld>
+  <p:clrMapOvr>
+    <a:masterClrMapping/>
+  </p:clrMapOvr>
+  <p:timing>
+    <p:tnLst>
+      <p:par>
+        <p:cTn id="1" dur="indefinite" restart="never" nodeType="tmRoot"/>
+      </p:par>
+    </p:tnLst>
+  </p:timing>
+</p:sld>
+</file>
+
+<file path=ppt/slides/slide99.xml><?xml version="1.0" encoding="utf-8"?>
+<p:sld xmlns:a="http://schemas.openxmlformats.org/drawingml/2006/main" xmlns:r="http://schemas.openxmlformats.org/officeDocument/2006/relationships" xmlns:p="http://schemas.openxmlformats.org/presentationml/2006/main">
+  <p:cSld>
+    <p:spTree>
+      <p:nvGrpSpPr>
+        <p:cNvPr id="1" name=""/>
+        <p:cNvGrpSpPr/>
+        <p:nvPr/>
+      </p:nvGrpSpPr>
+      <p:grpSpPr>
+        <a:xfrm>
+          <a:off x="0" y="0"/>
+          <a:ext cx="0" cy="0"/>
+          <a:chOff x="0" y="0"/>
+          <a:chExt cx="0" cy="0"/>
+        </a:xfrm>
+      </p:grpSpPr>
+      <p:sp>
+        <p:nvSpPr>
+          <p:cNvPr id="2" name="Title 1"/>
+          <p:cNvSpPr>
+            <a:spLocks noGrp="1"/>
+          </p:cNvSpPr>
+          <p:nvPr>
+            <p:ph type="title"/>
+          </p:nvPr>
+        </p:nvSpPr>
+        <p:spPr/>
+        <p:txBody>
+          <a:bodyPr>
+            <a:normAutofit fontScale="90000"/>
+          </a:bodyPr>
+          <a:lstStyle/>
+          <a:p>
+            <a:r>
+              <a:rPr lang="en-US" dirty="0" smtClean="0"/>
+              <a:t>One last ski instructor, then we’re done!</a:t>
+            </a:r>
+            <a:endParaRPr lang="en-US" dirty="0"/>
+          </a:p>
+        </p:txBody>
+      </p:sp>
+      <p:pic>
+        <p:nvPicPr>
+          <p:cNvPr id="8194" name="Picture 2" descr="if you encrypt two things with the same key and iv imma com - Super Cool Ski Instructor"/>
+          <p:cNvPicPr>
+            <a:picLocks noChangeAspect="1" noChangeArrowheads="1"/>
+          </p:cNvPicPr>
+          <p:nvPr/>
+        </p:nvPicPr>
+        <p:blipFill>
+          <a:blip r:embed="rId2">
+            <a:extLst>
+              <a:ext uri="{28A0092B-C50C-407E-A947-70E740481C1C}">
+                <a14:useLocalDpi xmlns:a14="http://schemas.microsoft.com/office/drawing/2010/main" val="0"/>
+              </a:ext>
+            </a:extLst>
+          </a:blip>
+          <a:srcRect/>
+          <a:stretch>
+            <a:fillRect/>
+          </a:stretch>
+        </p:blipFill>
+        <p:spPr bwMode="auto">
+          <a:xfrm>
+            <a:off x="990600" y="1543747"/>
+            <a:ext cx="7154332" cy="4829176"/>
+          </a:xfrm>
+          <a:prstGeom prst="rect">
+            <a:avLst/>
+          </a:prstGeom>
+          <a:noFill/>
+          <a:extLst>
+            <a:ext uri="{909E8E84-426E-40DD-AFC4-6F175D3DCCD1}">
+              <a14:hiddenFill xmlns:a14="http://schemas.microsoft.com/office/drawing/2010/main">
+                <a:solidFill>
+                  <a:srgbClr val="FFFFFF"/>
+                </a:solidFill>
+              </a14:hiddenFill>
+            </a:ext>
+          </a:extLst>
+        </p:spPr>
+      </p:pic>
+    </p:spTree>
+    <p:extLst>
+      <p:ext uri="{BB962C8B-B14F-4D97-AF65-F5344CB8AC3E}">
+        <p14:creationId xmlns:p14="http://schemas.microsoft.com/office/powerpoint/2010/main" val="2719671012"/>
       </p:ext>
     </p:extLst>
   </p:cSld>

--- a/Shmoocon.pptx
+++ b/Shmoocon.pptx
@@ -4377,15 +4377,7 @@
               <a:srgbClr val="FFFFFF"/>
             </a:contourClr>
           </a:sp3d>
-          <a:extLst>
-            <a:ext uri="{909E8E84-426E-40DD-AFC4-6F175D3DCCD1}">
-              <a14:hiddenFill xmlns:a14="http://schemas.microsoft.com/office/drawing/2010/main">
-                <a:solidFill>
-                  <a:srgbClr val="FFFFFF"/>
-                </a:solidFill>
-              </a14:hiddenFill>
-            </a:ext>
-          </a:extLst>
+          <a:extLst/>
         </p:spPr>
       </p:pic>
     </p:spTree>
@@ -4474,25 +4466,30 @@
             <a:pPr lvl="1"/>
             <a:r>
               <a:rPr lang="en-US" dirty="0" smtClean="0"/>
-              <a:t>Ron Bowes &lt;</a:t>
-            </a:r>
+              <a:t>Ron Bowes </a:t>
+            </a:r>
+            <a:r>
+              <a:rPr lang="en-US" smtClean="0"/>
+              <a:t>&lt;ron.bowes@leviathansecurity.com&gt;</a:t>
+            </a:r>
+            <a:endParaRPr lang="en-US" dirty="0" smtClean="0"/>
+          </a:p>
+          <a:p>
+            <a:pPr lvl="1"/>
+            <a:r>
+              <a:rPr lang="en-US" dirty="0" smtClean="0"/>
+              <a:t>@iagox86</a:t>
+            </a:r>
+          </a:p>
+          <a:p>
+            <a:pPr lvl="1"/>
             <a:r>
               <a:rPr lang="en-US" dirty="0" smtClean="0">
                 <a:hlinkClick r:id="rId2"/>
               </a:rPr>
-              <a:t>ron@skullsecurity.net</a:t>
-            </a:r>
-            <a:r>
-              <a:rPr lang="en-US" dirty="0" smtClean="0"/>
-              <a:t>&gt;</a:t>
-            </a:r>
-          </a:p>
-          <a:p>
-            <a:pPr lvl="1"/>
-            <a:r>
-              <a:rPr lang="en-US" dirty="0" smtClean="0"/>
-              <a:t>@iagox86</a:t>
-            </a:r>
+              <a:t>http://www.skullsecurity.org</a:t>
+            </a:r>
+            <a:endParaRPr lang="en-US" dirty="0" smtClean="0"/>
           </a:p>
           <a:p>
             <a:pPr lvl="1"/>
@@ -4500,9 +4497,15 @@
               <a:rPr lang="en-US" dirty="0" smtClean="0">
                 <a:hlinkClick r:id="rId3"/>
               </a:rPr>
-              <a:t>http://www.skullsecurity.org</a:t>
+              <a:t>http://www.leviathansecurity.com</a:t>
             </a:r>
             <a:endParaRPr lang="en-US" dirty="0" smtClean="0"/>
+          </a:p>
+          <a:p>
+            <a:r>
+              <a:rPr lang="en-US" dirty="0" smtClean="0"/>
+              <a:t>Tools released:</a:t>
+            </a:r>
           </a:p>
           <a:p>
             <a:pPr lvl="1"/>
@@ -4510,23 +4513,42 @@
               <a:rPr lang="en-US" dirty="0" smtClean="0">
                 <a:hlinkClick r:id="rId4"/>
               </a:rPr>
-              <a:t>http://www.leviathansecurity.com</a:t>
-            </a:r>
-            <a:endParaRPr lang="en-US" dirty="0" smtClean="0"/>
-          </a:p>
-          <a:p>
+              <a:t>https://www.github.com/iagox86/prephixer</a:t>
+            </a:r>
             <a:r>
               <a:rPr lang="en-US" dirty="0" smtClean="0"/>
-              <a:t>Tools released:</a:t>
+              <a:t> </a:t>
             </a:r>
           </a:p>
           <a:p>
             <a:pPr lvl="1"/>
+            <a:r>
+              <a:rPr lang="en-US" dirty="0">
+                <a:hlinkClick r:id="rId5"/>
+              </a:rPr>
+              <a:t>https://</a:t>
+            </a:r>
             <a:r>
               <a:rPr lang="en-US" dirty="0" smtClean="0">
                 <a:hlinkClick r:id="rId5"/>
               </a:rPr>
-              <a:t>https://www.github.com/iagox86/prephixer</a:t>
+              <a:t>www.github.com/iagox86/poracle</a:t>
+            </a:r>
+            <a:endParaRPr lang="en-US" dirty="0" smtClean="0"/>
+          </a:p>
+          <a:p>
+            <a:pPr lvl="1"/>
+            <a:r>
+              <a:rPr lang="en-US" dirty="0">
+                <a:hlinkClick r:id="rId6"/>
+              </a:rPr>
+              <a:t>https://</a:t>
+            </a:r>
+            <a:r>
+              <a:rPr lang="en-US" dirty="0" smtClean="0">
+                <a:hlinkClick r:id="rId6"/>
+              </a:rPr>
+              <a:t>www.github.com/iagox86/hash_extender</a:t>
             </a:r>
             <a:r>
               <a:rPr lang="en-US" dirty="0" smtClean="0"/>
@@ -4537,22 +4559,6 @@
             <a:pPr lvl="1"/>
             <a:r>
               <a:rPr lang="en-US" dirty="0">
-                <a:hlinkClick r:id="rId6"/>
-              </a:rPr>
-              <a:t>https://</a:t>
-            </a:r>
-            <a:r>
-              <a:rPr lang="en-US" dirty="0" smtClean="0">
-                <a:hlinkClick r:id="rId6"/>
-              </a:rPr>
-              <a:t>www.github.com/iagox86/poracle</a:t>
-            </a:r>
-            <a:endParaRPr lang="en-US" dirty="0" smtClean="0"/>
-          </a:p>
-          <a:p>
-            <a:pPr lvl="1"/>
-            <a:r>
-              <a:rPr lang="en-US" dirty="0">
                 <a:hlinkClick r:id="rId7"/>
               </a:rPr>
               <a:t>https://</a:t>
@@ -4561,7 +4567,7 @@
               <a:rPr lang="en-US" dirty="0" smtClean="0">
                 <a:hlinkClick r:id="rId7"/>
               </a:rPr>
-              <a:t>www.github.com/iagox86/hash_extender</a:t>
+              <a:t>www.github.com/iagox86/unzipher</a:t>
             </a:r>
             <a:r>
               <a:rPr lang="en-US" dirty="0" smtClean="0"/>
@@ -4569,41 +4575,20 @@
             </a:r>
           </a:p>
           <a:p>
-            <a:pPr lvl="1"/>
-            <a:r>
-              <a:rPr lang="en-US" dirty="0">
-                <a:hlinkClick r:id="rId8"/>
-              </a:rPr>
-              <a:t>https://</a:t>
+            <a:r>
+              <a:rPr lang="en-US" dirty="0" smtClean="0"/>
+              <a:t>This talk will be on </a:t>
             </a:r>
             <a:r>
               <a:rPr lang="en-US" dirty="0" smtClean="0">
                 <a:hlinkClick r:id="rId8"/>
               </a:rPr>
-              <a:t>www.github.com/iagox86/unzipher</a:t>
-            </a:r>
-            <a:r>
-              <a:rPr lang="en-US" dirty="0" smtClean="0"/>
-              <a:t> </a:t>
-            </a:r>
-            <a:endParaRPr lang="en-US" dirty="0" smtClean="0"/>
-          </a:p>
-          <a:p>
-            <a:r>
-              <a:rPr lang="en-US" dirty="0" smtClean="0"/>
-              <a:t>This talk will be on </a:t>
-            </a:r>
-            <a:r>
-              <a:rPr lang="en-US" dirty="0" smtClean="0">
-                <a:hlinkClick r:id="rId9"/>
-              </a:rPr>
               <a:t>https://www.github.com/iagox86</a:t>
             </a:r>
             <a:r>
               <a:rPr lang="en-US" dirty="0" smtClean="0"/>
               <a:t> as well</a:t>
             </a:r>
-            <a:endParaRPr lang="en-US" dirty="0" smtClean="0"/>
           </a:p>
           <a:p>
             <a:endParaRPr lang="en-US" dirty="0" smtClean="0"/>
@@ -5698,7 +5683,15 @@
             <a:pPr algn="r"/>
             <a:r>
               <a:rPr lang="en-US" dirty="0" smtClean="0"/>
-              <a:t>Now you can see if any of 100s of users thinks the “Bob” is actually “Bob”</a:t>
+              <a:t>Now you can see if any of 100s of </a:t>
+            </a:r>
+            <a:r>
+              <a:rPr lang="en-US" dirty="0" smtClean="0"/>
+              <a:t>companies thinks </a:t>
+            </a:r>
+            <a:r>
+              <a:rPr lang="en-US" dirty="0" smtClean="0"/>
+              <a:t>the “Bob” is actually “Bob”</a:t>
             </a:r>
             <a:endParaRPr lang="en-US" dirty="0"/>
           </a:p>
@@ -6786,7 +6779,7 @@
         <p:spPr>
           <a:xfrm>
             <a:off x="457200" y="1600200"/>
-            <a:ext cx="5334000" cy="4525963"/>
+            <a:ext cx="6324600" cy="4525963"/>
           </a:xfrm>
         </p:spPr>
         <p:txBody>
@@ -6811,12 +6804,25 @@
               <a:rPr lang="en-US" dirty="0" smtClean="0">
                 <a:hlinkClick r:id="rId2"/>
               </a:rPr>
-              <a:t>ron@skullsecurity.net</a:t>
+              <a:t>http://www.skullsecurity.org</a:t>
+            </a:r>
+            <a:endParaRPr lang="en-US" dirty="0" smtClean="0"/>
+          </a:p>
+          <a:p>
+            <a:pPr lvl="1"/>
+            <a:r>
+              <a:rPr lang="en-US" dirty="0"/>
+              <a:t>r</a:t>
+            </a:r>
+            <a:r>
+              <a:rPr lang="en-US" dirty="0" smtClean="0"/>
+              <a:t>on.bowes@leviathansecurity.com</a:t>
             </a:r>
             <a:r>
               <a:rPr lang="en-US" dirty="0" smtClean="0"/>
               <a:t> </a:t>
             </a:r>
+            <a:endParaRPr lang="en-US" dirty="0" smtClean="0"/>
           </a:p>
           <a:p>
             <a:r>
@@ -6855,8 +6861,8 @@
         </p:blipFill>
         <p:spPr>
           <a:xfrm>
-            <a:off x="4953000" y="228600"/>
-            <a:ext cx="4038890" cy="3124200"/>
+            <a:off x="5534459" y="457200"/>
+            <a:ext cx="3644852" cy="2819400"/>
           </a:xfrm>
           <a:prstGeom prst="rect">
             <a:avLst/>
@@ -9292,15 +9298,7 @@
             <a:pPr marL="0" lvl="1"/>
             <a:r>
               <a:rPr lang="en-US" sz="3200" dirty="0" smtClean="0"/>
-              <a:t>C = (P </a:t>
-            </a:r>
-            <a:r>
-              <a:rPr lang="en-US" sz="3200" dirty="0" smtClean="0"/>
-              <a:t>⊕ K</a:t>
-            </a:r>
-            <a:r>
-              <a:rPr lang="en-US" sz="3200" dirty="0" smtClean="0"/>
-              <a:t>)</a:t>
+              <a:t>C = (P ⊕ K)</a:t>
             </a:r>
           </a:p>
           <a:p>
@@ -11319,11 +11317,7 @@
           <a:p>
             <a:r>
               <a:rPr lang="en-US" dirty="0" smtClean="0"/>
-              <a:t>A bunch of examples, with proofs of </a:t>
-            </a:r>
-            <a:r>
-              <a:rPr lang="en-US" dirty="0" smtClean="0"/>
-              <a:t>concept</a:t>
+              <a:t>A bunch of examples, with proofs of concept</a:t>
             </a:r>
           </a:p>
           <a:p>
@@ -11332,7 +11326,6 @@
               <a:rPr lang="en-US" dirty="0" smtClean="0"/>
               <a:t>Bit flipping</a:t>
             </a:r>
-            <a:endParaRPr lang="en-US" dirty="0" smtClean="0"/>
           </a:p>
           <a:p>
             <a:pPr lvl="1"/>
@@ -11340,30 +11333,20 @@
               <a:rPr lang="en-US" dirty="0" smtClean="0"/>
               <a:t>Key re-use</a:t>
             </a:r>
-            <a:endParaRPr lang="en-US" dirty="0" smtClean="0"/>
           </a:p>
           <a:p>
             <a:pPr lvl="1"/>
             <a:r>
               <a:rPr lang="en-US" dirty="0" smtClean="0"/>
-              <a:t>Padding </a:t>
-            </a:r>
+              <a:t>Padding oracle</a:t>
+            </a:r>
+          </a:p>
+          <a:p>
+            <a:pPr lvl="1"/>
             <a:r>
               <a:rPr lang="en-US" dirty="0" smtClean="0"/>
-              <a:t>oracle</a:t>
-            </a:r>
-          </a:p>
-          <a:p>
-            <a:pPr lvl="1"/>
-            <a:r>
-              <a:rPr lang="en-US" dirty="0" smtClean="0"/>
-              <a:t>Hash length </a:t>
-            </a:r>
-            <a:r>
-              <a:rPr lang="en-US" dirty="0" smtClean="0"/>
-              <a:t>extension</a:t>
-            </a:r>
-            <a:endParaRPr lang="en-US" dirty="0" smtClean="0"/>
+              <a:t>Hash length extension</a:t>
+            </a:r>
           </a:p>
           <a:p>
             <a:r>
@@ -11463,7 +11446,15 @@
             </a:r>
             <a:r>
               <a:rPr lang="en-US" dirty="0" smtClean="0"/>
-              <a:t> HMAC(), not H(secret + data)</a:t>
+              <a:t> HMAC(), not H(secret </a:t>
+            </a:r>
+            <a:r>
+              <a:rPr lang="en-US" dirty="0" smtClean="0"/>
+              <a:t>|| </a:t>
+            </a:r>
+            <a:r>
+              <a:rPr lang="en-US" dirty="0" smtClean="0"/>
+              <a:t>data)</a:t>
             </a:r>
           </a:p>
           <a:p>
@@ -33627,17 +33618,7 @@
                 <a:latin typeface="Courier New" pitchFamily="49" charset="0"/>
                 <a:cs typeface="Courier New" pitchFamily="49" charset="0"/>
               </a:rPr>
-              <a:t>H(secret </a:t>
-            </a:r>
-            <a:r>
-              <a:rPr lang="en-US" sz="2000" b="1" dirty="0" smtClean="0">
-                <a:solidFill>
-                  <a:srgbClr val="C00000"/>
-                </a:solidFill>
-                <a:latin typeface="Courier New" pitchFamily="49" charset="0"/>
-                <a:cs typeface="Courier New" pitchFamily="49" charset="0"/>
-              </a:rPr>
-              <a:t>|| </a:t>
+              <a:t>H(secret || </a:t>
             </a:r>
             <a:r>
               <a:rPr lang="en-US" sz="2000" b="1" dirty="0" err="1">
@@ -41856,18 +41837,12 @@
               <a:rPr lang="en-US" sz="1800" b="1" dirty="0" smtClean="0"/>
               <a:t>MD4, MD5, RIPEMD160, SHA, SHA1, SHA256, SHA512, Whirlpool</a:t>
             </a:r>
-            <a:endParaRPr lang="en-US" sz="1800" b="1" dirty="0" smtClean="0"/>
           </a:p>
           <a:p>
             <a:r>
               <a:rPr lang="en-US" sz="2400" dirty="0" smtClean="0"/>
-              <a:t>The following hash types are more </a:t>
-            </a:r>
-            <a:r>
-              <a:rPr lang="en-US" sz="2400" dirty="0" smtClean="0"/>
-              <a:t>difficult to extend, because the state is truncated before being used:</a:t>
-            </a:r>
-            <a:endParaRPr lang="en-US" sz="2400" dirty="0" smtClean="0"/>
+              <a:t>The following hash types are more difficult to extend, because the state is truncated before being used:</a:t>
+            </a:r>
           </a:p>
           <a:p>
             <a:pPr lvl="1"/>
@@ -41881,17 +41856,12 @@
               <a:rPr lang="en-US" sz="2400" dirty="0" smtClean="0"/>
               <a:t>And, the following hash type is impossible to extend, by design, although time will tell:</a:t>
             </a:r>
-            <a:endParaRPr lang="en-US" sz="2400" dirty="0" smtClean="0"/>
           </a:p>
           <a:p>
             <a:pPr lvl="1"/>
             <a:r>
-              <a:rPr lang="en-US" sz="1800" b="1" dirty="0"/>
-              <a:t>s</a:t>
-            </a:r>
-            <a:r>
               <a:rPr lang="en-US" sz="1800" b="1" dirty="0" smtClean="0"/>
-              <a:t>ha-3</a:t>
+              <a:t>SHA3</a:t>
             </a:r>
             <a:endParaRPr lang="en-US" sz="1800" b="1" dirty="0"/>
           </a:p>
@@ -45038,7 +45008,17 @@
                   </a:schemeClr>
                 </a:solidFill>
               </a:rPr>
-              <a:t> </a:t>
+              <a:t> ⊕ C</a:t>
+            </a:r>
+            <a:r>
+              <a:rPr lang="en-US" baseline="-25000" dirty="0" smtClean="0">
+                <a:solidFill>
+                  <a:schemeClr val="accent3">
+                    <a:lumMod val="75000"/>
+                  </a:schemeClr>
+                </a:solidFill>
+              </a:rPr>
+              <a:t>n-1</a:t>
             </a:r>
             <a:r>
               <a:rPr lang="en-US" dirty="0" smtClean="0">
@@ -45048,26 +45028,6 @@
                   </a:schemeClr>
                 </a:solidFill>
               </a:rPr>
-              <a:t>⊕ C</a:t>
-            </a:r>
-            <a:r>
-              <a:rPr lang="en-US" baseline="-25000" dirty="0" smtClean="0">
-                <a:solidFill>
-                  <a:schemeClr val="accent3">
-                    <a:lumMod val="75000"/>
-                  </a:schemeClr>
-                </a:solidFill>
-              </a:rPr>
-              <a:t>n-1</a:t>
-            </a:r>
-            <a:r>
-              <a:rPr lang="en-US" dirty="0" smtClean="0">
-                <a:solidFill>
-                  <a:schemeClr val="accent3">
-                    <a:lumMod val="75000"/>
-                  </a:schemeClr>
-                </a:solidFill>
-              </a:rPr>
               <a:t>)</a:t>
             </a:r>
           </a:p>
@@ -45123,27 +45083,7 @@
                   </a:schemeClr>
                 </a:solidFill>
               </a:rPr>
-              <a:t>) </a:t>
-            </a:r>
-            <a:r>
-              <a:rPr lang="en-US" dirty="0">
-                <a:solidFill>
-                  <a:schemeClr val="accent2">
-                    <a:lumMod val="75000"/>
-                  </a:schemeClr>
-                </a:solidFill>
-              </a:rPr>
-              <a:t>⊕ </a:t>
-            </a:r>
-            <a:r>
-              <a:rPr lang="en-US" dirty="0">
-                <a:solidFill>
-                  <a:schemeClr val="accent2">
-                    <a:lumMod val="75000"/>
-                  </a:schemeClr>
-                </a:solidFill>
-              </a:rPr>
-              <a:t>C</a:t>
+              <a:t>) ⊕ C</a:t>
             </a:r>
             <a:r>
               <a:rPr lang="en-US" baseline="-25000" dirty="0">
@@ -47158,7 +47098,6 @@
               <a:rPr lang="en-US" dirty="0"/>
               <a:t>⊕</a:t>
             </a:r>
-            <a:endParaRPr lang="en-US" dirty="0"/>
           </a:p>
         </p:txBody>
       </p:sp>
@@ -48419,11 +48358,7 @@
             </a:r>
             <a:r>
               <a:rPr lang="en-US" sz="2400" dirty="0" smtClean="0"/>
-              <a:t>) </a:t>
-            </a:r>
-            <a:r>
-              <a:rPr lang="en-US" sz="2400" dirty="0" smtClean="0"/>
-              <a:t>⊕ </a:t>
+              <a:t>) ⊕ </a:t>
             </a:r>
             <a:r>
               <a:rPr lang="en-US" sz="2400" b="1" dirty="0" smtClean="0">
@@ -48433,17 +48368,7 @@
                   </a:schemeClr>
                 </a:solidFill>
               </a:rPr>
-              <a:t>C</a:t>
-            </a:r>
-            <a:r>
-              <a:rPr lang="en-US" sz="2400" b="1" dirty="0" smtClean="0">
-                <a:solidFill>
-                  <a:schemeClr val="accent5">
-                    <a:lumMod val="50000"/>
-                  </a:schemeClr>
-                </a:solidFill>
-              </a:rPr>
-              <a:t>’</a:t>
+              <a:t>C’</a:t>
             </a:r>
             <a:endParaRPr lang="en-US" sz="2400" b="1" dirty="0">
               <a:solidFill>
@@ -48513,15 +48438,7 @@
             </a:r>
             <a:r>
               <a:rPr lang="en-US" sz="2400" dirty="0"/>
-              <a:t>) </a:t>
-            </a:r>
-            <a:r>
-              <a:rPr lang="en-US" sz="2400" dirty="0"/>
-              <a:t>⊕ </a:t>
-            </a:r>
-            <a:r>
-              <a:rPr lang="en-US" sz="2400" dirty="0"/>
-              <a:t>C</a:t>
+              <a:t>) ⊕ C</a:t>
             </a:r>
             <a:r>
               <a:rPr lang="en-US" sz="2400" baseline="-25000" dirty="0"/>
@@ -48809,11 +48726,7 @@
             </a:r>
             <a:r>
               <a:rPr lang="en-US" sz="2400" dirty="0" smtClean="0"/>
-              <a:t>) </a:t>
-            </a:r>
-            <a:r>
-              <a:rPr lang="en-US" sz="2400" dirty="0" smtClean="0"/>
-              <a:t>⊕ </a:t>
+              <a:t>) ⊕ </a:t>
             </a:r>
             <a:r>
               <a:rPr lang="en-US" sz="2400" b="1" dirty="0" smtClean="0">
@@ -48823,17 +48736,7 @@
                   </a:schemeClr>
                 </a:solidFill>
               </a:rPr>
-              <a:t>C</a:t>
-            </a:r>
-            <a:r>
-              <a:rPr lang="en-US" sz="2400" b="1" dirty="0" smtClean="0">
-                <a:solidFill>
-                  <a:schemeClr val="accent5">
-                    <a:lumMod val="50000"/>
-                  </a:schemeClr>
-                </a:solidFill>
-              </a:rPr>
-              <a:t>’</a:t>
+              <a:t>C’</a:t>
             </a:r>
             <a:endParaRPr lang="en-US" sz="2400" b="1" dirty="0">
               <a:solidFill>
@@ -49359,23 +49262,7 @@
                   <a:schemeClr val="tx1"/>
                 </a:solidFill>
               </a:rPr>
-              <a:t> </a:t>
-            </a:r>
-            <a:r>
-              <a:rPr lang="en-US" sz="2400" dirty="0">
-                <a:solidFill>
-                  <a:schemeClr val="tx1"/>
-                </a:solidFill>
-              </a:rPr>
-              <a:t>⊕ </a:t>
-            </a:r>
-            <a:r>
-              <a:rPr lang="en-US" sz="2400" dirty="0">
-                <a:solidFill>
-                  <a:schemeClr val="tx1"/>
-                </a:solidFill>
-              </a:rPr>
-              <a:t>C</a:t>
+              <a:t> ⊕ C</a:t>
             </a:r>
             <a:r>
               <a:rPr lang="en-US" sz="2400" b="1" baseline="-25000" dirty="0">
@@ -50371,15 +50258,7 @@
                   <a:schemeClr val="tx1"/>
                 </a:solidFill>
               </a:rPr>
-              <a:t> </a:t>
-            </a:r>
-            <a:r>
-              <a:rPr lang="en-US" sz="2400" dirty="0" smtClean="0">
-                <a:solidFill>
-                  <a:schemeClr val="tx1"/>
-                </a:solidFill>
-              </a:rPr>
-              <a:t>C</a:t>
+              <a:t> C</a:t>
             </a:r>
             <a:r>
               <a:rPr lang="en-US" sz="2400" b="1" baseline="-25000" dirty="0" smtClean="0">
@@ -50767,17 +50646,7 @@
                   </a:schemeClr>
                 </a:solidFill>
               </a:rPr>
-              <a:t>C</a:t>
-            </a:r>
-            <a:r>
-              <a:rPr lang="en-US" sz="2400" b="1" dirty="0" smtClean="0">
-                <a:solidFill>
-                  <a:schemeClr val="accent5">
-                    <a:lumMod val="50000"/>
-                  </a:schemeClr>
-                </a:solidFill>
-              </a:rPr>
-              <a:t>’</a:t>
+              <a:t>C’</a:t>
             </a:r>
             <a:endParaRPr lang="en-US" sz="2400" b="1" dirty="0">
               <a:solidFill>
@@ -50907,11 +50776,15 @@
             </a:r>
             <a:r>
               <a:rPr lang="en-US" sz="2400" b="1" baseline="-25000" dirty="0" smtClean="0"/>
-              <a:t>0</a:t>
+              <a:t>0 </a:t>
+            </a:r>
+            <a:r>
+              <a:rPr lang="en-US" sz="2400" dirty="0" smtClean="0"/>
+              <a:t>[</a:t>
             </a:r>
             <a:r>
               <a:rPr lang="en-US" sz="2400" dirty="0"/>
-              <a:t>[N]</a:t>
+              <a:t>N]</a:t>
             </a:r>
             <a:r>
               <a:rPr lang="en-US" sz="2400" dirty="0" smtClean="0"/>
@@ -50962,7 +50835,23 @@
           <a:p>
             <a:r>
               <a:rPr lang="en-US" sz="2800" dirty="0" smtClean="0"/>
-              <a:t>Now it’s easy to determine the last byte of P1 – just re-arrange the formula!</a:t>
+              <a:t>Now it’s easy to determine the last byte of </a:t>
+            </a:r>
+            <a:r>
+              <a:rPr lang="en-US" sz="2800" dirty="0" smtClean="0"/>
+              <a:t>P</a:t>
+            </a:r>
+            <a:r>
+              <a:rPr lang="en-US" sz="2800" baseline="-25000" dirty="0"/>
+              <a:t>1</a:t>
+            </a:r>
+            <a:r>
+              <a:rPr lang="en-US" sz="2800" dirty="0" smtClean="0"/>
+              <a:t> </a:t>
+            </a:r>
+            <a:r>
+              <a:rPr lang="en-US" sz="2800" dirty="0" smtClean="0"/>
+              <a:t>– just re-arrange the formula!</a:t>
             </a:r>
             <a:endParaRPr lang="en-US" sz="2800" dirty="0"/>
           </a:p>
@@ -51013,8 +50902,12 @@
               <a:t>1</a:t>
             </a:r>
             <a:r>
+              <a:rPr lang="en-US" sz="2400" dirty="0"/>
+              <a:t>[N] </a:t>
+            </a:r>
+            <a:r>
               <a:rPr lang="en-US" sz="2400" dirty="0" smtClean="0"/>
-              <a:t> = </a:t>
+              <a:t>= </a:t>
             </a:r>
             <a:r>
               <a:rPr lang="en-US" sz="2400" dirty="0" smtClean="0">
@@ -51088,17 +50981,7 @@
                   </a:schemeClr>
                 </a:solidFill>
               </a:rPr>
-              <a:t>C</a:t>
-            </a:r>
-            <a:r>
-              <a:rPr lang="en-US" sz="2400" b="1" dirty="0" smtClean="0">
-                <a:solidFill>
-                  <a:schemeClr val="accent5">
-                    <a:lumMod val="50000"/>
-                  </a:schemeClr>
-                </a:solidFill>
-              </a:rPr>
-              <a:t>’</a:t>
+              <a:t>C’</a:t>
             </a:r>
             <a:r>
               <a:rPr lang="en-US" sz="2400" dirty="0" smtClean="0"/>
@@ -51163,8 +51046,12 @@
               <a:t>1</a:t>
             </a:r>
             <a:r>
+              <a:rPr lang="en-US" sz="2400" dirty="0"/>
+              <a:t>[N] </a:t>
+            </a:r>
+            <a:r>
               <a:rPr lang="en-US" sz="2400" dirty="0" smtClean="0"/>
-              <a:t> = </a:t>
+              <a:t>= </a:t>
             </a:r>
             <a:r>
               <a:rPr lang="en-US" sz="2400" dirty="0" smtClean="0">
@@ -51238,17 +51125,7 @@
                   </a:schemeClr>
                 </a:solidFill>
               </a:rPr>
-              <a:t>C</a:t>
-            </a:r>
-            <a:r>
-              <a:rPr lang="en-US" sz="2400" b="1" dirty="0" smtClean="0">
-                <a:solidFill>
-                  <a:schemeClr val="accent5">
-                    <a:lumMod val="50000"/>
-                  </a:schemeClr>
-                </a:solidFill>
-              </a:rPr>
-              <a:t>’</a:t>
+              <a:t>C’</a:t>
             </a:r>
             <a:r>
               <a:rPr lang="en-US" sz="2400" dirty="0" smtClean="0"/>
@@ -51731,17 +51608,7 @@
                   </a:schemeClr>
                 </a:solidFill>
               </a:rPr>
-              <a:t>C</a:t>
-            </a:r>
-            <a:r>
-              <a:rPr lang="en-US" sz="2400" b="1" dirty="0" smtClean="0">
-                <a:solidFill>
-                  <a:schemeClr val="accent5">
-                    <a:lumMod val="50000"/>
-                  </a:schemeClr>
-                </a:solidFill>
-              </a:rPr>
-              <a:t>’</a:t>
+              <a:t>C’</a:t>
             </a:r>
             <a:r>
               <a:rPr lang="en-US" sz="2400" dirty="0"/>
@@ -51802,8 +51669,12 @@
               <a:t>1</a:t>
             </a:r>
             <a:r>
+              <a:rPr lang="en-US" sz="2400" dirty="0"/>
+              <a:t>[N] </a:t>
+            </a:r>
+            <a:r>
               <a:rPr lang="en-US" sz="2400" dirty="0" smtClean="0"/>
-              <a:t> = </a:t>
+              <a:t>= </a:t>
             </a:r>
             <a:r>
               <a:rPr lang="en-US" sz="2400" dirty="0" smtClean="0">
@@ -52182,13 +52053,7 @@
               <a:rPr lang="en-US" dirty="0" smtClean="0"/>
               <a:t>”</a:t>
             </a:r>
-          </a:p>
-          <a:p>
-            <a:r>
-              <a:rPr lang="en-US" dirty="0" smtClean="0"/>
-              <a:t>Let’s see it in action!</a:t>
-            </a:r>
-            <a:endParaRPr lang="en-US" dirty="0"/>
+            <a:endParaRPr lang="en-US" dirty="0" smtClean="0"/>
           </a:p>
         </p:txBody>
       </p:sp>
@@ -52278,11 +52143,7 @@
           <a:p>
             <a:r>
               <a:rPr lang="en-US" sz="2000" dirty="0" smtClean="0"/>
-              <a:t>Not shown: the part where they call </a:t>
-            </a:r>
-            <a:r>
-              <a:rPr lang="en-US" sz="2000" dirty="0" smtClean="0"/>
-              <a:t>OP a “fag” (&lt;3 4chan)</a:t>
+              <a:t>Not shown: the part where they call OP a “fag” (&lt;3 4chan)</a:t>
             </a:r>
             <a:endParaRPr lang="en-US" sz="2000" dirty="0"/>
           </a:p>
@@ -53373,7 +53234,15 @@
           <a:p>
             <a:r>
               <a:rPr lang="en-US" dirty="0" smtClean="0"/>
-              <a:t>Solution #3: Never encrypt the same thing with the same key and IV</a:t>
+              <a:t>Solution #3: Never encrypt </a:t>
+            </a:r>
+            <a:r>
+              <a:rPr lang="en-US" dirty="0" smtClean="0"/>
+              <a:t>data </a:t>
+            </a:r>
+            <a:r>
+              <a:rPr lang="en-US" dirty="0" smtClean="0"/>
+              <a:t>with the same key and IV</a:t>
             </a:r>
             <a:endParaRPr lang="en-US" dirty="0"/>
           </a:p>

--- a/Shmoocon.pptx
+++ b/Shmoocon.pptx
@@ -5,7 +5,7 @@
     <p:sldMasterId id="2147483708" r:id="rId1"/>
   </p:sldMasterIdLst>
   <p:notesMasterIdLst>
-    <p:notesMasterId r:id="rId103"/>
+    <p:notesMasterId r:id="rId102"/>
   </p:notesMasterIdLst>
   <p:sldIdLst>
     <p:sldId id="256" r:id="rId2"/>
@@ -31,29 +31,29 @@
     <p:sldId id="274" r:id="rId22"/>
     <p:sldId id="307" r:id="rId23"/>
     <p:sldId id="308" r:id="rId24"/>
-    <p:sldId id="275" r:id="rId25"/>
-    <p:sldId id="277" r:id="rId26"/>
-    <p:sldId id="287" r:id="rId27"/>
-    <p:sldId id="357" r:id="rId28"/>
-    <p:sldId id="288" r:id="rId29"/>
-    <p:sldId id="289" r:id="rId30"/>
-    <p:sldId id="290" r:id="rId31"/>
-    <p:sldId id="291" r:id="rId32"/>
-    <p:sldId id="292" r:id="rId33"/>
-    <p:sldId id="293" r:id="rId34"/>
-    <p:sldId id="294" r:id="rId35"/>
-    <p:sldId id="295" r:id="rId36"/>
-    <p:sldId id="296" r:id="rId37"/>
-    <p:sldId id="306" r:id="rId38"/>
-    <p:sldId id="298" r:id="rId39"/>
-    <p:sldId id="300" r:id="rId40"/>
-    <p:sldId id="299" r:id="rId41"/>
-    <p:sldId id="301" r:id="rId42"/>
-    <p:sldId id="302" r:id="rId43"/>
-    <p:sldId id="303" r:id="rId44"/>
-    <p:sldId id="304" r:id="rId45"/>
-    <p:sldId id="314" r:id="rId46"/>
-    <p:sldId id="358" r:id="rId47"/>
+    <p:sldId id="368" r:id="rId25"/>
+    <p:sldId id="275" r:id="rId26"/>
+    <p:sldId id="277" r:id="rId27"/>
+    <p:sldId id="287" r:id="rId28"/>
+    <p:sldId id="357" r:id="rId29"/>
+    <p:sldId id="288" r:id="rId30"/>
+    <p:sldId id="289" r:id="rId31"/>
+    <p:sldId id="290" r:id="rId32"/>
+    <p:sldId id="291" r:id="rId33"/>
+    <p:sldId id="292" r:id="rId34"/>
+    <p:sldId id="293" r:id="rId35"/>
+    <p:sldId id="294" r:id="rId36"/>
+    <p:sldId id="295" r:id="rId37"/>
+    <p:sldId id="296" r:id="rId38"/>
+    <p:sldId id="306" r:id="rId39"/>
+    <p:sldId id="298" r:id="rId40"/>
+    <p:sldId id="300" r:id="rId41"/>
+    <p:sldId id="299" r:id="rId42"/>
+    <p:sldId id="301" r:id="rId43"/>
+    <p:sldId id="302" r:id="rId44"/>
+    <p:sldId id="303" r:id="rId45"/>
+    <p:sldId id="304" r:id="rId46"/>
+    <p:sldId id="314" r:id="rId47"/>
     <p:sldId id="305" r:id="rId48"/>
     <p:sldId id="311" r:id="rId49"/>
     <p:sldId id="317" r:id="rId50"/>
@@ -97,18 +97,17 @@
     <p:sldId id="355" r:id="rId88"/>
     <p:sldId id="351" r:id="rId89"/>
     <p:sldId id="359" r:id="rId90"/>
-    <p:sldId id="360" r:id="rId91"/>
-    <p:sldId id="356" r:id="rId92"/>
-    <p:sldId id="367" r:id="rId93"/>
-    <p:sldId id="313" r:id="rId94"/>
-    <p:sldId id="361" r:id="rId95"/>
-    <p:sldId id="365" r:id="rId96"/>
-    <p:sldId id="362" r:id="rId97"/>
-    <p:sldId id="364" r:id="rId98"/>
-    <p:sldId id="363" r:id="rId99"/>
-    <p:sldId id="366" r:id="rId100"/>
-    <p:sldId id="315" r:id="rId101"/>
-    <p:sldId id="316" r:id="rId102"/>
+    <p:sldId id="356" r:id="rId91"/>
+    <p:sldId id="367" r:id="rId92"/>
+    <p:sldId id="313" r:id="rId93"/>
+    <p:sldId id="361" r:id="rId94"/>
+    <p:sldId id="365" r:id="rId95"/>
+    <p:sldId id="362" r:id="rId96"/>
+    <p:sldId id="364" r:id="rId97"/>
+    <p:sldId id="363" r:id="rId98"/>
+    <p:sldId id="366" r:id="rId99"/>
+    <p:sldId id="315" r:id="rId100"/>
+    <p:sldId id="316" r:id="rId101"/>
   </p:sldIdLst>
   <p:sldSz cx="9144000" cy="6858000" type="screen4x3"/>
   <p:notesSz cx="6858000" cy="9144000"/>
@@ -292,7 +291,7 @@
           <a:p>
             <a:fld id="{B518C13D-2B3F-42C3-B83D-5B01E1232990}" type="datetimeFigureOut">
               <a:rPr lang="en-US" smtClean="0"/>
-              <a:t>2/9/2013</a:t>
+              <a:t>2/13/2013</a:t>
             </a:fld>
             <a:endParaRPr lang="en-US"/>
           </a:p>
@@ -977,7 +976,7 @@
           <a:p>
             <a:fld id="{C7363F1F-ADBF-4FAE-A422-131859708330}" type="datetimeFigureOut">
               <a:rPr lang="en-US" smtClean="0"/>
-              <a:t>2/9/2013</a:t>
+              <a:t>2/13/2013</a:t>
             </a:fld>
             <a:endParaRPr lang="en-US"/>
           </a:p>
@@ -1147,7 +1146,7 @@
           <a:p>
             <a:fld id="{C7363F1F-ADBF-4FAE-A422-131859708330}" type="datetimeFigureOut">
               <a:rPr lang="en-US" smtClean="0"/>
-              <a:t>2/9/2013</a:t>
+              <a:t>2/13/2013</a:t>
             </a:fld>
             <a:endParaRPr lang="en-US"/>
           </a:p>
@@ -1327,7 +1326,7 @@
           <a:p>
             <a:fld id="{C7363F1F-ADBF-4FAE-A422-131859708330}" type="datetimeFigureOut">
               <a:rPr lang="en-US" smtClean="0"/>
-              <a:t>2/9/2013</a:t>
+              <a:t>2/13/2013</a:t>
             </a:fld>
             <a:endParaRPr lang="en-US"/>
           </a:p>
@@ -1497,7 +1496,7 @@
           <a:p>
             <a:fld id="{C7363F1F-ADBF-4FAE-A422-131859708330}" type="datetimeFigureOut">
               <a:rPr lang="en-US" smtClean="0"/>
-              <a:t>2/9/2013</a:t>
+              <a:t>2/13/2013</a:t>
             </a:fld>
             <a:endParaRPr lang="en-US"/>
           </a:p>
@@ -1743,7 +1742,7 @@
           <a:p>
             <a:fld id="{C7363F1F-ADBF-4FAE-A422-131859708330}" type="datetimeFigureOut">
               <a:rPr lang="en-US" smtClean="0"/>
-              <a:t>2/9/2013</a:t>
+              <a:t>2/13/2013</a:t>
             </a:fld>
             <a:endParaRPr lang="en-US"/>
           </a:p>
@@ -2031,7 +2030,7 @@
           <a:p>
             <a:fld id="{C7363F1F-ADBF-4FAE-A422-131859708330}" type="datetimeFigureOut">
               <a:rPr lang="en-US" smtClean="0"/>
-              <a:t>2/9/2013</a:t>
+              <a:t>2/13/2013</a:t>
             </a:fld>
             <a:endParaRPr lang="en-US"/>
           </a:p>
@@ -2453,7 +2452,7 @@
           <a:p>
             <a:fld id="{C7363F1F-ADBF-4FAE-A422-131859708330}" type="datetimeFigureOut">
               <a:rPr lang="en-US" smtClean="0"/>
-              <a:t>2/9/2013</a:t>
+              <a:t>2/13/2013</a:t>
             </a:fld>
             <a:endParaRPr lang="en-US"/>
           </a:p>
@@ -2571,7 +2570,7 @@
           <a:p>
             <a:fld id="{C7363F1F-ADBF-4FAE-A422-131859708330}" type="datetimeFigureOut">
               <a:rPr lang="en-US" smtClean="0"/>
-              <a:t>2/9/2013</a:t>
+              <a:t>2/13/2013</a:t>
             </a:fld>
             <a:endParaRPr lang="en-US"/>
           </a:p>
@@ -2666,7 +2665,7 @@
           <a:p>
             <a:fld id="{C7363F1F-ADBF-4FAE-A422-131859708330}" type="datetimeFigureOut">
               <a:rPr lang="en-US" smtClean="0"/>
-              <a:t>2/9/2013</a:t>
+              <a:t>2/13/2013</a:t>
             </a:fld>
             <a:endParaRPr lang="en-US"/>
           </a:p>
@@ -2943,7 +2942,7 @@
           <a:p>
             <a:fld id="{C7363F1F-ADBF-4FAE-A422-131859708330}" type="datetimeFigureOut">
               <a:rPr lang="en-US" smtClean="0"/>
-              <a:t>2/9/2013</a:t>
+              <a:t>2/13/2013</a:t>
             </a:fld>
             <a:endParaRPr lang="en-US"/>
           </a:p>
@@ -3196,7 +3195,7 @@
           <a:p>
             <a:fld id="{C7363F1F-ADBF-4FAE-A422-131859708330}" type="datetimeFigureOut">
               <a:rPr lang="en-US" smtClean="0"/>
-              <a:t>2/9/2013</a:t>
+              <a:t>2/13/2013</a:t>
             </a:fld>
             <a:endParaRPr lang="en-US"/>
           </a:p>
@@ -3409,7 +3408,7 @@
           <a:p>
             <a:fld id="{C7363F1F-ADBF-4FAE-A422-131859708330}" type="datetimeFigureOut">
               <a:rPr lang="en-US" smtClean="0"/>
-              <a:t>2/9/2013</a:t>
+              <a:t>2/13/2013</a:t>
             </a:fld>
             <a:endParaRPr lang="en-US"/>
           </a:p>
@@ -4070,355 +4069,6 @@
       </p:grpSpPr>
       <p:sp>
         <p:nvSpPr>
-          <p:cNvPr id="2" name="Title 1"/>
-          <p:cNvSpPr>
-            <a:spLocks noGrp="1"/>
-          </p:cNvSpPr>
-          <p:nvPr>
-            <p:ph type="title"/>
-          </p:nvPr>
-        </p:nvSpPr>
-        <p:spPr/>
-        <p:txBody>
-          <a:bodyPr/>
-          <a:lstStyle/>
-          <a:p>
-            <a:r>
-              <a:rPr lang="en-US" dirty="0" smtClean="0"/>
-              <a:t>That’s all!</a:t>
-            </a:r>
-            <a:endParaRPr lang="en-US" dirty="0"/>
-          </a:p>
-        </p:txBody>
-      </p:sp>
-      <p:pic>
-        <p:nvPicPr>
-          <p:cNvPr id="9218" name="Picture 2" descr="http://fun-gallery.com/wp-content/uploads/2011/09/Fast-And-Funny-640x469.jpg"/>
-          <p:cNvPicPr>
-            <a:picLocks noChangeAspect="1" noChangeArrowheads="1"/>
-          </p:cNvPicPr>
-          <p:nvPr/>
-        </p:nvPicPr>
-        <p:blipFill>
-          <a:blip r:embed="rId2">
-            <a:extLst>
-              <a:ext uri="{28A0092B-C50C-407E-A947-70E740481C1C}">
-                <a14:useLocalDpi xmlns:a14="http://schemas.microsoft.com/office/drawing/2010/main" val="0"/>
-              </a:ext>
-            </a:extLst>
-          </a:blip>
-          <a:srcRect/>
-          <a:stretch>
-            <a:fillRect/>
-          </a:stretch>
-        </p:blipFill>
-        <p:spPr bwMode="auto">
-          <a:xfrm>
-            <a:off x="1912434" y="152400"/>
-            <a:ext cx="5631366" cy="4126736"/>
-          </a:xfrm>
-          <a:prstGeom prst="rect">
-            <a:avLst/>
-          </a:prstGeom>
-          <a:noFill/>
-          <a:extLst>
-            <a:ext uri="{909E8E84-426E-40DD-AFC4-6F175D3DCCD1}">
-              <a14:hiddenFill xmlns:a14="http://schemas.microsoft.com/office/drawing/2010/main">
-                <a:solidFill>
-                  <a:srgbClr val="FFFFFF"/>
-                </a:solidFill>
-              </a14:hiddenFill>
-            </a:ext>
-          </a:extLst>
-        </p:spPr>
-      </p:pic>
-      <p:sp>
-        <p:nvSpPr>
-          <p:cNvPr id="4" name="Rectangle 3"/>
-          <p:cNvSpPr/>
-          <p:nvPr/>
-        </p:nvSpPr>
-        <p:spPr>
-          <a:xfrm>
-            <a:off x="3124200" y="152400"/>
-            <a:ext cx="1752600" cy="1219200"/>
-          </a:xfrm>
-          <a:prstGeom prst="rect">
-            <a:avLst/>
-          </a:prstGeom>
-          <a:noFill/>
-          <a:ln>
-            <a:solidFill>
-              <a:srgbClr val="FF0000"/>
-            </a:solidFill>
-          </a:ln>
-        </p:spPr>
-        <p:style>
-          <a:lnRef idx="2">
-            <a:schemeClr val="accent1">
-              <a:shade val="50000"/>
-            </a:schemeClr>
-          </a:lnRef>
-          <a:fillRef idx="1">
-            <a:schemeClr val="accent1"/>
-          </a:fillRef>
-          <a:effectRef idx="0">
-            <a:schemeClr val="accent1"/>
-          </a:effectRef>
-          <a:fontRef idx="minor">
-            <a:schemeClr val="lt1"/>
-          </a:fontRef>
-        </p:style>
-        <p:txBody>
-          <a:bodyPr rtlCol="0" anchor="ctr"/>
-          <a:lstStyle/>
-          <a:p>
-            <a:pPr algn="ctr"/>
-            <a:endParaRPr lang="en-US"/>
-          </a:p>
-        </p:txBody>
-      </p:sp>
-      <p:cxnSp>
-        <p:nvCxnSpPr>
-          <p:cNvPr id="6" name="Straight Connector 5"/>
-          <p:cNvCxnSpPr/>
-          <p:nvPr/>
-        </p:nvCxnSpPr>
-        <p:spPr>
-          <a:xfrm>
-            <a:off x="4876800" y="152400"/>
-            <a:ext cx="4285785" cy="2895600"/>
-          </a:xfrm>
-          <a:prstGeom prst="line">
-            <a:avLst/>
-          </a:prstGeom>
-          <a:ln w="28575">
-            <a:solidFill>
-              <a:srgbClr val="FF0000"/>
-            </a:solidFill>
-          </a:ln>
-        </p:spPr>
-        <p:style>
-          <a:lnRef idx="1">
-            <a:schemeClr val="accent1"/>
-          </a:lnRef>
-          <a:fillRef idx="0">
-            <a:schemeClr val="accent1"/>
-          </a:fillRef>
-          <a:effectRef idx="0">
-            <a:schemeClr val="accent1"/>
-          </a:effectRef>
-          <a:fontRef idx="minor">
-            <a:schemeClr val="tx1"/>
-          </a:fontRef>
-        </p:style>
-      </p:cxnSp>
-      <p:cxnSp>
-        <p:nvCxnSpPr>
-          <p:cNvPr id="10" name="Straight Connector 9"/>
-          <p:cNvCxnSpPr/>
-          <p:nvPr/>
-        </p:nvCxnSpPr>
-        <p:spPr>
-          <a:xfrm>
-            <a:off x="3124200" y="1371600"/>
-            <a:ext cx="1466385" cy="4724400"/>
-          </a:xfrm>
-          <a:prstGeom prst="line">
-            <a:avLst/>
-          </a:prstGeom>
-          <a:ln w="28575">
-            <a:solidFill>
-              <a:srgbClr val="FF0000"/>
-            </a:solidFill>
-          </a:ln>
-        </p:spPr>
-        <p:style>
-          <a:lnRef idx="1">
-            <a:schemeClr val="accent1"/>
-          </a:lnRef>
-          <a:fillRef idx="0">
-            <a:schemeClr val="accent1"/>
-          </a:fillRef>
-          <a:effectRef idx="0">
-            <a:schemeClr val="accent1"/>
-          </a:effectRef>
-          <a:fontRef idx="minor">
-            <a:schemeClr val="tx1"/>
-          </a:fontRef>
-        </p:style>
-      </p:cxnSp>
-      <p:cxnSp>
-        <p:nvCxnSpPr>
-          <p:cNvPr id="15" name="Straight Connector 14"/>
-          <p:cNvCxnSpPr/>
-          <p:nvPr/>
-        </p:nvCxnSpPr>
-        <p:spPr>
-          <a:xfrm>
-            <a:off x="3124200" y="152400"/>
-            <a:ext cx="1466385" cy="2895600"/>
-          </a:xfrm>
-          <a:prstGeom prst="line">
-            <a:avLst/>
-          </a:prstGeom>
-          <a:ln w="28575">
-            <a:solidFill>
-              <a:srgbClr val="FF0000"/>
-            </a:solidFill>
-          </a:ln>
-        </p:spPr>
-        <p:style>
-          <a:lnRef idx="1">
-            <a:schemeClr val="accent1"/>
-          </a:lnRef>
-          <a:fillRef idx="0">
-            <a:schemeClr val="accent1"/>
-          </a:fillRef>
-          <a:effectRef idx="0">
-            <a:schemeClr val="accent1"/>
-          </a:effectRef>
-          <a:fontRef idx="minor">
-            <a:schemeClr val="tx1"/>
-          </a:fontRef>
-        </p:style>
-      </p:cxnSp>
-      <p:cxnSp>
-        <p:nvCxnSpPr>
-          <p:cNvPr id="18" name="Straight Connector 17"/>
-          <p:cNvCxnSpPr/>
-          <p:nvPr/>
-        </p:nvCxnSpPr>
-        <p:spPr>
-          <a:xfrm>
-            <a:off x="4876801" y="1371600"/>
-            <a:ext cx="4285784" cy="4724400"/>
-          </a:xfrm>
-          <a:prstGeom prst="line">
-            <a:avLst/>
-          </a:prstGeom>
-          <a:ln w="28575">
-            <a:solidFill>
-              <a:srgbClr val="FF0000"/>
-            </a:solidFill>
-          </a:ln>
-        </p:spPr>
-        <p:style>
-          <a:lnRef idx="1">
-            <a:schemeClr val="accent1"/>
-          </a:lnRef>
-          <a:fillRef idx="0">
-            <a:schemeClr val="accent1"/>
-          </a:fillRef>
-          <a:effectRef idx="0">
-            <a:schemeClr val="accent1"/>
-          </a:effectRef>
-          <a:fontRef idx="minor">
-            <a:schemeClr val="tx1"/>
-          </a:fontRef>
-        </p:style>
-      </p:cxnSp>
-      <p:pic>
-        <p:nvPicPr>
-          <p:cNvPr id="9220" name="Picture 4" descr="http://fun-gallery.com/wp-content/uploads/2011/09/Running-Race-Finish-Line-Funny-Picture.jpg"/>
-          <p:cNvPicPr>
-            <a:picLocks noChangeAspect="1" noChangeArrowheads="1"/>
-          </p:cNvPicPr>
-          <p:nvPr/>
-        </p:nvPicPr>
-        <p:blipFill>
-          <a:blip r:embed="rId3">
-            <a:extLst>
-              <a:ext uri="{28A0092B-C50C-407E-A947-70E740481C1C}">
-                <a14:useLocalDpi xmlns:a14="http://schemas.microsoft.com/office/drawing/2010/main" val="0"/>
-              </a:ext>
-            </a:extLst>
-          </a:blip>
-          <a:srcRect/>
-          <a:stretch>
-            <a:fillRect/>
-          </a:stretch>
-        </p:blipFill>
-        <p:spPr bwMode="auto">
-          <a:xfrm>
-            <a:off x="4590585" y="3048000"/>
-            <a:ext cx="4572000" cy="3048000"/>
-          </a:xfrm>
-          <a:prstGeom prst="rect">
-            <a:avLst/>
-          </a:prstGeom>
-          <a:solidFill>
-            <a:srgbClr val="FFFFFF">
-              <a:shade val="85000"/>
-            </a:srgbClr>
-          </a:solidFill>
-          <a:ln w="19050" cap="sq">
-            <a:solidFill>
-              <a:srgbClr val="FF0000"/>
-            </a:solidFill>
-            <a:miter lim="800000"/>
-          </a:ln>
-          <a:effectLst>
-            <a:outerShdw blurRad="55000" dist="18000" dir="5400000" algn="tl" rotWithShape="0">
-              <a:srgbClr val="000000">
-                <a:alpha val="40000"/>
-              </a:srgbClr>
-            </a:outerShdw>
-          </a:effectLst>
-          <a:scene3d>
-            <a:camera prst="orthographicFront"/>
-            <a:lightRig rig="twoPt" dir="t">
-              <a:rot lat="0" lon="0" rev="7200000"/>
-            </a:lightRig>
-          </a:scene3d>
-          <a:sp3d>
-            <a:bevelT w="25400" h="19050"/>
-            <a:contourClr>
-              <a:srgbClr val="FFFFFF"/>
-            </a:contourClr>
-          </a:sp3d>
-          <a:extLst/>
-        </p:spPr>
-      </p:pic>
-    </p:spTree>
-    <p:extLst>
-      <p:ext uri="{BB962C8B-B14F-4D97-AF65-F5344CB8AC3E}">
-        <p14:creationId xmlns:p14="http://schemas.microsoft.com/office/powerpoint/2010/main" val="2565735704"/>
-      </p:ext>
-    </p:extLst>
-  </p:cSld>
-  <p:clrMapOvr>
-    <a:masterClrMapping/>
-  </p:clrMapOvr>
-  <p:timing>
-    <p:tnLst>
-      <p:par>
-        <p:cTn id="1" dur="indefinite" restart="never" nodeType="tmRoot"/>
-      </p:par>
-    </p:tnLst>
-  </p:timing>
-</p:sld>
-</file>
-
-<file path=ppt/slides/slide101.xml><?xml version="1.0" encoding="utf-8"?>
-<p:sld xmlns:a="http://schemas.openxmlformats.org/drawingml/2006/main" xmlns:r="http://schemas.openxmlformats.org/officeDocument/2006/relationships" xmlns:p="http://schemas.openxmlformats.org/presentationml/2006/main">
-  <p:cSld>
-    <p:spTree>
-      <p:nvGrpSpPr>
-        <p:cNvPr id="1" name=""/>
-        <p:cNvGrpSpPr/>
-        <p:nvPr/>
-      </p:nvGrpSpPr>
-      <p:grpSpPr>
-        <a:xfrm>
-          <a:off x="0" y="0"/>
-          <a:ext cx="0" cy="0"/>
-          <a:chOff x="0" y="0"/>
-          <a:chExt cx="0" cy="0"/>
-        </a:xfrm>
-      </p:grpSpPr>
-      <p:sp>
-        <p:nvSpPr>
           <p:cNvPr id="4" name="Title 3"/>
           <p:cNvSpPr>
             <a:spLocks noGrp="1"/>
@@ -5683,15 +5333,7 @@
             <a:pPr algn="r"/>
             <a:r>
               <a:rPr lang="en-US" dirty="0" smtClean="0"/>
-              <a:t>Now you can see if any of 100s of </a:t>
-            </a:r>
-            <a:r>
-              <a:rPr lang="en-US" dirty="0" smtClean="0"/>
-              <a:t>companies thinks </a:t>
-            </a:r>
-            <a:r>
-              <a:rPr lang="en-US" dirty="0" smtClean="0"/>
-              <a:t>the “Bob” is actually “Bob”</a:t>
+              <a:t>Now you can see if any of 100s of companies thinks the “Bob” is actually “Bob”</a:t>
             </a:r>
             <a:endParaRPr lang="en-US" dirty="0"/>
           </a:p>
@@ -6811,18 +6453,15 @@
           <a:p>
             <a:pPr lvl="1"/>
             <a:r>
-              <a:rPr lang="en-US" dirty="0"/>
-              <a:t>r</a:t>
+              <a:rPr lang="en-US" dirty="0" smtClean="0">
+                <a:hlinkClick r:id="rId3"/>
+              </a:rPr>
+              <a:t>ron.bowes@leviathansecurity.com</a:t>
             </a:r>
             <a:r>
               <a:rPr lang="en-US" dirty="0" smtClean="0"/>
-              <a:t>on.bowes@leviathansecurity.com</a:t>
-            </a:r>
-            <a:r>
-              <a:rPr lang="en-US" dirty="0" smtClean="0"/>
-              <a:t> </a:t>
-            </a:r>
-            <a:endParaRPr lang="en-US" dirty="0" smtClean="0"/>
+              <a:t>  </a:t>
+            </a:r>
           </a:p>
           <a:p>
             <a:r>
@@ -6848,7 +6487,7 @@
           <p:nvPr/>
         </p:nvPicPr>
         <p:blipFill>
-          <a:blip r:embed="rId3">
+          <a:blip r:embed="rId4">
             <a:extLst>
               <a:ext uri="{28A0092B-C50C-407E-A947-70E740481C1C}">
                 <a14:useLocalDpi xmlns:a14="http://schemas.microsoft.com/office/drawing/2010/main" val="0"/>
@@ -6918,7 +6557,7 @@
 </file>
 
 <file path=ppt/slides/slide20.xml><?xml version="1.0" encoding="utf-8"?>
-<p:sld xmlns:a="http://schemas.openxmlformats.org/drawingml/2006/main" xmlns:r="http://schemas.openxmlformats.org/officeDocument/2006/relationships" xmlns:p="http://schemas.openxmlformats.org/presentationml/2006/main">
+<p:sld xmlns:a="http://schemas.openxmlformats.org/drawingml/2006/main" xmlns:r="http://schemas.openxmlformats.org/officeDocument/2006/relationships" xmlns:p="http://schemas.openxmlformats.org/presentationml/2006/main" show="0">
   <p:cSld>
     <p:spTree>
       <p:nvGrpSpPr>
@@ -8448,6 +8087,14 @@
   <p:clrMapOvr>
     <a:masterClrMapping/>
   </p:clrMapOvr>
+  <mc:AlternateContent xmlns:mc="http://schemas.openxmlformats.org/markup-compatibility/2006" xmlns:p14="http://schemas.microsoft.com/office/powerpoint/2010/main">
+    <mc:Choice Requires="p14">
+      <p:transition spd="slow" p14:dur="2000"/>
+    </mc:Choice>
+    <mc:Fallback xmlns="">
+      <p:transition spd="slow"/>
+    </mc:Fallback>
+  </mc:AlternateContent>
   <p:timing>
     <p:tnLst>
       <p:par>
@@ -8974,6 +8621,111 @@
           <a:p>
             <a:r>
               <a:rPr lang="en-US" dirty="0" smtClean="0"/>
+              <a:t>Initialization vectors: IVs</a:t>
+            </a:r>
+            <a:endParaRPr lang="en-US" dirty="0"/>
+          </a:p>
+        </p:txBody>
+      </p:sp>
+      <p:sp>
+        <p:nvSpPr>
+          <p:cNvPr id="3" name="Content Placeholder 2"/>
+          <p:cNvSpPr>
+            <a:spLocks noGrp="1"/>
+          </p:cNvSpPr>
+          <p:nvPr>
+            <p:ph idx="1"/>
+          </p:nvPr>
+        </p:nvSpPr>
+        <p:spPr/>
+        <p:txBody>
+          <a:bodyPr/>
+          <a:lstStyle/>
+          <a:p>
+            <a:r>
+              <a:rPr lang="en-US" dirty="0" smtClean="0"/>
+              <a:t>The ‘input’ into </a:t>
+            </a:r>
+            <a:r>
+              <a:rPr lang="en-US" dirty="0" smtClean="0"/>
+              <a:t>an encryption function</a:t>
+            </a:r>
+            <a:endParaRPr lang="en-US" dirty="0" smtClean="0"/>
+          </a:p>
+          <a:p>
+            <a:r>
+              <a:rPr lang="en-US" dirty="0" smtClean="0"/>
+              <a:t>Designed so that the same data encrypted with the same key doesn’t generate the same </a:t>
+            </a:r>
+            <a:r>
+              <a:rPr lang="en-US" dirty="0" err="1" smtClean="0"/>
+              <a:t>ciphertext</a:t>
+            </a:r>
+            <a:endParaRPr lang="en-US" dirty="0" smtClean="0"/>
+          </a:p>
+          <a:p>
+            <a:r>
+              <a:rPr lang="en-US" dirty="0" smtClean="0"/>
+              <a:t>We’ll see why that’s a problem</a:t>
+            </a:r>
+            <a:endParaRPr lang="en-US" dirty="0"/>
+          </a:p>
+        </p:txBody>
+      </p:sp>
+    </p:spTree>
+    <p:extLst>
+      <p:ext uri="{BB962C8B-B14F-4D97-AF65-F5344CB8AC3E}">
+        <p14:creationId xmlns:p14="http://schemas.microsoft.com/office/powerpoint/2010/main" val="1536535151"/>
+      </p:ext>
+    </p:extLst>
+  </p:cSld>
+  <p:clrMapOvr>
+    <a:masterClrMapping/>
+  </p:clrMapOvr>
+  <p:timing>
+    <p:tnLst>
+      <p:par>
+        <p:cTn id="1" dur="indefinite" restart="never" nodeType="tmRoot"/>
+      </p:par>
+    </p:tnLst>
+  </p:timing>
+</p:sld>
+</file>
+
+<file path=ppt/slides/slide25.xml><?xml version="1.0" encoding="utf-8"?>
+<p:sld xmlns:a="http://schemas.openxmlformats.org/drawingml/2006/main" xmlns:r="http://schemas.openxmlformats.org/officeDocument/2006/relationships" xmlns:p="http://schemas.openxmlformats.org/presentationml/2006/main">
+  <p:cSld>
+    <p:spTree>
+      <p:nvGrpSpPr>
+        <p:cNvPr id="1" name=""/>
+        <p:cNvGrpSpPr/>
+        <p:nvPr/>
+      </p:nvGrpSpPr>
+      <p:grpSpPr>
+        <a:xfrm>
+          <a:off x="0" y="0"/>
+          <a:ext cx="0" cy="0"/>
+          <a:chOff x="0" y="0"/>
+          <a:chExt cx="0" cy="0"/>
+        </a:xfrm>
+      </p:grpSpPr>
+      <p:sp>
+        <p:nvSpPr>
+          <p:cNvPr id="2" name="Title 1"/>
+          <p:cNvSpPr>
+            <a:spLocks noGrp="1"/>
+          </p:cNvSpPr>
+          <p:nvPr>
+            <p:ph type="title"/>
+          </p:nvPr>
+        </p:nvSpPr>
+        <p:spPr/>
+        <p:txBody>
+          <a:bodyPr/>
+          <a:lstStyle/>
+          <a:p>
+            <a:r>
+              <a:rPr lang="en-US" dirty="0" smtClean="0"/>
               <a:t>Hashing</a:t>
             </a:r>
             <a:endParaRPr lang="en-US" dirty="0"/>
@@ -9093,7 +8845,7 @@
 </p:sld>
 </file>
 
-<file path=ppt/slides/slide25.xml><?xml version="1.0" encoding="utf-8"?>
+<file path=ppt/slides/slide26.xml><?xml version="1.0" encoding="utf-8"?>
 <p:sld xmlns:a="http://schemas.openxmlformats.org/drawingml/2006/main" xmlns:r="http://schemas.openxmlformats.org/officeDocument/2006/relationships" xmlns:p="http://schemas.openxmlformats.org/presentationml/2006/main">
   <p:cSld>
     <p:spTree>
@@ -9206,8 +8958,8 @@
 </p:sld>
 </file>
 
-<file path=ppt/slides/slide26.xml><?xml version="1.0" encoding="utf-8"?>
-<p:sld xmlns:a="http://schemas.openxmlformats.org/drawingml/2006/main" xmlns:r="http://schemas.openxmlformats.org/officeDocument/2006/relationships" xmlns:p="http://schemas.openxmlformats.org/presentationml/2006/main">
+<file path=ppt/slides/slide27.xml><?xml version="1.0" encoding="utf-8"?>
+<p:sld xmlns:a="http://schemas.openxmlformats.org/drawingml/2006/main" xmlns:r="http://schemas.openxmlformats.org/officeDocument/2006/relationships" xmlns:p="http://schemas.openxmlformats.org/presentationml/2006/main" show="0">
   <p:cSld>
     <p:spTree>
       <p:nvGrpSpPr>
@@ -9613,6 +9365,14 @@
   <p:clrMapOvr>
     <a:masterClrMapping/>
   </p:clrMapOvr>
+  <mc:AlternateContent xmlns:mc="http://schemas.openxmlformats.org/markup-compatibility/2006" xmlns:p14="http://schemas.microsoft.com/office/powerpoint/2010/main">
+    <mc:Choice Requires="p14">
+      <p:transition spd="slow" p14:dur="2000"/>
+    </mc:Choice>
+    <mc:Fallback xmlns="">
+      <p:transition spd="slow"/>
+    </mc:Fallback>
+  </mc:AlternateContent>
   <p:timing>
     <p:tnLst>
       <p:par>
@@ -9623,8 +9383,8 @@
 </p:sld>
 </file>
 
-<file path=ppt/slides/slide27.xml><?xml version="1.0" encoding="utf-8"?>
-<p:sld xmlns:a="http://schemas.openxmlformats.org/drawingml/2006/main" xmlns:r="http://schemas.openxmlformats.org/officeDocument/2006/relationships" xmlns:p="http://schemas.openxmlformats.org/presentationml/2006/main">
+<file path=ppt/slides/slide28.xml><?xml version="1.0" encoding="utf-8"?>
+<p:sld xmlns:a="http://schemas.openxmlformats.org/drawingml/2006/main" xmlns:r="http://schemas.openxmlformats.org/officeDocument/2006/relationships" xmlns:p="http://schemas.openxmlformats.org/presentationml/2006/main" show="0">
   <p:cSld>
     <p:spTree>
       <p:nvGrpSpPr>
@@ -9733,6 +9493,14 @@
   <p:clrMapOvr>
     <a:masterClrMapping/>
   </p:clrMapOvr>
+  <mc:AlternateContent xmlns:mc="http://schemas.openxmlformats.org/markup-compatibility/2006" xmlns:p14="http://schemas.microsoft.com/office/powerpoint/2010/main">
+    <mc:Choice Requires="p14">
+      <p:transition spd="slow" p14:dur="2000"/>
+    </mc:Choice>
+    <mc:Fallback xmlns="">
+      <p:transition spd="slow"/>
+    </mc:Fallback>
+  </mc:AlternateContent>
   <p:timing>
     <p:tnLst>
       <p:par>
@@ -9743,8 +9511,8 @@
 </p:sld>
 </file>
 
-<file path=ppt/slides/slide28.xml><?xml version="1.0" encoding="utf-8"?>
-<p:sld xmlns:a="http://schemas.openxmlformats.org/drawingml/2006/main" xmlns:r="http://schemas.openxmlformats.org/officeDocument/2006/relationships" xmlns:p="http://schemas.openxmlformats.org/presentationml/2006/main">
+<file path=ppt/slides/slide29.xml><?xml version="1.0" encoding="utf-8"?>
+<p:sld xmlns:a="http://schemas.openxmlformats.org/drawingml/2006/main" xmlns:r="http://schemas.openxmlformats.org/officeDocument/2006/relationships" xmlns:p="http://schemas.openxmlformats.org/presentationml/2006/main" show="0">
   <p:cSld>
     <p:spTree>
       <p:nvGrpSpPr>
@@ -11125,121 +10893,14 @@
   <p:clrMapOvr>
     <a:masterClrMapping/>
   </p:clrMapOvr>
-  <p:timing>
-    <p:tnLst>
-      <p:par>
-        <p:cTn id="1" dur="indefinite" restart="never" nodeType="tmRoot"/>
-      </p:par>
-    </p:tnLst>
-  </p:timing>
-</p:sld>
-</file>
-
-<file path=ppt/slides/slide29.xml><?xml version="1.0" encoding="utf-8"?>
-<p:sld xmlns:a="http://schemas.openxmlformats.org/drawingml/2006/main" xmlns:r="http://schemas.openxmlformats.org/officeDocument/2006/relationships" xmlns:p="http://schemas.openxmlformats.org/presentationml/2006/main">
-  <p:cSld>
-    <p:spTree>
-      <p:nvGrpSpPr>
-        <p:cNvPr id="1" name=""/>
-        <p:cNvGrpSpPr/>
-        <p:nvPr/>
-      </p:nvGrpSpPr>
-      <p:grpSpPr>
-        <a:xfrm>
-          <a:off x="0" y="0"/>
-          <a:ext cx="0" cy="0"/>
-          <a:chOff x="0" y="0"/>
-          <a:chExt cx="0" cy="0"/>
-        </a:xfrm>
-      </p:grpSpPr>
-      <p:sp>
-        <p:nvSpPr>
-          <p:cNvPr id="2" name="Title 1"/>
-          <p:cNvSpPr>
-            <a:spLocks noGrp="1"/>
-          </p:cNvSpPr>
-          <p:nvPr>
-            <p:ph type="title"/>
-          </p:nvPr>
-        </p:nvSpPr>
-        <p:spPr/>
-        <p:txBody>
-          <a:bodyPr/>
-          <a:lstStyle/>
-          <a:p>
-            <a:r>
-              <a:rPr lang="en-US" dirty="0" smtClean="0"/>
-              <a:t>Why does bit flipping matter?</a:t>
-            </a:r>
-            <a:endParaRPr lang="en-US" dirty="0"/>
-          </a:p>
-        </p:txBody>
-      </p:sp>
-      <p:sp>
-        <p:nvSpPr>
-          <p:cNvPr id="3" name="Content Placeholder 2"/>
-          <p:cNvSpPr>
-            <a:spLocks noGrp="1"/>
-          </p:cNvSpPr>
-          <p:nvPr>
-            <p:ph idx="1"/>
-          </p:nvPr>
-        </p:nvSpPr>
-        <p:spPr/>
-        <p:txBody>
-          <a:bodyPr/>
-          <a:lstStyle/>
-          <a:p>
-            <a:r>
-              <a:rPr lang="en-US" dirty="0" smtClean="0"/>
-              <a:t>The plaintext packet can be controlled by modifying the encrypted packet</a:t>
-            </a:r>
-          </a:p>
-          <a:p>
-            <a:r>
-              <a:rPr lang="en-US" dirty="0" smtClean="0"/>
-              <a:t>This works against any algorithm that XORs the plaintext with a </a:t>
-            </a:r>
-            <a:r>
-              <a:rPr lang="en-US" dirty="0" err="1" smtClean="0"/>
-              <a:t>keystream</a:t>
-            </a:r>
-            <a:endParaRPr lang="en-US" dirty="0" smtClean="0"/>
-          </a:p>
-          <a:p>
-            <a:pPr lvl="1"/>
-            <a:r>
-              <a:rPr lang="en-US" dirty="0" smtClean="0"/>
-              <a:t>RC4</a:t>
-            </a:r>
-          </a:p>
-          <a:p>
-            <a:pPr lvl="1"/>
-            <a:r>
-              <a:rPr lang="en-US" dirty="0" smtClean="0"/>
-              <a:t>One-time pads</a:t>
-            </a:r>
-          </a:p>
-          <a:p>
-            <a:pPr lvl="1"/>
-            <a:r>
-              <a:rPr lang="en-US" dirty="0" smtClean="0"/>
-              <a:t>Block ciphers in OFB, PFB, or CTR mode (we’ll talk more about those later!)</a:t>
-            </a:r>
-            <a:endParaRPr lang="en-US" dirty="0"/>
-          </a:p>
-        </p:txBody>
-      </p:sp>
-    </p:spTree>
-    <p:extLst>
-      <p:ext uri="{BB962C8B-B14F-4D97-AF65-F5344CB8AC3E}">
-        <p14:creationId xmlns:p14="http://schemas.microsoft.com/office/powerpoint/2010/main" val="337137870"/>
-      </p:ext>
-    </p:extLst>
-  </p:cSld>
-  <p:clrMapOvr>
-    <a:masterClrMapping/>
-  </p:clrMapOvr>
+  <mc:AlternateContent xmlns:mc="http://schemas.openxmlformats.org/markup-compatibility/2006" xmlns:p14="http://schemas.microsoft.com/office/powerpoint/2010/main">
+    <mc:Choice Requires="p14">
+      <p:transition spd="slow" p14:dur="2000"/>
+    </mc:Choice>
+    <mc:Fallback xmlns="">
+      <p:transition spd="slow"/>
+    </mc:Fallback>
+  </mc:AlternateContent>
   <p:timing>
     <p:tnLst>
       <p:par>
@@ -11324,21 +10985,7 @@
             <a:pPr lvl="1"/>
             <a:r>
               <a:rPr lang="en-US" dirty="0" smtClean="0"/>
-              <a:t>Bit flipping</a:t>
-            </a:r>
-          </a:p>
-          <a:p>
-            <a:pPr lvl="1"/>
-            <a:r>
-              <a:rPr lang="en-US" dirty="0" smtClean="0"/>
               <a:t>Key re-use</a:t>
-            </a:r>
-          </a:p>
-          <a:p>
-            <a:pPr lvl="1"/>
-            <a:r>
-              <a:rPr lang="en-US" dirty="0" smtClean="0"/>
-              <a:t>Padding oracle</a:t>
             </a:r>
           </a:p>
           <a:p>
@@ -11346,6 +10993,17 @@
             <a:r>
               <a:rPr lang="en-US" dirty="0" smtClean="0"/>
               <a:t>Hash length extension</a:t>
+            </a:r>
+          </a:p>
+          <a:p>
+            <a:pPr lvl="1"/>
+            <a:r>
+              <a:rPr lang="en-US" dirty="0"/>
+              <a:t>Padding </a:t>
+            </a:r>
+            <a:r>
+              <a:rPr lang="en-US" dirty="0" smtClean="0"/>
+              <a:t>oracle</a:t>
             </a:r>
           </a:p>
           <a:p>
@@ -11378,7 +11036,7 @@
 </file>
 
 <file path=ppt/slides/slide30.xml><?xml version="1.0" encoding="utf-8"?>
-<p:sld xmlns:a="http://schemas.openxmlformats.org/drawingml/2006/main" xmlns:r="http://schemas.openxmlformats.org/officeDocument/2006/relationships" xmlns:p="http://schemas.openxmlformats.org/presentationml/2006/main">
+<p:sld xmlns:a="http://schemas.openxmlformats.org/drawingml/2006/main" xmlns:r="http://schemas.openxmlformats.org/officeDocument/2006/relationships" xmlns:p="http://schemas.openxmlformats.org/presentationml/2006/main" show="0">
   <p:cSld>
     <p:spTree>
       <p:nvGrpSpPr>
@@ -11411,6 +11069,129 @@
           <a:p>
             <a:r>
               <a:rPr lang="en-US" dirty="0" smtClean="0"/>
+              <a:t>Why does bit flipping matter?</a:t>
+            </a:r>
+            <a:endParaRPr lang="en-US" dirty="0"/>
+          </a:p>
+        </p:txBody>
+      </p:sp>
+      <p:sp>
+        <p:nvSpPr>
+          <p:cNvPr id="3" name="Content Placeholder 2"/>
+          <p:cNvSpPr>
+            <a:spLocks noGrp="1"/>
+          </p:cNvSpPr>
+          <p:nvPr>
+            <p:ph idx="1"/>
+          </p:nvPr>
+        </p:nvSpPr>
+        <p:spPr/>
+        <p:txBody>
+          <a:bodyPr/>
+          <a:lstStyle/>
+          <a:p>
+            <a:r>
+              <a:rPr lang="en-US" dirty="0" smtClean="0"/>
+              <a:t>The plaintext packet can be controlled by modifying the encrypted packet</a:t>
+            </a:r>
+          </a:p>
+          <a:p>
+            <a:r>
+              <a:rPr lang="en-US" dirty="0" smtClean="0"/>
+              <a:t>This works against any algorithm that XORs the plaintext with a </a:t>
+            </a:r>
+            <a:r>
+              <a:rPr lang="en-US" dirty="0" err="1" smtClean="0"/>
+              <a:t>keystream</a:t>
+            </a:r>
+            <a:endParaRPr lang="en-US" dirty="0" smtClean="0"/>
+          </a:p>
+          <a:p>
+            <a:pPr lvl="1"/>
+            <a:r>
+              <a:rPr lang="en-US" dirty="0" smtClean="0"/>
+              <a:t>RC4</a:t>
+            </a:r>
+          </a:p>
+          <a:p>
+            <a:pPr lvl="1"/>
+            <a:r>
+              <a:rPr lang="en-US" dirty="0" smtClean="0"/>
+              <a:t>One-time pads</a:t>
+            </a:r>
+          </a:p>
+          <a:p>
+            <a:pPr lvl="1"/>
+            <a:r>
+              <a:rPr lang="en-US" dirty="0" smtClean="0"/>
+              <a:t>Block ciphers in OFB, PFB, or CTR mode (we’ll talk more about those later!)</a:t>
+            </a:r>
+            <a:endParaRPr lang="en-US" dirty="0"/>
+          </a:p>
+        </p:txBody>
+      </p:sp>
+    </p:spTree>
+    <p:extLst>
+      <p:ext uri="{BB962C8B-B14F-4D97-AF65-F5344CB8AC3E}">
+        <p14:creationId xmlns:p14="http://schemas.microsoft.com/office/powerpoint/2010/main" val="337137870"/>
+      </p:ext>
+    </p:extLst>
+  </p:cSld>
+  <p:clrMapOvr>
+    <a:masterClrMapping/>
+  </p:clrMapOvr>
+  <mc:AlternateContent xmlns:mc="http://schemas.openxmlformats.org/markup-compatibility/2006" xmlns:p14="http://schemas.microsoft.com/office/powerpoint/2010/main">
+    <mc:Choice Requires="p14">
+      <p:transition spd="slow" p14:dur="2000"/>
+    </mc:Choice>
+    <mc:Fallback xmlns="">
+      <p:transition spd="slow"/>
+    </mc:Fallback>
+  </mc:AlternateContent>
+  <p:timing>
+    <p:tnLst>
+      <p:par>
+        <p:cTn id="1" dur="indefinite" restart="never" nodeType="tmRoot"/>
+      </p:par>
+    </p:tnLst>
+  </p:timing>
+</p:sld>
+</file>
+
+<file path=ppt/slides/slide31.xml><?xml version="1.0" encoding="utf-8"?>
+<p:sld xmlns:a="http://schemas.openxmlformats.org/drawingml/2006/main" xmlns:r="http://schemas.openxmlformats.org/officeDocument/2006/relationships" xmlns:p="http://schemas.openxmlformats.org/presentationml/2006/main" show="0">
+  <p:cSld>
+    <p:spTree>
+      <p:nvGrpSpPr>
+        <p:cNvPr id="1" name=""/>
+        <p:cNvGrpSpPr/>
+        <p:nvPr/>
+      </p:nvGrpSpPr>
+      <p:grpSpPr>
+        <a:xfrm>
+          <a:off x="0" y="0"/>
+          <a:ext cx="0" cy="0"/>
+          <a:chOff x="0" y="0"/>
+          <a:chExt cx="0" cy="0"/>
+        </a:xfrm>
+      </p:grpSpPr>
+      <p:sp>
+        <p:nvSpPr>
+          <p:cNvPr id="2" name="Title 1"/>
+          <p:cNvSpPr>
+            <a:spLocks noGrp="1"/>
+          </p:cNvSpPr>
+          <p:nvPr>
+            <p:ph type="title"/>
+          </p:nvPr>
+        </p:nvSpPr>
+        <p:spPr/>
+        <p:txBody>
+          <a:bodyPr/>
+          <a:lstStyle/>
+          <a:p>
+            <a:r>
+              <a:rPr lang="en-US" dirty="0" smtClean="0"/>
               <a:t>How to prevent bit-flipping attacks</a:t>
             </a:r>
             <a:endParaRPr lang="en-US" dirty="0"/>
@@ -11446,15 +11227,7 @@
             </a:r>
             <a:r>
               <a:rPr lang="en-US" dirty="0" smtClean="0"/>
-              <a:t> HMAC(), not H(secret </a:t>
-            </a:r>
-            <a:r>
-              <a:rPr lang="en-US" dirty="0" smtClean="0"/>
-              <a:t>|| </a:t>
-            </a:r>
-            <a:r>
-              <a:rPr lang="en-US" dirty="0" smtClean="0"/>
-              <a:t>data)</a:t>
+              <a:t> HMAC(), not H(secret || data)</a:t>
             </a:r>
           </a:p>
           <a:p>
@@ -11512,6 +11285,14 @@
   <p:clrMapOvr>
     <a:masterClrMapping/>
   </p:clrMapOvr>
+  <mc:AlternateContent xmlns:mc="http://schemas.openxmlformats.org/markup-compatibility/2006" xmlns:p14="http://schemas.microsoft.com/office/powerpoint/2010/main">
+    <mc:Choice Requires="p14">
+      <p:transition spd="slow" p14:dur="2000"/>
+    </mc:Choice>
+    <mc:Fallback xmlns="">
+      <p:transition spd="slow"/>
+    </mc:Fallback>
+  </mc:AlternateContent>
   <p:timing>
     <p:tnLst>
       <p:par>
@@ -11522,8 +11303,8 @@
 </p:sld>
 </file>
 
-<file path=ppt/slides/slide31.xml><?xml version="1.0" encoding="utf-8"?>
-<p:sld xmlns:a="http://schemas.openxmlformats.org/drawingml/2006/main" xmlns:r="http://schemas.openxmlformats.org/officeDocument/2006/relationships" xmlns:p="http://schemas.openxmlformats.org/presentationml/2006/main">
+<file path=ppt/slides/slide32.xml><?xml version="1.0" encoding="utf-8"?>
+<p:sld xmlns:a="http://schemas.openxmlformats.org/drawingml/2006/main" xmlns:r="http://schemas.openxmlformats.org/officeDocument/2006/relationships" xmlns:p="http://schemas.openxmlformats.org/presentationml/2006/main" show="0">
   <p:cSld>
     <p:spTree>
       <p:nvGrpSpPr>
@@ -11603,6 +11384,14 @@
   <p:clrMapOvr>
     <a:masterClrMapping/>
   </p:clrMapOvr>
+  <mc:AlternateContent xmlns:mc="http://schemas.openxmlformats.org/markup-compatibility/2006" xmlns:p14="http://schemas.microsoft.com/office/powerpoint/2010/main">
+    <mc:Choice Requires="p14">
+      <p:transition spd="slow" p14:dur="2000"/>
+    </mc:Choice>
+    <mc:Fallback xmlns="">
+      <p:transition spd="slow"/>
+    </mc:Fallback>
+  </mc:AlternateContent>
   <p:timing>
     <p:tnLst>
       <p:par>
@@ -11613,8 +11402,8 @@
 </p:sld>
 </file>
 
-<file path=ppt/slides/slide32.xml><?xml version="1.0" encoding="utf-8"?>
-<p:sld xmlns:a="http://schemas.openxmlformats.org/drawingml/2006/main" xmlns:r="http://schemas.openxmlformats.org/officeDocument/2006/relationships" xmlns:p="http://schemas.openxmlformats.org/presentationml/2006/main">
+<file path=ppt/slides/slide33.xml><?xml version="1.0" encoding="utf-8"?>
+<p:sld xmlns:a="http://schemas.openxmlformats.org/drawingml/2006/main" xmlns:r="http://schemas.openxmlformats.org/officeDocument/2006/relationships" xmlns:p="http://schemas.openxmlformats.org/presentationml/2006/main" show="0">
   <p:cSld>
     <p:spTree>
       <p:nvGrpSpPr>
@@ -11736,6 +11525,14 @@
   <p:clrMapOvr>
     <a:masterClrMapping/>
   </p:clrMapOvr>
+  <mc:AlternateContent xmlns:mc="http://schemas.openxmlformats.org/markup-compatibility/2006" xmlns:p14="http://schemas.microsoft.com/office/powerpoint/2010/main">
+    <mc:Choice Requires="p14">
+      <p:transition spd="slow" p14:dur="2000"/>
+    </mc:Choice>
+    <mc:Fallback xmlns="">
+      <p:transition spd="slow"/>
+    </mc:Fallback>
+  </mc:AlternateContent>
   <p:timing>
     <p:tnLst>
       <p:par>
@@ -11746,8 +11543,8 @@
 </p:sld>
 </file>
 
-<file path=ppt/slides/slide33.xml><?xml version="1.0" encoding="utf-8"?>
-<p:sld xmlns:a="http://schemas.openxmlformats.org/drawingml/2006/main" xmlns:r="http://schemas.openxmlformats.org/officeDocument/2006/relationships" xmlns:p="http://schemas.openxmlformats.org/presentationml/2006/main">
+<file path=ppt/slides/slide34.xml><?xml version="1.0" encoding="utf-8"?>
+<p:sld xmlns:a="http://schemas.openxmlformats.org/drawingml/2006/main" xmlns:r="http://schemas.openxmlformats.org/officeDocument/2006/relationships" xmlns:p="http://schemas.openxmlformats.org/presentationml/2006/main" show="0">
   <p:cSld>
     <p:spTree>
       <p:nvGrpSpPr>
@@ -12671,6 +12468,14 @@
   <p:clrMapOvr>
     <a:masterClrMapping/>
   </p:clrMapOvr>
+  <mc:AlternateContent xmlns:mc="http://schemas.openxmlformats.org/markup-compatibility/2006" xmlns:p14="http://schemas.microsoft.com/office/powerpoint/2010/main">
+    <mc:Choice Requires="p14">
+      <p:transition spd="slow" p14:dur="2000"/>
+    </mc:Choice>
+    <mc:Fallback xmlns="">
+      <p:transition spd="slow"/>
+    </mc:Fallback>
+  </mc:AlternateContent>
   <p:timing>
     <p:tnLst>
       <p:par>
@@ -12681,8 +12486,8 @@
 </p:sld>
 </file>
 
-<file path=ppt/slides/slide34.xml><?xml version="1.0" encoding="utf-8"?>
-<p:sld xmlns:a="http://schemas.openxmlformats.org/drawingml/2006/main" xmlns:r="http://schemas.openxmlformats.org/officeDocument/2006/relationships" xmlns:p="http://schemas.openxmlformats.org/presentationml/2006/main">
+<file path=ppt/slides/slide35.xml><?xml version="1.0" encoding="utf-8"?>
+<p:sld xmlns:a="http://schemas.openxmlformats.org/drawingml/2006/main" xmlns:r="http://schemas.openxmlformats.org/officeDocument/2006/relationships" xmlns:p="http://schemas.openxmlformats.org/presentationml/2006/main" show="0">
   <p:cSld>
     <p:spTree>
       <p:nvGrpSpPr>
@@ -12775,6 +12580,14 @@
   <p:clrMapOvr>
     <a:masterClrMapping/>
   </p:clrMapOvr>
+  <mc:AlternateContent xmlns:mc="http://schemas.openxmlformats.org/markup-compatibility/2006" xmlns:p14="http://schemas.microsoft.com/office/powerpoint/2010/main">
+    <mc:Choice Requires="p14">
+      <p:transition spd="slow" p14:dur="2000"/>
+    </mc:Choice>
+    <mc:Fallback xmlns="">
+      <p:transition spd="slow"/>
+    </mc:Fallback>
+  </mc:AlternateContent>
   <p:timing>
     <p:tnLst>
       <p:par>
@@ -12785,8 +12598,8 @@
 </p:sld>
 </file>
 
-<file path=ppt/slides/slide35.xml><?xml version="1.0" encoding="utf-8"?>
-<p:sld xmlns:a="http://schemas.openxmlformats.org/drawingml/2006/main" xmlns:r="http://schemas.openxmlformats.org/officeDocument/2006/relationships" xmlns:p="http://schemas.openxmlformats.org/presentationml/2006/main">
+<file path=ppt/slides/slide36.xml><?xml version="1.0" encoding="utf-8"?>
+<p:sld xmlns:a="http://schemas.openxmlformats.org/drawingml/2006/main" xmlns:r="http://schemas.openxmlformats.org/officeDocument/2006/relationships" xmlns:p="http://schemas.openxmlformats.org/presentationml/2006/main" show="0">
   <p:cSld>
     <p:spTree>
       <p:nvGrpSpPr>
@@ -12866,139 +12679,14 @@
   <p:clrMapOvr>
     <a:masterClrMapping/>
   </p:clrMapOvr>
-  <p:timing>
-    <p:tnLst>
-      <p:par>
-        <p:cTn id="1" dur="indefinite" restart="never" nodeType="tmRoot"/>
-      </p:par>
-    </p:tnLst>
-  </p:timing>
-</p:sld>
-</file>
-
-<file path=ppt/slides/slide36.xml><?xml version="1.0" encoding="utf-8"?>
-<p:sld xmlns:a="http://schemas.openxmlformats.org/drawingml/2006/main" xmlns:r="http://schemas.openxmlformats.org/officeDocument/2006/relationships" xmlns:p="http://schemas.openxmlformats.org/presentationml/2006/main">
-  <p:cSld>
-    <p:spTree>
-      <p:nvGrpSpPr>
-        <p:cNvPr id="1" name=""/>
-        <p:cNvGrpSpPr/>
-        <p:nvPr/>
-      </p:nvGrpSpPr>
-      <p:grpSpPr>
-        <a:xfrm>
-          <a:off x="0" y="0"/>
-          <a:ext cx="0" cy="0"/>
-          <a:chOff x="0" y="0"/>
-          <a:chExt cx="0" cy="0"/>
-        </a:xfrm>
-      </p:grpSpPr>
-      <p:sp>
-        <p:nvSpPr>
-          <p:cNvPr id="2" name="Title 1"/>
-          <p:cNvSpPr>
-            <a:spLocks noGrp="1"/>
-          </p:cNvSpPr>
-          <p:nvPr>
-            <p:ph type="title"/>
-          </p:nvPr>
-        </p:nvSpPr>
-        <p:spPr/>
-        <p:txBody>
-          <a:bodyPr/>
-          <a:lstStyle/>
-          <a:p>
-            <a:r>
-              <a:rPr lang="en-US" dirty="0" smtClean="0"/>
-              <a:t>Key re-use in block ciphers</a:t>
-            </a:r>
-            <a:endParaRPr lang="en-US" dirty="0"/>
-          </a:p>
-        </p:txBody>
-      </p:sp>
-      <p:sp>
-        <p:nvSpPr>
-          <p:cNvPr id="3" name="Content Placeholder 2"/>
-          <p:cNvSpPr>
-            <a:spLocks noGrp="1"/>
-          </p:cNvSpPr>
-          <p:nvPr>
-            <p:ph idx="1"/>
-          </p:nvPr>
-        </p:nvSpPr>
-        <p:spPr/>
-        <p:txBody>
-          <a:bodyPr>
-            <a:normAutofit lnSpcReduction="10000"/>
-          </a:bodyPr>
-          <a:lstStyle/>
-          <a:p>
-            <a:r>
-              <a:rPr lang="en-US" dirty="0" smtClean="0"/>
-              <a:t>This is more subtle, and more difficult to exploit, but equally as dangerous</a:t>
-            </a:r>
-          </a:p>
-          <a:p>
-            <a:r>
-              <a:rPr lang="en-US" dirty="0" smtClean="0"/>
-              <a:t>This affects:</a:t>
-            </a:r>
-          </a:p>
-          <a:p>
-            <a:pPr lvl="1"/>
-            <a:r>
-              <a:rPr lang="en-US" dirty="0" smtClean="0"/>
-              <a:t>DES (all modes)</a:t>
-            </a:r>
-          </a:p>
-          <a:p>
-            <a:pPr lvl="1"/>
-            <a:r>
-              <a:rPr lang="en-US" dirty="0" smtClean="0"/>
-              <a:t>3DES (all modes)</a:t>
-            </a:r>
-          </a:p>
-          <a:p>
-            <a:pPr lvl="1"/>
-            <a:r>
-              <a:rPr lang="en-US" dirty="0" smtClean="0"/>
-              <a:t>AES (all modes)</a:t>
-            </a:r>
-          </a:p>
-          <a:p>
-            <a:pPr lvl="1"/>
-            <a:r>
-              <a:rPr lang="en-US" dirty="0" smtClean="0"/>
-              <a:t>RC2</a:t>
-            </a:r>
-          </a:p>
-          <a:p>
-            <a:pPr lvl="1"/>
-            <a:r>
-              <a:rPr lang="en-US" dirty="0" smtClean="0"/>
-              <a:t>RC5</a:t>
-            </a:r>
-          </a:p>
-          <a:p>
-            <a:pPr lvl="1"/>
-            <a:r>
-              <a:rPr lang="en-US" dirty="0" smtClean="0"/>
-              <a:t>And… well, everything else I’ve tested</a:t>
-            </a:r>
-            <a:endParaRPr lang="en-US" dirty="0"/>
-          </a:p>
-        </p:txBody>
-      </p:sp>
-    </p:spTree>
-    <p:extLst>
-      <p:ext uri="{BB962C8B-B14F-4D97-AF65-F5344CB8AC3E}">
-        <p14:creationId xmlns:p14="http://schemas.microsoft.com/office/powerpoint/2010/main" val="2529587816"/>
-      </p:ext>
-    </p:extLst>
-  </p:cSld>
-  <p:clrMapOvr>
-    <a:masterClrMapping/>
-  </p:clrMapOvr>
+  <mc:AlternateContent xmlns:mc="http://schemas.openxmlformats.org/markup-compatibility/2006" xmlns:p14="http://schemas.microsoft.com/office/powerpoint/2010/main">
+    <mc:Choice Requires="p14">
+      <p:transition spd="slow" p14:dur="2000"/>
+    </mc:Choice>
+    <mc:Fallback xmlns="">
+      <p:transition spd="slow"/>
+    </mc:Fallback>
+  </mc:AlternateContent>
   <p:timing>
     <p:tnLst>
       <p:par>
@@ -13038,14 +12726,12 @@
         </p:nvSpPr>
         <p:spPr/>
         <p:txBody>
-          <a:bodyPr>
-            <a:normAutofit fontScale="90000"/>
-          </a:bodyPr>
+          <a:bodyPr/>
           <a:lstStyle/>
           <a:p>
             <a:r>
               <a:rPr lang="en-US" dirty="0" smtClean="0"/>
-              <a:t>Key re-use in block ciphers: When does this work?</a:t>
+              <a:t>Key re-use in block ciphers</a:t>
             </a:r>
             <a:endParaRPr lang="en-US" dirty="0"/>
           </a:p>
@@ -13070,6 +12756,150 @@
           <a:p>
             <a:r>
               <a:rPr lang="en-US" dirty="0" smtClean="0"/>
+              <a:t>Using the same key/IV to encrypt two messages = fail</a:t>
+            </a:r>
+            <a:endParaRPr lang="en-US" dirty="0" smtClean="0"/>
+          </a:p>
+          <a:p>
+            <a:r>
+              <a:rPr lang="en-US" dirty="0" smtClean="0"/>
+              <a:t>This affects:</a:t>
+            </a:r>
+          </a:p>
+          <a:p>
+            <a:pPr lvl="1"/>
+            <a:r>
+              <a:rPr lang="en-US" dirty="0" smtClean="0"/>
+              <a:t>DES (all modes)</a:t>
+            </a:r>
+          </a:p>
+          <a:p>
+            <a:pPr lvl="1"/>
+            <a:r>
+              <a:rPr lang="en-US" dirty="0" smtClean="0"/>
+              <a:t>3DES (all modes)</a:t>
+            </a:r>
+          </a:p>
+          <a:p>
+            <a:pPr lvl="1"/>
+            <a:r>
+              <a:rPr lang="en-US" dirty="0" smtClean="0"/>
+              <a:t>AES (all modes)</a:t>
+            </a:r>
+          </a:p>
+          <a:p>
+            <a:pPr lvl="1"/>
+            <a:r>
+              <a:rPr lang="en-US" dirty="0" smtClean="0"/>
+              <a:t>RC2</a:t>
+            </a:r>
+          </a:p>
+          <a:p>
+            <a:pPr lvl="1"/>
+            <a:r>
+              <a:rPr lang="en-US" dirty="0" smtClean="0"/>
+              <a:t>RC4</a:t>
+            </a:r>
+            <a:endParaRPr lang="en-US" dirty="0" smtClean="0"/>
+          </a:p>
+          <a:p>
+            <a:pPr lvl="1"/>
+            <a:r>
+              <a:rPr lang="en-US" dirty="0" smtClean="0"/>
+              <a:t>RC5</a:t>
+            </a:r>
+          </a:p>
+          <a:p>
+            <a:pPr lvl="1"/>
+            <a:r>
+              <a:rPr lang="en-US" dirty="0" smtClean="0"/>
+              <a:t>And… well, everything else I’ve tested</a:t>
+            </a:r>
+            <a:endParaRPr lang="en-US" dirty="0"/>
+          </a:p>
+        </p:txBody>
+      </p:sp>
+    </p:spTree>
+    <p:extLst>
+      <p:ext uri="{BB962C8B-B14F-4D97-AF65-F5344CB8AC3E}">
+        <p14:creationId xmlns:p14="http://schemas.microsoft.com/office/powerpoint/2010/main" val="2529587816"/>
+      </p:ext>
+    </p:extLst>
+  </p:cSld>
+  <p:clrMapOvr>
+    <a:masterClrMapping/>
+  </p:clrMapOvr>
+  <p:timing>
+    <p:tnLst>
+      <p:par>
+        <p:cTn id="1" dur="indefinite" restart="never" nodeType="tmRoot"/>
+      </p:par>
+    </p:tnLst>
+  </p:timing>
+</p:sld>
+</file>
+
+<file path=ppt/slides/slide38.xml><?xml version="1.0" encoding="utf-8"?>
+<p:sld xmlns:a="http://schemas.openxmlformats.org/drawingml/2006/main" xmlns:r="http://schemas.openxmlformats.org/officeDocument/2006/relationships" xmlns:p="http://schemas.openxmlformats.org/presentationml/2006/main">
+  <p:cSld>
+    <p:spTree>
+      <p:nvGrpSpPr>
+        <p:cNvPr id="1" name=""/>
+        <p:cNvGrpSpPr/>
+        <p:nvPr/>
+      </p:nvGrpSpPr>
+      <p:grpSpPr>
+        <a:xfrm>
+          <a:off x="0" y="0"/>
+          <a:ext cx="0" cy="0"/>
+          <a:chOff x="0" y="0"/>
+          <a:chExt cx="0" cy="0"/>
+        </a:xfrm>
+      </p:grpSpPr>
+      <p:sp>
+        <p:nvSpPr>
+          <p:cNvPr id="2" name="Title 1"/>
+          <p:cNvSpPr>
+            <a:spLocks noGrp="1"/>
+          </p:cNvSpPr>
+          <p:nvPr>
+            <p:ph type="title"/>
+          </p:nvPr>
+        </p:nvSpPr>
+        <p:spPr/>
+        <p:txBody>
+          <a:bodyPr>
+            <a:normAutofit fontScale="90000"/>
+          </a:bodyPr>
+          <a:lstStyle/>
+          <a:p>
+            <a:r>
+              <a:rPr lang="en-US" dirty="0" smtClean="0"/>
+              <a:t>Key re-use in block ciphers: When does this work?</a:t>
+            </a:r>
+            <a:endParaRPr lang="en-US" dirty="0"/>
+          </a:p>
+        </p:txBody>
+      </p:sp>
+      <p:sp>
+        <p:nvSpPr>
+          <p:cNvPr id="3" name="Content Placeholder 2"/>
+          <p:cNvSpPr>
+            <a:spLocks noGrp="1"/>
+          </p:cNvSpPr>
+          <p:nvPr>
+            <p:ph idx="1"/>
+          </p:nvPr>
+        </p:nvSpPr>
+        <p:spPr/>
+        <p:txBody>
+          <a:bodyPr>
+            <a:normAutofit fontScale="92500" lnSpcReduction="10000"/>
+          </a:bodyPr>
+          <a:lstStyle/>
+          <a:p>
+            <a:r>
+              <a:rPr lang="en-US" dirty="0" smtClean="0"/>
               <a:t>This attack works if:</a:t>
             </a:r>
           </a:p>
@@ -13091,7 +12921,15 @@
             <a:pPr lvl="1"/>
             <a:r>
               <a:rPr lang="en-US" dirty="0" smtClean="0"/>
-              <a:t>The attacker controls [</a:t>
+              <a:t>The attacker </a:t>
+            </a:r>
+            <a:r>
+              <a:rPr lang="en-US" dirty="0" smtClean="0"/>
+              <a:t>controls at least </a:t>
+            </a:r>
+            <a:r>
+              <a:rPr lang="en-US" dirty="0" smtClean="0"/>
+              <a:t>[</a:t>
             </a:r>
             <a:r>
               <a:rPr lang="en-US" dirty="0" err="1" smtClean="0"/>
@@ -13146,7 +12984,7 @@
 </p:sld>
 </file>
 
-<file path=ppt/slides/slide38.xml><?xml version="1.0" encoding="utf-8"?>
+<file path=ppt/slides/slide39.xml><?xml version="1.0" encoding="utf-8"?>
 <p:sld xmlns:a="http://schemas.openxmlformats.org/drawingml/2006/main" xmlns:r="http://schemas.openxmlformats.org/officeDocument/2006/relationships" xmlns:p="http://schemas.openxmlformats.org/presentationml/2006/main">
   <p:cSld>
     <p:spTree>
@@ -13306,7 +13144,110 @@
 </p:sld>
 </file>
 
-<file path=ppt/slides/slide39.xml><?xml version="1.0" encoding="utf-8"?>
+<file path=ppt/slides/slide4.xml><?xml version="1.0" encoding="utf-8"?>
+<p:sld xmlns:a="http://schemas.openxmlformats.org/drawingml/2006/main" xmlns:r="http://schemas.openxmlformats.org/officeDocument/2006/relationships" xmlns:p="http://schemas.openxmlformats.org/presentationml/2006/main">
+  <p:cSld>
+    <p:spTree>
+      <p:nvGrpSpPr>
+        <p:cNvPr id="1" name=""/>
+        <p:cNvGrpSpPr/>
+        <p:nvPr/>
+      </p:nvGrpSpPr>
+      <p:grpSpPr>
+        <a:xfrm>
+          <a:off x="0" y="0"/>
+          <a:ext cx="0" cy="0"/>
+          <a:chOff x="0" y="0"/>
+          <a:chExt cx="0" cy="0"/>
+        </a:xfrm>
+      </p:grpSpPr>
+      <p:sp>
+        <p:nvSpPr>
+          <p:cNvPr id="2" name="Title 1"/>
+          <p:cNvSpPr>
+            <a:spLocks noGrp="1"/>
+          </p:cNvSpPr>
+          <p:nvPr>
+            <p:ph type="title"/>
+          </p:nvPr>
+        </p:nvSpPr>
+        <p:spPr/>
+        <p:txBody>
+          <a:bodyPr/>
+          <a:lstStyle/>
+          <a:p>
+            <a:r>
+              <a:rPr lang="en-US" dirty="0" smtClean="0"/>
+              <a:t>Why am I doing this?</a:t>
+            </a:r>
+            <a:endParaRPr lang="en-US" dirty="0"/>
+          </a:p>
+        </p:txBody>
+      </p:sp>
+      <p:sp>
+        <p:nvSpPr>
+          <p:cNvPr id="3" name="Content Placeholder 2"/>
+          <p:cNvSpPr>
+            <a:spLocks noGrp="1"/>
+          </p:cNvSpPr>
+          <p:nvPr>
+            <p:ph idx="1"/>
+          </p:nvPr>
+        </p:nvSpPr>
+        <p:spPr/>
+        <p:txBody>
+          <a:bodyPr>
+            <a:normAutofit/>
+          </a:bodyPr>
+          <a:lstStyle/>
+          <a:p>
+            <a:r>
+              <a:rPr lang="en-US" dirty="0" smtClean="0"/>
+              <a:t>In my opinion, crypto is one of the most important technologies in the modern world, if implemented correctly</a:t>
+            </a:r>
+          </a:p>
+          <a:p>
+            <a:r>
+              <a:rPr lang="en-US" dirty="0" smtClean="0"/>
+              <a:t>Crypto implementation is hard</a:t>
+            </a:r>
+          </a:p>
+          <a:p>
+            <a:r>
+              <a:rPr lang="en-US" dirty="0" smtClean="0"/>
+              <a:t>I decided to teach myself attacks by writing tools</a:t>
+            </a:r>
+          </a:p>
+          <a:p>
+            <a:pPr lvl="1"/>
+            <a:r>
+              <a:rPr lang="en-US" dirty="0" smtClean="0"/>
+              <a:t>Before I knew it, I had enough to make an interesting talk!</a:t>
+            </a:r>
+          </a:p>
+        </p:txBody>
+      </p:sp>
+    </p:spTree>
+    <p:extLst>
+      <p:ext uri="{BB962C8B-B14F-4D97-AF65-F5344CB8AC3E}">
+        <p14:creationId xmlns:p14="http://schemas.microsoft.com/office/powerpoint/2010/main" val="1079383365"/>
+      </p:ext>
+    </p:extLst>
+  </p:cSld>
+  <p:clrMapOvr>
+    <a:masterClrMapping/>
+  </p:clrMapOvr>
+  <p:timing>
+    <p:tnLst>
+      <p:par>
+        <p:cTn id="1" dur="indefinite" restart="never" nodeType="tmRoot"/>
+      </p:par>
+    </p:tnLst>
+  </p:timing>
+</p:sld>
+</file>
+
+<file path=ppt/slides/slide40.xml><?xml version="1.0" encoding="utf-8"?>
 <p:sld xmlns:a="http://schemas.openxmlformats.org/drawingml/2006/main" xmlns:r="http://schemas.openxmlformats.org/officeDocument/2006/relationships" xmlns:p="http://schemas.openxmlformats.org/presentationml/2006/main">
   <p:cSld>
     <p:spTree>
@@ -16606,110 +16547,7 @@
 </p:sld>
 </file>
 
-<file path=ppt/slides/slide4.xml><?xml version="1.0" encoding="utf-8"?>
-<p:sld xmlns:a="http://schemas.openxmlformats.org/drawingml/2006/main" xmlns:r="http://schemas.openxmlformats.org/officeDocument/2006/relationships" xmlns:p="http://schemas.openxmlformats.org/presentationml/2006/main">
-  <p:cSld>
-    <p:spTree>
-      <p:nvGrpSpPr>
-        <p:cNvPr id="1" name=""/>
-        <p:cNvGrpSpPr/>
-        <p:nvPr/>
-      </p:nvGrpSpPr>
-      <p:grpSpPr>
-        <a:xfrm>
-          <a:off x="0" y="0"/>
-          <a:ext cx="0" cy="0"/>
-          <a:chOff x="0" y="0"/>
-          <a:chExt cx="0" cy="0"/>
-        </a:xfrm>
-      </p:grpSpPr>
-      <p:sp>
-        <p:nvSpPr>
-          <p:cNvPr id="2" name="Title 1"/>
-          <p:cNvSpPr>
-            <a:spLocks noGrp="1"/>
-          </p:cNvSpPr>
-          <p:nvPr>
-            <p:ph type="title"/>
-          </p:nvPr>
-        </p:nvSpPr>
-        <p:spPr/>
-        <p:txBody>
-          <a:bodyPr/>
-          <a:lstStyle/>
-          <a:p>
-            <a:r>
-              <a:rPr lang="en-US" dirty="0" smtClean="0"/>
-              <a:t>Why am I doing this?</a:t>
-            </a:r>
-            <a:endParaRPr lang="en-US" dirty="0"/>
-          </a:p>
-        </p:txBody>
-      </p:sp>
-      <p:sp>
-        <p:nvSpPr>
-          <p:cNvPr id="3" name="Content Placeholder 2"/>
-          <p:cNvSpPr>
-            <a:spLocks noGrp="1"/>
-          </p:cNvSpPr>
-          <p:nvPr>
-            <p:ph idx="1"/>
-          </p:nvPr>
-        </p:nvSpPr>
-        <p:spPr/>
-        <p:txBody>
-          <a:bodyPr>
-            <a:normAutofit/>
-          </a:bodyPr>
-          <a:lstStyle/>
-          <a:p>
-            <a:r>
-              <a:rPr lang="en-US" dirty="0" smtClean="0"/>
-              <a:t>In my opinion, crypto is one of the most important technologies in the modern world, if implemented correctly</a:t>
-            </a:r>
-          </a:p>
-          <a:p>
-            <a:r>
-              <a:rPr lang="en-US" dirty="0" smtClean="0"/>
-              <a:t>Crypto implementation is hard</a:t>
-            </a:r>
-          </a:p>
-          <a:p>
-            <a:r>
-              <a:rPr lang="en-US" dirty="0" smtClean="0"/>
-              <a:t>I decided to teach myself attacks by writing tools</a:t>
-            </a:r>
-          </a:p>
-          <a:p>
-            <a:pPr lvl="1"/>
-            <a:r>
-              <a:rPr lang="en-US" dirty="0" smtClean="0"/>
-              <a:t>Before I knew it, I had enough to make an interesting talk!</a:t>
-            </a:r>
-          </a:p>
-        </p:txBody>
-      </p:sp>
-    </p:spTree>
-    <p:extLst>
-      <p:ext uri="{BB962C8B-B14F-4D97-AF65-F5344CB8AC3E}">
-        <p14:creationId xmlns:p14="http://schemas.microsoft.com/office/powerpoint/2010/main" val="1079383365"/>
-      </p:ext>
-    </p:extLst>
-  </p:cSld>
-  <p:clrMapOvr>
-    <a:masterClrMapping/>
-  </p:clrMapOvr>
-  <p:timing>
-    <p:tnLst>
-      <p:par>
-        <p:cTn id="1" dur="indefinite" restart="never" nodeType="tmRoot"/>
-      </p:par>
-    </p:tnLst>
-  </p:timing>
-</p:sld>
-</file>
-
-<file path=ppt/slides/slide40.xml><?xml version="1.0" encoding="utf-8"?>
+<file path=ppt/slides/slide41.xml><?xml version="1.0" encoding="utf-8"?>
 <p:sld xmlns:a="http://schemas.openxmlformats.org/drawingml/2006/main" xmlns:r="http://schemas.openxmlformats.org/officeDocument/2006/relationships" xmlns:p="http://schemas.openxmlformats.org/presentationml/2006/main">
   <p:cSld>
     <p:spTree>
@@ -20667,7 +20505,7 @@
 </p:sld>
 </file>
 
-<file path=ppt/slides/slide41.xml><?xml version="1.0" encoding="utf-8"?>
+<file path=ppt/slides/slide42.xml><?xml version="1.0" encoding="utf-8"?>
 <p:sld xmlns:a="http://schemas.openxmlformats.org/drawingml/2006/main" xmlns:r="http://schemas.openxmlformats.org/officeDocument/2006/relationships" xmlns:p="http://schemas.openxmlformats.org/presentationml/2006/main">
   <p:cSld>
     <p:spTree>
@@ -24597,7 +24435,7 @@
 </p:sld>
 </file>
 
-<file path=ppt/slides/slide42.xml><?xml version="1.0" encoding="utf-8"?>
+<file path=ppt/slides/slide43.xml><?xml version="1.0" encoding="utf-8"?>
 <p:sld xmlns:a="http://schemas.openxmlformats.org/drawingml/2006/main" xmlns:r="http://schemas.openxmlformats.org/officeDocument/2006/relationships" xmlns:p="http://schemas.openxmlformats.org/presentationml/2006/main">
   <p:cSld>
     <p:spTree>
@@ -28588,7 +28426,7 @@
 </p:sld>
 </file>
 
-<file path=ppt/slides/slide43.xml><?xml version="1.0" encoding="utf-8"?>
+<file path=ppt/slides/slide44.xml><?xml version="1.0" encoding="utf-8"?>
 <p:sld xmlns:a="http://schemas.openxmlformats.org/drawingml/2006/main" xmlns:r="http://schemas.openxmlformats.org/officeDocument/2006/relationships" xmlns:p="http://schemas.openxmlformats.org/presentationml/2006/main">
   <p:cSld>
     <p:spTree>
@@ -32648,7 +32486,7 @@
 </p:sld>
 </file>
 
-<file path=ppt/slides/slide44.xml><?xml version="1.0" encoding="utf-8"?>
+<file path=ppt/slides/slide45.xml><?xml version="1.0" encoding="utf-8"?>
 <p:sld xmlns:a="http://schemas.openxmlformats.org/drawingml/2006/main" xmlns:r="http://schemas.openxmlformats.org/officeDocument/2006/relationships" xmlns:p="http://schemas.openxmlformats.org/presentationml/2006/main">
   <p:cSld>
     <p:spTree>
@@ -32727,7 +32565,7 @@
             <a:pPr lvl="1"/>
             <a:r>
               <a:rPr lang="en-US" dirty="0" smtClean="0"/>
-              <a:t>We can guess any character in 255 bytes, as long as we know all the characters before it</a:t>
+              <a:t>We can guess any character in 256 guesses, as long as we know all the characters before it</a:t>
             </a:r>
           </a:p>
         </p:txBody>
@@ -32736,112 +32574,6 @@
     <p:extLst>
       <p:ext uri="{BB962C8B-B14F-4D97-AF65-F5344CB8AC3E}">
         <p14:creationId xmlns:p14="http://schemas.microsoft.com/office/powerpoint/2010/main" val="1178365849"/>
-      </p:ext>
-    </p:extLst>
-  </p:cSld>
-  <p:clrMapOvr>
-    <a:masterClrMapping/>
-  </p:clrMapOvr>
-  <p:timing>
-    <p:tnLst>
-      <p:par>
-        <p:cTn id="1" dur="indefinite" restart="never" nodeType="tmRoot"/>
-      </p:par>
-    </p:tnLst>
-  </p:timing>
-</p:sld>
-</file>
-
-<file path=ppt/slides/slide45.xml><?xml version="1.0" encoding="utf-8"?>
-<p:sld xmlns:a="http://schemas.openxmlformats.org/drawingml/2006/main" xmlns:r="http://schemas.openxmlformats.org/officeDocument/2006/relationships" xmlns:p="http://schemas.openxmlformats.org/presentationml/2006/main">
-  <p:cSld>
-    <p:spTree>
-      <p:nvGrpSpPr>
-        <p:cNvPr id="1" name=""/>
-        <p:cNvGrpSpPr/>
-        <p:nvPr/>
-      </p:nvGrpSpPr>
-      <p:grpSpPr>
-        <a:xfrm>
-          <a:off x="0" y="0"/>
-          <a:ext cx="0" cy="0"/>
-          <a:chOff x="0" y="0"/>
-          <a:chExt cx="0" cy="0"/>
-        </a:xfrm>
-      </p:grpSpPr>
-      <p:sp>
-        <p:nvSpPr>
-          <p:cNvPr id="2" name="Title 1"/>
-          <p:cNvSpPr>
-            <a:spLocks noGrp="1"/>
-          </p:cNvSpPr>
-          <p:nvPr>
-            <p:ph type="title"/>
-          </p:nvPr>
-        </p:nvSpPr>
-        <p:spPr/>
-        <p:txBody>
-          <a:bodyPr>
-            <a:normAutofit/>
-          </a:bodyPr>
-          <a:lstStyle/>
-          <a:p>
-            <a:r>
-              <a:rPr lang="en-US" dirty="0" smtClean="0"/>
-              <a:t>Key re-use in block ciphers: A tool!</a:t>
-            </a:r>
-            <a:endParaRPr lang="en-US" dirty="0"/>
-          </a:p>
-        </p:txBody>
-      </p:sp>
-      <p:sp>
-        <p:nvSpPr>
-          <p:cNvPr id="3" name="Content Placeholder 2"/>
-          <p:cNvSpPr>
-            <a:spLocks noGrp="1"/>
-          </p:cNvSpPr>
-          <p:nvPr>
-            <p:ph idx="1"/>
-          </p:nvPr>
-        </p:nvSpPr>
-        <p:spPr/>
-        <p:txBody>
-          <a:bodyPr/>
-          <a:lstStyle/>
-          <a:p>
-            <a:r>
-              <a:rPr lang="en-US" dirty="0" smtClean="0"/>
-              <a:t>I wrote a tool called “</a:t>
-            </a:r>
-            <a:r>
-              <a:rPr lang="en-US" dirty="0" err="1" smtClean="0"/>
-              <a:t>Prephixer</a:t>
-            </a:r>
-            <a:r>
-              <a:rPr lang="en-US" dirty="0" smtClean="0"/>
-              <a:t>” to implement this attack</a:t>
-            </a:r>
-          </a:p>
-          <a:p>
-            <a:pPr lvl="1"/>
-            <a:r>
-              <a:rPr lang="en-US" dirty="0" smtClean="0">
-                <a:hlinkClick r:id="rId2"/>
-              </a:rPr>
-              <a:t>https://www.github.com/iagox86/prephixer</a:t>
-            </a:r>
-            <a:r>
-              <a:rPr lang="en-US" dirty="0" smtClean="0"/>
-              <a:t> </a:t>
-            </a:r>
-            <a:endParaRPr lang="en-US" dirty="0"/>
-          </a:p>
-        </p:txBody>
-      </p:sp>
-    </p:spTree>
-    <p:extLst>
-      <p:ext uri="{BB962C8B-B14F-4D97-AF65-F5344CB8AC3E}">
-        <p14:creationId xmlns:p14="http://schemas.microsoft.com/office/powerpoint/2010/main" val="85771328"/>
       </p:ext>
     </p:extLst>
   </p:cSld>
@@ -32887,12 +32619,14 @@
         </p:nvSpPr>
         <p:spPr/>
         <p:txBody>
-          <a:bodyPr/>
+          <a:bodyPr>
+            <a:normAutofit/>
+          </a:bodyPr>
           <a:lstStyle/>
           <a:p>
             <a:r>
               <a:rPr lang="en-US" dirty="0" smtClean="0"/>
-              <a:t>Phew, we made it!</a:t>
+              <a:t>Key re-use in block ciphers: A tool!</a:t>
             </a:r>
             <a:endParaRPr lang="en-US" dirty="0"/>
           </a:p>
@@ -32915,7 +32649,7 @@
           <a:p>
             <a:r>
               <a:rPr lang="en-US" dirty="0" smtClean="0"/>
-              <a:t>Let’s do a demo of </a:t>
+              <a:t>I wrote a tool called “</a:t>
             </a:r>
             <a:r>
               <a:rPr lang="en-US" dirty="0" err="1" smtClean="0"/>
@@ -32923,7 +32657,27 @@
             </a:r>
             <a:r>
               <a:rPr lang="en-US" dirty="0" smtClean="0"/>
-              <a:t>!</a:t>
+              <a:t>” to implement this attack</a:t>
+            </a:r>
+          </a:p>
+          <a:p>
+            <a:pPr lvl="1"/>
+            <a:r>
+              <a:rPr lang="en-US" dirty="0" smtClean="0">
+                <a:hlinkClick r:id="rId2"/>
+              </a:rPr>
+              <a:t>https://www.github.com/iagox86/prephixer</a:t>
+            </a:r>
+            <a:r>
+              <a:rPr lang="en-US" dirty="0" smtClean="0"/>
+              <a:t> </a:t>
+            </a:r>
+            <a:endParaRPr lang="en-US" dirty="0" smtClean="0"/>
+          </a:p>
+          <a:p>
+            <a:r>
+              <a:rPr lang="en-US" dirty="0" smtClean="0"/>
+              <a:t>Let’s do a demo!</a:t>
             </a:r>
             <a:endParaRPr lang="en-US" dirty="0"/>
           </a:p>
@@ -32931,14 +32685,14 @@
       </p:sp>
       <p:pic>
         <p:nvPicPr>
-          <p:cNvPr id="3074" name="Picture 2" descr="https://encrypted-tbn0.gstatic.com/images?q=tbn:ANd9GcQ6bdYBItr0MdRYd_iSgEvHN2bnnCkDEJJZ1dACv-XA7r8_2XfKsQ"/>
+          <p:cNvPr id="4" name="Picture 2" descr="https://encrypted-tbn0.gstatic.com/images?q=tbn:ANd9GcQ6bdYBItr0MdRYd_iSgEvHN2bnnCkDEJJZ1dACv-XA7r8_2XfKsQ"/>
           <p:cNvPicPr>
             <a:picLocks noChangeAspect="1" noChangeArrowheads="1"/>
           </p:cNvPicPr>
           <p:nvPr/>
         </p:nvPicPr>
         <p:blipFill>
-          <a:blip r:embed="rId2">
+          <a:blip r:embed="rId3">
             <a:extLst>
               <a:ext uri="{28A0092B-C50C-407E-A947-70E740481C1C}">
                 <a14:useLocalDpi xmlns:a14="http://schemas.microsoft.com/office/drawing/2010/main" val="0"/>
@@ -32952,8 +32706,8 @@
         </p:blipFill>
         <p:spPr bwMode="auto">
           <a:xfrm>
-            <a:off x="5629275" y="2667000"/>
-            <a:ext cx="3514725" cy="4105275"/>
+            <a:off x="6085945" y="3200400"/>
+            <a:ext cx="3058055" cy="3571875"/>
           </a:xfrm>
           <a:prstGeom prst="rect">
             <a:avLst/>
@@ -32973,7 +32727,7 @@
     </p:spTree>
     <p:extLst>
       <p:ext uri="{BB962C8B-B14F-4D97-AF65-F5344CB8AC3E}">
-        <p14:creationId xmlns:p14="http://schemas.microsoft.com/office/powerpoint/2010/main" val="2913889897"/>
+        <p14:creationId xmlns:p14="http://schemas.microsoft.com/office/powerpoint/2010/main" val="85771328"/>
       </p:ext>
     </p:extLst>
   </p:cSld>
@@ -33808,7 +33562,7 @@
 </file>
 
 <file path=ppt/slides/slide5.xml><?xml version="1.0" encoding="utf-8"?>
-<p:sld xmlns:a="http://schemas.openxmlformats.org/drawingml/2006/main" xmlns:r="http://schemas.openxmlformats.org/officeDocument/2006/relationships" xmlns:p="http://schemas.openxmlformats.org/presentationml/2006/main">
+<p:sld xmlns:a="http://schemas.openxmlformats.org/drawingml/2006/main" xmlns:r="http://schemas.openxmlformats.org/officeDocument/2006/relationships" xmlns:p="http://schemas.openxmlformats.org/presentationml/2006/main" show="0">
   <p:cSld>
     <p:spTree>
       <p:nvGrpSpPr>
@@ -33909,7 +33663,7 @@
             <p:ph sz="half" idx="2"/>
             <p:extLst>
               <p:ext uri="{D42A27DB-BD31-4B8C-83A1-F6EECF244321}">
-                <p14:modId xmlns:p14="http://schemas.microsoft.com/office/powerpoint/2010/main" val="1957158072"/>
+                <p14:modId xmlns:p14="http://schemas.microsoft.com/office/powerpoint/2010/main" val="3216986899"/>
               </p:ext>
             </p:extLst>
           </p:nvPr>
@@ -34682,12 +34436,18 @@
                     <a:p>
                       <a:pPr algn="l" fontAlgn="b"/>
                       <a:r>
-                        <a:rPr lang="en-US" sz="1100" u="none" strike="noStrike">
+                        <a:rPr lang="en-US" sz="1100" u="none" strike="noStrike" dirty="0" smtClean="0">
                           <a:effectLst/>
                         </a:rPr>
-                        <a:t>SHSA2 (2001)</a:t>
-                      </a:r>
-                      <a:endParaRPr lang="en-US" sz="1100" b="1" i="0" u="none" strike="noStrike">
+                        <a:t>SHA2 </a:t>
+                      </a:r>
+                      <a:r>
+                        <a:rPr lang="en-US" sz="1100" u="none" strike="noStrike" dirty="0">
+                          <a:effectLst/>
+                        </a:rPr>
+                        <a:t>(2001)</a:t>
+                      </a:r>
+                      <a:endParaRPr lang="en-US" sz="1100" b="1" i="0" u="none" strike="noStrike" dirty="0">
                         <a:solidFill>
                           <a:srgbClr val="000000"/>
                         </a:solidFill>
@@ -35828,6 +35588,14 @@
   <p:clrMapOvr>
     <a:masterClrMapping/>
   </p:clrMapOvr>
+  <mc:AlternateContent xmlns:mc="http://schemas.openxmlformats.org/markup-compatibility/2006">
+    <mc:Choice xmlns:p14="http://schemas.microsoft.com/office/powerpoint/2010/main" Requires="p14">
+      <p:transition spd="slow" p14:dur="2000"/>
+    </mc:Choice>
+    <mc:Fallback>
+      <p:transition spd="slow"/>
+    </mc:Fallback>
+  </mc:AlternateContent>
   <p:timing>
     <p:tnLst>
       <p:par>
@@ -38685,21 +38453,11 @@
             <a:pPr lvl="1"/>
             <a:r>
               <a:rPr lang="en-US" dirty="0" smtClean="0"/>
-              <a:t>The padding:</a:t>
-            </a:r>
-          </a:p>
-          <a:p>
-            <a:pPr lvl="2"/>
+              <a:t>And </a:t>
+            </a:r>
             <a:r>
               <a:rPr lang="en-US" dirty="0" smtClean="0"/>
-              <a:t>\x80 + \x00\x00\x00… + [length]</a:t>
-            </a:r>
-          </a:p>
-          <a:p>
-            <a:pPr lvl="1"/>
-            <a:r>
-              <a:rPr lang="en-US" dirty="0" smtClean="0"/>
-              <a:t>And the text we wanted to add!</a:t>
+              <a:t>the text we wanted to add!</a:t>
             </a:r>
             <a:endParaRPr lang="en-US" dirty="0"/>
           </a:p>
@@ -40332,7 +40090,7 @@
 </file>
 
 <file path=ppt/slides/slide6.xml><?xml version="1.0" encoding="utf-8"?>
-<p:sld xmlns:a="http://schemas.openxmlformats.org/drawingml/2006/main" xmlns:r="http://schemas.openxmlformats.org/officeDocument/2006/relationships" xmlns:p="http://schemas.openxmlformats.org/presentationml/2006/main">
+<p:sld xmlns:a="http://schemas.openxmlformats.org/drawingml/2006/main" xmlns:r="http://schemas.openxmlformats.org/officeDocument/2006/relationships" xmlns:p="http://schemas.openxmlformats.org/presentationml/2006/main" show="0">
   <p:cSld>
     <p:spTree>
       <p:nvGrpSpPr>
@@ -40469,6 +40227,14 @@
   <p:clrMapOvr>
     <a:masterClrMapping/>
   </p:clrMapOvr>
+  <mc:AlternateContent xmlns:mc="http://schemas.openxmlformats.org/markup-compatibility/2006" xmlns:p14="http://schemas.microsoft.com/office/powerpoint/2010/main">
+    <mc:Choice Requires="p14">
+      <p:transition spd="slow" p14:dur="2000"/>
+    </mc:Choice>
+    <mc:Fallback xmlns="">
+      <p:transition spd="slow"/>
+    </mc:Fallback>
+  </mc:AlternateContent>
   <p:timing>
     <p:tnLst>
       <p:par>
@@ -45770,13 +45536,13 @@
         </p:spPr>
         <p:style>
           <a:lnRef idx="2">
-            <a:schemeClr val="dk1"/>
+            <a:schemeClr val="accent2"/>
           </a:lnRef>
           <a:fillRef idx="1">
             <a:schemeClr val="lt1"/>
           </a:fillRef>
           <a:effectRef idx="0">
-            <a:schemeClr val="dk1"/>
+            <a:schemeClr val="accent2"/>
           </a:effectRef>
           <a:fontRef idx="minor">
             <a:schemeClr val="dk1"/>
@@ -46375,11 +46141,15 @@
             </a:r>
             <a:r>
               <a:rPr lang="en-US" baseline="-25000" dirty="0" smtClean="0"/>
-              <a:t>0</a:t>
+              <a:t>1</a:t>
             </a:r>
             <a:r>
               <a:rPr lang="en-US" dirty="0" smtClean="0"/>
-              <a:t> = “Hello </a:t>
+              <a:t> </a:t>
+            </a:r>
+            <a:r>
+              <a:rPr lang="en-US" dirty="0" smtClean="0"/>
+              <a:t>= “Hello </a:t>
             </a:r>
             <a:r>
               <a:rPr lang="en-US" dirty="0" err="1" smtClean="0"/>
@@ -46435,11 +46205,15 @@
             </a:r>
             <a:r>
               <a:rPr lang="en-US" baseline="-25000" dirty="0" smtClean="0"/>
-              <a:t>1</a:t>
+              <a:t>2</a:t>
             </a:r>
             <a:r>
               <a:rPr lang="en-US" dirty="0" smtClean="0"/>
-              <a:t> = “</a:t>
+              <a:t> </a:t>
+            </a:r>
+            <a:r>
+              <a:rPr lang="en-US" dirty="0" smtClean="0"/>
+              <a:t>= “</a:t>
             </a:r>
             <a:r>
               <a:rPr lang="en-US" dirty="0" err="1" smtClean="0"/>
@@ -46495,11 +46269,15 @@
             </a:r>
             <a:r>
               <a:rPr lang="en-US" baseline="-25000" dirty="0" smtClean="0"/>
-              <a:t>0</a:t>
+              <a:t>1</a:t>
             </a:r>
             <a:r>
               <a:rPr lang="en-US" dirty="0" smtClean="0"/>
-              <a:t> = “Hello </a:t>
+              <a:t> </a:t>
+            </a:r>
+            <a:r>
+              <a:rPr lang="en-US" dirty="0" smtClean="0"/>
+              <a:t>= “Hello </a:t>
             </a:r>
             <a:r>
               <a:rPr lang="en-US" dirty="0" err="1" smtClean="0"/>
@@ -46555,11 +46333,15 @@
             </a:r>
             <a:r>
               <a:rPr lang="en-US" baseline="-25000" dirty="0" smtClean="0"/>
-              <a:t>1</a:t>
+              <a:t>2</a:t>
             </a:r>
             <a:r>
               <a:rPr lang="en-US" dirty="0" smtClean="0"/>
-              <a:t> = “</a:t>
+              <a:t> </a:t>
+            </a:r>
+            <a:r>
+              <a:rPr lang="en-US" dirty="0" smtClean="0"/>
+              <a:t>= “</a:t>
             </a:r>
             <a:r>
               <a:rPr lang="en-US" dirty="0" err="1" smtClean="0"/>
@@ -46615,11 +46397,15 @@
             </a:r>
             <a:r>
               <a:rPr lang="en-US" baseline="-25000" dirty="0" smtClean="0"/>
-              <a:t>0</a:t>
+              <a:t>1</a:t>
             </a:r>
             <a:r>
               <a:rPr lang="en-US" dirty="0" smtClean="0"/>
-              <a:t> = “8aec483e43027f22”</a:t>
+              <a:t> </a:t>
+            </a:r>
+            <a:r>
+              <a:rPr lang="en-US" dirty="0" smtClean="0"/>
+              <a:t>= “8aec483e43027f22”</a:t>
             </a:r>
             <a:endParaRPr lang="en-US" dirty="0"/>
           </a:p>
@@ -46667,11 +46453,15 @@
             </a:r>
             <a:r>
               <a:rPr lang="en-US" baseline="-25000" dirty="0" smtClean="0"/>
-              <a:t>1</a:t>
+              <a:t>2</a:t>
             </a:r>
             <a:r>
               <a:rPr lang="en-US" dirty="0" smtClean="0"/>
-              <a:t> = “</a:t>
+              <a:t> </a:t>
+            </a:r>
+            <a:r>
+              <a:rPr lang="en-US" dirty="0" smtClean="0"/>
+              <a:t>= “</a:t>
             </a:r>
             <a:r>
               <a:rPr lang="en-US" dirty="0"/>
@@ -47303,11 +47093,15 @@
             </a:r>
             <a:r>
               <a:rPr lang="en-US" baseline="-25000" dirty="0" smtClean="0"/>
-              <a:t>0</a:t>
+              <a:t>1</a:t>
             </a:r>
             <a:r>
               <a:rPr lang="en-US" dirty="0" smtClean="0"/>
-              <a:t> = “8aec483e43027f22”</a:t>
+              <a:t> </a:t>
+            </a:r>
+            <a:r>
+              <a:rPr lang="en-US" dirty="0" smtClean="0"/>
+              <a:t>= “8aec483e43027f22”</a:t>
             </a:r>
             <a:endParaRPr lang="en-US" dirty="0"/>
           </a:p>
@@ -47355,11 +47149,15 @@
             </a:r>
             <a:r>
               <a:rPr lang="en-US" baseline="-25000" dirty="0" smtClean="0"/>
-              <a:t>1</a:t>
+              <a:t>2</a:t>
             </a:r>
             <a:r>
               <a:rPr lang="en-US" dirty="0" smtClean="0"/>
-              <a:t> = “</a:t>
+              <a:t> </a:t>
+            </a:r>
+            <a:r>
+              <a:rPr lang="en-US" dirty="0" smtClean="0"/>
+              <a:t>= “</a:t>
             </a:r>
             <a:r>
               <a:rPr lang="en-US" dirty="0"/>
@@ -47886,16 +47684,21 @@
           <a:p>
             <a:r>
               <a:rPr lang="en-US" dirty="0" smtClean="0"/>
-              <a:t>As an attacker, we take each block individually. Let’s start with C</a:t>
+              <a:t>As an attacker, we take each block individually. Let’s start with </a:t>
+            </a:r>
+            <a:r>
+              <a:rPr lang="en-US" dirty="0" smtClean="0"/>
+              <a:t>C</a:t>
             </a:r>
             <a:r>
               <a:rPr lang="en-US" baseline="-25000" dirty="0" smtClean="0"/>
-              <a:t>1</a:t>
+              <a:t>2</a:t>
             </a:r>
             <a:r>
               <a:rPr lang="en-US" dirty="0" smtClean="0"/>
               <a:t>:</a:t>
             </a:r>
+            <a:endParaRPr lang="en-US" dirty="0" smtClean="0"/>
           </a:p>
           <a:p>
             <a:endParaRPr lang="en-US" dirty="0"/>
@@ -47951,16 +47754,20 @@
           <a:p>
             <a:pPr algn="ctr"/>
             <a:r>
+              <a:rPr lang="en-US" sz="2400" dirty="0" smtClean="0"/>
+              <a:t>C</a:t>
+            </a:r>
+            <a:r>
+              <a:rPr lang="en-US" sz="2400" baseline="-25000" dirty="0" smtClean="0"/>
+              <a:t>2</a:t>
+            </a:r>
+            <a:r>
+              <a:rPr lang="en-US" sz="2400" dirty="0" smtClean="0"/>
+              <a:t> </a:t>
+            </a:r>
+            <a:r>
               <a:rPr lang="en-US" sz="2400" dirty="0"/>
-              <a:t>C</a:t>
-            </a:r>
-            <a:r>
-              <a:rPr lang="en-US" sz="2400" baseline="-25000" dirty="0"/>
-              <a:t>1</a:t>
-            </a:r>
-            <a:r>
-              <a:rPr lang="en-US" sz="2400" dirty="0"/>
-              <a:t> = “287ca837fb65e219”</a:t>
+              <a:t>= “287ca837fb65e219”</a:t>
             </a:r>
           </a:p>
         </p:txBody>
@@ -48046,16 +47853,20 @@
           <a:p>
             <a:pPr algn="ctr"/>
             <a:r>
+              <a:rPr lang="en-US" sz="2400" dirty="0" smtClean="0"/>
+              <a:t>C</a:t>
+            </a:r>
+            <a:r>
+              <a:rPr lang="en-US" sz="2400" baseline="-25000" dirty="0" smtClean="0"/>
+              <a:t>2</a:t>
+            </a:r>
+            <a:r>
+              <a:rPr lang="en-US" sz="2400" dirty="0" smtClean="0"/>
+              <a:t> </a:t>
+            </a:r>
+            <a:r>
               <a:rPr lang="en-US" sz="2400" dirty="0"/>
-              <a:t>C</a:t>
-            </a:r>
-            <a:r>
-              <a:rPr lang="en-US" sz="2400" baseline="-25000" dirty="0"/>
-              <a:t>1</a:t>
-            </a:r>
-            <a:r>
-              <a:rPr lang="en-US" sz="2400" dirty="0"/>
-              <a:t> = “287ca837fb65e219”</a:t>
+              <a:t>= “287ca837fb65e219”</a:t>
             </a:r>
           </a:p>
         </p:txBody>
@@ -48184,15 +47995,23 @@
           <a:p>
             <a:r>
               <a:rPr lang="en-US" dirty="0" smtClean="0"/>
-              <a:t>The host will decrypt C</a:t>
+              <a:t>The host will decrypt </a:t>
+            </a:r>
+            <a:r>
+              <a:rPr lang="en-US" dirty="0" smtClean="0"/>
+              <a:t>C</a:t>
             </a:r>
             <a:r>
               <a:rPr lang="en-US" baseline="-25000" dirty="0" smtClean="0"/>
-              <a:t>1</a:t>
+              <a:t>2</a:t>
             </a:r>
             <a:r>
               <a:rPr lang="en-US" dirty="0" smtClean="0"/>
-              <a:t> first:</a:t>
+              <a:t> </a:t>
+            </a:r>
+            <a:r>
+              <a:rPr lang="en-US" dirty="0" smtClean="0"/>
+              <a:t>first:</a:t>
             </a:r>
           </a:p>
           <a:p>
@@ -48270,16 +48089,20 @@
           <a:p>
             <a:pPr algn="ctr"/>
             <a:r>
+              <a:rPr lang="en-US" sz="2400" dirty="0" smtClean="0"/>
+              <a:t>C</a:t>
+            </a:r>
+            <a:r>
+              <a:rPr lang="en-US" sz="2400" baseline="-25000" dirty="0" smtClean="0"/>
+              <a:t>2</a:t>
+            </a:r>
+            <a:r>
+              <a:rPr lang="en-US" sz="2400" dirty="0" smtClean="0"/>
+              <a:t> </a:t>
+            </a:r>
+            <a:r>
               <a:rPr lang="en-US" sz="2400" dirty="0"/>
-              <a:t>C</a:t>
-            </a:r>
-            <a:r>
-              <a:rPr lang="en-US" sz="2400" baseline="-25000" dirty="0"/>
-              <a:t>1</a:t>
-            </a:r>
-            <a:r>
-              <a:rPr lang="en-US" sz="2400" dirty="0"/>
-              <a:t> = “287ca837fb65e219”</a:t>
+              <a:t>= “287ca837fb65e219”</a:t>
             </a:r>
           </a:p>
         </p:txBody>
@@ -48326,7 +48149,7 @@
             </a:r>
             <a:r>
               <a:rPr lang="en-US" sz="2400" baseline="-25000" dirty="0" smtClean="0"/>
-              <a:t>1</a:t>
+              <a:t>2</a:t>
             </a:r>
             <a:r>
               <a:rPr lang="en-US" sz="2400" dirty="0" smtClean="0"/>
@@ -48349,16 +48172,20 @@
               <a:t>C</a:t>
             </a:r>
             <a:r>
-              <a:rPr lang="en-US" sz="2400" b="1" baseline="-25000" dirty="0">
+              <a:rPr lang="en-US" sz="2400" b="1" baseline="-25000" dirty="0" smtClean="0">
                 <a:solidFill>
                   <a:srgbClr val="FF0000"/>
                 </a:solidFill>
               </a:rPr>
-              <a:t>1</a:t>
+              <a:t>2</a:t>
             </a:r>
             <a:r>
               <a:rPr lang="en-US" sz="2400" dirty="0" smtClean="0"/>
-              <a:t>) ⊕ </a:t>
+              <a:t>) </a:t>
+            </a:r>
+            <a:r>
+              <a:rPr lang="en-US" sz="2400" dirty="0" smtClean="0"/>
+              <a:t>⊕ </a:t>
             </a:r>
             <a:r>
               <a:rPr lang="en-US" sz="2400" b="1" dirty="0" smtClean="0">
@@ -48694,7 +48521,7 @@
             </a:r>
             <a:r>
               <a:rPr lang="en-US" sz="2400" baseline="-25000" dirty="0" smtClean="0"/>
-              <a:t>1</a:t>
+              <a:t>2</a:t>
             </a:r>
             <a:r>
               <a:rPr lang="en-US" sz="2400" dirty="0" smtClean="0"/>
@@ -48717,16 +48544,20 @@
               <a:t>C</a:t>
             </a:r>
             <a:r>
-              <a:rPr lang="en-US" sz="2400" b="1" baseline="-25000" dirty="0">
+              <a:rPr lang="en-US" sz="2400" b="1" baseline="-25000" dirty="0" smtClean="0">
                 <a:solidFill>
                   <a:srgbClr val="FF0000"/>
                 </a:solidFill>
               </a:rPr>
-              <a:t>1</a:t>
+              <a:t>2</a:t>
             </a:r>
             <a:r>
               <a:rPr lang="en-US" sz="2400" dirty="0" smtClean="0"/>
-              <a:t>) ⊕ </a:t>
+              <a:t>) </a:t>
+            </a:r>
+            <a:r>
+              <a:rPr lang="en-US" sz="2400" dirty="0" smtClean="0"/>
+              <a:t>⊕ </a:t>
             </a:r>
             <a:r>
               <a:rPr lang="en-US" sz="2400" b="1" dirty="0" smtClean="0">
@@ -49077,7 +48908,7 @@
                   <a:srgbClr val="FF0000"/>
                 </a:solidFill>
               </a:rPr>
-              <a:t>1</a:t>
+              <a:t>2</a:t>
             </a:r>
             <a:r>
               <a:rPr lang="en-US" sz="2400" dirty="0" smtClean="0">
@@ -49109,7 +48940,7 @@
                   <a:schemeClr val="tx1"/>
                 </a:solidFill>
               </a:rPr>
-              <a:t>1</a:t>
+              <a:t>2</a:t>
             </a:r>
             <a:r>
               <a:rPr lang="en-US" sz="2400" dirty="0" smtClean="0">
@@ -49141,7 +48972,7 @@
                   <a:schemeClr val="tx1"/>
                 </a:solidFill>
               </a:rPr>
-              <a:t>0</a:t>
+              <a:t>1</a:t>
             </a:r>
             <a:r>
               <a:rPr lang="en-US" sz="2400" dirty="0" smtClean="0">
@@ -49234,11 +49065,43 @@
             </a:r>
             <a:r>
               <a:rPr lang="en-US" sz="2400" baseline="-25000" dirty="0" smtClean="0"/>
-              <a:t>1</a:t>
+              <a:t>2</a:t>
             </a:r>
             <a:r>
               <a:rPr lang="en-US" sz="2400" dirty="0" smtClean="0"/>
-              <a:t> = D(</a:t>
+              <a:t> </a:t>
+            </a:r>
+            <a:r>
+              <a:rPr lang="en-US" sz="2400" dirty="0" smtClean="0"/>
+              <a:t>= </a:t>
+            </a:r>
+            <a:r>
+              <a:rPr lang="en-US" sz="2400" dirty="0" smtClean="0"/>
+              <a:t>D(</a:t>
+            </a:r>
+            <a:r>
+              <a:rPr lang="en-US" sz="2400" dirty="0" smtClean="0">
+                <a:solidFill>
+                  <a:schemeClr val="tx1"/>
+                </a:solidFill>
+              </a:rPr>
+              <a:t>E(P</a:t>
+            </a:r>
+            <a:r>
+              <a:rPr lang="en-US" sz="2400" baseline="-25000" dirty="0" smtClean="0">
+                <a:solidFill>
+                  <a:schemeClr val="tx1"/>
+                </a:solidFill>
+              </a:rPr>
+              <a:t>2</a:t>
+            </a:r>
+            <a:r>
+              <a:rPr lang="en-US" sz="2400" dirty="0" smtClean="0">
+                <a:solidFill>
+                  <a:schemeClr val="tx1"/>
+                </a:solidFill>
+              </a:rPr>
+              <a:t> </a:t>
             </a:r>
             <a:r>
               <a:rPr lang="en-US" sz="2400" dirty="0">
@@ -49246,34 +49109,26 @@
                   <a:schemeClr val="tx1"/>
                 </a:solidFill>
               </a:rPr>
-              <a:t>E(P</a:t>
-            </a:r>
-            <a:r>
-              <a:rPr lang="en-US" sz="2400" baseline="-25000" dirty="0">
+              <a:t>⊕ </a:t>
+            </a:r>
+            <a:r>
+              <a:rPr lang="en-US" sz="2400" dirty="0" smtClean="0">
                 <a:solidFill>
                   <a:schemeClr val="tx1"/>
                 </a:solidFill>
               </a:rPr>
-              <a:t>1</a:t>
-            </a:r>
-            <a:r>
-              <a:rPr lang="en-US" sz="2400" dirty="0">
+              <a:t>C</a:t>
+            </a:r>
+            <a:r>
+              <a:rPr lang="en-US" sz="2400" b="1" baseline="-25000" dirty="0" smtClean="0">
                 <a:solidFill>
                   <a:schemeClr val="tx1"/>
                 </a:solidFill>
               </a:rPr>
-              <a:t> ⊕ C</a:t>
-            </a:r>
-            <a:r>
-              <a:rPr lang="en-US" sz="2400" b="1" baseline="-25000" dirty="0">
-                <a:solidFill>
-                  <a:schemeClr val="tx1"/>
-                </a:solidFill>
-              </a:rPr>
-              <a:t>0</a:t>
-            </a:r>
-            <a:r>
-              <a:rPr lang="en-US" sz="2400" dirty="0">
+              <a:t>1</a:t>
+            </a:r>
+            <a:r>
+              <a:rPr lang="en-US" sz="2400" dirty="0" smtClean="0">
                 <a:solidFill>
                   <a:schemeClr val="tx1"/>
                 </a:solidFill>
@@ -49357,7 +49212,7 @@
                   <a:srgbClr val="FF0000"/>
                 </a:solidFill>
               </a:rPr>
-              <a:t>1 </a:t>
+              <a:t>2 </a:t>
             </a:r>
             <a:r>
               <a:rPr lang="en-US" dirty="0" smtClean="0"/>
@@ -49425,11 +49280,15 @@
             </a:r>
             <a:r>
               <a:rPr lang="en-US" b="1" baseline="-25000" dirty="0" smtClean="0"/>
-              <a:t>1</a:t>
+              <a:t>2</a:t>
             </a:r>
             <a:r>
               <a:rPr lang="en-US" dirty="0" smtClean="0"/>
-              <a:t>, in particular, was encrypted after being </a:t>
+              <a:t>, </a:t>
+            </a:r>
+            <a:r>
+              <a:rPr lang="en-US" dirty="0" smtClean="0"/>
+              <a:t>in particular, was encrypted after being </a:t>
             </a:r>
             <a:r>
               <a:rPr lang="en-US" dirty="0" err="1" smtClean="0"/>
@@ -49440,12 +49299,12 @@
               <a:t> with </a:t>
             </a:r>
             <a:r>
-              <a:rPr lang="en-US" dirty="0"/>
+              <a:rPr lang="en-US" dirty="0" smtClean="0"/>
               <a:t>C</a:t>
             </a:r>
             <a:r>
-              <a:rPr lang="en-US" b="1" baseline="-25000" dirty="0"/>
-              <a:t>0</a:t>
+              <a:rPr lang="en-US" b="1" baseline="-25000" dirty="0" smtClean="0"/>
+              <a:t>1</a:t>
             </a:r>
             <a:endParaRPr lang="en-US" dirty="0"/>
           </a:p>
@@ -49478,19 +49337,23 @@
               <a:t>In the formula for </a:t>
             </a:r>
             <a:r>
-              <a:rPr lang="en-US" dirty="0"/>
+              <a:rPr lang="en-US" dirty="0" smtClean="0"/>
               <a:t>P’</a:t>
             </a:r>
             <a:r>
-              <a:rPr lang="en-US" baseline="-25000" dirty="0"/>
-              <a:t>1</a:t>
+              <a:rPr lang="en-US" baseline="-25000" dirty="0" smtClean="0"/>
+              <a:t>2</a:t>
             </a:r>
             <a:r>
               <a:rPr lang="en-US" dirty="0" smtClean="0"/>
-              <a:t> (above), expand </a:t>
-            </a:r>
-            <a:r>
-              <a:rPr lang="en-US" b="1" dirty="0">
+              <a:t> </a:t>
+            </a:r>
+            <a:r>
+              <a:rPr lang="en-US" dirty="0" smtClean="0"/>
+              <a:t>(above), expand </a:t>
+            </a:r>
+            <a:r>
+              <a:rPr lang="en-US" b="1" dirty="0" smtClean="0">
                 <a:solidFill>
                   <a:srgbClr val="FF0000"/>
                 </a:solidFill>
@@ -49498,16 +49361,20 @@
               <a:t>C</a:t>
             </a:r>
             <a:r>
-              <a:rPr lang="en-US" b="1" baseline="-25000" dirty="0">
+              <a:rPr lang="en-US" b="1" baseline="-25000" dirty="0" smtClean="0">
                 <a:solidFill>
                   <a:srgbClr val="FF0000"/>
                 </a:solidFill>
               </a:rPr>
-              <a:t>1</a:t>
+              <a:t>2</a:t>
             </a:r>
             <a:r>
               <a:rPr lang="en-US" dirty="0" smtClean="0"/>
-              <a:t> to its original value</a:t>
+              <a:t> </a:t>
+            </a:r>
+            <a:r>
+              <a:rPr lang="en-US" dirty="0" smtClean="0"/>
+              <a:t>to its original value</a:t>
             </a:r>
             <a:endParaRPr lang="en-US" dirty="0"/>
           </a:p>
@@ -49555,11 +49422,15 @@
             </a:r>
             <a:r>
               <a:rPr lang="en-US" sz="2400" baseline="-25000" dirty="0" smtClean="0"/>
-              <a:t>1</a:t>
+              <a:t>2</a:t>
             </a:r>
             <a:r>
               <a:rPr lang="en-US" sz="2400" dirty="0" smtClean="0"/>
-              <a:t> = </a:t>
+              <a:t> </a:t>
+            </a:r>
+            <a:r>
+              <a:rPr lang="en-US" sz="2400" dirty="0" smtClean="0"/>
+              <a:t>= </a:t>
             </a:r>
             <a:r>
               <a:rPr lang="en-US" sz="2400" dirty="0" smtClean="0">
@@ -49575,7 +49446,7 @@
                   <a:schemeClr val="tx1"/>
                 </a:solidFill>
               </a:rPr>
-              <a:t>1</a:t>
+              <a:t>2</a:t>
             </a:r>
             <a:r>
               <a:rPr lang="en-US" sz="2400" dirty="0" smtClean="0">
@@ -49607,7 +49478,7 @@
                   <a:schemeClr val="tx1"/>
                 </a:solidFill>
               </a:rPr>
-              <a:t>0</a:t>
+              <a:t>2</a:t>
             </a:r>
             <a:r>
               <a:rPr lang="en-US" sz="2400" dirty="0" smtClean="0"/>
@@ -49802,11 +49673,15 @@
             </a:r>
             <a:r>
               <a:rPr lang="en-US" sz="2400" baseline="-25000" dirty="0" smtClean="0"/>
-              <a:t>1</a:t>
+              <a:t>2</a:t>
             </a:r>
             <a:r>
               <a:rPr lang="en-US" sz="2400" dirty="0" smtClean="0"/>
-              <a:t> = </a:t>
+              <a:t> </a:t>
+            </a:r>
+            <a:r>
+              <a:rPr lang="en-US" sz="2400" dirty="0" smtClean="0"/>
+              <a:t>= </a:t>
             </a:r>
             <a:r>
               <a:rPr lang="en-US" sz="2400" dirty="0" smtClean="0">
@@ -49822,7 +49697,7 @@
                   <a:schemeClr val="tx1"/>
                 </a:solidFill>
               </a:rPr>
-              <a:t>1</a:t>
+              <a:t>2</a:t>
             </a:r>
             <a:r>
               <a:rPr lang="en-US" sz="2400" dirty="0" smtClean="0">
@@ -49854,7 +49729,7 @@
                   <a:schemeClr val="tx1"/>
                 </a:solidFill>
               </a:rPr>
-              <a:t>0</a:t>
+              <a:t>1</a:t>
             </a:r>
             <a:r>
               <a:rPr lang="en-US" sz="2400" dirty="0" smtClean="0"/>
@@ -49913,16 +49788,20 @@
           </a:p>
           <a:p>
             <a:r>
+              <a:rPr lang="en-US" dirty="0" smtClean="0"/>
+              <a:t>P’</a:t>
+            </a:r>
+            <a:r>
+              <a:rPr lang="en-US" baseline="-25000" dirty="0" smtClean="0"/>
+              <a:t>2</a:t>
+            </a:r>
+            <a:r>
+              <a:rPr lang="en-US" dirty="0" smtClean="0"/>
+              <a:t> </a:t>
+            </a:r>
+            <a:r>
               <a:rPr lang="en-US" dirty="0"/>
-              <a:t>P’</a:t>
-            </a:r>
-            <a:r>
-              <a:rPr lang="en-US" baseline="-25000" dirty="0"/>
-              <a:t>1</a:t>
-            </a:r>
-            <a:r>
-              <a:rPr lang="en-US" dirty="0"/>
-              <a:t> = </a:t>
+              <a:t>= </a:t>
             </a:r>
             <a:r>
               <a:rPr lang="en-US" dirty="0" smtClean="0"/>
@@ -49936,11 +49815,15 @@
             </a:r>
             <a:r>
               <a:rPr lang="en-US" baseline="-25000" dirty="0" smtClean="0"/>
-              <a:t>1</a:t>
+              <a:t>2</a:t>
             </a:r>
             <a:r>
               <a:rPr lang="en-US" dirty="0" smtClean="0"/>
-              <a:t> = The original plaintext value (our goal)</a:t>
+              <a:t> </a:t>
+            </a:r>
+            <a:r>
+              <a:rPr lang="en-US" dirty="0" smtClean="0"/>
+              <a:t>= The original plaintext value (our goal)</a:t>
             </a:r>
           </a:p>
           <a:p>
@@ -49950,11 +49833,15 @@
             </a:r>
             <a:r>
               <a:rPr lang="en-US" b="1" baseline="-25000" dirty="0" smtClean="0"/>
-              <a:t>0</a:t>
+              <a:t>1</a:t>
             </a:r>
             <a:r>
               <a:rPr lang="en-US" dirty="0" smtClean="0"/>
-              <a:t> = The previous </a:t>
+              <a:t> </a:t>
+            </a:r>
+            <a:r>
+              <a:rPr lang="en-US" dirty="0" smtClean="0"/>
+              <a:t>= The previous </a:t>
             </a:r>
             <a:r>
               <a:rPr lang="en-US" dirty="0" err="1" smtClean="0"/>
@@ -50020,28 +49907,33 @@
           <a:p>
             <a:r>
               <a:rPr lang="en-US" dirty="0" smtClean="0"/>
-              <a:t>So now we have an equation with two unknowns - </a:t>
-            </a:r>
-            <a:r>
-              <a:rPr lang="en-US" dirty="0"/>
-              <a:t>P</a:t>
-            </a:r>
-            <a:r>
-              <a:rPr lang="en-US" baseline="-25000" dirty="0"/>
-              <a:t>1 </a:t>
+              <a:t>So now we have an equation with two unknowns </a:t>
             </a:r>
             <a:r>
               <a:rPr lang="en-US" dirty="0" smtClean="0"/>
-              <a:t>and P’</a:t>
+              <a:t>– P</a:t>
             </a:r>
             <a:r>
               <a:rPr lang="en-US" baseline="-25000" dirty="0" smtClean="0"/>
-              <a:t>1</a:t>
+              <a:t>2 </a:t>
+            </a:r>
+            <a:r>
+              <a:rPr lang="en-US" dirty="0" smtClean="0"/>
+              <a:t>and </a:t>
+            </a:r>
+            <a:r>
+              <a:rPr lang="en-US" dirty="0" smtClean="0"/>
+              <a:t>P’</a:t>
+            </a:r>
+            <a:r>
+              <a:rPr lang="en-US" baseline="-25000" dirty="0" smtClean="0"/>
+              <a:t>2</a:t>
             </a:r>
             <a:r>
               <a:rPr lang="en-US" dirty="0" smtClean="0"/>
               <a:t>…</a:t>
             </a:r>
+            <a:endParaRPr lang="en-US" dirty="0" smtClean="0"/>
           </a:p>
           <a:p>
             <a:pPr lvl="1"/>
@@ -50141,17 +50033,18 @@
               <a:t>We actually do know something about </a:t>
             </a:r>
             <a:r>
-              <a:rPr lang="en-US" dirty="0"/>
+              <a:rPr lang="en-US" dirty="0" smtClean="0"/>
               <a:t>P’</a:t>
             </a:r>
             <a:r>
-              <a:rPr lang="en-US" baseline="-25000" dirty="0"/>
-              <a:t>1</a:t>
+              <a:rPr lang="en-US" baseline="-25000" dirty="0" smtClean="0"/>
+              <a:t>2</a:t>
             </a:r>
             <a:r>
               <a:rPr lang="en-US" dirty="0" smtClean="0"/>
               <a:t>!</a:t>
             </a:r>
+            <a:endParaRPr lang="en-US" dirty="0" smtClean="0"/>
           </a:p>
           <a:p>
             <a:r>
@@ -50218,11 +50111,15 @@
             </a:r>
             <a:r>
               <a:rPr lang="en-US" sz="2400" baseline="-25000" dirty="0" smtClean="0"/>
-              <a:t>1</a:t>
+              <a:t>2</a:t>
             </a:r>
             <a:r>
               <a:rPr lang="en-US" sz="2400" dirty="0" smtClean="0"/>
-              <a:t> = </a:t>
+              <a:t> </a:t>
+            </a:r>
+            <a:r>
+              <a:rPr lang="en-US" sz="2400" dirty="0" smtClean="0"/>
+              <a:t>= </a:t>
             </a:r>
             <a:r>
               <a:rPr lang="en-US" sz="2400" dirty="0" smtClean="0">
@@ -50238,7 +50135,7 @@
                   <a:schemeClr val="tx1"/>
                 </a:solidFill>
               </a:rPr>
-              <a:t>1</a:t>
+              <a:t>2</a:t>
             </a:r>
             <a:r>
               <a:rPr lang="en-US" sz="2400" dirty="0" smtClean="0">
@@ -50258,7 +50155,15 @@
                   <a:schemeClr val="tx1"/>
                 </a:solidFill>
               </a:rPr>
-              <a:t> C</a:t>
+              <a:t> </a:t>
+            </a:r>
+            <a:r>
+              <a:rPr lang="en-US" sz="2400" dirty="0" smtClean="0">
+                <a:solidFill>
+                  <a:schemeClr val="tx1"/>
+                </a:solidFill>
+              </a:rPr>
+              <a:t>C</a:t>
             </a:r>
             <a:r>
               <a:rPr lang="en-US" sz="2400" b="1" baseline="-25000" dirty="0" smtClean="0">
@@ -50266,7 +50171,7 @@
                   <a:schemeClr val="tx1"/>
                 </a:solidFill>
               </a:rPr>
-              <a:t>0</a:t>
+              <a:t>1</a:t>
             </a:r>
             <a:r>
               <a:rPr lang="en-US" sz="2400" dirty="0" smtClean="0"/>
@@ -50463,16 +50368,20 @@
               <a:t>When the padding is right, we know something about </a:t>
             </a:r>
             <a:r>
-              <a:rPr lang="en-US" dirty="0"/>
+              <a:rPr lang="en-US" dirty="0" smtClean="0"/>
               <a:t>P’</a:t>
             </a:r>
             <a:r>
-              <a:rPr lang="en-US" baseline="-25000" dirty="0"/>
-              <a:t>1</a:t>
+              <a:rPr lang="en-US" baseline="-25000" dirty="0" smtClean="0"/>
+              <a:t>2</a:t>
             </a:r>
             <a:r>
               <a:rPr lang="en-US" dirty="0" smtClean="0"/>
-              <a:t>, namely, it ends with:</a:t>
+              <a:t>, </a:t>
+            </a:r>
+            <a:r>
+              <a:rPr lang="en-US" dirty="0" smtClean="0"/>
+              <a:t>namely, it ends with:</a:t>
             </a:r>
           </a:p>
           <a:p>
@@ -50516,16 +50425,20 @@
               <a:t>Remember, </a:t>
             </a:r>
             <a:r>
-              <a:rPr lang="en-US" dirty="0"/>
+              <a:rPr lang="en-US" dirty="0" smtClean="0"/>
               <a:t>P’</a:t>
             </a:r>
             <a:r>
-              <a:rPr lang="en-US" baseline="-25000" dirty="0"/>
-              <a:t>1</a:t>
+              <a:rPr lang="en-US" baseline="-25000" dirty="0" smtClean="0"/>
+              <a:t>2</a:t>
             </a:r>
             <a:r>
               <a:rPr lang="en-US" dirty="0" smtClean="0"/>
-              <a:t> is mostly a garbage string, still, the result of decrypting a good block and </a:t>
+              <a:t> </a:t>
+            </a:r>
+            <a:r>
+              <a:rPr lang="en-US" dirty="0" smtClean="0"/>
+              <a:t>is mostly a garbage string, still, the result of decrypting a good block and </a:t>
             </a:r>
             <a:r>
               <a:rPr lang="en-US" dirty="0" err="1" smtClean="0"/>
@@ -50584,11 +50497,15 @@
             </a:r>
             <a:r>
               <a:rPr lang="en-US" sz="2400" baseline="-25000" dirty="0" smtClean="0"/>
-              <a:t>1</a:t>
+              <a:t>2</a:t>
             </a:r>
             <a:r>
               <a:rPr lang="en-US" sz="2400" dirty="0" smtClean="0"/>
-              <a:t> = </a:t>
+              <a:t> </a:t>
+            </a:r>
+            <a:r>
+              <a:rPr lang="en-US" sz="2400" dirty="0" smtClean="0"/>
+              <a:t>= </a:t>
             </a:r>
             <a:r>
               <a:rPr lang="en-US" sz="2400" dirty="0" smtClean="0">
@@ -50604,7 +50521,7 @@
                   <a:schemeClr val="tx1"/>
                 </a:solidFill>
               </a:rPr>
-              <a:t>1</a:t>
+              <a:t>2</a:t>
             </a:r>
             <a:r>
               <a:rPr lang="en-US" sz="2400" dirty="0" smtClean="0">
@@ -50632,11 +50549,15 @@
                   <a:schemeClr val="tx1"/>
                 </a:solidFill>
               </a:rPr>
-              <a:t>0</a:t>
+              <a:t>1</a:t>
+            </a:r>
+            <a:r>
+              <a:rPr lang="en-US" sz="2400" dirty="0" smtClean="0"/>
+              <a:t> </a:t>
             </a:r>
             <a:r>
               <a:rPr lang="en-US" sz="2400" dirty="0"/>
-              <a:t> ⊕ </a:t>
+              <a:t>⊕ </a:t>
             </a:r>
             <a:r>
               <a:rPr lang="en-US" sz="2400" b="1" dirty="0" smtClean="0">
@@ -50757,11 +50678,15 @@
             </a:r>
             <a:r>
               <a:rPr lang="en-US" sz="2400" baseline="-25000" dirty="0" smtClean="0"/>
-              <a:t>1</a:t>
+              <a:t>2</a:t>
+            </a:r>
+            <a:r>
+              <a:rPr lang="en-US" sz="2400" dirty="0" smtClean="0"/>
+              <a:t>[N</a:t>
             </a:r>
             <a:r>
               <a:rPr lang="en-US" sz="2400" dirty="0"/>
-              <a:t>[N]</a:t>
+              <a:t>]</a:t>
             </a:r>
             <a:r>
               <a:rPr lang="en-US" sz="2400" dirty="0" smtClean="0"/>
@@ -50776,7 +50701,7 @@
             </a:r>
             <a:r>
               <a:rPr lang="en-US" sz="2400" b="1" baseline="-25000" dirty="0" smtClean="0"/>
-              <a:t>0 </a:t>
+              <a:t>1 </a:t>
             </a:r>
             <a:r>
               <a:rPr lang="en-US" sz="2400" dirty="0" smtClean="0"/>
@@ -50842,8 +50767,8 @@
               <a:t>P</a:t>
             </a:r>
             <a:r>
-              <a:rPr lang="en-US" sz="2800" baseline="-25000" dirty="0"/>
-              <a:t>1</a:t>
+              <a:rPr lang="en-US" sz="2800" baseline="-25000" dirty="0" smtClean="0"/>
+              <a:t>2</a:t>
             </a:r>
             <a:r>
               <a:rPr lang="en-US" sz="2800" dirty="0" smtClean="0"/>
@@ -50899,11 +50824,15 @@
             </a:r>
             <a:r>
               <a:rPr lang="en-US" sz="2400" baseline="-25000" dirty="0" smtClean="0"/>
-              <a:t>1</a:t>
+              <a:t>2</a:t>
+            </a:r>
+            <a:r>
+              <a:rPr lang="en-US" sz="2400" dirty="0" smtClean="0"/>
+              <a:t>[N</a:t>
             </a:r>
             <a:r>
               <a:rPr lang="en-US" sz="2400" dirty="0"/>
-              <a:t>[N] </a:t>
+              <a:t>] </a:t>
             </a:r>
             <a:r>
               <a:rPr lang="en-US" sz="2400" dirty="0" smtClean="0"/>
@@ -50923,11 +50852,15 @@
                   <a:schemeClr val="tx1"/>
                 </a:solidFill>
               </a:rPr>
-              <a:t>1</a:t>
+              <a:t>2</a:t>
+            </a:r>
+            <a:r>
+              <a:rPr lang="en-US" sz="2400" dirty="0" smtClean="0"/>
+              <a:t>[N</a:t>
             </a:r>
             <a:r>
               <a:rPr lang="en-US" sz="2400" dirty="0"/>
-              <a:t>[N]</a:t>
+              <a:t>]</a:t>
             </a:r>
             <a:r>
               <a:rPr lang="en-US" sz="2400" dirty="0" smtClean="0">
@@ -50955,7 +50888,7 @@
                   <a:schemeClr val="tx1"/>
                 </a:solidFill>
               </a:rPr>
-              <a:t>0</a:t>
+              <a:t>1</a:t>
             </a:r>
             <a:r>
               <a:rPr lang="en-US" sz="2400" dirty="0" smtClean="0"/>
@@ -51043,11 +50976,15 @@
             </a:r>
             <a:r>
               <a:rPr lang="en-US" sz="2400" baseline="-25000" dirty="0" smtClean="0"/>
-              <a:t>1</a:t>
+              <a:t>2</a:t>
+            </a:r>
+            <a:r>
+              <a:rPr lang="en-US" sz="2400" dirty="0" smtClean="0"/>
+              <a:t>[N</a:t>
             </a:r>
             <a:r>
               <a:rPr lang="en-US" sz="2400" dirty="0"/>
-              <a:t>[N] </a:t>
+              <a:t>] </a:t>
             </a:r>
             <a:r>
               <a:rPr lang="en-US" sz="2400" dirty="0" smtClean="0"/>
@@ -51067,11 +51004,15 @@
                   <a:schemeClr val="tx1"/>
                 </a:solidFill>
               </a:rPr>
-              <a:t>1</a:t>
+              <a:t>2</a:t>
+            </a:r>
+            <a:r>
+              <a:rPr lang="en-US" sz="2400" dirty="0" smtClean="0"/>
+              <a:t>[N</a:t>
             </a:r>
             <a:r>
               <a:rPr lang="en-US" sz="2400" dirty="0"/>
-              <a:t>[N]</a:t>
+              <a:t>]</a:t>
             </a:r>
             <a:r>
               <a:rPr lang="en-US" sz="2400" dirty="0" smtClean="0">
@@ -51099,7 +51040,7 @@
                   <a:schemeClr val="tx1"/>
                 </a:solidFill>
               </a:rPr>
-              <a:t>0</a:t>
+              <a:t>1</a:t>
             </a:r>
             <a:r>
               <a:rPr lang="en-US" sz="2400" dirty="0" smtClean="0"/>
@@ -51379,16 +51320,20 @@
           <a:p>
             <a:pPr algn="ctr"/>
             <a:r>
+              <a:rPr lang="en-US" sz="2400" dirty="0" smtClean="0"/>
+              <a:t>C</a:t>
+            </a:r>
+            <a:r>
+              <a:rPr lang="en-US" sz="2400" baseline="-25000" dirty="0" smtClean="0"/>
+              <a:t>2</a:t>
+            </a:r>
+            <a:r>
+              <a:rPr lang="en-US" sz="2400" dirty="0" smtClean="0"/>
+              <a:t> </a:t>
+            </a:r>
+            <a:r>
               <a:rPr lang="en-US" sz="2400" dirty="0"/>
-              <a:t>C</a:t>
-            </a:r>
-            <a:r>
-              <a:rPr lang="en-US" sz="2400" baseline="-25000" dirty="0"/>
-              <a:t>1</a:t>
-            </a:r>
-            <a:r>
-              <a:rPr lang="en-US" sz="2400" dirty="0"/>
-              <a:t> = “287ca837fb65e219”</a:t>
+              <a:t>= “287ca837fb65e219”</a:t>
             </a:r>
           </a:p>
         </p:txBody>
@@ -51474,16 +51419,20 @@
           <a:p>
             <a:pPr algn="ctr"/>
             <a:r>
+              <a:rPr lang="en-US" sz="2400" dirty="0" smtClean="0"/>
+              <a:t>C</a:t>
+            </a:r>
+            <a:r>
+              <a:rPr lang="en-US" sz="2400" baseline="-25000" dirty="0" smtClean="0"/>
+              <a:t>2</a:t>
+            </a:r>
+            <a:r>
+              <a:rPr lang="en-US" sz="2400" dirty="0" smtClean="0"/>
+              <a:t> </a:t>
+            </a:r>
+            <a:r>
               <a:rPr lang="en-US" sz="2400" dirty="0"/>
-              <a:t>C</a:t>
-            </a:r>
-            <a:r>
-              <a:rPr lang="en-US" sz="2400" baseline="-25000" dirty="0"/>
-              <a:t>1</a:t>
-            </a:r>
-            <a:r>
-              <a:rPr lang="en-US" sz="2400" dirty="0"/>
-              <a:t> = “287ca837fb65e219”</a:t>
+              <a:t>= “287ca837fb65e219”</a:t>
             </a:r>
           </a:p>
         </p:txBody>
@@ -51530,11 +51479,15 @@
             </a:r>
             <a:r>
               <a:rPr lang="en-US" sz="2400" baseline="-25000" dirty="0" smtClean="0"/>
-              <a:t>1</a:t>
+              <a:t>2</a:t>
             </a:r>
             <a:r>
               <a:rPr lang="en-US" sz="2400" dirty="0" smtClean="0"/>
-              <a:t>[N] = </a:t>
+              <a:t>[N</a:t>
+            </a:r>
+            <a:r>
+              <a:rPr lang="en-US" sz="2400" dirty="0" smtClean="0"/>
+              <a:t>] = </a:t>
             </a:r>
             <a:r>
               <a:rPr lang="en-US" sz="2400" dirty="0" smtClean="0">
@@ -51550,11 +51503,15 @@
                   <a:schemeClr val="tx1"/>
                 </a:solidFill>
               </a:rPr>
-              <a:t>1</a:t>
+              <a:t>2</a:t>
+            </a:r>
+            <a:r>
+              <a:rPr lang="en-US" sz="2400" dirty="0" smtClean="0"/>
+              <a:t>[N</a:t>
             </a:r>
             <a:r>
               <a:rPr lang="en-US" sz="2400" dirty="0"/>
-              <a:t>[N]</a:t>
+              <a:t>]</a:t>
             </a:r>
             <a:r>
               <a:rPr lang="en-US" sz="2400" dirty="0" smtClean="0">
@@ -51582,7 +51539,7 @@
                   <a:schemeClr val="tx1"/>
                 </a:solidFill>
               </a:rPr>
-              <a:t>0</a:t>
+              <a:t>1</a:t>
             </a:r>
             <a:r>
               <a:rPr lang="en-US" sz="2400" dirty="0" smtClean="0"/>
@@ -51666,11 +51623,15 @@
             </a:r>
             <a:r>
               <a:rPr lang="en-US" sz="2400" baseline="-25000" dirty="0" smtClean="0"/>
-              <a:t>1</a:t>
+              <a:t>2</a:t>
+            </a:r>
+            <a:r>
+              <a:rPr lang="en-US" sz="2400" dirty="0" smtClean="0"/>
+              <a:t>[N</a:t>
             </a:r>
             <a:r>
               <a:rPr lang="en-US" sz="2400" dirty="0"/>
-              <a:t>[N] </a:t>
+              <a:t>] </a:t>
             </a:r>
             <a:r>
               <a:rPr lang="en-US" sz="2400" dirty="0" smtClean="0"/>
@@ -51762,11 +51723,19 @@
             </a:r>
             <a:r>
               <a:rPr lang="en-US" sz="2400" baseline="-25000" dirty="0" smtClean="0"/>
-              <a:t>1</a:t>
+              <a:t>2</a:t>
+            </a:r>
+            <a:r>
+              <a:rPr lang="en-US" sz="2400" dirty="0"/>
+              <a:t>[N</a:t>
             </a:r>
             <a:r>
               <a:rPr lang="en-US" sz="2400" dirty="0" smtClean="0"/>
-              <a:t> = </a:t>
+              <a:t>] </a:t>
+            </a:r>
+            <a:r>
+              <a:rPr lang="en-US" sz="2400" dirty="0" smtClean="0"/>
+              <a:t>= </a:t>
             </a:r>
             <a:r>
               <a:rPr lang="en-US" sz="2400" dirty="0" smtClean="0">
@@ -51835,11 +51804,15 @@
             </a:r>
             <a:r>
               <a:rPr lang="en-US" i="1" baseline="-25000" dirty="0" smtClean="0"/>
-              <a:t>1</a:t>
+              <a:t>2</a:t>
             </a:r>
             <a:r>
               <a:rPr lang="en-US" i="1" dirty="0" smtClean="0"/>
-              <a:t> = “</a:t>
+              <a:t> </a:t>
+            </a:r>
+            <a:r>
+              <a:rPr lang="en-US" i="1" dirty="0" smtClean="0"/>
+              <a:t>= “</a:t>
             </a:r>
             <a:r>
               <a:rPr lang="en-US" i="1" dirty="0" err="1" smtClean="0"/>
@@ -52053,10 +52026,50 @@
               <a:rPr lang="en-US" dirty="0" smtClean="0"/>
               <a:t>”</a:t>
             </a:r>
-            <a:endParaRPr lang="en-US" dirty="0" smtClean="0"/>
           </a:p>
         </p:txBody>
       </p:sp>
+      <p:pic>
+        <p:nvPicPr>
+          <p:cNvPr id="4" name="Picture 2" descr="https://gs1.wac.edgecastcdn.net/8019B6/data.tumblr.com/tumblr_mcxhnl6tAx1rksg3yo1_500.jpg"/>
+          <p:cNvPicPr>
+            <a:picLocks noChangeAspect="1" noChangeArrowheads="1"/>
+          </p:cNvPicPr>
+          <p:nvPr/>
+        </p:nvPicPr>
+        <p:blipFill>
+          <a:blip r:embed="rId2">
+            <a:extLst>
+              <a:ext uri="{28A0092B-C50C-407E-A947-70E740481C1C}">
+                <a14:useLocalDpi xmlns:a14="http://schemas.microsoft.com/office/drawing/2010/main" val="0"/>
+              </a:ext>
+            </a:extLst>
+          </a:blip>
+          <a:srcRect/>
+          <a:stretch>
+            <a:fillRect/>
+          </a:stretch>
+        </p:blipFill>
+        <p:spPr bwMode="auto">
+          <a:xfrm>
+            <a:off x="1300843" y="2895600"/>
+            <a:ext cx="6847114" cy="3834384"/>
+          </a:xfrm>
+          <a:prstGeom prst="rect">
+            <a:avLst/>
+          </a:prstGeom>
+          <a:noFill/>
+          <a:extLst>
+            <a:ext uri="{909E8E84-426E-40DD-AFC4-6F175D3DCCD1}">
+              <a14:hiddenFill xmlns:a14="http://schemas.microsoft.com/office/drawing/2010/main">
+                <a:solidFill>
+                  <a:srgbClr val="FFFFFF"/>
+                </a:solidFill>
+              </a14:hiddenFill>
+            </a:ext>
+          </a:extLst>
+        </p:spPr>
+      </p:pic>
     </p:spTree>
     <p:extLst>
       <p:ext uri="{BB962C8B-B14F-4D97-AF65-F5344CB8AC3E}">
@@ -52228,132 +52241,6 @@
         </p:nvSpPr>
         <p:spPr/>
         <p:txBody>
-          <a:bodyPr>
-            <a:normAutofit fontScale="90000"/>
-          </a:bodyPr>
-          <a:lstStyle/>
-          <a:p>
-            <a:r>
-              <a:rPr lang="en-US" dirty="0" smtClean="0"/>
-              <a:t>We made it through padding oracles!</a:t>
-            </a:r>
-            <a:endParaRPr lang="en-US" dirty="0"/>
-          </a:p>
-        </p:txBody>
-      </p:sp>
-      <p:sp>
-        <p:nvSpPr>
-          <p:cNvPr id="3" name="Content Placeholder 2"/>
-          <p:cNvSpPr>
-            <a:spLocks noGrp="1"/>
-          </p:cNvSpPr>
-          <p:nvPr>
-            <p:ph idx="1"/>
-          </p:nvPr>
-        </p:nvSpPr>
-        <p:spPr/>
-        <p:txBody>
-          <a:bodyPr/>
-          <a:lstStyle/>
-          <a:p>
-            <a:r>
-              <a:rPr lang="en-US" dirty="0" smtClean="0"/>
-              <a:t>Give each other a high five, and sit back and watch the demo</a:t>
-            </a:r>
-            <a:endParaRPr lang="en-US" dirty="0"/>
-          </a:p>
-        </p:txBody>
-      </p:sp>
-      <p:pic>
-        <p:nvPicPr>
-          <p:cNvPr id="4" name="Picture 2" descr="https://gs1.wac.edgecastcdn.net/8019B6/data.tumblr.com/tumblr_mcxhnl6tAx1rksg3yo1_500.jpg"/>
-          <p:cNvPicPr>
-            <a:picLocks noChangeAspect="1" noChangeArrowheads="1"/>
-          </p:cNvPicPr>
-          <p:nvPr/>
-        </p:nvPicPr>
-        <p:blipFill>
-          <a:blip r:embed="rId2">
-            <a:extLst>
-              <a:ext uri="{28A0092B-C50C-407E-A947-70E740481C1C}">
-                <a14:useLocalDpi xmlns:a14="http://schemas.microsoft.com/office/drawing/2010/main" val="0"/>
-              </a:ext>
-            </a:extLst>
-          </a:blip>
-          <a:srcRect/>
-          <a:stretch>
-            <a:fillRect/>
-          </a:stretch>
-        </p:blipFill>
-        <p:spPr bwMode="auto">
-          <a:xfrm>
-            <a:off x="1300843" y="2895600"/>
-            <a:ext cx="6847114" cy="3834384"/>
-          </a:xfrm>
-          <a:prstGeom prst="rect">
-            <a:avLst/>
-          </a:prstGeom>
-          <a:noFill/>
-          <a:extLst>
-            <a:ext uri="{909E8E84-426E-40DD-AFC4-6F175D3DCCD1}">
-              <a14:hiddenFill xmlns:a14="http://schemas.microsoft.com/office/drawing/2010/main">
-                <a:solidFill>
-                  <a:srgbClr val="FFFFFF"/>
-                </a:solidFill>
-              </a14:hiddenFill>
-            </a:ext>
-          </a:extLst>
-        </p:spPr>
-      </p:pic>
-    </p:spTree>
-    <p:extLst>
-      <p:ext uri="{BB962C8B-B14F-4D97-AF65-F5344CB8AC3E}">
-        <p14:creationId xmlns:p14="http://schemas.microsoft.com/office/powerpoint/2010/main" val="2736760537"/>
-      </p:ext>
-    </p:extLst>
-  </p:cSld>
-  <p:clrMapOvr>
-    <a:masterClrMapping/>
-  </p:clrMapOvr>
-  <p:timing>
-    <p:tnLst>
-      <p:par>
-        <p:cTn id="1" dur="indefinite" restart="never" nodeType="tmRoot"/>
-      </p:par>
-    </p:tnLst>
-  </p:timing>
-</p:sld>
-</file>
-
-<file path=ppt/slides/slide91.xml><?xml version="1.0" encoding="utf-8"?>
-<p:sld xmlns:a="http://schemas.openxmlformats.org/drawingml/2006/main" xmlns:r="http://schemas.openxmlformats.org/officeDocument/2006/relationships" xmlns:p="http://schemas.openxmlformats.org/presentationml/2006/main">
-  <p:cSld>
-    <p:spTree>
-      <p:nvGrpSpPr>
-        <p:cNvPr id="1" name=""/>
-        <p:cNvGrpSpPr/>
-        <p:nvPr/>
-      </p:nvGrpSpPr>
-      <p:grpSpPr>
-        <a:xfrm>
-          <a:off x="0" y="0"/>
-          <a:ext cx="0" cy="0"/>
-          <a:chOff x="0" y="0"/>
-          <a:chExt cx="0" cy="0"/>
-        </a:xfrm>
-      </p:grpSpPr>
-      <p:sp>
-        <p:nvSpPr>
-          <p:cNvPr id="2" name="Title 1"/>
-          <p:cNvSpPr>
-            <a:spLocks noGrp="1"/>
-          </p:cNvSpPr>
-          <p:nvPr>
-            <p:ph type="title"/>
-          </p:nvPr>
-        </p:nvSpPr>
-        <p:spPr/>
-        <p:txBody>
           <a:bodyPr/>
           <a:lstStyle/>
           <a:p>
@@ -52445,7 +52332,7 @@
 </p:sld>
 </file>
 
-<file path=ppt/slides/slide92.xml><?xml version="1.0" encoding="utf-8"?>
+<file path=ppt/slides/slide91.xml><?xml version="1.0" encoding="utf-8"?>
 <p:sld xmlns:a="http://schemas.openxmlformats.org/drawingml/2006/main" xmlns:r="http://schemas.openxmlformats.org/officeDocument/2006/relationships" xmlns:p="http://schemas.openxmlformats.org/presentationml/2006/main">
   <p:cSld>
     <p:spTree>
@@ -52565,7 +52452,7 @@
 </p:sld>
 </file>
 
-<file path=ppt/slides/slide93.xml><?xml version="1.0" encoding="utf-8"?>
+<file path=ppt/slides/slide92.xml><?xml version="1.0" encoding="utf-8"?>
 <p:sld xmlns:a="http://schemas.openxmlformats.org/drawingml/2006/main" xmlns:r="http://schemas.openxmlformats.org/officeDocument/2006/relationships" xmlns:p="http://schemas.openxmlformats.org/presentationml/2006/main">
   <p:cSld>
     <p:spTree>
@@ -52746,7 +52633,7 @@
 </p:sld>
 </file>
 
-<file path=ppt/slides/slide94.xml><?xml version="1.0" encoding="utf-8"?>
+<file path=ppt/slides/slide93.xml><?xml version="1.0" encoding="utf-8"?>
 <p:sld xmlns:a="http://schemas.openxmlformats.org/drawingml/2006/main" xmlns:r="http://schemas.openxmlformats.org/officeDocument/2006/relationships" xmlns:p="http://schemas.openxmlformats.org/presentationml/2006/main">
   <p:cSld>
     <p:spTree>
@@ -52803,6 +52690,18 @@
           <a:bodyPr/>
           <a:lstStyle/>
           <a:p>
+            <a:r>
+              <a:rPr lang="en-US" dirty="0" smtClean="0"/>
+              <a:t>This isn’t always possible</a:t>
+            </a:r>
+          </a:p>
+          <a:p>
+            <a:r>
+              <a:rPr lang="en-US" dirty="0" smtClean="0"/>
+              <a:t>When you can, give an index, a session, or something like that, rather than letting an attacker store state</a:t>
+            </a:r>
+          </a:p>
+          <a:p>
             <a:endParaRPr lang="en-US" dirty="0"/>
           </a:p>
         </p:txBody>
@@ -52827,7 +52726,7 @@
 </p:sld>
 </file>
 
-<file path=ppt/slides/slide95.xml><?xml version="1.0" encoding="utf-8"?>
+<file path=ppt/slides/slide94.xml><?xml version="1.0" encoding="utf-8"?>
 <p:sld xmlns:a="http://schemas.openxmlformats.org/drawingml/2006/main" xmlns:r="http://schemas.openxmlformats.org/officeDocument/2006/relationships" xmlns:p="http://schemas.openxmlformats.org/presentationml/2006/main">
   <p:cSld>
     <p:spTree>
@@ -52859,7 +52758,11 @@
           <a:bodyPr/>
           <a:lstStyle/>
           <a:p>
-            <a:endParaRPr lang="en-US"/>
+            <a:r>
+              <a:rPr lang="en-US" dirty="0" smtClean="0"/>
+              <a:t>Or, to put it another way…</a:t>
+            </a:r>
+            <a:endParaRPr lang="en-US" dirty="0"/>
           </a:p>
         </p:txBody>
       </p:sp>
@@ -52943,6 +52846,129 @@
 </p:sld>
 </file>
 
+<file path=ppt/slides/slide95.xml><?xml version="1.0" encoding="utf-8"?>
+<p:sld xmlns:a="http://schemas.openxmlformats.org/drawingml/2006/main" xmlns:r="http://schemas.openxmlformats.org/officeDocument/2006/relationships" xmlns:p="http://schemas.openxmlformats.org/presentationml/2006/main">
+  <p:cSld>
+    <p:spTree>
+      <p:nvGrpSpPr>
+        <p:cNvPr id="1" name=""/>
+        <p:cNvGrpSpPr/>
+        <p:nvPr/>
+      </p:nvGrpSpPr>
+      <p:grpSpPr>
+        <a:xfrm>
+          <a:off x="0" y="0"/>
+          <a:ext cx="0" cy="0"/>
+          <a:chOff x="0" y="0"/>
+          <a:chExt cx="0" cy="0"/>
+        </a:xfrm>
+      </p:grpSpPr>
+      <p:sp>
+        <p:nvSpPr>
+          <p:cNvPr id="2" name="Title 1"/>
+          <p:cNvSpPr>
+            <a:spLocks noGrp="1"/>
+          </p:cNvSpPr>
+          <p:nvPr>
+            <p:ph type="title"/>
+          </p:nvPr>
+        </p:nvSpPr>
+        <p:spPr/>
+        <p:txBody>
+          <a:bodyPr>
+            <a:normAutofit fontScale="90000"/>
+          </a:bodyPr>
+          <a:lstStyle/>
+          <a:p>
+            <a:r>
+              <a:rPr lang="en-US" dirty="0" smtClean="0"/>
+              <a:t>Solution #2: When you give them encrypted data, validate it</a:t>
+            </a:r>
+            <a:endParaRPr lang="en-US" dirty="0"/>
+          </a:p>
+        </p:txBody>
+      </p:sp>
+      <p:sp>
+        <p:nvSpPr>
+          <p:cNvPr id="3" name="Content Placeholder 2"/>
+          <p:cNvSpPr>
+            <a:spLocks noGrp="1"/>
+          </p:cNvSpPr>
+          <p:nvPr>
+            <p:ph idx="1"/>
+          </p:nvPr>
+        </p:nvSpPr>
+        <p:spPr/>
+        <p:txBody>
+          <a:bodyPr>
+            <a:normAutofit fontScale="92500"/>
+          </a:bodyPr>
+          <a:lstStyle/>
+          <a:p>
+            <a:r>
+              <a:rPr lang="en-US" dirty="0" smtClean="0"/>
+              <a:t>“The cryptographic doom principle”</a:t>
+            </a:r>
+          </a:p>
+          <a:p>
+            <a:r>
+              <a:rPr lang="en-US" dirty="0" smtClean="0"/>
+              <a:t>Calculate a HMAC and send it with the encrypted data</a:t>
+            </a:r>
+          </a:p>
+          <a:p>
+            <a:pPr lvl="1"/>
+            <a:r>
+              <a:rPr lang="en-US" dirty="0" smtClean="0"/>
+              <a:t>Validate the HMAC before attempting to decrypt</a:t>
+            </a:r>
+          </a:p>
+          <a:p>
+            <a:r>
+              <a:rPr lang="en-US" dirty="0" smtClean="0"/>
+              <a:t>Alternatively, use encryption in “EAX mode” – a NIST standard for authenticated encryption</a:t>
+            </a:r>
+          </a:p>
+          <a:p>
+            <a:r>
+              <a:rPr lang="en-US" dirty="0" smtClean="0"/>
+              <a:t>Coming soon: CAESAR</a:t>
+            </a:r>
+          </a:p>
+          <a:p>
+            <a:pPr lvl="1"/>
+            <a:r>
+              <a:rPr lang="en-US" b="1" dirty="0"/>
+              <a:t>CAESAR: Competition for Authenticated Encryption: Security, Applicability, and </a:t>
+            </a:r>
+            <a:r>
+              <a:rPr lang="en-US" b="1" dirty="0" smtClean="0"/>
+              <a:t>Robustness</a:t>
+            </a:r>
+            <a:endParaRPr lang="en-US" b="1" dirty="0"/>
+          </a:p>
+        </p:txBody>
+      </p:sp>
+    </p:spTree>
+    <p:extLst>
+      <p:ext uri="{BB962C8B-B14F-4D97-AF65-F5344CB8AC3E}">
+        <p14:creationId xmlns:p14="http://schemas.microsoft.com/office/powerpoint/2010/main" val="1771997933"/>
+      </p:ext>
+    </p:extLst>
+  </p:cSld>
+  <p:clrMapOvr>
+    <a:masterClrMapping/>
+  </p:clrMapOvr>
+  <p:timing>
+    <p:tnLst>
+      <p:par>
+        <p:cTn id="1" dur="indefinite" restart="never" nodeType="tmRoot"/>
+      </p:par>
+    </p:tnLst>
+  </p:timing>
+</p:sld>
+</file>
+
 <file path=ppt/slides/slide96.xml><?xml version="1.0" encoding="utf-8"?>
 <p:sld xmlns:a="http://schemas.openxmlformats.org/drawingml/2006/main" xmlns:r="http://schemas.openxmlformats.org/officeDocument/2006/relationships" xmlns:p="http://schemas.openxmlformats.org/presentationml/2006/main">
   <p:cSld>
@@ -52979,122 +53005,7 @@
           <a:p>
             <a:r>
               <a:rPr lang="en-US" dirty="0" smtClean="0"/>
-              <a:t>Solution #2: When you give them encrypted data, validate it</a:t>
-            </a:r>
-            <a:endParaRPr lang="en-US" dirty="0"/>
-          </a:p>
-        </p:txBody>
-      </p:sp>
-      <p:sp>
-        <p:nvSpPr>
-          <p:cNvPr id="3" name="Content Placeholder 2"/>
-          <p:cNvSpPr>
-            <a:spLocks noGrp="1"/>
-          </p:cNvSpPr>
-          <p:nvPr>
-            <p:ph idx="1"/>
-          </p:nvPr>
-        </p:nvSpPr>
-        <p:spPr/>
-        <p:txBody>
-          <a:bodyPr>
-            <a:normAutofit lnSpcReduction="10000"/>
-          </a:bodyPr>
-          <a:lstStyle/>
-          <a:p>
-            <a:r>
-              <a:rPr lang="en-US" dirty="0" smtClean="0"/>
-              <a:t>Calculate a HMAC and send it with the encrypted data</a:t>
-            </a:r>
-          </a:p>
-          <a:p>
-            <a:pPr lvl="1"/>
-            <a:r>
-              <a:rPr lang="en-US" dirty="0" smtClean="0"/>
-              <a:t>Validate the HMAC before attempting to decrypt</a:t>
-            </a:r>
-          </a:p>
-          <a:p>
-            <a:r>
-              <a:rPr lang="en-US" dirty="0" smtClean="0"/>
-              <a:t>Alternatively, use encryption in “EAX mode” – a NIST standard for authenticated encryption</a:t>
-            </a:r>
-          </a:p>
-          <a:p>
-            <a:r>
-              <a:rPr lang="en-US" dirty="0" smtClean="0"/>
-              <a:t>Coming soon: CAESAR</a:t>
-            </a:r>
-          </a:p>
-          <a:p>
-            <a:pPr lvl="1"/>
-            <a:r>
-              <a:rPr lang="en-US" b="1" dirty="0"/>
-              <a:t>CAESAR: Competition for Authenticated Encryption: Security, Applicability, and </a:t>
-            </a:r>
-            <a:r>
-              <a:rPr lang="en-US" b="1" dirty="0" smtClean="0"/>
-              <a:t>Robustness</a:t>
-            </a:r>
-            <a:endParaRPr lang="en-US" b="1" dirty="0"/>
-          </a:p>
-        </p:txBody>
-      </p:sp>
-    </p:spTree>
-    <p:extLst>
-      <p:ext uri="{BB962C8B-B14F-4D97-AF65-F5344CB8AC3E}">
-        <p14:creationId xmlns:p14="http://schemas.microsoft.com/office/powerpoint/2010/main" val="1771997933"/>
-      </p:ext>
-    </p:extLst>
-  </p:cSld>
-  <p:clrMapOvr>
-    <a:masterClrMapping/>
-  </p:clrMapOvr>
-  <p:timing>
-    <p:tnLst>
-      <p:par>
-        <p:cTn id="1" dur="indefinite" restart="never" nodeType="tmRoot"/>
-      </p:par>
-    </p:tnLst>
-  </p:timing>
-</p:sld>
-</file>
-
-<file path=ppt/slides/slide97.xml><?xml version="1.0" encoding="utf-8"?>
-<p:sld xmlns:a="http://schemas.openxmlformats.org/drawingml/2006/main" xmlns:r="http://schemas.openxmlformats.org/officeDocument/2006/relationships" xmlns:p="http://schemas.openxmlformats.org/presentationml/2006/main">
-  <p:cSld>
-    <p:spTree>
-      <p:nvGrpSpPr>
-        <p:cNvPr id="1" name=""/>
-        <p:cNvGrpSpPr/>
-        <p:nvPr/>
-      </p:nvGrpSpPr>
-      <p:grpSpPr>
-        <a:xfrm>
-          <a:off x="0" y="0"/>
-          <a:ext cx="0" cy="0"/>
-          <a:chOff x="0" y="0"/>
-          <a:chExt cx="0" cy="0"/>
-        </a:xfrm>
-      </p:grpSpPr>
-      <p:sp>
-        <p:nvSpPr>
-          <p:cNvPr id="2" name="Title 1"/>
-          <p:cNvSpPr>
-            <a:spLocks noGrp="1"/>
-          </p:cNvSpPr>
-          <p:nvPr>
-            <p:ph type="title"/>
-          </p:nvPr>
-        </p:nvSpPr>
-        <p:spPr/>
-        <p:txBody>
-          <a:bodyPr/>
-          <a:lstStyle/>
-          <a:p>
-            <a:r>
-              <a:rPr lang="en-US" dirty="0" smtClean="0"/>
-              <a:t>It bears repeating…</a:t>
+              <a:t>“The cryptographic doom principle”</a:t>
             </a:r>
             <a:endParaRPr lang="en-US" dirty="0"/>
           </a:p>
@@ -53198,7 +53109,7 @@
 </p:sld>
 </file>
 
-<file path=ppt/slides/slide98.xml><?xml version="1.0" encoding="utf-8"?>
+<file path=ppt/slides/slide97.xml><?xml version="1.0" encoding="utf-8"?>
 <p:sld xmlns:a="http://schemas.openxmlformats.org/drawingml/2006/main" xmlns:r="http://schemas.openxmlformats.org/officeDocument/2006/relationships" xmlns:p="http://schemas.openxmlformats.org/presentationml/2006/main">
   <p:cSld>
     <p:spTree>
@@ -53234,15 +53145,7 @@
           <a:p>
             <a:r>
               <a:rPr lang="en-US" dirty="0" smtClean="0"/>
-              <a:t>Solution #3: Never encrypt </a:t>
-            </a:r>
-            <a:r>
-              <a:rPr lang="en-US" dirty="0" smtClean="0"/>
-              <a:t>data </a:t>
-            </a:r>
-            <a:r>
-              <a:rPr lang="en-US" dirty="0" smtClean="0"/>
-              <a:t>with the same key and IV</a:t>
+              <a:t>Solution #3: Never encrypt data with the same key and IV</a:t>
             </a:r>
             <a:endParaRPr lang="en-US" dirty="0"/>
           </a:p>
@@ -53281,6 +53184,36 @@
           </a:p>
         </p:txBody>
       </p:sp>
+      <p:pic>
+        <p:nvPicPr>
+          <p:cNvPr id="4" name="Picture 3"/>
+          <p:cNvPicPr>
+            <a:picLocks noChangeAspect="1"/>
+          </p:cNvPicPr>
+          <p:nvPr/>
+        </p:nvPicPr>
+        <p:blipFill>
+          <a:blip r:embed="rId2">
+            <a:extLst>
+              <a:ext uri="{28A0092B-C50C-407E-A947-70E740481C1C}">
+                <a14:useLocalDpi xmlns:a14="http://schemas.microsoft.com/office/drawing/2010/main" val="0"/>
+              </a:ext>
+            </a:extLst>
+          </a:blip>
+          <a:stretch>
+            <a:fillRect/>
+          </a:stretch>
+        </p:blipFill>
+        <p:spPr>
+          <a:xfrm>
+            <a:off x="2133599" y="4267200"/>
+            <a:ext cx="4599491" cy="2514600"/>
+          </a:xfrm>
+          <a:prstGeom prst="rect">
+            <a:avLst/>
+          </a:prstGeom>
+        </p:spPr>
+      </p:pic>
     </p:spTree>
     <p:extLst>
       <p:ext uri="{BB962C8B-B14F-4D97-AF65-F5344CB8AC3E}">
@@ -53301,7 +53234,7 @@
 </p:sld>
 </file>
 
-<file path=ppt/slides/slide99.xml><?xml version="1.0" encoding="utf-8"?>
+<file path=ppt/slides/slide98.xml><?xml version="1.0" encoding="utf-8"?>
 <p:sld xmlns:a="http://schemas.openxmlformats.org/drawingml/2006/main" xmlns:r="http://schemas.openxmlformats.org/officeDocument/2006/relationships" xmlns:p="http://schemas.openxmlformats.org/presentationml/2006/main">
   <p:cSld>
     <p:spTree>
@@ -53388,6 +53321,355 @@
     <p:extLst>
       <p:ext uri="{BB962C8B-B14F-4D97-AF65-F5344CB8AC3E}">
         <p14:creationId xmlns:p14="http://schemas.microsoft.com/office/powerpoint/2010/main" val="2719671012"/>
+      </p:ext>
+    </p:extLst>
+  </p:cSld>
+  <p:clrMapOvr>
+    <a:masterClrMapping/>
+  </p:clrMapOvr>
+  <p:timing>
+    <p:tnLst>
+      <p:par>
+        <p:cTn id="1" dur="indefinite" restart="never" nodeType="tmRoot"/>
+      </p:par>
+    </p:tnLst>
+  </p:timing>
+</p:sld>
+</file>
+
+<file path=ppt/slides/slide99.xml><?xml version="1.0" encoding="utf-8"?>
+<p:sld xmlns:a="http://schemas.openxmlformats.org/drawingml/2006/main" xmlns:r="http://schemas.openxmlformats.org/officeDocument/2006/relationships" xmlns:p="http://schemas.openxmlformats.org/presentationml/2006/main">
+  <p:cSld>
+    <p:spTree>
+      <p:nvGrpSpPr>
+        <p:cNvPr id="1" name=""/>
+        <p:cNvGrpSpPr/>
+        <p:nvPr/>
+      </p:nvGrpSpPr>
+      <p:grpSpPr>
+        <a:xfrm>
+          <a:off x="0" y="0"/>
+          <a:ext cx="0" cy="0"/>
+          <a:chOff x="0" y="0"/>
+          <a:chExt cx="0" cy="0"/>
+        </a:xfrm>
+      </p:grpSpPr>
+      <p:sp>
+        <p:nvSpPr>
+          <p:cNvPr id="2" name="Title 1"/>
+          <p:cNvSpPr>
+            <a:spLocks noGrp="1"/>
+          </p:cNvSpPr>
+          <p:nvPr>
+            <p:ph type="title"/>
+          </p:nvPr>
+        </p:nvSpPr>
+        <p:spPr/>
+        <p:txBody>
+          <a:bodyPr/>
+          <a:lstStyle/>
+          <a:p>
+            <a:r>
+              <a:rPr lang="en-US" dirty="0" smtClean="0"/>
+              <a:t>That’s all!</a:t>
+            </a:r>
+            <a:endParaRPr lang="en-US" dirty="0"/>
+          </a:p>
+        </p:txBody>
+      </p:sp>
+      <p:pic>
+        <p:nvPicPr>
+          <p:cNvPr id="9218" name="Picture 2" descr="http://fun-gallery.com/wp-content/uploads/2011/09/Fast-And-Funny-640x469.jpg"/>
+          <p:cNvPicPr>
+            <a:picLocks noChangeAspect="1" noChangeArrowheads="1"/>
+          </p:cNvPicPr>
+          <p:nvPr/>
+        </p:nvPicPr>
+        <p:blipFill>
+          <a:blip r:embed="rId2">
+            <a:extLst>
+              <a:ext uri="{28A0092B-C50C-407E-A947-70E740481C1C}">
+                <a14:useLocalDpi xmlns:a14="http://schemas.microsoft.com/office/drawing/2010/main" val="0"/>
+              </a:ext>
+            </a:extLst>
+          </a:blip>
+          <a:srcRect/>
+          <a:stretch>
+            <a:fillRect/>
+          </a:stretch>
+        </p:blipFill>
+        <p:spPr bwMode="auto">
+          <a:xfrm>
+            <a:off x="1912434" y="152400"/>
+            <a:ext cx="5631366" cy="4126736"/>
+          </a:xfrm>
+          <a:prstGeom prst="rect">
+            <a:avLst/>
+          </a:prstGeom>
+          <a:noFill/>
+          <a:extLst>
+            <a:ext uri="{909E8E84-426E-40DD-AFC4-6F175D3DCCD1}">
+              <a14:hiddenFill xmlns:a14="http://schemas.microsoft.com/office/drawing/2010/main">
+                <a:solidFill>
+                  <a:srgbClr val="FFFFFF"/>
+                </a:solidFill>
+              </a14:hiddenFill>
+            </a:ext>
+          </a:extLst>
+        </p:spPr>
+      </p:pic>
+      <p:sp>
+        <p:nvSpPr>
+          <p:cNvPr id="4" name="Rectangle 3"/>
+          <p:cNvSpPr/>
+          <p:nvPr/>
+        </p:nvSpPr>
+        <p:spPr>
+          <a:xfrm>
+            <a:off x="3124200" y="152400"/>
+            <a:ext cx="1752600" cy="1219200"/>
+          </a:xfrm>
+          <a:prstGeom prst="rect">
+            <a:avLst/>
+          </a:prstGeom>
+          <a:noFill/>
+          <a:ln>
+            <a:solidFill>
+              <a:srgbClr val="FF0000"/>
+            </a:solidFill>
+          </a:ln>
+        </p:spPr>
+        <p:style>
+          <a:lnRef idx="2">
+            <a:schemeClr val="accent1">
+              <a:shade val="50000"/>
+            </a:schemeClr>
+          </a:lnRef>
+          <a:fillRef idx="1">
+            <a:schemeClr val="accent1"/>
+          </a:fillRef>
+          <a:effectRef idx="0">
+            <a:schemeClr val="accent1"/>
+          </a:effectRef>
+          <a:fontRef idx="minor">
+            <a:schemeClr val="lt1"/>
+          </a:fontRef>
+        </p:style>
+        <p:txBody>
+          <a:bodyPr rtlCol="0" anchor="ctr"/>
+          <a:lstStyle/>
+          <a:p>
+            <a:pPr algn="ctr"/>
+            <a:endParaRPr lang="en-US"/>
+          </a:p>
+        </p:txBody>
+      </p:sp>
+      <p:cxnSp>
+        <p:nvCxnSpPr>
+          <p:cNvPr id="6" name="Straight Connector 5"/>
+          <p:cNvCxnSpPr/>
+          <p:nvPr/>
+        </p:nvCxnSpPr>
+        <p:spPr>
+          <a:xfrm>
+            <a:off x="4876800" y="152400"/>
+            <a:ext cx="4285785" cy="2895600"/>
+          </a:xfrm>
+          <a:prstGeom prst="line">
+            <a:avLst/>
+          </a:prstGeom>
+          <a:ln w="28575">
+            <a:solidFill>
+              <a:srgbClr val="FF0000"/>
+            </a:solidFill>
+          </a:ln>
+        </p:spPr>
+        <p:style>
+          <a:lnRef idx="1">
+            <a:schemeClr val="accent1"/>
+          </a:lnRef>
+          <a:fillRef idx="0">
+            <a:schemeClr val="accent1"/>
+          </a:fillRef>
+          <a:effectRef idx="0">
+            <a:schemeClr val="accent1"/>
+          </a:effectRef>
+          <a:fontRef idx="minor">
+            <a:schemeClr val="tx1"/>
+          </a:fontRef>
+        </p:style>
+      </p:cxnSp>
+      <p:cxnSp>
+        <p:nvCxnSpPr>
+          <p:cNvPr id="10" name="Straight Connector 9"/>
+          <p:cNvCxnSpPr/>
+          <p:nvPr/>
+        </p:nvCxnSpPr>
+        <p:spPr>
+          <a:xfrm>
+            <a:off x="3124200" y="1371600"/>
+            <a:ext cx="1466385" cy="4724400"/>
+          </a:xfrm>
+          <a:prstGeom prst="line">
+            <a:avLst/>
+          </a:prstGeom>
+          <a:ln w="28575">
+            <a:solidFill>
+              <a:srgbClr val="FF0000"/>
+            </a:solidFill>
+          </a:ln>
+        </p:spPr>
+        <p:style>
+          <a:lnRef idx="1">
+            <a:schemeClr val="accent1"/>
+          </a:lnRef>
+          <a:fillRef idx="0">
+            <a:schemeClr val="accent1"/>
+          </a:fillRef>
+          <a:effectRef idx="0">
+            <a:schemeClr val="accent1"/>
+          </a:effectRef>
+          <a:fontRef idx="minor">
+            <a:schemeClr val="tx1"/>
+          </a:fontRef>
+        </p:style>
+      </p:cxnSp>
+      <p:cxnSp>
+        <p:nvCxnSpPr>
+          <p:cNvPr id="15" name="Straight Connector 14"/>
+          <p:cNvCxnSpPr/>
+          <p:nvPr/>
+        </p:nvCxnSpPr>
+        <p:spPr>
+          <a:xfrm>
+            <a:off x="3124200" y="152400"/>
+            <a:ext cx="1466385" cy="2895600"/>
+          </a:xfrm>
+          <a:prstGeom prst="line">
+            <a:avLst/>
+          </a:prstGeom>
+          <a:ln w="28575">
+            <a:solidFill>
+              <a:srgbClr val="FF0000"/>
+            </a:solidFill>
+          </a:ln>
+        </p:spPr>
+        <p:style>
+          <a:lnRef idx="1">
+            <a:schemeClr val="accent1"/>
+          </a:lnRef>
+          <a:fillRef idx="0">
+            <a:schemeClr val="accent1"/>
+          </a:fillRef>
+          <a:effectRef idx="0">
+            <a:schemeClr val="accent1"/>
+          </a:effectRef>
+          <a:fontRef idx="minor">
+            <a:schemeClr val="tx1"/>
+          </a:fontRef>
+        </p:style>
+      </p:cxnSp>
+      <p:cxnSp>
+        <p:nvCxnSpPr>
+          <p:cNvPr id="18" name="Straight Connector 17"/>
+          <p:cNvCxnSpPr/>
+          <p:nvPr/>
+        </p:nvCxnSpPr>
+        <p:spPr>
+          <a:xfrm>
+            <a:off x="4876801" y="1371600"/>
+            <a:ext cx="4285784" cy="4724400"/>
+          </a:xfrm>
+          <a:prstGeom prst="line">
+            <a:avLst/>
+          </a:prstGeom>
+          <a:ln w="28575">
+            <a:solidFill>
+              <a:srgbClr val="FF0000"/>
+            </a:solidFill>
+          </a:ln>
+        </p:spPr>
+        <p:style>
+          <a:lnRef idx="1">
+            <a:schemeClr val="accent1"/>
+          </a:lnRef>
+          <a:fillRef idx="0">
+            <a:schemeClr val="accent1"/>
+          </a:fillRef>
+          <a:effectRef idx="0">
+            <a:schemeClr val="accent1"/>
+          </a:effectRef>
+          <a:fontRef idx="minor">
+            <a:schemeClr val="tx1"/>
+          </a:fontRef>
+        </p:style>
+      </p:cxnSp>
+      <p:pic>
+        <p:nvPicPr>
+          <p:cNvPr id="9220" name="Picture 4" descr="http://fun-gallery.com/wp-content/uploads/2011/09/Running-Race-Finish-Line-Funny-Picture.jpg"/>
+          <p:cNvPicPr>
+            <a:picLocks noChangeAspect="1" noChangeArrowheads="1"/>
+          </p:cNvPicPr>
+          <p:nvPr/>
+        </p:nvPicPr>
+        <p:blipFill>
+          <a:blip r:embed="rId3">
+            <a:extLst>
+              <a:ext uri="{28A0092B-C50C-407E-A947-70E740481C1C}">
+                <a14:useLocalDpi xmlns:a14="http://schemas.microsoft.com/office/drawing/2010/main" val="0"/>
+              </a:ext>
+            </a:extLst>
+          </a:blip>
+          <a:srcRect/>
+          <a:stretch>
+            <a:fillRect/>
+          </a:stretch>
+        </p:blipFill>
+        <p:spPr bwMode="auto">
+          <a:xfrm>
+            <a:off x="4590585" y="3048000"/>
+            <a:ext cx="4572000" cy="3048000"/>
+          </a:xfrm>
+          <a:prstGeom prst="rect">
+            <a:avLst/>
+          </a:prstGeom>
+          <a:solidFill>
+            <a:srgbClr val="FFFFFF">
+              <a:shade val="85000"/>
+            </a:srgbClr>
+          </a:solidFill>
+          <a:ln w="19050" cap="sq">
+            <a:solidFill>
+              <a:srgbClr val="FF0000"/>
+            </a:solidFill>
+            <a:miter lim="800000"/>
+          </a:ln>
+          <a:effectLst>
+            <a:outerShdw blurRad="55000" dist="18000" dir="5400000" algn="tl" rotWithShape="0">
+              <a:srgbClr val="000000">
+                <a:alpha val="40000"/>
+              </a:srgbClr>
+            </a:outerShdw>
+          </a:effectLst>
+          <a:scene3d>
+            <a:camera prst="orthographicFront"/>
+            <a:lightRig rig="twoPt" dir="t">
+              <a:rot lat="0" lon="0" rev="7200000"/>
+            </a:lightRig>
+          </a:scene3d>
+          <a:sp3d>
+            <a:bevelT w="25400" h="19050"/>
+            <a:contourClr>
+              <a:srgbClr val="FFFFFF"/>
+            </a:contourClr>
+          </a:sp3d>
+          <a:extLst/>
+        </p:spPr>
+      </p:pic>
+    </p:spTree>
+    <p:extLst>
+      <p:ext uri="{BB962C8B-B14F-4D97-AF65-F5344CB8AC3E}">
+        <p14:creationId xmlns:p14="http://schemas.microsoft.com/office/powerpoint/2010/main" val="2565735704"/>
       </p:ext>
     </p:extLst>
   </p:cSld>

--- a/Shmoocon.pptx
+++ b/Shmoocon.pptx
@@ -294,7 +294,7 @@
           <a:p>
             <a:fld id="{B518C13D-2B3F-42C3-B83D-5B01E1232990}" type="datetimeFigureOut">
               <a:rPr lang="en-US" smtClean="0"/>
-              <a:t>2/16/2013</a:t>
+              <a:t>2/20/2013</a:t>
             </a:fld>
             <a:endParaRPr lang="en-US"/>
           </a:p>
@@ -979,7 +979,7 @@
           <a:p>
             <a:fld id="{C7363F1F-ADBF-4FAE-A422-131859708330}" type="datetimeFigureOut">
               <a:rPr lang="en-US" smtClean="0"/>
-              <a:t>2/16/2013</a:t>
+              <a:t>2/20/2013</a:t>
             </a:fld>
             <a:endParaRPr lang="en-US"/>
           </a:p>
@@ -1149,7 +1149,7 @@
           <a:p>
             <a:fld id="{C7363F1F-ADBF-4FAE-A422-131859708330}" type="datetimeFigureOut">
               <a:rPr lang="en-US" smtClean="0"/>
-              <a:t>2/16/2013</a:t>
+              <a:t>2/20/2013</a:t>
             </a:fld>
             <a:endParaRPr lang="en-US"/>
           </a:p>
@@ -1329,7 +1329,7 @@
           <a:p>
             <a:fld id="{C7363F1F-ADBF-4FAE-A422-131859708330}" type="datetimeFigureOut">
               <a:rPr lang="en-US" smtClean="0"/>
-              <a:t>2/16/2013</a:t>
+              <a:t>2/20/2013</a:t>
             </a:fld>
             <a:endParaRPr lang="en-US"/>
           </a:p>
@@ -1499,7 +1499,7 @@
           <a:p>
             <a:fld id="{C7363F1F-ADBF-4FAE-A422-131859708330}" type="datetimeFigureOut">
               <a:rPr lang="en-US" smtClean="0"/>
-              <a:t>2/16/2013</a:t>
+              <a:t>2/20/2013</a:t>
             </a:fld>
             <a:endParaRPr lang="en-US"/>
           </a:p>
@@ -1745,7 +1745,7 @@
           <a:p>
             <a:fld id="{C7363F1F-ADBF-4FAE-A422-131859708330}" type="datetimeFigureOut">
               <a:rPr lang="en-US" smtClean="0"/>
-              <a:t>2/16/2013</a:t>
+              <a:t>2/20/2013</a:t>
             </a:fld>
             <a:endParaRPr lang="en-US"/>
           </a:p>
@@ -2033,7 +2033,7 @@
           <a:p>
             <a:fld id="{C7363F1F-ADBF-4FAE-A422-131859708330}" type="datetimeFigureOut">
               <a:rPr lang="en-US" smtClean="0"/>
-              <a:t>2/16/2013</a:t>
+              <a:t>2/20/2013</a:t>
             </a:fld>
             <a:endParaRPr lang="en-US"/>
           </a:p>
@@ -2455,7 +2455,7 @@
           <a:p>
             <a:fld id="{C7363F1F-ADBF-4FAE-A422-131859708330}" type="datetimeFigureOut">
               <a:rPr lang="en-US" smtClean="0"/>
-              <a:t>2/16/2013</a:t>
+              <a:t>2/20/2013</a:t>
             </a:fld>
             <a:endParaRPr lang="en-US"/>
           </a:p>
@@ -2573,7 +2573,7 @@
           <a:p>
             <a:fld id="{C7363F1F-ADBF-4FAE-A422-131859708330}" type="datetimeFigureOut">
               <a:rPr lang="en-US" smtClean="0"/>
-              <a:t>2/16/2013</a:t>
+              <a:t>2/20/2013</a:t>
             </a:fld>
             <a:endParaRPr lang="en-US"/>
           </a:p>
@@ -2668,7 +2668,7 @@
           <a:p>
             <a:fld id="{C7363F1F-ADBF-4FAE-A422-131859708330}" type="datetimeFigureOut">
               <a:rPr lang="en-US" smtClean="0"/>
-              <a:t>2/16/2013</a:t>
+              <a:t>2/20/2013</a:t>
             </a:fld>
             <a:endParaRPr lang="en-US"/>
           </a:p>
@@ -2945,7 +2945,7 @@
           <a:p>
             <a:fld id="{C7363F1F-ADBF-4FAE-A422-131859708330}" type="datetimeFigureOut">
               <a:rPr lang="en-US" smtClean="0"/>
-              <a:t>2/16/2013</a:t>
+              <a:t>2/20/2013</a:t>
             </a:fld>
             <a:endParaRPr lang="en-US"/>
           </a:p>
@@ -3198,7 +3198,7 @@
           <a:p>
             <a:fld id="{C7363F1F-ADBF-4FAE-A422-131859708330}" type="datetimeFigureOut">
               <a:rPr lang="en-US" smtClean="0"/>
-              <a:t>2/16/2013</a:t>
+              <a:t>2/20/2013</a:t>
             </a:fld>
             <a:endParaRPr lang="en-US"/>
           </a:p>
@@ -3411,7 +3411,7 @@
           <a:p>
             <a:fld id="{C7363F1F-ADBF-4FAE-A422-131859708330}" type="datetimeFigureOut">
               <a:rPr lang="en-US" smtClean="0"/>
-              <a:t>2/16/2013</a:t>
+              <a:t>2/20/2013</a:t>
             </a:fld>
             <a:endParaRPr lang="en-US"/>
           </a:p>
@@ -7090,7 +7090,6 @@
               <a:rPr lang="en-US" dirty="0" smtClean="0"/>
               <a:t>The best way to improve your self confidence is to hang 1000ft in the air – from an anchor you built</a:t>
             </a:r>
-            <a:endParaRPr lang="en-US" dirty="0" smtClean="0"/>
           </a:p>
         </p:txBody>
       </p:sp>
@@ -50427,7 +50426,7 @@
               <a:t> </a:t>
             </a:r>
             <a:r>
-              <a:rPr lang="en-US" sz="2400" dirty="0">
+              <a:rPr lang="en-US" sz="2400">
                 <a:solidFill>
                   <a:schemeClr val="tx1"/>
                 </a:solidFill>
@@ -50435,7 +50434,7 @@
               <a:t>⊕ </a:t>
             </a:r>
             <a:r>
-              <a:rPr lang="en-US" sz="2400" dirty="0" smtClean="0">
+              <a:rPr lang="en-US" sz="2400" smtClean="0">
                 <a:solidFill>
                   <a:schemeClr val="tx1"/>
                 </a:solidFill>
@@ -50443,15 +50442,15 @@
               <a:t>C</a:t>
             </a:r>
             <a:r>
-              <a:rPr lang="en-US" sz="2400" b="1" baseline="-25000" dirty="0" smtClean="0">
+              <a:rPr lang="en-US" sz="2400" b="1" baseline="-25000" smtClean="0">
                 <a:solidFill>
                   <a:schemeClr val="tx1"/>
                 </a:solidFill>
               </a:rPr>
-              <a:t>2</a:t>
-            </a:r>
-            <a:r>
-              <a:rPr lang="en-US" sz="2400" dirty="0" smtClean="0"/>
+              <a:t>1</a:t>
+            </a:r>
+            <a:r>
+              <a:rPr lang="en-US" sz="2400" smtClean="0"/>
               <a:t> </a:t>
             </a:r>
             <a:r>
